--- a/Short Talks/Poisson and Gamma distributions/Distribuição de Poisson e Gamma.pptx
+++ b/Short Talks/Poisson and Gamma distributions/Distribuição de Poisson e Gamma.pptx
@@ -1,20 +1,22 @@
 
 <file path=ppt/presentation.xml><?xml version="1.0" encoding="utf-8"?>
-<p:presentation xmlns:a="http://schemas.openxmlformats.org/drawingml/2006/main" xmlns:r="http://schemas.openxmlformats.org/officeDocument/2006/relationships" xmlns:p="http://schemas.openxmlformats.org/presentationml/2006/main" saveSubsetFonts="1">
+<p:presentation xmlns:a="http://schemas.openxmlformats.org/drawingml/2006/main" xmlns:r="http://schemas.openxmlformats.org/officeDocument/2006/relationships" xmlns:p="http://schemas.openxmlformats.org/presentationml/2006/main" showSpecialPlsOnTitleSld="0" saveSubsetFonts="1">
   <p:sldMasterIdLst>
     <p:sldMasterId id="2147483648" r:id="rId1"/>
   </p:sldMasterIdLst>
+  <p:notesMasterIdLst>
+    <p:notesMasterId r:id="rId11"/>
+  </p:notesMasterIdLst>
   <p:sldIdLst>
     <p:sldId id="256" r:id="rId2"/>
     <p:sldId id="257" r:id="rId3"/>
     <p:sldId id="258" r:id="rId4"/>
     <p:sldId id="259" r:id="rId5"/>
     <p:sldId id="260" r:id="rId6"/>
-    <p:sldId id="261" r:id="rId7"/>
-    <p:sldId id="262" r:id="rId8"/>
-    <p:sldId id="263" r:id="rId9"/>
-    <p:sldId id="264" r:id="rId10"/>
-    <p:sldId id="265" r:id="rId11"/>
+    <p:sldId id="262" r:id="rId7"/>
+    <p:sldId id="263" r:id="rId8"/>
+    <p:sldId id="264" r:id="rId9"/>
+    <p:sldId id="265" r:id="rId10"/>
   </p:sldIdLst>
   <p:sldSz cx="12192000" cy="6858000"/>
   <p:notesSz cx="6858000" cy="9144000"/>
@@ -113,7 +115,1869 @@
       </a:defRPr>
     </a:lvl9pPr>
   </p:defaultTextStyle>
+  <p:extLst>
+    <p:ext uri="{EFAFB233-063F-42B5-8137-9DF3F51BA10A}">
+      <p15:sldGuideLst xmlns:p15="http://schemas.microsoft.com/office/powerpoint/2012/main"/>
+    </p:ext>
+  </p:extLst>
 </p:presentation>
+</file>
+
+<file path=ppt/revisionInfo.xml><?xml version="1.0" encoding="utf-8"?>
+<p1510:revInfo xmlns:a="http://schemas.openxmlformats.org/drawingml/2006/main" xmlns:r="http://schemas.openxmlformats.org/officeDocument/2006/relationships" xmlns:p1510="http://schemas.microsoft.com/office/powerpoint/2015/10/main">
+  <p1510:revLst>
+    <p1510:client id="{758C3D71-4D74-AFFF-92D3-2B3C14AE1CB2}" v="28" dt="2021-10-19T18:39:25.911"/>
+    <p1510:client id="{A750D241-F792-F43D-BD3F-ED7260A080B3}" v="408" dt="2021-10-19T17:28:22.379"/>
+    <p1510:client id="{A86F0C09-EE21-C629-F016-BFCB9744CC68}" v="1089" dt="2021-10-19T15:55:29.370"/>
+    <p1510:client id="{FF2A4FE9-6061-4F89-9356-7C24429792B8}" v="684" dt="2021-10-19T19:59:50.174"/>
+  </p1510:revLst>
+</p1510:revInfo>
+</file>
+
+<file path=ppt/changesInfos/changesInfo1.xml><?xml version="1.0" encoding="utf-8"?>
+<pc:chgInfo xmlns:a="http://schemas.openxmlformats.org/drawingml/2006/main" xmlns:r="http://schemas.openxmlformats.org/officeDocument/2006/relationships" xmlns:ac="http://schemas.microsoft.com/office/drawing/2013/main/command" xmlns:pc="http://schemas.microsoft.com/office/powerpoint/2013/main/command">
+  <pc:docChgLst>
+    <pc:chgData name="Rodrigo da Silva Gomes Peres Coelho" userId="S::pg47622@uminho.pt::32a22569-e572-4c9f-bf40-e144b3d8d0a1" providerId="AD" clId="Web-{758C3D71-4D74-AFFF-92D3-2B3C14AE1CB2}"/>
+    <pc:docChg chg="modSld">
+      <pc:chgData name="Rodrigo da Silva Gomes Peres Coelho" userId="S::pg47622@uminho.pt::32a22569-e572-4c9f-bf40-e144b3d8d0a1" providerId="AD" clId="Web-{758C3D71-4D74-AFFF-92D3-2B3C14AE1CB2}" dt="2021-10-19T18:39:25.911" v="27" actId="1076"/>
+      <pc:docMkLst>
+        <pc:docMk/>
+      </pc:docMkLst>
+      <pc:sldChg chg="addSp delSp modSp">
+        <pc:chgData name="Rodrigo da Silva Gomes Peres Coelho" userId="S::pg47622@uminho.pt::32a22569-e572-4c9f-bf40-e144b3d8d0a1" providerId="AD" clId="Web-{758C3D71-4D74-AFFF-92D3-2B3C14AE1CB2}" dt="2021-10-19T18:39:25.911" v="27" actId="1076"/>
+        <pc:sldMkLst>
+          <pc:docMk/>
+          <pc:sldMk cId="3345648404" sldId="264"/>
+        </pc:sldMkLst>
+        <pc:spChg chg="mod">
+          <ac:chgData name="Rodrigo da Silva Gomes Peres Coelho" userId="S::pg47622@uminho.pt::32a22569-e572-4c9f-bf40-e144b3d8d0a1" providerId="AD" clId="Web-{758C3D71-4D74-AFFF-92D3-2B3C14AE1CB2}" dt="2021-10-19T18:37:39.033" v="18" actId="20577"/>
+          <ac:spMkLst>
+            <pc:docMk/>
+            <pc:sldMk cId="3345648404" sldId="264"/>
+            <ac:spMk id="2" creationId="{3521A686-2A8F-44AB-9FFA-739C74C1E6F6}"/>
+          </ac:spMkLst>
+        </pc:spChg>
+        <pc:spChg chg="del">
+          <ac:chgData name="Rodrigo da Silva Gomes Peres Coelho" userId="S::pg47622@uminho.pt::32a22569-e572-4c9f-bf40-e144b3d8d0a1" providerId="AD" clId="Web-{758C3D71-4D74-AFFF-92D3-2B3C14AE1CB2}" dt="2021-10-19T18:37:19.736" v="0"/>
+          <ac:spMkLst>
+            <pc:docMk/>
+            <pc:sldMk cId="3345648404" sldId="264"/>
+            <ac:spMk id="3" creationId="{58F61B69-225E-4BBB-AC2C-1D9D59DEA912}"/>
+          </ac:spMkLst>
+        </pc:spChg>
+        <pc:spChg chg="add del mod">
+          <ac:chgData name="Rodrigo da Silva Gomes Peres Coelho" userId="S::pg47622@uminho.pt::32a22569-e572-4c9f-bf40-e144b3d8d0a1" providerId="AD" clId="Web-{758C3D71-4D74-AFFF-92D3-2B3C14AE1CB2}" dt="2021-10-19T18:39:17.489" v="25"/>
+          <ac:spMkLst>
+            <pc:docMk/>
+            <pc:sldMk cId="3345648404" sldId="264"/>
+            <ac:spMk id="6" creationId="{A345E303-945A-4029-A0B7-5BAC23F3D52D}"/>
+          </ac:spMkLst>
+        </pc:spChg>
+        <pc:picChg chg="add del mod ord">
+          <ac:chgData name="Rodrigo da Silva Gomes Peres Coelho" userId="S::pg47622@uminho.pt::32a22569-e572-4c9f-bf40-e144b3d8d0a1" providerId="AD" clId="Web-{758C3D71-4D74-AFFF-92D3-2B3C14AE1CB2}" dt="2021-10-19T18:39:10.739" v="24"/>
+          <ac:picMkLst>
+            <pc:docMk/>
+            <pc:sldMk cId="3345648404" sldId="264"/>
+            <ac:picMk id="4" creationId="{3518310F-A2C7-43A4-97D8-47BAF4C6131B}"/>
+          </ac:picMkLst>
+        </pc:picChg>
+        <pc:picChg chg="add mod ord">
+          <ac:chgData name="Rodrigo da Silva Gomes Peres Coelho" userId="S::pg47622@uminho.pt::32a22569-e572-4c9f-bf40-e144b3d8d0a1" providerId="AD" clId="Web-{758C3D71-4D74-AFFF-92D3-2B3C14AE1CB2}" dt="2021-10-19T18:39:25.911" v="27" actId="1076"/>
+          <ac:picMkLst>
+            <pc:docMk/>
+            <pc:sldMk cId="3345648404" sldId="264"/>
+            <ac:picMk id="7" creationId="{BABBFE0C-6DB8-4D5C-8B4A-46A566D9BD09}"/>
+          </ac:picMkLst>
+        </pc:picChg>
+      </pc:sldChg>
+    </pc:docChg>
+  </pc:docChgLst>
+  <pc:docChgLst>
+    <pc:chgData name="Irving Leander Reascos Valencia" userId="S::pg47264@uminho.pt::8da0aa10-e628-4418-996a-6e2b438f5890" providerId="AD" clId="Web-{A750D241-F792-F43D-BD3F-ED7260A080B3}"/>
+    <pc:docChg chg="modSld">
+      <pc:chgData name="Irving Leander Reascos Valencia" userId="S::pg47264@uminho.pt::8da0aa10-e628-4418-996a-6e2b438f5890" providerId="AD" clId="Web-{A750D241-F792-F43D-BD3F-ED7260A080B3}" dt="2021-10-19T17:28:22.379" v="402" actId="1076"/>
+      <pc:docMkLst>
+        <pc:docMk/>
+      </pc:docMkLst>
+      <pc:sldChg chg="modSp">
+        <pc:chgData name="Irving Leander Reascos Valencia" userId="S::pg47264@uminho.pt::8da0aa10-e628-4418-996a-6e2b438f5890" providerId="AD" clId="Web-{A750D241-F792-F43D-BD3F-ED7260A080B3}" dt="2021-10-19T15:13:52.687" v="240" actId="20577"/>
+        <pc:sldMkLst>
+          <pc:docMk/>
+          <pc:sldMk cId="141842313" sldId="258"/>
+        </pc:sldMkLst>
+        <pc:spChg chg="mod">
+          <ac:chgData name="Irving Leander Reascos Valencia" userId="S::pg47264@uminho.pt::8da0aa10-e628-4418-996a-6e2b438f5890" providerId="AD" clId="Web-{A750D241-F792-F43D-BD3F-ED7260A080B3}" dt="2021-10-19T15:07:46.883" v="1" actId="20577"/>
+          <ac:spMkLst>
+            <pc:docMk/>
+            <pc:sldMk cId="141842313" sldId="258"/>
+            <ac:spMk id="2" creationId="{C9F13D6B-ADDC-4D9F-8F64-BFE5D3350D4E}"/>
+          </ac:spMkLst>
+        </pc:spChg>
+        <pc:spChg chg="mod">
+          <ac:chgData name="Irving Leander Reascos Valencia" userId="S::pg47264@uminho.pt::8da0aa10-e628-4418-996a-6e2b438f5890" providerId="AD" clId="Web-{A750D241-F792-F43D-BD3F-ED7260A080B3}" dt="2021-10-19T15:13:52.687" v="240" actId="20577"/>
+          <ac:spMkLst>
+            <pc:docMk/>
+            <pc:sldMk cId="141842313" sldId="258"/>
+            <ac:spMk id="3" creationId="{EC75AD99-26BD-4FCD-9831-C1EBF240F0E8}"/>
+          </ac:spMkLst>
+        </pc:spChg>
+      </pc:sldChg>
+      <pc:sldChg chg="modSp">
+        <pc:chgData name="Irving Leander Reascos Valencia" userId="S::pg47264@uminho.pt::8da0aa10-e628-4418-996a-6e2b438f5890" providerId="AD" clId="Web-{A750D241-F792-F43D-BD3F-ED7260A080B3}" dt="2021-10-19T15:14:05.735" v="253" actId="20577"/>
+        <pc:sldMkLst>
+          <pc:docMk/>
+          <pc:sldMk cId="3785552250" sldId="259"/>
+        </pc:sldMkLst>
+        <pc:spChg chg="mod">
+          <ac:chgData name="Irving Leander Reascos Valencia" userId="S::pg47264@uminho.pt::8da0aa10-e628-4418-996a-6e2b438f5890" providerId="AD" clId="Web-{A750D241-F792-F43D-BD3F-ED7260A080B3}" dt="2021-10-19T15:11:56.117" v="137" actId="20577"/>
+          <ac:spMkLst>
+            <pc:docMk/>
+            <pc:sldMk cId="3785552250" sldId="259"/>
+            <ac:spMk id="2" creationId="{770AEAC1-D00D-4613-95F0-71CF1560AD62}"/>
+          </ac:spMkLst>
+        </pc:spChg>
+        <pc:spChg chg="mod">
+          <ac:chgData name="Irving Leander Reascos Valencia" userId="S::pg47264@uminho.pt::8da0aa10-e628-4418-996a-6e2b438f5890" providerId="AD" clId="Web-{A750D241-F792-F43D-BD3F-ED7260A080B3}" dt="2021-10-19T15:14:05.735" v="253" actId="20577"/>
+          <ac:spMkLst>
+            <pc:docMk/>
+            <pc:sldMk cId="3785552250" sldId="259"/>
+            <ac:spMk id="3" creationId="{1B8160BC-DBAF-4CF3-815A-DFCC0C01BC4D}"/>
+          </ac:spMkLst>
+        </pc:spChg>
+      </pc:sldChg>
+      <pc:sldChg chg="addSp delSp modSp">
+        <pc:chgData name="Irving Leander Reascos Valencia" userId="S::pg47264@uminho.pt::8da0aa10-e628-4418-996a-6e2b438f5890" providerId="AD" clId="Web-{A750D241-F792-F43D-BD3F-ED7260A080B3}" dt="2021-10-19T16:24:01.823" v="400" actId="1076"/>
+        <pc:sldMkLst>
+          <pc:docMk/>
+          <pc:sldMk cId="4233285982" sldId="260"/>
+        </pc:sldMkLst>
+        <pc:spChg chg="mod">
+          <ac:chgData name="Irving Leander Reascos Valencia" userId="S::pg47264@uminho.pt::8da0aa10-e628-4418-996a-6e2b438f5890" providerId="AD" clId="Web-{A750D241-F792-F43D-BD3F-ED7260A080B3}" dt="2021-10-19T15:14:52.597" v="281" actId="20577"/>
+          <ac:spMkLst>
+            <pc:docMk/>
+            <pc:sldMk cId="4233285982" sldId="260"/>
+            <ac:spMk id="2" creationId="{98EB2216-8FC6-44B0-82C2-66A7172A529A}"/>
+          </ac:spMkLst>
+        </pc:spChg>
+        <pc:spChg chg="mod">
+          <ac:chgData name="Irving Leander Reascos Valencia" userId="S::pg47264@uminho.pt::8da0aa10-e628-4418-996a-6e2b438f5890" providerId="AD" clId="Web-{A750D241-F792-F43D-BD3F-ED7260A080B3}" dt="2021-10-19T15:16:49.636" v="383" actId="20577"/>
+          <ac:spMkLst>
+            <pc:docMk/>
+            <pc:sldMk cId="4233285982" sldId="260"/>
+            <ac:spMk id="3" creationId="{2B0B0381-2015-4C05-B552-CD2565C5E8A6}"/>
+          </ac:spMkLst>
+        </pc:spChg>
+        <pc:picChg chg="add mod">
+          <ac:chgData name="Irving Leander Reascos Valencia" userId="S::pg47264@uminho.pt::8da0aa10-e628-4418-996a-6e2b438f5890" providerId="AD" clId="Web-{A750D241-F792-F43D-BD3F-ED7260A080B3}" dt="2021-10-19T16:24:01.823" v="400" actId="1076"/>
+          <ac:picMkLst>
+            <pc:docMk/>
+            <pc:sldMk cId="4233285982" sldId="260"/>
+            <ac:picMk id="4" creationId="{08423078-5043-4334-8185-EB958FD72868}"/>
+          </ac:picMkLst>
+        </pc:picChg>
+        <pc:picChg chg="add del mod">
+          <ac:chgData name="Irving Leander Reascos Valencia" userId="S::pg47264@uminho.pt::8da0aa10-e628-4418-996a-6e2b438f5890" providerId="AD" clId="Web-{A750D241-F792-F43D-BD3F-ED7260A080B3}" dt="2021-10-19T16:04:13.586" v="388"/>
+          <ac:picMkLst>
+            <pc:docMk/>
+            <pc:sldMk cId="4233285982" sldId="260"/>
+            <ac:picMk id="4" creationId="{D61E8219-6328-4CC2-9445-89E38D68C2CA}"/>
+          </ac:picMkLst>
+        </pc:picChg>
+        <pc:picChg chg="add mod">
+          <ac:chgData name="Irving Leander Reascos Valencia" userId="S::pg47264@uminho.pt::8da0aa10-e628-4418-996a-6e2b438f5890" providerId="AD" clId="Web-{A750D241-F792-F43D-BD3F-ED7260A080B3}" dt="2021-10-19T16:04:36.883" v="394" actId="14100"/>
+          <ac:picMkLst>
+            <pc:docMk/>
+            <pc:sldMk cId="4233285982" sldId="260"/>
+            <ac:picMk id="5" creationId="{FD654689-E7BA-4402-91EB-A0D1CBC7240A}"/>
+          </ac:picMkLst>
+        </pc:picChg>
+      </pc:sldChg>
+      <pc:sldChg chg="modSp">
+        <pc:chgData name="Irving Leander Reascos Valencia" userId="S::pg47264@uminho.pt::8da0aa10-e628-4418-996a-6e2b438f5890" providerId="AD" clId="Web-{A750D241-F792-F43D-BD3F-ED7260A080B3}" dt="2021-10-19T17:28:22.379" v="402" actId="1076"/>
+        <pc:sldMkLst>
+          <pc:docMk/>
+          <pc:sldMk cId="49299221" sldId="263"/>
+        </pc:sldMkLst>
+        <pc:picChg chg="mod">
+          <ac:chgData name="Irving Leander Reascos Valencia" userId="S::pg47264@uminho.pt::8da0aa10-e628-4418-996a-6e2b438f5890" providerId="AD" clId="Web-{A750D241-F792-F43D-BD3F-ED7260A080B3}" dt="2021-10-19T17:28:15.972" v="401" actId="1076"/>
+          <ac:picMkLst>
+            <pc:docMk/>
+            <pc:sldMk cId="49299221" sldId="263"/>
+            <ac:picMk id="6" creationId="{D1005B1C-5854-4BBE-8EC4-503731724299}"/>
+          </ac:picMkLst>
+        </pc:picChg>
+        <pc:picChg chg="mod">
+          <ac:chgData name="Irving Leander Reascos Valencia" userId="S::pg47264@uminho.pt::8da0aa10-e628-4418-996a-6e2b438f5890" providerId="AD" clId="Web-{A750D241-F792-F43D-BD3F-ED7260A080B3}" dt="2021-10-19T17:28:22.379" v="402" actId="1076"/>
+          <ac:picMkLst>
+            <pc:docMk/>
+            <pc:sldMk cId="49299221" sldId="263"/>
+            <ac:picMk id="7" creationId="{ACEC54D9-C852-4E3A-BE1E-388ED60FF9AD}"/>
+          </ac:picMkLst>
+        </pc:picChg>
+      </pc:sldChg>
+    </pc:docChg>
+  </pc:docChgLst>
+  <pc:docChgLst>
+    <pc:chgData clId="Web-{A86F0C09-EE21-C629-F016-BFCB9744CC68}"/>
+    <pc:docChg chg="modSld">
+      <pc:chgData name="" userId="" providerId="" clId="Web-{A86F0C09-EE21-C629-F016-BFCB9744CC68}" dt="2021-10-19T15:09:17.655" v="1" actId="20577"/>
+      <pc:docMkLst>
+        <pc:docMk/>
+      </pc:docMkLst>
+      <pc:sldChg chg="modSp">
+        <pc:chgData name="" userId="" providerId="" clId="Web-{A86F0C09-EE21-C629-F016-BFCB9744CC68}" dt="2021-10-19T15:09:17.655" v="1" actId="20577"/>
+        <pc:sldMkLst>
+          <pc:docMk/>
+          <pc:sldMk cId="3916293193" sldId="256"/>
+        </pc:sldMkLst>
+        <pc:spChg chg="mod">
+          <ac:chgData name="" userId="" providerId="" clId="Web-{A86F0C09-EE21-C629-F016-BFCB9744CC68}" dt="2021-10-19T15:09:17.655" v="1" actId="20577"/>
+          <ac:spMkLst>
+            <pc:docMk/>
+            <pc:sldMk cId="3916293193" sldId="256"/>
+            <ac:spMk id="2" creationId="{01E1C496-4AD5-42C1-AF59-6EF89DF50AA1}"/>
+          </ac:spMkLst>
+        </pc:spChg>
+      </pc:sldChg>
+    </pc:docChg>
+  </pc:docChgLst>
+  <pc:docChgLst>
+    <pc:chgData name="Rodrigo da Silva Gomes Peres Coelho" userId="S::pg47622@uminho.pt::32a22569-e572-4c9f-bf40-e144b3d8d0a1" providerId="AD" clId="Web-{A86F0C09-EE21-C629-F016-BFCB9744CC68}"/>
+    <pc:docChg chg="modSld">
+      <pc:chgData name="Rodrigo da Silva Gomes Peres Coelho" userId="S::pg47622@uminho.pt::32a22569-e572-4c9f-bf40-e144b3d8d0a1" providerId="AD" clId="Web-{A86F0C09-EE21-C629-F016-BFCB9744CC68}" dt="2021-10-19T15:55:29.370" v="1079" actId="20577"/>
+      <pc:docMkLst>
+        <pc:docMk/>
+      </pc:docMkLst>
+      <pc:sldChg chg="modSp">
+        <pc:chgData name="Rodrigo da Silva Gomes Peres Coelho" userId="S::pg47622@uminho.pt::32a22569-e572-4c9f-bf40-e144b3d8d0a1" providerId="AD" clId="Web-{A86F0C09-EE21-C629-F016-BFCB9744CC68}" dt="2021-10-19T15:09:46.046" v="0" actId="20577"/>
+        <pc:sldMkLst>
+          <pc:docMk/>
+          <pc:sldMk cId="3916293193" sldId="256"/>
+        </pc:sldMkLst>
+        <pc:spChg chg="mod">
+          <ac:chgData name="Rodrigo da Silva Gomes Peres Coelho" userId="S::pg47622@uminho.pt::32a22569-e572-4c9f-bf40-e144b3d8d0a1" providerId="AD" clId="Web-{A86F0C09-EE21-C629-F016-BFCB9744CC68}" dt="2021-10-19T15:09:46.046" v="0" actId="20577"/>
+          <ac:spMkLst>
+            <pc:docMk/>
+            <pc:sldMk cId="3916293193" sldId="256"/>
+            <ac:spMk id="2" creationId="{01E1C496-4AD5-42C1-AF59-6EF89DF50AA1}"/>
+          </ac:spMkLst>
+        </pc:spChg>
+      </pc:sldChg>
+      <pc:sldChg chg="modSp">
+        <pc:chgData name="Rodrigo da Silva Gomes Peres Coelho" userId="S::pg47622@uminho.pt::32a22569-e572-4c9f-bf40-e144b3d8d0a1" providerId="AD" clId="Web-{A86F0C09-EE21-C629-F016-BFCB9744CC68}" dt="2021-10-19T15:47:35.529" v="897" actId="20577"/>
+        <pc:sldMkLst>
+          <pc:docMk/>
+          <pc:sldMk cId="871309248" sldId="262"/>
+        </pc:sldMkLst>
+        <pc:spChg chg="mod">
+          <ac:chgData name="Rodrigo da Silva Gomes Peres Coelho" userId="S::pg47622@uminho.pt::32a22569-e572-4c9f-bf40-e144b3d8d0a1" providerId="AD" clId="Web-{A86F0C09-EE21-C629-F016-BFCB9744CC68}" dt="2021-10-19T15:12:05.550" v="11" actId="20577"/>
+          <ac:spMkLst>
+            <pc:docMk/>
+            <pc:sldMk cId="871309248" sldId="262"/>
+            <ac:spMk id="2" creationId="{770AEAC1-D00D-4613-95F0-71CF1560AD62}"/>
+          </ac:spMkLst>
+        </pc:spChg>
+        <pc:spChg chg="mod">
+          <ac:chgData name="Rodrigo da Silva Gomes Peres Coelho" userId="S::pg47622@uminho.pt::32a22569-e572-4c9f-bf40-e144b3d8d0a1" providerId="AD" clId="Web-{A86F0C09-EE21-C629-F016-BFCB9744CC68}" dt="2021-10-19T15:47:35.529" v="897" actId="20577"/>
+          <ac:spMkLst>
+            <pc:docMk/>
+            <pc:sldMk cId="871309248" sldId="262"/>
+            <ac:spMk id="3" creationId="{1B8160BC-DBAF-4CF3-815A-DFCC0C01BC4D}"/>
+          </ac:spMkLst>
+        </pc:spChg>
+      </pc:sldChg>
+      <pc:sldChg chg="addSp delSp modSp">
+        <pc:chgData name="Rodrigo da Silva Gomes Peres Coelho" userId="S::pg47622@uminho.pt::32a22569-e572-4c9f-bf40-e144b3d8d0a1" providerId="AD" clId="Web-{A86F0C09-EE21-C629-F016-BFCB9744CC68}" dt="2021-10-19T15:55:29.370" v="1079" actId="20577"/>
+        <pc:sldMkLst>
+          <pc:docMk/>
+          <pc:sldMk cId="49299221" sldId="263"/>
+        </pc:sldMkLst>
+        <pc:spChg chg="mod">
+          <ac:chgData name="Rodrigo da Silva Gomes Peres Coelho" userId="S::pg47622@uminho.pt::32a22569-e572-4c9f-bf40-e144b3d8d0a1" providerId="AD" clId="Web-{A86F0C09-EE21-C629-F016-BFCB9744CC68}" dt="2021-10-19T15:31:18.893" v="733" actId="20577"/>
+          <ac:spMkLst>
+            <pc:docMk/>
+            <pc:sldMk cId="49299221" sldId="263"/>
+            <ac:spMk id="2" creationId="{98EB2216-8FC6-44B0-82C2-66A7172A529A}"/>
+          </ac:spMkLst>
+        </pc:spChg>
+        <pc:spChg chg="mod">
+          <ac:chgData name="Rodrigo da Silva Gomes Peres Coelho" userId="S::pg47622@uminho.pt::32a22569-e572-4c9f-bf40-e144b3d8d0a1" providerId="AD" clId="Web-{A86F0C09-EE21-C629-F016-BFCB9744CC68}" dt="2021-10-19T15:55:29.370" v="1079" actId="20577"/>
+          <ac:spMkLst>
+            <pc:docMk/>
+            <pc:sldMk cId="49299221" sldId="263"/>
+            <ac:spMk id="3" creationId="{2B0B0381-2015-4C05-B552-CD2565C5E8A6}"/>
+          </ac:spMkLst>
+        </pc:spChg>
+        <pc:picChg chg="add del mod">
+          <ac:chgData name="Rodrigo da Silva Gomes Peres Coelho" userId="S::pg47622@uminho.pt::32a22569-e572-4c9f-bf40-e144b3d8d0a1" providerId="AD" clId="Web-{A86F0C09-EE21-C629-F016-BFCB9744CC68}" dt="2021-10-19T15:42:16.708" v="792"/>
+          <ac:picMkLst>
+            <pc:docMk/>
+            <pc:sldMk cId="49299221" sldId="263"/>
+            <ac:picMk id="4" creationId="{D141C5C5-92D6-4B69-93C9-40B8C3D55294}"/>
+          </ac:picMkLst>
+        </pc:picChg>
+        <pc:picChg chg="add del mod">
+          <ac:chgData name="Rodrigo da Silva Gomes Peres Coelho" userId="S::pg47622@uminho.pt::32a22569-e572-4c9f-bf40-e144b3d8d0a1" providerId="AD" clId="Web-{A86F0C09-EE21-C629-F016-BFCB9744CC68}" dt="2021-10-19T15:44:17.602" v="797"/>
+          <ac:picMkLst>
+            <pc:docMk/>
+            <pc:sldMk cId="49299221" sldId="263"/>
+            <ac:picMk id="5" creationId="{15617F0B-81AE-434E-8648-E233F1159317}"/>
+          </ac:picMkLst>
+        </pc:picChg>
+        <pc:picChg chg="add mod">
+          <ac:chgData name="Rodrigo da Silva Gomes Peres Coelho" userId="S::pg47622@uminho.pt::32a22569-e572-4c9f-bf40-e144b3d8d0a1" providerId="AD" clId="Web-{A86F0C09-EE21-C629-F016-BFCB9744CC68}" dt="2021-10-19T15:44:26.883" v="802" actId="1076"/>
+          <ac:picMkLst>
+            <pc:docMk/>
+            <pc:sldMk cId="49299221" sldId="263"/>
+            <ac:picMk id="6" creationId="{D1005B1C-5854-4BBE-8EC4-503731724299}"/>
+          </ac:picMkLst>
+        </pc:picChg>
+        <pc:picChg chg="add mod">
+          <ac:chgData name="Rodrigo da Silva Gomes Peres Coelho" userId="S::pg47622@uminho.pt::32a22569-e572-4c9f-bf40-e144b3d8d0a1" providerId="AD" clId="Web-{A86F0C09-EE21-C629-F016-BFCB9744CC68}" dt="2021-10-19T15:48:24.921" v="902" actId="1076"/>
+          <ac:picMkLst>
+            <pc:docMk/>
+            <pc:sldMk cId="49299221" sldId="263"/>
+            <ac:picMk id="7" creationId="{ACEC54D9-C852-4E3A-BE1E-388ED60FF9AD}"/>
+          </ac:picMkLst>
+        </pc:picChg>
+      </pc:sldChg>
+    </pc:docChg>
+  </pc:docChgLst>
+  <pc:docChgLst>
+    <pc:chgData name="Irving Leander Reascos Valencia" userId="355ef903-6e56-42c5-b4d8-5b764e20389a" providerId="ADAL" clId="{FF2A4FE9-6061-4F89-9356-7C24429792B8}"/>
+    <pc:docChg chg="undo redo custSel delSld modSld">
+      <pc:chgData name="Irving Leander Reascos Valencia" userId="355ef903-6e56-42c5-b4d8-5b764e20389a" providerId="ADAL" clId="{FF2A4FE9-6061-4F89-9356-7C24429792B8}" dt="2021-10-19T19:59:50.173" v="770" actId="1076"/>
+      <pc:docMkLst>
+        <pc:docMk/>
+      </pc:docMkLst>
+      <pc:sldChg chg="addSp delSp modSp mod modMedia setBg addAnim delAnim setClrOvrMap">
+        <pc:chgData name="Irving Leander Reascos Valencia" userId="355ef903-6e56-42c5-b4d8-5b764e20389a" providerId="ADAL" clId="{FF2A4FE9-6061-4F89-9356-7C24429792B8}" dt="2021-10-19T19:49:03.010" v="757" actId="20577"/>
+        <pc:sldMkLst>
+          <pc:docMk/>
+          <pc:sldMk cId="3916293193" sldId="256"/>
+        </pc:sldMkLst>
+        <pc:spChg chg="mod">
+          <ac:chgData name="Irving Leander Reascos Valencia" userId="355ef903-6e56-42c5-b4d8-5b764e20389a" providerId="ADAL" clId="{FF2A4FE9-6061-4F89-9356-7C24429792B8}" dt="2021-10-19T19:10:39.468" v="479" actId="26606"/>
+          <ac:spMkLst>
+            <pc:docMk/>
+            <pc:sldMk cId="3916293193" sldId="256"/>
+            <ac:spMk id="2" creationId="{01E1C496-4AD5-42C1-AF59-6EF89DF50AA1}"/>
+          </ac:spMkLst>
+        </pc:spChg>
+        <pc:spChg chg="add del mod">
+          <ac:chgData name="Irving Leander Reascos Valencia" userId="355ef903-6e56-42c5-b4d8-5b764e20389a" providerId="ADAL" clId="{FF2A4FE9-6061-4F89-9356-7C24429792B8}" dt="2021-10-19T19:10:39.468" v="479" actId="26606"/>
+          <ac:spMkLst>
+            <pc:docMk/>
+            <pc:sldMk cId="3916293193" sldId="256"/>
+            <ac:spMk id="3" creationId="{0365D8F3-60E4-4177-9BCF-31DFC5083F2F}"/>
+          </ac:spMkLst>
+        </pc:spChg>
+        <pc:spChg chg="add del mod">
+          <ac:chgData name="Irving Leander Reascos Valencia" userId="355ef903-6e56-42c5-b4d8-5b764e20389a" providerId="ADAL" clId="{FF2A4FE9-6061-4F89-9356-7C24429792B8}" dt="2021-10-19T19:02:26.915" v="411" actId="478"/>
+          <ac:spMkLst>
+            <pc:docMk/>
+            <pc:sldMk cId="3916293193" sldId="256"/>
+            <ac:spMk id="5" creationId="{BAB36F6D-3125-439A-AC73-7B24684FD98C}"/>
+          </ac:spMkLst>
+        </pc:spChg>
+        <pc:spChg chg="add del">
+          <ac:chgData name="Irving Leander Reascos Valencia" userId="355ef903-6e56-42c5-b4d8-5b764e20389a" providerId="ADAL" clId="{FF2A4FE9-6061-4F89-9356-7C24429792B8}" dt="2021-10-19T19:06:03.421" v="423" actId="26606"/>
+          <ac:spMkLst>
+            <pc:docMk/>
+            <pc:sldMk cId="3916293193" sldId="256"/>
+            <ac:spMk id="7" creationId="{FB5B0058-AF13-4859-B429-4EDDE2A26F7F}"/>
+          </ac:spMkLst>
+        </pc:spChg>
+        <pc:spChg chg="add del">
+          <ac:chgData name="Irving Leander Reascos Valencia" userId="355ef903-6e56-42c5-b4d8-5b764e20389a" providerId="ADAL" clId="{FF2A4FE9-6061-4F89-9356-7C24429792B8}" dt="2021-10-19T19:05:53.050" v="421" actId="26606"/>
+          <ac:spMkLst>
+            <pc:docMk/>
+            <pc:sldMk cId="3916293193" sldId="256"/>
+            <ac:spMk id="8" creationId="{FB5B0058-AF13-4859-B429-4EDDE2A26F7F}"/>
+          </ac:spMkLst>
+        </pc:spChg>
+        <pc:spChg chg="add del">
+          <ac:chgData name="Irving Leander Reascos Valencia" userId="355ef903-6e56-42c5-b4d8-5b764e20389a" providerId="ADAL" clId="{FF2A4FE9-6061-4F89-9356-7C24429792B8}" dt="2021-10-19T19:03:46.429" v="419" actId="26606"/>
+          <ac:spMkLst>
+            <pc:docMk/>
+            <pc:sldMk cId="3916293193" sldId="256"/>
+            <ac:spMk id="9" creationId="{C1DD1A8A-57D5-4A81-AD04-532B043C5611}"/>
+          </ac:spMkLst>
+        </pc:spChg>
+        <pc:spChg chg="add del">
+          <ac:chgData name="Irving Leander Reascos Valencia" userId="355ef903-6e56-42c5-b4d8-5b764e20389a" providerId="ADAL" clId="{FF2A4FE9-6061-4F89-9356-7C24429792B8}" dt="2021-10-19T19:03:46.429" v="419" actId="26606"/>
+          <ac:spMkLst>
+            <pc:docMk/>
+            <pc:sldMk cId="3916293193" sldId="256"/>
+            <ac:spMk id="11" creationId="{007891EC-4501-44ED-A8C8-B11B6DB767AB}"/>
+          </ac:spMkLst>
+        </pc:spChg>
+        <pc:spChg chg="add del">
+          <ac:chgData name="Irving Leander Reascos Valencia" userId="355ef903-6e56-42c5-b4d8-5b764e20389a" providerId="ADAL" clId="{FF2A4FE9-6061-4F89-9356-7C24429792B8}" dt="2021-10-19T19:06:03.421" v="423" actId="26606"/>
+          <ac:spMkLst>
+            <pc:docMk/>
+            <pc:sldMk cId="3916293193" sldId="256"/>
+            <ac:spMk id="15" creationId="{9358801C-1E89-48FF-B14F-D76A2EA14C8E}"/>
+          </ac:spMkLst>
+        </pc:spChg>
+        <pc:spChg chg="add del">
+          <ac:chgData name="Irving Leander Reascos Valencia" userId="355ef903-6e56-42c5-b4d8-5b764e20389a" providerId="ADAL" clId="{FF2A4FE9-6061-4F89-9356-7C24429792B8}" dt="2021-10-19T19:06:07.409" v="425" actId="26606"/>
+          <ac:spMkLst>
+            <pc:docMk/>
+            <pc:sldMk cId="3916293193" sldId="256"/>
+            <ac:spMk id="17" creationId="{787F4F1C-8D3D-4EC1-B72D-A0470A5A08B8}"/>
+          </ac:spMkLst>
+        </pc:spChg>
+        <pc:spChg chg="add del">
+          <ac:chgData name="Irving Leander Reascos Valencia" userId="355ef903-6e56-42c5-b4d8-5b764e20389a" providerId="ADAL" clId="{FF2A4FE9-6061-4F89-9356-7C24429792B8}" dt="2021-10-19T19:06:15.831" v="429" actId="26606"/>
+          <ac:spMkLst>
+            <pc:docMk/>
+            <pc:sldMk cId="3916293193" sldId="256"/>
+            <ac:spMk id="19" creationId="{6F828D28-8E09-41CC-8229-3070B5467A96}"/>
+          </ac:spMkLst>
+        </pc:spChg>
+        <pc:spChg chg="add del">
+          <ac:chgData name="Irving Leander Reascos Valencia" userId="355ef903-6e56-42c5-b4d8-5b764e20389a" providerId="ADAL" clId="{FF2A4FE9-6061-4F89-9356-7C24429792B8}" dt="2021-10-19T19:06:30.490" v="431" actId="26606"/>
+          <ac:spMkLst>
+            <pc:docMk/>
+            <pc:sldMk cId="3916293193" sldId="256"/>
+            <ac:spMk id="20" creationId="{EFA9B6C6-A247-48A8-9A1C-1E36FA9456B5}"/>
+          </ac:spMkLst>
+        </pc:spChg>
+        <pc:spChg chg="add del">
+          <ac:chgData name="Irving Leander Reascos Valencia" userId="355ef903-6e56-42c5-b4d8-5b764e20389a" providerId="ADAL" clId="{FF2A4FE9-6061-4F89-9356-7C24429792B8}" dt="2021-10-19T19:06:30.490" v="431" actId="26606"/>
+          <ac:spMkLst>
+            <pc:docMk/>
+            <pc:sldMk cId="3916293193" sldId="256"/>
+            <ac:spMk id="22" creationId="{C5CB530E-515E-412C-9DF1-5F8FFBD6F383}"/>
+          </ac:spMkLst>
+        </pc:spChg>
+        <pc:spChg chg="add del">
+          <ac:chgData name="Irving Leander Reascos Valencia" userId="355ef903-6e56-42c5-b4d8-5b764e20389a" providerId="ADAL" clId="{FF2A4FE9-6061-4F89-9356-7C24429792B8}" dt="2021-10-19T19:06:30.490" v="431" actId="26606"/>
+          <ac:spMkLst>
+            <pc:docMk/>
+            <pc:sldMk cId="3916293193" sldId="256"/>
+            <ac:spMk id="23" creationId="{712D4376-A578-4FF1-94FC-245E7A6A489F}"/>
+          </ac:spMkLst>
+        </pc:spChg>
+        <pc:spChg chg="add del">
+          <ac:chgData name="Irving Leander Reascos Valencia" userId="355ef903-6e56-42c5-b4d8-5b764e20389a" providerId="ADAL" clId="{FF2A4FE9-6061-4F89-9356-7C24429792B8}" dt="2021-10-19T19:06:15.831" v="429" actId="26606"/>
+          <ac:spMkLst>
+            <pc:docMk/>
+            <pc:sldMk cId="3916293193" sldId="256"/>
+            <ac:spMk id="24" creationId="{D5B012D8-7F27-4758-9AC6-C889B154BD73}"/>
+          </ac:spMkLst>
+        </pc:spChg>
+        <pc:spChg chg="add del">
+          <ac:chgData name="Irving Leander Reascos Valencia" userId="355ef903-6e56-42c5-b4d8-5b764e20389a" providerId="ADAL" clId="{FF2A4FE9-6061-4F89-9356-7C24429792B8}" dt="2021-10-19T19:06:15.831" v="429" actId="26606"/>
+          <ac:spMkLst>
+            <pc:docMk/>
+            <pc:sldMk cId="3916293193" sldId="256"/>
+            <ac:spMk id="25" creationId="{4063B759-00FC-46D1-9898-8E8625268FAF}"/>
+          </ac:spMkLst>
+        </pc:spChg>
+        <pc:spChg chg="add del">
+          <ac:chgData name="Irving Leander Reascos Valencia" userId="355ef903-6e56-42c5-b4d8-5b764e20389a" providerId="ADAL" clId="{FF2A4FE9-6061-4F89-9356-7C24429792B8}" dt="2021-10-19T19:06:30.490" v="431" actId="26606"/>
+          <ac:spMkLst>
+            <pc:docMk/>
+            <pc:sldMk cId="3916293193" sldId="256"/>
+            <ac:spMk id="26" creationId="{AEA7509D-F04F-40CB-A0B3-EEF16499CC9F}"/>
+          </ac:spMkLst>
+        </pc:spChg>
+        <pc:spChg chg="add del">
+          <ac:chgData name="Irving Leander Reascos Valencia" userId="355ef903-6e56-42c5-b4d8-5b764e20389a" providerId="ADAL" clId="{FF2A4FE9-6061-4F89-9356-7C24429792B8}" dt="2021-10-19T19:06:33.191" v="433" actId="26606"/>
+          <ac:spMkLst>
+            <pc:docMk/>
+            <pc:sldMk cId="3916293193" sldId="256"/>
+            <ac:spMk id="28" creationId="{C7D023E4-8DE1-436E-9847-ED6A4B4B04FD}"/>
+          </ac:spMkLst>
+        </pc:spChg>
+        <pc:spChg chg="add del">
+          <ac:chgData name="Irving Leander Reascos Valencia" userId="355ef903-6e56-42c5-b4d8-5b764e20389a" providerId="ADAL" clId="{FF2A4FE9-6061-4F89-9356-7C24429792B8}" dt="2021-10-19T19:10:39.468" v="479" actId="26606"/>
+          <ac:spMkLst>
+            <pc:docMk/>
+            <pc:sldMk cId="3916293193" sldId="256"/>
+            <ac:spMk id="31" creationId="{83CB2632-0822-4E49-A707-FA1B8A4D0173}"/>
+          </ac:spMkLst>
+        </pc:spChg>
+        <pc:spChg chg="add del">
+          <ac:chgData name="Irving Leander Reascos Valencia" userId="355ef903-6e56-42c5-b4d8-5b764e20389a" providerId="ADAL" clId="{FF2A4FE9-6061-4F89-9356-7C24429792B8}" dt="2021-10-19T19:06:33.708" v="437" actId="26606"/>
+          <ac:spMkLst>
+            <pc:docMk/>
+            <pc:sldMk cId="3916293193" sldId="256"/>
+            <ac:spMk id="41" creationId="{C27D7A02-907B-496F-BA7E-AA3780733CA7}"/>
+          </ac:spMkLst>
+        </pc:spChg>
+        <pc:spChg chg="add del">
+          <ac:chgData name="Irving Leander Reascos Valencia" userId="355ef903-6e56-42c5-b4d8-5b764e20389a" providerId="ADAL" clId="{FF2A4FE9-6061-4F89-9356-7C24429792B8}" dt="2021-10-19T19:06:33.708" v="437" actId="26606"/>
+          <ac:spMkLst>
+            <pc:docMk/>
+            <pc:sldMk cId="3916293193" sldId="256"/>
+            <ac:spMk id="42" creationId="{0FBA5268-0AE7-4CAD-9537-D0EB09E76406}"/>
+          </ac:spMkLst>
+        </pc:spChg>
+        <pc:spChg chg="add del">
+          <ac:chgData name="Irving Leander Reascos Valencia" userId="355ef903-6e56-42c5-b4d8-5b764e20389a" providerId="ADAL" clId="{FF2A4FE9-6061-4F89-9356-7C24429792B8}" dt="2021-10-19T19:06:33.708" v="437" actId="26606"/>
+          <ac:spMkLst>
+            <pc:docMk/>
+            <pc:sldMk cId="3916293193" sldId="256"/>
+            <ac:spMk id="43" creationId="{088D065B-39DA-4077-B9CF-E489CE4C0169}"/>
+          </ac:spMkLst>
+        </pc:spChg>
+        <pc:spChg chg="add del">
+          <ac:chgData name="Irving Leander Reascos Valencia" userId="355ef903-6e56-42c5-b4d8-5b764e20389a" providerId="ADAL" clId="{FF2A4FE9-6061-4F89-9356-7C24429792B8}" dt="2021-10-19T19:06:35.922" v="439" actId="26606"/>
+          <ac:spMkLst>
+            <pc:docMk/>
+            <pc:sldMk cId="3916293193" sldId="256"/>
+            <ac:spMk id="45" creationId="{D472C551-D440-40DF-9260-BDB9AC40960A}"/>
+          </ac:spMkLst>
+        </pc:spChg>
+        <pc:spChg chg="add del">
+          <ac:chgData name="Irving Leander Reascos Valencia" userId="355ef903-6e56-42c5-b4d8-5b764e20389a" providerId="ADAL" clId="{FF2A4FE9-6061-4F89-9356-7C24429792B8}" dt="2021-10-19T19:06:35.922" v="439" actId="26606"/>
+          <ac:spMkLst>
+            <pc:docMk/>
+            <pc:sldMk cId="3916293193" sldId="256"/>
+            <ac:spMk id="47" creationId="{508BEF50-7B1E-49A4-BC19-5F4F1D755E64}"/>
+          </ac:spMkLst>
+        </pc:spChg>
+        <pc:spChg chg="add del">
+          <ac:chgData name="Irving Leander Reascos Valencia" userId="355ef903-6e56-42c5-b4d8-5b764e20389a" providerId="ADAL" clId="{FF2A4FE9-6061-4F89-9356-7C24429792B8}" dt="2021-10-19T19:06:35.922" v="439" actId="26606"/>
+          <ac:spMkLst>
+            <pc:docMk/>
+            <pc:sldMk cId="3916293193" sldId="256"/>
+            <ac:spMk id="48" creationId="{3FBAD350-5664-4811-A208-657FB882D350}"/>
+          </ac:spMkLst>
+        </pc:spChg>
+        <pc:spChg chg="add del">
+          <ac:chgData name="Irving Leander Reascos Valencia" userId="355ef903-6e56-42c5-b4d8-5b764e20389a" providerId="ADAL" clId="{FF2A4FE9-6061-4F89-9356-7C24429792B8}" dt="2021-10-19T19:06:35.922" v="439" actId="26606"/>
+          <ac:spMkLst>
+            <pc:docMk/>
+            <pc:sldMk cId="3916293193" sldId="256"/>
+            <ac:spMk id="49" creationId="{C39ADB8F-D187-49D7-BDCF-C1B6DC727068}"/>
+          </ac:spMkLst>
+        </pc:spChg>
+        <pc:spChg chg="mod">
+          <ac:chgData name="Irving Leander Reascos Valencia" userId="355ef903-6e56-42c5-b4d8-5b764e20389a" providerId="ADAL" clId="{FF2A4FE9-6061-4F89-9356-7C24429792B8}" dt="2021-10-19T19:49:03.010" v="757" actId="20577"/>
+          <ac:spMkLst>
+            <pc:docMk/>
+            <pc:sldMk cId="3916293193" sldId="256"/>
+            <ac:spMk id="50" creationId="{1EDFA039-8671-4AF7-956A-DABA568D4BCB}"/>
+          </ac:spMkLst>
+        </pc:spChg>
+        <pc:spChg chg="add del">
+          <ac:chgData name="Irving Leander Reascos Valencia" userId="355ef903-6e56-42c5-b4d8-5b764e20389a" providerId="ADAL" clId="{FF2A4FE9-6061-4F89-9356-7C24429792B8}" dt="2021-10-19T19:06:41.478" v="441" actId="26606"/>
+          <ac:spMkLst>
+            <pc:docMk/>
+            <pc:sldMk cId="3916293193" sldId="256"/>
+            <ac:spMk id="51" creationId="{FB5B0058-AF13-4859-B429-4EDDE2A26F7F}"/>
+          </ac:spMkLst>
+        </pc:spChg>
+        <pc:spChg chg="add del">
+          <ac:chgData name="Irving Leander Reascos Valencia" userId="355ef903-6e56-42c5-b4d8-5b764e20389a" providerId="ADAL" clId="{FF2A4FE9-6061-4F89-9356-7C24429792B8}" dt="2021-10-19T19:06:44.597" v="445" actId="26606"/>
+          <ac:spMkLst>
+            <pc:docMk/>
+            <pc:sldMk cId="3916293193" sldId="256"/>
+            <ac:spMk id="55" creationId="{FB5B0058-AF13-4859-B429-4EDDE2A26F7F}"/>
+          </ac:spMkLst>
+        </pc:spChg>
+        <pc:spChg chg="add del">
+          <ac:chgData name="Irving Leander Reascos Valencia" userId="355ef903-6e56-42c5-b4d8-5b764e20389a" providerId="ADAL" clId="{FF2A4FE9-6061-4F89-9356-7C24429792B8}" dt="2021-10-19T19:06:44.597" v="445" actId="26606"/>
+          <ac:spMkLst>
+            <pc:docMk/>
+            <pc:sldMk cId="3916293193" sldId="256"/>
+            <ac:spMk id="56" creationId="{D84C2E9E-0B5D-4B5F-9A1F-70EBDCE39034}"/>
+          </ac:spMkLst>
+        </pc:spChg>
+        <pc:spChg chg="add del">
+          <ac:chgData name="Irving Leander Reascos Valencia" userId="355ef903-6e56-42c5-b4d8-5b764e20389a" providerId="ADAL" clId="{FF2A4FE9-6061-4F89-9356-7C24429792B8}" dt="2021-10-19T19:06:51.993" v="449" actId="26606"/>
+          <ac:spMkLst>
+            <pc:docMk/>
+            <pc:sldMk cId="3916293193" sldId="256"/>
+            <ac:spMk id="59" creationId="{5F18414D-1626-4996-AACB-23D3DE45B03B}"/>
+          </ac:spMkLst>
+        </pc:spChg>
+        <pc:spChg chg="add del">
+          <ac:chgData name="Irving Leander Reascos Valencia" userId="355ef903-6e56-42c5-b4d8-5b764e20389a" providerId="ADAL" clId="{FF2A4FE9-6061-4F89-9356-7C24429792B8}" dt="2021-10-19T19:06:51.993" v="449" actId="26606"/>
+          <ac:spMkLst>
+            <pc:docMk/>
+            <pc:sldMk cId="3916293193" sldId="256"/>
+            <ac:spMk id="60" creationId="{D84C2E9E-0B5D-4B5F-9A1F-70EBDCE39034}"/>
+          </ac:spMkLst>
+        </pc:spChg>
+        <pc:spChg chg="add del">
+          <ac:chgData name="Irving Leander Reascos Valencia" userId="355ef903-6e56-42c5-b4d8-5b764e20389a" providerId="ADAL" clId="{FF2A4FE9-6061-4F89-9356-7C24429792B8}" dt="2021-10-19T19:06:59.449" v="452" actId="26606"/>
+          <ac:spMkLst>
+            <pc:docMk/>
+            <pc:sldMk cId="3916293193" sldId="256"/>
+            <ac:spMk id="63" creationId="{FB5B0058-AF13-4859-B429-4EDDE2A26F7F}"/>
+          </ac:spMkLst>
+        </pc:spChg>
+        <pc:spChg chg="add del">
+          <ac:chgData name="Irving Leander Reascos Valencia" userId="355ef903-6e56-42c5-b4d8-5b764e20389a" providerId="ADAL" clId="{FF2A4FE9-6061-4F89-9356-7C24429792B8}" dt="2021-10-19T19:07:04.460" v="454" actId="26606"/>
+          <ac:spMkLst>
+            <pc:docMk/>
+            <pc:sldMk cId="3916293193" sldId="256"/>
+            <ac:spMk id="67" creationId="{C27D7A02-907B-496F-BA7E-AA3780733CA7}"/>
+          </ac:spMkLst>
+        </pc:spChg>
+        <pc:spChg chg="add del">
+          <ac:chgData name="Irving Leander Reascos Valencia" userId="355ef903-6e56-42c5-b4d8-5b764e20389a" providerId="ADAL" clId="{FF2A4FE9-6061-4F89-9356-7C24429792B8}" dt="2021-10-19T19:07:04.460" v="454" actId="26606"/>
+          <ac:spMkLst>
+            <pc:docMk/>
+            <pc:sldMk cId="3916293193" sldId="256"/>
+            <ac:spMk id="68" creationId="{088D065B-39DA-4077-B9CF-E489CE4C0169}"/>
+          </ac:spMkLst>
+        </pc:spChg>
+        <pc:spChg chg="add del">
+          <ac:chgData name="Irving Leander Reascos Valencia" userId="355ef903-6e56-42c5-b4d8-5b764e20389a" providerId="ADAL" clId="{FF2A4FE9-6061-4F89-9356-7C24429792B8}" dt="2021-10-19T19:07:17.243" v="456" actId="26606"/>
+          <ac:spMkLst>
+            <pc:docMk/>
+            <pc:sldMk cId="3916293193" sldId="256"/>
+            <ac:spMk id="70" creationId="{C7FAE6E8-1D9E-4905-AAFE-978D331822BA}"/>
+          </ac:spMkLst>
+        </pc:spChg>
+        <pc:spChg chg="add del">
+          <ac:chgData name="Irving Leander Reascos Valencia" userId="355ef903-6e56-42c5-b4d8-5b764e20389a" providerId="ADAL" clId="{FF2A4FE9-6061-4F89-9356-7C24429792B8}" dt="2021-10-19T19:07:18.197" v="458" actId="26606"/>
+          <ac:spMkLst>
+            <pc:docMk/>
+            <pc:sldMk cId="3916293193" sldId="256"/>
+            <ac:spMk id="75" creationId="{36DD9A1B-23F2-4443-B0D4-00FF72D272EF}"/>
+          </ac:spMkLst>
+        </pc:spChg>
+        <pc:spChg chg="add del">
+          <ac:chgData name="Irving Leander Reascos Valencia" userId="355ef903-6e56-42c5-b4d8-5b764e20389a" providerId="ADAL" clId="{FF2A4FE9-6061-4F89-9356-7C24429792B8}" dt="2021-10-19T19:07:18.197" v="458" actId="26606"/>
+          <ac:spMkLst>
+            <pc:docMk/>
+            <pc:sldMk cId="3916293193" sldId="256"/>
+            <ac:spMk id="76" creationId="{C5A69CBB-DA63-440A-B853-88D42A6FE404}"/>
+          </ac:spMkLst>
+        </pc:spChg>
+        <pc:spChg chg="add del">
+          <ac:chgData name="Irving Leander Reascos Valencia" userId="355ef903-6e56-42c5-b4d8-5b764e20389a" providerId="ADAL" clId="{FF2A4FE9-6061-4F89-9356-7C24429792B8}" dt="2021-10-19T19:07:19.887" v="460" actId="26606"/>
+          <ac:spMkLst>
+            <pc:docMk/>
+            <pc:sldMk cId="3916293193" sldId="256"/>
+            <ac:spMk id="81" creationId="{30B7813D-B76D-400E-BFDE-AA4BA0BFAD54}"/>
+          </ac:spMkLst>
+        </pc:spChg>
+        <pc:spChg chg="add del">
+          <ac:chgData name="Irving Leander Reascos Valencia" userId="355ef903-6e56-42c5-b4d8-5b764e20389a" providerId="ADAL" clId="{FF2A4FE9-6061-4F89-9356-7C24429792B8}" dt="2021-10-19T19:10:39.468" v="479" actId="26606"/>
+          <ac:spMkLst>
+            <pc:docMk/>
+            <pc:sldMk cId="3916293193" sldId="256"/>
+            <ac:spMk id="83" creationId="{A4FB2F3E-259B-4650-B258-F09745BAA841}"/>
+          </ac:spMkLst>
+        </pc:spChg>
+        <pc:spChg chg="add del">
+          <ac:chgData name="Irving Leander Reascos Valencia" userId="355ef903-6e56-42c5-b4d8-5b764e20389a" providerId="ADAL" clId="{FF2A4FE9-6061-4F89-9356-7C24429792B8}" dt="2021-10-19T19:10:07.875" v="471" actId="26606"/>
+          <ac:spMkLst>
+            <pc:docMk/>
+            <pc:sldMk cId="3916293193" sldId="256"/>
+            <ac:spMk id="105" creationId="{26BDCA6B-3C9C-4213-A0D9-30BD5F0B073E}"/>
+          </ac:spMkLst>
+        </pc:spChg>
+        <pc:spChg chg="add del">
+          <ac:chgData name="Irving Leander Reascos Valencia" userId="355ef903-6e56-42c5-b4d8-5b764e20389a" providerId="ADAL" clId="{FF2A4FE9-6061-4F89-9356-7C24429792B8}" dt="2021-10-19T19:10:07.875" v="471" actId="26606"/>
+          <ac:spMkLst>
+            <pc:docMk/>
+            <pc:sldMk cId="3916293193" sldId="256"/>
+            <ac:spMk id="106" creationId="{FDA12F62-867F-4684-B28B-E085D09DCC06}"/>
+          </ac:spMkLst>
+        </pc:spChg>
+        <pc:spChg chg="add del">
+          <ac:chgData name="Irving Leander Reascos Valencia" userId="355ef903-6e56-42c5-b4d8-5b764e20389a" providerId="ADAL" clId="{FF2A4FE9-6061-4F89-9356-7C24429792B8}" dt="2021-10-19T19:08:24.892" v="465" actId="26606"/>
+          <ac:spMkLst>
+            <pc:docMk/>
+            <pc:sldMk cId="3916293193" sldId="256"/>
+            <ac:spMk id="107" creationId="{DA3C47C2-33A2-44B2-BEAB-FEB679075C24}"/>
+          </ac:spMkLst>
+        </pc:spChg>
+        <pc:spChg chg="add del">
+          <ac:chgData name="Irving Leander Reascos Valencia" userId="355ef903-6e56-42c5-b4d8-5b764e20389a" providerId="ADAL" clId="{FF2A4FE9-6061-4F89-9356-7C24429792B8}" dt="2021-10-19T19:08:16.697" v="463" actId="26606"/>
+          <ac:spMkLst>
+            <pc:docMk/>
+            <pc:sldMk cId="3916293193" sldId="256"/>
+            <ac:spMk id="108" creationId="{3A930249-8242-4E2B-AF17-C01826488321}"/>
+          </ac:spMkLst>
+        </pc:spChg>
+        <pc:spChg chg="add del">
+          <ac:chgData name="Irving Leander Reascos Valencia" userId="355ef903-6e56-42c5-b4d8-5b764e20389a" providerId="ADAL" clId="{FF2A4FE9-6061-4F89-9356-7C24429792B8}" dt="2021-10-19T19:08:24.892" v="465" actId="26606"/>
+          <ac:spMkLst>
+            <pc:docMk/>
+            <pc:sldMk cId="3916293193" sldId="256"/>
+            <ac:spMk id="109" creationId="{AD182BA8-54AD-4D9F-8264-B0FA8BB47D7C}"/>
+          </ac:spMkLst>
+        </pc:spChg>
+        <pc:spChg chg="add del">
+          <ac:chgData name="Irving Leander Reascos Valencia" userId="355ef903-6e56-42c5-b4d8-5b764e20389a" providerId="ADAL" clId="{FF2A4FE9-6061-4F89-9356-7C24429792B8}" dt="2021-10-19T19:08:16.697" v="463" actId="26606"/>
+          <ac:spMkLst>
+            <pc:docMk/>
+            <pc:sldMk cId="3916293193" sldId="256"/>
+            <ac:spMk id="110" creationId="{A5BDD999-C5E1-4B3E-A710-768673819165}"/>
+          </ac:spMkLst>
+        </pc:spChg>
+        <pc:spChg chg="add del">
+          <ac:chgData name="Irving Leander Reascos Valencia" userId="355ef903-6e56-42c5-b4d8-5b764e20389a" providerId="ADAL" clId="{FF2A4FE9-6061-4F89-9356-7C24429792B8}" dt="2021-10-19T19:08:24.892" v="465" actId="26606"/>
+          <ac:spMkLst>
+            <pc:docMk/>
+            <pc:sldMk cId="3916293193" sldId="256"/>
+            <ac:spMk id="111" creationId="{4ED83379-0499-45E1-AB78-6AA230F96442}"/>
+          </ac:spMkLst>
+        </pc:spChg>
+        <pc:spChg chg="add del">
+          <ac:chgData name="Irving Leander Reascos Valencia" userId="355ef903-6e56-42c5-b4d8-5b764e20389a" providerId="ADAL" clId="{FF2A4FE9-6061-4F89-9356-7C24429792B8}" dt="2021-10-19T19:10:14.727" v="473" actId="26606"/>
+          <ac:spMkLst>
+            <pc:docMk/>
+            <pc:sldMk cId="3916293193" sldId="256"/>
+            <ac:spMk id="112" creationId="{2A8AA5BC-4F7A-4226-8F99-6D824B226A97}"/>
+          </ac:spMkLst>
+        </pc:spChg>
+        <pc:spChg chg="add del">
+          <ac:chgData name="Irving Leander Reascos Valencia" userId="355ef903-6e56-42c5-b4d8-5b764e20389a" providerId="ADAL" clId="{FF2A4FE9-6061-4F89-9356-7C24429792B8}" dt="2021-10-19T19:08:28.973" v="469" actId="26606"/>
+          <ac:spMkLst>
+            <pc:docMk/>
+            <pc:sldMk cId="3916293193" sldId="256"/>
+            <ac:spMk id="113" creationId="{A017E2F9-032A-4CAE-A2E4-7465A67B7A03}"/>
+          </ac:spMkLst>
+        </pc:spChg>
+        <pc:spChg chg="add del">
+          <ac:chgData name="Irving Leander Reascos Valencia" userId="355ef903-6e56-42c5-b4d8-5b764e20389a" providerId="ADAL" clId="{FF2A4FE9-6061-4F89-9356-7C24429792B8}" dt="2021-10-19T19:08:28.973" v="469" actId="26606"/>
+          <ac:spMkLst>
+            <pc:docMk/>
+            <pc:sldMk cId="3916293193" sldId="256"/>
+            <ac:spMk id="114" creationId="{036EB2E8-1BD0-492D-BF5A-CE0184DA769D}"/>
+          </ac:spMkLst>
+        </pc:spChg>
+        <pc:spChg chg="add del">
+          <ac:chgData name="Irving Leander Reascos Valencia" userId="355ef903-6e56-42c5-b4d8-5b764e20389a" providerId="ADAL" clId="{FF2A4FE9-6061-4F89-9356-7C24429792B8}" dt="2021-10-19T19:08:28.973" v="469" actId="26606"/>
+          <ac:spMkLst>
+            <pc:docMk/>
+            <pc:sldMk cId="3916293193" sldId="256"/>
+            <ac:spMk id="115" creationId="{5316ED32-D562-46FD-A6C1-B0FBF4EF62B6}"/>
+          </ac:spMkLst>
+        </pc:spChg>
+        <pc:spChg chg="add del">
+          <ac:chgData name="Irving Leander Reascos Valencia" userId="355ef903-6e56-42c5-b4d8-5b764e20389a" providerId="ADAL" clId="{FF2A4FE9-6061-4F89-9356-7C24429792B8}" dt="2021-10-19T19:10:14.727" v="473" actId="26606"/>
+          <ac:spMkLst>
+            <pc:docMk/>
+            <pc:sldMk cId="3916293193" sldId="256"/>
+            <ac:spMk id="116" creationId="{3E5445C6-DD42-4979-86FF-03730E8C6DB0}"/>
+          </ac:spMkLst>
+        </pc:spChg>
+        <pc:spChg chg="add del">
+          <ac:chgData name="Irving Leander Reascos Valencia" userId="355ef903-6e56-42c5-b4d8-5b764e20389a" providerId="ADAL" clId="{FF2A4FE9-6061-4F89-9356-7C24429792B8}" dt="2021-10-19T19:10:36.841" v="475" actId="26606"/>
+          <ac:spMkLst>
+            <pc:docMk/>
+            <pc:sldMk cId="3916293193" sldId="256"/>
+            <ac:spMk id="118" creationId="{787F4F1C-8D3D-4EC1-B72D-A0470A5A08B8}"/>
+          </ac:spMkLst>
+        </pc:spChg>
+        <pc:spChg chg="add del">
+          <ac:chgData name="Irving Leander Reascos Valencia" userId="355ef903-6e56-42c5-b4d8-5b764e20389a" providerId="ADAL" clId="{FF2A4FE9-6061-4F89-9356-7C24429792B8}" dt="2021-10-19T19:10:38.244" v="477" actId="26606"/>
+          <ac:spMkLst>
+            <pc:docMk/>
+            <pc:sldMk cId="3916293193" sldId="256"/>
+            <ac:spMk id="127" creationId="{FB5B0058-AF13-4859-B429-4EDDE2A26F7F}"/>
+          </ac:spMkLst>
+        </pc:spChg>
+        <pc:spChg chg="add del">
+          <ac:chgData name="Irving Leander Reascos Valencia" userId="355ef903-6e56-42c5-b4d8-5b764e20389a" providerId="ADAL" clId="{FF2A4FE9-6061-4F89-9356-7C24429792B8}" dt="2021-10-19T19:10:38.244" v="477" actId="26606"/>
+          <ac:spMkLst>
+            <pc:docMk/>
+            <pc:sldMk cId="3916293193" sldId="256"/>
+            <ac:spMk id="128" creationId="{81BD432D-FAB3-4B5D-BF27-4DA7C75B3238}"/>
+          </ac:spMkLst>
+        </pc:spChg>
+        <pc:grpChg chg="add del">
+          <ac:chgData name="Irving Leander Reascos Valencia" userId="355ef903-6e56-42c5-b4d8-5b764e20389a" providerId="ADAL" clId="{FF2A4FE9-6061-4F89-9356-7C24429792B8}" dt="2021-10-19T19:06:07.409" v="425" actId="26606"/>
+          <ac:grpSpMkLst>
+            <pc:docMk/>
+            <pc:sldMk cId="3916293193" sldId="256"/>
+            <ac:grpSpMk id="18" creationId="{D1E3DD61-64DB-46AD-B249-E273CD86B051}"/>
+          </ac:grpSpMkLst>
+        </pc:grpChg>
+        <pc:grpChg chg="add del">
+          <ac:chgData name="Irving Leander Reascos Valencia" userId="355ef903-6e56-42c5-b4d8-5b764e20389a" providerId="ADAL" clId="{FF2A4FE9-6061-4F89-9356-7C24429792B8}" dt="2021-10-19T19:06:33.191" v="433" actId="26606"/>
+          <ac:grpSpMkLst>
+            <pc:docMk/>
+            <pc:sldMk cId="3916293193" sldId="256"/>
+            <ac:grpSpMk id="29" creationId="{1FEC590B-3306-47E9-BD67-97F3F76169A4}"/>
+          </ac:grpSpMkLst>
+        </pc:grpChg>
+        <pc:grpChg chg="add del">
+          <ac:chgData name="Irving Leander Reascos Valencia" userId="355ef903-6e56-42c5-b4d8-5b764e20389a" providerId="ADAL" clId="{FF2A4FE9-6061-4F89-9356-7C24429792B8}" dt="2021-10-19T19:06:33.191" v="433" actId="26606"/>
+          <ac:grpSpMkLst>
+            <pc:docMk/>
+            <pc:sldMk cId="3916293193" sldId="256"/>
+            <ac:grpSpMk id="32" creationId="{A47AAF5E-1692-48C9-98FB-6432BF0BC4F7}"/>
+          </ac:grpSpMkLst>
+        </pc:grpChg>
+        <pc:grpChg chg="add del">
+          <ac:chgData name="Irving Leander Reascos Valencia" userId="355ef903-6e56-42c5-b4d8-5b764e20389a" providerId="ADAL" clId="{FF2A4FE9-6061-4F89-9356-7C24429792B8}" dt="2021-10-19T19:07:17.243" v="456" actId="26606"/>
+          <ac:grpSpMkLst>
+            <pc:docMk/>
+            <pc:sldMk cId="3916293193" sldId="256"/>
+            <ac:grpSpMk id="71" creationId="{5F9D1CBF-A219-4C01-85A0-9DF6151EE270}"/>
+          </ac:grpSpMkLst>
+        </pc:grpChg>
+        <pc:grpChg chg="add del">
+          <ac:chgData name="Irving Leander Reascos Valencia" userId="355ef903-6e56-42c5-b4d8-5b764e20389a" providerId="ADAL" clId="{FF2A4FE9-6061-4F89-9356-7C24429792B8}" dt="2021-10-19T19:07:18.197" v="458" actId="26606"/>
+          <ac:grpSpMkLst>
+            <pc:docMk/>
+            <pc:sldMk cId="3916293193" sldId="256"/>
+            <ac:grpSpMk id="77" creationId="{51579200-569C-441E-840B-B8541A0177A0}"/>
+          </ac:grpSpMkLst>
+        </pc:grpChg>
+        <pc:grpChg chg="add del">
+          <ac:chgData name="Irving Leander Reascos Valencia" userId="355ef903-6e56-42c5-b4d8-5b764e20389a" providerId="ADAL" clId="{FF2A4FE9-6061-4F89-9356-7C24429792B8}" dt="2021-10-19T19:10:39.468" v="479" actId="26606"/>
+          <ac:grpSpMkLst>
+            <pc:docMk/>
+            <pc:sldMk cId="3916293193" sldId="256"/>
+            <ac:grpSpMk id="84" creationId="{084C5BAC-71DF-48C0-AB51-699516D3BE58}"/>
+          </ac:grpSpMkLst>
+        </pc:grpChg>
+        <pc:grpChg chg="add del">
+          <ac:chgData name="Irving Leander Reascos Valencia" userId="355ef903-6e56-42c5-b4d8-5b764e20389a" providerId="ADAL" clId="{FF2A4FE9-6061-4F89-9356-7C24429792B8}" dt="2021-10-19T19:10:36.841" v="475" actId="26606"/>
+          <ac:grpSpMkLst>
+            <pc:docMk/>
+            <pc:sldMk cId="3916293193" sldId="256"/>
+            <ac:grpSpMk id="119" creationId="{D1E3DD61-64DB-46AD-B249-E273CD86B051}"/>
+          </ac:grpSpMkLst>
+        </pc:grpChg>
+        <pc:picChg chg="add del mod">
+          <ac:chgData name="Irving Leander Reascos Valencia" userId="355ef903-6e56-42c5-b4d8-5b764e20389a" providerId="ADAL" clId="{FF2A4FE9-6061-4F89-9356-7C24429792B8}" dt="2021-10-19T19:03:46.429" v="419" actId="26606"/>
+          <ac:picMkLst>
+            <pc:docMk/>
+            <pc:sldMk cId="3916293193" sldId="256"/>
+            <ac:picMk id="6" creationId="{29566AA0-0466-4EB3-AF91-9C1B5652B793}"/>
+          </ac:picMkLst>
+        </pc:picChg>
+        <pc:picChg chg="add del mod">
+          <ac:chgData name="Irving Leander Reascos Valencia" userId="355ef903-6e56-42c5-b4d8-5b764e20389a" providerId="ADAL" clId="{FF2A4FE9-6061-4F89-9356-7C24429792B8}" dt="2021-10-19T19:06:15.831" v="429" actId="26606"/>
+          <ac:picMkLst>
+            <pc:docMk/>
+            <pc:sldMk cId="3916293193" sldId="256"/>
+            <ac:picMk id="21" creationId="{8210B9F1-D91D-410C-B3A6-BEFC58FCD936}"/>
+          </ac:picMkLst>
+        </pc:picChg>
+        <pc:picChg chg="add mod">
+          <ac:chgData name="Irving Leander Reascos Valencia" userId="355ef903-6e56-42c5-b4d8-5b764e20389a" providerId="ADAL" clId="{FF2A4FE9-6061-4F89-9356-7C24429792B8}" dt="2021-10-19T19:48:11.868" v="749" actId="1076"/>
+          <ac:picMkLst>
+            <pc:docMk/>
+            <pc:sldMk cId="3916293193" sldId="256"/>
+            <ac:picMk id="44" creationId="{10F7A4C2-65D3-4FFC-AD90-FE4BA48A4A15}"/>
+          </ac:picMkLst>
+        </pc:picChg>
+        <pc:picChg chg="add del">
+          <ac:chgData name="Irving Leander Reascos Valencia" userId="355ef903-6e56-42c5-b4d8-5b764e20389a" providerId="ADAL" clId="{FF2A4FE9-6061-4F89-9356-7C24429792B8}" dt="2021-10-19T19:08:16.697" v="463" actId="26606"/>
+          <ac:picMkLst>
+            <pc:docMk/>
+            <pc:sldMk cId="3916293193" sldId="256"/>
+            <ac:picMk id="104" creationId="{FCFE29C8-3320-4C00-9FEF-9B2DD9DCC347}"/>
+          </ac:picMkLst>
+        </pc:picChg>
+        <pc:cxnChg chg="add del">
+          <ac:chgData name="Irving Leander Reascos Valencia" userId="355ef903-6e56-42c5-b4d8-5b764e20389a" providerId="ADAL" clId="{FF2A4FE9-6061-4F89-9356-7C24429792B8}" dt="2021-10-19T19:05:53.050" v="421" actId="26606"/>
+          <ac:cxnSpMkLst>
+            <pc:docMk/>
+            <pc:sldMk cId="3916293193" sldId="256"/>
+            <ac:cxnSpMk id="10" creationId="{EC4521DE-248E-440D-AAD6-FD9E7D34B3BF}"/>
+          </ac:cxnSpMkLst>
+        </pc:cxnChg>
+        <pc:cxnChg chg="add del">
+          <ac:chgData name="Irving Leander Reascos Valencia" userId="355ef903-6e56-42c5-b4d8-5b764e20389a" providerId="ADAL" clId="{FF2A4FE9-6061-4F89-9356-7C24429792B8}" dt="2021-10-19T19:05:53.050" v="421" actId="26606"/>
+          <ac:cxnSpMkLst>
+            <pc:docMk/>
+            <pc:sldMk cId="3916293193" sldId="256"/>
+            <ac:cxnSpMk id="12" creationId="{442C13FA-4C0F-42D0-9626-5BA6040D8C31}"/>
+          </ac:cxnSpMkLst>
+        </pc:cxnChg>
+        <pc:cxnChg chg="add del">
+          <ac:chgData name="Irving Leander Reascos Valencia" userId="355ef903-6e56-42c5-b4d8-5b764e20389a" providerId="ADAL" clId="{FF2A4FE9-6061-4F89-9356-7C24429792B8}" dt="2021-10-19T19:06:03.421" v="423" actId="26606"/>
+          <ac:cxnSpMkLst>
+            <pc:docMk/>
+            <pc:sldMk cId="3916293193" sldId="256"/>
+            <ac:cxnSpMk id="13" creationId="{FEA8332D-EA74-40A2-8709-00EDB23792E1}"/>
+          </ac:cxnSpMkLst>
+        </pc:cxnChg>
+        <pc:cxnChg chg="add del">
+          <ac:chgData name="Irving Leander Reascos Valencia" userId="355ef903-6e56-42c5-b4d8-5b764e20389a" providerId="ADAL" clId="{FF2A4FE9-6061-4F89-9356-7C24429792B8}" dt="2021-10-19T19:06:03.421" v="423" actId="26606"/>
+          <ac:cxnSpMkLst>
+            <pc:docMk/>
+            <pc:sldMk cId="3916293193" sldId="256"/>
+            <ac:cxnSpMk id="14" creationId="{AB88284F-ED00-40CA-B57D-89C49E8EC6E9}"/>
+          </ac:cxnSpMkLst>
+        </pc:cxnChg>
+        <pc:cxnChg chg="add del">
+          <ac:chgData name="Irving Leander Reascos Valencia" userId="355ef903-6e56-42c5-b4d8-5b764e20389a" providerId="ADAL" clId="{FF2A4FE9-6061-4F89-9356-7C24429792B8}" dt="2021-10-19T19:06:30.490" v="431" actId="26606"/>
+          <ac:cxnSpMkLst>
+            <pc:docMk/>
+            <pc:sldMk cId="3916293193" sldId="256"/>
+            <ac:cxnSpMk id="16" creationId="{56020367-4FD5-4596-8E10-C5F095CD8DBF}"/>
+          </ac:cxnSpMkLst>
+        </pc:cxnChg>
+        <pc:cxnChg chg="add del">
+          <ac:chgData name="Irving Leander Reascos Valencia" userId="355ef903-6e56-42c5-b4d8-5b764e20389a" providerId="ADAL" clId="{FF2A4FE9-6061-4F89-9356-7C24429792B8}" dt="2021-10-19T19:06:35.922" v="439" actId="26606"/>
+          <ac:cxnSpMkLst>
+            <pc:docMk/>
+            <pc:sldMk cId="3916293193" sldId="256"/>
+            <ac:cxnSpMk id="46" creationId="{56020367-4FD5-4596-8E10-C5F095CD8DBF}"/>
+          </ac:cxnSpMkLst>
+        </pc:cxnChg>
+        <pc:cxnChg chg="add del">
+          <ac:chgData name="Irving Leander Reascos Valencia" userId="355ef903-6e56-42c5-b4d8-5b764e20389a" providerId="ADAL" clId="{FF2A4FE9-6061-4F89-9356-7C24429792B8}" dt="2021-10-19T19:06:41.478" v="441" actId="26606"/>
+          <ac:cxnSpMkLst>
+            <pc:docMk/>
+            <pc:sldMk cId="3916293193" sldId="256"/>
+            <ac:cxnSpMk id="52" creationId="{EC4521DE-248E-440D-AAD6-FD9E7D34B3BF}"/>
+          </ac:cxnSpMkLst>
+        </pc:cxnChg>
+        <pc:cxnChg chg="add del">
+          <ac:chgData name="Irving Leander Reascos Valencia" userId="355ef903-6e56-42c5-b4d8-5b764e20389a" providerId="ADAL" clId="{FF2A4FE9-6061-4F89-9356-7C24429792B8}" dt="2021-10-19T19:06:41.478" v="441" actId="26606"/>
+          <ac:cxnSpMkLst>
+            <pc:docMk/>
+            <pc:sldMk cId="3916293193" sldId="256"/>
+            <ac:cxnSpMk id="53" creationId="{442C13FA-4C0F-42D0-9626-5BA6040D8C31}"/>
+          </ac:cxnSpMkLst>
+        </pc:cxnChg>
+        <pc:cxnChg chg="add del">
+          <ac:chgData name="Irving Leander Reascos Valencia" userId="355ef903-6e56-42c5-b4d8-5b764e20389a" providerId="ADAL" clId="{FF2A4FE9-6061-4F89-9356-7C24429792B8}" dt="2021-10-19T19:06:44.597" v="445" actId="26606"/>
+          <ac:cxnSpMkLst>
+            <pc:docMk/>
+            <pc:sldMk cId="3916293193" sldId="256"/>
+            <ac:cxnSpMk id="57" creationId="{2D07C3A8-02AE-4DC1-B13F-A6AA2ECA9FFD}"/>
+          </ac:cxnSpMkLst>
+        </pc:cxnChg>
+        <pc:cxnChg chg="add del">
+          <ac:chgData name="Irving Leander Reascos Valencia" userId="355ef903-6e56-42c5-b4d8-5b764e20389a" providerId="ADAL" clId="{FF2A4FE9-6061-4F89-9356-7C24429792B8}" dt="2021-10-19T19:06:51.993" v="449" actId="26606"/>
+          <ac:cxnSpMkLst>
+            <pc:docMk/>
+            <pc:sldMk cId="3916293193" sldId="256"/>
+            <ac:cxnSpMk id="61" creationId="{07A9243D-8FC3-4B36-874B-55906B03F484}"/>
+          </ac:cxnSpMkLst>
+        </pc:cxnChg>
+        <pc:cxnChg chg="add del">
+          <ac:chgData name="Irving Leander Reascos Valencia" userId="355ef903-6e56-42c5-b4d8-5b764e20389a" providerId="ADAL" clId="{FF2A4FE9-6061-4F89-9356-7C24429792B8}" dt="2021-10-19T19:06:59.449" v="452" actId="26606"/>
+          <ac:cxnSpMkLst>
+            <pc:docMk/>
+            <pc:sldMk cId="3916293193" sldId="256"/>
+            <ac:cxnSpMk id="64" creationId="{C4C8A451-B6C1-4CB1-95FC-2DBDEC61FF17}"/>
+          </ac:cxnSpMkLst>
+        </pc:cxnChg>
+        <pc:cxnChg chg="add del">
+          <ac:chgData name="Irving Leander Reascos Valencia" userId="355ef903-6e56-42c5-b4d8-5b764e20389a" providerId="ADAL" clId="{FF2A4FE9-6061-4F89-9356-7C24429792B8}" dt="2021-10-19T19:06:59.449" v="452" actId="26606"/>
+          <ac:cxnSpMkLst>
+            <pc:docMk/>
+            <pc:sldMk cId="3916293193" sldId="256"/>
+            <ac:cxnSpMk id="65" creationId="{E8439DD6-1CCF-48C6-AF10-B7018793022A}"/>
+          </ac:cxnSpMkLst>
+        </pc:cxnChg>
+        <pc:cxnChg chg="add del">
+          <ac:chgData name="Irving Leander Reascos Valencia" userId="355ef903-6e56-42c5-b4d8-5b764e20389a" providerId="ADAL" clId="{FF2A4FE9-6061-4F89-9356-7C24429792B8}" dt="2021-10-19T19:10:14.727" v="473" actId="26606"/>
+          <ac:cxnSpMkLst>
+            <pc:docMk/>
+            <pc:sldMk cId="3916293193" sldId="256"/>
+            <ac:cxnSpMk id="117" creationId="{45000665-DFC7-417E-8FD7-516A0F15C975}"/>
+          </ac:cxnSpMkLst>
+        </pc:cxnChg>
+        <pc:cxnChg chg="add del">
+          <ac:chgData name="Irving Leander Reascos Valencia" userId="355ef903-6e56-42c5-b4d8-5b764e20389a" providerId="ADAL" clId="{FF2A4FE9-6061-4F89-9356-7C24429792B8}" dt="2021-10-19T19:10:38.244" v="477" actId="26606"/>
+          <ac:cxnSpMkLst>
+            <pc:docMk/>
+            <pc:sldMk cId="3916293193" sldId="256"/>
+            <ac:cxnSpMk id="129" creationId="{E6D6B450-4278-45B8-88C7-C061710E3C7E}"/>
+          </ac:cxnSpMkLst>
+        </pc:cxnChg>
+        <pc:cxnChg chg="add del">
+          <ac:chgData name="Irving Leander Reascos Valencia" userId="355ef903-6e56-42c5-b4d8-5b764e20389a" providerId="ADAL" clId="{FF2A4FE9-6061-4F89-9356-7C24429792B8}" dt="2021-10-19T19:10:38.244" v="477" actId="26606"/>
+          <ac:cxnSpMkLst>
+            <pc:docMk/>
+            <pc:sldMk cId="3916293193" sldId="256"/>
+            <ac:cxnSpMk id="130" creationId="{74234A4C-A256-4139-A5F4-27078F0D6796}"/>
+          </ac:cxnSpMkLst>
+        </pc:cxnChg>
+      </pc:sldChg>
+      <pc:sldChg chg="addSp delSp modSp mod setBg setClrOvrMap">
+        <pc:chgData name="Irving Leander Reascos Valencia" userId="355ef903-6e56-42c5-b4d8-5b764e20389a" providerId="ADAL" clId="{FF2A4FE9-6061-4F89-9356-7C24429792B8}" dt="2021-10-19T19:48:07.140" v="748" actId="1076"/>
+        <pc:sldMkLst>
+          <pc:docMk/>
+          <pc:sldMk cId="2618058349" sldId="257"/>
+        </pc:sldMkLst>
+        <pc:spChg chg="mod">
+          <ac:chgData name="Irving Leander Reascos Valencia" userId="355ef903-6e56-42c5-b4d8-5b764e20389a" providerId="ADAL" clId="{FF2A4FE9-6061-4F89-9356-7C24429792B8}" dt="2021-10-19T19:13:25.522" v="484" actId="26606"/>
+          <ac:spMkLst>
+            <pc:docMk/>
+            <pc:sldMk cId="2618058349" sldId="257"/>
+            <ac:spMk id="2" creationId="{A90D1A64-2A9D-4122-9AF7-59CDF0D95CE7}"/>
+          </ac:spMkLst>
+        </pc:spChg>
+        <pc:spChg chg="mod">
+          <ac:chgData name="Irving Leander Reascos Valencia" userId="355ef903-6e56-42c5-b4d8-5b764e20389a" providerId="ADAL" clId="{FF2A4FE9-6061-4F89-9356-7C24429792B8}" dt="2021-10-19T19:13:25.522" v="484" actId="26606"/>
+          <ac:spMkLst>
+            <pc:docMk/>
+            <pc:sldMk cId="2618058349" sldId="257"/>
+            <ac:spMk id="3" creationId="{A1193E02-CBB4-4219-B249-B771F91CFEC0}"/>
+          </ac:spMkLst>
+        </pc:spChg>
+        <pc:spChg chg="add">
+          <ac:chgData name="Irving Leander Reascos Valencia" userId="355ef903-6e56-42c5-b4d8-5b764e20389a" providerId="ADAL" clId="{FF2A4FE9-6061-4F89-9356-7C24429792B8}" dt="2021-10-19T19:13:25.522" v="484" actId="26606"/>
+          <ac:spMkLst>
+            <pc:docMk/>
+            <pc:sldMk cId="2618058349" sldId="257"/>
+            <ac:spMk id="6" creationId="{EA67B5B4-3A24-436E-B663-1B2EBFF8A0CD}"/>
+          </ac:spMkLst>
+        </pc:spChg>
+        <pc:spChg chg="add">
+          <ac:chgData name="Irving Leander Reascos Valencia" userId="355ef903-6e56-42c5-b4d8-5b764e20389a" providerId="ADAL" clId="{FF2A4FE9-6061-4F89-9356-7C24429792B8}" dt="2021-10-19T19:13:25.522" v="484" actId="26606"/>
+          <ac:spMkLst>
+            <pc:docMk/>
+            <pc:sldMk cId="2618058349" sldId="257"/>
+            <ac:spMk id="7" creationId="{987FDF89-C993-41F4-A1B8-DBAFF16008A9}"/>
+          </ac:spMkLst>
+        </pc:spChg>
+        <pc:spChg chg="add del">
+          <ac:chgData name="Irving Leander Reascos Valencia" userId="355ef903-6e56-42c5-b4d8-5b764e20389a" providerId="ADAL" clId="{FF2A4FE9-6061-4F89-9356-7C24429792B8}" dt="2021-10-19T19:13:19.385" v="481" actId="26606"/>
+          <ac:spMkLst>
+            <pc:docMk/>
+            <pc:sldMk cId="2618058349" sldId="257"/>
+            <ac:spMk id="8" creationId="{EA67B5B4-3A24-436E-B663-1B2EBFF8A0CD}"/>
+          </ac:spMkLst>
+        </pc:spChg>
+        <pc:spChg chg="add del">
+          <ac:chgData name="Irving Leander Reascos Valencia" userId="355ef903-6e56-42c5-b4d8-5b764e20389a" providerId="ADAL" clId="{FF2A4FE9-6061-4F89-9356-7C24429792B8}" dt="2021-10-19T19:13:21.768" v="483" actId="26606"/>
+          <ac:spMkLst>
+            <pc:docMk/>
+            <pc:sldMk cId="2618058349" sldId="257"/>
+            <ac:spMk id="9" creationId="{C5E6CFF1-2F42-4E10-9A97-F116F46F53FE}"/>
+          </ac:spMkLst>
+        </pc:spChg>
+        <pc:spChg chg="add del">
+          <ac:chgData name="Irving Leander Reascos Valencia" userId="355ef903-6e56-42c5-b4d8-5b764e20389a" providerId="ADAL" clId="{FF2A4FE9-6061-4F89-9356-7C24429792B8}" dt="2021-10-19T19:13:19.385" v="481" actId="26606"/>
+          <ac:spMkLst>
+            <pc:docMk/>
+            <pc:sldMk cId="2618058349" sldId="257"/>
+            <ac:spMk id="10" creationId="{987FDF89-C993-41F4-A1B8-DBAFF16008A9}"/>
+          </ac:spMkLst>
+        </pc:spChg>
+        <pc:spChg chg="add del">
+          <ac:chgData name="Irving Leander Reascos Valencia" userId="355ef903-6e56-42c5-b4d8-5b764e20389a" providerId="ADAL" clId="{FF2A4FE9-6061-4F89-9356-7C24429792B8}" dt="2021-10-19T19:13:19.385" v="481" actId="26606"/>
+          <ac:spMkLst>
+            <pc:docMk/>
+            <pc:sldMk cId="2618058349" sldId="257"/>
+            <ac:spMk id="12" creationId="{64E585EA-75FD-4025-8270-F66A58A15CDA}"/>
+          </ac:spMkLst>
+        </pc:spChg>
+        <pc:spChg chg="add">
+          <ac:chgData name="Irving Leander Reascos Valencia" userId="355ef903-6e56-42c5-b4d8-5b764e20389a" providerId="ADAL" clId="{FF2A4FE9-6061-4F89-9356-7C24429792B8}" dt="2021-10-19T19:13:25.522" v="484" actId="26606"/>
+          <ac:spMkLst>
+            <pc:docMk/>
+            <pc:sldMk cId="2618058349" sldId="257"/>
+            <ac:spMk id="13" creationId="{64E585EA-75FD-4025-8270-F66A58A15CDA}"/>
+          </ac:spMkLst>
+        </pc:spChg>
+        <pc:picChg chg="add del">
+          <ac:chgData name="Irving Leander Reascos Valencia" userId="355ef903-6e56-42c5-b4d8-5b764e20389a" providerId="ADAL" clId="{FF2A4FE9-6061-4F89-9356-7C24429792B8}" dt="2021-10-19T19:13:21.768" v="483" actId="26606"/>
+          <ac:picMkLst>
+            <pc:docMk/>
+            <pc:sldMk cId="2618058349" sldId="257"/>
+            <ac:picMk id="5" creationId="{80017416-3FBE-4EC2-8958-C8AD6E246FDE}"/>
+          </ac:picMkLst>
+        </pc:picChg>
+        <pc:picChg chg="add mod">
+          <ac:chgData name="Irving Leander Reascos Valencia" userId="355ef903-6e56-42c5-b4d8-5b764e20389a" providerId="ADAL" clId="{FF2A4FE9-6061-4F89-9356-7C24429792B8}" dt="2021-10-19T19:48:07.140" v="748" actId="1076"/>
+          <ac:picMkLst>
+            <pc:docMk/>
+            <pc:sldMk cId="2618058349" sldId="257"/>
+            <ac:picMk id="14" creationId="{3C8B47FD-FAEA-47BE-9B6E-17DEDEA847DE}"/>
+          </ac:picMkLst>
+        </pc:picChg>
+        <pc:picChg chg="add del mod">
+          <ac:chgData name="Irving Leander Reascos Valencia" userId="355ef903-6e56-42c5-b4d8-5b764e20389a" providerId="ADAL" clId="{FF2A4FE9-6061-4F89-9356-7C24429792B8}" dt="2021-10-19T19:18:18.838" v="488" actId="478"/>
+          <ac:picMkLst>
+            <pc:docMk/>
+            <pc:sldMk cId="2618058349" sldId="257"/>
+            <ac:picMk id="1026" creationId="{06B2EEA1-6DFF-40BD-BB45-4D1190DF3C02}"/>
+          </ac:picMkLst>
+        </pc:picChg>
+        <pc:cxnChg chg="add del">
+          <ac:chgData name="Irving Leander Reascos Valencia" userId="355ef903-6e56-42c5-b4d8-5b764e20389a" providerId="ADAL" clId="{FF2A4FE9-6061-4F89-9356-7C24429792B8}" dt="2021-10-19T19:13:21.768" v="483" actId="26606"/>
+          <ac:cxnSpMkLst>
+            <pc:docMk/>
+            <pc:sldMk cId="2618058349" sldId="257"/>
+            <ac:cxnSpMk id="11" creationId="{67182200-4859-4C8D-BCBB-55B245C28BA3}"/>
+          </ac:cxnSpMkLst>
+        </pc:cxnChg>
+      </pc:sldChg>
+      <pc:sldChg chg="addSp modSp mod setBg setClrOvrMap">
+        <pc:chgData name="Irving Leander Reascos Valencia" userId="355ef903-6e56-42c5-b4d8-5b764e20389a" providerId="ADAL" clId="{FF2A4FE9-6061-4F89-9356-7C24429792B8}" dt="2021-10-19T19:59:50.173" v="770" actId="1076"/>
+        <pc:sldMkLst>
+          <pc:docMk/>
+          <pc:sldMk cId="141842313" sldId="258"/>
+        </pc:sldMkLst>
+        <pc:spChg chg="mod">
+          <ac:chgData name="Irving Leander Reascos Valencia" userId="355ef903-6e56-42c5-b4d8-5b764e20389a" providerId="ADAL" clId="{FF2A4FE9-6061-4F89-9356-7C24429792B8}" dt="2021-10-19T19:25:30.645" v="533" actId="26606"/>
+          <ac:spMkLst>
+            <pc:docMk/>
+            <pc:sldMk cId="141842313" sldId="258"/>
+            <ac:spMk id="2" creationId="{C9F13D6B-ADDC-4D9F-8F64-BFE5D3350D4E}"/>
+          </ac:spMkLst>
+        </pc:spChg>
+        <pc:spChg chg="mod">
+          <ac:chgData name="Irving Leander Reascos Valencia" userId="355ef903-6e56-42c5-b4d8-5b764e20389a" providerId="ADAL" clId="{FF2A4FE9-6061-4F89-9356-7C24429792B8}" dt="2021-10-19T19:25:30.645" v="533" actId="26606"/>
+          <ac:spMkLst>
+            <pc:docMk/>
+            <pc:sldMk cId="141842313" sldId="258"/>
+            <ac:spMk id="3" creationId="{EC75AD99-26BD-4FCD-9831-C1EBF240F0E8}"/>
+          </ac:spMkLst>
+        </pc:spChg>
+        <pc:spChg chg="add">
+          <ac:chgData name="Irving Leander Reascos Valencia" userId="355ef903-6e56-42c5-b4d8-5b764e20389a" providerId="ADAL" clId="{FF2A4FE9-6061-4F89-9356-7C24429792B8}" dt="2021-10-19T19:25:30.645" v="533" actId="26606"/>
+          <ac:spMkLst>
+            <pc:docMk/>
+            <pc:sldMk cId="141842313" sldId="258"/>
+            <ac:spMk id="8" creationId="{EA67B5B4-3A24-436E-B663-1B2EBFF8A0CD}"/>
+          </ac:spMkLst>
+        </pc:spChg>
+        <pc:spChg chg="add">
+          <ac:chgData name="Irving Leander Reascos Valencia" userId="355ef903-6e56-42c5-b4d8-5b764e20389a" providerId="ADAL" clId="{FF2A4FE9-6061-4F89-9356-7C24429792B8}" dt="2021-10-19T19:25:30.645" v="533" actId="26606"/>
+          <ac:spMkLst>
+            <pc:docMk/>
+            <pc:sldMk cId="141842313" sldId="258"/>
+            <ac:spMk id="10" creationId="{987FDF89-C993-41F4-A1B8-DBAFF16008A9}"/>
+          </ac:spMkLst>
+        </pc:spChg>
+        <pc:spChg chg="add">
+          <ac:chgData name="Irving Leander Reascos Valencia" userId="355ef903-6e56-42c5-b4d8-5b764e20389a" providerId="ADAL" clId="{FF2A4FE9-6061-4F89-9356-7C24429792B8}" dt="2021-10-19T19:25:30.645" v="533" actId="26606"/>
+          <ac:spMkLst>
+            <pc:docMk/>
+            <pc:sldMk cId="141842313" sldId="258"/>
+            <ac:spMk id="12" creationId="{64E585EA-75FD-4025-8270-F66A58A15CDA}"/>
+          </ac:spMkLst>
+        </pc:spChg>
+        <pc:picChg chg="add mod">
+          <ac:chgData name="Irving Leander Reascos Valencia" userId="355ef903-6e56-42c5-b4d8-5b764e20389a" providerId="ADAL" clId="{FF2A4FE9-6061-4F89-9356-7C24429792B8}" dt="2021-10-19T19:48:14.399" v="750"/>
+          <ac:picMkLst>
+            <pc:docMk/>
+            <pc:sldMk cId="141842313" sldId="258"/>
+            <ac:picMk id="7" creationId="{19B7E34A-47C0-4EEC-A11B-72B0353F9BB5}"/>
+          </ac:picMkLst>
+        </pc:picChg>
+        <pc:picChg chg="add mod">
+          <ac:chgData name="Irving Leander Reascos Valencia" userId="355ef903-6e56-42c5-b4d8-5b764e20389a" providerId="ADAL" clId="{FF2A4FE9-6061-4F89-9356-7C24429792B8}" dt="2021-10-19T19:58:15.029" v="761" actId="1076"/>
+          <ac:picMkLst>
+            <pc:docMk/>
+            <pc:sldMk cId="141842313" sldId="258"/>
+            <ac:picMk id="6146" creationId="{3B8E4815-DB78-4C4E-95BC-C2A1518C9549}"/>
+          </ac:picMkLst>
+        </pc:picChg>
+        <pc:picChg chg="add mod">
+          <ac:chgData name="Irving Leander Reascos Valencia" userId="355ef903-6e56-42c5-b4d8-5b764e20389a" providerId="ADAL" clId="{FF2A4FE9-6061-4F89-9356-7C24429792B8}" dt="2021-10-19T19:59:14.598" v="764" actId="1076"/>
+          <ac:picMkLst>
+            <pc:docMk/>
+            <pc:sldMk cId="141842313" sldId="258"/>
+            <ac:picMk id="6148" creationId="{0EA8F629-581A-45BB-B9B5-1512B20D0D4E}"/>
+          </ac:picMkLst>
+        </pc:picChg>
+        <pc:picChg chg="add mod">
+          <ac:chgData name="Irving Leander Reascos Valencia" userId="355ef903-6e56-42c5-b4d8-5b764e20389a" providerId="ADAL" clId="{FF2A4FE9-6061-4F89-9356-7C24429792B8}" dt="2021-10-19T19:59:50.173" v="770" actId="1076"/>
+          <ac:picMkLst>
+            <pc:docMk/>
+            <pc:sldMk cId="141842313" sldId="258"/>
+            <ac:picMk id="6150" creationId="{8BBCD727-86E1-48D9-945C-ADD2B493758A}"/>
+          </ac:picMkLst>
+        </pc:picChg>
+      </pc:sldChg>
+      <pc:sldChg chg="addSp delSp modSp mod setBg setClrOvrMap">
+        <pc:chgData name="Irving Leander Reascos Valencia" userId="355ef903-6e56-42c5-b4d8-5b764e20389a" providerId="ADAL" clId="{FF2A4FE9-6061-4F89-9356-7C24429792B8}" dt="2021-10-19T19:48:21.539" v="751"/>
+        <pc:sldMkLst>
+          <pc:docMk/>
+          <pc:sldMk cId="3785552250" sldId="259"/>
+        </pc:sldMkLst>
+        <pc:spChg chg="mod">
+          <ac:chgData name="Irving Leander Reascos Valencia" userId="355ef903-6e56-42c5-b4d8-5b764e20389a" providerId="ADAL" clId="{FF2A4FE9-6061-4F89-9356-7C24429792B8}" dt="2021-10-19T19:46:45.791" v="732" actId="26606"/>
+          <ac:spMkLst>
+            <pc:docMk/>
+            <pc:sldMk cId="3785552250" sldId="259"/>
+            <ac:spMk id="2" creationId="{770AEAC1-D00D-4613-95F0-71CF1560AD62}"/>
+          </ac:spMkLst>
+        </pc:spChg>
+        <pc:spChg chg="mod">
+          <ac:chgData name="Irving Leander Reascos Valencia" userId="355ef903-6e56-42c5-b4d8-5b764e20389a" providerId="ADAL" clId="{FF2A4FE9-6061-4F89-9356-7C24429792B8}" dt="2021-10-19T19:47:01.622" v="738" actId="20577"/>
+          <ac:spMkLst>
+            <pc:docMk/>
+            <pc:sldMk cId="3785552250" sldId="259"/>
+            <ac:spMk id="3" creationId="{1B8160BC-DBAF-4CF3-815A-DFCC0C01BC4D}"/>
+          </ac:spMkLst>
+        </pc:spChg>
+        <pc:spChg chg="add del">
+          <ac:chgData name="Irving Leander Reascos Valencia" userId="355ef903-6e56-42c5-b4d8-5b764e20389a" providerId="ADAL" clId="{FF2A4FE9-6061-4F89-9356-7C24429792B8}" dt="2021-10-19T19:46:45.791" v="732" actId="26606"/>
+          <ac:spMkLst>
+            <pc:docMk/>
+            <pc:sldMk cId="3785552250" sldId="259"/>
+            <ac:spMk id="8" creationId="{EA67B5B4-3A24-436E-B663-1B2EBFF8A0CD}"/>
+          </ac:spMkLst>
+        </pc:spChg>
+        <pc:spChg chg="add del">
+          <ac:chgData name="Irving Leander Reascos Valencia" userId="355ef903-6e56-42c5-b4d8-5b764e20389a" providerId="ADAL" clId="{FF2A4FE9-6061-4F89-9356-7C24429792B8}" dt="2021-10-19T19:24:04.890" v="490" actId="26606"/>
+          <ac:spMkLst>
+            <pc:docMk/>
+            <pc:sldMk cId="3785552250" sldId="259"/>
+            <ac:spMk id="9" creationId="{96CF2A2B-0745-440C-9224-C5C6A0A4286F}"/>
+          </ac:spMkLst>
+        </pc:spChg>
+        <pc:spChg chg="add del">
+          <ac:chgData name="Irving Leander Reascos Valencia" userId="355ef903-6e56-42c5-b4d8-5b764e20389a" providerId="ADAL" clId="{FF2A4FE9-6061-4F89-9356-7C24429792B8}" dt="2021-10-19T19:46:45.791" v="732" actId="26606"/>
+          <ac:spMkLst>
+            <pc:docMk/>
+            <pc:sldMk cId="3785552250" sldId="259"/>
+            <ac:spMk id="10" creationId="{987FDF89-C993-41F4-A1B8-DBAFF16008A9}"/>
+          </ac:spMkLst>
+        </pc:spChg>
+        <pc:spChg chg="add del">
+          <ac:chgData name="Irving Leander Reascos Valencia" userId="355ef903-6e56-42c5-b4d8-5b764e20389a" providerId="ADAL" clId="{FF2A4FE9-6061-4F89-9356-7C24429792B8}" dt="2021-10-19T19:24:04.890" v="490" actId="26606"/>
+          <ac:spMkLst>
+            <pc:docMk/>
+            <pc:sldMk cId="3785552250" sldId="259"/>
+            <ac:spMk id="11" creationId="{75BE6D6B-84C9-4D2B-97EB-773B7369EF82}"/>
+          </ac:spMkLst>
+        </pc:spChg>
+        <pc:spChg chg="add del">
+          <ac:chgData name="Irving Leander Reascos Valencia" userId="355ef903-6e56-42c5-b4d8-5b764e20389a" providerId="ADAL" clId="{FF2A4FE9-6061-4F89-9356-7C24429792B8}" dt="2021-10-19T19:46:45.791" v="732" actId="26606"/>
+          <ac:spMkLst>
+            <pc:docMk/>
+            <pc:sldMk cId="3785552250" sldId="259"/>
+            <ac:spMk id="12" creationId="{64E585EA-75FD-4025-8270-F66A58A15CDA}"/>
+          </ac:spMkLst>
+        </pc:spChg>
+        <pc:spChg chg="add">
+          <ac:chgData name="Irving Leander Reascos Valencia" userId="355ef903-6e56-42c5-b4d8-5b764e20389a" providerId="ADAL" clId="{FF2A4FE9-6061-4F89-9356-7C24429792B8}" dt="2021-10-19T19:46:45.791" v="732" actId="26606"/>
+          <ac:spMkLst>
+            <pc:docMk/>
+            <pc:sldMk cId="3785552250" sldId="259"/>
+            <ac:spMk id="17" creationId="{EA67B5B4-3A24-436E-B663-1B2EBFF8A0CD}"/>
+          </ac:spMkLst>
+        </pc:spChg>
+        <pc:spChg chg="add">
+          <ac:chgData name="Irving Leander Reascos Valencia" userId="355ef903-6e56-42c5-b4d8-5b764e20389a" providerId="ADAL" clId="{FF2A4FE9-6061-4F89-9356-7C24429792B8}" dt="2021-10-19T19:46:45.791" v="732" actId="26606"/>
+          <ac:spMkLst>
+            <pc:docMk/>
+            <pc:sldMk cId="3785552250" sldId="259"/>
+            <ac:spMk id="19" creationId="{987FDF89-C993-41F4-A1B8-DBAFF16008A9}"/>
+          </ac:spMkLst>
+        </pc:spChg>
+        <pc:spChg chg="add">
+          <ac:chgData name="Irving Leander Reascos Valencia" userId="355ef903-6e56-42c5-b4d8-5b764e20389a" providerId="ADAL" clId="{FF2A4FE9-6061-4F89-9356-7C24429792B8}" dt="2021-10-19T19:46:45.791" v="732" actId="26606"/>
+          <ac:spMkLst>
+            <pc:docMk/>
+            <pc:sldMk cId="3785552250" sldId="259"/>
+            <ac:spMk id="21" creationId="{D1D7179B-FF7C-482F-B3D9-2BE9ED1139F9}"/>
+          </ac:spMkLst>
+        </pc:spChg>
+        <pc:picChg chg="add del">
+          <ac:chgData name="Irving Leander Reascos Valencia" userId="355ef903-6e56-42c5-b4d8-5b764e20389a" providerId="ADAL" clId="{FF2A4FE9-6061-4F89-9356-7C24429792B8}" dt="2021-10-19T19:24:04.890" v="490" actId="26606"/>
+          <ac:picMkLst>
+            <pc:docMk/>
+            <pc:sldMk cId="3785552250" sldId="259"/>
+            <ac:picMk id="5" creationId="{75763AB6-E666-4B57-9B1C-25BAD63A8C94}"/>
+          </ac:picMkLst>
+        </pc:picChg>
+        <pc:picChg chg="add mod">
+          <ac:chgData name="Irving Leander Reascos Valencia" userId="355ef903-6e56-42c5-b4d8-5b764e20389a" providerId="ADAL" clId="{FF2A4FE9-6061-4F89-9356-7C24429792B8}" dt="2021-10-19T19:48:21.539" v="751"/>
+          <ac:picMkLst>
+            <pc:docMk/>
+            <pc:sldMk cId="3785552250" sldId="259"/>
+            <ac:picMk id="13" creationId="{1D3CEF4A-EFEE-4A62-8C1A-299D0027E6D2}"/>
+          </ac:picMkLst>
+        </pc:picChg>
+      </pc:sldChg>
+      <pc:sldChg chg="addSp delSp modSp mod setBg addAnim delAnim setClrOvrMap">
+        <pc:chgData name="Irving Leander Reascos Valencia" userId="355ef903-6e56-42c5-b4d8-5b764e20389a" providerId="ADAL" clId="{FF2A4FE9-6061-4F89-9356-7C24429792B8}" dt="2021-10-19T19:48:25.932" v="752"/>
+        <pc:sldMkLst>
+          <pc:docMk/>
+          <pc:sldMk cId="4233285982" sldId="260"/>
+        </pc:sldMkLst>
+        <pc:spChg chg="mod">
+          <ac:chgData name="Irving Leander Reascos Valencia" userId="355ef903-6e56-42c5-b4d8-5b764e20389a" providerId="ADAL" clId="{FF2A4FE9-6061-4F89-9356-7C24429792B8}" dt="2021-10-19T19:26:47.321" v="538" actId="120"/>
+          <ac:spMkLst>
+            <pc:docMk/>
+            <pc:sldMk cId="4233285982" sldId="260"/>
+            <ac:spMk id="2" creationId="{98EB2216-8FC6-44B0-82C2-66A7172A529A}"/>
+          </ac:spMkLst>
+        </pc:spChg>
+        <pc:spChg chg="mod">
+          <ac:chgData name="Irving Leander Reascos Valencia" userId="355ef903-6e56-42c5-b4d8-5b764e20389a" providerId="ADAL" clId="{FF2A4FE9-6061-4F89-9356-7C24429792B8}" dt="2021-10-19T19:27:54.311" v="556" actId="27636"/>
+          <ac:spMkLst>
+            <pc:docMk/>
+            <pc:sldMk cId="4233285982" sldId="260"/>
+            <ac:spMk id="3" creationId="{2B0B0381-2015-4C05-B552-CD2565C5E8A6}"/>
+          </ac:spMkLst>
+        </pc:spChg>
+        <pc:spChg chg="add del mod">
+          <ac:chgData name="Irving Leander Reascos Valencia" userId="355ef903-6e56-42c5-b4d8-5b764e20389a" providerId="ADAL" clId="{FF2A4FE9-6061-4F89-9356-7C24429792B8}" dt="2021-10-19T19:27:46.518" v="550" actId="22"/>
+          <ac:spMkLst>
+            <pc:docMk/>
+            <pc:sldMk cId="4233285982" sldId="260"/>
+            <ac:spMk id="11" creationId="{A58C1D33-CA18-419E-B5E5-69B4DDF47FE8}"/>
+          </ac:spMkLst>
+        </pc:spChg>
+        <pc:spChg chg="add">
+          <ac:chgData name="Irving Leander Reascos Valencia" userId="355ef903-6e56-42c5-b4d8-5b764e20389a" providerId="ADAL" clId="{FF2A4FE9-6061-4F89-9356-7C24429792B8}" dt="2021-10-19T19:26:33.048" v="537" actId="26606"/>
+          <ac:spMkLst>
+            <pc:docMk/>
+            <pc:sldMk cId="4233285982" sldId="260"/>
+            <ac:spMk id="12" creationId="{A87EA4E9-DFD6-45D4-965D-8A79984EF440}"/>
+          </ac:spMkLst>
+        </pc:spChg>
+        <pc:picChg chg="mod">
+          <ac:chgData name="Irving Leander Reascos Valencia" userId="355ef903-6e56-42c5-b4d8-5b764e20389a" providerId="ADAL" clId="{FF2A4FE9-6061-4F89-9356-7C24429792B8}" dt="2021-10-19T19:26:33.048" v="537" actId="26606"/>
+          <ac:picMkLst>
+            <pc:docMk/>
+            <pc:sldMk cId="4233285982" sldId="260"/>
+            <ac:picMk id="4" creationId="{08423078-5043-4334-8185-EB958FD72868}"/>
+          </ac:picMkLst>
+        </pc:picChg>
+        <pc:picChg chg="mod">
+          <ac:chgData name="Irving Leander Reascos Valencia" userId="355ef903-6e56-42c5-b4d8-5b764e20389a" providerId="ADAL" clId="{FF2A4FE9-6061-4F89-9356-7C24429792B8}" dt="2021-10-19T19:26:33.048" v="537" actId="26606"/>
+          <ac:picMkLst>
+            <pc:docMk/>
+            <pc:sldMk cId="4233285982" sldId="260"/>
+            <ac:picMk id="5" creationId="{FD654689-E7BA-4402-91EB-A0D1CBC7240A}"/>
+          </ac:picMkLst>
+        </pc:picChg>
+        <pc:picChg chg="add mod">
+          <ac:chgData name="Irving Leander Reascos Valencia" userId="355ef903-6e56-42c5-b4d8-5b764e20389a" providerId="ADAL" clId="{FF2A4FE9-6061-4F89-9356-7C24429792B8}" dt="2021-10-19T19:48:25.932" v="752"/>
+          <ac:picMkLst>
+            <pc:docMk/>
+            <pc:sldMk cId="4233285982" sldId="260"/>
+            <ac:picMk id="13" creationId="{472ECC5D-5DCE-42CA-A1DE-5313E4B710A3}"/>
+          </ac:picMkLst>
+        </pc:picChg>
+        <pc:picChg chg="add del">
+          <ac:chgData name="Irving Leander Reascos Valencia" userId="355ef903-6e56-42c5-b4d8-5b764e20389a" providerId="ADAL" clId="{FF2A4FE9-6061-4F89-9356-7C24429792B8}" dt="2021-10-19T19:27:29.186" v="542"/>
+          <ac:picMkLst>
+            <pc:docMk/>
+            <pc:sldMk cId="4233285982" sldId="260"/>
+            <ac:picMk id="2050" creationId="{2C4A4DD4-FFA5-4C8A-A344-50225E4ECEC8}"/>
+          </ac:picMkLst>
+        </pc:picChg>
+        <pc:cxnChg chg="add del">
+          <ac:chgData name="Irving Leander Reascos Valencia" userId="355ef903-6e56-42c5-b4d8-5b764e20389a" providerId="ADAL" clId="{FF2A4FE9-6061-4F89-9356-7C24429792B8}" dt="2021-10-19T19:26:33.035" v="536" actId="26606"/>
+          <ac:cxnSpMkLst>
+            <pc:docMk/>
+            <pc:sldMk cId="4233285982" sldId="260"/>
+            <ac:cxnSpMk id="10" creationId="{B6375111-306C-49EA-9DD1-79A2ED78FA30}"/>
+          </ac:cxnSpMkLst>
+        </pc:cxnChg>
+      </pc:sldChg>
+      <pc:sldChg chg="del">
+        <pc:chgData name="Irving Leander Reascos Valencia" userId="355ef903-6e56-42c5-b4d8-5b764e20389a" providerId="ADAL" clId="{FF2A4FE9-6061-4F89-9356-7C24429792B8}" dt="2021-10-19T19:27:16.357" v="540" actId="47"/>
+        <pc:sldMkLst>
+          <pc:docMk/>
+          <pc:sldMk cId="4012795877" sldId="261"/>
+        </pc:sldMkLst>
+      </pc:sldChg>
+      <pc:sldChg chg="addSp modSp mod setBg setClrOvrMap">
+        <pc:chgData name="Irving Leander Reascos Valencia" userId="355ef903-6e56-42c5-b4d8-5b764e20389a" providerId="ADAL" clId="{FF2A4FE9-6061-4F89-9356-7C24429792B8}" dt="2021-10-19T19:48:28.315" v="753"/>
+        <pc:sldMkLst>
+          <pc:docMk/>
+          <pc:sldMk cId="871309248" sldId="262"/>
+        </pc:sldMkLst>
+        <pc:spChg chg="mod">
+          <ac:chgData name="Irving Leander Reascos Valencia" userId="355ef903-6e56-42c5-b4d8-5b764e20389a" providerId="ADAL" clId="{FF2A4FE9-6061-4F89-9356-7C24429792B8}" dt="2021-10-19T19:28:31.529" v="557" actId="26606"/>
+          <ac:spMkLst>
+            <pc:docMk/>
+            <pc:sldMk cId="871309248" sldId="262"/>
+            <ac:spMk id="2" creationId="{770AEAC1-D00D-4613-95F0-71CF1560AD62}"/>
+          </ac:spMkLst>
+        </pc:spChg>
+        <pc:spChg chg="mod">
+          <ac:chgData name="Irving Leander Reascos Valencia" userId="355ef903-6e56-42c5-b4d8-5b764e20389a" providerId="ADAL" clId="{FF2A4FE9-6061-4F89-9356-7C24429792B8}" dt="2021-10-19T19:28:31.529" v="557" actId="26606"/>
+          <ac:spMkLst>
+            <pc:docMk/>
+            <pc:sldMk cId="871309248" sldId="262"/>
+            <ac:spMk id="3" creationId="{1B8160BC-DBAF-4CF3-815A-DFCC0C01BC4D}"/>
+          </ac:spMkLst>
+        </pc:spChg>
+        <pc:spChg chg="add">
+          <ac:chgData name="Irving Leander Reascos Valencia" userId="355ef903-6e56-42c5-b4d8-5b764e20389a" providerId="ADAL" clId="{FF2A4FE9-6061-4F89-9356-7C24429792B8}" dt="2021-10-19T19:28:31.529" v="557" actId="26606"/>
+          <ac:spMkLst>
+            <pc:docMk/>
+            <pc:sldMk cId="871309248" sldId="262"/>
+            <ac:spMk id="8" creationId="{EA67B5B4-3A24-436E-B663-1B2EBFF8A0CD}"/>
+          </ac:spMkLst>
+        </pc:spChg>
+        <pc:spChg chg="add">
+          <ac:chgData name="Irving Leander Reascos Valencia" userId="355ef903-6e56-42c5-b4d8-5b764e20389a" providerId="ADAL" clId="{FF2A4FE9-6061-4F89-9356-7C24429792B8}" dt="2021-10-19T19:28:31.529" v="557" actId="26606"/>
+          <ac:spMkLst>
+            <pc:docMk/>
+            <pc:sldMk cId="871309248" sldId="262"/>
+            <ac:spMk id="10" creationId="{987FDF89-C993-41F4-A1B8-DBAFF16008A9}"/>
+          </ac:spMkLst>
+        </pc:spChg>
+        <pc:spChg chg="add">
+          <ac:chgData name="Irving Leander Reascos Valencia" userId="355ef903-6e56-42c5-b4d8-5b764e20389a" providerId="ADAL" clId="{FF2A4FE9-6061-4F89-9356-7C24429792B8}" dt="2021-10-19T19:28:31.529" v="557" actId="26606"/>
+          <ac:spMkLst>
+            <pc:docMk/>
+            <pc:sldMk cId="871309248" sldId="262"/>
+            <ac:spMk id="12" creationId="{64E585EA-75FD-4025-8270-F66A58A15CDA}"/>
+          </ac:spMkLst>
+        </pc:spChg>
+        <pc:picChg chg="add mod">
+          <ac:chgData name="Irving Leander Reascos Valencia" userId="355ef903-6e56-42c5-b4d8-5b764e20389a" providerId="ADAL" clId="{FF2A4FE9-6061-4F89-9356-7C24429792B8}" dt="2021-10-19T19:48:28.315" v="753"/>
+          <ac:picMkLst>
+            <pc:docMk/>
+            <pc:sldMk cId="871309248" sldId="262"/>
+            <ac:picMk id="7" creationId="{51DCDEF1-18AC-4EC1-A327-5F242A2A3C84}"/>
+          </ac:picMkLst>
+        </pc:picChg>
+      </pc:sldChg>
+      <pc:sldChg chg="addSp delSp modSp mod setBg setClrOvrMap">
+        <pc:chgData name="Irving Leander Reascos Valencia" userId="355ef903-6e56-42c5-b4d8-5b764e20389a" providerId="ADAL" clId="{FF2A4FE9-6061-4F89-9356-7C24429792B8}" dt="2021-10-19T19:48:29.853" v="754"/>
+        <pc:sldMkLst>
+          <pc:docMk/>
+          <pc:sldMk cId="49299221" sldId="263"/>
+        </pc:sldMkLst>
+        <pc:spChg chg="mod">
+          <ac:chgData name="Irving Leander Reascos Valencia" userId="355ef903-6e56-42c5-b4d8-5b764e20389a" providerId="ADAL" clId="{FF2A4FE9-6061-4F89-9356-7C24429792B8}" dt="2021-10-19T19:43:49.600" v="717" actId="26606"/>
+          <ac:spMkLst>
+            <pc:docMk/>
+            <pc:sldMk cId="49299221" sldId="263"/>
+            <ac:spMk id="2" creationId="{98EB2216-8FC6-44B0-82C2-66A7172A529A}"/>
+          </ac:spMkLst>
+        </pc:spChg>
+        <pc:spChg chg="mod">
+          <ac:chgData name="Irving Leander Reascos Valencia" userId="355ef903-6e56-42c5-b4d8-5b764e20389a" providerId="ADAL" clId="{FF2A4FE9-6061-4F89-9356-7C24429792B8}" dt="2021-10-19T19:44:03.958" v="731" actId="20577"/>
+          <ac:spMkLst>
+            <pc:docMk/>
+            <pc:sldMk cId="49299221" sldId="263"/>
+            <ac:spMk id="3" creationId="{2B0B0381-2015-4C05-B552-CD2565C5E8A6}"/>
+          </ac:spMkLst>
+        </pc:spChg>
+        <pc:spChg chg="add">
+          <ac:chgData name="Irving Leander Reascos Valencia" userId="355ef903-6e56-42c5-b4d8-5b764e20389a" providerId="ADAL" clId="{FF2A4FE9-6061-4F89-9356-7C24429792B8}" dt="2021-10-19T19:43:49.600" v="717" actId="26606"/>
+          <ac:spMkLst>
+            <pc:docMk/>
+            <pc:sldMk cId="49299221" sldId="263"/>
+            <ac:spMk id="10" creationId="{EE1FC7B4-E4A7-4452-B413-1A623E3A7230}"/>
+          </ac:spMkLst>
+        </pc:spChg>
+        <pc:spChg chg="add">
+          <ac:chgData name="Irving Leander Reascos Valencia" userId="355ef903-6e56-42c5-b4d8-5b764e20389a" providerId="ADAL" clId="{FF2A4FE9-6061-4F89-9356-7C24429792B8}" dt="2021-10-19T19:43:49.600" v="717" actId="26606"/>
+          <ac:spMkLst>
+            <pc:docMk/>
+            <pc:sldMk cId="49299221" sldId="263"/>
+            <ac:spMk id="12" creationId="{E0709AF0-24F0-4486-B189-BE6386BDB198}"/>
+          </ac:spMkLst>
+        </pc:spChg>
+        <pc:spChg chg="add">
+          <ac:chgData name="Irving Leander Reascos Valencia" userId="355ef903-6e56-42c5-b4d8-5b764e20389a" providerId="ADAL" clId="{FF2A4FE9-6061-4F89-9356-7C24429792B8}" dt="2021-10-19T19:43:49.600" v="717" actId="26606"/>
+          <ac:spMkLst>
+            <pc:docMk/>
+            <pc:sldMk cId="49299221" sldId="263"/>
+            <ac:spMk id="14" creationId="{FBE3B62F-5853-4A3C-B050-6186351A7176}"/>
+          </ac:spMkLst>
+        </pc:spChg>
+        <pc:picChg chg="add mod">
+          <ac:chgData name="Irving Leander Reascos Valencia" userId="355ef903-6e56-42c5-b4d8-5b764e20389a" providerId="ADAL" clId="{FF2A4FE9-6061-4F89-9356-7C24429792B8}" dt="2021-10-19T19:43:49.600" v="717" actId="26606"/>
+          <ac:picMkLst>
+            <pc:docMk/>
+            <pc:sldMk cId="49299221" sldId="263"/>
+            <ac:picMk id="5" creationId="{817A05BF-E72F-4461-88BD-57E35F5FCC8F}"/>
+          </ac:picMkLst>
+        </pc:picChg>
+        <pc:picChg chg="del mod">
+          <ac:chgData name="Irving Leander Reascos Valencia" userId="355ef903-6e56-42c5-b4d8-5b764e20389a" providerId="ADAL" clId="{FF2A4FE9-6061-4F89-9356-7C24429792B8}" dt="2021-10-19T19:32:18.367" v="709" actId="478"/>
+          <ac:picMkLst>
+            <pc:docMk/>
+            <pc:sldMk cId="49299221" sldId="263"/>
+            <ac:picMk id="6" creationId="{D1005B1C-5854-4BBE-8EC4-503731724299}"/>
+          </ac:picMkLst>
+        </pc:picChg>
+        <pc:picChg chg="del">
+          <ac:chgData name="Irving Leander Reascos Valencia" userId="355ef903-6e56-42c5-b4d8-5b764e20389a" providerId="ADAL" clId="{FF2A4FE9-6061-4F89-9356-7C24429792B8}" dt="2021-10-19T19:43:36.454" v="710" actId="478"/>
+          <ac:picMkLst>
+            <pc:docMk/>
+            <pc:sldMk cId="49299221" sldId="263"/>
+            <ac:picMk id="7" creationId="{ACEC54D9-C852-4E3A-BE1E-388ED60FF9AD}"/>
+          </ac:picMkLst>
+        </pc:picChg>
+        <pc:picChg chg="add mod">
+          <ac:chgData name="Irving Leander Reascos Valencia" userId="355ef903-6e56-42c5-b4d8-5b764e20389a" providerId="ADAL" clId="{FF2A4FE9-6061-4F89-9356-7C24429792B8}" dt="2021-10-19T19:48:29.853" v="754"/>
+          <ac:picMkLst>
+            <pc:docMk/>
+            <pc:sldMk cId="49299221" sldId="263"/>
+            <ac:picMk id="11" creationId="{393F21DA-126F-4DE1-A9A1-48D462C7C7F8}"/>
+          </ac:picMkLst>
+        </pc:picChg>
+      </pc:sldChg>
+      <pc:sldChg chg="addSp modSp">
+        <pc:chgData name="Irving Leander Reascos Valencia" userId="355ef903-6e56-42c5-b4d8-5b764e20389a" providerId="ADAL" clId="{FF2A4FE9-6061-4F89-9356-7C24429792B8}" dt="2021-10-19T19:48:33.031" v="755"/>
+        <pc:sldMkLst>
+          <pc:docMk/>
+          <pc:sldMk cId="3345648404" sldId="264"/>
+        </pc:sldMkLst>
+        <pc:picChg chg="add mod">
+          <ac:chgData name="Irving Leander Reascos Valencia" userId="355ef903-6e56-42c5-b4d8-5b764e20389a" providerId="ADAL" clId="{FF2A4FE9-6061-4F89-9356-7C24429792B8}" dt="2021-10-19T19:48:33.031" v="755"/>
+          <ac:picMkLst>
+            <pc:docMk/>
+            <pc:sldMk cId="3345648404" sldId="264"/>
+            <ac:picMk id="6" creationId="{9C118C18-DB7F-41BB-AB4F-FC58BDFE06AF}"/>
+          </ac:picMkLst>
+        </pc:picChg>
+      </pc:sldChg>
+    </pc:docChg>
+  </pc:docChgLst>
+</pc:chgInfo>
+</file>
+
+<file path=ppt/notesMasters/notesMaster1.xml><?xml version="1.0" encoding="utf-8"?>
+<p:notesMaster xmlns:a="http://schemas.openxmlformats.org/drawingml/2006/main" xmlns:r="http://schemas.openxmlformats.org/officeDocument/2006/relationships" xmlns:p="http://schemas.openxmlformats.org/presentationml/2006/main">
+  <p:cSld>
+    <p:bg>
+      <p:bgRef idx="1001">
+        <a:schemeClr val="bg1"/>
+      </p:bgRef>
+    </p:bg>
+    <p:spTree>
+      <p:nvGrpSpPr>
+        <p:cNvPr id="1" name=""/>
+        <p:cNvGrpSpPr/>
+        <p:nvPr/>
+      </p:nvGrpSpPr>
+      <p:grpSpPr>
+        <a:xfrm>
+          <a:off x="0" y="0"/>
+          <a:ext cx="0" cy="0"/>
+          <a:chOff x="0" y="0"/>
+          <a:chExt cx="0" cy="0"/>
+        </a:xfrm>
+      </p:grpSpPr>
+      <p:sp>
+        <p:nvSpPr>
+          <p:cNvPr id="2" name="Header Placeholder 1"/>
+          <p:cNvSpPr>
+            <a:spLocks noGrp="1"/>
+          </p:cNvSpPr>
+          <p:nvPr>
+            <p:ph type="hdr" sz="quarter"/>
+          </p:nvPr>
+        </p:nvSpPr>
+        <p:spPr>
+          <a:xfrm>
+            <a:off x="0" y="0"/>
+            <a:ext cx="2971800" cy="458788"/>
+          </a:xfrm>
+          <a:prstGeom prst="rect">
+            <a:avLst/>
+          </a:prstGeom>
+        </p:spPr>
+        <p:txBody>
+          <a:bodyPr vert="horz" lIns="91440" tIns="45720" rIns="91440" bIns="45720" rtlCol="0"/>
+          <a:lstStyle>
+            <a:lvl1pPr algn="l">
+              <a:defRPr sz="1200"/>
+            </a:lvl1pPr>
+          </a:lstStyle>
+          <a:p>
+            <a:endParaRPr lang="en-GB"/>
+          </a:p>
+        </p:txBody>
+      </p:sp>
+      <p:sp>
+        <p:nvSpPr>
+          <p:cNvPr id="3" name="Date Placeholder 2"/>
+          <p:cNvSpPr>
+            <a:spLocks noGrp="1"/>
+          </p:cNvSpPr>
+          <p:nvPr>
+            <p:ph type="dt" idx="1"/>
+          </p:nvPr>
+        </p:nvSpPr>
+        <p:spPr>
+          <a:xfrm>
+            <a:off x="3884613" y="0"/>
+            <a:ext cx="2971800" cy="458788"/>
+          </a:xfrm>
+          <a:prstGeom prst="rect">
+            <a:avLst/>
+          </a:prstGeom>
+        </p:spPr>
+        <p:txBody>
+          <a:bodyPr vert="horz" lIns="91440" tIns="45720" rIns="91440" bIns="45720" rtlCol="0"/>
+          <a:lstStyle>
+            <a:lvl1pPr algn="r">
+              <a:defRPr sz="1200"/>
+            </a:lvl1pPr>
+          </a:lstStyle>
+          <a:p>
+            <a:fld id="{00F7996C-CA1A-4747-A496-F4C2A4B75042}" type="datetimeFigureOut">
+              <a:rPr lang="en-GB" smtClean="0"/>
+              <a:t>19/10/2021</a:t>
+            </a:fld>
+            <a:endParaRPr lang="en-GB"/>
+          </a:p>
+        </p:txBody>
+      </p:sp>
+      <p:sp>
+        <p:nvSpPr>
+          <p:cNvPr id="4" name="Slide Image Placeholder 3"/>
+          <p:cNvSpPr>
+            <a:spLocks noGrp="1" noRot="1" noChangeAspect="1"/>
+          </p:cNvSpPr>
+          <p:nvPr>
+            <p:ph type="sldImg" idx="2"/>
+          </p:nvPr>
+        </p:nvSpPr>
+        <p:spPr>
+          <a:xfrm>
+            <a:off x="685800" y="1143000"/>
+            <a:ext cx="5486400" cy="3086100"/>
+          </a:xfrm>
+          <a:prstGeom prst="rect">
+            <a:avLst/>
+          </a:prstGeom>
+          <a:noFill/>
+          <a:ln w="12700">
+            <a:solidFill>
+              <a:prstClr val="black"/>
+            </a:solidFill>
+          </a:ln>
+        </p:spPr>
+        <p:txBody>
+          <a:bodyPr vert="horz" lIns="91440" tIns="45720" rIns="91440" bIns="45720" rtlCol="0" anchor="ctr"/>
+          <a:lstStyle/>
+          <a:p>
+            <a:endParaRPr lang="en-GB"/>
+          </a:p>
+        </p:txBody>
+      </p:sp>
+      <p:sp>
+        <p:nvSpPr>
+          <p:cNvPr id="5" name="Notes Placeholder 4"/>
+          <p:cNvSpPr>
+            <a:spLocks noGrp="1"/>
+          </p:cNvSpPr>
+          <p:nvPr>
+            <p:ph type="body" sz="quarter" idx="3"/>
+          </p:nvPr>
+        </p:nvSpPr>
+        <p:spPr>
+          <a:xfrm>
+            <a:off x="685800" y="4400550"/>
+            <a:ext cx="5486400" cy="3600450"/>
+          </a:xfrm>
+          <a:prstGeom prst="rect">
+            <a:avLst/>
+          </a:prstGeom>
+        </p:spPr>
+        <p:txBody>
+          <a:bodyPr vert="horz" lIns="91440" tIns="45720" rIns="91440" bIns="45720" rtlCol="0"/>
+          <a:lstStyle/>
+          <a:p>
+            <a:pPr lvl="0"/>
+            <a:r>
+              <a:rPr lang="en-US"/>
+              <a:t>Click to edit Master text styles</a:t>
+            </a:r>
+          </a:p>
+          <a:p>
+            <a:pPr lvl="1"/>
+            <a:r>
+              <a:rPr lang="en-US"/>
+              <a:t>Second level</a:t>
+            </a:r>
+          </a:p>
+          <a:p>
+            <a:pPr lvl="2"/>
+            <a:r>
+              <a:rPr lang="en-US"/>
+              <a:t>Third level</a:t>
+            </a:r>
+          </a:p>
+          <a:p>
+            <a:pPr lvl="3"/>
+            <a:r>
+              <a:rPr lang="en-US"/>
+              <a:t>Fourth level</a:t>
+            </a:r>
+          </a:p>
+          <a:p>
+            <a:pPr lvl="4"/>
+            <a:r>
+              <a:rPr lang="en-US"/>
+              <a:t>Fifth level</a:t>
+            </a:r>
+            <a:endParaRPr lang="en-GB"/>
+          </a:p>
+        </p:txBody>
+      </p:sp>
+      <p:sp>
+        <p:nvSpPr>
+          <p:cNvPr id="6" name="Footer Placeholder 5"/>
+          <p:cNvSpPr>
+            <a:spLocks noGrp="1"/>
+          </p:cNvSpPr>
+          <p:nvPr>
+            <p:ph type="ftr" sz="quarter" idx="4"/>
+          </p:nvPr>
+        </p:nvSpPr>
+        <p:spPr>
+          <a:xfrm>
+            <a:off x="0" y="8685213"/>
+            <a:ext cx="2971800" cy="458787"/>
+          </a:xfrm>
+          <a:prstGeom prst="rect">
+            <a:avLst/>
+          </a:prstGeom>
+        </p:spPr>
+        <p:txBody>
+          <a:bodyPr vert="horz" lIns="91440" tIns="45720" rIns="91440" bIns="45720" rtlCol="0" anchor="b"/>
+          <a:lstStyle>
+            <a:lvl1pPr algn="l">
+              <a:defRPr sz="1200"/>
+            </a:lvl1pPr>
+          </a:lstStyle>
+          <a:p>
+            <a:endParaRPr lang="en-GB"/>
+          </a:p>
+        </p:txBody>
+      </p:sp>
+      <p:sp>
+        <p:nvSpPr>
+          <p:cNvPr id="7" name="Slide Number Placeholder 6"/>
+          <p:cNvSpPr>
+            <a:spLocks noGrp="1"/>
+          </p:cNvSpPr>
+          <p:nvPr>
+            <p:ph type="sldNum" sz="quarter" idx="5"/>
+          </p:nvPr>
+        </p:nvSpPr>
+        <p:spPr>
+          <a:xfrm>
+            <a:off x="3884613" y="8685213"/>
+            <a:ext cx="2971800" cy="458787"/>
+          </a:xfrm>
+          <a:prstGeom prst="rect">
+            <a:avLst/>
+          </a:prstGeom>
+        </p:spPr>
+        <p:txBody>
+          <a:bodyPr vert="horz" lIns="91440" tIns="45720" rIns="91440" bIns="45720" rtlCol="0" anchor="b"/>
+          <a:lstStyle>
+            <a:lvl1pPr algn="r">
+              <a:defRPr sz="1200"/>
+            </a:lvl1pPr>
+          </a:lstStyle>
+          <a:p>
+            <a:fld id="{9B41941D-DFB8-4EE2-A23C-C24FC7D39F31}" type="slidenum">
+              <a:rPr lang="en-GB" smtClean="0"/>
+              <a:t>‹#›</a:t>
+            </a:fld>
+            <a:endParaRPr lang="en-GB"/>
+          </a:p>
+        </p:txBody>
+      </p:sp>
+    </p:spTree>
+    <p:extLst>
+      <p:ext uri="{BB962C8B-B14F-4D97-AF65-F5344CB8AC3E}">
+        <p14:creationId xmlns:p14="http://schemas.microsoft.com/office/powerpoint/2010/main" val="3705719207"/>
+      </p:ext>
+    </p:extLst>
+  </p:cSld>
+  <p:clrMap bg1="lt1" tx1="dk1" bg2="lt2" tx2="dk2" accent1="accent1" accent2="accent2" accent3="accent3" accent4="accent4" accent5="accent5" accent6="accent6" hlink="hlink" folHlink="folHlink"/>
+  <p:notesStyle>
+    <a:lvl1pPr marL="0" algn="l" defTabSz="914400" rtl="0" eaLnBrk="1" latinLnBrk="0" hangingPunct="1">
+      <a:defRPr sz="1200" kern="1200">
+        <a:solidFill>
+          <a:schemeClr val="tx1"/>
+        </a:solidFill>
+        <a:latin typeface="+mn-lt"/>
+        <a:ea typeface="+mn-ea"/>
+        <a:cs typeface="+mn-cs"/>
+      </a:defRPr>
+    </a:lvl1pPr>
+    <a:lvl2pPr marL="457200" algn="l" defTabSz="914400" rtl="0" eaLnBrk="1" latinLnBrk="0" hangingPunct="1">
+      <a:defRPr sz="1200" kern="1200">
+        <a:solidFill>
+          <a:schemeClr val="tx1"/>
+        </a:solidFill>
+        <a:latin typeface="+mn-lt"/>
+        <a:ea typeface="+mn-ea"/>
+        <a:cs typeface="+mn-cs"/>
+      </a:defRPr>
+    </a:lvl2pPr>
+    <a:lvl3pPr marL="914400" algn="l" defTabSz="914400" rtl="0" eaLnBrk="1" latinLnBrk="0" hangingPunct="1">
+      <a:defRPr sz="1200" kern="1200">
+        <a:solidFill>
+          <a:schemeClr val="tx1"/>
+        </a:solidFill>
+        <a:latin typeface="+mn-lt"/>
+        <a:ea typeface="+mn-ea"/>
+        <a:cs typeface="+mn-cs"/>
+      </a:defRPr>
+    </a:lvl3pPr>
+    <a:lvl4pPr marL="1371600" algn="l" defTabSz="914400" rtl="0" eaLnBrk="1" latinLnBrk="0" hangingPunct="1">
+      <a:defRPr sz="1200" kern="1200">
+        <a:solidFill>
+          <a:schemeClr val="tx1"/>
+        </a:solidFill>
+        <a:latin typeface="+mn-lt"/>
+        <a:ea typeface="+mn-ea"/>
+        <a:cs typeface="+mn-cs"/>
+      </a:defRPr>
+    </a:lvl4pPr>
+    <a:lvl5pPr marL="1828800" algn="l" defTabSz="914400" rtl="0" eaLnBrk="1" latinLnBrk="0" hangingPunct="1">
+      <a:defRPr sz="1200" kern="1200">
+        <a:solidFill>
+          <a:schemeClr val="tx1"/>
+        </a:solidFill>
+        <a:latin typeface="+mn-lt"/>
+        <a:ea typeface="+mn-ea"/>
+        <a:cs typeface="+mn-cs"/>
+      </a:defRPr>
+    </a:lvl5pPr>
+    <a:lvl6pPr marL="2286000" algn="l" defTabSz="914400" rtl="0" eaLnBrk="1" latinLnBrk="0" hangingPunct="1">
+      <a:defRPr sz="1200" kern="1200">
+        <a:solidFill>
+          <a:schemeClr val="tx1"/>
+        </a:solidFill>
+        <a:latin typeface="+mn-lt"/>
+        <a:ea typeface="+mn-ea"/>
+        <a:cs typeface="+mn-cs"/>
+      </a:defRPr>
+    </a:lvl6pPr>
+    <a:lvl7pPr marL="2743200" algn="l" defTabSz="914400" rtl="0" eaLnBrk="1" latinLnBrk="0" hangingPunct="1">
+      <a:defRPr sz="1200" kern="1200">
+        <a:solidFill>
+          <a:schemeClr val="tx1"/>
+        </a:solidFill>
+        <a:latin typeface="+mn-lt"/>
+        <a:ea typeface="+mn-ea"/>
+        <a:cs typeface="+mn-cs"/>
+      </a:defRPr>
+    </a:lvl7pPr>
+    <a:lvl8pPr marL="3200400" algn="l" defTabSz="914400" rtl="0" eaLnBrk="1" latinLnBrk="0" hangingPunct="1">
+      <a:defRPr sz="1200" kern="1200">
+        <a:solidFill>
+          <a:schemeClr val="tx1"/>
+        </a:solidFill>
+        <a:latin typeface="+mn-lt"/>
+        <a:ea typeface="+mn-ea"/>
+        <a:cs typeface="+mn-cs"/>
+      </a:defRPr>
+    </a:lvl8pPr>
+    <a:lvl9pPr marL="3657600" algn="l" defTabSz="914400" rtl="0" eaLnBrk="1" latinLnBrk="0" hangingPunct="1">
+      <a:defRPr sz="1200" kern="1200">
+        <a:solidFill>
+          <a:schemeClr val="tx1"/>
+        </a:solidFill>
+        <a:latin typeface="+mn-lt"/>
+        <a:ea typeface="+mn-ea"/>
+        <a:cs typeface="+mn-cs"/>
+      </a:defRPr>
+    </a:lvl9pPr>
+  </p:notesStyle>
+</p:notesMaster>
 </file>
 
 <file path=ppt/slideLayouts/slideLayout1.xml><?xml version="1.0" encoding="utf-8"?>
@@ -263,7 +2127,7 @@
           <a:bodyPr/>
           <a:lstStyle/>
           <a:p>
-            <a:fld id="{0BB7144A-9A4E-48C4-A4D8-8E28CDB09E92}" type="datetimeFigureOut">
+            <a:fld id="{C45A56D9-08D1-452F-A6DF-361D84FC0F92}" type="datetime1">
               <a:rPr lang="en-GB" smtClean="0"/>
               <a:t>19/10/2021</a:t>
             </a:fld>
@@ -463,7 +2327,7 @@
           <a:bodyPr/>
           <a:lstStyle/>
           <a:p>
-            <a:fld id="{0BB7144A-9A4E-48C4-A4D8-8E28CDB09E92}" type="datetimeFigureOut">
+            <a:fld id="{E0D1E686-C3FE-4380-8792-FA5FD77F4C31}" type="datetime1">
               <a:rPr lang="en-GB" smtClean="0"/>
               <a:t>19/10/2021</a:t>
             </a:fld>
@@ -673,7 +2537,7 @@
           <a:bodyPr/>
           <a:lstStyle/>
           <a:p>
-            <a:fld id="{0BB7144A-9A4E-48C4-A4D8-8E28CDB09E92}" type="datetimeFigureOut">
+            <a:fld id="{890EBB3C-18B6-43CC-BC89-176AD28CE610}" type="datetime1">
               <a:rPr lang="en-GB" smtClean="0"/>
               <a:t>19/10/2021</a:t>
             </a:fld>
@@ -873,7 +2737,7 @@
           <a:bodyPr/>
           <a:lstStyle/>
           <a:p>
-            <a:fld id="{0BB7144A-9A4E-48C4-A4D8-8E28CDB09E92}" type="datetimeFigureOut">
+            <a:fld id="{E53B6FD9-6E16-4072-BAB7-2AE62D2218BA}" type="datetime1">
               <a:rPr lang="en-GB" smtClean="0"/>
               <a:t>19/10/2021</a:t>
             </a:fld>
@@ -1149,7 +3013,7 @@
           <a:bodyPr/>
           <a:lstStyle/>
           <a:p>
-            <a:fld id="{0BB7144A-9A4E-48C4-A4D8-8E28CDB09E92}" type="datetimeFigureOut">
+            <a:fld id="{F0F3789D-42C2-43E9-B083-7FF1F1FCF924}" type="datetime1">
               <a:rPr lang="en-GB" smtClean="0"/>
               <a:t>19/10/2021</a:t>
             </a:fld>
@@ -1417,7 +3281,7 @@
           <a:bodyPr/>
           <a:lstStyle/>
           <a:p>
-            <a:fld id="{0BB7144A-9A4E-48C4-A4D8-8E28CDB09E92}" type="datetimeFigureOut">
+            <a:fld id="{12193BB0-CCBE-42F4-BE0D-878B69EFDEA5}" type="datetime1">
               <a:rPr lang="en-GB" smtClean="0"/>
               <a:t>19/10/2021</a:t>
             </a:fld>
@@ -1832,7 +3696,7 @@
           <a:bodyPr/>
           <a:lstStyle/>
           <a:p>
-            <a:fld id="{0BB7144A-9A4E-48C4-A4D8-8E28CDB09E92}" type="datetimeFigureOut">
+            <a:fld id="{337DEF67-C145-4D11-81E4-1B152EF2DA6F}" type="datetime1">
               <a:rPr lang="en-GB" smtClean="0"/>
               <a:t>19/10/2021</a:t>
             </a:fld>
@@ -1974,7 +3838,7 @@
           <a:bodyPr/>
           <a:lstStyle/>
           <a:p>
-            <a:fld id="{0BB7144A-9A4E-48C4-A4D8-8E28CDB09E92}" type="datetimeFigureOut">
+            <a:fld id="{F0C96694-99E0-4D47-A4F0-5EF208194100}" type="datetime1">
               <a:rPr lang="en-GB" smtClean="0"/>
               <a:t>19/10/2021</a:t>
             </a:fld>
@@ -2087,7 +3951,7 @@
           <a:bodyPr/>
           <a:lstStyle/>
           <a:p>
-            <a:fld id="{0BB7144A-9A4E-48C4-A4D8-8E28CDB09E92}" type="datetimeFigureOut">
+            <a:fld id="{C3D2ED98-0BA9-407F-8990-3E3428B42B93}" type="datetime1">
               <a:rPr lang="en-GB" smtClean="0"/>
               <a:t>19/10/2021</a:t>
             </a:fld>
@@ -2400,7 +4264,7 @@
           <a:bodyPr/>
           <a:lstStyle/>
           <a:p>
-            <a:fld id="{0BB7144A-9A4E-48C4-A4D8-8E28CDB09E92}" type="datetimeFigureOut">
+            <a:fld id="{59DE370D-16C4-4803-B88A-623F1B13DE8F}" type="datetime1">
               <a:rPr lang="en-GB" smtClean="0"/>
               <a:t>19/10/2021</a:t>
             </a:fld>
@@ -2689,7 +4553,7 @@
           <a:bodyPr/>
           <a:lstStyle/>
           <a:p>
-            <a:fld id="{0BB7144A-9A4E-48C4-A4D8-8E28CDB09E92}" type="datetimeFigureOut">
+            <a:fld id="{9A1FCE9C-F437-43FE-BFC9-6306AF63976F}" type="datetime1">
               <a:rPr lang="en-GB" smtClean="0"/>
               <a:t>19/10/2021</a:t>
             </a:fld>
@@ -2932,7 +4796,7 @@
             </a:lvl1pPr>
           </a:lstStyle>
           <a:p>
-            <a:fld id="{0BB7144A-9A4E-48C4-A4D8-8E28CDB09E92}" type="datetimeFigureOut">
+            <a:fld id="{D533D4A7-DFFD-428D-9C5D-D4CEFB9C0B80}" type="datetime1">
               <a:rPr lang="en-GB" smtClean="0"/>
               <a:t>19/10/2021</a:t>
             </a:fld>
@@ -3051,6 +4915,7 @@
     <p:sldLayoutId id="2147483658" r:id="rId10"/>
     <p:sldLayoutId id="2147483659" r:id="rId11"/>
   </p:sldLayoutIdLst>
+  <p:hf hdr="0" ftr="0" dt="0"/>
   <p:txStyles>
     <p:titleStyle>
       <a:lvl1pPr algn="l" defTabSz="914400" rtl="0" eaLnBrk="1" latinLnBrk="0" hangingPunct="1">
@@ -3337,6 +5202,1582 @@
 <file path=ppt/slides/slide1.xml><?xml version="1.0" encoding="utf-8"?>
 <p:sld xmlns:a="http://schemas.openxmlformats.org/drawingml/2006/main" xmlns:r="http://schemas.openxmlformats.org/officeDocument/2006/relationships" xmlns:p="http://schemas.openxmlformats.org/presentationml/2006/main">
   <p:cSld>
+    <p:bg>
+      <p:bgPr>
+        <a:solidFill>
+          <a:schemeClr val="bg1">
+            <a:tint val="95000"/>
+            <a:satMod val="170000"/>
+          </a:schemeClr>
+        </a:solidFill>
+        <a:effectLst/>
+      </p:bgPr>
+    </p:bg>
+    <p:spTree>
+      <p:nvGrpSpPr>
+        <p:cNvPr id="1" name=""/>
+        <p:cNvGrpSpPr/>
+        <p:nvPr/>
+      </p:nvGrpSpPr>
+      <p:grpSpPr>
+        <a:xfrm>
+          <a:off x="0" y="0"/>
+          <a:ext cx="0" cy="0"/>
+          <a:chOff x="0" y="0"/>
+          <a:chExt cx="0" cy="0"/>
+        </a:xfrm>
+      </p:grpSpPr>
+      <p:sp useBgFill="1">
+        <p:nvSpPr>
+          <p:cNvPr id="83" name="Rectangle 7">
+            <a:extLst>
+              <a:ext uri="{FF2B5EF4-FFF2-40B4-BE49-F238E27FC236}">
+                <a16:creationId xmlns:a16="http://schemas.microsoft.com/office/drawing/2014/main" id="{A4FB2F3E-259B-4650-B258-F09745BAA841}"/>
+              </a:ext>
+              <a:ext uri="{C183D7F6-B498-43B3-948B-1728B52AA6E4}">
+                <adec:decorative xmlns:adec="http://schemas.microsoft.com/office/drawing/2017/decorative" val="1"/>
+              </a:ext>
+            </a:extLst>
+          </p:cNvPr>
+          <p:cNvSpPr>
+            <a:spLocks noGrp="1" noRot="1" noChangeAspect="1" noMove="1" noResize="1" noEditPoints="1" noAdjustHandles="1" noChangeArrowheads="1" noChangeShapeType="1" noTextEdit="1"/>
+          </p:cNvSpPr>
+          <p:nvPr>
+            <p:extLst>
+              <p:ext uri="{386F3935-93C4-4BCD-93E2-E3B085C9AB24}">
+                <p16:designElem xmlns:p16="http://schemas.microsoft.com/office/powerpoint/2015/main" val="1"/>
+              </p:ext>
+            </p:extLst>
+          </p:nvPr>
+        </p:nvSpPr>
+        <p:spPr>
+          <a:xfrm>
+            <a:off x="0" y="0"/>
+            <a:ext cx="12192000" cy="6858000"/>
+          </a:xfrm>
+          <a:prstGeom prst="rect">
+            <a:avLst/>
+          </a:prstGeom>
+          <a:ln>
+            <a:noFill/>
+          </a:ln>
+        </p:spPr>
+        <p:style>
+          <a:lnRef idx="2">
+            <a:schemeClr val="accent1">
+              <a:shade val="50000"/>
+            </a:schemeClr>
+          </a:lnRef>
+          <a:fillRef idx="1">
+            <a:schemeClr val="accent1"/>
+          </a:fillRef>
+          <a:effectRef idx="0">
+            <a:schemeClr val="accent1"/>
+          </a:effectRef>
+          <a:fontRef idx="minor">
+            <a:schemeClr val="lt1"/>
+          </a:fontRef>
+        </p:style>
+        <p:txBody>
+          <a:bodyPr rtlCol="0" anchor="ctr"/>
+          <a:lstStyle/>
+          <a:p>
+            <a:pPr algn="ctr"/>
+            <a:endParaRPr lang="en-US"/>
+          </a:p>
+        </p:txBody>
+      </p:sp>
+      <p:grpSp>
+        <p:nvGrpSpPr>
+          <p:cNvPr id="84" name="Group 9">
+            <a:extLst>
+              <a:ext uri="{FF2B5EF4-FFF2-40B4-BE49-F238E27FC236}">
+                <a16:creationId xmlns:a16="http://schemas.microsoft.com/office/drawing/2014/main" id="{084C5BAC-71DF-48C0-AB51-699516D3BE58}"/>
+              </a:ext>
+              <a:ext uri="{C183D7F6-B498-43B3-948B-1728B52AA6E4}">
+                <adec:decorative xmlns:adec="http://schemas.microsoft.com/office/drawing/2017/decorative" val="1"/>
+              </a:ext>
+            </a:extLst>
+          </p:cNvPr>
+          <p:cNvGrpSpPr>
+            <a:grpSpLocks noGrp="1" noUngrp="1" noRot="1" noChangeAspect="1" noMove="1" noResize="1"/>
+          </p:cNvGrpSpPr>
+          <p:nvPr>
+            <p:extLst>
+              <p:ext uri="{386F3935-93C4-4BCD-93E2-E3B085C9AB24}">
+                <p16:designElem xmlns:p16="http://schemas.microsoft.com/office/powerpoint/2015/main" val="1"/>
+              </p:ext>
+            </p:extLst>
+          </p:nvPr>
+        </p:nvGrpSpPr>
+        <p:grpSpPr>
+          <a:xfrm>
+            <a:off x="-329674" y="-59376"/>
+            <a:ext cx="12515851" cy="6923798"/>
+            <a:chOff x="-329674" y="-51881"/>
+            <a:chExt cx="12515851" cy="6923798"/>
+          </a:xfrm>
+          <a:noFill/>
+        </p:grpSpPr>
+        <p:sp>
+          <p:nvSpPr>
+            <p:cNvPr id="85" name="Freeform 5">
+              <a:extLst>
+                <a:ext uri="{FF2B5EF4-FFF2-40B4-BE49-F238E27FC236}">
+                  <a16:creationId xmlns:a16="http://schemas.microsoft.com/office/drawing/2014/main" id="{6742FA10-28D2-4023-A08B-427E93706EA1}"/>
+                </a:ext>
+                <a:ext uri="{C183D7F6-B498-43B3-948B-1728B52AA6E4}">
+                  <adec:decorative xmlns:adec="http://schemas.microsoft.com/office/drawing/2017/decorative" val="1"/>
+                </a:ext>
+              </a:extLst>
+            </p:cNvPr>
+            <p:cNvSpPr/>
+            <p:nvPr>
+              <p:extLst>
+                <p:ext uri="{386F3935-93C4-4BCD-93E2-E3B085C9AB24}">
+                  <p16:designElem xmlns:p16="http://schemas.microsoft.com/office/powerpoint/2015/main" val="1"/>
+                </p:ext>
+              </p:extLst>
+            </p:nvPr>
+          </p:nvSpPr>
+          <p:spPr bwMode="auto">
+            <a:xfrm>
+              <a:off x="-329674" y="1298404"/>
+              <a:ext cx="9702800" cy="5573512"/>
+            </a:xfrm>
+            <a:custGeom>
+              <a:avLst/>
+              <a:gdLst/>
+              <a:ahLst/>
+              <a:cxnLst/>
+              <a:rect l="0" t="0" r="r" b="b"/>
+              <a:pathLst>
+                <a:path w="2038" h="1169">
+                  <a:moveTo>
+                    <a:pt x="1752" y="1169"/>
+                  </a:moveTo>
+                  <a:cubicBezTo>
+                    <a:pt x="2038" y="928"/>
+                    <a:pt x="1673" y="513"/>
+                    <a:pt x="1487" y="334"/>
+                  </a:cubicBezTo>
+                  <a:cubicBezTo>
+                    <a:pt x="1316" y="170"/>
+                    <a:pt x="1099" y="43"/>
+                    <a:pt x="860" y="22"/>
+                  </a:cubicBezTo>
+                  <a:cubicBezTo>
+                    <a:pt x="621" y="0"/>
+                    <a:pt x="341" y="128"/>
+                    <a:pt x="199" y="318"/>
+                  </a:cubicBezTo>
+                  <a:cubicBezTo>
+                    <a:pt x="0" y="586"/>
+                    <a:pt x="184" y="965"/>
+                    <a:pt x="399" y="1165"/>
+                  </a:cubicBezTo>
+                </a:path>
+              </a:pathLst>
+            </a:custGeom>
+            <a:noFill/>
+            <a:ln w="9525" cap="flat">
+              <a:solidFill>
+                <a:schemeClr val="tx1">
+                  <a:alpha val="17000"/>
+                </a:schemeClr>
+              </a:solidFill>
+              <a:prstDash val="solid"/>
+              <a:miter lim="800000"/>
+              <a:headEnd/>
+              <a:tailEnd/>
+            </a:ln>
+          </p:spPr>
+        </p:sp>
+        <p:sp>
+          <p:nvSpPr>
+            <p:cNvPr id="86" name="Freeform 6">
+              <a:extLst>
+                <a:ext uri="{FF2B5EF4-FFF2-40B4-BE49-F238E27FC236}">
+                  <a16:creationId xmlns:a16="http://schemas.microsoft.com/office/drawing/2014/main" id="{BC497CE0-1368-4C66-923F-CA97C35EDCD3}"/>
+                </a:ext>
+                <a:ext uri="{C183D7F6-B498-43B3-948B-1728B52AA6E4}">
+                  <adec:decorative xmlns:adec="http://schemas.microsoft.com/office/drawing/2017/decorative" val="1"/>
+                </a:ext>
+              </a:extLst>
+            </p:cNvPr>
+            <p:cNvSpPr/>
+            <p:nvPr>
+              <p:extLst>
+                <p:ext uri="{386F3935-93C4-4BCD-93E2-E3B085C9AB24}">
+                  <p16:designElem xmlns:p16="http://schemas.microsoft.com/office/powerpoint/2015/main" val="1"/>
+                </p:ext>
+              </p:extLst>
+            </p:nvPr>
+          </p:nvSpPr>
+          <p:spPr bwMode="auto">
+            <a:xfrm>
+              <a:off x="670451" y="2018236"/>
+              <a:ext cx="7373938" cy="4848892"/>
+            </a:xfrm>
+            <a:custGeom>
+              <a:avLst/>
+              <a:gdLst/>
+              <a:ahLst/>
+              <a:cxnLst/>
+              <a:rect l="0" t="0" r="r" b="b"/>
+              <a:pathLst>
+                <a:path w="1549" h="1017">
+                  <a:moveTo>
+                    <a:pt x="1025" y="1016"/>
+                  </a:moveTo>
+                  <a:cubicBezTo>
+                    <a:pt x="1223" y="971"/>
+                    <a:pt x="1549" y="857"/>
+                    <a:pt x="1443" y="592"/>
+                  </a:cubicBezTo>
+                  <a:cubicBezTo>
+                    <a:pt x="1344" y="344"/>
+                    <a:pt x="1041" y="111"/>
+                    <a:pt x="782" y="53"/>
+                  </a:cubicBezTo>
+                  <a:cubicBezTo>
+                    <a:pt x="545" y="0"/>
+                    <a:pt x="275" y="117"/>
+                    <a:pt x="150" y="329"/>
+                  </a:cubicBezTo>
+                  <a:cubicBezTo>
+                    <a:pt x="0" y="584"/>
+                    <a:pt x="243" y="911"/>
+                    <a:pt x="477" y="1017"/>
+                  </a:cubicBezTo>
+                </a:path>
+              </a:pathLst>
+            </a:custGeom>
+            <a:noFill/>
+            <a:ln w="9525" cap="flat">
+              <a:solidFill>
+                <a:schemeClr val="tx1">
+                  <a:alpha val="20000"/>
+                </a:schemeClr>
+              </a:solidFill>
+              <a:prstDash val="solid"/>
+              <a:miter lim="800000"/>
+              <a:headEnd/>
+              <a:tailEnd/>
+            </a:ln>
+          </p:spPr>
+        </p:sp>
+        <p:sp>
+          <p:nvSpPr>
+            <p:cNvPr id="87" name="Freeform 7">
+              <a:extLst>
+                <a:ext uri="{FF2B5EF4-FFF2-40B4-BE49-F238E27FC236}">
+                  <a16:creationId xmlns:a16="http://schemas.microsoft.com/office/drawing/2014/main" id="{F96D638D-D7BB-43E9-BC7A-6FBBDB507BDC}"/>
+                </a:ext>
+                <a:ext uri="{C183D7F6-B498-43B3-948B-1728B52AA6E4}">
+                  <adec:decorative xmlns:adec="http://schemas.microsoft.com/office/drawing/2017/decorative" val="1"/>
+                </a:ext>
+              </a:extLst>
+            </p:cNvPr>
+            <p:cNvSpPr/>
+            <p:nvPr>
+              <p:extLst>
+                <p:ext uri="{386F3935-93C4-4BCD-93E2-E3B085C9AB24}">
+                  <p16:designElem xmlns:p16="http://schemas.microsoft.com/office/powerpoint/2015/main" val="1"/>
+                </p:ext>
+              </p:extLst>
+            </p:nvPr>
+          </p:nvSpPr>
+          <p:spPr bwMode="auto">
+            <a:xfrm>
+              <a:off x="251351" y="1788400"/>
+              <a:ext cx="8035925" cy="5083516"/>
+            </a:xfrm>
+            <a:custGeom>
+              <a:avLst/>
+              <a:gdLst/>
+              <a:ahLst/>
+              <a:cxnLst/>
+              <a:rect l="0" t="0" r="r" b="b"/>
+              <a:pathLst>
+                <a:path w="1688" h="1066">
+                  <a:moveTo>
+                    <a:pt x="1302" y="1066"/>
+                  </a:moveTo>
+                  <a:cubicBezTo>
+                    <a:pt x="1416" y="1024"/>
+                    <a:pt x="1551" y="962"/>
+                    <a:pt x="1613" y="850"/>
+                  </a:cubicBezTo>
+                  <a:cubicBezTo>
+                    <a:pt x="1688" y="715"/>
+                    <a:pt x="1606" y="575"/>
+                    <a:pt x="1517" y="471"/>
+                  </a:cubicBezTo>
+                  <a:cubicBezTo>
+                    <a:pt x="1336" y="258"/>
+                    <a:pt x="1084" y="62"/>
+                    <a:pt x="798" y="28"/>
+                  </a:cubicBezTo>
+                  <a:cubicBezTo>
+                    <a:pt x="559" y="0"/>
+                    <a:pt x="317" y="138"/>
+                    <a:pt x="181" y="333"/>
+                  </a:cubicBezTo>
+                  <a:cubicBezTo>
+                    <a:pt x="0" y="592"/>
+                    <a:pt x="191" y="907"/>
+                    <a:pt x="420" y="1066"/>
+                  </a:cubicBezTo>
+                </a:path>
+              </a:pathLst>
+            </a:custGeom>
+            <a:noFill/>
+            <a:ln w="9525" cap="flat">
+              <a:solidFill>
+                <a:schemeClr val="tx1">
+                  <a:alpha val="18000"/>
+                </a:schemeClr>
+              </a:solidFill>
+              <a:prstDash val="dash"/>
+              <a:miter lim="800000"/>
+              <a:headEnd/>
+              <a:tailEnd/>
+            </a:ln>
+          </p:spPr>
+        </p:sp>
+        <p:sp>
+          <p:nvSpPr>
+            <p:cNvPr id="88" name="Freeform 8">
+              <a:extLst>
+                <a:ext uri="{FF2B5EF4-FFF2-40B4-BE49-F238E27FC236}">
+                  <a16:creationId xmlns:a16="http://schemas.microsoft.com/office/drawing/2014/main" id="{207DB018-8F92-42DF-A1CA-065C774E6899}"/>
+                </a:ext>
+                <a:ext uri="{C183D7F6-B498-43B3-948B-1728B52AA6E4}">
+                  <adec:decorative xmlns:adec="http://schemas.microsoft.com/office/drawing/2017/decorative" val="1"/>
+                </a:ext>
+              </a:extLst>
+            </p:cNvPr>
+            <p:cNvSpPr/>
+            <p:nvPr>
+              <p:extLst>
+                <p:ext uri="{386F3935-93C4-4BCD-93E2-E3B085C9AB24}">
+                  <p16:designElem xmlns:p16="http://schemas.microsoft.com/office/powerpoint/2015/main" val="1"/>
+                </p:ext>
+              </p:extLst>
+            </p:nvPr>
+          </p:nvSpPr>
+          <p:spPr bwMode="auto">
+            <a:xfrm>
+              <a:off x="-1061" y="549842"/>
+              <a:ext cx="10334625" cy="6322075"/>
+            </a:xfrm>
+            <a:custGeom>
+              <a:avLst/>
+              <a:gdLst/>
+              <a:ahLst/>
+              <a:cxnLst/>
+              <a:rect l="0" t="0" r="r" b="b"/>
+              <a:pathLst>
+                <a:path w="2171" h="1326">
+                  <a:moveTo>
+                    <a:pt x="1873" y="1326"/>
+                  </a:moveTo>
+                  <a:cubicBezTo>
+                    <a:pt x="2171" y="1045"/>
+                    <a:pt x="1825" y="678"/>
+                    <a:pt x="1609" y="473"/>
+                  </a:cubicBezTo>
+                  <a:cubicBezTo>
+                    <a:pt x="1406" y="281"/>
+                    <a:pt x="1159" y="116"/>
+                    <a:pt x="880" y="63"/>
+                  </a:cubicBezTo>
+                  <a:cubicBezTo>
+                    <a:pt x="545" y="0"/>
+                    <a:pt x="214" y="161"/>
+                    <a:pt x="0" y="423"/>
+                  </a:cubicBezTo>
+                </a:path>
+              </a:pathLst>
+            </a:custGeom>
+            <a:noFill/>
+            <a:ln w="9525" cap="flat">
+              <a:solidFill>
+                <a:schemeClr val="tx1">
+                  <a:alpha val="15000"/>
+                </a:schemeClr>
+              </a:solidFill>
+              <a:prstDash val="solid"/>
+              <a:miter lim="800000"/>
+              <a:headEnd/>
+              <a:tailEnd/>
+            </a:ln>
+          </p:spPr>
+        </p:sp>
+        <p:sp>
+          <p:nvSpPr>
+            <p:cNvPr id="89" name="Freeform 9">
+              <a:extLst>
+                <a:ext uri="{FF2B5EF4-FFF2-40B4-BE49-F238E27FC236}">
+                  <a16:creationId xmlns:a16="http://schemas.microsoft.com/office/drawing/2014/main" id="{BB2A6006-A798-4927-B799-42A45D5B1FE0}"/>
+                </a:ext>
+                <a:ext uri="{C183D7F6-B498-43B3-948B-1728B52AA6E4}">
+                  <adec:decorative xmlns:adec="http://schemas.microsoft.com/office/drawing/2017/decorative" val="1"/>
+                </a:ext>
+              </a:extLst>
+            </p:cNvPr>
+            <p:cNvSpPr/>
+            <p:nvPr>
+              <p:extLst>
+                <p:ext uri="{386F3935-93C4-4BCD-93E2-E3B085C9AB24}">
+                  <p16:designElem xmlns:p16="http://schemas.microsoft.com/office/powerpoint/2015/main" val="1"/>
+                </p:ext>
+              </p:extLst>
+            </p:nvPr>
+          </p:nvSpPr>
+          <p:spPr bwMode="auto">
+            <a:xfrm>
+              <a:off x="3701" y="6186246"/>
+              <a:ext cx="504825" cy="681527"/>
+            </a:xfrm>
+            <a:custGeom>
+              <a:avLst/>
+              <a:gdLst/>
+              <a:ahLst/>
+              <a:cxnLst/>
+              <a:rect l="0" t="0" r="r" b="b"/>
+              <a:pathLst>
+                <a:path w="106" h="143">
+                  <a:moveTo>
+                    <a:pt x="0" y="0"/>
+                  </a:moveTo>
+                  <a:cubicBezTo>
+                    <a:pt x="35" y="54"/>
+                    <a:pt x="70" y="101"/>
+                    <a:pt x="106" y="143"/>
+                  </a:cubicBezTo>
+                </a:path>
+              </a:pathLst>
+            </a:custGeom>
+            <a:noFill/>
+            <a:ln w="4763" cap="flat">
+              <a:solidFill>
+                <a:schemeClr val="tx1">
+                  <a:alpha val="15000"/>
+                </a:schemeClr>
+              </a:solidFill>
+              <a:prstDash val="solid"/>
+              <a:miter lim="800000"/>
+              <a:headEnd/>
+              <a:tailEnd/>
+            </a:ln>
+          </p:spPr>
+        </p:sp>
+        <p:sp>
+          <p:nvSpPr>
+            <p:cNvPr id="90" name="Freeform 10">
+              <a:extLst>
+                <a:ext uri="{FF2B5EF4-FFF2-40B4-BE49-F238E27FC236}">
+                  <a16:creationId xmlns:a16="http://schemas.microsoft.com/office/drawing/2014/main" id="{3F6DB3F4-548A-4D02-A6CC-D5275E6C8570}"/>
+                </a:ext>
+                <a:ext uri="{C183D7F6-B498-43B3-948B-1728B52AA6E4}">
+                  <adec:decorative xmlns:adec="http://schemas.microsoft.com/office/drawing/2017/decorative" val="1"/>
+                </a:ext>
+              </a:extLst>
+            </p:cNvPr>
+            <p:cNvSpPr/>
+            <p:nvPr>
+              <p:extLst>
+                <p:ext uri="{386F3935-93C4-4BCD-93E2-E3B085C9AB24}">
+                  <p16:designElem xmlns:p16="http://schemas.microsoft.com/office/powerpoint/2015/main" val="1"/>
+                </p:ext>
+              </p:extLst>
+            </p:nvPr>
+          </p:nvSpPr>
+          <p:spPr bwMode="auto">
+            <a:xfrm>
+              <a:off x="-1061" y="-51881"/>
+              <a:ext cx="11091863" cy="6923796"/>
+            </a:xfrm>
+            <a:custGeom>
+              <a:avLst/>
+              <a:gdLst/>
+              <a:ahLst/>
+              <a:cxnLst/>
+              <a:rect l="0" t="0" r="r" b="b"/>
+              <a:pathLst>
+                <a:path w="2330" h="1452">
+                  <a:moveTo>
+                    <a:pt x="2046" y="1452"/>
+                  </a:moveTo>
+                  <a:cubicBezTo>
+                    <a:pt x="2330" y="1153"/>
+                    <a:pt x="2049" y="821"/>
+                    <a:pt x="1813" y="601"/>
+                  </a:cubicBezTo>
+                  <a:cubicBezTo>
+                    <a:pt x="1569" y="375"/>
+                    <a:pt x="1282" y="179"/>
+                    <a:pt x="956" y="97"/>
+                  </a:cubicBezTo>
+                  <a:cubicBezTo>
+                    <a:pt x="572" y="0"/>
+                    <a:pt x="292" y="101"/>
+                    <a:pt x="0" y="366"/>
+                  </a:cubicBezTo>
+                </a:path>
+              </a:pathLst>
+            </a:custGeom>
+            <a:noFill/>
+            <a:ln w="9525" cap="flat">
+              <a:solidFill>
+                <a:schemeClr val="tx1">
+                  <a:alpha val="14000"/>
+                </a:schemeClr>
+              </a:solidFill>
+              <a:prstDash val="solid"/>
+              <a:miter lim="800000"/>
+              <a:headEnd/>
+              <a:tailEnd/>
+            </a:ln>
+          </p:spPr>
+        </p:sp>
+        <p:sp>
+          <p:nvSpPr>
+            <p:cNvPr id="91" name="Freeform 11">
+              <a:extLst>
+                <a:ext uri="{FF2B5EF4-FFF2-40B4-BE49-F238E27FC236}">
+                  <a16:creationId xmlns:a16="http://schemas.microsoft.com/office/drawing/2014/main" id="{2D9F4A59-DDA2-427E-802B-9056AD99C0E8}"/>
+                </a:ext>
+                <a:ext uri="{C183D7F6-B498-43B3-948B-1728B52AA6E4}">
+                  <adec:decorative xmlns:adec="http://schemas.microsoft.com/office/drawing/2017/decorative" val="1"/>
+                </a:ext>
+              </a:extLst>
+            </p:cNvPr>
+            <p:cNvSpPr/>
+            <p:nvPr>
+              <p:extLst>
+                <p:ext uri="{386F3935-93C4-4BCD-93E2-E3B085C9AB24}">
+                  <p16:designElem xmlns:p16="http://schemas.microsoft.com/office/powerpoint/2015/main" val="1"/>
+                </p:ext>
+              </p:extLst>
+            </p:nvPr>
+          </p:nvSpPr>
+          <p:spPr bwMode="auto">
+            <a:xfrm>
+              <a:off x="5426601" y="5579"/>
+              <a:ext cx="5788025" cy="6847184"/>
+            </a:xfrm>
+            <a:custGeom>
+              <a:avLst/>
+              <a:gdLst/>
+              <a:ahLst/>
+              <a:cxnLst/>
+              <a:rect l="0" t="0" r="r" b="b"/>
+              <a:pathLst>
+                <a:path w="1216" h="1436">
+                  <a:moveTo>
+                    <a:pt x="1094" y="1436"/>
+                  </a:moveTo>
+                  <a:cubicBezTo>
+                    <a:pt x="1216" y="1114"/>
+                    <a:pt x="904" y="770"/>
+                    <a:pt x="709" y="551"/>
+                  </a:cubicBezTo>
+                  <a:cubicBezTo>
+                    <a:pt x="509" y="327"/>
+                    <a:pt x="274" y="127"/>
+                    <a:pt x="0" y="0"/>
+                  </a:cubicBezTo>
+                </a:path>
+              </a:pathLst>
+            </a:custGeom>
+            <a:noFill/>
+            <a:ln w="9525" cap="flat">
+              <a:solidFill>
+                <a:schemeClr val="tx1">
+                  <a:alpha val="13000"/>
+                </a:schemeClr>
+              </a:solidFill>
+              <a:prstDash val="solid"/>
+              <a:miter lim="800000"/>
+              <a:headEnd/>
+              <a:tailEnd/>
+            </a:ln>
+          </p:spPr>
+        </p:sp>
+        <p:sp>
+          <p:nvSpPr>
+            <p:cNvPr id="92" name="Freeform 12">
+              <a:extLst>
+                <a:ext uri="{FF2B5EF4-FFF2-40B4-BE49-F238E27FC236}">
+                  <a16:creationId xmlns:a16="http://schemas.microsoft.com/office/drawing/2014/main" id="{BF086A79-DD15-4D5E-A197-9ADE0ACFD16D}"/>
+                </a:ext>
+                <a:ext uri="{C183D7F6-B498-43B3-948B-1728B52AA6E4}">
+                  <adec:decorative xmlns:adec="http://schemas.microsoft.com/office/drawing/2017/decorative" val="1"/>
+                </a:ext>
+              </a:extLst>
+            </p:cNvPr>
+            <p:cNvSpPr/>
+            <p:nvPr>
+              <p:extLst>
+                <p:ext uri="{386F3935-93C4-4BCD-93E2-E3B085C9AB24}">
+                  <p16:designElem xmlns:p16="http://schemas.microsoft.com/office/powerpoint/2015/main" val="1"/>
+                </p:ext>
+              </p:extLst>
+            </p:nvPr>
+          </p:nvSpPr>
+          <p:spPr bwMode="auto">
+            <a:xfrm>
+              <a:off x="-1061" y="5579"/>
+              <a:ext cx="1057275" cy="614491"/>
+            </a:xfrm>
+            <a:custGeom>
+              <a:avLst/>
+              <a:gdLst/>
+              <a:ahLst/>
+              <a:cxnLst/>
+              <a:rect l="0" t="0" r="r" b="b"/>
+              <a:pathLst>
+                <a:path w="222" h="129">
+                  <a:moveTo>
+                    <a:pt x="222" y="0"/>
+                  </a:moveTo>
+                  <a:cubicBezTo>
+                    <a:pt x="152" y="35"/>
+                    <a:pt x="76" y="78"/>
+                    <a:pt x="0" y="129"/>
+                  </a:cubicBezTo>
+                </a:path>
+              </a:pathLst>
+            </a:custGeom>
+            <a:noFill/>
+            <a:ln w="9525" cap="flat">
+              <a:solidFill>
+                <a:schemeClr val="tx1">
+                  <a:alpha val="13000"/>
+                </a:schemeClr>
+              </a:solidFill>
+              <a:prstDash val="solid"/>
+              <a:miter lim="800000"/>
+              <a:headEnd/>
+              <a:tailEnd/>
+            </a:ln>
+          </p:spPr>
+        </p:sp>
+        <p:sp>
+          <p:nvSpPr>
+            <p:cNvPr id="93" name="Freeform 13">
+              <a:extLst>
+                <a:ext uri="{FF2B5EF4-FFF2-40B4-BE49-F238E27FC236}">
+                  <a16:creationId xmlns:a16="http://schemas.microsoft.com/office/drawing/2014/main" id="{CCB86A9C-D602-4645-AF2E-7BADDF1E9143}"/>
+                </a:ext>
+                <a:ext uri="{C183D7F6-B498-43B3-948B-1728B52AA6E4}">
+                  <adec:decorative xmlns:adec="http://schemas.microsoft.com/office/drawing/2017/decorative" val="1"/>
+                </a:ext>
+              </a:extLst>
+            </p:cNvPr>
+            <p:cNvSpPr/>
+            <p:nvPr>
+              <p:extLst>
+                <p:ext uri="{386F3935-93C4-4BCD-93E2-E3B085C9AB24}">
+                  <p16:designElem xmlns:p16="http://schemas.microsoft.com/office/powerpoint/2015/main" val="1"/>
+                </p:ext>
+              </p:extLst>
+            </p:nvPr>
+          </p:nvSpPr>
+          <p:spPr bwMode="auto">
+            <a:xfrm>
+              <a:off x="5821889" y="5579"/>
+              <a:ext cx="5588000" cy="6866337"/>
+            </a:xfrm>
+            <a:custGeom>
+              <a:avLst/>
+              <a:gdLst/>
+              <a:ahLst/>
+              <a:cxnLst/>
+              <a:rect l="0" t="0" r="r" b="b"/>
+              <a:pathLst>
+                <a:path w="1174" h="1440">
+                  <a:moveTo>
+                    <a:pt x="1067" y="1440"/>
+                  </a:moveTo>
+                  <a:cubicBezTo>
+                    <a:pt x="1174" y="1124"/>
+                    <a:pt x="887" y="797"/>
+                    <a:pt x="698" y="577"/>
+                  </a:cubicBezTo>
+                  <a:cubicBezTo>
+                    <a:pt x="500" y="348"/>
+                    <a:pt x="270" y="141"/>
+                    <a:pt x="0" y="0"/>
+                  </a:cubicBezTo>
+                </a:path>
+              </a:pathLst>
+            </a:custGeom>
+            <a:noFill/>
+            <a:ln w="9525" cap="flat">
+              <a:solidFill>
+                <a:schemeClr val="tx1">
+                  <a:alpha val="12000"/>
+                </a:schemeClr>
+              </a:solidFill>
+              <a:prstDash val="dash"/>
+              <a:miter lim="800000"/>
+              <a:headEnd/>
+              <a:tailEnd/>
+            </a:ln>
+          </p:spPr>
+        </p:sp>
+        <p:sp>
+          <p:nvSpPr>
+            <p:cNvPr id="94" name="Freeform 14">
+              <a:extLst>
+                <a:ext uri="{FF2B5EF4-FFF2-40B4-BE49-F238E27FC236}">
+                  <a16:creationId xmlns:a16="http://schemas.microsoft.com/office/drawing/2014/main" id="{21C6649F-C4FA-423E-A09A-1B286FAE2993}"/>
+                </a:ext>
+                <a:ext uri="{C183D7F6-B498-43B3-948B-1728B52AA6E4}">
+                  <adec:decorative xmlns:adec="http://schemas.microsoft.com/office/drawing/2017/decorative" val="1"/>
+                </a:ext>
+              </a:extLst>
+            </p:cNvPr>
+            <p:cNvSpPr/>
+            <p:nvPr>
+              <p:extLst>
+                <p:ext uri="{386F3935-93C4-4BCD-93E2-E3B085C9AB24}">
+                  <p16:designElem xmlns:p16="http://schemas.microsoft.com/office/powerpoint/2015/main" val="1"/>
+                </p:ext>
+              </p:extLst>
+            </p:nvPr>
+          </p:nvSpPr>
+          <p:spPr bwMode="auto">
+            <a:xfrm>
+              <a:off x="3701" y="790"/>
+              <a:ext cx="595313" cy="352734"/>
+            </a:xfrm>
+            <a:custGeom>
+              <a:avLst/>
+              <a:gdLst/>
+              <a:ahLst/>
+              <a:cxnLst/>
+              <a:rect l="0" t="0" r="r" b="b"/>
+              <a:pathLst>
+                <a:path w="125" h="74">
+                  <a:moveTo>
+                    <a:pt x="125" y="0"/>
+                  </a:moveTo>
+                  <a:cubicBezTo>
+                    <a:pt x="85" y="22"/>
+                    <a:pt x="43" y="47"/>
+                    <a:pt x="0" y="74"/>
+                  </a:cubicBezTo>
+                </a:path>
+              </a:pathLst>
+            </a:custGeom>
+            <a:noFill/>
+            <a:ln w="9525" cap="flat">
+              <a:solidFill>
+                <a:schemeClr val="tx1">
+                  <a:alpha val="12000"/>
+                </a:schemeClr>
+              </a:solidFill>
+              <a:prstDash val="dash"/>
+              <a:miter lim="800000"/>
+              <a:headEnd/>
+              <a:tailEnd/>
+            </a:ln>
+          </p:spPr>
+        </p:sp>
+        <p:sp>
+          <p:nvSpPr>
+            <p:cNvPr id="95" name="Freeform 15">
+              <a:extLst>
+                <a:ext uri="{FF2B5EF4-FFF2-40B4-BE49-F238E27FC236}">
+                  <a16:creationId xmlns:a16="http://schemas.microsoft.com/office/drawing/2014/main" id="{F00891A4-E0CB-4F23-AD2A-4A210875321C}"/>
+                </a:ext>
+                <a:ext uri="{C183D7F6-B498-43B3-948B-1728B52AA6E4}">
+                  <adec:decorative xmlns:adec="http://schemas.microsoft.com/office/drawing/2017/decorative" val="1"/>
+                </a:ext>
+              </a:extLst>
+            </p:cNvPr>
+            <p:cNvSpPr/>
+            <p:nvPr>
+              <p:extLst>
+                <p:ext uri="{386F3935-93C4-4BCD-93E2-E3B085C9AB24}">
+                  <p16:designElem xmlns:p16="http://schemas.microsoft.com/office/powerpoint/2015/main" val="1"/>
+                </p:ext>
+              </p:extLst>
+            </p:nvPr>
+          </p:nvSpPr>
+          <p:spPr bwMode="auto">
+            <a:xfrm>
+              <a:off x="6012389" y="5579"/>
+              <a:ext cx="5497513" cy="6866337"/>
+            </a:xfrm>
+            <a:custGeom>
+              <a:avLst/>
+              <a:gdLst/>
+              <a:ahLst/>
+              <a:cxnLst/>
+              <a:rect l="0" t="0" r="r" b="b"/>
+              <a:pathLst>
+                <a:path w="1155" h="1440">
+                  <a:moveTo>
+                    <a:pt x="1056" y="1440"/>
+                  </a:moveTo>
+                  <a:cubicBezTo>
+                    <a:pt x="1155" y="1123"/>
+                    <a:pt x="875" y="801"/>
+                    <a:pt x="686" y="580"/>
+                  </a:cubicBezTo>
+                  <a:cubicBezTo>
+                    <a:pt x="491" y="352"/>
+                    <a:pt x="264" y="145"/>
+                    <a:pt x="0" y="0"/>
+                  </a:cubicBezTo>
+                </a:path>
+              </a:pathLst>
+            </a:custGeom>
+            <a:noFill/>
+            <a:ln w="12700" cap="flat">
+              <a:solidFill>
+                <a:schemeClr val="tx1">
+                  <a:alpha val="12000"/>
+                </a:schemeClr>
+              </a:solidFill>
+              <a:prstDash val="dashDot"/>
+              <a:miter lim="800000"/>
+              <a:headEnd/>
+              <a:tailEnd/>
+            </a:ln>
+          </p:spPr>
+        </p:sp>
+        <p:sp>
+          <p:nvSpPr>
+            <p:cNvPr id="96" name="Freeform 16">
+              <a:extLst>
+                <a:ext uri="{FF2B5EF4-FFF2-40B4-BE49-F238E27FC236}">
+                  <a16:creationId xmlns:a16="http://schemas.microsoft.com/office/drawing/2014/main" id="{0688C71A-541C-4CD1-9821-92958FFC0C2F}"/>
+                </a:ext>
+                <a:ext uri="{C183D7F6-B498-43B3-948B-1728B52AA6E4}">
+                  <adec:decorative xmlns:adec="http://schemas.microsoft.com/office/drawing/2017/decorative" val="1"/>
+                </a:ext>
+              </a:extLst>
+            </p:cNvPr>
+            <p:cNvSpPr/>
+            <p:nvPr>
+              <p:extLst>
+                <p:ext uri="{386F3935-93C4-4BCD-93E2-E3B085C9AB24}">
+                  <p16:designElem xmlns:p16="http://schemas.microsoft.com/office/powerpoint/2015/main" val="1"/>
+                </p:ext>
+              </p:extLst>
+            </p:nvPr>
+          </p:nvSpPr>
+          <p:spPr bwMode="auto">
+            <a:xfrm>
+              <a:off x="-1061" y="5579"/>
+              <a:ext cx="357188" cy="213875"/>
+            </a:xfrm>
+            <a:custGeom>
+              <a:avLst/>
+              <a:gdLst/>
+              <a:ahLst/>
+              <a:cxnLst/>
+              <a:rect l="0" t="0" r="r" b="b"/>
+              <a:pathLst>
+                <a:path w="75" h="45">
+                  <a:moveTo>
+                    <a:pt x="75" y="0"/>
+                  </a:moveTo>
+                  <a:cubicBezTo>
+                    <a:pt x="50" y="14"/>
+                    <a:pt x="25" y="29"/>
+                    <a:pt x="0" y="45"/>
+                  </a:cubicBezTo>
+                </a:path>
+              </a:pathLst>
+            </a:custGeom>
+            <a:noFill/>
+            <a:ln w="12700" cap="flat">
+              <a:solidFill>
+                <a:schemeClr val="tx1">
+                  <a:alpha val="12000"/>
+                </a:schemeClr>
+              </a:solidFill>
+              <a:prstDash val="dashDot"/>
+              <a:miter lim="800000"/>
+              <a:headEnd/>
+              <a:tailEnd/>
+            </a:ln>
+          </p:spPr>
+        </p:sp>
+        <p:sp>
+          <p:nvSpPr>
+            <p:cNvPr id="97" name="Freeform 17">
+              <a:extLst>
+                <a:ext uri="{FF2B5EF4-FFF2-40B4-BE49-F238E27FC236}">
+                  <a16:creationId xmlns:a16="http://schemas.microsoft.com/office/drawing/2014/main" id="{B5F5BDE4-42C0-4408-B6A9-B35D037F1505}"/>
+                </a:ext>
+                <a:ext uri="{C183D7F6-B498-43B3-948B-1728B52AA6E4}">
+                  <adec:decorative xmlns:adec="http://schemas.microsoft.com/office/drawing/2017/decorative" val="1"/>
+                </a:ext>
+              </a:extLst>
+            </p:cNvPr>
+            <p:cNvSpPr/>
+            <p:nvPr>
+              <p:extLst>
+                <p:ext uri="{386F3935-93C4-4BCD-93E2-E3B085C9AB24}">
+                  <p16:designElem xmlns:p16="http://schemas.microsoft.com/office/powerpoint/2015/main" val="1"/>
+                </p:ext>
+              </p:extLst>
+            </p:nvPr>
+          </p:nvSpPr>
+          <p:spPr bwMode="auto">
+            <a:xfrm>
+              <a:off x="6210826" y="790"/>
+              <a:ext cx="5522913" cy="6871126"/>
+            </a:xfrm>
+            <a:custGeom>
+              <a:avLst/>
+              <a:gdLst/>
+              <a:ahLst/>
+              <a:cxnLst/>
+              <a:rect l="0" t="0" r="r" b="b"/>
+              <a:pathLst>
+                <a:path w="1160" h="1441">
+                  <a:moveTo>
+                    <a:pt x="1053" y="1441"/>
+                  </a:moveTo>
+                  <a:cubicBezTo>
+                    <a:pt x="1160" y="1129"/>
+                    <a:pt x="892" y="817"/>
+                    <a:pt x="705" y="599"/>
+                  </a:cubicBezTo>
+                  <a:cubicBezTo>
+                    <a:pt x="503" y="365"/>
+                    <a:pt x="270" y="152"/>
+                    <a:pt x="0" y="0"/>
+                  </a:cubicBezTo>
+                </a:path>
+              </a:pathLst>
+            </a:custGeom>
+            <a:noFill/>
+            <a:ln w="9525" cap="flat">
+              <a:solidFill>
+                <a:schemeClr val="tx1">
+                  <a:alpha val="12000"/>
+                </a:schemeClr>
+              </a:solidFill>
+              <a:prstDash val="solid"/>
+              <a:miter lim="800000"/>
+              <a:headEnd/>
+              <a:tailEnd/>
+            </a:ln>
+          </p:spPr>
+        </p:sp>
+        <p:sp>
+          <p:nvSpPr>
+            <p:cNvPr id="98" name="Freeform 18">
+              <a:extLst>
+                <a:ext uri="{FF2B5EF4-FFF2-40B4-BE49-F238E27FC236}">
+                  <a16:creationId xmlns:a16="http://schemas.microsoft.com/office/drawing/2014/main" id="{B215F5C9-B825-47D1-8E5B-AE5BE61A401B}"/>
+                </a:ext>
+                <a:ext uri="{C183D7F6-B498-43B3-948B-1728B52AA6E4}">
+                  <adec:decorative xmlns:adec="http://schemas.microsoft.com/office/drawing/2017/decorative" val="1"/>
+                </a:ext>
+              </a:extLst>
+            </p:cNvPr>
+            <p:cNvSpPr/>
+            <p:nvPr>
+              <p:extLst>
+                <p:ext uri="{386F3935-93C4-4BCD-93E2-E3B085C9AB24}">
+                  <p16:designElem xmlns:p16="http://schemas.microsoft.com/office/powerpoint/2015/main" val="1"/>
+                </p:ext>
+              </p:extLst>
+            </p:nvPr>
+          </p:nvSpPr>
+          <p:spPr bwMode="auto">
+            <a:xfrm>
+              <a:off x="6463239" y="5579"/>
+              <a:ext cx="5413375" cy="6866337"/>
+            </a:xfrm>
+            <a:custGeom>
+              <a:avLst/>
+              <a:gdLst/>
+              <a:ahLst/>
+              <a:cxnLst/>
+              <a:rect l="0" t="0" r="r" b="b"/>
+              <a:pathLst>
+                <a:path w="1137" h="1440">
+                  <a:moveTo>
+                    <a:pt x="1040" y="1440"/>
+                  </a:moveTo>
+                  <a:cubicBezTo>
+                    <a:pt x="1137" y="1131"/>
+                    <a:pt x="883" y="828"/>
+                    <a:pt x="698" y="611"/>
+                  </a:cubicBezTo>
+                  <a:cubicBezTo>
+                    <a:pt x="498" y="375"/>
+                    <a:pt x="268" y="159"/>
+                    <a:pt x="0" y="0"/>
+                  </a:cubicBezTo>
+                </a:path>
+              </a:pathLst>
+            </a:custGeom>
+            <a:noFill/>
+            <a:ln w="9525" cap="flat">
+              <a:solidFill>
+                <a:schemeClr val="tx1">
+                  <a:alpha val="12000"/>
+                </a:schemeClr>
+              </a:solidFill>
+              <a:prstDash val="solid"/>
+              <a:miter lim="800000"/>
+              <a:headEnd/>
+              <a:tailEnd/>
+            </a:ln>
+          </p:spPr>
+        </p:sp>
+        <p:sp>
+          <p:nvSpPr>
+            <p:cNvPr id="99" name="Freeform 19">
+              <a:extLst>
+                <a:ext uri="{FF2B5EF4-FFF2-40B4-BE49-F238E27FC236}">
+                  <a16:creationId xmlns:a16="http://schemas.microsoft.com/office/drawing/2014/main" id="{8FDD346A-E62F-4D05-B776-13CE8F35FA71}"/>
+                </a:ext>
+                <a:ext uri="{C183D7F6-B498-43B3-948B-1728B52AA6E4}">
+                  <adec:decorative xmlns:adec="http://schemas.microsoft.com/office/drawing/2017/decorative" val="1"/>
+                </a:ext>
+              </a:extLst>
+            </p:cNvPr>
+            <p:cNvSpPr/>
+            <p:nvPr>
+              <p:extLst>
+                <p:ext uri="{386F3935-93C4-4BCD-93E2-E3B085C9AB24}">
+                  <p16:designElem xmlns:p16="http://schemas.microsoft.com/office/powerpoint/2015/main" val="1"/>
+                </p:ext>
+              </p:extLst>
+            </p:nvPr>
+          </p:nvSpPr>
+          <p:spPr bwMode="auto">
+            <a:xfrm>
+              <a:off x="6877576" y="5579"/>
+              <a:ext cx="5037138" cy="6861550"/>
+            </a:xfrm>
+            <a:custGeom>
+              <a:avLst/>
+              <a:gdLst/>
+              <a:ahLst/>
+              <a:cxnLst/>
+              <a:rect l="0" t="0" r="r" b="b"/>
+              <a:pathLst>
+                <a:path w="1058" h="1439">
+                  <a:moveTo>
+                    <a:pt x="1011" y="1439"/>
+                  </a:moveTo>
+                  <a:cubicBezTo>
+                    <a:pt x="1058" y="1131"/>
+                    <a:pt x="825" y="841"/>
+                    <a:pt x="648" y="617"/>
+                  </a:cubicBezTo>
+                  <a:cubicBezTo>
+                    <a:pt x="462" y="383"/>
+                    <a:pt x="248" y="168"/>
+                    <a:pt x="0" y="0"/>
+                  </a:cubicBezTo>
+                </a:path>
+              </a:pathLst>
+            </a:custGeom>
+            <a:noFill/>
+            <a:ln w="9525" cap="flat">
+              <a:solidFill>
+                <a:schemeClr val="tx1">
+                  <a:alpha val="11000"/>
+                </a:schemeClr>
+              </a:solidFill>
+              <a:prstDash val="solid"/>
+              <a:miter lim="800000"/>
+              <a:headEnd/>
+              <a:tailEnd/>
+            </a:ln>
+          </p:spPr>
+        </p:sp>
+        <p:sp>
+          <p:nvSpPr>
+            <p:cNvPr id="100" name="Freeform 20">
+              <a:extLst>
+                <a:ext uri="{FF2B5EF4-FFF2-40B4-BE49-F238E27FC236}">
+                  <a16:creationId xmlns:a16="http://schemas.microsoft.com/office/drawing/2014/main" id="{C1037E36-F1A3-4462-A9C6-C94A781467DB}"/>
+                </a:ext>
+                <a:ext uri="{C183D7F6-B498-43B3-948B-1728B52AA6E4}">
+                  <adec:decorative xmlns:adec="http://schemas.microsoft.com/office/drawing/2017/decorative" val="1"/>
+                </a:ext>
+              </a:extLst>
+            </p:cNvPr>
+            <p:cNvSpPr/>
+            <p:nvPr>
+              <p:extLst>
+                <p:ext uri="{386F3935-93C4-4BCD-93E2-E3B085C9AB24}">
+                  <p16:designElem xmlns:p16="http://schemas.microsoft.com/office/powerpoint/2015/main" val="1"/>
+                </p:ext>
+              </p:extLst>
+            </p:nvPr>
+          </p:nvSpPr>
+          <p:spPr bwMode="auto">
+            <a:xfrm>
+              <a:off x="8768289" y="5579"/>
+              <a:ext cx="3417888" cy="2742066"/>
+            </a:xfrm>
+            <a:custGeom>
+              <a:avLst/>
+              <a:gdLst/>
+              <a:ahLst/>
+              <a:cxnLst/>
+              <a:rect l="0" t="0" r="r" b="b"/>
+              <a:pathLst>
+                <a:path w="718" h="575">
+                  <a:moveTo>
+                    <a:pt x="718" y="575"/>
+                  </a:moveTo>
+                  <a:cubicBezTo>
+                    <a:pt x="500" y="360"/>
+                    <a:pt x="260" y="163"/>
+                    <a:pt x="0" y="0"/>
+                  </a:cubicBezTo>
+                </a:path>
+              </a:pathLst>
+            </a:custGeom>
+            <a:noFill/>
+            <a:ln w="9525" cap="flat">
+              <a:solidFill>
+                <a:schemeClr val="tx1">
+                  <a:alpha val="11000"/>
+                </a:schemeClr>
+              </a:solidFill>
+              <a:prstDash val="solid"/>
+              <a:miter lim="800000"/>
+              <a:headEnd/>
+              <a:tailEnd/>
+            </a:ln>
+          </p:spPr>
+        </p:sp>
+        <p:sp>
+          <p:nvSpPr>
+            <p:cNvPr id="27" name="Freeform 21">
+              <a:extLst>
+                <a:ext uri="{FF2B5EF4-FFF2-40B4-BE49-F238E27FC236}">
+                  <a16:creationId xmlns:a16="http://schemas.microsoft.com/office/drawing/2014/main" id="{10D539D8-C2C4-45F9-9778-440E8624863B}"/>
+                </a:ext>
+                <a:ext uri="{C183D7F6-B498-43B3-948B-1728B52AA6E4}">
+                  <adec:decorative xmlns:adec="http://schemas.microsoft.com/office/drawing/2017/decorative" val="1"/>
+                </a:ext>
+              </a:extLst>
+            </p:cNvPr>
+            <p:cNvSpPr/>
+            <p:nvPr>
+              <p:extLst>
+                <p:ext uri="{386F3935-93C4-4BCD-93E2-E3B085C9AB24}">
+                  <p16:designElem xmlns:p16="http://schemas.microsoft.com/office/powerpoint/2015/main" val="1"/>
+                </p:ext>
+              </p:extLst>
+            </p:nvPr>
+          </p:nvSpPr>
+          <p:spPr bwMode="auto">
+            <a:xfrm>
+              <a:off x="9235014" y="10367"/>
+              <a:ext cx="2951163" cy="2555325"/>
+            </a:xfrm>
+            <a:custGeom>
+              <a:avLst/>
+              <a:gdLst/>
+              <a:ahLst/>
+              <a:cxnLst/>
+              <a:rect l="0" t="0" r="r" b="b"/>
+              <a:pathLst>
+                <a:path w="620" h="536">
+                  <a:moveTo>
+                    <a:pt x="620" y="536"/>
+                  </a:moveTo>
+                  <a:cubicBezTo>
+                    <a:pt x="404" y="314"/>
+                    <a:pt x="196" y="138"/>
+                    <a:pt x="0" y="0"/>
+                  </a:cubicBezTo>
+                </a:path>
+              </a:pathLst>
+            </a:custGeom>
+            <a:noFill/>
+            <a:ln w="9525" cap="flat">
+              <a:solidFill>
+                <a:schemeClr val="tx1">
+                  <a:alpha val="10000"/>
+                </a:schemeClr>
+              </a:solidFill>
+              <a:prstDash val="solid"/>
+              <a:miter lim="800000"/>
+              <a:headEnd/>
+              <a:tailEnd/>
+            </a:ln>
+          </p:spPr>
+        </p:sp>
+        <p:sp>
+          <p:nvSpPr>
+            <p:cNvPr id="101" name="Freeform 22">
+              <a:extLst>
+                <a:ext uri="{FF2B5EF4-FFF2-40B4-BE49-F238E27FC236}">
+                  <a16:creationId xmlns:a16="http://schemas.microsoft.com/office/drawing/2014/main" id="{8B003199-95C6-4E08-9D5D-E53DAF421BCD}"/>
+                </a:ext>
+                <a:ext uri="{C183D7F6-B498-43B3-948B-1728B52AA6E4}">
+                  <adec:decorative xmlns:adec="http://schemas.microsoft.com/office/drawing/2017/decorative" val="1"/>
+                </a:ext>
+              </a:extLst>
+            </p:cNvPr>
+            <p:cNvSpPr/>
+            <p:nvPr>
+              <p:extLst>
+                <p:ext uri="{386F3935-93C4-4BCD-93E2-E3B085C9AB24}">
+                  <p16:designElem xmlns:p16="http://schemas.microsoft.com/office/powerpoint/2015/main" val="1"/>
+                </p:ext>
+              </p:extLst>
+            </p:nvPr>
+          </p:nvSpPr>
+          <p:spPr bwMode="auto">
+            <a:xfrm>
+              <a:off x="10020826" y="5579"/>
+              <a:ext cx="2165350" cy="1358265"/>
+            </a:xfrm>
+            <a:custGeom>
+              <a:avLst/>
+              <a:gdLst/>
+              <a:ahLst/>
+              <a:cxnLst/>
+              <a:rect l="0" t="0" r="r" b="b"/>
+              <a:pathLst>
+                <a:path w="455" h="285">
+                  <a:moveTo>
+                    <a:pt x="0" y="0"/>
+                  </a:moveTo>
+                  <a:cubicBezTo>
+                    <a:pt x="153" y="85"/>
+                    <a:pt x="308" y="180"/>
+                    <a:pt x="455" y="285"/>
+                  </a:cubicBezTo>
+                </a:path>
+              </a:pathLst>
+            </a:custGeom>
+            <a:noFill/>
+            <a:ln w="9525" cap="flat">
+              <a:solidFill>
+                <a:schemeClr val="tx1">
+                  <a:alpha val="10000"/>
+                </a:schemeClr>
+              </a:solidFill>
+              <a:prstDash val="dash"/>
+              <a:miter lim="800000"/>
+              <a:headEnd/>
+              <a:tailEnd/>
+            </a:ln>
+          </p:spPr>
+        </p:sp>
+        <p:sp>
+          <p:nvSpPr>
+            <p:cNvPr id="102" name="Freeform 23">
+              <a:extLst>
+                <a:ext uri="{FF2B5EF4-FFF2-40B4-BE49-F238E27FC236}">
+                  <a16:creationId xmlns:a16="http://schemas.microsoft.com/office/drawing/2014/main" id="{6A2507B4-2AA4-44A1-93B1-D65EC73AF544}"/>
+                </a:ext>
+                <a:ext uri="{C183D7F6-B498-43B3-948B-1728B52AA6E4}">
+                  <adec:decorative xmlns:adec="http://schemas.microsoft.com/office/drawing/2017/decorative" val="1"/>
+                </a:ext>
+              </a:extLst>
+            </p:cNvPr>
+            <p:cNvSpPr/>
+            <p:nvPr>
+              <p:extLst>
+                <p:ext uri="{386F3935-93C4-4BCD-93E2-E3B085C9AB24}">
+                  <p16:designElem xmlns:p16="http://schemas.microsoft.com/office/powerpoint/2015/main" val="1"/>
+                </p:ext>
+              </p:extLst>
+            </p:nvPr>
+          </p:nvSpPr>
+          <p:spPr bwMode="auto">
+            <a:xfrm>
+              <a:off x="11290826" y="5579"/>
+              <a:ext cx="895350" cy="534687"/>
+            </a:xfrm>
+            <a:custGeom>
+              <a:avLst/>
+              <a:gdLst/>
+              <a:ahLst/>
+              <a:cxnLst/>
+              <a:rect l="0" t="0" r="r" b="b"/>
+              <a:pathLst>
+                <a:path w="188" h="112">
+                  <a:moveTo>
+                    <a:pt x="0" y="0"/>
+                  </a:moveTo>
+                  <a:cubicBezTo>
+                    <a:pt x="63" y="36"/>
+                    <a:pt x="126" y="73"/>
+                    <a:pt x="188" y="112"/>
+                  </a:cubicBezTo>
+                </a:path>
+              </a:pathLst>
+            </a:custGeom>
+            <a:noFill/>
+            <a:ln w="9525" cap="flat">
+              <a:solidFill>
+                <a:schemeClr val="tx1">
+                  <a:alpha val="10000"/>
+                </a:schemeClr>
+              </a:solidFill>
+              <a:prstDash val="solid"/>
+              <a:miter lim="800000"/>
+              <a:headEnd/>
+              <a:tailEnd/>
+            </a:ln>
+          </p:spPr>
+        </p:sp>
+      </p:grpSp>
+      <p:sp>
+        <p:nvSpPr>
+          <p:cNvPr id="2" name="Title 1">
+            <a:extLst>
+              <a:ext uri="{FF2B5EF4-FFF2-40B4-BE49-F238E27FC236}">
+                <a16:creationId xmlns:a16="http://schemas.microsoft.com/office/drawing/2014/main" id="{01E1C496-4AD5-42C1-AF59-6EF89DF50AA1}"/>
+              </a:ext>
+            </a:extLst>
+          </p:cNvPr>
+          <p:cNvSpPr>
+            <a:spLocks noGrp="1"/>
+          </p:cNvSpPr>
+          <p:nvPr>
+            <p:ph type="ctrTitle"/>
+          </p:nvPr>
+        </p:nvSpPr>
+        <p:spPr>
+          <a:xfrm>
+            <a:off x="2002536" y="1261872"/>
+            <a:ext cx="8238744" cy="3118104"/>
+          </a:xfrm>
+        </p:spPr>
+        <p:txBody>
+          <a:bodyPr>
+            <a:normAutofit/>
+          </a:bodyPr>
+          <a:lstStyle/>
+          <a:p>
+            <a:pPr algn="l"/>
+            <a:r>
+              <a:rPr lang="en-US" sz="6800" dirty="0" err="1"/>
+              <a:t>Distribui</a:t>
+            </a:r>
+            <a:r>
+              <a:rPr lang="en-GB" sz="6800" dirty="0" err="1"/>
+              <a:t>ção</a:t>
+            </a:r>
+            <a:r>
+              <a:rPr lang="en-GB" sz="6800" dirty="0"/>
+              <a:t> de Poisson e Gamma</a:t>
+            </a:r>
+          </a:p>
+        </p:txBody>
+      </p:sp>
+      <p:sp>
+        <p:nvSpPr>
+          <p:cNvPr id="3" name="Subtitle 2">
+            <a:extLst>
+              <a:ext uri="{FF2B5EF4-FFF2-40B4-BE49-F238E27FC236}">
+                <a16:creationId xmlns:a16="http://schemas.microsoft.com/office/drawing/2014/main" id="{0365D8F3-60E4-4177-9BCF-31DFC5083F2F}"/>
+              </a:ext>
+            </a:extLst>
+          </p:cNvPr>
+          <p:cNvSpPr>
+            <a:spLocks noGrp="1"/>
+          </p:cNvSpPr>
+          <p:nvPr>
+            <p:ph type="subTitle" idx="1"/>
+          </p:nvPr>
+        </p:nvSpPr>
+        <p:spPr>
+          <a:xfrm>
+            <a:off x="2002536" y="4562856"/>
+            <a:ext cx="8238744" cy="1225296"/>
+          </a:xfrm>
+        </p:spPr>
+        <p:txBody>
+          <a:bodyPr>
+            <a:normAutofit/>
+          </a:bodyPr>
+          <a:lstStyle/>
+          <a:p>
+            <a:pPr algn="l"/>
+            <a:r>
+              <a:rPr lang="en-GB" sz="2000" dirty="0"/>
+              <a:t>MEFIS-</a:t>
+            </a:r>
+            <a:r>
+              <a:rPr lang="en-GB" sz="2000" dirty="0" err="1"/>
+              <a:t>Fisica</a:t>
+            </a:r>
+            <a:r>
+              <a:rPr lang="en-GB" sz="2000" dirty="0"/>
+              <a:t> da </a:t>
+            </a:r>
+            <a:r>
+              <a:rPr lang="es-ES" sz="2000" dirty="0" err="1"/>
+              <a:t>Informação</a:t>
+            </a:r>
+            <a:r>
+              <a:rPr lang="es-ES" sz="2000" dirty="0"/>
+              <a:t> </a:t>
+            </a:r>
+            <a:endParaRPr lang="en-GB" sz="2000" dirty="0"/>
+          </a:p>
+          <a:p>
+            <a:pPr algn="l"/>
+            <a:r>
+              <a:rPr lang="en-GB" sz="2000" dirty="0"/>
+              <a:t>Leander Reascos</a:t>
+            </a:r>
+          </a:p>
+          <a:p>
+            <a:pPr algn="l"/>
+            <a:r>
+              <a:rPr lang="en-GB" sz="2000" dirty="0"/>
+              <a:t>Rodrigo Coelho</a:t>
+            </a:r>
+          </a:p>
+        </p:txBody>
+      </p:sp>
+      <p:sp>
+        <p:nvSpPr>
+          <p:cNvPr id="31" name="Isosceles Triangle 30">
+            <a:extLst>
+              <a:ext uri="{FF2B5EF4-FFF2-40B4-BE49-F238E27FC236}">
+                <a16:creationId xmlns:a16="http://schemas.microsoft.com/office/drawing/2014/main" id="{83CB2632-0822-4E49-A707-FA1B8A4D0173}"/>
+              </a:ext>
+              <a:ext uri="{C183D7F6-B498-43B3-948B-1728B52AA6E4}">
+                <adec:decorative xmlns:adec="http://schemas.microsoft.com/office/drawing/2017/decorative" val="1"/>
+              </a:ext>
+            </a:extLst>
+          </p:cNvPr>
+          <p:cNvSpPr>
+            <a:spLocks noGrp="1" noRot="1" noChangeAspect="1" noMove="1" noResize="1" noEditPoints="1" noAdjustHandles="1" noChangeArrowheads="1" noChangeShapeType="1" noTextEdit="1"/>
+          </p:cNvSpPr>
+          <p:nvPr>
+            <p:extLst>
+              <p:ext uri="{386F3935-93C4-4BCD-93E2-E3B085C9AB24}">
+                <p16:designElem xmlns:p16="http://schemas.microsoft.com/office/powerpoint/2015/main" val="1"/>
+              </p:ext>
+            </p:extLst>
+          </p:nvPr>
+        </p:nvSpPr>
+        <p:spPr>
+          <a:xfrm rot="10800000">
+            <a:off x="1435823" y="3320139"/>
+            <a:ext cx="300774" cy="259288"/>
+          </a:xfrm>
+          <a:prstGeom prst="triangle">
+            <a:avLst/>
+          </a:prstGeom>
+          <a:solidFill>
+            <a:schemeClr val="tx1"/>
+          </a:solidFill>
+          <a:ln>
+            <a:noFill/>
+          </a:ln>
+        </p:spPr>
+        <p:style>
+          <a:lnRef idx="2">
+            <a:schemeClr val="accent1">
+              <a:shade val="50000"/>
+            </a:schemeClr>
+          </a:lnRef>
+          <a:fillRef idx="1">
+            <a:schemeClr val="accent1"/>
+          </a:fillRef>
+          <a:effectRef idx="0">
+            <a:schemeClr val="accent1"/>
+          </a:effectRef>
+          <a:fontRef idx="minor">
+            <a:schemeClr val="lt1"/>
+          </a:fontRef>
+        </p:style>
+        <p:txBody>
+          <a:bodyPr/>
+          <a:lstStyle/>
+          <a:p>
+            <a:endParaRPr lang="en-US" dirty="0">
+              <a:solidFill>
+                <a:schemeClr val="tx1"/>
+              </a:solidFill>
+            </a:endParaRPr>
+          </a:p>
+        </p:txBody>
+      </p:sp>
+      <p:pic>
+        <p:nvPicPr>
+          <p:cNvPr id="44" name="Picture 43" descr="Icon&#10;&#10;Description automatically generated">
+            <a:extLst>
+              <a:ext uri="{FF2B5EF4-FFF2-40B4-BE49-F238E27FC236}">
+                <a16:creationId xmlns:a16="http://schemas.microsoft.com/office/drawing/2014/main" id="{10F7A4C2-65D3-4FFC-AD90-FE4BA48A4A15}"/>
+              </a:ext>
+            </a:extLst>
+          </p:cNvPr>
+          <p:cNvPicPr>
+            <a:picLocks noChangeAspect="1"/>
+          </p:cNvPicPr>
+          <p:nvPr/>
+        </p:nvPicPr>
+        <p:blipFill>
+          <a:blip r:embed="rId2">
+            <a:extLst>
+              <a:ext uri="{28A0092B-C50C-407E-A947-70E740481C1C}">
+                <a14:useLocalDpi xmlns:a14="http://schemas.microsoft.com/office/drawing/2010/main" val="0"/>
+              </a:ext>
+            </a:extLst>
+          </a:blip>
+          <a:stretch>
+            <a:fillRect/>
+          </a:stretch>
+        </p:blipFill>
+        <p:spPr>
+          <a:xfrm>
+            <a:off x="369223" y="364134"/>
+            <a:ext cx="1770855" cy="883219"/>
+          </a:xfrm>
+          <a:prstGeom prst="rect">
+            <a:avLst/>
+          </a:prstGeom>
+        </p:spPr>
+      </p:pic>
+    </p:spTree>
+    <p:extLst>
+      <p:ext uri="{BB962C8B-B14F-4D97-AF65-F5344CB8AC3E}">
+        <p14:creationId xmlns:p14="http://schemas.microsoft.com/office/powerpoint/2010/main" val="3916293193"/>
+      </p:ext>
+    </p:extLst>
+  </p:cSld>
+  <p:clrMapOvr>
+    <a:overrideClrMapping bg1="dk1" tx1="lt1" bg2="dk2" tx2="lt2" accent1="accent1" accent2="accent2" accent3="accent3" accent4="accent4" accent5="accent5" accent6="accent6" hlink="hlink" folHlink="folHlink"/>
+  </p:clrMapOvr>
+</p:sld>
+</file>
+
+<file path=ppt/slides/slide2.xml><?xml version="1.0" encoding="utf-8"?>
+<p:sld xmlns:a="http://schemas.openxmlformats.org/drawingml/2006/main" xmlns:r="http://schemas.openxmlformats.org/officeDocument/2006/relationships" xmlns:p="http://schemas.openxmlformats.org/presentationml/2006/main">
+  <p:cSld>
+    <p:bg>
+      <p:bgPr>
+        <a:solidFill>
+          <a:srgbClr val="404040"/>
+        </a:solidFill>
+        <a:effectLst/>
+      </p:bgPr>
+    </p:bg>
     <p:spTree>
       <p:nvGrpSpPr>
         <p:cNvPr id="1" name=""/>
@@ -3353,10 +6794,291 @@
       </p:grpSpPr>
       <p:sp>
         <p:nvSpPr>
+          <p:cNvPr id="6" name="Rectangle 7">
+            <a:extLst>
+              <a:ext uri="{FF2B5EF4-FFF2-40B4-BE49-F238E27FC236}">
+                <a16:creationId xmlns:a16="http://schemas.microsoft.com/office/drawing/2014/main" id="{EA67B5B4-3A24-436E-B663-1B2EBFF8A0CD}"/>
+              </a:ext>
+              <a:ext uri="{C183D7F6-B498-43B3-948B-1728B52AA6E4}">
+                <adec:decorative xmlns:adec="http://schemas.microsoft.com/office/drawing/2017/decorative" val="1"/>
+              </a:ext>
+            </a:extLst>
+          </p:cNvPr>
+          <p:cNvSpPr>
+            <a:spLocks noGrp="1" noRot="1" noChangeAspect="1" noMove="1" noResize="1" noEditPoints="1" noAdjustHandles="1" noChangeArrowheads="1" noChangeShapeType="1" noTextEdit="1"/>
+          </p:cNvSpPr>
+          <p:nvPr>
+            <p:extLst>
+              <p:ext uri="{386F3935-93C4-4BCD-93E2-E3B085C9AB24}">
+                <p16:designElem xmlns:p16="http://schemas.microsoft.com/office/powerpoint/2015/main" val="1"/>
+              </p:ext>
+            </p:extLst>
+          </p:nvPr>
+        </p:nvSpPr>
+        <p:spPr>
+          <a:xfrm>
+            <a:off x="0" y="-3324"/>
+            <a:ext cx="12192000" cy="6861324"/>
+          </a:xfrm>
+          <a:prstGeom prst="rect">
+            <a:avLst/>
+          </a:prstGeom>
+          <a:solidFill>
+            <a:srgbClr val="404040"/>
+          </a:solidFill>
+          <a:ln>
+            <a:noFill/>
+          </a:ln>
+        </p:spPr>
+        <p:style>
+          <a:lnRef idx="2">
+            <a:schemeClr val="accent1">
+              <a:shade val="50000"/>
+            </a:schemeClr>
+          </a:lnRef>
+          <a:fillRef idx="1">
+            <a:schemeClr val="accent1"/>
+          </a:fillRef>
+          <a:effectRef idx="0">
+            <a:schemeClr val="accent1"/>
+          </a:effectRef>
+          <a:fontRef idx="minor">
+            <a:schemeClr val="lt1"/>
+          </a:fontRef>
+        </p:style>
+        <p:txBody>
+          <a:bodyPr rtlCol="0" anchor="ctr"/>
+          <a:lstStyle/>
+          <a:p>
+            <a:pPr algn="ctr"/>
+            <a:endParaRPr lang="en-US"/>
+          </a:p>
+        </p:txBody>
+      </p:sp>
+      <p:sp>
+        <p:nvSpPr>
+          <p:cNvPr id="7" name="Freeform 13">
+            <a:extLst>
+              <a:ext uri="{FF2B5EF4-FFF2-40B4-BE49-F238E27FC236}">
+                <a16:creationId xmlns:a16="http://schemas.microsoft.com/office/drawing/2014/main" id="{987FDF89-C993-41F4-A1B8-DBAFF16008A9}"/>
+              </a:ext>
+              <a:ext uri="{C183D7F6-B498-43B3-948B-1728B52AA6E4}">
+                <adec:decorative xmlns:adec="http://schemas.microsoft.com/office/drawing/2017/decorative" val="1"/>
+              </a:ext>
+            </a:extLst>
+          </p:cNvPr>
+          <p:cNvSpPr>
+            <a:spLocks noGrp="1" noRot="1" noChangeAspect="1" noMove="1" noResize="1" noEditPoints="1" noAdjustHandles="1" noChangeArrowheads="1" noChangeShapeType="1" noTextEdit="1"/>
+          </p:cNvSpPr>
+          <p:nvPr>
+            <p:extLst>
+              <p:ext uri="{386F3935-93C4-4BCD-93E2-E3B085C9AB24}">
+                <p16:designElem xmlns:p16="http://schemas.microsoft.com/office/powerpoint/2015/main" val="1"/>
+              </p:ext>
+            </p:extLst>
+          </p:nvPr>
+        </p:nvSpPr>
+        <p:spPr>
+          <a:xfrm>
+            <a:off x="0" y="0"/>
+            <a:ext cx="11786754" cy="6858000"/>
+          </a:xfrm>
+          <a:custGeom>
+            <a:avLst/>
+            <a:gdLst>
+              <a:gd name="connsiteX0" fmla="*/ 0 w 11786754"/>
+              <a:gd name="connsiteY0" fmla="*/ 0 h 6858000"/>
+              <a:gd name="connsiteX1" fmla="*/ 8610600 w 11786754"/>
+              <a:gd name="connsiteY1" fmla="*/ 0 h 6858000"/>
+              <a:gd name="connsiteX2" fmla="*/ 11786754 w 11786754"/>
+              <a:gd name="connsiteY2" fmla="*/ 6858000 h 6858000"/>
+              <a:gd name="connsiteX3" fmla="*/ 0 w 11786754"/>
+              <a:gd name="connsiteY3" fmla="*/ 6858000 h 6858000"/>
+            </a:gdLst>
+            <a:ahLst/>
+            <a:cxnLst>
+              <a:cxn ang="0">
+                <a:pos x="connsiteX0" y="connsiteY0"/>
+              </a:cxn>
+              <a:cxn ang="0">
+                <a:pos x="connsiteX1" y="connsiteY1"/>
+              </a:cxn>
+              <a:cxn ang="0">
+                <a:pos x="connsiteX2" y="connsiteY2"/>
+              </a:cxn>
+              <a:cxn ang="0">
+                <a:pos x="connsiteX3" y="connsiteY3"/>
+              </a:cxn>
+            </a:cxnLst>
+            <a:rect l="l" t="t" r="r" b="b"/>
+            <a:pathLst>
+              <a:path w="11786754" h="6858000">
+                <a:moveTo>
+                  <a:pt x="0" y="0"/>
+                </a:moveTo>
+                <a:lnTo>
+                  <a:pt x="8610600" y="0"/>
+                </a:lnTo>
+                <a:lnTo>
+                  <a:pt x="11786754" y="6858000"/>
+                </a:lnTo>
+                <a:lnTo>
+                  <a:pt x="0" y="6858000"/>
+                </a:lnTo>
+                <a:close/>
+              </a:path>
+            </a:pathLst>
+          </a:custGeom>
+          <a:solidFill>
+            <a:srgbClr val="000000">
+              <a:alpha val="29804"/>
+            </a:srgbClr>
+          </a:solidFill>
+          <a:ln>
+            <a:noFill/>
+          </a:ln>
+        </p:spPr>
+        <p:style>
+          <a:lnRef idx="2">
+            <a:schemeClr val="accent1">
+              <a:shade val="50000"/>
+            </a:schemeClr>
+          </a:lnRef>
+          <a:fillRef idx="1">
+            <a:schemeClr val="accent1"/>
+          </a:fillRef>
+          <a:effectRef idx="0">
+            <a:schemeClr val="accent1"/>
+          </a:effectRef>
+          <a:fontRef idx="minor">
+            <a:schemeClr val="lt1"/>
+          </a:fontRef>
+        </p:style>
+        <p:txBody>
+          <a:bodyPr rtlCol="0" anchor="ctr"/>
+          <a:lstStyle/>
+          <a:p>
+            <a:pPr algn="ctr"/>
+            <a:endParaRPr lang="en-US"/>
+          </a:p>
+        </p:txBody>
+      </p:sp>
+      <p:sp>
+        <p:nvSpPr>
+          <p:cNvPr id="13" name="Freeform 11">
+            <a:extLst>
+              <a:ext uri="{FF2B5EF4-FFF2-40B4-BE49-F238E27FC236}">
+                <a16:creationId xmlns:a16="http://schemas.microsoft.com/office/drawing/2014/main" id="{64E585EA-75FD-4025-8270-F66A58A15CDA}"/>
+              </a:ext>
+              <a:ext uri="{C183D7F6-B498-43B3-948B-1728B52AA6E4}">
+                <adec:decorative xmlns:adec="http://schemas.microsoft.com/office/drawing/2017/decorative" val="1"/>
+              </a:ext>
+            </a:extLst>
+          </p:cNvPr>
+          <p:cNvSpPr>
+            <a:spLocks noGrp="1" noRot="1" noChangeAspect="1" noMove="1" noResize="1" noEditPoints="1" noAdjustHandles="1" noChangeArrowheads="1" noChangeShapeType="1" noTextEdit="1"/>
+          </p:cNvSpPr>
+          <p:nvPr>
+            <p:extLst>
+              <p:ext uri="{386F3935-93C4-4BCD-93E2-E3B085C9AB24}">
+                <p16:designElem xmlns:p16="http://schemas.microsoft.com/office/powerpoint/2015/main" val="1"/>
+              </p:ext>
+            </p:extLst>
+          </p:nvPr>
+        </p:nvSpPr>
+        <p:spPr>
+          <a:xfrm>
+            <a:off x="0" y="0"/>
+            <a:ext cx="3581400" cy="6858000"/>
+          </a:xfrm>
+          <a:custGeom>
+            <a:avLst/>
+            <a:gdLst>
+              <a:gd name="connsiteX0" fmla="*/ 0 w 3581400"/>
+              <a:gd name="connsiteY0" fmla="*/ 0 h 6858000"/>
+              <a:gd name="connsiteX1" fmla="*/ 405246 w 3581400"/>
+              <a:gd name="connsiteY1" fmla="*/ 0 h 6858000"/>
+              <a:gd name="connsiteX2" fmla="*/ 3581400 w 3581400"/>
+              <a:gd name="connsiteY2" fmla="*/ 6858000 h 6858000"/>
+              <a:gd name="connsiteX3" fmla="*/ 0 w 3581400"/>
+              <a:gd name="connsiteY3" fmla="*/ 6858000 h 6858000"/>
+            </a:gdLst>
+            <a:ahLst/>
+            <a:cxnLst>
+              <a:cxn ang="0">
+                <a:pos x="connsiteX0" y="connsiteY0"/>
+              </a:cxn>
+              <a:cxn ang="0">
+                <a:pos x="connsiteX1" y="connsiteY1"/>
+              </a:cxn>
+              <a:cxn ang="0">
+                <a:pos x="connsiteX2" y="connsiteY2"/>
+              </a:cxn>
+              <a:cxn ang="0">
+                <a:pos x="connsiteX3" y="connsiteY3"/>
+              </a:cxn>
+            </a:cxnLst>
+            <a:rect l="l" t="t" r="r" b="b"/>
+            <a:pathLst>
+              <a:path w="3581400" h="6858000">
+                <a:moveTo>
+                  <a:pt x="0" y="0"/>
+                </a:moveTo>
+                <a:lnTo>
+                  <a:pt x="405246" y="0"/>
+                </a:lnTo>
+                <a:lnTo>
+                  <a:pt x="3581400" y="6858000"/>
+                </a:lnTo>
+                <a:lnTo>
+                  <a:pt x="0" y="6858000"/>
+                </a:lnTo>
+                <a:close/>
+              </a:path>
+            </a:pathLst>
+          </a:custGeom>
+          <a:solidFill>
+            <a:srgbClr val="000000">
+              <a:alpha val="29804"/>
+            </a:srgbClr>
+          </a:solidFill>
+          <a:ln>
+            <a:noFill/>
+          </a:ln>
+        </p:spPr>
+        <p:style>
+          <a:lnRef idx="2">
+            <a:schemeClr val="accent1">
+              <a:shade val="50000"/>
+            </a:schemeClr>
+          </a:lnRef>
+          <a:fillRef idx="1">
+            <a:schemeClr val="accent1"/>
+          </a:fillRef>
+          <a:effectRef idx="0">
+            <a:schemeClr val="accent1"/>
+          </a:effectRef>
+          <a:fontRef idx="minor">
+            <a:schemeClr val="lt1"/>
+          </a:fontRef>
+        </p:style>
+        <p:txBody>
+          <a:bodyPr wrap="square" rtlCol="0" anchor="ctr">
+            <a:noAutofit/>
+          </a:bodyPr>
+          <a:lstStyle/>
+          <a:p>
+            <a:pPr algn="ctr"/>
+            <a:endParaRPr lang="en-US"/>
+          </a:p>
+        </p:txBody>
+      </p:sp>
+      <p:sp>
+        <p:nvSpPr>
           <p:cNvPr id="2" name="Title 1">
             <a:extLst>
               <a:ext uri="{FF2B5EF4-FFF2-40B4-BE49-F238E27FC236}">
-                <a16:creationId xmlns:a16="http://schemas.microsoft.com/office/drawing/2014/main" id="{01E1C496-4AD5-42C1-AF59-6EF89DF50AA1}"/>
+                <a16:creationId xmlns:a16="http://schemas.microsoft.com/office/drawing/2014/main" id="{A90D1A64-2A9D-4122-9AF7-59CDF0D95CE7}"/>
               </a:ext>
             </a:extLst>
           </p:cNvPr>
@@ -3364,7 +7086,215 @@
             <a:spLocks noGrp="1"/>
           </p:cNvSpPr>
           <p:nvPr>
-            <p:ph type="ctrTitle"/>
+            <p:ph type="title"/>
+          </p:nvPr>
+        </p:nvSpPr>
+        <p:spPr>
+          <a:xfrm>
+            <a:off x="833002" y="365125"/>
+            <a:ext cx="10520702" cy="1325563"/>
+          </a:xfrm>
+        </p:spPr>
+        <p:txBody>
+          <a:bodyPr>
+            <a:normAutofit/>
+          </a:bodyPr>
+          <a:lstStyle/>
+          <a:p>
+            <a:r>
+              <a:rPr lang="en-GB">
+                <a:solidFill>
+                  <a:srgbClr val="FFFFFF"/>
+                </a:solidFill>
+              </a:rPr>
+              <a:t>Indice</a:t>
+            </a:r>
+          </a:p>
+        </p:txBody>
+      </p:sp>
+      <p:sp>
+        <p:nvSpPr>
+          <p:cNvPr id="3" name="Content Placeholder 2">
+            <a:extLst>
+              <a:ext uri="{FF2B5EF4-FFF2-40B4-BE49-F238E27FC236}">
+                <a16:creationId xmlns:a16="http://schemas.microsoft.com/office/drawing/2014/main" id="{A1193E02-CBB4-4219-B249-B771F91CFEC0}"/>
+              </a:ext>
+            </a:extLst>
+          </p:cNvPr>
+          <p:cNvSpPr>
+            <a:spLocks noGrp="1"/>
+          </p:cNvSpPr>
+          <p:nvPr>
+            <p:ph idx="1"/>
+          </p:nvPr>
+        </p:nvSpPr>
+        <p:spPr>
+          <a:xfrm>
+            <a:off x="838201" y="2022601"/>
+            <a:ext cx="10515598" cy="4154361"/>
+          </a:xfrm>
+        </p:spPr>
+        <p:txBody>
+          <a:bodyPr>
+            <a:normAutofit/>
+          </a:bodyPr>
+          <a:lstStyle/>
+          <a:p>
+            <a:r>
+              <a:rPr lang="en-GB" sz="2000">
+                <a:solidFill>
+                  <a:srgbClr val="FFFFFF"/>
+                </a:solidFill>
+              </a:rPr>
+              <a:t>Distribuição de Poisson </a:t>
+            </a:r>
+          </a:p>
+          <a:p>
+            <a:pPr lvl="1"/>
+            <a:r>
+              <a:rPr lang="en-GB" sz="2000">
+                <a:solidFill>
+                  <a:srgbClr val="FFFFFF"/>
+                </a:solidFill>
+              </a:rPr>
+              <a:t>Características</a:t>
+            </a:r>
+          </a:p>
+          <a:p>
+            <a:pPr lvl="1"/>
+            <a:r>
+              <a:rPr lang="en-GB" sz="2000">
+                <a:solidFill>
+                  <a:srgbClr val="FFFFFF"/>
+                </a:solidFill>
+              </a:rPr>
+              <a:t>Definição Matemática</a:t>
+            </a:r>
+          </a:p>
+          <a:p>
+            <a:pPr lvl="1"/>
+            <a:r>
+              <a:rPr lang="en-GB" sz="2000">
+                <a:solidFill>
+                  <a:srgbClr val="FFFFFF"/>
+                </a:solidFill>
+              </a:rPr>
+              <a:t>Exemplo</a:t>
+            </a:r>
+          </a:p>
+          <a:p>
+            <a:r>
+              <a:rPr lang="en-GB" sz="2000">
+                <a:solidFill>
+                  <a:srgbClr val="FFFFFF"/>
+                </a:solidFill>
+              </a:rPr>
+              <a:t>Distribuição Gamma</a:t>
+            </a:r>
+          </a:p>
+          <a:p>
+            <a:pPr lvl="1"/>
+            <a:r>
+              <a:rPr lang="en-GB" sz="2000">
+                <a:solidFill>
+                  <a:srgbClr val="FFFFFF"/>
+                </a:solidFill>
+              </a:rPr>
+              <a:t>Características</a:t>
+            </a:r>
+          </a:p>
+          <a:p>
+            <a:pPr lvl="1"/>
+            <a:r>
+              <a:rPr lang="en-GB" sz="2000">
+                <a:solidFill>
+                  <a:srgbClr val="FFFFFF"/>
+                </a:solidFill>
+              </a:rPr>
+              <a:t>Definição Matemática</a:t>
+            </a:r>
+          </a:p>
+          <a:p>
+            <a:pPr lvl="1"/>
+            <a:r>
+              <a:rPr lang="en-GB" sz="2000">
+                <a:solidFill>
+                  <a:srgbClr val="FFFFFF"/>
+                </a:solidFill>
+              </a:rPr>
+              <a:t>Exemplo</a:t>
+            </a:r>
+          </a:p>
+          <a:p>
+            <a:r>
+              <a:rPr lang="en-GB" sz="2000">
+                <a:solidFill>
+                  <a:srgbClr val="FFFFFF"/>
+                </a:solidFill>
+              </a:rPr>
+              <a:t>Relação entre as distribuições</a:t>
+            </a:r>
+          </a:p>
+          <a:p>
+            <a:pPr lvl="1"/>
+            <a:endParaRPr lang="en-GB" sz="2000">
+              <a:solidFill>
+                <a:srgbClr val="FFFFFF"/>
+              </a:solidFill>
+            </a:endParaRPr>
+          </a:p>
+        </p:txBody>
+      </p:sp>
+      <p:pic>
+        <p:nvPicPr>
+          <p:cNvPr id="14" name="Picture 13" descr="Icon&#10;&#10;Description automatically generated">
+            <a:extLst>
+              <a:ext uri="{FF2B5EF4-FFF2-40B4-BE49-F238E27FC236}">
+                <a16:creationId xmlns:a16="http://schemas.microsoft.com/office/drawing/2014/main" id="{3C8B47FD-FAEA-47BE-9B6E-17DEDEA847DE}"/>
+              </a:ext>
+            </a:extLst>
+          </p:cNvPr>
+          <p:cNvPicPr>
+            <a:picLocks noChangeAspect="1"/>
+          </p:cNvPicPr>
+          <p:nvPr/>
+        </p:nvPicPr>
+        <p:blipFill>
+          <a:blip r:embed="rId2">
+            <a:extLst>
+              <a:ext uri="{28A0092B-C50C-407E-A947-70E740481C1C}">
+                <a14:useLocalDpi xmlns:a14="http://schemas.microsoft.com/office/drawing/2010/main" val="0"/>
+              </a:ext>
+            </a:extLst>
+          </a:blip>
+          <a:stretch>
+            <a:fillRect/>
+          </a:stretch>
+        </p:blipFill>
+        <p:spPr>
+          <a:xfrm>
+            <a:off x="10015899" y="365125"/>
+            <a:ext cx="1770855" cy="883219"/>
+          </a:xfrm>
+          <a:prstGeom prst="rect">
+            <a:avLst/>
+          </a:prstGeom>
+        </p:spPr>
+      </p:pic>
+      <p:sp>
+        <p:nvSpPr>
+          <p:cNvPr id="4" name="Slide Number Placeholder 3">
+            <a:extLst>
+              <a:ext uri="{FF2B5EF4-FFF2-40B4-BE49-F238E27FC236}">
+                <a16:creationId xmlns:a16="http://schemas.microsoft.com/office/drawing/2014/main" id="{831AB072-1A9C-4DFB-A975-9DF34625CA37}"/>
+              </a:ext>
+            </a:extLst>
+          </p:cNvPr>
+          <p:cNvSpPr>
+            <a:spLocks noGrp="1"/>
+          </p:cNvSpPr>
+          <p:nvPr>
+            <p:ph type="sldNum" sz="quarter" idx="12"/>
           </p:nvPr>
         </p:nvSpPr>
         <p:spPr/>
@@ -3372,77 +7302,38 @@
           <a:bodyPr/>
           <a:lstStyle/>
           <a:p>
-            <a:r>
-              <a:rPr lang="en-US" dirty="0" err="1"/>
-              <a:t>Distribui</a:t>
-            </a:r>
-            <a:r>
-              <a:rPr lang="en-GB" dirty="0" err="1"/>
-              <a:t>ção</a:t>
-            </a:r>
-            <a:r>
-              <a:rPr lang="en-GB" dirty="0"/>
-              <a:t> de Poisson e Gamma</a:t>
-            </a:r>
-          </a:p>
-        </p:txBody>
-      </p:sp>
-      <p:sp>
-        <p:nvSpPr>
-          <p:cNvPr id="3" name="Subtitle 2">
-            <a:extLst>
-              <a:ext uri="{FF2B5EF4-FFF2-40B4-BE49-F238E27FC236}">
-                <a16:creationId xmlns:a16="http://schemas.microsoft.com/office/drawing/2014/main" id="{0365D8F3-60E4-4177-9BCF-31DFC5083F2F}"/>
-              </a:ext>
-            </a:extLst>
-          </p:cNvPr>
-          <p:cNvSpPr>
-            <a:spLocks noGrp="1"/>
-          </p:cNvSpPr>
-          <p:nvPr>
-            <p:ph type="subTitle" idx="1"/>
-          </p:nvPr>
-        </p:nvSpPr>
-        <p:spPr/>
-        <p:txBody>
-          <a:bodyPr/>
-          <a:lstStyle/>
-          <a:p>
-            <a:r>
-              <a:rPr lang="en-GB" dirty="0"/>
-              <a:t>MEFIS</a:t>
-            </a:r>
-          </a:p>
-          <a:p>
-            <a:r>
-              <a:rPr lang="en-GB" dirty="0"/>
-              <a:t>Leander Reascos</a:t>
-            </a:r>
-          </a:p>
-          <a:p>
-            <a:r>
-              <a:rPr lang="en-GB" dirty="0"/>
-              <a:t>Rodrigo Coelho</a:t>
-            </a:r>
+            <a:fld id="{4310B044-6F84-4299-A58B-8057292127B9}" type="slidenum">
+              <a:rPr lang="en-GB" smtClean="0"/>
+              <a:t>2</a:t>
+            </a:fld>
+            <a:endParaRPr lang="en-GB"/>
           </a:p>
         </p:txBody>
       </p:sp>
     </p:spTree>
     <p:extLst>
       <p:ext uri="{BB962C8B-B14F-4D97-AF65-F5344CB8AC3E}">
-        <p14:creationId xmlns:p14="http://schemas.microsoft.com/office/powerpoint/2010/main" val="3916293193"/>
+        <p14:creationId xmlns:p14="http://schemas.microsoft.com/office/powerpoint/2010/main" val="2618058349"/>
       </p:ext>
     </p:extLst>
   </p:cSld>
   <p:clrMapOvr>
-    <a:masterClrMapping/>
+    <a:overrideClrMapping bg1="dk1" tx1="lt1" bg2="dk2" tx2="lt2" accent1="accent1" accent2="accent2" accent3="accent3" accent4="accent4" accent5="accent5" accent6="accent6" hlink="hlink" folHlink="folHlink"/>
   </p:clrMapOvr>
 </p:sld>
 </file>
 
-<file path=ppt/slides/slide10.xml><?xml version="1.0" encoding="utf-8"?>
+<file path=ppt/slides/slide3.xml><?xml version="1.0" encoding="utf-8"?>
 <p:sld xmlns:a="http://schemas.openxmlformats.org/drawingml/2006/main" xmlns:r="http://schemas.openxmlformats.org/officeDocument/2006/relationships" xmlns:p="http://schemas.openxmlformats.org/presentationml/2006/main">
   <p:cSld>
+    <p:bg>
+      <p:bgPr>
+        <a:solidFill>
+          <a:srgbClr val="404040"/>
+        </a:solidFill>
+        <a:effectLst/>
+      </p:bgPr>
+    </p:bg>
     <p:spTree>
       <p:nvGrpSpPr>
         <p:cNvPr id="1" name=""/>
@@ -3459,10 +7350,291 @@
       </p:grpSpPr>
       <p:sp>
         <p:nvSpPr>
+          <p:cNvPr id="8" name="Rectangle 7">
+            <a:extLst>
+              <a:ext uri="{FF2B5EF4-FFF2-40B4-BE49-F238E27FC236}">
+                <a16:creationId xmlns:a16="http://schemas.microsoft.com/office/drawing/2014/main" id="{EA67B5B4-3A24-436E-B663-1B2EBFF8A0CD}"/>
+              </a:ext>
+              <a:ext uri="{C183D7F6-B498-43B3-948B-1728B52AA6E4}">
+                <adec:decorative xmlns:adec="http://schemas.microsoft.com/office/drawing/2017/decorative" val="1"/>
+              </a:ext>
+            </a:extLst>
+          </p:cNvPr>
+          <p:cNvSpPr>
+            <a:spLocks noGrp="1" noRot="1" noChangeAspect="1" noMove="1" noResize="1" noEditPoints="1" noAdjustHandles="1" noChangeArrowheads="1" noChangeShapeType="1" noTextEdit="1"/>
+          </p:cNvSpPr>
+          <p:nvPr>
+            <p:extLst>
+              <p:ext uri="{386F3935-93C4-4BCD-93E2-E3B085C9AB24}">
+                <p16:designElem xmlns:p16="http://schemas.microsoft.com/office/powerpoint/2015/main" val="1"/>
+              </p:ext>
+            </p:extLst>
+          </p:nvPr>
+        </p:nvSpPr>
+        <p:spPr>
+          <a:xfrm>
+            <a:off x="0" y="-3324"/>
+            <a:ext cx="12192000" cy="6861324"/>
+          </a:xfrm>
+          <a:prstGeom prst="rect">
+            <a:avLst/>
+          </a:prstGeom>
+          <a:solidFill>
+            <a:srgbClr val="404040"/>
+          </a:solidFill>
+          <a:ln>
+            <a:noFill/>
+          </a:ln>
+        </p:spPr>
+        <p:style>
+          <a:lnRef idx="2">
+            <a:schemeClr val="accent1">
+              <a:shade val="50000"/>
+            </a:schemeClr>
+          </a:lnRef>
+          <a:fillRef idx="1">
+            <a:schemeClr val="accent1"/>
+          </a:fillRef>
+          <a:effectRef idx="0">
+            <a:schemeClr val="accent1"/>
+          </a:effectRef>
+          <a:fontRef idx="minor">
+            <a:schemeClr val="lt1"/>
+          </a:fontRef>
+        </p:style>
+        <p:txBody>
+          <a:bodyPr rtlCol="0" anchor="ctr"/>
+          <a:lstStyle/>
+          <a:p>
+            <a:pPr algn="ctr"/>
+            <a:endParaRPr lang="en-US"/>
+          </a:p>
+        </p:txBody>
+      </p:sp>
+      <p:sp>
+        <p:nvSpPr>
+          <p:cNvPr id="10" name="Freeform 13">
+            <a:extLst>
+              <a:ext uri="{FF2B5EF4-FFF2-40B4-BE49-F238E27FC236}">
+                <a16:creationId xmlns:a16="http://schemas.microsoft.com/office/drawing/2014/main" id="{987FDF89-C993-41F4-A1B8-DBAFF16008A9}"/>
+              </a:ext>
+              <a:ext uri="{C183D7F6-B498-43B3-948B-1728B52AA6E4}">
+                <adec:decorative xmlns:adec="http://schemas.microsoft.com/office/drawing/2017/decorative" val="1"/>
+              </a:ext>
+            </a:extLst>
+          </p:cNvPr>
+          <p:cNvSpPr>
+            <a:spLocks noGrp="1" noRot="1" noChangeAspect="1" noMove="1" noResize="1" noEditPoints="1" noAdjustHandles="1" noChangeArrowheads="1" noChangeShapeType="1" noTextEdit="1"/>
+          </p:cNvSpPr>
+          <p:nvPr>
+            <p:extLst>
+              <p:ext uri="{386F3935-93C4-4BCD-93E2-E3B085C9AB24}">
+                <p16:designElem xmlns:p16="http://schemas.microsoft.com/office/powerpoint/2015/main" val="1"/>
+              </p:ext>
+            </p:extLst>
+          </p:nvPr>
+        </p:nvSpPr>
+        <p:spPr>
+          <a:xfrm>
+            <a:off x="0" y="0"/>
+            <a:ext cx="11786754" cy="6858000"/>
+          </a:xfrm>
+          <a:custGeom>
+            <a:avLst/>
+            <a:gdLst>
+              <a:gd name="connsiteX0" fmla="*/ 0 w 11786754"/>
+              <a:gd name="connsiteY0" fmla="*/ 0 h 6858000"/>
+              <a:gd name="connsiteX1" fmla="*/ 8610600 w 11786754"/>
+              <a:gd name="connsiteY1" fmla="*/ 0 h 6858000"/>
+              <a:gd name="connsiteX2" fmla="*/ 11786754 w 11786754"/>
+              <a:gd name="connsiteY2" fmla="*/ 6858000 h 6858000"/>
+              <a:gd name="connsiteX3" fmla="*/ 0 w 11786754"/>
+              <a:gd name="connsiteY3" fmla="*/ 6858000 h 6858000"/>
+            </a:gdLst>
+            <a:ahLst/>
+            <a:cxnLst>
+              <a:cxn ang="0">
+                <a:pos x="connsiteX0" y="connsiteY0"/>
+              </a:cxn>
+              <a:cxn ang="0">
+                <a:pos x="connsiteX1" y="connsiteY1"/>
+              </a:cxn>
+              <a:cxn ang="0">
+                <a:pos x="connsiteX2" y="connsiteY2"/>
+              </a:cxn>
+              <a:cxn ang="0">
+                <a:pos x="connsiteX3" y="connsiteY3"/>
+              </a:cxn>
+            </a:cxnLst>
+            <a:rect l="l" t="t" r="r" b="b"/>
+            <a:pathLst>
+              <a:path w="11786754" h="6858000">
+                <a:moveTo>
+                  <a:pt x="0" y="0"/>
+                </a:moveTo>
+                <a:lnTo>
+                  <a:pt x="8610600" y="0"/>
+                </a:lnTo>
+                <a:lnTo>
+                  <a:pt x="11786754" y="6858000"/>
+                </a:lnTo>
+                <a:lnTo>
+                  <a:pt x="0" y="6858000"/>
+                </a:lnTo>
+                <a:close/>
+              </a:path>
+            </a:pathLst>
+          </a:custGeom>
+          <a:solidFill>
+            <a:srgbClr val="000000">
+              <a:alpha val="29804"/>
+            </a:srgbClr>
+          </a:solidFill>
+          <a:ln>
+            <a:noFill/>
+          </a:ln>
+        </p:spPr>
+        <p:style>
+          <a:lnRef idx="2">
+            <a:schemeClr val="accent1">
+              <a:shade val="50000"/>
+            </a:schemeClr>
+          </a:lnRef>
+          <a:fillRef idx="1">
+            <a:schemeClr val="accent1"/>
+          </a:fillRef>
+          <a:effectRef idx="0">
+            <a:schemeClr val="accent1"/>
+          </a:effectRef>
+          <a:fontRef idx="minor">
+            <a:schemeClr val="lt1"/>
+          </a:fontRef>
+        </p:style>
+        <p:txBody>
+          <a:bodyPr rtlCol="0" anchor="ctr"/>
+          <a:lstStyle/>
+          <a:p>
+            <a:pPr algn="ctr"/>
+            <a:endParaRPr lang="en-US"/>
+          </a:p>
+        </p:txBody>
+      </p:sp>
+      <p:sp>
+        <p:nvSpPr>
+          <p:cNvPr id="12" name="Freeform 11">
+            <a:extLst>
+              <a:ext uri="{FF2B5EF4-FFF2-40B4-BE49-F238E27FC236}">
+                <a16:creationId xmlns:a16="http://schemas.microsoft.com/office/drawing/2014/main" id="{64E585EA-75FD-4025-8270-F66A58A15CDA}"/>
+              </a:ext>
+              <a:ext uri="{C183D7F6-B498-43B3-948B-1728B52AA6E4}">
+                <adec:decorative xmlns:adec="http://schemas.microsoft.com/office/drawing/2017/decorative" val="1"/>
+              </a:ext>
+            </a:extLst>
+          </p:cNvPr>
+          <p:cNvSpPr>
+            <a:spLocks noGrp="1" noRot="1" noChangeAspect="1" noMove="1" noResize="1" noEditPoints="1" noAdjustHandles="1" noChangeArrowheads="1" noChangeShapeType="1" noTextEdit="1"/>
+          </p:cNvSpPr>
+          <p:nvPr>
+            <p:extLst>
+              <p:ext uri="{386F3935-93C4-4BCD-93E2-E3B085C9AB24}">
+                <p16:designElem xmlns:p16="http://schemas.microsoft.com/office/powerpoint/2015/main" val="1"/>
+              </p:ext>
+            </p:extLst>
+          </p:nvPr>
+        </p:nvSpPr>
+        <p:spPr>
+          <a:xfrm>
+            <a:off x="0" y="0"/>
+            <a:ext cx="3581400" cy="6858000"/>
+          </a:xfrm>
+          <a:custGeom>
+            <a:avLst/>
+            <a:gdLst>
+              <a:gd name="connsiteX0" fmla="*/ 0 w 3581400"/>
+              <a:gd name="connsiteY0" fmla="*/ 0 h 6858000"/>
+              <a:gd name="connsiteX1" fmla="*/ 405246 w 3581400"/>
+              <a:gd name="connsiteY1" fmla="*/ 0 h 6858000"/>
+              <a:gd name="connsiteX2" fmla="*/ 3581400 w 3581400"/>
+              <a:gd name="connsiteY2" fmla="*/ 6858000 h 6858000"/>
+              <a:gd name="connsiteX3" fmla="*/ 0 w 3581400"/>
+              <a:gd name="connsiteY3" fmla="*/ 6858000 h 6858000"/>
+            </a:gdLst>
+            <a:ahLst/>
+            <a:cxnLst>
+              <a:cxn ang="0">
+                <a:pos x="connsiteX0" y="connsiteY0"/>
+              </a:cxn>
+              <a:cxn ang="0">
+                <a:pos x="connsiteX1" y="connsiteY1"/>
+              </a:cxn>
+              <a:cxn ang="0">
+                <a:pos x="connsiteX2" y="connsiteY2"/>
+              </a:cxn>
+              <a:cxn ang="0">
+                <a:pos x="connsiteX3" y="connsiteY3"/>
+              </a:cxn>
+            </a:cxnLst>
+            <a:rect l="l" t="t" r="r" b="b"/>
+            <a:pathLst>
+              <a:path w="3581400" h="6858000">
+                <a:moveTo>
+                  <a:pt x="0" y="0"/>
+                </a:moveTo>
+                <a:lnTo>
+                  <a:pt x="405246" y="0"/>
+                </a:lnTo>
+                <a:lnTo>
+                  <a:pt x="3581400" y="6858000"/>
+                </a:lnTo>
+                <a:lnTo>
+                  <a:pt x="0" y="6858000"/>
+                </a:lnTo>
+                <a:close/>
+              </a:path>
+            </a:pathLst>
+          </a:custGeom>
+          <a:solidFill>
+            <a:srgbClr val="000000">
+              <a:alpha val="29804"/>
+            </a:srgbClr>
+          </a:solidFill>
+          <a:ln>
+            <a:noFill/>
+          </a:ln>
+        </p:spPr>
+        <p:style>
+          <a:lnRef idx="2">
+            <a:schemeClr val="accent1">
+              <a:shade val="50000"/>
+            </a:schemeClr>
+          </a:lnRef>
+          <a:fillRef idx="1">
+            <a:schemeClr val="accent1"/>
+          </a:fillRef>
+          <a:effectRef idx="0">
+            <a:schemeClr val="accent1"/>
+          </a:effectRef>
+          <a:fontRef idx="minor">
+            <a:schemeClr val="lt1"/>
+          </a:fontRef>
+        </p:style>
+        <p:txBody>
+          <a:bodyPr wrap="square" rtlCol="0" anchor="ctr">
+            <a:noAutofit/>
+          </a:bodyPr>
+          <a:lstStyle/>
+          <a:p>
+            <a:pPr algn="ctr"/>
+            <a:endParaRPr lang="en-US"/>
+          </a:p>
+        </p:txBody>
+      </p:sp>
+      <p:sp>
+        <p:nvSpPr>
           <p:cNvPr id="2" name="Title 1">
             <a:extLst>
               <a:ext uri="{FF2B5EF4-FFF2-40B4-BE49-F238E27FC236}">
-                <a16:creationId xmlns:a16="http://schemas.microsoft.com/office/drawing/2014/main" id="{4E7F15B7-0593-41A2-B016-F58A5E7A0EC6}"/>
+                <a16:creationId xmlns:a16="http://schemas.microsoft.com/office/drawing/2014/main" id="{C9F13D6B-ADDC-4D9F-8F64-BFE5D3350D4E}"/>
               </a:ext>
             </a:extLst>
           </p:cNvPr>
@@ -3473,21 +7645,599 @@
             <p:ph type="title"/>
           </p:nvPr>
         </p:nvSpPr>
-        <p:spPr/>
+        <p:spPr>
+          <a:xfrm>
+            <a:off x="833002" y="365125"/>
+            <a:ext cx="10520702" cy="1325563"/>
+          </a:xfrm>
+        </p:spPr>
         <p:txBody>
-          <a:bodyPr/>
+          <a:bodyPr>
+            <a:normAutofit/>
+          </a:bodyPr>
           <a:lstStyle/>
           <a:p>
-            <a:endParaRPr lang="en-GB"/>
+            <a:r>
+              <a:rPr lang="en-GB">
+                <a:solidFill>
+                  <a:srgbClr val="FFFFFF"/>
+                </a:solidFill>
+                <a:ea typeface="+mj-lt"/>
+                <a:cs typeface="+mj-lt"/>
+              </a:rPr>
+              <a:t>Distribuição de Poisson </a:t>
+            </a:r>
+            <a:endParaRPr lang="pt-PT">
+              <a:solidFill>
+                <a:srgbClr val="FFFFFF"/>
+              </a:solidFill>
+              <a:ea typeface="+mj-lt"/>
+              <a:cs typeface="+mj-lt"/>
+            </a:endParaRPr>
           </a:p>
         </p:txBody>
       </p:sp>
+      <mc:AlternateContent xmlns:mc="http://schemas.openxmlformats.org/markup-compatibility/2006">
+        <mc:Choice xmlns:a14="http://schemas.microsoft.com/office/drawing/2010/main" Requires="a14">
+          <p:sp>
+            <p:nvSpPr>
+              <p:cNvPr id="3" name="Content Placeholder 2">
+                <a:extLst>
+                  <a:ext uri="{FF2B5EF4-FFF2-40B4-BE49-F238E27FC236}">
+                    <a16:creationId xmlns:a16="http://schemas.microsoft.com/office/drawing/2014/main" id="{EC75AD99-26BD-4FCD-9831-C1EBF240F0E8}"/>
+                  </a:ext>
+                </a:extLst>
+              </p:cNvPr>
+              <p:cNvSpPr>
+                <a:spLocks noGrp="1"/>
+              </p:cNvSpPr>
+              <p:nvPr>
+                <p:ph idx="1"/>
+              </p:nvPr>
+            </p:nvSpPr>
+            <p:spPr>
+              <a:xfrm>
+                <a:off x="838201" y="2022601"/>
+                <a:ext cx="10515598" cy="4154361"/>
+              </a:xfrm>
+            </p:spPr>
+            <p:txBody>
+              <a:bodyPr vert="horz" lIns="91440" tIns="45720" rIns="91440" bIns="45720" rtlCol="0">
+                <a:normAutofit/>
+              </a:bodyPr>
+              <a:lstStyle/>
+              <a:p>
+                <a:r>
+                  <a:rPr lang="en-GB" sz="2000" dirty="0">
+                    <a:solidFill>
+                      <a:srgbClr val="FFFFFF"/>
+                    </a:solidFill>
+                    <a:cs typeface="Calibri"/>
+                  </a:rPr>
+                  <a:t>A </a:t>
+                </a:r>
+                <a:r>
+                  <a:rPr lang="en-GB" sz="2000" dirty="0" err="1">
+                    <a:solidFill>
+                      <a:srgbClr val="FFFFFF"/>
+                    </a:solidFill>
+                    <a:cs typeface="Calibri"/>
+                  </a:rPr>
+                  <a:t>variavel</a:t>
+                </a:r>
+                <a:r>
+                  <a:rPr lang="en-GB" sz="2000" dirty="0">
+                    <a:solidFill>
+                      <a:srgbClr val="FFFFFF"/>
+                    </a:solidFill>
+                    <a:cs typeface="Calibri"/>
+                  </a:rPr>
+                  <a:t> </a:t>
+                </a:r>
+                <a:r>
+                  <a:rPr lang="en-GB" sz="2000" dirty="0" err="1">
+                    <a:solidFill>
+                      <a:srgbClr val="FFFFFF"/>
+                    </a:solidFill>
+                    <a:cs typeface="Calibri"/>
+                  </a:rPr>
+                  <a:t>aleartoria</a:t>
+                </a:r>
+                <a:r>
+                  <a:rPr lang="en-GB" sz="2000" dirty="0">
+                    <a:solidFill>
+                      <a:srgbClr val="FFFFFF"/>
+                    </a:solidFill>
+                    <a:cs typeface="Calibri"/>
+                  </a:rPr>
+                  <a:t> </a:t>
+                </a:r>
+                <a14:m>
+                  <m:oMath xmlns:m="http://schemas.openxmlformats.org/officeDocument/2006/math">
+                    <m:r>
+                      <a:rPr lang="en-US" sz="2000" b="0" i="1">
+                        <a:solidFill>
+                          <a:srgbClr val="FFFFFF"/>
+                        </a:solidFill>
+                        <a:latin typeface="Cambria Math" panose="02040503050406030204" pitchFamily="18" charset="0"/>
+                        <a:cs typeface="Calibri"/>
+                      </a:rPr>
+                      <m:t>𝑋</m:t>
+                    </m:r>
+                  </m:oMath>
+                </a14:m>
+                <a:r>
+                  <a:rPr lang="en-GB" sz="2000" dirty="0">
+                    <a:solidFill>
+                      <a:srgbClr val="FFFFFF"/>
+                    </a:solidFill>
+                    <a:cs typeface="Calibri"/>
+                  </a:rPr>
+                  <a:t> </a:t>
+                </a:r>
+                <a:r>
+                  <a:rPr lang="en-GB" sz="2000" dirty="0" err="1">
+                    <a:solidFill>
+                      <a:srgbClr val="FFFFFF"/>
+                    </a:solidFill>
+                    <a:cs typeface="Calibri"/>
+                  </a:rPr>
+                  <a:t>toma</a:t>
+                </a:r>
+                <a:r>
+                  <a:rPr lang="en-GB" sz="2000" dirty="0">
+                    <a:solidFill>
+                      <a:srgbClr val="FFFFFF"/>
+                    </a:solidFill>
+                    <a:cs typeface="Calibri"/>
+                  </a:rPr>
+                  <a:t> </a:t>
+                </a:r>
+                <a:r>
+                  <a:rPr lang="en-GB" sz="2000" dirty="0" err="1">
+                    <a:solidFill>
+                      <a:srgbClr val="FFFFFF"/>
+                    </a:solidFill>
+                    <a:cs typeface="Calibri"/>
+                  </a:rPr>
+                  <a:t>valores</a:t>
+                </a:r>
+                <a:r>
+                  <a:rPr lang="en-GB" sz="2000" dirty="0">
+                    <a:solidFill>
+                      <a:srgbClr val="FFFFFF"/>
+                    </a:solidFill>
+                    <a:cs typeface="Calibri"/>
+                  </a:rPr>
+                  <a:t> </a:t>
+                </a:r>
+                <a:r>
+                  <a:rPr lang="en-GB" sz="2000" dirty="0" err="1">
+                    <a:solidFill>
+                      <a:srgbClr val="FFFFFF"/>
+                    </a:solidFill>
+                    <a:cs typeface="Calibri"/>
+                  </a:rPr>
+                  <a:t>discretos</a:t>
+                </a:r>
+                <a:r>
+                  <a:rPr lang="en-GB" sz="2000" dirty="0">
+                    <a:solidFill>
+                      <a:srgbClr val="FFFFFF"/>
+                    </a:solidFill>
+                    <a:cs typeface="Calibri"/>
+                  </a:rPr>
+                  <a:t> </a:t>
+                </a:r>
+                <a14:m>
+                  <m:oMath xmlns:m="http://schemas.openxmlformats.org/officeDocument/2006/math">
+                    <m:r>
+                      <a:rPr lang="en-US" sz="2000" b="0" i="1">
+                        <a:solidFill>
+                          <a:srgbClr val="FFFFFF"/>
+                        </a:solidFill>
+                        <a:latin typeface="Cambria Math" panose="02040503050406030204" pitchFamily="18" charset="0"/>
+                        <a:cs typeface="Calibri"/>
+                      </a:rPr>
+                      <m:t>𝑥</m:t>
+                    </m:r>
+                    <m:r>
+                      <a:rPr lang="en-US" sz="2000" b="0" i="1">
+                        <a:solidFill>
+                          <a:srgbClr val="FFFFFF"/>
+                        </a:solidFill>
+                        <a:latin typeface="Cambria Math" panose="02040503050406030204" pitchFamily="18" charset="0"/>
+                        <a:ea typeface="Cambria Math" panose="02040503050406030204" pitchFamily="18" charset="0"/>
+                        <a:cs typeface="Calibri"/>
+                      </a:rPr>
+                      <m:t>𝜖</m:t>
+                    </m:r>
+                    <m:sSup>
+                      <m:sSupPr>
+                        <m:ctrlPr>
+                          <a:rPr lang="en-US" sz="2000" b="0" i="1">
+                            <a:solidFill>
+                              <a:srgbClr val="FFFFFF"/>
+                            </a:solidFill>
+                            <a:latin typeface="Cambria Math" panose="02040503050406030204" pitchFamily="18" charset="0"/>
+                            <a:ea typeface="Cambria Math" panose="02040503050406030204" pitchFamily="18" charset="0"/>
+                            <a:cs typeface="Calibri"/>
+                          </a:rPr>
+                        </m:ctrlPr>
+                      </m:sSupPr>
+                      <m:e>
+                        <m:r>
+                          <a:rPr lang="en-US" sz="2000" b="0" i="1">
+                            <a:solidFill>
+                              <a:srgbClr val="FFFFFF"/>
+                            </a:solidFill>
+                            <a:latin typeface="Cambria Math" panose="02040503050406030204" pitchFamily="18" charset="0"/>
+                            <a:ea typeface="Cambria Math" panose="02040503050406030204" pitchFamily="18" charset="0"/>
+                            <a:cs typeface="Calibri"/>
+                          </a:rPr>
+                          <m:t>𝑍</m:t>
+                        </m:r>
+                      </m:e>
+                      <m:sup>
+                        <m:r>
+                          <a:rPr lang="en-US" sz="2000" b="0" i="1">
+                            <a:solidFill>
+                              <a:srgbClr val="FFFFFF"/>
+                            </a:solidFill>
+                            <a:latin typeface="Cambria Math" panose="02040503050406030204" pitchFamily="18" charset="0"/>
+                            <a:ea typeface="Cambria Math" panose="02040503050406030204" pitchFamily="18" charset="0"/>
+                            <a:cs typeface="Calibri"/>
+                          </a:rPr>
+                          <m:t>+</m:t>
+                        </m:r>
+                      </m:sup>
+                    </m:sSup>
+                  </m:oMath>
+                </a14:m>
+                <a:endParaRPr lang="en-GB" sz="2000" dirty="0">
+                  <a:solidFill>
+                    <a:srgbClr val="FFFFFF"/>
+                  </a:solidFill>
+                  <a:cs typeface="Calibri"/>
+                </a:endParaRPr>
+              </a:p>
+              <a:p>
+                <a:r>
+                  <a:rPr lang="en-GB" sz="2000" dirty="0" err="1">
+                    <a:solidFill>
+                      <a:srgbClr val="FFFFFF"/>
+                    </a:solidFill>
+                    <a:cs typeface="Calibri"/>
+                  </a:rPr>
+                  <a:t>Cada</a:t>
+                </a:r>
+                <a:r>
+                  <a:rPr lang="en-GB" sz="2000" dirty="0">
+                    <a:solidFill>
+                      <a:srgbClr val="FFFFFF"/>
+                    </a:solidFill>
+                    <a:cs typeface="Calibri"/>
+                  </a:rPr>
+                  <a:t> </a:t>
+                </a:r>
+                <a:r>
+                  <a:rPr lang="en-GB" sz="2000" dirty="0" err="1">
+                    <a:solidFill>
+                      <a:srgbClr val="FFFFFF"/>
+                    </a:solidFill>
+                    <a:cs typeface="Calibri"/>
+                  </a:rPr>
+                  <a:t>evento</a:t>
+                </a:r>
+                <a:r>
+                  <a:rPr lang="en-GB" sz="2000" dirty="0">
+                    <a:solidFill>
+                      <a:srgbClr val="FFFFFF"/>
+                    </a:solidFill>
+                    <a:cs typeface="Calibri"/>
+                  </a:rPr>
+                  <a:t> é </a:t>
+                </a:r>
+                <a:r>
+                  <a:rPr lang="en-GB" sz="2000" dirty="0" err="1">
+                    <a:solidFill>
+                      <a:srgbClr val="FFFFFF"/>
+                    </a:solidFill>
+                    <a:cs typeface="Calibri"/>
+                  </a:rPr>
+                  <a:t>independente</a:t>
+                </a:r>
+                <a:endParaRPr lang="en-GB" sz="2000" dirty="0">
+                  <a:solidFill>
+                    <a:srgbClr val="FFFFFF"/>
+                  </a:solidFill>
+                  <a:cs typeface="Calibri"/>
+                </a:endParaRPr>
+              </a:p>
+              <a:p>
+                <a:r>
+                  <a:rPr lang="en-GB" sz="2000" dirty="0">
+                    <a:solidFill>
+                      <a:srgbClr val="FFFFFF"/>
+                    </a:solidFill>
+                    <a:cs typeface="Calibri"/>
+                  </a:rPr>
+                  <a:t>A </a:t>
+                </a:r>
+                <a:r>
+                  <a:rPr lang="en-GB" sz="2000" dirty="0" err="1">
+                    <a:solidFill>
+                      <a:srgbClr val="FFFFFF"/>
+                    </a:solidFill>
+                    <a:cs typeface="Calibri"/>
+                  </a:rPr>
+                  <a:t>sua</a:t>
+                </a:r>
+                <a:r>
+                  <a:rPr lang="en-GB" sz="2000" dirty="0">
+                    <a:solidFill>
+                      <a:srgbClr val="FFFFFF"/>
+                    </a:solidFill>
+                    <a:cs typeface="Calibri"/>
+                  </a:rPr>
+                  <a:t> </a:t>
+                </a:r>
+                <a:r>
+                  <a:rPr lang="en-GB" sz="2000" dirty="0" err="1">
+                    <a:solidFill>
+                      <a:srgbClr val="FFFFFF"/>
+                    </a:solidFill>
+                    <a:cs typeface="Calibri"/>
+                  </a:rPr>
+                  <a:t>descrição</a:t>
+                </a:r>
+                <a:r>
+                  <a:rPr lang="en-GB" sz="2000" dirty="0">
+                    <a:solidFill>
+                      <a:srgbClr val="FFFFFF"/>
+                    </a:solidFill>
+                    <a:cs typeface="Calibri"/>
+                  </a:rPr>
+                  <a:t> é </a:t>
+                </a:r>
+                <a:r>
+                  <a:rPr lang="en-GB" sz="2000" dirty="0" err="1">
+                    <a:solidFill>
+                      <a:srgbClr val="FFFFFF"/>
+                    </a:solidFill>
+                    <a:cs typeface="Calibri"/>
+                  </a:rPr>
+                  <a:t>feita</a:t>
+                </a:r>
+                <a:r>
+                  <a:rPr lang="en-GB" sz="2000" dirty="0">
+                    <a:solidFill>
+                      <a:srgbClr val="FFFFFF"/>
+                    </a:solidFill>
+                    <a:cs typeface="Calibri"/>
+                  </a:rPr>
+                  <a:t> </a:t>
+                </a:r>
+                <a:r>
+                  <a:rPr lang="en-GB" sz="2000" dirty="0" err="1">
+                    <a:solidFill>
+                      <a:srgbClr val="FFFFFF"/>
+                    </a:solidFill>
+                    <a:cs typeface="Calibri"/>
+                  </a:rPr>
+                  <a:t>sobre</a:t>
+                </a:r>
+                <a:r>
+                  <a:rPr lang="en-GB" sz="2000" dirty="0">
+                    <a:solidFill>
+                      <a:srgbClr val="FFFFFF"/>
+                    </a:solidFill>
+                    <a:cs typeface="Calibri"/>
+                  </a:rPr>
+                  <a:t> um interval (tempo, </a:t>
+                </a:r>
+                <a:r>
+                  <a:rPr lang="en-GB" sz="2000" dirty="0" err="1">
+                    <a:solidFill>
+                      <a:srgbClr val="FFFFFF"/>
+                    </a:solidFill>
+                    <a:cs typeface="Calibri"/>
+                  </a:rPr>
+                  <a:t>espaço</a:t>
+                </a:r>
+                <a:r>
+                  <a:rPr lang="en-GB" sz="2000" dirty="0">
+                    <a:solidFill>
+                      <a:srgbClr val="FFFFFF"/>
+                    </a:solidFill>
+                    <a:cs typeface="Calibri"/>
+                  </a:rPr>
+                  <a:t> </a:t>
+                </a:r>
+                <a:r>
+                  <a:rPr lang="en-GB" sz="2000" dirty="0" err="1">
+                    <a:solidFill>
+                      <a:srgbClr val="FFFFFF"/>
+                    </a:solidFill>
+                    <a:cs typeface="Calibri"/>
+                  </a:rPr>
+                  <a:t>ou</a:t>
+                </a:r>
+                <a:r>
+                  <a:rPr lang="en-GB" sz="2000" dirty="0">
+                    <a:solidFill>
+                      <a:srgbClr val="FFFFFF"/>
+                    </a:solidFill>
+                    <a:cs typeface="Calibri"/>
+                  </a:rPr>
+                  <a:t> ambos)</a:t>
+                </a:r>
+              </a:p>
+              <a:p>
+                <a:r>
+                  <a:rPr lang="en-GB" sz="2000" dirty="0">
+                    <a:solidFill>
+                      <a:srgbClr val="FFFFFF"/>
+                    </a:solidFill>
+                    <a:cs typeface="Calibri"/>
+                  </a:rPr>
+                  <a:t>O </a:t>
+                </a:r>
+                <a:r>
+                  <a:rPr lang="en-GB" sz="2000" dirty="0" err="1">
+                    <a:solidFill>
+                      <a:srgbClr val="FFFFFF"/>
+                    </a:solidFill>
+                    <a:cs typeface="Calibri"/>
+                  </a:rPr>
+                  <a:t>valor</a:t>
+                </a:r>
+                <a:r>
+                  <a:rPr lang="en-GB" sz="2000" dirty="0">
+                    <a:solidFill>
+                      <a:srgbClr val="FFFFFF"/>
+                    </a:solidFill>
+                    <a:cs typeface="Calibri"/>
+                  </a:rPr>
+                  <a:t> </a:t>
+                </a:r>
+                <a:r>
+                  <a:rPr lang="en-GB" sz="2000" dirty="0" err="1">
+                    <a:solidFill>
+                      <a:srgbClr val="FFFFFF"/>
+                    </a:solidFill>
+                    <a:cs typeface="Calibri"/>
+                  </a:rPr>
+                  <a:t>expectavel</a:t>
+                </a:r>
+                <a:r>
+                  <a:rPr lang="en-GB" sz="2000" dirty="0">
+                    <a:solidFill>
+                      <a:srgbClr val="FFFFFF"/>
+                    </a:solidFill>
+                    <a:cs typeface="Calibri"/>
+                  </a:rPr>
+                  <a:t> é </a:t>
+                </a:r>
+                <a:r>
+                  <a:rPr lang="en-GB" sz="2000" dirty="0" err="1">
+                    <a:solidFill>
+                      <a:srgbClr val="FFFFFF"/>
+                    </a:solidFill>
+                    <a:cs typeface="Calibri"/>
+                  </a:rPr>
+                  <a:t>constante</a:t>
+                </a:r>
+                <a:r>
+                  <a:rPr lang="en-GB" sz="2000" dirty="0">
+                    <a:solidFill>
+                      <a:srgbClr val="FFFFFF"/>
+                    </a:solidFill>
+                    <a:cs typeface="Calibri"/>
+                  </a:rPr>
+                  <a:t> </a:t>
+                </a:r>
+              </a:p>
+              <a:p>
+                <a:pPr marL="0" indent="0">
+                  <a:buNone/>
+                </a:pPr>
+                <a:endParaRPr lang="en-GB" sz="2000" dirty="0">
+                  <a:solidFill>
+                    <a:srgbClr val="FFFFFF"/>
+                  </a:solidFill>
+                  <a:cs typeface="Calibri"/>
+                </a:endParaRPr>
+              </a:p>
+            </p:txBody>
+          </p:sp>
+        </mc:Choice>
+        <mc:Fallback>
+          <p:sp>
+            <p:nvSpPr>
+              <p:cNvPr id="3" name="Content Placeholder 2">
+                <a:extLst>
+                  <a:ext uri="{FF2B5EF4-FFF2-40B4-BE49-F238E27FC236}">
+                    <a16:creationId xmlns:a16="http://schemas.microsoft.com/office/drawing/2014/main" id="{EC75AD99-26BD-4FCD-9831-C1EBF240F0E8}"/>
+                  </a:ext>
+                </a:extLst>
+              </p:cNvPr>
+              <p:cNvSpPr>
+                <a:spLocks noGrp="1" noRot="1" noChangeAspect="1" noMove="1" noResize="1" noEditPoints="1" noAdjustHandles="1" noChangeArrowheads="1" noChangeShapeType="1" noTextEdit="1"/>
+              </p:cNvSpPr>
+              <p:nvPr>
+                <p:ph idx="1"/>
+              </p:nvPr>
+            </p:nvSpPr>
+            <p:spPr>
+              <a:xfrm>
+                <a:off x="838201" y="2022601"/>
+                <a:ext cx="10515598" cy="4154361"/>
+              </a:xfrm>
+              <a:blipFill>
+                <a:blip r:embed="rId2"/>
+                <a:stretch>
+                  <a:fillRect l="-522" t="-1615"/>
+                </a:stretch>
+              </a:blipFill>
+            </p:spPr>
+            <p:txBody>
+              <a:bodyPr/>
+              <a:lstStyle/>
+              <a:p>
+                <a:r>
+                  <a:rPr lang="en-GB">
+                    <a:noFill/>
+                  </a:rPr>
+                  <a:t> </a:t>
+                </a:r>
+              </a:p>
+            </p:txBody>
+          </p:sp>
+        </mc:Fallback>
+      </mc:AlternateContent>
+      <p:pic>
+        <p:nvPicPr>
+          <p:cNvPr id="7" name="Picture 6" descr="Icon&#10;&#10;Description automatically generated">
+            <a:extLst>
+              <a:ext uri="{FF2B5EF4-FFF2-40B4-BE49-F238E27FC236}">
+                <a16:creationId xmlns:a16="http://schemas.microsoft.com/office/drawing/2014/main" id="{19B7E34A-47C0-4EEC-A11B-72B0353F9BB5}"/>
+              </a:ext>
+            </a:extLst>
+          </p:cNvPr>
+          <p:cNvPicPr>
+            <a:picLocks noChangeAspect="1"/>
+          </p:cNvPicPr>
+          <p:nvPr/>
+        </p:nvPicPr>
+        <p:blipFill>
+          <a:blip r:embed="rId3">
+            <a:extLst>
+              <a:ext uri="{28A0092B-C50C-407E-A947-70E740481C1C}">
+                <a14:useLocalDpi xmlns:a14="http://schemas.microsoft.com/office/drawing/2010/main" val="0"/>
+              </a:ext>
+            </a:extLst>
+          </a:blip>
+          <a:stretch>
+            <a:fillRect/>
+          </a:stretch>
+        </p:blipFill>
+        <p:spPr>
+          <a:xfrm>
+            <a:off x="10015899" y="365125"/>
+            <a:ext cx="1770855" cy="883219"/>
+          </a:xfrm>
+          <a:prstGeom prst="rect">
+            <a:avLst/>
+          </a:prstGeom>
+        </p:spPr>
+      </p:pic>
       <p:sp>
         <p:nvSpPr>
-          <p:cNvPr id="3" name="Content Placeholder 2">
+          <p:cNvPr id="4" name="Slide Number Placeholder 3">
             <a:extLst>
               <a:ext uri="{FF2B5EF4-FFF2-40B4-BE49-F238E27FC236}">
-                <a16:creationId xmlns:a16="http://schemas.microsoft.com/office/drawing/2014/main" id="{6D606527-6EDD-4A9B-83FE-DF4ACFF77922}"/>
+                <a16:creationId xmlns:a16="http://schemas.microsoft.com/office/drawing/2014/main" id="{19131274-E23A-4362-A10B-191E50E068F7}"/>
               </a:ext>
             </a:extLst>
           </p:cNvPr>
@@ -3495,7 +8245,7 @@
             <a:spLocks noGrp="1"/>
           </p:cNvSpPr>
           <p:nvPr>
-            <p:ph idx="1"/>
+            <p:ph type="sldNum" sz="quarter" idx="12"/>
           </p:nvPr>
         </p:nvSpPr>
         <p:spPr/>
@@ -3503,26 +8253,179 @@
           <a:bodyPr/>
           <a:lstStyle/>
           <a:p>
+            <a:fld id="{4310B044-6F84-4299-A58B-8057292127B9}" type="slidenum">
+              <a:rPr lang="en-GB" smtClean="0"/>
+              <a:t>3</a:t>
+            </a:fld>
             <a:endParaRPr lang="en-GB"/>
           </a:p>
         </p:txBody>
       </p:sp>
+      <p:pic>
+        <p:nvPicPr>
+          <p:cNvPr id="6146" name="Picture 2" descr="Pushwoosh Emails">
+            <a:extLst>
+              <a:ext uri="{FF2B5EF4-FFF2-40B4-BE49-F238E27FC236}">
+                <a16:creationId xmlns:a16="http://schemas.microsoft.com/office/drawing/2014/main" id="{3B8E4815-DB78-4C4E-95BC-C2A1518C9549}"/>
+              </a:ext>
+            </a:extLst>
+          </p:cNvPr>
+          <p:cNvPicPr>
+            <a:picLocks noChangeAspect="1" noChangeArrowheads="1"/>
+          </p:cNvPicPr>
+          <p:nvPr/>
+        </p:nvPicPr>
+        <p:blipFill>
+          <a:blip r:embed="rId4">
+            <a:extLst>
+              <a:ext uri="{28A0092B-C50C-407E-A947-70E740481C1C}">
+                <a14:useLocalDpi xmlns:a14="http://schemas.microsoft.com/office/drawing/2010/main" val="0"/>
+              </a:ext>
+            </a:extLst>
+          </a:blip>
+          <a:srcRect/>
+          <a:stretch>
+            <a:fillRect/>
+          </a:stretch>
+        </p:blipFill>
+        <p:spPr bwMode="auto">
+          <a:xfrm>
+            <a:off x="1204173" y="4099781"/>
+            <a:ext cx="2593704" cy="2309905"/>
+          </a:xfrm>
+          <a:prstGeom prst="rect">
+            <a:avLst/>
+          </a:prstGeom>
+          <a:noFill/>
+          <a:extLst>
+            <a:ext uri="{909E8E84-426E-40DD-AFC4-6F175D3DCCD1}">
+              <a14:hiddenFill xmlns:a14="http://schemas.microsoft.com/office/drawing/2010/main">
+                <a:solidFill>
+                  <a:srgbClr val="FFFFFF"/>
+                </a:solidFill>
+              </a14:hiddenFill>
+            </a:ext>
+          </a:extLst>
+        </p:spPr>
+      </p:pic>
+      <p:pic>
+        <p:nvPicPr>
+          <p:cNvPr id="6148" name="Picture 4" descr="Upfronts 2017: Scent: Fresh Baked Chocolate Chip Cookies - Scentevents">
+            <a:extLst>
+              <a:ext uri="{FF2B5EF4-FFF2-40B4-BE49-F238E27FC236}">
+                <a16:creationId xmlns:a16="http://schemas.microsoft.com/office/drawing/2014/main" id="{0EA8F629-581A-45BB-B9B5-1512B20D0D4E}"/>
+              </a:ext>
+            </a:extLst>
+          </p:cNvPr>
+          <p:cNvPicPr>
+            <a:picLocks noChangeAspect="1" noChangeArrowheads="1"/>
+          </p:cNvPicPr>
+          <p:nvPr/>
+        </p:nvPicPr>
+        <p:blipFill>
+          <a:blip r:embed="rId5">
+            <a:extLst>
+              <a:ext uri="{28A0092B-C50C-407E-A947-70E740481C1C}">
+                <a14:useLocalDpi xmlns:a14="http://schemas.microsoft.com/office/drawing/2010/main" val="0"/>
+              </a:ext>
+            </a:extLst>
+          </a:blip>
+          <a:srcRect/>
+          <a:stretch>
+            <a:fillRect/>
+          </a:stretch>
+        </p:blipFill>
+        <p:spPr bwMode="auto">
+          <a:xfrm>
+            <a:off x="4785573" y="4669747"/>
+            <a:ext cx="3091440" cy="1685848"/>
+          </a:xfrm>
+          <a:prstGeom prst="rect">
+            <a:avLst/>
+          </a:prstGeom>
+          <a:noFill/>
+          <a:extLst>
+            <a:ext uri="{909E8E84-426E-40DD-AFC4-6F175D3DCCD1}">
+              <a14:hiddenFill xmlns:a14="http://schemas.microsoft.com/office/drawing/2010/main">
+                <a:solidFill>
+                  <a:srgbClr val="FFFFFF"/>
+                </a:solidFill>
+              </a14:hiddenFill>
+            </a:ext>
+          </a:extLst>
+        </p:spPr>
+      </p:pic>
+      <p:pic>
+        <p:nvPicPr>
+          <p:cNvPr id="6150" name="Picture 6" descr="Terremoto livre de direitos Vetores Clip Art ilustração  -envi0122-CoolCLIPS.com">
+            <a:extLst>
+              <a:ext uri="{FF2B5EF4-FFF2-40B4-BE49-F238E27FC236}">
+                <a16:creationId xmlns:a16="http://schemas.microsoft.com/office/drawing/2014/main" id="{8BBCD727-86E1-48D9-945C-ADD2B493758A}"/>
+              </a:ext>
+            </a:extLst>
+          </p:cNvPr>
+          <p:cNvPicPr>
+            <a:picLocks noChangeAspect="1" noChangeArrowheads="1"/>
+          </p:cNvPicPr>
+          <p:nvPr/>
+        </p:nvPicPr>
+        <p:blipFill>
+          <a:blip r:embed="rId6">
+            <a:extLst>
+              <a:ext uri="{28A0092B-C50C-407E-A947-70E740481C1C}">
+                <a14:useLocalDpi xmlns:a14="http://schemas.microsoft.com/office/drawing/2010/main" val="0"/>
+              </a:ext>
+            </a:extLst>
+          </a:blip>
+          <a:srcRect/>
+          <a:stretch>
+            <a:fillRect/>
+          </a:stretch>
+        </p:blipFill>
+        <p:spPr bwMode="auto">
+          <a:xfrm>
+            <a:off x="8577474" y="3787100"/>
+            <a:ext cx="2776230" cy="2672121"/>
+          </a:xfrm>
+          <a:prstGeom prst="rect">
+            <a:avLst/>
+          </a:prstGeom>
+          <a:noFill/>
+          <a:extLst>
+            <a:ext uri="{909E8E84-426E-40DD-AFC4-6F175D3DCCD1}">
+              <a14:hiddenFill xmlns:a14="http://schemas.microsoft.com/office/drawing/2010/main">
+                <a:solidFill>
+                  <a:srgbClr val="FFFFFF"/>
+                </a:solidFill>
+              </a14:hiddenFill>
+            </a:ext>
+          </a:extLst>
+        </p:spPr>
+      </p:pic>
     </p:spTree>
     <p:extLst>
       <p:ext uri="{BB962C8B-B14F-4D97-AF65-F5344CB8AC3E}">
-        <p14:creationId xmlns:p14="http://schemas.microsoft.com/office/powerpoint/2010/main" val="959505674"/>
+        <p14:creationId xmlns:p14="http://schemas.microsoft.com/office/powerpoint/2010/main" val="141842313"/>
       </p:ext>
     </p:extLst>
   </p:cSld>
   <p:clrMapOvr>
-    <a:masterClrMapping/>
+    <a:overrideClrMapping bg1="dk1" tx1="lt1" bg2="dk2" tx2="lt2" accent1="accent1" accent2="accent2" accent3="accent3" accent4="accent4" accent5="accent5" accent6="accent6" hlink="hlink" folHlink="folHlink"/>
   </p:clrMapOvr>
 </p:sld>
 </file>
 
-<file path=ppt/slides/slide2.xml><?xml version="1.0" encoding="utf-8"?>
+<file path=ppt/slides/slide4.xml><?xml version="1.0" encoding="utf-8"?>
 <p:sld xmlns:a="http://schemas.openxmlformats.org/drawingml/2006/main" xmlns:r="http://schemas.openxmlformats.org/officeDocument/2006/relationships" xmlns:p="http://schemas.openxmlformats.org/presentationml/2006/main">
   <p:cSld>
+    <p:bg>
+      <p:bgPr>
+        <a:solidFill>
+          <a:srgbClr val="404040"/>
+        </a:solidFill>
+        <a:effectLst/>
+      </p:bgPr>
+    </p:bg>
     <p:spTree>
       <p:nvGrpSpPr>
         <p:cNvPr id="1" name=""/>
@@ -3539,10 +8442,307 @@
       </p:grpSpPr>
       <p:sp>
         <p:nvSpPr>
+          <p:cNvPr id="17" name="Rectangle 16">
+            <a:extLst>
+              <a:ext uri="{FF2B5EF4-FFF2-40B4-BE49-F238E27FC236}">
+                <a16:creationId xmlns:a16="http://schemas.microsoft.com/office/drawing/2014/main" id="{EA67B5B4-3A24-436E-B663-1B2EBFF8A0CD}"/>
+              </a:ext>
+              <a:ext uri="{C183D7F6-B498-43B3-948B-1728B52AA6E4}">
+                <adec:decorative xmlns:adec="http://schemas.microsoft.com/office/drawing/2017/decorative" val="1"/>
+              </a:ext>
+            </a:extLst>
+          </p:cNvPr>
+          <p:cNvSpPr>
+            <a:spLocks noGrp="1" noRot="1" noChangeAspect="1" noMove="1" noResize="1" noEditPoints="1" noAdjustHandles="1" noChangeArrowheads="1" noChangeShapeType="1" noTextEdit="1"/>
+          </p:cNvSpPr>
+          <p:nvPr>
+            <p:extLst>
+              <p:ext uri="{386F3935-93C4-4BCD-93E2-E3B085C9AB24}">
+                <p16:designElem xmlns:p16="http://schemas.microsoft.com/office/powerpoint/2015/main" val="1"/>
+              </p:ext>
+            </p:extLst>
+          </p:nvPr>
+        </p:nvSpPr>
+        <p:spPr>
+          <a:xfrm>
+            <a:off x="0" y="-3324"/>
+            <a:ext cx="12192000" cy="6861324"/>
+          </a:xfrm>
+          <a:prstGeom prst="rect">
+            <a:avLst/>
+          </a:prstGeom>
+          <a:solidFill>
+            <a:srgbClr val="404040"/>
+          </a:solidFill>
+          <a:ln>
+            <a:noFill/>
+          </a:ln>
+        </p:spPr>
+        <p:style>
+          <a:lnRef idx="2">
+            <a:schemeClr val="accent1">
+              <a:shade val="50000"/>
+            </a:schemeClr>
+          </a:lnRef>
+          <a:fillRef idx="1">
+            <a:schemeClr val="accent1"/>
+          </a:fillRef>
+          <a:effectRef idx="0">
+            <a:schemeClr val="accent1"/>
+          </a:effectRef>
+          <a:fontRef idx="minor">
+            <a:schemeClr val="lt1"/>
+          </a:fontRef>
+        </p:style>
+        <p:txBody>
+          <a:bodyPr rtlCol="0" anchor="ctr"/>
+          <a:lstStyle/>
+          <a:p>
+            <a:pPr algn="ctr"/>
+            <a:endParaRPr lang="en-US"/>
+          </a:p>
+        </p:txBody>
+      </p:sp>
+      <p:sp>
+        <p:nvSpPr>
+          <p:cNvPr id="19" name="Freeform 13">
+            <a:extLst>
+              <a:ext uri="{FF2B5EF4-FFF2-40B4-BE49-F238E27FC236}">
+                <a16:creationId xmlns:a16="http://schemas.microsoft.com/office/drawing/2014/main" id="{987FDF89-C993-41F4-A1B8-DBAFF16008A9}"/>
+              </a:ext>
+              <a:ext uri="{C183D7F6-B498-43B3-948B-1728B52AA6E4}">
+                <adec:decorative xmlns:adec="http://schemas.microsoft.com/office/drawing/2017/decorative" val="1"/>
+              </a:ext>
+            </a:extLst>
+          </p:cNvPr>
+          <p:cNvSpPr>
+            <a:spLocks noGrp="1" noRot="1" noChangeAspect="1" noMove="1" noResize="1" noEditPoints="1" noAdjustHandles="1" noChangeArrowheads="1" noChangeShapeType="1" noTextEdit="1"/>
+          </p:cNvSpPr>
+          <p:nvPr>
+            <p:extLst>
+              <p:ext uri="{386F3935-93C4-4BCD-93E2-E3B085C9AB24}">
+                <p16:designElem xmlns:p16="http://schemas.microsoft.com/office/powerpoint/2015/main" val="1"/>
+              </p:ext>
+            </p:extLst>
+          </p:nvPr>
+        </p:nvSpPr>
+        <p:spPr>
+          <a:xfrm>
+            <a:off x="0" y="0"/>
+            <a:ext cx="11786754" cy="6858000"/>
+          </a:xfrm>
+          <a:custGeom>
+            <a:avLst/>
+            <a:gdLst>
+              <a:gd name="connsiteX0" fmla="*/ 0 w 11786754"/>
+              <a:gd name="connsiteY0" fmla="*/ 0 h 6858000"/>
+              <a:gd name="connsiteX1" fmla="*/ 8610600 w 11786754"/>
+              <a:gd name="connsiteY1" fmla="*/ 0 h 6858000"/>
+              <a:gd name="connsiteX2" fmla="*/ 11786754 w 11786754"/>
+              <a:gd name="connsiteY2" fmla="*/ 6858000 h 6858000"/>
+              <a:gd name="connsiteX3" fmla="*/ 0 w 11786754"/>
+              <a:gd name="connsiteY3" fmla="*/ 6858000 h 6858000"/>
+            </a:gdLst>
+            <a:ahLst/>
+            <a:cxnLst>
+              <a:cxn ang="0">
+                <a:pos x="connsiteX0" y="connsiteY0"/>
+              </a:cxn>
+              <a:cxn ang="0">
+                <a:pos x="connsiteX1" y="connsiteY1"/>
+              </a:cxn>
+              <a:cxn ang="0">
+                <a:pos x="connsiteX2" y="connsiteY2"/>
+              </a:cxn>
+              <a:cxn ang="0">
+                <a:pos x="connsiteX3" y="connsiteY3"/>
+              </a:cxn>
+            </a:cxnLst>
+            <a:rect l="l" t="t" r="r" b="b"/>
+            <a:pathLst>
+              <a:path w="11786754" h="6858000">
+                <a:moveTo>
+                  <a:pt x="0" y="0"/>
+                </a:moveTo>
+                <a:lnTo>
+                  <a:pt x="8610600" y="0"/>
+                </a:lnTo>
+                <a:lnTo>
+                  <a:pt x="11786754" y="6858000"/>
+                </a:lnTo>
+                <a:lnTo>
+                  <a:pt x="0" y="6858000"/>
+                </a:lnTo>
+                <a:close/>
+              </a:path>
+            </a:pathLst>
+          </a:custGeom>
+          <a:solidFill>
+            <a:srgbClr val="000000">
+              <a:alpha val="29804"/>
+            </a:srgbClr>
+          </a:solidFill>
+          <a:ln>
+            <a:noFill/>
+          </a:ln>
+        </p:spPr>
+        <p:style>
+          <a:lnRef idx="2">
+            <a:schemeClr val="accent1">
+              <a:shade val="50000"/>
+            </a:schemeClr>
+          </a:lnRef>
+          <a:fillRef idx="1">
+            <a:schemeClr val="accent1"/>
+          </a:fillRef>
+          <a:effectRef idx="0">
+            <a:schemeClr val="accent1"/>
+          </a:effectRef>
+          <a:fontRef idx="minor">
+            <a:schemeClr val="lt1"/>
+          </a:fontRef>
+        </p:style>
+        <p:txBody>
+          <a:bodyPr rtlCol="0" anchor="ctr"/>
+          <a:lstStyle/>
+          <a:p>
+            <a:pPr algn="ctr"/>
+            <a:endParaRPr lang="en-US"/>
+          </a:p>
+        </p:txBody>
+      </p:sp>
+      <p:sp>
+        <p:nvSpPr>
+          <p:cNvPr id="21" name="Freeform: Shape 20">
+            <a:extLst>
+              <a:ext uri="{FF2B5EF4-FFF2-40B4-BE49-F238E27FC236}">
+                <a16:creationId xmlns:a16="http://schemas.microsoft.com/office/drawing/2014/main" id="{D1D7179B-FF7C-482F-B3D9-2BE9ED1139F9}"/>
+              </a:ext>
+              <a:ext uri="{C183D7F6-B498-43B3-948B-1728B52AA6E4}">
+                <adec:decorative xmlns:adec="http://schemas.microsoft.com/office/drawing/2017/decorative" val="1"/>
+              </a:ext>
+            </a:extLst>
+          </p:cNvPr>
+          <p:cNvSpPr>
+            <a:spLocks noGrp="1" noRot="1" noChangeAspect="1" noMove="1" noResize="1" noEditPoints="1" noAdjustHandles="1" noChangeArrowheads="1" noChangeShapeType="1" noTextEdit="1"/>
+          </p:cNvSpPr>
+          <p:nvPr>
+            <p:extLst>
+              <p:ext uri="{386F3935-93C4-4BCD-93E2-E3B085C9AB24}">
+                <p16:designElem xmlns:p16="http://schemas.microsoft.com/office/powerpoint/2015/main" val="1"/>
+              </p:ext>
+            </p:extLst>
+          </p:nvPr>
+        </p:nvSpPr>
+        <p:spPr>
+          <a:xfrm>
+            <a:off x="0" y="0"/>
+            <a:ext cx="6210300" cy="6858000"/>
+          </a:xfrm>
+          <a:custGeom>
+            <a:avLst/>
+            <a:gdLst>
+              <a:gd name="connsiteX0" fmla="*/ 0 w 6210300"/>
+              <a:gd name="connsiteY0" fmla="*/ 0 h 6858000"/>
+              <a:gd name="connsiteX1" fmla="*/ 2628900 w 6210300"/>
+              <a:gd name="connsiteY1" fmla="*/ 0 h 6858000"/>
+              <a:gd name="connsiteX2" fmla="*/ 3034146 w 6210300"/>
+              <a:gd name="connsiteY2" fmla="*/ 0 h 6858000"/>
+              <a:gd name="connsiteX3" fmla="*/ 6210300 w 6210300"/>
+              <a:gd name="connsiteY3" fmla="*/ 6858000 h 6858000"/>
+              <a:gd name="connsiteX4" fmla="*/ 2628900 w 6210300"/>
+              <a:gd name="connsiteY4" fmla="*/ 6858000 h 6858000"/>
+              <a:gd name="connsiteX5" fmla="*/ 0 w 6210300"/>
+              <a:gd name="connsiteY5" fmla="*/ 6858000 h 6858000"/>
+            </a:gdLst>
+            <a:ahLst/>
+            <a:cxnLst>
+              <a:cxn ang="0">
+                <a:pos x="connsiteX0" y="connsiteY0"/>
+              </a:cxn>
+              <a:cxn ang="0">
+                <a:pos x="connsiteX1" y="connsiteY1"/>
+              </a:cxn>
+              <a:cxn ang="0">
+                <a:pos x="connsiteX2" y="connsiteY2"/>
+              </a:cxn>
+              <a:cxn ang="0">
+                <a:pos x="connsiteX3" y="connsiteY3"/>
+              </a:cxn>
+              <a:cxn ang="0">
+                <a:pos x="connsiteX4" y="connsiteY4"/>
+              </a:cxn>
+              <a:cxn ang="0">
+                <a:pos x="connsiteX5" y="connsiteY5"/>
+              </a:cxn>
+            </a:cxnLst>
+            <a:rect l="l" t="t" r="r" b="b"/>
+            <a:pathLst>
+              <a:path w="6210300" h="6858000">
+                <a:moveTo>
+                  <a:pt x="0" y="0"/>
+                </a:moveTo>
+                <a:lnTo>
+                  <a:pt x="2628900" y="0"/>
+                </a:lnTo>
+                <a:lnTo>
+                  <a:pt x="3034146" y="0"/>
+                </a:lnTo>
+                <a:lnTo>
+                  <a:pt x="6210300" y="6858000"/>
+                </a:lnTo>
+                <a:lnTo>
+                  <a:pt x="2628900" y="6858000"/>
+                </a:lnTo>
+                <a:lnTo>
+                  <a:pt x="0" y="6858000"/>
+                </a:lnTo>
+                <a:close/>
+              </a:path>
+            </a:pathLst>
+          </a:custGeom>
+          <a:solidFill>
+            <a:srgbClr val="000000">
+              <a:alpha val="29804"/>
+            </a:srgbClr>
+          </a:solidFill>
+          <a:ln>
+            <a:noFill/>
+          </a:ln>
+        </p:spPr>
+        <p:style>
+          <a:lnRef idx="2">
+            <a:schemeClr val="accent1">
+              <a:shade val="50000"/>
+            </a:schemeClr>
+          </a:lnRef>
+          <a:fillRef idx="1">
+            <a:schemeClr val="accent1"/>
+          </a:fillRef>
+          <a:effectRef idx="0">
+            <a:schemeClr val="accent1"/>
+          </a:effectRef>
+          <a:fontRef idx="minor">
+            <a:schemeClr val="lt1"/>
+          </a:fontRef>
+        </p:style>
+        <p:txBody>
+          <a:bodyPr wrap="square" rtlCol="0" anchor="ctr">
+            <a:noAutofit/>
+          </a:bodyPr>
+          <a:lstStyle/>
+          <a:p>
+            <a:pPr algn="ctr"/>
+            <a:endParaRPr lang="en-US"/>
+          </a:p>
+        </p:txBody>
+      </p:sp>
+      <p:sp>
+        <p:nvSpPr>
           <p:cNvPr id="2" name="Title 1">
             <a:extLst>
               <a:ext uri="{FF2B5EF4-FFF2-40B4-BE49-F238E27FC236}">
-                <a16:creationId xmlns:a16="http://schemas.microsoft.com/office/drawing/2014/main" id="{A90D1A64-2A9D-4122-9AF7-59CDF0D95CE7}"/>
+                <a16:creationId xmlns:a16="http://schemas.microsoft.com/office/drawing/2014/main" id="{770AEAC1-D00D-4613-95F0-71CF1560AD62}"/>
               </a:ext>
             </a:extLst>
           </p:cNvPr>
@@ -3553,25 +8753,808 @@
             <p:ph type="title"/>
           </p:nvPr>
         </p:nvSpPr>
-        <p:spPr/>
+        <p:spPr>
+          <a:xfrm>
+            <a:off x="833002" y="365125"/>
+            <a:ext cx="3973667" cy="5811837"/>
+          </a:xfrm>
+        </p:spPr>
         <p:txBody>
-          <a:bodyPr/>
+          <a:bodyPr>
+            <a:normAutofit/>
+          </a:bodyPr>
           <a:lstStyle/>
           <a:p>
             <a:r>
-              <a:rPr lang="en-GB" dirty="0" err="1"/>
-              <a:t>Indice</a:t>
+              <a:rPr lang="en-GB" dirty="0" err="1">
+                <a:solidFill>
+                  <a:srgbClr val="FFFFFF"/>
+                </a:solidFill>
+                <a:cs typeface="Calibri Light"/>
+              </a:rPr>
+              <a:t>Definição</a:t>
             </a:r>
-            <a:endParaRPr lang="en-GB" dirty="0"/>
+            <a:r>
+              <a:rPr lang="en-GB" dirty="0">
+                <a:solidFill>
+                  <a:srgbClr val="FFFFFF"/>
+                </a:solidFill>
+                <a:cs typeface="Calibri Light"/>
+              </a:rPr>
+              <a:t> </a:t>
+            </a:r>
+            <a:r>
+              <a:rPr lang="en-GB" dirty="0" err="1">
+                <a:solidFill>
+                  <a:srgbClr val="FFFFFF"/>
+                </a:solidFill>
+                <a:cs typeface="Calibri Light"/>
+              </a:rPr>
+              <a:t>Matemática</a:t>
+            </a:r>
+            <a:endParaRPr lang="en-GB" dirty="0">
+              <a:solidFill>
+                <a:srgbClr val="FFFFFF"/>
+              </a:solidFill>
+            </a:endParaRPr>
           </a:p>
         </p:txBody>
       </p:sp>
+      <mc:AlternateContent xmlns:mc="http://schemas.openxmlformats.org/markup-compatibility/2006">
+        <mc:Choice xmlns:a14="http://schemas.microsoft.com/office/drawing/2010/main" Requires="a14">
+          <p:sp>
+            <p:nvSpPr>
+              <p:cNvPr id="3" name="Content Placeholder 2">
+                <a:extLst>
+                  <a:ext uri="{FF2B5EF4-FFF2-40B4-BE49-F238E27FC236}">
+                    <a16:creationId xmlns:a16="http://schemas.microsoft.com/office/drawing/2014/main" id="{1B8160BC-DBAF-4CF3-815A-DFCC0C01BC4D}"/>
+                  </a:ext>
+                </a:extLst>
+              </p:cNvPr>
+              <p:cNvSpPr>
+                <a:spLocks noGrp="1"/>
+              </p:cNvSpPr>
+              <p:nvPr>
+                <p:ph idx="1"/>
+              </p:nvPr>
+            </p:nvSpPr>
+            <p:spPr>
+              <a:xfrm>
+                <a:off x="5356927" y="365125"/>
+                <a:ext cx="5996871" cy="5811837"/>
+              </a:xfrm>
+            </p:spPr>
+            <p:txBody>
+              <a:bodyPr vert="horz" lIns="91440" tIns="45720" rIns="91440" bIns="45720" rtlCol="0" anchor="ctr">
+                <a:normAutofit/>
+              </a:bodyPr>
+              <a:lstStyle/>
+              <a:p>
+                <a:r>
+                  <a:rPr lang="en-GB" sz="2000" dirty="0" err="1">
+                    <a:solidFill>
+                      <a:srgbClr val="FFFFFF"/>
+                    </a:solidFill>
+                    <a:cs typeface="Calibri"/>
+                  </a:rPr>
+                  <a:t>Caraterizada</a:t>
+                </a:r>
+                <a:r>
+                  <a:rPr lang="en-GB" sz="2000" dirty="0">
+                    <a:solidFill>
+                      <a:srgbClr val="FFFFFF"/>
+                    </a:solidFill>
+                    <a:cs typeface="Calibri"/>
+                  </a:rPr>
+                  <a:t> por Lambda   </a:t>
+                </a:r>
+              </a:p>
+              <a:p>
+                <a:pPr marL="0" indent="0">
+                  <a:buNone/>
+                </a:pPr>
+                <a:endParaRPr lang="en-US" sz="2000" b="0" i="1" dirty="0">
+                  <a:solidFill>
+                    <a:srgbClr val="FFFFFF"/>
+                  </a:solidFill>
+                  <a:latin typeface="Cambria Math" panose="02040503050406030204" pitchFamily="18" charset="0"/>
+                  <a:cs typeface="Calibri"/>
+                </a:endParaRPr>
+              </a:p>
+              <a:p>
+                <a:pPr marL="0" indent="0">
+                  <a:buNone/>
+                </a:pPr>
+                <a14:m>
+                  <m:oMathPara xmlns:m="http://schemas.openxmlformats.org/officeDocument/2006/math">
+                    <m:oMathParaPr>
+                      <m:jc m:val="centerGroup"/>
+                    </m:oMathParaPr>
+                    <m:oMath xmlns:m="http://schemas.openxmlformats.org/officeDocument/2006/math">
+                      <m:r>
+                        <a:rPr lang="en-US" sz="2000" b="0" i="1">
+                          <a:solidFill>
+                            <a:srgbClr val="FFFFFF"/>
+                          </a:solidFill>
+                          <a:latin typeface="Cambria Math" panose="02040503050406030204" pitchFamily="18" charset="0"/>
+                          <a:cs typeface="Calibri"/>
+                        </a:rPr>
+                        <m:t>𝜆</m:t>
+                      </m:r>
+                      <m:r>
+                        <a:rPr lang="en-US" sz="2000" b="0" i="1">
+                          <a:solidFill>
+                            <a:srgbClr val="FFFFFF"/>
+                          </a:solidFill>
+                          <a:latin typeface="Cambria Math" panose="02040503050406030204" pitchFamily="18" charset="0"/>
+                          <a:cs typeface="Calibri"/>
+                        </a:rPr>
+                        <m:t>=</m:t>
+                      </m:r>
+                      <m:r>
+                        <a:rPr lang="en-US" sz="2000" b="0" i="1">
+                          <a:solidFill>
+                            <a:srgbClr val="FFFFFF"/>
+                          </a:solidFill>
+                          <a:latin typeface="Cambria Math" panose="02040503050406030204" pitchFamily="18" charset="0"/>
+                          <a:cs typeface="Calibri"/>
+                        </a:rPr>
+                        <m:t>𝐸</m:t>
+                      </m:r>
+                      <m:d>
+                        <m:dPr>
+                          <m:ctrlPr>
+                            <a:rPr lang="en-US" sz="2000" b="0" i="1">
+                              <a:solidFill>
+                                <a:srgbClr val="FFFFFF"/>
+                              </a:solidFill>
+                              <a:latin typeface="Cambria Math" panose="02040503050406030204" pitchFamily="18" charset="0"/>
+                              <a:cs typeface="Calibri"/>
+                            </a:rPr>
+                          </m:ctrlPr>
+                        </m:dPr>
+                        <m:e>
+                          <m:r>
+                            <a:rPr lang="en-US" sz="2000" b="0" i="1">
+                              <a:solidFill>
+                                <a:srgbClr val="FFFFFF"/>
+                              </a:solidFill>
+                              <a:latin typeface="Cambria Math" panose="02040503050406030204" pitchFamily="18" charset="0"/>
+                              <a:cs typeface="Calibri"/>
+                            </a:rPr>
+                            <m:t>𝑋</m:t>
+                          </m:r>
+                        </m:e>
+                      </m:d>
+                      <m:r>
+                        <a:rPr lang="en-US" sz="2000" b="0" i="1">
+                          <a:solidFill>
+                            <a:srgbClr val="FFFFFF"/>
+                          </a:solidFill>
+                          <a:latin typeface="Cambria Math" panose="02040503050406030204" pitchFamily="18" charset="0"/>
+                          <a:cs typeface="Calibri"/>
+                        </a:rPr>
+                        <m:t>=</m:t>
+                      </m:r>
+                      <m:acc>
+                        <m:accPr>
+                          <m:chr m:val="̅"/>
+                          <m:ctrlPr>
+                            <a:rPr lang="en-US" sz="2000" b="0" i="1">
+                              <a:solidFill>
+                                <a:srgbClr val="FFFFFF"/>
+                              </a:solidFill>
+                              <a:latin typeface="Cambria Math" panose="02040503050406030204" pitchFamily="18" charset="0"/>
+                              <a:cs typeface="Calibri"/>
+                            </a:rPr>
+                          </m:ctrlPr>
+                        </m:accPr>
+                        <m:e>
+                          <m:r>
+                            <a:rPr lang="en-US" sz="2000" b="0" i="1">
+                              <a:solidFill>
+                                <a:srgbClr val="FFFFFF"/>
+                              </a:solidFill>
+                              <a:latin typeface="Cambria Math" panose="02040503050406030204" pitchFamily="18" charset="0"/>
+                              <a:cs typeface="Calibri"/>
+                            </a:rPr>
+                            <m:t>𝑥</m:t>
+                          </m:r>
+                        </m:e>
+                      </m:acc>
+                      <m:r>
+                        <a:rPr lang="en-US" sz="2000" b="0" i="1">
+                          <a:solidFill>
+                            <a:srgbClr val="FFFFFF"/>
+                          </a:solidFill>
+                          <a:latin typeface="Cambria Math" panose="02040503050406030204" pitchFamily="18" charset="0"/>
+                          <a:cs typeface="Calibri"/>
+                        </a:rPr>
+                        <m:t>=</m:t>
+                      </m:r>
+                      <m:sSup>
+                        <m:sSupPr>
+                          <m:ctrlPr>
+                            <a:rPr lang="en-US" sz="2000" b="0" i="1">
+                              <a:solidFill>
+                                <a:srgbClr val="FFFFFF"/>
+                              </a:solidFill>
+                              <a:latin typeface="Cambria Math" panose="02040503050406030204" pitchFamily="18" charset="0"/>
+                              <a:cs typeface="Calibri"/>
+                            </a:rPr>
+                          </m:ctrlPr>
+                        </m:sSupPr>
+                        <m:e>
+                          <m:r>
+                            <a:rPr lang="en-US" sz="2000" b="0" i="1">
+                              <a:solidFill>
+                                <a:srgbClr val="FFFFFF"/>
+                              </a:solidFill>
+                              <a:latin typeface="Cambria Math" panose="02040503050406030204" pitchFamily="18" charset="0"/>
+                              <a:cs typeface="Calibri"/>
+                            </a:rPr>
+                            <m:t>𝜎</m:t>
+                          </m:r>
+                        </m:e>
+                        <m:sup>
+                          <m:r>
+                            <a:rPr lang="en-US" sz="2000" b="0" i="1">
+                              <a:solidFill>
+                                <a:srgbClr val="FFFFFF"/>
+                              </a:solidFill>
+                              <a:latin typeface="Cambria Math" panose="02040503050406030204" pitchFamily="18" charset="0"/>
+                              <a:cs typeface="Calibri"/>
+                            </a:rPr>
+                            <m:t>2</m:t>
+                          </m:r>
+                        </m:sup>
+                      </m:sSup>
+                    </m:oMath>
+                  </m:oMathPara>
+                </a14:m>
+                <a:endParaRPr lang="en-GB" sz="2000" dirty="0">
+                  <a:solidFill>
+                    <a:srgbClr val="FFFFFF"/>
+                  </a:solidFill>
+                  <a:cs typeface="Calibri"/>
+                </a:endParaRPr>
+              </a:p>
+              <a:p>
+                <a:pPr marL="0" indent="0">
+                  <a:buNone/>
+                </a:pPr>
+                <a:endParaRPr lang="en-GB" sz="2000" dirty="0">
+                  <a:solidFill>
+                    <a:srgbClr val="FFFFFF"/>
+                  </a:solidFill>
+                  <a:cs typeface="Calibri"/>
+                </a:endParaRPr>
+              </a:p>
+              <a:p>
+                <a:r>
+                  <a:rPr lang="en-GB" sz="2000" dirty="0" err="1">
+                    <a:solidFill>
+                      <a:srgbClr val="FFFFFF"/>
+                    </a:solidFill>
+                    <a:cs typeface="Calibri"/>
+                  </a:rPr>
+                  <a:t>Relacionada</a:t>
+                </a:r>
+                <a:r>
+                  <a:rPr lang="en-GB" sz="2000" dirty="0">
+                    <a:solidFill>
+                      <a:srgbClr val="FFFFFF"/>
+                    </a:solidFill>
+                    <a:cs typeface="Calibri"/>
+                  </a:rPr>
+                  <a:t> com a </a:t>
+                </a:r>
+                <a:r>
+                  <a:rPr lang="en-GB" sz="2000" dirty="0" err="1">
+                    <a:solidFill>
+                      <a:srgbClr val="FFFFFF"/>
+                    </a:solidFill>
+                    <a:cs typeface="Calibri"/>
+                  </a:rPr>
+                  <a:t>distribuição</a:t>
+                </a:r>
+                <a:r>
+                  <a:rPr lang="en-GB" sz="2000" dirty="0">
+                    <a:solidFill>
+                      <a:srgbClr val="FFFFFF"/>
+                    </a:solidFill>
+                    <a:cs typeface="Calibri"/>
+                  </a:rPr>
+                  <a:t> Binomial </a:t>
+                </a:r>
+              </a:p>
+              <a:p>
+                <a:endParaRPr lang="en-GB" sz="2000" dirty="0">
+                  <a:solidFill>
+                    <a:srgbClr val="FFFFFF"/>
+                  </a:solidFill>
+                  <a:cs typeface="Calibri"/>
+                </a:endParaRPr>
+              </a:p>
+              <a:p>
+                <a:pPr marL="0" indent="0">
+                  <a:buNone/>
+                </a:pPr>
+                <a14:m>
+                  <m:oMathPara xmlns:m="http://schemas.openxmlformats.org/officeDocument/2006/math">
+                    <m:oMathParaPr>
+                      <m:jc m:val="centerGroup"/>
+                    </m:oMathParaPr>
+                    <m:oMath xmlns:m="http://schemas.openxmlformats.org/officeDocument/2006/math">
+                      <m:r>
+                        <a:rPr lang="en-US" sz="2000" b="0" i="1">
+                          <a:solidFill>
+                            <a:srgbClr val="FFFFFF"/>
+                          </a:solidFill>
+                          <a:latin typeface="Cambria Math" panose="02040503050406030204" pitchFamily="18" charset="0"/>
+                          <a:cs typeface="Calibri"/>
+                        </a:rPr>
+                        <m:t>𝑛</m:t>
+                      </m:r>
+                      <m:r>
+                        <a:rPr lang="en-US" sz="2000" b="0" i="1">
+                          <a:solidFill>
+                            <a:srgbClr val="FFFFFF"/>
+                          </a:solidFill>
+                          <a:latin typeface="Cambria Math" panose="02040503050406030204" pitchFamily="18" charset="0"/>
+                          <a:cs typeface="Calibri"/>
+                        </a:rPr>
+                        <m:t>→∞, </m:t>
+                      </m:r>
+                      <m:r>
+                        <a:rPr lang="en-US" sz="2000" b="0" i="1">
+                          <a:solidFill>
+                            <a:srgbClr val="FFFFFF"/>
+                          </a:solidFill>
+                          <a:latin typeface="Cambria Math" panose="02040503050406030204" pitchFamily="18" charset="0"/>
+                          <a:cs typeface="Calibri"/>
+                        </a:rPr>
+                        <m:t>𝑃</m:t>
+                      </m:r>
+                      <m:d>
+                        <m:dPr>
+                          <m:ctrlPr>
+                            <a:rPr lang="en-US" sz="2000" b="0" i="1">
+                              <a:solidFill>
+                                <a:srgbClr val="FFFFFF"/>
+                              </a:solidFill>
+                              <a:latin typeface="Cambria Math" panose="02040503050406030204" pitchFamily="18" charset="0"/>
+                              <a:cs typeface="Calibri"/>
+                            </a:rPr>
+                          </m:ctrlPr>
+                        </m:dPr>
+                        <m:e>
+                          <m:r>
+                            <a:rPr lang="en-US" sz="2000" b="0" i="1">
+                              <a:solidFill>
+                                <a:srgbClr val="FFFFFF"/>
+                              </a:solidFill>
+                              <a:latin typeface="Cambria Math" panose="02040503050406030204" pitchFamily="18" charset="0"/>
+                              <a:cs typeface="Calibri"/>
+                            </a:rPr>
+                            <m:t>𝑋</m:t>
+                          </m:r>
+                          <m:r>
+                            <a:rPr lang="en-US" sz="2000" b="0" i="1">
+                              <a:solidFill>
+                                <a:srgbClr val="FFFFFF"/>
+                              </a:solidFill>
+                              <a:latin typeface="Cambria Math" panose="02040503050406030204" pitchFamily="18" charset="0"/>
+                              <a:cs typeface="Calibri"/>
+                            </a:rPr>
+                            <m:t>=</m:t>
+                          </m:r>
+                          <m:sSub>
+                            <m:sSubPr>
+                              <m:ctrlPr>
+                                <a:rPr lang="en-US" sz="2000" b="0" i="1">
+                                  <a:solidFill>
+                                    <a:srgbClr val="FFFFFF"/>
+                                  </a:solidFill>
+                                  <a:latin typeface="Cambria Math" panose="02040503050406030204" pitchFamily="18" charset="0"/>
+                                  <a:cs typeface="Calibri"/>
+                                </a:rPr>
+                              </m:ctrlPr>
+                            </m:sSubPr>
+                            <m:e>
+                              <m:r>
+                                <a:rPr lang="en-US" sz="2000" b="0" i="1">
+                                  <a:solidFill>
+                                    <a:srgbClr val="FFFFFF"/>
+                                  </a:solidFill>
+                                  <a:latin typeface="Cambria Math" panose="02040503050406030204" pitchFamily="18" charset="0"/>
+                                  <a:cs typeface="Calibri"/>
+                                </a:rPr>
+                                <m:t>𝑥</m:t>
+                              </m:r>
+                            </m:e>
+                            <m:sub>
+                              <m:r>
+                                <a:rPr lang="en-US" sz="2000" b="0" i="1">
+                                  <a:solidFill>
+                                    <a:srgbClr val="FFFFFF"/>
+                                  </a:solidFill>
+                                  <a:latin typeface="Cambria Math" panose="02040503050406030204" pitchFamily="18" charset="0"/>
+                                  <a:cs typeface="Calibri"/>
+                                </a:rPr>
+                                <m:t>𝑖</m:t>
+                              </m:r>
+                            </m:sub>
+                          </m:sSub>
+                        </m:e>
+                      </m:d>
+                      <m:r>
+                        <a:rPr lang="en-US" sz="2000" b="0" i="1">
+                          <a:solidFill>
+                            <a:srgbClr val="FFFFFF"/>
+                          </a:solidFill>
+                          <a:latin typeface="Cambria Math" panose="02040503050406030204" pitchFamily="18" charset="0"/>
+                          <a:cs typeface="Calibri"/>
+                        </a:rPr>
+                        <m:t>→0, </m:t>
+                      </m:r>
+                      <m:r>
+                        <a:rPr lang="en-US" sz="2000" b="0" i="1">
+                          <a:solidFill>
+                            <a:srgbClr val="FFFFFF"/>
+                          </a:solidFill>
+                          <a:latin typeface="Cambria Math" panose="02040503050406030204" pitchFamily="18" charset="0"/>
+                          <a:cs typeface="Calibri"/>
+                        </a:rPr>
+                        <m:t>𝜆</m:t>
+                      </m:r>
+                      <m:r>
+                        <a:rPr lang="en-US" sz="2000" b="0" i="1">
+                          <a:solidFill>
+                            <a:srgbClr val="FFFFFF"/>
+                          </a:solidFill>
+                          <a:latin typeface="Cambria Math" panose="02040503050406030204" pitchFamily="18" charset="0"/>
+                          <a:cs typeface="Calibri"/>
+                        </a:rPr>
+                        <m:t>=</m:t>
+                      </m:r>
+                      <m:r>
+                        <a:rPr lang="en-US" sz="2000" b="0" i="1">
+                          <a:solidFill>
+                            <a:srgbClr val="FFFFFF"/>
+                          </a:solidFill>
+                          <a:latin typeface="Cambria Math" panose="02040503050406030204" pitchFamily="18" charset="0"/>
+                          <a:cs typeface="Calibri"/>
+                        </a:rPr>
+                        <m:t>𝑛𝑝</m:t>
+                      </m:r>
+                    </m:oMath>
+                  </m:oMathPara>
+                </a14:m>
+                <a:endParaRPr lang="en-GB" sz="2000" dirty="0">
+                  <a:solidFill>
+                    <a:srgbClr val="FFFFFF"/>
+                  </a:solidFill>
+                  <a:cs typeface="Calibri"/>
+                </a:endParaRPr>
+              </a:p>
+              <a:p>
+                <a:pPr marL="0" indent="0">
+                  <a:buNone/>
+                </a:pPr>
+                <a:endParaRPr lang="en-US" sz="2000" i="1" dirty="0">
+                  <a:solidFill>
+                    <a:srgbClr val="FFFFFF"/>
+                  </a:solidFill>
+                  <a:latin typeface="Cambria Math" panose="02040503050406030204" pitchFamily="18" charset="0"/>
+                  <a:cs typeface="Calibri"/>
+                </a:endParaRPr>
+              </a:p>
+              <a:p>
+                <a:pPr marL="0" indent="0">
+                  <a:buNone/>
+                </a:pPr>
+                <a14:m>
+                  <m:oMathPara xmlns:m="http://schemas.openxmlformats.org/officeDocument/2006/math">
+                    <m:oMathParaPr>
+                      <m:jc m:val="centerGroup"/>
+                    </m:oMathParaPr>
+                    <m:oMath xmlns:m="http://schemas.openxmlformats.org/officeDocument/2006/math">
+                      <m:r>
+                        <a:rPr lang="en-US" sz="2000" b="0" i="1">
+                          <a:solidFill>
+                            <a:srgbClr val="FFFFFF"/>
+                          </a:solidFill>
+                          <a:latin typeface="Cambria Math" panose="02040503050406030204" pitchFamily="18" charset="0"/>
+                          <a:cs typeface="Calibri"/>
+                        </a:rPr>
+                        <m:t>𝑃</m:t>
+                      </m:r>
+                      <m:d>
+                        <m:dPr>
+                          <m:ctrlPr>
+                            <a:rPr lang="en-US" sz="2000" b="0" i="1">
+                              <a:solidFill>
+                                <a:srgbClr val="FFFFFF"/>
+                              </a:solidFill>
+                              <a:latin typeface="Cambria Math" panose="02040503050406030204" pitchFamily="18" charset="0"/>
+                              <a:cs typeface="Calibri"/>
+                            </a:rPr>
+                          </m:ctrlPr>
+                        </m:dPr>
+                        <m:e>
+                          <m:r>
+                            <a:rPr lang="en-US" sz="2000" b="0" i="1">
+                              <a:solidFill>
+                                <a:srgbClr val="FFFFFF"/>
+                              </a:solidFill>
+                              <a:latin typeface="Cambria Math" panose="02040503050406030204" pitchFamily="18" charset="0"/>
+                              <a:cs typeface="Calibri"/>
+                            </a:rPr>
+                            <m:t>𝑋</m:t>
+                          </m:r>
+                          <m:r>
+                            <a:rPr lang="en-US" sz="2000" b="0" i="1">
+                              <a:solidFill>
+                                <a:srgbClr val="FFFFFF"/>
+                              </a:solidFill>
+                              <a:latin typeface="Cambria Math" panose="02040503050406030204" pitchFamily="18" charset="0"/>
+                              <a:cs typeface="Calibri"/>
+                            </a:rPr>
+                            <m:t>=</m:t>
+                          </m:r>
+                          <m:r>
+                            <a:rPr lang="en-US" sz="2000" b="0" i="1">
+                              <a:solidFill>
+                                <a:srgbClr val="FFFFFF"/>
+                              </a:solidFill>
+                              <a:latin typeface="Cambria Math" panose="02040503050406030204" pitchFamily="18" charset="0"/>
+                              <a:cs typeface="Calibri"/>
+                            </a:rPr>
+                            <m:t>𝑘</m:t>
+                          </m:r>
+                        </m:e>
+                      </m:d>
+                      <m:r>
+                        <a:rPr lang="en-US" sz="2000" b="0" i="1">
+                          <a:solidFill>
+                            <a:srgbClr val="FFFFFF"/>
+                          </a:solidFill>
+                          <a:latin typeface="Cambria Math" panose="02040503050406030204" pitchFamily="18" charset="0"/>
+                          <a:cs typeface="Calibri"/>
+                        </a:rPr>
+                        <m:t>=</m:t>
+                      </m:r>
+                      <m:f>
+                        <m:fPr>
+                          <m:ctrlPr>
+                            <a:rPr lang="en-US" sz="2000" b="0" i="1">
+                              <a:solidFill>
+                                <a:srgbClr val="FFFFFF"/>
+                              </a:solidFill>
+                              <a:latin typeface="Cambria Math" panose="02040503050406030204" pitchFamily="18" charset="0"/>
+                              <a:cs typeface="Calibri"/>
+                            </a:rPr>
+                          </m:ctrlPr>
+                        </m:fPr>
+                        <m:num>
+                          <m:sSup>
+                            <m:sSupPr>
+                              <m:ctrlPr>
+                                <a:rPr lang="en-US" sz="2000" b="0" i="1">
+                                  <a:solidFill>
+                                    <a:srgbClr val="FFFFFF"/>
+                                  </a:solidFill>
+                                  <a:latin typeface="Cambria Math" panose="02040503050406030204" pitchFamily="18" charset="0"/>
+                                  <a:cs typeface="Calibri"/>
+                                </a:rPr>
+                              </m:ctrlPr>
+                            </m:sSupPr>
+                            <m:e>
+                              <m:r>
+                                <a:rPr lang="en-US" sz="2000" b="0" i="1">
+                                  <a:solidFill>
+                                    <a:srgbClr val="FFFFFF"/>
+                                  </a:solidFill>
+                                  <a:latin typeface="Cambria Math" panose="02040503050406030204" pitchFamily="18" charset="0"/>
+                                  <a:cs typeface="Calibri"/>
+                                </a:rPr>
+                                <m:t>𝑒</m:t>
+                              </m:r>
+                            </m:e>
+                            <m:sup>
+                              <m:r>
+                                <a:rPr lang="en-US" sz="2000" b="0" i="1">
+                                  <a:solidFill>
+                                    <a:srgbClr val="FFFFFF"/>
+                                  </a:solidFill>
+                                  <a:latin typeface="Cambria Math" panose="02040503050406030204" pitchFamily="18" charset="0"/>
+                                  <a:cs typeface="Calibri"/>
+                                </a:rPr>
+                                <m:t>−</m:t>
+                              </m:r>
+                              <m:r>
+                                <a:rPr lang="en-US" sz="2000" b="0" i="1">
+                                  <a:solidFill>
+                                    <a:srgbClr val="FFFFFF"/>
+                                  </a:solidFill>
+                                  <a:latin typeface="Cambria Math" panose="02040503050406030204" pitchFamily="18" charset="0"/>
+                                  <a:cs typeface="Calibri"/>
+                                </a:rPr>
+                                <m:t>𝜆</m:t>
+                              </m:r>
+                            </m:sup>
+                          </m:sSup>
+                          <m:r>
+                            <a:rPr lang="en-US" sz="2000" b="0" i="1">
+                              <a:solidFill>
+                                <a:srgbClr val="FFFFFF"/>
+                              </a:solidFill>
+                              <a:latin typeface="Cambria Math" panose="02040503050406030204" pitchFamily="18" charset="0"/>
+                              <a:cs typeface="Calibri"/>
+                            </a:rPr>
+                            <m:t> </m:t>
+                          </m:r>
+                          <m:sSup>
+                            <m:sSupPr>
+                              <m:ctrlPr>
+                                <a:rPr lang="en-US" sz="2000" b="0" i="1">
+                                  <a:solidFill>
+                                    <a:srgbClr val="FFFFFF"/>
+                                  </a:solidFill>
+                                  <a:latin typeface="Cambria Math" panose="02040503050406030204" pitchFamily="18" charset="0"/>
+                                  <a:cs typeface="Calibri"/>
+                                </a:rPr>
+                              </m:ctrlPr>
+                            </m:sSupPr>
+                            <m:e>
+                              <m:r>
+                                <a:rPr lang="en-US" sz="2000" b="0" i="1">
+                                  <a:solidFill>
+                                    <a:srgbClr val="FFFFFF"/>
+                                  </a:solidFill>
+                                  <a:latin typeface="Cambria Math" panose="02040503050406030204" pitchFamily="18" charset="0"/>
+                                  <a:cs typeface="Calibri"/>
+                                </a:rPr>
+                                <m:t>𝜆</m:t>
+                              </m:r>
+                            </m:e>
+                            <m:sup>
+                              <m:r>
+                                <a:rPr lang="en-US" sz="2000" b="0" i="1">
+                                  <a:solidFill>
+                                    <a:srgbClr val="FFFFFF"/>
+                                  </a:solidFill>
+                                  <a:latin typeface="Cambria Math" panose="02040503050406030204" pitchFamily="18" charset="0"/>
+                                  <a:cs typeface="Calibri"/>
+                                </a:rPr>
+                                <m:t>𝑘</m:t>
+                              </m:r>
+                            </m:sup>
+                          </m:sSup>
+                        </m:num>
+                        <m:den>
+                          <m:r>
+                            <a:rPr lang="en-US" sz="2000" b="0" i="1">
+                              <a:solidFill>
+                                <a:srgbClr val="FFFFFF"/>
+                              </a:solidFill>
+                              <a:latin typeface="Cambria Math" panose="02040503050406030204" pitchFamily="18" charset="0"/>
+                              <a:cs typeface="Calibri"/>
+                            </a:rPr>
+                            <m:t>𝑘</m:t>
+                          </m:r>
+                          <m:r>
+                            <a:rPr lang="en-US" sz="2000" b="0" i="1">
+                              <a:solidFill>
+                                <a:srgbClr val="FFFFFF"/>
+                              </a:solidFill>
+                              <a:latin typeface="Cambria Math" panose="02040503050406030204" pitchFamily="18" charset="0"/>
+                              <a:cs typeface="Calibri"/>
+                            </a:rPr>
+                            <m:t>!</m:t>
+                          </m:r>
+                        </m:den>
+                      </m:f>
+                    </m:oMath>
+                  </m:oMathPara>
+                </a14:m>
+                <a:endParaRPr lang="en-GB" sz="2000" dirty="0">
+                  <a:solidFill>
+                    <a:srgbClr val="FFFFFF"/>
+                  </a:solidFill>
+                  <a:cs typeface="Calibri"/>
+                </a:endParaRPr>
+              </a:p>
+            </p:txBody>
+          </p:sp>
+        </mc:Choice>
+        <mc:Fallback>
+          <p:sp>
+            <p:nvSpPr>
+              <p:cNvPr id="3" name="Content Placeholder 2">
+                <a:extLst>
+                  <a:ext uri="{FF2B5EF4-FFF2-40B4-BE49-F238E27FC236}">
+                    <a16:creationId xmlns:a16="http://schemas.microsoft.com/office/drawing/2014/main" id="{1B8160BC-DBAF-4CF3-815A-DFCC0C01BC4D}"/>
+                  </a:ext>
+                </a:extLst>
+              </p:cNvPr>
+              <p:cNvSpPr>
+                <a:spLocks noGrp="1" noRot="1" noChangeAspect="1" noMove="1" noResize="1" noEditPoints="1" noAdjustHandles="1" noChangeArrowheads="1" noChangeShapeType="1" noTextEdit="1"/>
+              </p:cNvSpPr>
+              <p:nvPr>
+                <p:ph idx="1"/>
+              </p:nvPr>
+            </p:nvSpPr>
+            <p:spPr>
+              <a:xfrm>
+                <a:off x="5356927" y="365125"/>
+                <a:ext cx="5996871" cy="5811837"/>
+              </a:xfrm>
+              <a:blipFill>
+                <a:blip r:embed="rId2"/>
+                <a:stretch>
+                  <a:fillRect l="-916"/>
+                </a:stretch>
+              </a:blipFill>
+            </p:spPr>
+            <p:txBody>
+              <a:bodyPr/>
+              <a:lstStyle/>
+              <a:p>
+                <a:r>
+                  <a:rPr lang="en-GB">
+                    <a:noFill/>
+                  </a:rPr>
+                  <a:t> </a:t>
+                </a:r>
+              </a:p>
+            </p:txBody>
+          </p:sp>
+        </mc:Fallback>
+      </mc:AlternateContent>
+      <p:pic>
+        <p:nvPicPr>
+          <p:cNvPr id="13" name="Picture 12" descr="Icon&#10;&#10;Description automatically generated">
+            <a:extLst>
+              <a:ext uri="{FF2B5EF4-FFF2-40B4-BE49-F238E27FC236}">
+                <a16:creationId xmlns:a16="http://schemas.microsoft.com/office/drawing/2014/main" id="{1D3CEF4A-EFEE-4A62-8C1A-299D0027E6D2}"/>
+              </a:ext>
+            </a:extLst>
+          </p:cNvPr>
+          <p:cNvPicPr>
+            <a:picLocks noChangeAspect="1"/>
+          </p:cNvPicPr>
+          <p:nvPr/>
+        </p:nvPicPr>
+        <p:blipFill>
+          <a:blip r:embed="rId3">
+            <a:extLst>
+              <a:ext uri="{28A0092B-C50C-407E-A947-70E740481C1C}">
+                <a14:useLocalDpi xmlns:a14="http://schemas.microsoft.com/office/drawing/2010/main" val="0"/>
+              </a:ext>
+            </a:extLst>
+          </a:blip>
+          <a:stretch>
+            <a:fillRect/>
+          </a:stretch>
+        </p:blipFill>
+        <p:spPr>
+          <a:xfrm>
+            <a:off x="369223" y="364134"/>
+            <a:ext cx="1770855" cy="883219"/>
+          </a:xfrm>
+          <a:prstGeom prst="rect">
+            <a:avLst/>
+          </a:prstGeom>
+        </p:spPr>
+      </p:pic>
       <p:sp>
         <p:nvSpPr>
-          <p:cNvPr id="3" name="Content Placeholder 2">
+          <p:cNvPr id="4" name="Slide Number Placeholder 3">
             <a:extLst>
               <a:ext uri="{FF2B5EF4-FFF2-40B4-BE49-F238E27FC236}">
-                <a16:creationId xmlns:a16="http://schemas.microsoft.com/office/drawing/2014/main" id="{A1193E02-CBB4-4219-B249-B771F91CFEC0}"/>
+                <a16:creationId xmlns:a16="http://schemas.microsoft.com/office/drawing/2014/main" id="{C3DB76B5-17A6-4F40-9615-048467290C52}"/>
               </a:ext>
             </a:extLst>
           </p:cNvPr>
@@ -3579,136 +9562,46 @@
             <a:spLocks noGrp="1"/>
           </p:cNvSpPr>
           <p:nvPr>
-            <p:ph idx="1"/>
+            <p:ph type="sldNum" sz="quarter" idx="12"/>
           </p:nvPr>
         </p:nvSpPr>
         <p:spPr/>
         <p:txBody>
-          <a:bodyPr>
-            <a:normAutofit/>
-          </a:bodyPr>
+          <a:bodyPr/>
           <a:lstStyle/>
           <a:p>
-            <a:r>
-              <a:rPr lang="en-GB" dirty="0" err="1"/>
-              <a:t>Distribuição</a:t>
-            </a:r>
-            <a:r>
-              <a:rPr lang="en-GB" dirty="0"/>
-              <a:t> de Poisson </a:t>
-            </a:r>
-          </a:p>
-          <a:p>
-            <a:pPr lvl="1"/>
-            <a:r>
-              <a:rPr lang="en-GB" dirty="0" err="1"/>
-              <a:t>Características</a:t>
-            </a:r>
-            <a:endParaRPr lang="en-GB" dirty="0"/>
-          </a:p>
-          <a:p>
-            <a:pPr lvl="1"/>
-            <a:r>
-              <a:rPr lang="en-GB" dirty="0" err="1"/>
-              <a:t>Definição</a:t>
-            </a:r>
-            <a:r>
-              <a:rPr lang="en-GB" dirty="0"/>
-              <a:t> </a:t>
-            </a:r>
-            <a:r>
-              <a:rPr lang="en-GB" dirty="0" err="1"/>
-              <a:t>Matemática</a:t>
-            </a:r>
-            <a:endParaRPr lang="en-GB" dirty="0"/>
-          </a:p>
-          <a:p>
-            <a:pPr lvl="1"/>
-            <a:r>
-              <a:rPr lang="en-GB" dirty="0" err="1"/>
-              <a:t>Exemplo</a:t>
-            </a:r>
-            <a:endParaRPr lang="en-GB" dirty="0"/>
-          </a:p>
-          <a:p>
-            <a:r>
-              <a:rPr lang="en-GB" dirty="0" err="1"/>
-              <a:t>Distribuição</a:t>
-            </a:r>
-            <a:r>
-              <a:rPr lang="en-GB" dirty="0"/>
-              <a:t> Gamma</a:t>
-            </a:r>
-          </a:p>
-          <a:p>
-            <a:pPr lvl="1"/>
-            <a:r>
-              <a:rPr lang="en-GB" dirty="0" err="1"/>
-              <a:t>Características</a:t>
-            </a:r>
-            <a:endParaRPr lang="en-GB" dirty="0"/>
-          </a:p>
-          <a:p>
-            <a:pPr lvl="1"/>
-            <a:r>
-              <a:rPr lang="en-GB" dirty="0" err="1"/>
-              <a:t>Definição</a:t>
-            </a:r>
-            <a:r>
-              <a:rPr lang="en-GB" dirty="0"/>
-              <a:t> </a:t>
-            </a:r>
-            <a:r>
-              <a:rPr lang="en-GB" dirty="0" err="1"/>
-              <a:t>Matemática</a:t>
-            </a:r>
-            <a:endParaRPr lang="en-GB" dirty="0"/>
-          </a:p>
-          <a:p>
-            <a:pPr lvl="1"/>
-            <a:r>
-              <a:rPr lang="en-GB" dirty="0" err="1"/>
-              <a:t>Exemplo</a:t>
-            </a:r>
-            <a:endParaRPr lang="en-GB" dirty="0"/>
-          </a:p>
-          <a:p>
-            <a:r>
-              <a:rPr lang="en-GB" dirty="0" err="1"/>
-              <a:t>Relação</a:t>
-            </a:r>
-            <a:r>
-              <a:rPr lang="en-GB" dirty="0"/>
-              <a:t> entre as </a:t>
-            </a:r>
-            <a:r>
-              <a:rPr lang="en-GB" dirty="0" err="1"/>
-              <a:t>distribuições</a:t>
-            </a:r>
-            <a:endParaRPr lang="en-GB" dirty="0"/>
-          </a:p>
-          <a:p>
-            <a:pPr lvl="1"/>
-            <a:endParaRPr lang="en-GB" dirty="0"/>
+            <a:fld id="{4310B044-6F84-4299-A58B-8057292127B9}" type="slidenum">
+              <a:rPr lang="en-GB" smtClean="0"/>
+              <a:t>4</a:t>
+            </a:fld>
+            <a:endParaRPr lang="en-GB"/>
           </a:p>
         </p:txBody>
       </p:sp>
     </p:spTree>
     <p:extLst>
       <p:ext uri="{BB962C8B-B14F-4D97-AF65-F5344CB8AC3E}">
-        <p14:creationId xmlns:p14="http://schemas.microsoft.com/office/powerpoint/2010/main" val="2618058349"/>
+        <p14:creationId xmlns:p14="http://schemas.microsoft.com/office/powerpoint/2010/main" val="3785552250"/>
       </p:ext>
     </p:extLst>
   </p:cSld>
   <p:clrMapOvr>
-    <a:masterClrMapping/>
+    <a:overrideClrMapping bg1="dk1" tx1="lt1" bg2="dk2" tx2="lt2" accent1="accent1" accent2="accent2" accent3="accent3" accent4="accent4" accent5="accent5" accent6="accent6" hlink="hlink" folHlink="folHlink"/>
   </p:clrMapOvr>
 </p:sld>
 </file>
 
-<file path=ppt/slides/slide3.xml><?xml version="1.0" encoding="utf-8"?>
+<file path=ppt/slides/slide5.xml><?xml version="1.0" encoding="utf-8"?>
 <p:sld xmlns:a="http://schemas.openxmlformats.org/drawingml/2006/main" xmlns:r="http://schemas.openxmlformats.org/officeDocument/2006/relationships" xmlns:p="http://schemas.openxmlformats.org/presentationml/2006/main">
   <p:cSld>
+    <p:bg>
+      <p:bgPr>
+        <a:solidFill>
+          <a:schemeClr val="bg1"/>
+        </a:solidFill>
+        <a:effectLst/>
+      </p:bgPr>
+    </p:bg>
     <p:spTree>
       <p:nvGrpSpPr>
         <p:cNvPr id="1" name=""/>
@@ -3725,10 +9618,76 @@
       </p:grpSpPr>
       <p:sp>
         <p:nvSpPr>
+          <p:cNvPr id="12" name="Rectangle 9">
+            <a:extLst>
+              <a:ext uri="{FF2B5EF4-FFF2-40B4-BE49-F238E27FC236}">
+                <a16:creationId xmlns:a16="http://schemas.microsoft.com/office/drawing/2014/main" id="{A87EA4E9-DFD6-45D4-965D-8A79984EF440}"/>
+              </a:ext>
+              <a:ext uri="{C183D7F6-B498-43B3-948B-1728B52AA6E4}">
+                <adec:decorative xmlns:adec="http://schemas.microsoft.com/office/drawing/2017/decorative" val="1"/>
+              </a:ext>
+            </a:extLst>
+          </p:cNvPr>
+          <p:cNvSpPr>
+            <a:spLocks noGrp="1" noRot="1" noChangeAspect="1" noMove="1" noResize="1" noEditPoints="1" noAdjustHandles="1" noChangeArrowheads="1" noChangeShapeType="1" noTextEdit="1"/>
+          </p:cNvSpPr>
+          <p:nvPr>
+            <p:extLst>
+              <p:ext uri="{386F3935-93C4-4BCD-93E2-E3B085C9AB24}">
+                <p16:designElem xmlns:p16="http://schemas.microsoft.com/office/powerpoint/2015/main" val="1"/>
+              </p:ext>
+            </p:extLst>
+          </p:nvPr>
+        </p:nvSpPr>
+        <p:spPr>
+          <a:xfrm>
+            <a:off x="0" y="0"/>
+            <a:ext cx="12192000" cy="2429301"/>
+          </a:xfrm>
+          <a:prstGeom prst="rect">
+            <a:avLst/>
+          </a:prstGeom>
+          <a:solidFill>
+            <a:schemeClr val="tx1">
+              <a:lumMod val="75000"/>
+              <a:lumOff val="25000"/>
+            </a:schemeClr>
+          </a:solidFill>
+          <a:ln>
+            <a:noFill/>
+          </a:ln>
+        </p:spPr>
+        <p:style>
+          <a:lnRef idx="2">
+            <a:schemeClr val="accent1">
+              <a:shade val="50000"/>
+            </a:schemeClr>
+          </a:lnRef>
+          <a:fillRef idx="1">
+            <a:schemeClr val="accent1"/>
+          </a:fillRef>
+          <a:effectRef idx="0">
+            <a:schemeClr val="accent1"/>
+          </a:effectRef>
+          <a:fontRef idx="minor">
+            <a:schemeClr val="lt1"/>
+          </a:fontRef>
+        </p:style>
+        <p:txBody>
+          <a:bodyPr rtlCol="0" anchor="ctr"/>
+          <a:lstStyle/>
+          <a:p>
+            <a:pPr algn="ctr"/>
+            <a:endParaRPr lang="en-US"/>
+          </a:p>
+        </p:txBody>
+      </p:sp>
+      <p:sp>
+        <p:nvSpPr>
           <p:cNvPr id="2" name="Title 1">
             <a:extLst>
               <a:ext uri="{FF2B5EF4-FFF2-40B4-BE49-F238E27FC236}">
-                <a16:creationId xmlns:a16="http://schemas.microsoft.com/office/drawing/2014/main" id="{C9F13D6B-ADDC-4D9F-8F64-BFE5D3350D4E}"/>
+                <a16:creationId xmlns:a16="http://schemas.microsoft.com/office/drawing/2014/main" id="{98EB2216-8FC6-44B0-82C2-66A7172A529A}"/>
               </a:ext>
             </a:extLst>
           </p:cNvPr>
@@ -3739,21 +9698,569 @@
             <p:ph type="title"/>
           </p:nvPr>
         </p:nvSpPr>
-        <p:spPr/>
+        <p:spPr>
+          <a:xfrm>
+            <a:off x="847344" y="300505"/>
+            <a:ext cx="10506456" cy="1197864"/>
+          </a:xfrm>
+        </p:spPr>
         <p:txBody>
-          <a:bodyPr/>
+          <a:bodyPr vert="horz" lIns="91440" tIns="45720" rIns="91440" bIns="45720" rtlCol="0" anchor="b">
+            <a:normAutofit/>
+          </a:bodyPr>
           <a:lstStyle/>
           <a:p>
-            <a:endParaRPr lang="en-GB"/>
+            <a:r>
+              <a:rPr lang="en-US" sz="5400" dirty="0">
+                <a:solidFill>
+                  <a:schemeClr val="bg1"/>
+                </a:solidFill>
+              </a:rPr>
+              <a:t>Fila da Caixa do </a:t>
+            </a:r>
+            <a:r>
+              <a:rPr lang="en-US" sz="5400" dirty="0" err="1">
+                <a:solidFill>
+                  <a:schemeClr val="bg1"/>
+                </a:solidFill>
+              </a:rPr>
+              <a:t>Continente</a:t>
+            </a:r>
+            <a:endParaRPr lang="en-US" sz="5400" dirty="0">
+              <a:solidFill>
+                <a:schemeClr val="bg1"/>
+              </a:solidFill>
+            </a:endParaRPr>
           </a:p>
         </p:txBody>
       </p:sp>
+      <mc:AlternateContent xmlns:mc="http://schemas.openxmlformats.org/markup-compatibility/2006">
+        <mc:Choice xmlns:a14="http://schemas.microsoft.com/office/drawing/2010/main" Requires="a14">
+          <p:sp>
+            <p:nvSpPr>
+              <p:cNvPr id="3" name="Content Placeholder 2">
+                <a:extLst>
+                  <a:ext uri="{FF2B5EF4-FFF2-40B4-BE49-F238E27FC236}">
+                    <a16:creationId xmlns:a16="http://schemas.microsoft.com/office/drawing/2014/main" id="{2B0B0381-2015-4C05-B552-CD2565C5E8A6}"/>
+                  </a:ext>
+                </a:extLst>
+              </p:cNvPr>
+              <p:cNvSpPr>
+                <a:spLocks noGrp="1"/>
+              </p:cNvSpPr>
+              <p:nvPr>
+                <p:ph idx="1"/>
+              </p:nvPr>
+            </p:nvSpPr>
+            <p:spPr>
+              <a:xfrm>
+                <a:off x="847344" y="1580664"/>
+                <a:ext cx="10506456" cy="727529"/>
+              </a:xfrm>
+            </p:spPr>
+            <p:txBody>
+              <a:bodyPr vert="horz" lIns="91440" tIns="45720" rIns="91440" bIns="45720" rtlCol="0">
+                <a:normAutofit fontScale="85000" lnSpcReduction="20000"/>
+              </a:bodyPr>
+              <a:lstStyle/>
+              <a:p>
+                <a:pPr marL="0" indent="0">
+                  <a:buNone/>
+                </a:pPr>
+                <a:r>
+                  <a:rPr lang="en-US" sz="2000" dirty="0">
+                    <a:solidFill>
+                      <a:schemeClr val="bg1"/>
+                    </a:solidFill>
+                  </a:rPr>
+                  <a:t>Durante a hora do </a:t>
+                </a:r>
+                <a:r>
+                  <a:rPr lang="en-US" sz="2000" dirty="0" err="1">
+                    <a:solidFill>
+                      <a:schemeClr val="bg1"/>
+                    </a:solidFill>
+                  </a:rPr>
+                  <a:t>almoço</a:t>
+                </a:r>
+                <a:r>
+                  <a:rPr lang="en-US" sz="2000" dirty="0">
+                    <a:solidFill>
+                      <a:schemeClr val="bg1"/>
+                    </a:solidFill>
+                  </a:rPr>
+                  <a:t> das 12h as 13h é </a:t>
+                </a:r>
+                <a:r>
+                  <a:rPr lang="en-US" sz="2000" dirty="0" err="1">
+                    <a:solidFill>
+                      <a:schemeClr val="bg1"/>
+                    </a:solidFill>
+                  </a:rPr>
+                  <a:t>esperado</a:t>
+                </a:r>
+                <a:r>
+                  <a:rPr lang="en-US" sz="2000" dirty="0">
+                    <a:solidFill>
+                      <a:schemeClr val="bg1"/>
+                    </a:solidFill>
+                  </a:rPr>
+                  <a:t> </a:t>
+                </a:r>
+                <a:r>
+                  <a:rPr lang="en-US" sz="2000" dirty="0" err="1">
+                    <a:solidFill>
+                      <a:schemeClr val="bg1"/>
+                    </a:solidFill>
+                  </a:rPr>
+                  <a:t>ter</a:t>
+                </a:r>
+                <a:r>
+                  <a:rPr lang="en-US" sz="2000" dirty="0">
+                    <a:solidFill>
+                      <a:schemeClr val="bg1"/>
+                    </a:solidFill>
+                  </a:rPr>
+                  <a:t> 10 </a:t>
+                </a:r>
+                <a:r>
+                  <a:rPr lang="en-US" sz="2000" dirty="0" err="1">
+                    <a:solidFill>
+                      <a:schemeClr val="bg1"/>
+                    </a:solidFill>
+                  </a:rPr>
+                  <a:t>clientes</a:t>
+                </a:r>
+                <a:r>
+                  <a:rPr lang="en-US" sz="2000" dirty="0">
+                    <a:solidFill>
+                      <a:schemeClr val="bg1"/>
+                    </a:solidFill>
+                  </a:rPr>
+                  <a:t> a </a:t>
+                </a:r>
+                <a:r>
+                  <a:rPr lang="en-US" sz="2000" dirty="0" err="1">
+                    <a:solidFill>
+                      <a:schemeClr val="bg1"/>
+                    </a:solidFill>
+                  </a:rPr>
+                  <a:t>espera</a:t>
+                </a:r>
+                <a:r>
+                  <a:rPr lang="en-US" sz="2000" dirty="0">
+                    <a:solidFill>
+                      <a:schemeClr val="bg1"/>
+                    </a:solidFill>
+                  </a:rPr>
+                  <a:t> da </a:t>
+                </a:r>
+                <a:r>
+                  <a:rPr lang="en-US" sz="2000" dirty="0" err="1">
+                    <a:solidFill>
+                      <a:schemeClr val="bg1"/>
+                    </a:solidFill>
+                  </a:rPr>
+                  <a:t>caixa</a:t>
+                </a:r>
+                <a:r>
+                  <a:rPr lang="en-US" sz="2000" dirty="0">
+                    <a:solidFill>
+                      <a:schemeClr val="bg1"/>
+                    </a:solidFill>
+                  </a:rPr>
+                  <a:t>.</a:t>
+                </a:r>
+                <a:r>
+                  <a:rPr lang="en-US" sz="2000" b="0" dirty="0">
+                    <a:solidFill>
+                      <a:srgbClr val="FFFFFF"/>
+                    </a:solidFill>
+                    <a:cs typeface="Calibri"/>
+                  </a:rPr>
+                  <a:t> </a:t>
+                </a:r>
+              </a:p>
+              <a:p>
+                <a:pPr marL="0" indent="0">
+                  <a:buNone/>
+                </a:pPr>
+                <a14:m>
+                  <m:oMath xmlns:m="http://schemas.openxmlformats.org/officeDocument/2006/math">
+                    <m:r>
+                      <a:rPr lang="en-US" sz="2000" b="0" i="1">
+                        <a:solidFill>
+                          <a:srgbClr val="FFFFFF"/>
+                        </a:solidFill>
+                        <a:latin typeface="Cambria Math" panose="02040503050406030204" pitchFamily="18" charset="0"/>
+                        <a:cs typeface="Calibri"/>
+                      </a:rPr>
+                      <m:t>𝑃</m:t>
+                    </m:r>
+                    <m:d>
+                      <m:dPr>
+                        <m:ctrlPr>
+                          <a:rPr lang="en-US" sz="2000" b="0" i="1">
+                            <a:solidFill>
+                              <a:srgbClr val="FFFFFF"/>
+                            </a:solidFill>
+                            <a:latin typeface="Cambria Math" panose="02040503050406030204" pitchFamily="18" charset="0"/>
+                            <a:cs typeface="Calibri"/>
+                          </a:rPr>
+                        </m:ctrlPr>
+                      </m:dPr>
+                      <m:e>
+                        <m:r>
+                          <a:rPr lang="en-US" sz="2000" b="0" i="1">
+                            <a:solidFill>
+                              <a:srgbClr val="FFFFFF"/>
+                            </a:solidFill>
+                            <a:latin typeface="Cambria Math" panose="02040503050406030204" pitchFamily="18" charset="0"/>
+                            <a:cs typeface="Calibri"/>
+                          </a:rPr>
+                          <m:t>𝑋</m:t>
+                        </m:r>
+                        <m:r>
+                          <a:rPr lang="en-US" sz="2000" b="0" i="1">
+                            <a:solidFill>
+                              <a:srgbClr val="FFFFFF"/>
+                            </a:solidFill>
+                            <a:latin typeface="Cambria Math" panose="02040503050406030204" pitchFamily="18" charset="0"/>
+                            <a:cs typeface="Calibri"/>
+                          </a:rPr>
+                          <m:t>=</m:t>
+                        </m:r>
+                        <m:r>
+                          <a:rPr lang="en-US" sz="2000" b="0" i="1">
+                            <a:solidFill>
+                              <a:srgbClr val="FFFFFF"/>
+                            </a:solidFill>
+                            <a:latin typeface="Cambria Math" panose="02040503050406030204" pitchFamily="18" charset="0"/>
+                            <a:cs typeface="Calibri"/>
+                          </a:rPr>
+                          <m:t>𝑘</m:t>
+                        </m:r>
+                      </m:e>
+                    </m:d>
+                    <m:r>
+                      <a:rPr lang="en-US" sz="2000" b="0" i="1">
+                        <a:solidFill>
+                          <a:srgbClr val="FFFFFF"/>
+                        </a:solidFill>
+                        <a:latin typeface="Cambria Math" panose="02040503050406030204" pitchFamily="18" charset="0"/>
+                        <a:cs typeface="Calibri"/>
+                      </a:rPr>
+                      <m:t>=</m:t>
+                    </m:r>
+                    <m:f>
+                      <m:fPr>
+                        <m:ctrlPr>
+                          <a:rPr lang="en-US" sz="2000" b="0" i="1">
+                            <a:solidFill>
+                              <a:srgbClr val="FFFFFF"/>
+                            </a:solidFill>
+                            <a:latin typeface="Cambria Math" panose="02040503050406030204" pitchFamily="18" charset="0"/>
+                            <a:cs typeface="Calibri"/>
+                          </a:rPr>
+                        </m:ctrlPr>
+                      </m:fPr>
+                      <m:num>
+                        <m:sSup>
+                          <m:sSupPr>
+                            <m:ctrlPr>
+                              <a:rPr lang="en-US" sz="2000" b="0" i="1">
+                                <a:solidFill>
+                                  <a:srgbClr val="FFFFFF"/>
+                                </a:solidFill>
+                                <a:latin typeface="Cambria Math" panose="02040503050406030204" pitchFamily="18" charset="0"/>
+                                <a:cs typeface="Calibri"/>
+                              </a:rPr>
+                            </m:ctrlPr>
+                          </m:sSupPr>
+                          <m:e>
+                            <m:r>
+                              <a:rPr lang="en-US" sz="2000" b="0" i="1">
+                                <a:solidFill>
+                                  <a:srgbClr val="FFFFFF"/>
+                                </a:solidFill>
+                                <a:latin typeface="Cambria Math" panose="02040503050406030204" pitchFamily="18" charset="0"/>
+                                <a:cs typeface="Calibri"/>
+                              </a:rPr>
+                              <m:t>𝑒</m:t>
+                            </m:r>
+                          </m:e>
+                          <m:sup>
+                            <m:r>
+                              <a:rPr lang="en-US" sz="2000" b="0" i="1">
+                                <a:solidFill>
+                                  <a:srgbClr val="FFFFFF"/>
+                                </a:solidFill>
+                                <a:latin typeface="Cambria Math" panose="02040503050406030204" pitchFamily="18" charset="0"/>
+                                <a:cs typeface="Calibri"/>
+                              </a:rPr>
+                              <m:t>−</m:t>
+                            </m:r>
+                            <m:r>
+                              <a:rPr lang="en-US" sz="2000" b="0" i="1">
+                                <a:solidFill>
+                                  <a:srgbClr val="FFFFFF"/>
+                                </a:solidFill>
+                                <a:latin typeface="Cambria Math" panose="02040503050406030204" pitchFamily="18" charset="0"/>
+                                <a:cs typeface="Calibri"/>
+                              </a:rPr>
+                              <m:t>𝜆</m:t>
+                            </m:r>
+                          </m:sup>
+                        </m:sSup>
+                        <m:r>
+                          <a:rPr lang="en-US" sz="2000" b="0" i="1">
+                            <a:solidFill>
+                              <a:srgbClr val="FFFFFF"/>
+                            </a:solidFill>
+                            <a:latin typeface="Cambria Math" panose="02040503050406030204" pitchFamily="18" charset="0"/>
+                            <a:cs typeface="Calibri"/>
+                          </a:rPr>
+                          <m:t> </m:t>
+                        </m:r>
+                        <m:sSup>
+                          <m:sSupPr>
+                            <m:ctrlPr>
+                              <a:rPr lang="en-US" sz="2000" b="0" i="1">
+                                <a:solidFill>
+                                  <a:srgbClr val="FFFFFF"/>
+                                </a:solidFill>
+                                <a:latin typeface="Cambria Math" panose="02040503050406030204" pitchFamily="18" charset="0"/>
+                                <a:cs typeface="Calibri"/>
+                              </a:rPr>
+                            </m:ctrlPr>
+                          </m:sSupPr>
+                          <m:e>
+                            <m:r>
+                              <a:rPr lang="en-US" sz="2000" b="0" i="1">
+                                <a:solidFill>
+                                  <a:srgbClr val="FFFFFF"/>
+                                </a:solidFill>
+                                <a:latin typeface="Cambria Math" panose="02040503050406030204" pitchFamily="18" charset="0"/>
+                                <a:cs typeface="Calibri"/>
+                              </a:rPr>
+                              <m:t>𝜆</m:t>
+                            </m:r>
+                          </m:e>
+                          <m:sup>
+                            <m:r>
+                              <a:rPr lang="en-US" sz="2000" b="0" i="1">
+                                <a:solidFill>
+                                  <a:srgbClr val="FFFFFF"/>
+                                </a:solidFill>
+                                <a:latin typeface="Cambria Math" panose="02040503050406030204" pitchFamily="18" charset="0"/>
+                                <a:cs typeface="Calibri"/>
+                              </a:rPr>
+                              <m:t>𝑘</m:t>
+                            </m:r>
+                          </m:sup>
+                        </m:sSup>
+                      </m:num>
+                      <m:den>
+                        <m:r>
+                          <a:rPr lang="en-US" sz="2000" b="0" i="1">
+                            <a:solidFill>
+                              <a:srgbClr val="FFFFFF"/>
+                            </a:solidFill>
+                            <a:latin typeface="Cambria Math" panose="02040503050406030204" pitchFamily="18" charset="0"/>
+                            <a:cs typeface="Calibri"/>
+                          </a:rPr>
+                          <m:t>𝑘</m:t>
+                        </m:r>
+                        <m:r>
+                          <a:rPr lang="en-US" sz="2000" b="0" i="1">
+                            <a:solidFill>
+                              <a:srgbClr val="FFFFFF"/>
+                            </a:solidFill>
+                            <a:latin typeface="Cambria Math" panose="02040503050406030204" pitchFamily="18" charset="0"/>
+                            <a:cs typeface="Calibri"/>
+                          </a:rPr>
+                          <m:t>!</m:t>
+                        </m:r>
+                      </m:den>
+                    </m:f>
+                    <m:r>
+                      <a:rPr lang="en-US" sz="2000" b="0" i="1">
+                        <a:solidFill>
+                          <a:srgbClr val="FFFFFF"/>
+                        </a:solidFill>
+                        <a:latin typeface="Cambria Math" panose="02040503050406030204" pitchFamily="18" charset="0"/>
+                        <a:cs typeface="Calibri"/>
+                      </a:rPr>
+                      <m:t> </m:t>
+                    </m:r>
+                  </m:oMath>
+                </a14:m>
+                <a:r>
+                  <a:rPr lang="en-US" sz="2000" dirty="0">
+                    <a:solidFill>
+                      <a:schemeClr val="bg1"/>
+                    </a:solidFill>
+                  </a:rPr>
+                  <a:t> </a:t>
+                </a:r>
+              </a:p>
+            </p:txBody>
+          </p:sp>
+        </mc:Choice>
+        <mc:Fallback>
+          <p:sp>
+            <p:nvSpPr>
+              <p:cNvPr id="3" name="Content Placeholder 2">
+                <a:extLst>
+                  <a:ext uri="{FF2B5EF4-FFF2-40B4-BE49-F238E27FC236}">
+                    <a16:creationId xmlns:a16="http://schemas.microsoft.com/office/drawing/2014/main" id="{2B0B0381-2015-4C05-B552-CD2565C5E8A6}"/>
+                  </a:ext>
+                </a:extLst>
+              </p:cNvPr>
+              <p:cNvSpPr>
+                <a:spLocks noGrp="1" noRot="1" noChangeAspect="1" noMove="1" noResize="1" noEditPoints="1" noAdjustHandles="1" noChangeArrowheads="1" noChangeShapeType="1" noTextEdit="1"/>
+              </p:cNvSpPr>
+              <p:nvPr>
+                <p:ph idx="1"/>
+              </p:nvPr>
+            </p:nvSpPr>
+            <p:spPr>
+              <a:xfrm>
+                <a:off x="847344" y="1580664"/>
+                <a:ext cx="10506456" cy="727529"/>
+              </a:xfrm>
+              <a:blipFill>
+                <a:blip r:embed="rId2"/>
+                <a:stretch>
+                  <a:fillRect l="-348" t="-11667"/>
+                </a:stretch>
+              </a:blipFill>
+            </p:spPr>
+            <p:txBody>
+              <a:bodyPr/>
+              <a:lstStyle/>
+              <a:p>
+                <a:r>
+                  <a:rPr lang="en-GB">
+                    <a:noFill/>
+                  </a:rPr>
+                  <a:t> </a:t>
+                </a:r>
+              </a:p>
+            </p:txBody>
+          </p:sp>
+        </mc:Fallback>
+      </mc:AlternateContent>
+      <p:pic>
+        <p:nvPicPr>
+          <p:cNvPr id="5" name="Imagem 5">
+            <a:extLst>
+              <a:ext uri="{FF2B5EF4-FFF2-40B4-BE49-F238E27FC236}">
+                <a16:creationId xmlns:a16="http://schemas.microsoft.com/office/drawing/2014/main" id="{FD654689-E7BA-4402-91EB-A0D1CBC7240A}"/>
+              </a:ext>
+            </a:extLst>
+          </p:cNvPr>
+          <p:cNvPicPr>
+            <a:picLocks noChangeAspect="1"/>
+          </p:cNvPicPr>
+          <p:nvPr/>
+        </p:nvPicPr>
+        <p:blipFill>
+          <a:blip r:embed="rId3">
+            <a:extLst>
+              <a:ext uri="{28A0092B-C50C-407E-A947-70E740481C1C}">
+                <a14:useLocalDpi xmlns:a14="http://schemas.microsoft.com/office/drawing/2010/main" val="0"/>
+              </a:ext>
+            </a:extLst>
+          </a:blip>
+          <a:stretch/>
+        </p:blipFill>
+        <p:spPr>
+          <a:xfrm>
+            <a:off x="930088" y="2811439"/>
+            <a:ext cx="4569428" cy="3461342"/>
+          </a:xfrm>
+          <a:prstGeom prst="rect">
+            <a:avLst/>
+          </a:prstGeom>
+        </p:spPr>
+      </p:pic>
+      <p:pic>
+        <p:nvPicPr>
+          <p:cNvPr id="4" name="Imagem 5">
+            <a:extLst>
+              <a:ext uri="{FF2B5EF4-FFF2-40B4-BE49-F238E27FC236}">
+                <a16:creationId xmlns:a16="http://schemas.microsoft.com/office/drawing/2014/main" id="{08423078-5043-4334-8185-EB958FD72868}"/>
+              </a:ext>
+            </a:extLst>
+          </p:cNvPr>
+          <p:cNvPicPr>
+            <a:picLocks noChangeAspect="1"/>
+          </p:cNvPicPr>
+          <p:nvPr/>
+        </p:nvPicPr>
+        <p:blipFill>
+          <a:blip r:embed="rId4">
+            <a:extLst>
+              <a:ext uri="{28A0092B-C50C-407E-A947-70E740481C1C}">
+                <a14:useLocalDpi xmlns:a14="http://schemas.microsoft.com/office/drawing/2010/main" val="0"/>
+              </a:ext>
+            </a:extLst>
+          </a:blip>
+          <a:stretch/>
+        </p:blipFill>
+        <p:spPr>
+          <a:xfrm>
+            <a:off x="6630525" y="2811438"/>
+            <a:ext cx="4693346" cy="3461343"/>
+          </a:xfrm>
+          <a:prstGeom prst="rect">
+            <a:avLst/>
+          </a:prstGeom>
+        </p:spPr>
+      </p:pic>
+      <p:pic>
+        <p:nvPicPr>
+          <p:cNvPr id="13" name="Picture 12" descr="Icon&#10;&#10;Description automatically generated">
+            <a:extLst>
+              <a:ext uri="{FF2B5EF4-FFF2-40B4-BE49-F238E27FC236}">
+                <a16:creationId xmlns:a16="http://schemas.microsoft.com/office/drawing/2014/main" id="{472ECC5D-5DCE-42CA-A1DE-5313E4B710A3}"/>
+              </a:ext>
+            </a:extLst>
+          </p:cNvPr>
+          <p:cNvPicPr>
+            <a:picLocks noChangeAspect="1"/>
+          </p:cNvPicPr>
+          <p:nvPr/>
+        </p:nvPicPr>
+        <p:blipFill>
+          <a:blip r:embed="rId5">
+            <a:extLst>
+              <a:ext uri="{28A0092B-C50C-407E-A947-70E740481C1C}">
+                <a14:useLocalDpi xmlns:a14="http://schemas.microsoft.com/office/drawing/2010/main" val="0"/>
+              </a:ext>
+            </a:extLst>
+          </a:blip>
+          <a:stretch>
+            <a:fillRect/>
+          </a:stretch>
+        </p:blipFill>
+        <p:spPr>
+          <a:xfrm>
+            <a:off x="10015899" y="365125"/>
+            <a:ext cx="1770855" cy="883219"/>
+          </a:xfrm>
+          <a:prstGeom prst="rect">
+            <a:avLst/>
+          </a:prstGeom>
+        </p:spPr>
+      </p:pic>
       <p:sp>
         <p:nvSpPr>
-          <p:cNvPr id="3" name="Content Placeholder 2">
+          <p:cNvPr id="7" name="Slide Number Placeholder 6">
             <a:extLst>
               <a:ext uri="{FF2B5EF4-FFF2-40B4-BE49-F238E27FC236}">
-                <a16:creationId xmlns:a16="http://schemas.microsoft.com/office/drawing/2014/main" id="{EC75AD99-26BD-4FCD-9831-C1EBF240F0E8}"/>
+                <a16:creationId xmlns:a16="http://schemas.microsoft.com/office/drawing/2014/main" id="{F6783D82-CB38-467A-84A5-DA7CD4499865}"/>
               </a:ext>
             </a:extLst>
           </p:cNvPr>
@@ -3761,7 +10268,7 @@
             <a:spLocks noGrp="1"/>
           </p:cNvSpPr>
           <p:nvPr>
-            <p:ph idx="1"/>
+            <p:ph type="sldNum" sz="quarter" idx="12"/>
           </p:nvPr>
         </p:nvSpPr>
         <p:spPr/>
@@ -3769,166 +10276,10 @@
           <a:bodyPr/>
           <a:lstStyle/>
           <a:p>
-            <a:endParaRPr lang="en-GB"/>
-          </a:p>
-        </p:txBody>
-      </p:sp>
-    </p:spTree>
-    <p:extLst>
-      <p:ext uri="{BB962C8B-B14F-4D97-AF65-F5344CB8AC3E}">
-        <p14:creationId xmlns:p14="http://schemas.microsoft.com/office/powerpoint/2010/main" val="141842313"/>
-      </p:ext>
-    </p:extLst>
-  </p:cSld>
-  <p:clrMapOvr>
-    <a:masterClrMapping/>
-  </p:clrMapOvr>
-</p:sld>
-</file>
-
-<file path=ppt/slides/slide4.xml><?xml version="1.0" encoding="utf-8"?>
-<p:sld xmlns:a="http://schemas.openxmlformats.org/drawingml/2006/main" xmlns:r="http://schemas.openxmlformats.org/officeDocument/2006/relationships" xmlns:p="http://schemas.openxmlformats.org/presentationml/2006/main">
-  <p:cSld>
-    <p:spTree>
-      <p:nvGrpSpPr>
-        <p:cNvPr id="1" name=""/>
-        <p:cNvGrpSpPr/>
-        <p:nvPr/>
-      </p:nvGrpSpPr>
-      <p:grpSpPr>
-        <a:xfrm>
-          <a:off x="0" y="0"/>
-          <a:ext cx="0" cy="0"/>
-          <a:chOff x="0" y="0"/>
-          <a:chExt cx="0" cy="0"/>
-        </a:xfrm>
-      </p:grpSpPr>
-      <p:sp>
-        <p:nvSpPr>
-          <p:cNvPr id="2" name="Title 1">
-            <a:extLst>
-              <a:ext uri="{FF2B5EF4-FFF2-40B4-BE49-F238E27FC236}">
-                <a16:creationId xmlns:a16="http://schemas.microsoft.com/office/drawing/2014/main" id="{770AEAC1-D00D-4613-95F0-71CF1560AD62}"/>
-              </a:ext>
-            </a:extLst>
-          </p:cNvPr>
-          <p:cNvSpPr>
-            <a:spLocks noGrp="1"/>
-          </p:cNvSpPr>
-          <p:nvPr>
-            <p:ph type="title"/>
-          </p:nvPr>
-        </p:nvSpPr>
-        <p:spPr/>
-        <p:txBody>
-          <a:bodyPr/>
-          <a:lstStyle/>
-          <a:p>
-            <a:endParaRPr lang="en-GB"/>
-          </a:p>
-        </p:txBody>
-      </p:sp>
-      <p:sp>
-        <p:nvSpPr>
-          <p:cNvPr id="3" name="Content Placeholder 2">
-            <a:extLst>
-              <a:ext uri="{FF2B5EF4-FFF2-40B4-BE49-F238E27FC236}">
-                <a16:creationId xmlns:a16="http://schemas.microsoft.com/office/drawing/2014/main" id="{1B8160BC-DBAF-4CF3-815A-DFCC0C01BC4D}"/>
-              </a:ext>
-            </a:extLst>
-          </p:cNvPr>
-          <p:cNvSpPr>
-            <a:spLocks noGrp="1"/>
-          </p:cNvSpPr>
-          <p:nvPr>
-            <p:ph idx="1"/>
-          </p:nvPr>
-        </p:nvSpPr>
-        <p:spPr/>
-        <p:txBody>
-          <a:bodyPr/>
-          <a:lstStyle/>
-          <a:p>
-            <a:endParaRPr lang="en-GB"/>
-          </a:p>
-        </p:txBody>
-      </p:sp>
-    </p:spTree>
-    <p:extLst>
-      <p:ext uri="{BB962C8B-B14F-4D97-AF65-F5344CB8AC3E}">
-        <p14:creationId xmlns:p14="http://schemas.microsoft.com/office/powerpoint/2010/main" val="3785552250"/>
-      </p:ext>
-    </p:extLst>
-  </p:cSld>
-  <p:clrMapOvr>
-    <a:masterClrMapping/>
-  </p:clrMapOvr>
-</p:sld>
-</file>
-
-<file path=ppt/slides/slide5.xml><?xml version="1.0" encoding="utf-8"?>
-<p:sld xmlns:a="http://schemas.openxmlformats.org/drawingml/2006/main" xmlns:r="http://schemas.openxmlformats.org/officeDocument/2006/relationships" xmlns:p="http://schemas.openxmlformats.org/presentationml/2006/main">
-  <p:cSld>
-    <p:spTree>
-      <p:nvGrpSpPr>
-        <p:cNvPr id="1" name=""/>
-        <p:cNvGrpSpPr/>
-        <p:nvPr/>
-      </p:nvGrpSpPr>
-      <p:grpSpPr>
-        <a:xfrm>
-          <a:off x="0" y="0"/>
-          <a:ext cx="0" cy="0"/>
-          <a:chOff x="0" y="0"/>
-          <a:chExt cx="0" cy="0"/>
-        </a:xfrm>
-      </p:grpSpPr>
-      <p:sp>
-        <p:nvSpPr>
-          <p:cNvPr id="2" name="Title 1">
-            <a:extLst>
-              <a:ext uri="{FF2B5EF4-FFF2-40B4-BE49-F238E27FC236}">
-                <a16:creationId xmlns:a16="http://schemas.microsoft.com/office/drawing/2014/main" id="{98EB2216-8FC6-44B0-82C2-66A7172A529A}"/>
-              </a:ext>
-            </a:extLst>
-          </p:cNvPr>
-          <p:cNvSpPr>
-            <a:spLocks noGrp="1"/>
-          </p:cNvSpPr>
-          <p:nvPr>
-            <p:ph type="title"/>
-          </p:nvPr>
-        </p:nvSpPr>
-        <p:spPr/>
-        <p:txBody>
-          <a:bodyPr/>
-          <a:lstStyle/>
-          <a:p>
-            <a:endParaRPr lang="en-GB"/>
-          </a:p>
-        </p:txBody>
-      </p:sp>
-      <p:sp>
-        <p:nvSpPr>
-          <p:cNvPr id="3" name="Content Placeholder 2">
-            <a:extLst>
-              <a:ext uri="{FF2B5EF4-FFF2-40B4-BE49-F238E27FC236}">
-                <a16:creationId xmlns:a16="http://schemas.microsoft.com/office/drawing/2014/main" id="{2B0B0381-2015-4C05-B552-CD2565C5E8A6}"/>
-              </a:ext>
-            </a:extLst>
-          </p:cNvPr>
-          <p:cNvSpPr>
-            <a:spLocks noGrp="1"/>
-          </p:cNvSpPr>
-          <p:nvPr>
-            <p:ph idx="1"/>
-          </p:nvPr>
-        </p:nvSpPr>
-        <p:spPr/>
-        <p:txBody>
-          <a:bodyPr/>
-          <a:lstStyle/>
-          <a:p>
+            <a:fld id="{4310B044-6F84-4299-A58B-8057292127B9}" type="slidenum">
+              <a:rPr lang="en-GB" smtClean="0"/>
+              <a:t>5</a:t>
+            </a:fld>
             <a:endParaRPr lang="en-GB"/>
           </a:p>
         </p:txBody>
@@ -3949,6 +10300,14 @@
 <file path=ppt/slides/slide6.xml><?xml version="1.0" encoding="utf-8"?>
 <p:sld xmlns:a="http://schemas.openxmlformats.org/drawingml/2006/main" xmlns:r="http://schemas.openxmlformats.org/officeDocument/2006/relationships" xmlns:p="http://schemas.openxmlformats.org/presentationml/2006/main">
   <p:cSld>
+    <p:bg>
+      <p:bgPr>
+        <a:solidFill>
+          <a:srgbClr val="404040"/>
+        </a:solidFill>
+        <a:effectLst/>
+      </p:bgPr>
+    </p:bg>
     <p:spTree>
       <p:nvGrpSpPr>
         <p:cNvPr id="1" name=""/>
@@ -3965,10 +10324,291 @@
       </p:grpSpPr>
       <p:sp>
         <p:nvSpPr>
+          <p:cNvPr id="8" name="Rectangle 7">
+            <a:extLst>
+              <a:ext uri="{FF2B5EF4-FFF2-40B4-BE49-F238E27FC236}">
+                <a16:creationId xmlns:a16="http://schemas.microsoft.com/office/drawing/2014/main" id="{EA67B5B4-3A24-436E-B663-1B2EBFF8A0CD}"/>
+              </a:ext>
+              <a:ext uri="{C183D7F6-B498-43B3-948B-1728B52AA6E4}">
+                <adec:decorative xmlns:adec="http://schemas.microsoft.com/office/drawing/2017/decorative" val="1"/>
+              </a:ext>
+            </a:extLst>
+          </p:cNvPr>
+          <p:cNvSpPr>
+            <a:spLocks noGrp="1" noRot="1" noChangeAspect="1" noMove="1" noResize="1" noEditPoints="1" noAdjustHandles="1" noChangeArrowheads="1" noChangeShapeType="1" noTextEdit="1"/>
+          </p:cNvSpPr>
+          <p:nvPr>
+            <p:extLst>
+              <p:ext uri="{386F3935-93C4-4BCD-93E2-E3B085C9AB24}">
+                <p16:designElem xmlns:p16="http://schemas.microsoft.com/office/powerpoint/2015/main" val="1"/>
+              </p:ext>
+            </p:extLst>
+          </p:nvPr>
+        </p:nvSpPr>
+        <p:spPr>
+          <a:xfrm>
+            <a:off x="0" y="-3324"/>
+            <a:ext cx="12192000" cy="6861324"/>
+          </a:xfrm>
+          <a:prstGeom prst="rect">
+            <a:avLst/>
+          </a:prstGeom>
+          <a:solidFill>
+            <a:srgbClr val="404040"/>
+          </a:solidFill>
+          <a:ln>
+            <a:noFill/>
+          </a:ln>
+        </p:spPr>
+        <p:style>
+          <a:lnRef idx="2">
+            <a:schemeClr val="accent1">
+              <a:shade val="50000"/>
+            </a:schemeClr>
+          </a:lnRef>
+          <a:fillRef idx="1">
+            <a:schemeClr val="accent1"/>
+          </a:fillRef>
+          <a:effectRef idx="0">
+            <a:schemeClr val="accent1"/>
+          </a:effectRef>
+          <a:fontRef idx="minor">
+            <a:schemeClr val="lt1"/>
+          </a:fontRef>
+        </p:style>
+        <p:txBody>
+          <a:bodyPr rtlCol="0" anchor="ctr"/>
+          <a:lstStyle/>
+          <a:p>
+            <a:pPr algn="ctr"/>
+            <a:endParaRPr lang="en-US"/>
+          </a:p>
+        </p:txBody>
+      </p:sp>
+      <p:sp>
+        <p:nvSpPr>
+          <p:cNvPr id="10" name="Freeform 13">
+            <a:extLst>
+              <a:ext uri="{FF2B5EF4-FFF2-40B4-BE49-F238E27FC236}">
+                <a16:creationId xmlns:a16="http://schemas.microsoft.com/office/drawing/2014/main" id="{987FDF89-C993-41F4-A1B8-DBAFF16008A9}"/>
+              </a:ext>
+              <a:ext uri="{C183D7F6-B498-43B3-948B-1728B52AA6E4}">
+                <adec:decorative xmlns:adec="http://schemas.microsoft.com/office/drawing/2017/decorative" val="1"/>
+              </a:ext>
+            </a:extLst>
+          </p:cNvPr>
+          <p:cNvSpPr>
+            <a:spLocks noGrp="1" noRot="1" noChangeAspect="1" noMove="1" noResize="1" noEditPoints="1" noAdjustHandles="1" noChangeArrowheads="1" noChangeShapeType="1" noTextEdit="1"/>
+          </p:cNvSpPr>
+          <p:nvPr>
+            <p:extLst>
+              <p:ext uri="{386F3935-93C4-4BCD-93E2-E3B085C9AB24}">
+                <p16:designElem xmlns:p16="http://schemas.microsoft.com/office/powerpoint/2015/main" val="1"/>
+              </p:ext>
+            </p:extLst>
+          </p:nvPr>
+        </p:nvSpPr>
+        <p:spPr>
+          <a:xfrm>
+            <a:off x="0" y="0"/>
+            <a:ext cx="11786754" cy="6858000"/>
+          </a:xfrm>
+          <a:custGeom>
+            <a:avLst/>
+            <a:gdLst>
+              <a:gd name="connsiteX0" fmla="*/ 0 w 11786754"/>
+              <a:gd name="connsiteY0" fmla="*/ 0 h 6858000"/>
+              <a:gd name="connsiteX1" fmla="*/ 8610600 w 11786754"/>
+              <a:gd name="connsiteY1" fmla="*/ 0 h 6858000"/>
+              <a:gd name="connsiteX2" fmla="*/ 11786754 w 11786754"/>
+              <a:gd name="connsiteY2" fmla="*/ 6858000 h 6858000"/>
+              <a:gd name="connsiteX3" fmla="*/ 0 w 11786754"/>
+              <a:gd name="connsiteY3" fmla="*/ 6858000 h 6858000"/>
+            </a:gdLst>
+            <a:ahLst/>
+            <a:cxnLst>
+              <a:cxn ang="0">
+                <a:pos x="connsiteX0" y="connsiteY0"/>
+              </a:cxn>
+              <a:cxn ang="0">
+                <a:pos x="connsiteX1" y="connsiteY1"/>
+              </a:cxn>
+              <a:cxn ang="0">
+                <a:pos x="connsiteX2" y="connsiteY2"/>
+              </a:cxn>
+              <a:cxn ang="0">
+                <a:pos x="connsiteX3" y="connsiteY3"/>
+              </a:cxn>
+            </a:cxnLst>
+            <a:rect l="l" t="t" r="r" b="b"/>
+            <a:pathLst>
+              <a:path w="11786754" h="6858000">
+                <a:moveTo>
+                  <a:pt x="0" y="0"/>
+                </a:moveTo>
+                <a:lnTo>
+                  <a:pt x="8610600" y="0"/>
+                </a:lnTo>
+                <a:lnTo>
+                  <a:pt x="11786754" y="6858000"/>
+                </a:lnTo>
+                <a:lnTo>
+                  <a:pt x="0" y="6858000"/>
+                </a:lnTo>
+                <a:close/>
+              </a:path>
+            </a:pathLst>
+          </a:custGeom>
+          <a:solidFill>
+            <a:srgbClr val="000000">
+              <a:alpha val="29804"/>
+            </a:srgbClr>
+          </a:solidFill>
+          <a:ln>
+            <a:noFill/>
+          </a:ln>
+        </p:spPr>
+        <p:style>
+          <a:lnRef idx="2">
+            <a:schemeClr val="accent1">
+              <a:shade val="50000"/>
+            </a:schemeClr>
+          </a:lnRef>
+          <a:fillRef idx="1">
+            <a:schemeClr val="accent1"/>
+          </a:fillRef>
+          <a:effectRef idx="0">
+            <a:schemeClr val="accent1"/>
+          </a:effectRef>
+          <a:fontRef idx="minor">
+            <a:schemeClr val="lt1"/>
+          </a:fontRef>
+        </p:style>
+        <p:txBody>
+          <a:bodyPr rtlCol="0" anchor="ctr"/>
+          <a:lstStyle/>
+          <a:p>
+            <a:pPr algn="ctr"/>
+            <a:endParaRPr lang="en-US"/>
+          </a:p>
+        </p:txBody>
+      </p:sp>
+      <p:sp>
+        <p:nvSpPr>
+          <p:cNvPr id="12" name="Freeform 11">
+            <a:extLst>
+              <a:ext uri="{FF2B5EF4-FFF2-40B4-BE49-F238E27FC236}">
+                <a16:creationId xmlns:a16="http://schemas.microsoft.com/office/drawing/2014/main" id="{64E585EA-75FD-4025-8270-F66A58A15CDA}"/>
+              </a:ext>
+              <a:ext uri="{C183D7F6-B498-43B3-948B-1728B52AA6E4}">
+                <adec:decorative xmlns:adec="http://schemas.microsoft.com/office/drawing/2017/decorative" val="1"/>
+              </a:ext>
+            </a:extLst>
+          </p:cNvPr>
+          <p:cNvSpPr>
+            <a:spLocks noGrp="1" noRot="1" noChangeAspect="1" noMove="1" noResize="1" noEditPoints="1" noAdjustHandles="1" noChangeArrowheads="1" noChangeShapeType="1" noTextEdit="1"/>
+          </p:cNvSpPr>
+          <p:nvPr>
+            <p:extLst>
+              <p:ext uri="{386F3935-93C4-4BCD-93E2-E3B085C9AB24}">
+                <p16:designElem xmlns:p16="http://schemas.microsoft.com/office/powerpoint/2015/main" val="1"/>
+              </p:ext>
+            </p:extLst>
+          </p:nvPr>
+        </p:nvSpPr>
+        <p:spPr>
+          <a:xfrm>
+            <a:off x="0" y="0"/>
+            <a:ext cx="3581400" cy="6858000"/>
+          </a:xfrm>
+          <a:custGeom>
+            <a:avLst/>
+            <a:gdLst>
+              <a:gd name="connsiteX0" fmla="*/ 0 w 3581400"/>
+              <a:gd name="connsiteY0" fmla="*/ 0 h 6858000"/>
+              <a:gd name="connsiteX1" fmla="*/ 405246 w 3581400"/>
+              <a:gd name="connsiteY1" fmla="*/ 0 h 6858000"/>
+              <a:gd name="connsiteX2" fmla="*/ 3581400 w 3581400"/>
+              <a:gd name="connsiteY2" fmla="*/ 6858000 h 6858000"/>
+              <a:gd name="connsiteX3" fmla="*/ 0 w 3581400"/>
+              <a:gd name="connsiteY3" fmla="*/ 6858000 h 6858000"/>
+            </a:gdLst>
+            <a:ahLst/>
+            <a:cxnLst>
+              <a:cxn ang="0">
+                <a:pos x="connsiteX0" y="connsiteY0"/>
+              </a:cxn>
+              <a:cxn ang="0">
+                <a:pos x="connsiteX1" y="connsiteY1"/>
+              </a:cxn>
+              <a:cxn ang="0">
+                <a:pos x="connsiteX2" y="connsiteY2"/>
+              </a:cxn>
+              <a:cxn ang="0">
+                <a:pos x="connsiteX3" y="connsiteY3"/>
+              </a:cxn>
+            </a:cxnLst>
+            <a:rect l="l" t="t" r="r" b="b"/>
+            <a:pathLst>
+              <a:path w="3581400" h="6858000">
+                <a:moveTo>
+                  <a:pt x="0" y="0"/>
+                </a:moveTo>
+                <a:lnTo>
+                  <a:pt x="405246" y="0"/>
+                </a:lnTo>
+                <a:lnTo>
+                  <a:pt x="3581400" y="6858000"/>
+                </a:lnTo>
+                <a:lnTo>
+                  <a:pt x="0" y="6858000"/>
+                </a:lnTo>
+                <a:close/>
+              </a:path>
+            </a:pathLst>
+          </a:custGeom>
+          <a:solidFill>
+            <a:srgbClr val="000000">
+              <a:alpha val="29804"/>
+            </a:srgbClr>
+          </a:solidFill>
+          <a:ln>
+            <a:noFill/>
+          </a:ln>
+        </p:spPr>
+        <p:style>
+          <a:lnRef idx="2">
+            <a:schemeClr val="accent1">
+              <a:shade val="50000"/>
+            </a:schemeClr>
+          </a:lnRef>
+          <a:fillRef idx="1">
+            <a:schemeClr val="accent1"/>
+          </a:fillRef>
+          <a:effectRef idx="0">
+            <a:schemeClr val="accent1"/>
+          </a:effectRef>
+          <a:fontRef idx="minor">
+            <a:schemeClr val="lt1"/>
+          </a:fontRef>
+        </p:style>
+        <p:txBody>
+          <a:bodyPr wrap="square" rtlCol="0" anchor="ctr">
+            <a:noAutofit/>
+          </a:bodyPr>
+          <a:lstStyle/>
+          <a:p>
+            <a:pPr algn="ctr"/>
+            <a:endParaRPr lang="en-US"/>
+          </a:p>
+        </p:txBody>
+      </p:sp>
+      <p:sp>
+        <p:nvSpPr>
           <p:cNvPr id="2" name="Title 1">
             <a:extLst>
               <a:ext uri="{FF2B5EF4-FFF2-40B4-BE49-F238E27FC236}">
-                <a16:creationId xmlns:a16="http://schemas.microsoft.com/office/drawing/2014/main" id="{C9F13D6B-ADDC-4D9F-8F64-BFE5D3350D4E}"/>
+                <a16:creationId xmlns:a16="http://schemas.microsoft.com/office/drawing/2014/main" id="{770AEAC1-D00D-4613-95F0-71CF1560AD62}"/>
               </a:ext>
             </a:extLst>
           </p:cNvPr>
@@ -3979,12 +10619,32 @@
             <p:ph type="title"/>
           </p:nvPr>
         </p:nvSpPr>
-        <p:spPr/>
+        <p:spPr>
+          <a:xfrm>
+            <a:off x="833002" y="365125"/>
+            <a:ext cx="10520702" cy="1325563"/>
+          </a:xfrm>
+        </p:spPr>
         <p:txBody>
-          <a:bodyPr/>
+          <a:bodyPr>
+            <a:normAutofit/>
+          </a:bodyPr>
           <a:lstStyle/>
           <a:p>
-            <a:endParaRPr lang="en-GB"/>
+            <a:r>
+              <a:rPr lang="en-GB">
+                <a:solidFill>
+                  <a:srgbClr val="FFFFFF"/>
+                </a:solidFill>
+                <a:cs typeface="Calibri Light"/>
+              </a:rPr>
+              <a:t>Distribuição Gamma</a:t>
+            </a:r>
+            <a:endParaRPr lang="en-GB">
+              <a:solidFill>
+                <a:srgbClr val="FFFFFF"/>
+              </a:solidFill>
+            </a:endParaRPr>
           </a:p>
         </p:txBody>
       </p:sp>
@@ -3993,7 +10653,7 @@
           <p:cNvPr id="3" name="Content Placeholder 2">
             <a:extLst>
               <a:ext uri="{FF2B5EF4-FFF2-40B4-BE49-F238E27FC236}">
-                <a16:creationId xmlns:a16="http://schemas.microsoft.com/office/drawing/2014/main" id="{EC75AD99-26BD-4FCD-9831-C1EBF240F0E8}"/>
+                <a16:creationId xmlns:a16="http://schemas.microsoft.com/office/drawing/2014/main" id="{1B8160BC-DBAF-4CF3-815A-DFCC0C01BC4D}"/>
               </a:ext>
             </a:extLst>
           </p:cNvPr>
@@ -4004,11 +10664,159 @@
             <p:ph idx="1"/>
           </p:nvPr>
         </p:nvSpPr>
+        <p:spPr>
+          <a:xfrm>
+            <a:off x="838201" y="2022601"/>
+            <a:ext cx="10515598" cy="4154361"/>
+          </a:xfrm>
+        </p:spPr>
+        <p:txBody>
+          <a:bodyPr vert="horz" lIns="91440" tIns="45720" rIns="91440" bIns="45720" rtlCol="0">
+            <a:normAutofit/>
+          </a:bodyPr>
+          <a:lstStyle/>
+          <a:p>
+            <a:r>
+              <a:rPr lang="en-GB" sz="2000">
+                <a:solidFill>
+                  <a:srgbClr val="FFFFFF"/>
+                </a:solidFill>
+                <a:cs typeface="Calibri"/>
+              </a:rPr>
+              <a:t>A distribuição é contínua e serve para modelizar variáveis contínuas positivas que são assimétricas;</a:t>
+            </a:r>
+          </a:p>
+          <a:p>
+            <a:r>
+              <a:rPr lang="en-GB" sz="2000">
+                <a:solidFill>
+                  <a:srgbClr val="FFFFFF"/>
+                </a:solidFill>
+                <a:cs typeface="Calibri"/>
+              </a:rPr>
+              <a:t>É uma distribuição com 2 parâmetros reais positivos, porque um parâmetro (k) representa o número de eventos e o outro(Beta) representa a taxa de eventos;</a:t>
+            </a:r>
+          </a:p>
+          <a:p>
+            <a:r>
+              <a:rPr lang="en-GB" sz="2000">
+                <a:solidFill>
+                  <a:srgbClr val="FFFFFF"/>
+                </a:solidFill>
+                <a:cs typeface="Calibri"/>
+              </a:rPr>
+              <a:t>Os 2 tipos de parametrização mais usados são:</a:t>
+            </a:r>
+          </a:p>
+          <a:p>
+            <a:pPr lvl="1"/>
+            <a:r>
+              <a:rPr lang="en-GB" sz="2000">
+                <a:solidFill>
+                  <a:srgbClr val="FFFFFF"/>
+                </a:solidFill>
+                <a:cs typeface="Calibri"/>
+              </a:rPr>
+              <a:t>Com um parâmetro de forma k e um parâmetro de escala theta (Econometria);</a:t>
+            </a:r>
+          </a:p>
+          <a:p>
+            <a:pPr lvl="1"/>
+            <a:r>
+              <a:rPr lang="en-GB" sz="2000">
+                <a:solidFill>
+                  <a:srgbClr val="FFFFFF"/>
+                </a:solidFill>
+                <a:cs typeface="Calibri"/>
+              </a:rPr>
+              <a:t>Com um parâmetro de forma a=k e um parâmetro de escala inversa B = 1/theta (Inferência Bayesiana);</a:t>
+            </a:r>
+          </a:p>
+          <a:p>
+            <a:r>
+              <a:rPr lang="en-GB" sz="2000">
+                <a:solidFill>
+                  <a:srgbClr val="FFFFFF"/>
+                </a:solidFill>
+                <a:cs typeface="Calibri"/>
+              </a:rPr>
+              <a:t>As distribuições exponencial, Erlang e Chi-Square são casos especiais da distribuição Gamma;</a:t>
+            </a:r>
+          </a:p>
+          <a:p>
+            <a:r>
+              <a:rPr lang="en-GB" sz="2000">
+                <a:solidFill>
+                  <a:srgbClr val="FFFFFF"/>
+                </a:solidFill>
+                <a:cs typeface="Calibri"/>
+              </a:rPr>
+              <a:t>É bastante usada para prever tempos de espera até que eventos futuros ocorram (prevê até ao evento k);</a:t>
+            </a:r>
+          </a:p>
+        </p:txBody>
+      </p:sp>
+      <p:pic>
+        <p:nvPicPr>
+          <p:cNvPr id="7" name="Picture 6" descr="Icon&#10;&#10;Description automatically generated">
+            <a:extLst>
+              <a:ext uri="{FF2B5EF4-FFF2-40B4-BE49-F238E27FC236}">
+                <a16:creationId xmlns:a16="http://schemas.microsoft.com/office/drawing/2014/main" id="{51DCDEF1-18AC-4EC1-A327-5F242A2A3C84}"/>
+              </a:ext>
+            </a:extLst>
+          </p:cNvPr>
+          <p:cNvPicPr>
+            <a:picLocks noChangeAspect="1"/>
+          </p:cNvPicPr>
+          <p:nvPr/>
+        </p:nvPicPr>
+        <p:blipFill>
+          <a:blip r:embed="rId2">
+            <a:extLst>
+              <a:ext uri="{28A0092B-C50C-407E-A947-70E740481C1C}">
+                <a14:useLocalDpi xmlns:a14="http://schemas.microsoft.com/office/drawing/2010/main" val="0"/>
+              </a:ext>
+            </a:extLst>
+          </a:blip>
+          <a:stretch>
+            <a:fillRect/>
+          </a:stretch>
+        </p:blipFill>
+        <p:spPr>
+          <a:xfrm>
+            <a:off x="10015899" y="365125"/>
+            <a:ext cx="1770855" cy="883219"/>
+          </a:xfrm>
+          <a:prstGeom prst="rect">
+            <a:avLst/>
+          </a:prstGeom>
+        </p:spPr>
+      </p:pic>
+      <p:sp>
+        <p:nvSpPr>
+          <p:cNvPr id="4" name="Slide Number Placeholder 3">
+            <a:extLst>
+              <a:ext uri="{FF2B5EF4-FFF2-40B4-BE49-F238E27FC236}">
+                <a16:creationId xmlns:a16="http://schemas.microsoft.com/office/drawing/2014/main" id="{7984273E-3D55-42F2-9747-4587276430AA}"/>
+              </a:ext>
+            </a:extLst>
+          </p:cNvPr>
+          <p:cNvSpPr>
+            <a:spLocks noGrp="1"/>
+          </p:cNvSpPr>
+          <p:nvPr>
+            <p:ph type="sldNum" sz="quarter" idx="12"/>
+          </p:nvPr>
+        </p:nvSpPr>
         <p:spPr/>
         <p:txBody>
           <a:bodyPr/>
           <a:lstStyle/>
           <a:p>
+            <a:fld id="{4310B044-6F84-4299-A58B-8057292127B9}" type="slidenum">
+              <a:rPr lang="en-GB" smtClean="0"/>
+              <a:t>6</a:t>
+            </a:fld>
             <a:endParaRPr lang="en-GB"/>
           </a:p>
         </p:txBody>
@@ -4016,12 +10824,12 @@
     </p:spTree>
     <p:extLst>
       <p:ext uri="{BB962C8B-B14F-4D97-AF65-F5344CB8AC3E}">
-        <p14:creationId xmlns:p14="http://schemas.microsoft.com/office/powerpoint/2010/main" val="4012795877"/>
+        <p14:creationId xmlns:p14="http://schemas.microsoft.com/office/powerpoint/2010/main" val="871309248"/>
       </p:ext>
     </p:extLst>
   </p:cSld>
   <p:clrMapOvr>
-    <a:masterClrMapping/>
+    <a:overrideClrMapping bg1="dk1" tx1="lt1" bg2="dk2" tx2="lt2" accent1="accent1" accent2="accent2" accent3="accent3" accent4="accent4" accent5="accent5" accent6="accent6" hlink="hlink" folHlink="folHlink"/>
   </p:clrMapOvr>
 </p:sld>
 </file>
@@ -4029,6 +10837,17 @@
 <file path=ppt/slides/slide7.xml><?xml version="1.0" encoding="utf-8"?>
 <p:sld xmlns:a="http://schemas.openxmlformats.org/drawingml/2006/main" xmlns:r="http://schemas.openxmlformats.org/officeDocument/2006/relationships" xmlns:p="http://schemas.openxmlformats.org/presentationml/2006/main">
   <p:cSld>
+    <p:bg>
+      <p:bgPr>
+        <a:solidFill>
+          <a:schemeClr val="bg1">
+            <a:tint val="95000"/>
+            <a:satMod val="170000"/>
+          </a:schemeClr>
+        </a:solidFill>
+        <a:effectLst/>
+      </p:bgPr>
+    </p:bg>
     <p:spTree>
       <p:nvGrpSpPr>
         <p:cNvPr id="1" name=""/>
@@ -4045,10 +10864,293 @@
       </p:grpSpPr>
       <p:sp>
         <p:nvSpPr>
+          <p:cNvPr id="10" name="Rectangle 9">
+            <a:extLst>
+              <a:ext uri="{FF2B5EF4-FFF2-40B4-BE49-F238E27FC236}">
+                <a16:creationId xmlns:a16="http://schemas.microsoft.com/office/drawing/2014/main" id="{EE1FC7B4-E4A7-4452-B413-1A623E3A7230}"/>
+              </a:ext>
+              <a:ext uri="{C183D7F6-B498-43B3-948B-1728B52AA6E4}">
+                <adec:decorative xmlns:adec="http://schemas.microsoft.com/office/drawing/2017/decorative" val="1"/>
+              </a:ext>
+            </a:extLst>
+          </p:cNvPr>
+          <p:cNvSpPr>
+            <a:spLocks noGrp="1" noRot="1" noChangeAspect="1" noMove="1" noResize="1" noEditPoints="1" noAdjustHandles="1" noChangeArrowheads="1" noChangeShapeType="1" noTextEdit="1"/>
+          </p:cNvSpPr>
+          <p:nvPr>
+            <p:extLst>
+              <p:ext uri="{386F3935-93C4-4BCD-93E2-E3B085C9AB24}">
+                <p16:designElem xmlns:p16="http://schemas.microsoft.com/office/powerpoint/2015/main" val="1"/>
+              </p:ext>
+            </p:extLst>
+          </p:nvPr>
+        </p:nvSpPr>
+        <p:spPr>
+          <a:xfrm>
+            <a:off x="0" y="-3324"/>
+            <a:ext cx="12192000" cy="6861324"/>
+          </a:xfrm>
+          <a:prstGeom prst="rect">
+            <a:avLst/>
+          </a:prstGeom>
+          <a:solidFill>
+            <a:schemeClr val="bg1">
+              <a:alpha val="9000"/>
+            </a:schemeClr>
+          </a:solidFill>
+          <a:ln>
+            <a:noFill/>
+          </a:ln>
+        </p:spPr>
+        <p:style>
+          <a:lnRef idx="2">
+            <a:schemeClr val="accent1">
+              <a:shade val="50000"/>
+            </a:schemeClr>
+          </a:lnRef>
+          <a:fillRef idx="1">
+            <a:schemeClr val="accent1"/>
+          </a:fillRef>
+          <a:effectRef idx="0">
+            <a:schemeClr val="accent1"/>
+          </a:effectRef>
+          <a:fontRef idx="minor">
+            <a:schemeClr val="lt1"/>
+          </a:fontRef>
+        </p:style>
+        <p:txBody>
+          <a:bodyPr rtlCol="0" anchor="ctr"/>
+          <a:lstStyle/>
+          <a:p>
+            <a:pPr algn="ctr"/>
+            <a:endParaRPr lang="en-US"/>
+          </a:p>
+        </p:txBody>
+      </p:sp>
+      <p:sp>
+        <p:nvSpPr>
+          <p:cNvPr id="12" name="Freeform 13">
+            <a:extLst>
+              <a:ext uri="{FF2B5EF4-FFF2-40B4-BE49-F238E27FC236}">
+                <a16:creationId xmlns:a16="http://schemas.microsoft.com/office/drawing/2014/main" id="{E0709AF0-24F0-4486-B189-BE6386BDB198}"/>
+              </a:ext>
+              <a:ext uri="{C183D7F6-B498-43B3-948B-1728B52AA6E4}">
+                <adec:decorative xmlns:adec="http://schemas.microsoft.com/office/drawing/2017/decorative" val="1"/>
+              </a:ext>
+            </a:extLst>
+          </p:cNvPr>
+          <p:cNvSpPr>
+            <a:spLocks noGrp="1" noRot="1" noChangeAspect="1" noMove="1" noResize="1" noEditPoints="1" noAdjustHandles="1" noChangeArrowheads="1" noChangeShapeType="1" noTextEdit="1"/>
+          </p:cNvSpPr>
+          <p:nvPr>
+            <p:extLst>
+              <p:ext uri="{386F3935-93C4-4BCD-93E2-E3B085C9AB24}">
+                <p16:designElem xmlns:p16="http://schemas.microsoft.com/office/powerpoint/2015/main" val="1"/>
+              </p:ext>
+            </p:extLst>
+          </p:nvPr>
+        </p:nvSpPr>
+        <p:spPr>
+          <a:xfrm>
+            <a:off x="0" y="0"/>
+            <a:ext cx="11786754" cy="6858000"/>
+          </a:xfrm>
+          <a:custGeom>
+            <a:avLst/>
+            <a:gdLst>
+              <a:gd name="connsiteX0" fmla="*/ 0 w 11786754"/>
+              <a:gd name="connsiteY0" fmla="*/ 0 h 6858000"/>
+              <a:gd name="connsiteX1" fmla="*/ 8610600 w 11786754"/>
+              <a:gd name="connsiteY1" fmla="*/ 0 h 6858000"/>
+              <a:gd name="connsiteX2" fmla="*/ 11786754 w 11786754"/>
+              <a:gd name="connsiteY2" fmla="*/ 6858000 h 6858000"/>
+              <a:gd name="connsiteX3" fmla="*/ 0 w 11786754"/>
+              <a:gd name="connsiteY3" fmla="*/ 6858000 h 6858000"/>
+            </a:gdLst>
+            <a:ahLst/>
+            <a:cxnLst>
+              <a:cxn ang="0">
+                <a:pos x="connsiteX0" y="connsiteY0"/>
+              </a:cxn>
+              <a:cxn ang="0">
+                <a:pos x="connsiteX1" y="connsiteY1"/>
+              </a:cxn>
+              <a:cxn ang="0">
+                <a:pos x="connsiteX2" y="connsiteY2"/>
+              </a:cxn>
+              <a:cxn ang="0">
+                <a:pos x="connsiteX3" y="connsiteY3"/>
+              </a:cxn>
+            </a:cxnLst>
+            <a:rect l="l" t="t" r="r" b="b"/>
+            <a:pathLst>
+              <a:path w="11786754" h="6858000">
+                <a:moveTo>
+                  <a:pt x="0" y="0"/>
+                </a:moveTo>
+                <a:lnTo>
+                  <a:pt x="8610600" y="0"/>
+                </a:lnTo>
+                <a:lnTo>
+                  <a:pt x="11786754" y="6858000"/>
+                </a:lnTo>
+                <a:lnTo>
+                  <a:pt x="0" y="6858000"/>
+                </a:lnTo>
+                <a:close/>
+              </a:path>
+            </a:pathLst>
+          </a:custGeom>
+          <a:solidFill>
+            <a:schemeClr val="bg1">
+              <a:alpha val="30000"/>
+            </a:schemeClr>
+          </a:solidFill>
+          <a:ln>
+            <a:noFill/>
+          </a:ln>
+        </p:spPr>
+        <p:style>
+          <a:lnRef idx="2">
+            <a:schemeClr val="accent1">
+              <a:shade val="50000"/>
+            </a:schemeClr>
+          </a:lnRef>
+          <a:fillRef idx="1">
+            <a:schemeClr val="accent1"/>
+          </a:fillRef>
+          <a:effectRef idx="0">
+            <a:schemeClr val="accent1"/>
+          </a:effectRef>
+          <a:fontRef idx="minor">
+            <a:schemeClr val="lt1"/>
+          </a:fontRef>
+        </p:style>
+        <p:txBody>
+          <a:bodyPr rtlCol="0" anchor="ctr"/>
+          <a:lstStyle/>
+          <a:p>
+            <a:pPr algn="ctr"/>
+            <a:endParaRPr lang="en-US"/>
+          </a:p>
+        </p:txBody>
+      </p:sp>
+      <p:sp>
+        <p:nvSpPr>
+          <p:cNvPr id="14" name="Freeform 11">
+            <a:extLst>
+              <a:ext uri="{FF2B5EF4-FFF2-40B4-BE49-F238E27FC236}">
+                <a16:creationId xmlns:a16="http://schemas.microsoft.com/office/drawing/2014/main" id="{FBE3B62F-5853-4A3C-B050-6186351A7176}"/>
+              </a:ext>
+              <a:ext uri="{C183D7F6-B498-43B3-948B-1728B52AA6E4}">
+                <adec:decorative xmlns:adec="http://schemas.microsoft.com/office/drawing/2017/decorative" val="1"/>
+              </a:ext>
+            </a:extLst>
+          </p:cNvPr>
+          <p:cNvSpPr>
+            <a:spLocks noGrp="1" noRot="1" noChangeAspect="1" noMove="1" noResize="1" noEditPoints="1" noAdjustHandles="1" noChangeArrowheads="1" noChangeShapeType="1" noTextEdit="1"/>
+          </p:cNvSpPr>
+          <p:nvPr>
+            <p:extLst>
+              <p:ext uri="{386F3935-93C4-4BCD-93E2-E3B085C9AB24}">
+                <p16:designElem xmlns:p16="http://schemas.microsoft.com/office/powerpoint/2015/main" val="1"/>
+              </p:ext>
+            </p:extLst>
+          </p:nvPr>
+        </p:nvSpPr>
+        <p:spPr>
+          <a:xfrm>
+            <a:off x="0" y="0"/>
+            <a:ext cx="3581400" cy="6858000"/>
+          </a:xfrm>
+          <a:custGeom>
+            <a:avLst/>
+            <a:gdLst>
+              <a:gd name="connsiteX0" fmla="*/ 0 w 3581400"/>
+              <a:gd name="connsiteY0" fmla="*/ 0 h 6858000"/>
+              <a:gd name="connsiteX1" fmla="*/ 405246 w 3581400"/>
+              <a:gd name="connsiteY1" fmla="*/ 0 h 6858000"/>
+              <a:gd name="connsiteX2" fmla="*/ 3581400 w 3581400"/>
+              <a:gd name="connsiteY2" fmla="*/ 6858000 h 6858000"/>
+              <a:gd name="connsiteX3" fmla="*/ 0 w 3581400"/>
+              <a:gd name="connsiteY3" fmla="*/ 6858000 h 6858000"/>
+            </a:gdLst>
+            <a:ahLst/>
+            <a:cxnLst>
+              <a:cxn ang="0">
+                <a:pos x="connsiteX0" y="connsiteY0"/>
+              </a:cxn>
+              <a:cxn ang="0">
+                <a:pos x="connsiteX1" y="connsiteY1"/>
+              </a:cxn>
+              <a:cxn ang="0">
+                <a:pos x="connsiteX2" y="connsiteY2"/>
+              </a:cxn>
+              <a:cxn ang="0">
+                <a:pos x="connsiteX3" y="connsiteY3"/>
+              </a:cxn>
+            </a:cxnLst>
+            <a:rect l="l" t="t" r="r" b="b"/>
+            <a:pathLst>
+              <a:path w="3581400" h="6858000">
+                <a:moveTo>
+                  <a:pt x="0" y="0"/>
+                </a:moveTo>
+                <a:lnTo>
+                  <a:pt x="405246" y="0"/>
+                </a:lnTo>
+                <a:lnTo>
+                  <a:pt x="3581400" y="6858000"/>
+                </a:lnTo>
+                <a:lnTo>
+                  <a:pt x="0" y="6858000"/>
+                </a:lnTo>
+                <a:close/>
+              </a:path>
+            </a:pathLst>
+          </a:custGeom>
+          <a:solidFill>
+            <a:schemeClr val="bg1">
+              <a:alpha val="30000"/>
+            </a:schemeClr>
+          </a:solidFill>
+          <a:ln>
+            <a:noFill/>
+          </a:ln>
+        </p:spPr>
+        <p:style>
+          <a:lnRef idx="2">
+            <a:schemeClr val="accent1">
+              <a:shade val="50000"/>
+            </a:schemeClr>
+          </a:lnRef>
+          <a:fillRef idx="1">
+            <a:schemeClr val="accent1"/>
+          </a:fillRef>
+          <a:effectRef idx="0">
+            <a:schemeClr val="accent1"/>
+          </a:effectRef>
+          <a:fontRef idx="minor">
+            <a:schemeClr val="lt1"/>
+          </a:fontRef>
+        </p:style>
+        <p:txBody>
+          <a:bodyPr wrap="square" rtlCol="0" anchor="ctr">
+            <a:noAutofit/>
+          </a:bodyPr>
+          <a:lstStyle/>
+          <a:p>
+            <a:pPr algn="ctr"/>
+            <a:endParaRPr lang="en-US"/>
+          </a:p>
+        </p:txBody>
+      </p:sp>
+      <p:sp>
+        <p:nvSpPr>
           <p:cNvPr id="2" name="Title 1">
             <a:extLst>
               <a:ext uri="{FF2B5EF4-FFF2-40B4-BE49-F238E27FC236}">
-                <a16:creationId xmlns:a16="http://schemas.microsoft.com/office/drawing/2014/main" id="{770AEAC1-D00D-4613-95F0-71CF1560AD62}"/>
+                <a16:creationId xmlns:a16="http://schemas.microsoft.com/office/drawing/2014/main" id="{98EB2216-8FC6-44B0-82C2-66A7172A529A}"/>
               </a:ext>
             </a:extLst>
           </p:cNvPr>
@@ -4059,21 +11161,693 @@
             <p:ph type="title"/>
           </p:nvPr>
         </p:nvSpPr>
-        <p:spPr/>
+        <p:spPr>
+          <a:xfrm>
+            <a:off x="833002" y="448253"/>
+            <a:ext cx="10520702" cy="1325563"/>
+          </a:xfrm>
+        </p:spPr>
         <p:txBody>
-          <a:bodyPr/>
+          <a:bodyPr>
+            <a:normAutofit/>
+          </a:bodyPr>
           <a:lstStyle/>
           <a:p>
-            <a:endParaRPr lang="en-GB"/>
+            <a:r>
+              <a:rPr lang="en-GB" dirty="0" err="1">
+                <a:cs typeface="Calibri Light"/>
+              </a:rPr>
+              <a:t>Definição</a:t>
+            </a:r>
+            <a:r>
+              <a:rPr lang="en-GB" dirty="0">
+                <a:cs typeface="Calibri Light"/>
+              </a:rPr>
+              <a:t> </a:t>
+            </a:r>
+            <a:r>
+              <a:rPr lang="en-GB" dirty="0" err="1">
+                <a:cs typeface="Calibri Light"/>
+              </a:rPr>
+              <a:t>Matemática</a:t>
+            </a:r>
+            <a:r>
+              <a:rPr lang="en-GB" dirty="0">
+                <a:cs typeface="Calibri Light"/>
+              </a:rPr>
+              <a:t>:</a:t>
+            </a:r>
+            <a:endParaRPr lang="en-GB" dirty="0"/>
           </a:p>
         </p:txBody>
       </p:sp>
+      <mc:AlternateContent xmlns:mc="http://schemas.openxmlformats.org/markup-compatibility/2006">
+        <mc:Choice xmlns:a14="http://schemas.microsoft.com/office/drawing/2010/main" Requires="a14">
+          <p:sp>
+            <p:nvSpPr>
+              <p:cNvPr id="3" name="Content Placeholder 2">
+                <a:extLst>
+                  <a:ext uri="{FF2B5EF4-FFF2-40B4-BE49-F238E27FC236}">
+                    <a16:creationId xmlns:a16="http://schemas.microsoft.com/office/drawing/2014/main" id="{2B0B0381-2015-4C05-B552-CD2565C5E8A6}"/>
+                  </a:ext>
+                </a:extLst>
+              </p:cNvPr>
+              <p:cNvSpPr>
+                <a:spLocks noGrp="1"/>
+              </p:cNvSpPr>
+              <p:nvPr>
+                <p:ph idx="1"/>
+              </p:nvPr>
+            </p:nvSpPr>
+            <p:spPr>
+              <a:xfrm>
+                <a:off x="838200" y="2191807"/>
+                <a:ext cx="4936067" cy="3985155"/>
+              </a:xfrm>
+            </p:spPr>
+            <p:txBody>
+              <a:bodyPr vert="horz" lIns="91440" tIns="45720" rIns="91440" bIns="45720" rtlCol="0">
+                <a:normAutofit/>
+              </a:bodyPr>
+              <a:lstStyle/>
+              <a:p>
+                <a:r>
+                  <a:rPr lang="en-GB" sz="2000" dirty="0">
+                    <a:cs typeface="Calibri"/>
+                  </a:rPr>
+                  <a:t>A </a:t>
+                </a:r>
+                <a:r>
+                  <a:rPr lang="en-GB" sz="2000" dirty="0" err="1">
+                    <a:cs typeface="Calibri"/>
+                  </a:rPr>
+                  <a:t>definição</a:t>
+                </a:r>
+                <a:r>
+                  <a:rPr lang="en-GB" sz="2000" dirty="0">
+                    <a:cs typeface="Calibri"/>
+                  </a:rPr>
+                  <a:t> </a:t>
+                </a:r>
+                <a:r>
+                  <a:rPr lang="en-GB" sz="2000" dirty="0" err="1">
+                    <a:cs typeface="Calibri"/>
+                  </a:rPr>
+                  <a:t>geral</a:t>
+                </a:r>
+                <a:r>
+                  <a:rPr lang="en-GB" sz="2000" dirty="0">
+                    <a:cs typeface="Calibri"/>
+                  </a:rPr>
+                  <a:t> da </a:t>
+                </a:r>
+                <a:r>
+                  <a:rPr lang="en-GB" sz="2000" dirty="0" err="1">
+                    <a:cs typeface="Calibri"/>
+                  </a:rPr>
+                  <a:t>função</a:t>
+                </a:r>
+                <a:r>
+                  <a:rPr lang="en-GB" sz="2000" dirty="0">
+                    <a:cs typeface="Calibri"/>
+                  </a:rPr>
+                  <a:t> </a:t>
+                </a:r>
+                <a:r>
+                  <a:rPr lang="en-GB" sz="2000" dirty="0" err="1">
+                    <a:cs typeface="Calibri"/>
+                  </a:rPr>
+                  <a:t>densidade</a:t>
+                </a:r>
+                <a:r>
+                  <a:rPr lang="en-GB" sz="2000" dirty="0">
+                    <a:cs typeface="Calibri"/>
+                  </a:rPr>
+                  <a:t> de </a:t>
+                </a:r>
+                <a:r>
+                  <a:rPr lang="en-GB" sz="2000" dirty="0" err="1">
+                    <a:cs typeface="Calibri"/>
+                  </a:rPr>
+                  <a:t>probabilidades</a:t>
+                </a:r>
+                <a:r>
+                  <a:rPr lang="en-GB" sz="2000" dirty="0">
+                    <a:cs typeface="Calibri"/>
+                  </a:rPr>
+                  <a:t> é dada por:</a:t>
+                </a:r>
+              </a:p>
+              <a:p>
+                <a:pPr marL="0" indent="0">
+                  <a:buNone/>
+                </a:pPr>
+                <a:endParaRPr lang="en-GB" sz="2000" dirty="0">
+                  <a:cs typeface="Calibri"/>
+                </a:endParaRPr>
+              </a:p>
+              <a:p>
+                <a:pPr marL="0" indent="0">
+                  <a:buNone/>
+                </a:pPr>
+                <a14:m>
+                  <m:oMathPara xmlns:m="http://schemas.openxmlformats.org/officeDocument/2006/math">
+                    <m:oMathParaPr>
+                      <m:jc m:val="centerGroup"/>
+                    </m:oMathParaPr>
+                    <m:oMath xmlns:m="http://schemas.openxmlformats.org/officeDocument/2006/math">
+                      <m:r>
+                        <a:rPr lang="en-US" sz="2000" b="0" i="1">
+                          <a:latin typeface="Cambria Math" panose="02040503050406030204" pitchFamily="18" charset="0"/>
+                          <a:cs typeface="Calibri"/>
+                        </a:rPr>
+                        <m:t>𝑓</m:t>
+                      </m:r>
+                      <m:d>
+                        <m:dPr>
+                          <m:ctrlPr>
+                            <a:rPr lang="en-US" sz="2000" b="0" i="1">
+                              <a:latin typeface="Cambria Math" panose="02040503050406030204" pitchFamily="18" charset="0"/>
+                              <a:cs typeface="Calibri"/>
+                            </a:rPr>
+                          </m:ctrlPr>
+                        </m:dPr>
+                        <m:e>
+                          <m:r>
+                            <a:rPr lang="en-US" sz="2000" b="0" i="1">
+                              <a:latin typeface="Cambria Math" panose="02040503050406030204" pitchFamily="18" charset="0"/>
+                              <a:cs typeface="Calibri"/>
+                            </a:rPr>
+                            <m:t>𝑥</m:t>
+                          </m:r>
+                          <m:r>
+                            <a:rPr lang="en-US" sz="2000" b="0" i="1">
+                              <a:latin typeface="Cambria Math" panose="02040503050406030204" pitchFamily="18" charset="0"/>
+                              <a:cs typeface="Calibri"/>
+                            </a:rPr>
+                            <m:t>;</m:t>
+                          </m:r>
+                          <m:r>
+                            <a:rPr lang="en-US" sz="2000" b="0" i="1">
+                              <a:latin typeface="Cambria Math" panose="02040503050406030204" pitchFamily="18" charset="0"/>
+                              <a:cs typeface="Calibri"/>
+                            </a:rPr>
+                            <m:t>𝛼</m:t>
+                          </m:r>
+                          <m:r>
+                            <a:rPr lang="en-US" sz="2000" b="0" i="1">
+                              <a:latin typeface="Cambria Math" panose="02040503050406030204" pitchFamily="18" charset="0"/>
+                              <a:cs typeface="Calibri"/>
+                            </a:rPr>
+                            <m:t>,</m:t>
+                          </m:r>
+                          <m:r>
+                            <a:rPr lang="en-US" sz="2000" b="0" i="1">
+                              <a:latin typeface="Cambria Math" panose="02040503050406030204" pitchFamily="18" charset="0"/>
+                              <a:cs typeface="Calibri"/>
+                            </a:rPr>
+                            <m:t>𝛽</m:t>
+                          </m:r>
+                        </m:e>
+                      </m:d>
+                      <m:r>
+                        <a:rPr lang="en-US" sz="2000" b="0" i="1">
+                          <a:latin typeface="Cambria Math" panose="02040503050406030204" pitchFamily="18" charset="0"/>
+                          <a:cs typeface="Calibri"/>
+                        </a:rPr>
+                        <m:t>=</m:t>
+                      </m:r>
+                      <m:f>
+                        <m:fPr>
+                          <m:ctrlPr>
+                            <a:rPr lang="en-US" sz="2000" b="0" i="1">
+                              <a:latin typeface="Cambria Math" panose="02040503050406030204" pitchFamily="18" charset="0"/>
+                              <a:cs typeface="Calibri"/>
+                            </a:rPr>
+                          </m:ctrlPr>
+                        </m:fPr>
+                        <m:num>
+                          <m:sSup>
+                            <m:sSupPr>
+                              <m:ctrlPr>
+                                <a:rPr lang="en-US" sz="2000" b="0" i="1">
+                                  <a:latin typeface="Cambria Math" panose="02040503050406030204" pitchFamily="18" charset="0"/>
+                                  <a:cs typeface="Calibri"/>
+                                </a:rPr>
+                              </m:ctrlPr>
+                            </m:sSupPr>
+                            <m:e>
+                              <m:r>
+                                <a:rPr lang="en-US" sz="2000" b="0" i="1">
+                                  <a:latin typeface="Cambria Math" panose="02040503050406030204" pitchFamily="18" charset="0"/>
+                                  <a:cs typeface="Calibri"/>
+                                </a:rPr>
+                                <m:t>𝛽</m:t>
+                              </m:r>
+                            </m:e>
+                            <m:sup>
+                              <m:r>
+                                <a:rPr lang="en-US" sz="2000" b="0" i="1">
+                                  <a:latin typeface="Cambria Math" panose="02040503050406030204" pitchFamily="18" charset="0"/>
+                                  <a:cs typeface="Calibri"/>
+                                </a:rPr>
+                                <m:t>𝛼</m:t>
+                              </m:r>
+                            </m:sup>
+                          </m:sSup>
+                        </m:num>
+                        <m:den>
+                          <m:r>
+                            <m:rPr>
+                              <m:sty m:val="p"/>
+                            </m:rPr>
+                            <a:rPr lang="en-US" sz="2000" b="0" i="0">
+                              <a:latin typeface="Cambria Math" panose="02040503050406030204" pitchFamily="18" charset="0"/>
+                              <a:cs typeface="Calibri"/>
+                            </a:rPr>
+                            <m:t>Γ</m:t>
+                          </m:r>
+                          <m:d>
+                            <m:dPr>
+                              <m:ctrlPr>
+                                <a:rPr lang="en-US" sz="2000" b="0" i="1">
+                                  <a:latin typeface="Cambria Math" panose="02040503050406030204" pitchFamily="18" charset="0"/>
+                                  <a:cs typeface="Calibri"/>
+                                </a:rPr>
+                              </m:ctrlPr>
+                            </m:dPr>
+                            <m:e>
+                              <m:r>
+                                <a:rPr lang="en-US" sz="2000" b="0" i="1">
+                                  <a:latin typeface="Cambria Math" panose="02040503050406030204" pitchFamily="18" charset="0"/>
+                                  <a:cs typeface="Calibri"/>
+                                </a:rPr>
+                                <m:t>𝛼</m:t>
+                              </m:r>
+                            </m:e>
+                          </m:d>
+                        </m:den>
+                      </m:f>
+                      <m:r>
+                        <a:rPr lang="en-US" sz="2000" b="0" i="1">
+                          <a:latin typeface="Cambria Math" panose="02040503050406030204" pitchFamily="18" charset="0"/>
+                          <a:cs typeface="Calibri"/>
+                        </a:rPr>
+                        <m:t> </m:t>
+                      </m:r>
+                      <m:sSup>
+                        <m:sSupPr>
+                          <m:ctrlPr>
+                            <a:rPr lang="en-US" sz="2000" b="0" i="1">
+                              <a:latin typeface="Cambria Math" panose="02040503050406030204" pitchFamily="18" charset="0"/>
+                              <a:cs typeface="Calibri"/>
+                            </a:rPr>
+                          </m:ctrlPr>
+                        </m:sSupPr>
+                        <m:e>
+                          <m:r>
+                            <a:rPr lang="en-US" sz="2000" b="0" i="1">
+                              <a:latin typeface="Cambria Math" panose="02040503050406030204" pitchFamily="18" charset="0"/>
+                              <a:cs typeface="Calibri"/>
+                            </a:rPr>
+                            <m:t>𝑥</m:t>
+                          </m:r>
+                        </m:e>
+                        <m:sup>
+                          <m:r>
+                            <a:rPr lang="en-US" sz="2000" b="0" i="1">
+                              <a:latin typeface="Cambria Math" panose="02040503050406030204" pitchFamily="18" charset="0"/>
+                              <a:cs typeface="Calibri"/>
+                            </a:rPr>
+                            <m:t>𝛼</m:t>
+                          </m:r>
+                          <m:r>
+                            <a:rPr lang="en-US" sz="2000" b="0" i="1">
+                              <a:latin typeface="Cambria Math" panose="02040503050406030204" pitchFamily="18" charset="0"/>
+                              <a:cs typeface="Calibri"/>
+                            </a:rPr>
+                            <m:t>−1</m:t>
+                          </m:r>
+                        </m:sup>
+                      </m:sSup>
+                      <m:sSup>
+                        <m:sSupPr>
+                          <m:ctrlPr>
+                            <a:rPr lang="en-US" sz="2000" b="0" i="1">
+                              <a:latin typeface="Cambria Math" panose="02040503050406030204" pitchFamily="18" charset="0"/>
+                              <a:cs typeface="Calibri"/>
+                            </a:rPr>
+                          </m:ctrlPr>
+                        </m:sSupPr>
+                        <m:e>
+                          <m:r>
+                            <a:rPr lang="en-US" sz="2000" b="0" i="1">
+                              <a:latin typeface="Cambria Math" panose="02040503050406030204" pitchFamily="18" charset="0"/>
+                              <a:cs typeface="Calibri"/>
+                            </a:rPr>
+                            <m:t>𝑒</m:t>
+                          </m:r>
+                        </m:e>
+                        <m:sup>
+                          <m:r>
+                            <a:rPr lang="en-US" sz="2000" b="0" i="1">
+                              <a:latin typeface="Cambria Math" panose="02040503050406030204" pitchFamily="18" charset="0"/>
+                              <a:cs typeface="Calibri"/>
+                            </a:rPr>
+                            <m:t>𝛽</m:t>
+                          </m:r>
+                          <m:r>
+                            <a:rPr lang="en-US" sz="2000" b="0" i="1">
+                              <a:latin typeface="Cambria Math" panose="02040503050406030204" pitchFamily="18" charset="0"/>
+                              <a:cs typeface="Calibri"/>
+                            </a:rPr>
+                            <m:t>𝑥</m:t>
+                          </m:r>
+                        </m:sup>
+                      </m:sSup>
+                      <m:r>
+                        <a:rPr lang="en-US" sz="2000" b="0" i="1">
+                          <a:latin typeface="Cambria Math" panose="02040503050406030204" pitchFamily="18" charset="0"/>
+                          <a:cs typeface="Calibri"/>
+                        </a:rPr>
+                        <m:t>, </m:t>
+                      </m:r>
+                      <m:r>
+                        <a:rPr lang="en-US" sz="2000" b="0" i="1">
+                          <a:latin typeface="Cambria Math" panose="02040503050406030204" pitchFamily="18" charset="0"/>
+                          <a:cs typeface="Calibri"/>
+                        </a:rPr>
+                        <m:t>𝑥</m:t>
+                      </m:r>
+                      <m:r>
+                        <a:rPr lang="en-US" sz="2000" b="0" i="1">
+                          <a:latin typeface="Cambria Math" panose="02040503050406030204" pitchFamily="18" charset="0"/>
+                          <a:cs typeface="Calibri"/>
+                        </a:rPr>
+                        <m:t>&gt;0 </m:t>
+                      </m:r>
+                      <m:r>
+                        <a:rPr lang="en-US" sz="2000" b="0" i="1">
+                          <a:latin typeface="Cambria Math" panose="02040503050406030204" pitchFamily="18" charset="0"/>
+                          <a:cs typeface="Calibri"/>
+                        </a:rPr>
+                        <m:t>𝑒</m:t>
+                      </m:r>
+                      <m:r>
+                        <a:rPr lang="en-US" sz="2000" b="0" i="1">
+                          <a:latin typeface="Cambria Math" panose="02040503050406030204" pitchFamily="18" charset="0"/>
+                          <a:cs typeface="Calibri"/>
+                        </a:rPr>
+                        <m:t> </m:t>
+                      </m:r>
+                      <m:r>
+                        <a:rPr lang="en-US" sz="2000" b="0" i="1">
+                          <a:latin typeface="Cambria Math" panose="02040503050406030204" pitchFamily="18" charset="0"/>
+                          <a:cs typeface="Calibri"/>
+                        </a:rPr>
+                        <m:t>𝛼</m:t>
+                      </m:r>
+                      <m:r>
+                        <a:rPr lang="en-US" sz="2000" b="0" i="1">
+                          <a:latin typeface="Cambria Math" panose="02040503050406030204" pitchFamily="18" charset="0"/>
+                          <a:cs typeface="Calibri"/>
+                        </a:rPr>
+                        <m:t>,</m:t>
+                      </m:r>
+                      <m:r>
+                        <a:rPr lang="en-US" sz="2000" b="0" i="1">
+                          <a:latin typeface="Cambria Math" panose="02040503050406030204" pitchFamily="18" charset="0"/>
+                          <a:cs typeface="Calibri"/>
+                        </a:rPr>
+                        <m:t>𝛽</m:t>
+                      </m:r>
+                      <m:r>
+                        <a:rPr lang="en-US" sz="2000" b="0" i="1">
+                          <a:latin typeface="Cambria Math" panose="02040503050406030204" pitchFamily="18" charset="0"/>
+                          <a:cs typeface="Calibri"/>
+                        </a:rPr>
+                        <m:t>&gt;0</m:t>
+                      </m:r>
+                    </m:oMath>
+                  </m:oMathPara>
+                </a14:m>
+                <a:endParaRPr lang="en-GB" sz="2000" dirty="0">
+                  <a:cs typeface="Calibri"/>
+                </a:endParaRPr>
+              </a:p>
+              <a:p>
+                <a:r>
+                  <a:rPr lang="en-GB" sz="2000" dirty="0">
+                    <a:cs typeface="Calibri"/>
+                  </a:rPr>
+                  <a:t>Este </a:t>
+                </a:r>
+                <a:r>
+                  <a:rPr lang="en-GB" sz="2000" dirty="0" err="1">
+                    <a:cs typeface="Calibri"/>
+                  </a:rPr>
+                  <a:t>gráfico</a:t>
+                </a:r>
+                <a:r>
+                  <a:rPr lang="en-GB" sz="2000" dirty="0">
+                    <a:cs typeface="Calibri"/>
+                  </a:rPr>
+                  <a:t> </a:t>
+                </a:r>
+                <a:r>
+                  <a:rPr lang="en-GB" sz="2000" dirty="0" err="1">
+                    <a:cs typeface="Calibri"/>
+                  </a:rPr>
+                  <a:t>mostra</a:t>
+                </a:r>
+                <a:r>
+                  <a:rPr lang="en-GB" sz="2000" dirty="0">
+                    <a:cs typeface="Calibri"/>
+                  </a:rPr>
+                  <a:t> </a:t>
+                </a:r>
+                <a:r>
+                  <a:rPr lang="en-GB" sz="2000" dirty="0" err="1">
+                    <a:cs typeface="Calibri"/>
+                  </a:rPr>
+                  <a:t>algumas</a:t>
+                </a:r>
+                <a:r>
+                  <a:rPr lang="en-GB" sz="2000" dirty="0">
+                    <a:cs typeface="Calibri"/>
+                  </a:rPr>
+                  <a:t> das </a:t>
+                </a:r>
+                <a:r>
+                  <a:rPr lang="en-GB" sz="2000" dirty="0" err="1">
+                    <a:cs typeface="Calibri"/>
+                  </a:rPr>
+                  <a:t>formas</a:t>
+                </a:r>
+                <a:r>
+                  <a:rPr lang="en-GB" sz="2000" dirty="0">
+                    <a:cs typeface="Calibri"/>
+                  </a:rPr>
+                  <a:t> que a </a:t>
+                </a:r>
+                <a:r>
+                  <a:rPr lang="en-GB" sz="2000" dirty="0" err="1">
+                    <a:cs typeface="Calibri"/>
+                  </a:rPr>
+                  <a:t>distribuição</a:t>
+                </a:r>
+                <a:r>
+                  <a:rPr lang="en-GB" sz="2000" dirty="0">
+                    <a:cs typeface="Calibri"/>
+                  </a:rPr>
+                  <a:t> </a:t>
+                </a:r>
+                <a:r>
+                  <a:rPr lang="en-GB" sz="2000" dirty="0" err="1">
+                    <a:cs typeface="Calibri"/>
+                  </a:rPr>
+                  <a:t>pode</a:t>
+                </a:r>
+                <a:r>
+                  <a:rPr lang="en-GB" sz="2000" dirty="0">
+                    <a:cs typeface="Calibri"/>
+                  </a:rPr>
+                  <a:t> </a:t>
+                </a:r>
+                <a:r>
+                  <a:rPr lang="en-GB" sz="2000" dirty="0" err="1">
+                    <a:cs typeface="Calibri"/>
+                  </a:rPr>
+                  <a:t>tomar</a:t>
+                </a:r>
+                <a:r>
+                  <a:rPr lang="en-GB" sz="2000" dirty="0">
+                    <a:cs typeface="Calibri"/>
+                  </a:rPr>
+                  <a:t> para </a:t>
+                </a:r>
+                <a:r>
+                  <a:rPr lang="en-GB" sz="2000" dirty="0" err="1">
+                    <a:cs typeface="Calibri"/>
+                  </a:rPr>
+                  <a:t>diferentes</a:t>
+                </a:r>
+                <a:r>
+                  <a:rPr lang="en-GB" sz="2000" dirty="0">
+                    <a:cs typeface="Calibri"/>
+                  </a:rPr>
+                  <a:t> </a:t>
+                </a:r>
+                <a:r>
+                  <a:rPr lang="en-GB" sz="2000" dirty="0" err="1">
+                    <a:cs typeface="Calibri"/>
+                  </a:rPr>
+                  <a:t>valores</a:t>
+                </a:r>
+                <a:r>
+                  <a:rPr lang="en-GB" sz="2000" dirty="0">
+                    <a:cs typeface="Calibri"/>
+                  </a:rPr>
+                  <a:t> de alpha e beta</a:t>
+                </a:r>
+              </a:p>
+              <a:p>
+                <a:pPr lvl="1"/>
+                <a:endParaRPr lang="en-GB" sz="2000" dirty="0">
+                  <a:cs typeface="Calibri"/>
+                </a:endParaRPr>
+              </a:p>
+              <a:p>
+                <a:pPr lvl="1"/>
+                <a:endParaRPr lang="en-GB" sz="2000" dirty="0">
+                  <a:cs typeface="Calibri"/>
+                </a:endParaRPr>
+              </a:p>
+            </p:txBody>
+          </p:sp>
+        </mc:Choice>
+        <mc:Fallback>
+          <p:sp>
+            <p:nvSpPr>
+              <p:cNvPr id="3" name="Content Placeholder 2">
+                <a:extLst>
+                  <a:ext uri="{FF2B5EF4-FFF2-40B4-BE49-F238E27FC236}">
+                    <a16:creationId xmlns:a16="http://schemas.microsoft.com/office/drawing/2014/main" id="{2B0B0381-2015-4C05-B552-CD2565C5E8A6}"/>
+                  </a:ext>
+                </a:extLst>
+              </p:cNvPr>
+              <p:cNvSpPr>
+                <a:spLocks noGrp="1" noRot="1" noChangeAspect="1" noMove="1" noResize="1" noEditPoints="1" noAdjustHandles="1" noChangeArrowheads="1" noChangeShapeType="1" noTextEdit="1"/>
+              </p:cNvSpPr>
+              <p:nvPr>
+                <p:ph idx="1"/>
+              </p:nvPr>
+            </p:nvSpPr>
+            <p:spPr>
+              <a:xfrm>
+                <a:off x="838200" y="2191807"/>
+                <a:ext cx="4936067" cy="3985155"/>
+              </a:xfrm>
+              <a:blipFill>
+                <a:blip r:embed="rId2"/>
+                <a:stretch>
+                  <a:fillRect l="-1112" t="-1685"/>
+                </a:stretch>
+              </a:blipFill>
+            </p:spPr>
+            <p:txBody>
+              <a:bodyPr/>
+              <a:lstStyle/>
+              <a:p>
+                <a:r>
+                  <a:rPr lang="en-GB">
+                    <a:noFill/>
+                  </a:rPr>
+                  <a:t> </a:t>
+                </a:r>
+              </a:p>
+            </p:txBody>
+          </p:sp>
+        </mc:Fallback>
+      </mc:AlternateContent>
+      <p:pic>
+        <p:nvPicPr>
+          <p:cNvPr id="5" name="Picture 4" descr="Chart, line chart&#10;&#10;Description automatically generated">
+            <a:extLst>
+              <a:ext uri="{FF2B5EF4-FFF2-40B4-BE49-F238E27FC236}">
+                <a16:creationId xmlns:a16="http://schemas.microsoft.com/office/drawing/2014/main" id="{817A05BF-E72F-4461-88BD-57E35F5FCC8F}"/>
+              </a:ext>
+            </a:extLst>
+          </p:cNvPr>
+          <p:cNvPicPr>
+            <a:picLocks noChangeAspect="1"/>
+          </p:cNvPicPr>
+          <p:nvPr/>
+        </p:nvPicPr>
+        <p:blipFill>
+          <a:blip r:embed="rId3">
+            <a:extLst>
+              <a:ext uri="{28A0092B-C50C-407E-A947-70E740481C1C}">
+                <a14:useLocalDpi xmlns:a14="http://schemas.microsoft.com/office/drawing/2010/main" val="0"/>
+              </a:ext>
+            </a:extLst>
+          </a:blip>
+          <a:stretch>
+            <a:fillRect/>
+          </a:stretch>
+        </p:blipFill>
+        <p:spPr>
+          <a:xfrm>
+            <a:off x="6417734" y="2561685"/>
+            <a:ext cx="4935970" cy="3245400"/>
+          </a:xfrm>
+          <a:prstGeom prst="rect">
+            <a:avLst/>
+          </a:prstGeom>
+        </p:spPr>
+      </p:pic>
+      <p:pic>
+        <p:nvPicPr>
+          <p:cNvPr id="11" name="Picture 10" descr="Icon&#10;&#10;Description automatically generated">
+            <a:extLst>
+              <a:ext uri="{FF2B5EF4-FFF2-40B4-BE49-F238E27FC236}">
+                <a16:creationId xmlns:a16="http://schemas.microsoft.com/office/drawing/2014/main" id="{393F21DA-126F-4DE1-A9A1-48D462C7C7F8}"/>
+              </a:ext>
+            </a:extLst>
+          </p:cNvPr>
+          <p:cNvPicPr>
+            <a:picLocks noChangeAspect="1"/>
+          </p:cNvPicPr>
+          <p:nvPr/>
+        </p:nvPicPr>
+        <p:blipFill>
+          <a:blip r:embed="rId4">
+            <a:extLst>
+              <a:ext uri="{28A0092B-C50C-407E-A947-70E740481C1C}">
+                <a14:useLocalDpi xmlns:a14="http://schemas.microsoft.com/office/drawing/2010/main" val="0"/>
+              </a:ext>
+            </a:extLst>
+          </a:blip>
+          <a:stretch>
+            <a:fillRect/>
+          </a:stretch>
+        </p:blipFill>
+        <p:spPr>
+          <a:xfrm>
+            <a:off x="10015899" y="365125"/>
+            <a:ext cx="1770855" cy="883219"/>
+          </a:xfrm>
+          <a:prstGeom prst="rect">
+            <a:avLst/>
+          </a:prstGeom>
+        </p:spPr>
+      </p:pic>
       <p:sp>
         <p:nvSpPr>
-          <p:cNvPr id="3" name="Content Placeholder 2">
+          <p:cNvPr id="8" name="Slide Number Placeholder 7">
             <a:extLst>
               <a:ext uri="{FF2B5EF4-FFF2-40B4-BE49-F238E27FC236}">
-                <a16:creationId xmlns:a16="http://schemas.microsoft.com/office/drawing/2014/main" id="{1B8160BC-DBAF-4CF3-815A-DFCC0C01BC4D}"/>
+                <a16:creationId xmlns:a16="http://schemas.microsoft.com/office/drawing/2014/main" id="{CAB4CE58-1C41-40CC-A040-1BB3C696F0BB}"/>
               </a:ext>
             </a:extLst>
           </p:cNvPr>
@@ -4081,7 +11855,7 @@
             <a:spLocks noGrp="1"/>
           </p:cNvSpPr>
           <p:nvPr>
-            <p:ph idx="1"/>
+            <p:ph type="sldNum" sz="quarter" idx="12"/>
           </p:nvPr>
         </p:nvSpPr>
         <p:spPr/>
@@ -4089,6 +11863,10 @@
           <a:bodyPr/>
           <a:lstStyle/>
           <a:p>
+            <a:fld id="{4310B044-6F84-4299-A58B-8057292127B9}" type="slidenum">
+              <a:rPr lang="en-GB" smtClean="0"/>
+              <a:t>7</a:t>
+            </a:fld>
             <a:endParaRPr lang="en-GB"/>
           </a:p>
         </p:txBody>
@@ -4096,12 +11874,12 @@
     </p:spTree>
     <p:extLst>
       <p:ext uri="{BB962C8B-B14F-4D97-AF65-F5344CB8AC3E}">
-        <p14:creationId xmlns:p14="http://schemas.microsoft.com/office/powerpoint/2010/main" val="871309248"/>
+        <p14:creationId xmlns:p14="http://schemas.microsoft.com/office/powerpoint/2010/main" val="49299221"/>
       </p:ext>
     </p:extLst>
   </p:cSld>
   <p:clrMapOvr>
-    <a:masterClrMapping/>
+    <a:overrideClrMapping bg1="dk1" tx1="lt1" bg2="dk2" tx2="lt2" accent1="accent1" accent2="accent2" accent3="accent3" accent4="accent4" accent5="accent5" accent6="accent6" hlink="hlink" folHlink="folHlink"/>
   </p:clrMapOvr>
 </p:sld>
 </file>
@@ -4128,7 +11906,7 @@
           <p:cNvPr id="2" name="Title 1">
             <a:extLst>
               <a:ext uri="{FF2B5EF4-FFF2-40B4-BE49-F238E27FC236}">
-                <a16:creationId xmlns:a16="http://schemas.microsoft.com/office/drawing/2014/main" id="{98EB2216-8FC6-44B0-82C2-66A7172A529A}"/>
+                <a16:creationId xmlns:a16="http://schemas.microsoft.com/office/drawing/2014/main" id="{3521A686-2A8F-44AB-9FFA-739C74C1E6F6}"/>
               </a:ext>
             </a:extLst>
           </p:cNvPr>
@@ -4144,16 +11922,87 @@
           <a:bodyPr/>
           <a:lstStyle/>
           <a:p>
+            <a:r>
+              <a:rPr lang="en-GB">
+                <a:cs typeface="Calibri Light"/>
+              </a:rPr>
+              <a:t>Fila da Caixa do continente</a:t>
+            </a:r>
             <a:endParaRPr lang="en-GB"/>
           </a:p>
         </p:txBody>
       </p:sp>
+      <p:pic>
+        <p:nvPicPr>
+          <p:cNvPr id="7" name="Imagem 7">
+            <a:extLst>
+              <a:ext uri="{FF2B5EF4-FFF2-40B4-BE49-F238E27FC236}">
+                <a16:creationId xmlns:a16="http://schemas.microsoft.com/office/drawing/2014/main" id="{BABBFE0C-6DB8-4D5C-8B4A-46A566D9BD09}"/>
+              </a:ext>
+            </a:extLst>
+          </p:cNvPr>
+          <p:cNvPicPr>
+            <a:picLocks noGrp="1" noChangeAspect="1"/>
+          </p:cNvPicPr>
+          <p:nvPr>
+            <p:ph idx="1"/>
+          </p:nvPr>
+        </p:nvPicPr>
+        <p:blipFill>
+          <a:blip r:embed="rId2"/>
+          <a:stretch>
+            <a:fillRect/>
+          </a:stretch>
+        </p:blipFill>
+        <p:spPr>
+          <a:xfrm>
+            <a:off x="3161708" y="1825625"/>
+            <a:ext cx="5865191" cy="4351338"/>
+          </a:xfrm>
+        </p:spPr>
+      </p:pic>
+      <p:pic>
+        <p:nvPicPr>
+          <p:cNvPr id="6" name="Picture 5" descr="Icon&#10;&#10;Description automatically generated">
+            <a:extLst>
+              <a:ext uri="{FF2B5EF4-FFF2-40B4-BE49-F238E27FC236}">
+                <a16:creationId xmlns:a16="http://schemas.microsoft.com/office/drawing/2014/main" id="{9C118C18-DB7F-41BB-AB4F-FC58BDFE06AF}"/>
+              </a:ext>
+            </a:extLst>
+          </p:cNvPr>
+          <p:cNvPicPr>
+            <a:picLocks noChangeAspect="1"/>
+          </p:cNvPicPr>
+          <p:nvPr/>
+        </p:nvPicPr>
+        <p:blipFill>
+          <a:blip r:embed="rId3">
+            <a:extLst>
+              <a:ext uri="{28A0092B-C50C-407E-A947-70E740481C1C}">
+                <a14:useLocalDpi xmlns:a14="http://schemas.microsoft.com/office/drawing/2010/main" val="0"/>
+              </a:ext>
+            </a:extLst>
+          </a:blip>
+          <a:stretch>
+            <a:fillRect/>
+          </a:stretch>
+        </p:blipFill>
+        <p:spPr>
+          <a:xfrm>
+            <a:off x="10015899" y="365125"/>
+            <a:ext cx="1770855" cy="883219"/>
+          </a:xfrm>
+          <a:prstGeom prst="rect">
+            <a:avLst/>
+          </a:prstGeom>
+        </p:spPr>
+      </p:pic>
       <p:sp>
         <p:nvSpPr>
-          <p:cNvPr id="3" name="Content Placeholder 2">
+          <p:cNvPr id="5" name="Slide Number Placeholder 4">
             <a:extLst>
               <a:ext uri="{FF2B5EF4-FFF2-40B4-BE49-F238E27FC236}">
-                <a16:creationId xmlns:a16="http://schemas.microsoft.com/office/drawing/2014/main" id="{2B0B0381-2015-4C05-B552-CD2565C5E8A6}"/>
+                <a16:creationId xmlns:a16="http://schemas.microsoft.com/office/drawing/2014/main" id="{7C805288-A220-4E73-A110-85396D51526E}"/>
               </a:ext>
             </a:extLst>
           </p:cNvPr>
@@ -4161,7 +12010,7 @@
             <a:spLocks noGrp="1"/>
           </p:cNvSpPr>
           <p:nvPr>
-            <p:ph idx="1"/>
+            <p:ph type="sldNum" sz="quarter" idx="12"/>
           </p:nvPr>
         </p:nvSpPr>
         <p:spPr/>
@@ -4169,6 +12018,10 @@
           <a:bodyPr/>
           <a:lstStyle/>
           <a:p>
+            <a:fld id="{4310B044-6F84-4299-A58B-8057292127B9}" type="slidenum">
+              <a:rPr lang="en-GB" smtClean="0"/>
+              <a:t>8</a:t>
+            </a:fld>
             <a:endParaRPr lang="en-GB"/>
           </a:p>
         </p:txBody>
@@ -4176,7 +12029,7 @@
     </p:spTree>
     <p:extLst>
       <p:ext uri="{BB962C8B-B14F-4D97-AF65-F5344CB8AC3E}">
-        <p14:creationId xmlns:p14="http://schemas.microsoft.com/office/powerpoint/2010/main" val="49299221"/>
+        <p14:creationId xmlns:p14="http://schemas.microsoft.com/office/powerpoint/2010/main" val="3345648404"/>
       </p:ext>
     </p:extLst>
   </p:cSld>
@@ -4208,7 +12061,7 @@
           <p:cNvPr id="2" name="Title 1">
             <a:extLst>
               <a:ext uri="{FF2B5EF4-FFF2-40B4-BE49-F238E27FC236}">
-                <a16:creationId xmlns:a16="http://schemas.microsoft.com/office/drawing/2014/main" id="{3521A686-2A8F-44AB-9FFA-739C74C1E6F6}"/>
+                <a16:creationId xmlns:a16="http://schemas.microsoft.com/office/drawing/2014/main" id="{4E7F15B7-0593-41A2-B016-F58A5E7A0EC6}"/>
               </a:ext>
             </a:extLst>
           </p:cNvPr>
@@ -4233,7 +12086,7 @@
           <p:cNvPr id="3" name="Content Placeholder 2">
             <a:extLst>
               <a:ext uri="{FF2B5EF4-FFF2-40B4-BE49-F238E27FC236}">
-                <a16:creationId xmlns:a16="http://schemas.microsoft.com/office/drawing/2014/main" id="{58F61B69-225E-4BBB-AC2C-1D9D59DEA912}"/>
+                <a16:creationId xmlns:a16="http://schemas.microsoft.com/office/drawing/2014/main" id="{6D606527-6EDD-4A9B-83FE-DF4ACFF77922}"/>
               </a:ext>
             </a:extLst>
           </p:cNvPr>
@@ -4253,10 +12106,39 @@
           </a:p>
         </p:txBody>
       </p:sp>
+      <p:sp>
+        <p:nvSpPr>
+          <p:cNvPr id="4" name="Slide Number Placeholder 3">
+            <a:extLst>
+              <a:ext uri="{FF2B5EF4-FFF2-40B4-BE49-F238E27FC236}">
+                <a16:creationId xmlns:a16="http://schemas.microsoft.com/office/drawing/2014/main" id="{5B7FDD58-8411-49DD-8A84-2E8EF0263297}"/>
+              </a:ext>
+            </a:extLst>
+          </p:cNvPr>
+          <p:cNvSpPr>
+            <a:spLocks noGrp="1"/>
+          </p:cNvSpPr>
+          <p:nvPr>
+            <p:ph type="sldNum" sz="quarter" idx="12"/>
+          </p:nvPr>
+        </p:nvSpPr>
+        <p:spPr/>
+        <p:txBody>
+          <a:bodyPr/>
+          <a:lstStyle/>
+          <a:p>
+            <a:fld id="{4310B044-6F84-4299-A58B-8057292127B9}" type="slidenum">
+              <a:rPr lang="en-GB" smtClean="0"/>
+              <a:t>9</a:t>
+            </a:fld>
+            <a:endParaRPr lang="en-GB"/>
+          </a:p>
+        </p:txBody>
+      </p:sp>
     </p:spTree>
     <p:extLst>
       <p:ext uri="{BB962C8B-B14F-4D97-AF65-F5344CB8AC3E}">
-        <p14:creationId xmlns:p14="http://schemas.microsoft.com/office/powerpoint/2010/main" val="3345648404"/>
+        <p14:creationId xmlns:p14="http://schemas.microsoft.com/office/powerpoint/2010/main" val="959505674"/>
       </p:ext>
     </p:extLst>
   </p:cSld>
@@ -4559,4 +12441,299 @@
     </a:ext>
   </a:extLst>
 </a:theme>
+</file>
+
+<file path=ppt/theme/theme2.xml><?xml version="1.0" encoding="utf-8"?>
+<a:theme xmlns:a="http://schemas.openxmlformats.org/drawingml/2006/main" name="Office Theme">
+  <a:themeElements>
+    <a:clrScheme name="Office">
+      <a:dk1>
+        <a:sysClr val="windowText" lastClr="000000"/>
+      </a:dk1>
+      <a:lt1>
+        <a:sysClr val="window" lastClr="FFFFFF"/>
+      </a:lt1>
+      <a:dk2>
+        <a:srgbClr val="44546A"/>
+      </a:dk2>
+      <a:lt2>
+        <a:srgbClr val="E7E6E6"/>
+      </a:lt2>
+      <a:accent1>
+        <a:srgbClr val="4472C4"/>
+      </a:accent1>
+      <a:accent2>
+        <a:srgbClr val="ED7D31"/>
+      </a:accent2>
+      <a:accent3>
+        <a:srgbClr val="A5A5A5"/>
+      </a:accent3>
+      <a:accent4>
+        <a:srgbClr val="FFC000"/>
+      </a:accent4>
+      <a:accent5>
+        <a:srgbClr val="5B9BD5"/>
+      </a:accent5>
+      <a:accent6>
+        <a:srgbClr val="70AD47"/>
+      </a:accent6>
+      <a:hlink>
+        <a:srgbClr val="0563C1"/>
+      </a:hlink>
+      <a:folHlink>
+        <a:srgbClr val="954F72"/>
+      </a:folHlink>
+    </a:clrScheme>
+    <a:fontScheme name="Office">
+      <a:majorFont>
+        <a:latin typeface="Calibri Light" panose="020F0302020204030204"/>
+        <a:ea typeface=""/>
+        <a:cs typeface=""/>
+        <a:font script="Jpan" typeface="游ゴシック Light"/>
+        <a:font script="Hang" typeface="맑은 고딕"/>
+        <a:font script="Hans" typeface="等线 Light"/>
+        <a:font script="Hant" typeface="新細明體"/>
+        <a:font script="Arab" typeface="Times New Roman"/>
+        <a:font script="Hebr" typeface="Times New Roman"/>
+        <a:font script="Thai" typeface="Angsana New"/>
+        <a:font script="Ethi" typeface="Nyala"/>
+        <a:font script="Beng" typeface="Vrinda"/>
+        <a:font script="Gujr" typeface="Shruti"/>
+        <a:font script="Khmr" typeface="MoolBoran"/>
+        <a:font script="Knda" typeface="Tunga"/>
+        <a:font script="Guru" typeface="Raavi"/>
+        <a:font script="Cans" typeface="Euphemia"/>
+        <a:font script="Cher" typeface="Plantagenet Cherokee"/>
+        <a:font script="Yiii" typeface="Microsoft Yi Baiti"/>
+        <a:font script="Tibt" typeface="Microsoft Himalaya"/>
+        <a:font script="Thaa" typeface="MV Boli"/>
+        <a:font script="Deva" typeface="Mangal"/>
+        <a:font script="Telu" typeface="Gautami"/>
+        <a:font script="Taml" typeface="Latha"/>
+        <a:font script="Syrc" typeface="Estrangelo Edessa"/>
+        <a:font script="Orya" typeface="Kalinga"/>
+        <a:font script="Mlym" typeface="Kartika"/>
+        <a:font script="Laoo" typeface="DokChampa"/>
+        <a:font script="Sinh" typeface="Iskoola Pota"/>
+        <a:font script="Mong" typeface="Mongolian Baiti"/>
+        <a:font script="Viet" typeface="Times New Roman"/>
+        <a:font script="Uigh" typeface="Microsoft Uighur"/>
+        <a:font script="Geor" typeface="Sylfaen"/>
+        <a:font script="Armn" typeface="Arial"/>
+        <a:font script="Bugi" typeface="Leelawadee UI"/>
+        <a:font script="Bopo" typeface="Microsoft JhengHei"/>
+        <a:font script="Java" typeface="Javanese Text"/>
+        <a:font script="Lisu" typeface="Segoe UI"/>
+        <a:font script="Mymr" typeface="Myanmar Text"/>
+        <a:font script="Nkoo" typeface="Ebrima"/>
+        <a:font script="Olck" typeface="Nirmala UI"/>
+        <a:font script="Osma" typeface="Ebrima"/>
+        <a:font script="Phag" typeface="Phagspa"/>
+        <a:font script="Syrn" typeface="Estrangelo Edessa"/>
+        <a:font script="Syrj" typeface="Estrangelo Edessa"/>
+        <a:font script="Syre" typeface="Estrangelo Edessa"/>
+        <a:font script="Sora" typeface="Nirmala UI"/>
+        <a:font script="Tale" typeface="Microsoft Tai Le"/>
+        <a:font script="Talu" typeface="Microsoft New Tai Lue"/>
+        <a:font script="Tfng" typeface="Ebrima"/>
+      </a:majorFont>
+      <a:minorFont>
+        <a:latin typeface="Calibri" panose="020F0502020204030204"/>
+        <a:ea typeface=""/>
+        <a:cs typeface=""/>
+        <a:font script="Jpan" typeface="游ゴシック"/>
+        <a:font script="Hang" typeface="맑은 고딕"/>
+        <a:font script="Hans" typeface="等线"/>
+        <a:font script="Hant" typeface="新細明體"/>
+        <a:font script="Arab" typeface="Arial"/>
+        <a:font script="Hebr" typeface="Arial"/>
+        <a:font script="Thai" typeface="Cordia New"/>
+        <a:font script="Ethi" typeface="Nyala"/>
+        <a:font script="Beng" typeface="Vrinda"/>
+        <a:font script="Gujr" typeface="Shruti"/>
+        <a:font script="Khmr" typeface="DaunPenh"/>
+        <a:font script="Knda" typeface="Tunga"/>
+        <a:font script="Guru" typeface="Raavi"/>
+        <a:font script="Cans" typeface="Euphemia"/>
+        <a:font script="Cher" typeface="Plantagenet Cherokee"/>
+        <a:font script="Yiii" typeface="Microsoft Yi Baiti"/>
+        <a:font script="Tibt" typeface="Microsoft Himalaya"/>
+        <a:font script="Thaa" typeface="MV Boli"/>
+        <a:font script="Deva" typeface="Mangal"/>
+        <a:font script="Telu" typeface="Gautami"/>
+        <a:font script="Taml" typeface="Latha"/>
+        <a:font script="Syrc" typeface="Estrangelo Edessa"/>
+        <a:font script="Orya" typeface="Kalinga"/>
+        <a:font script="Mlym" typeface="Kartika"/>
+        <a:font script="Laoo" typeface="DokChampa"/>
+        <a:font script="Sinh" typeface="Iskoola Pota"/>
+        <a:font script="Mong" typeface="Mongolian Baiti"/>
+        <a:font script="Viet" typeface="Arial"/>
+        <a:font script="Uigh" typeface="Microsoft Uighur"/>
+        <a:font script="Geor" typeface="Sylfaen"/>
+        <a:font script="Armn" typeface="Arial"/>
+        <a:font script="Bugi" typeface="Leelawadee UI"/>
+        <a:font script="Bopo" typeface="Microsoft JhengHei"/>
+        <a:font script="Java" typeface="Javanese Text"/>
+        <a:font script="Lisu" typeface="Segoe UI"/>
+        <a:font script="Mymr" typeface="Myanmar Text"/>
+        <a:font script="Nkoo" typeface="Ebrima"/>
+        <a:font script="Olck" typeface="Nirmala UI"/>
+        <a:font script="Osma" typeface="Ebrima"/>
+        <a:font script="Phag" typeface="Phagspa"/>
+        <a:font script="Syrn" typeface="Estrangelo Edessa"/>
+        <a:font script="Syrj" typeface="Estrangelo Edessa"/>
+        <a:font script="Syre" typeface="Estrangelo Edessa"/>
+        <a:font script="Sora" typeface="Nirmala UI"/>
+        <a:font script="Tale" typeface="Microsoft Tai Le"/>
+        <a:font script="Talu" typeface="Microsoft New Tai Lue"/>
+        <a:font script="Tfng" typeface="Ebrima"/>
+      </a:minorFont>
+    </a:fontScheme>
+    <a:fmtScheme name="Office">
+      <a:fillStyleLst>
+        <a:solidFill>
+          <a:schemeClr val="phClr"/>
+        </a:solidFill>
+        <a:gradFill rotWithShape="1">
+          <a:gsLst>
+            <a:gs pos="0">
+              <a:schemeClr val="phClr">
+                <a:lumMod val="110000"/>
+                <a:satMod val="105000"/>
+                <a:tint val="67000"/>
+              </a:schemeClr>
+            </a:gs>
+            <a:gs pos="50000">
+              <a:schemeClr val="phClr">
+                <a:lumMod val="105000"/>
+                <a:satMod val="103000"/>
+                <a:tint val="73000"/>
+              </a:schemeClr>
+            </a:gs>
+            <a:gs pos="100000">
+              <a:schemeClr val="phClr">
+                <a:lumMod val="105000"/>
+                <a:satMod val="109000"/>
+                <a:tint val="81000"/>
+              </a:schemeClr>
+            </a:gs>
+          </a:gsLst>
+          <a:lin ang="5400000" scaled="0"/>
+        </a:gradFill>
+        <a:gradFill rotWithShape="1">
+          <a:gsLst>
+            <a:gs pos="0">
+              <a:schemeClr val="phClr">
+                <a:satMod val="103000"/>
+                <a:lumMod val="102000"/>
+                <a:tint val="94000"/>
+              </a:schemeClr>
+            </a:gs>
+            <a:gs pos="50000">
+              <a:schemeClr val="phClr">
+                <a:satMod val="110000"/>
+                <a:lumMod val="100000"/>
+                <a:shade val="100000"/>
+              </a:schemeClr>
+            </a:gs>
+            <a:gs pos="100000">
+              <a:schemeClr val="phClr">
+                <a:lumMod val="99000"/>
+                <a:satMod val="120000"/>
+                <a:shade val="78000"/>
+              </a:schemeClr>
+            </a:gs>
+          </a:gsLst>
+          <a:lin ang="5400000" scaled="0"/>
+        </a:gradFill>
+      </a:fillStyleLst>
+      <a:lnStyleLst>
+        <a:ln w="6350" cap="flat" cmpd="sng" algn="ctr">
+          <a:solidFill>
+            <a:schemeClr val="phClr"/>
+          </a:solidFill>
+          <a:prstDash val="solid"/>
+          <a:miter lim="800000"/>
+        </a:ln>
+        <a:ln w="12700" cap="flat" cmpd="sng" algn="ctr">
+          <a:solidFill>
+            <a:schemeClr val="phClr"/>
+          </a:solidFill>
+          <a:prstDash val="solid"/>
+          <a:miter lim="800000"/>
+        </a:ln>
+        <a:ln w="19050" cap="flat" cmpd="sng" algn="ctr">
+          <a:solidFill>
+            <a:schemeClr val="phClr"/>
+          </a:solidFill>
+          <a:prstDash val="solid"/>
+          <a:miter lim="800000"/>
+        </a:ln>
+      </a:lnStyleLst>
+      <a:effectStyleLst>
+        <a:effectStyle>
+          <a:effectLst/>
+        </a:effectStyle>
+        <a:effectStyle>
+          <a:effectLst/>
+        </a:effectStyle>
+        <a:effectStyle>
+          <a:effectLst>
+            <a:outerShdw blurRad="57150" dist="19050" dir="5400000" algn="ctr" rotWithShape="0">
+              <a:srgbClr val="000000">
+                <a:alpha val="63000"/>
+              </a:srgbClr>
+            </a:outerShdw>
+          </a:effectLst>
+        </a:effectStyle>
+      </a:effectStyleLst>
+      <a:bgFillStyleLst>
+        <a:solidFill>
+          <a:schemeClr val="phClr"/>
+        </a:solidFill>
+        <a:solidFill>
+          <a:schemeClr val="phClr">
+            <a:tint val="95000"/>
+            <a:satMod val="170000"/>
+          </a:schemeClr>
+        </a:solidFill>
+        <a:gradFill rotWithShape="1">
+          <a:gsLst>
+            <a:gs pos="0">
+              <a:schemeClr val="phClr">
+                <a:tint val="93000"/>
+                <a:satMod val="150000"/>
+                <a:shade val="98000"/>
+                <a:lumMod val="102000"/>
+              </a:schemeClr>
+            </a:gs>
+            <a:gs pos="50000">
+              <a:schemeClr val="phClr">
+                <a:tint val="98000"/>
+                <a:satMod val="130000"/>
+                <a:shade val="90000"/>
+                <a:lumMod val="103000"/>
+              </a:schemeClr>
+            </a:gs>
+            <a:gs pos="100000">
+              <a:schemeClr val="phClr">
+                <a:shade val="63000"/>
+                <a:satMod val="120000"/>
+              </a:schemeClr>
+            </a:gs>
+          </a:gsLst>
+          <a:lin ang="5400000" scaled="0"/>
+        </a:gradFill>
+      </a:bgFillStyleLst>
+    </a:fmtScheme>
+  </a:themeElements>
+  <a:objectDefaults/>
+  <a:extraClrSchemeLst/>
+  <a:extLst>
+    <a:ext uri="{05A4C25C-085E-4340-85A3-A5531E510DB2}">
+      <thm15:themeFamily xmlns:thm15="http://schemas.microsoft.com/office/thememl/2012/main" name="Office Theme" id="{62F939B6-93AF-4DB8-9C6B-D6C7DFDC589F}" vid="{4A3C46E8-61CC-4603-A589-7422A47A8E4A}"/>
+    </a:ext>
+  </a:extLst>
+</a:theme>
 </file>
--- a/Short Talks/Poisson and Gamma distributions/Distribuição de Poisson e Gamma.pptx
+++ b/Short Talks/Poisson and Gamma distributions/Distribuição de Poisson e Gamma.pptx
@@ -5,7 +5,7 @@
     <p:sldMasterId id="2147483648" r:id="rId1"/>
   </p:sldMasterIdLst>
   <p:notesMasterIdLst>
-    <p:notesMasterId r:id="rId11"/>
+    <p:notesMasterId r:id="rId12"/>
   </p:notesMasterIdLst>
   <p:sldIdLst>
     <p:sldId id="256" r:id="rId2"/>
@@ -16,7 +16,8 @@
     <p:sldId id="262" r:id="rId7"/>
     <p:sldId id="263" r:id="rId8"/>
     <p:sldId id="264" r:id="rId9"/>
-    <p:sldId id="265" r:id="rId10"/>
+    <p:sldId id="266" r:id="rId10"/>
+    <p:sldId id="265" r:id="rId11"/>
   </p:sldIdLst>
   <p:sldSz cx="12192000" cy="6858000"/>
   <p:notesSz cx="6858000" cy="9144000"/>
@@ -126,10 +127,8 @@
 <file path=ppt/revisionInfo.xml><?xml version="1.0" encoding="utf-8"?>
 <p1510:revInfo xmlns:a="http://schemas.openxmlformats.org/drawingml/2006/main" xmlns:r="http://schemas.openxmlformats.org/officeDocument/2006/relationships" xmlns:p1510="http://schemas.microsoft.com/office/powerpoint/2015/10/main">
   <p1510:revLst>
-    <p1510:client id="{758C3D71-4D74-AFFF-92D3-2B3C14AE1CB2}" v="28" dt="2021-10-19T18:39:25.911"/>
-    <p1510:client id="{A750D241-F792-F43D-BD3F-ED7260A080B3}" v="408" dt="2021-10-19T17:28:22.379"/>
-    <p1510:client id="{A86F0C09-EE21-C629-F016-BFCB9744CC68}" v="1089" dt="2021-10-19T15:55:29.370"/>
-    <p1510:client id="{FF2A4FE9-6061-4F89-9356-7C24429792B8}" v="684" dt="2021-10-19T19:59:50.174"/>
+    <p1510:client id="{24E1AECB-103D-1B18-01CE-E9CCEEB91B9E}" v="658" vWet="659" dt="2021-10-26T14:51:26.334"/>
+    <p1510:client id="{FF2A4FE9-6061-4F89-9356-7C24429792B8}" v="983" dt="2021-10-26T14:52:22.138"/>
   </p1510:revLst>
 </p1510:revInfo>
 </file>
@@ -137,58 +136,1396 @@
 <file path=ppt/changesInfos/changesInfo1.xml><?xml version="1.0" encoding="utf-8"?>
 <pc:chgInfo xmlns:a="http://schemas.openxmlformats.org/drawingml/2006/main" xmlns:r="http://schemas.openxmlformats.org/officeDocument/2006/relationships" xmlns:ac="http://schemas.microsoft.com/office/drawing/2013/main/command" xmlns:pc="http://schemas.microsoft.com/office/powerpoint/2013/main/command">
   <pc:docChgLst>
-    <pc:chgData name="Rodrigo da Silva Gomes Peres Coelho" userId="S::pg47622@uminho.pt::32a22569-e572-4c9f-bf40-e144b3d8d0a1" providerId="AD" clId="Web-{758C3D71-4D74-AFFF-92D3-2B3C14AE1CB2}"/>
+    <pc:chgData name="Rodrigo da Silva Gomes Peres Coelho" userId="S::pg47622@uminho.pt::32a22569-e572-4c9f-bf40-e144b3d8d0a1" providerId="AD" clId="Web-{A86F0C09-EE21-C629-F016-BFCB9744CC68}"/>
     <pc:docChg chg="modSld">
-      <pc:chgData name="Rodrigo da Silva Gomes Peres Coelho" userId="S::pg47622@uminho.pt::32a22569-e572-4c9f-bf40-e144b3d8d0a1" providerId="AD" clId="Web-{758C3D71-4D74-AFFF-92D3-2B3C14AE1CB2}" dt="2021-10-19T18:39:25.911" v="27" actId="1076"/>
+      <pc:chgData name="Rodrigo da Silva Gomes Peres Coelho" userId="S::pg47622@uminho.pt::32a22569-e572-4c9f-bf40-e144b3d8d0a1" providerId="AD" clId="Web-{A86F0C09-EE21-C629-F016-BFCB9744CC68}" dt="2021-10-19T15:55:29.370" v="1079" actId="20577"/>
       <pc:docMkLst>
         <pc:docMk/>
       </pc:docMkLst>
+      <pc:sldChg chg="modSp">
+        <pc:chgData name="Rodrigo da Silva Gomes Peres Coelho" userId="S::pg47622@uminho.pt::32a22569-e572-4c9f-bf40-e144b3d8d0a1" providerId="AD" clId="Web-{A86F0C09-EE21-C629-F016-BFCB9744CC68}" dt="2021-10-19T15:09:46.046" v="0" actId="20577"/>
+        <pc:sldMkLst>
+          <pc:docMk/>
+          <pc:sldMk cId="3916293193" sldId="256"/>
+        </pc:sldMkLst>
+        <pc:spChg chg="mod">
+          <ac:chgData name="Rodrigo da Silva Gomes Peres Coelho" userId="S::pg47622@uminho.pt::32a22569-e572-4c9f-bf40-e144b3d8d0a1" providerId="AD" clId="Web-{A86F0C09-EE21-C629-F016-BFCB9744CC68}" dt="2021-10-19T15:09:46.046" v="0" actId="20577"/>
+          <ac:spMkLst>
+            <pc:docMk/>
+            <pc:sldMk cId="3916293193" sldId="256"/>
+            <ac:spMk id="2" creationId="{01E1C496-4AD5-42C1-AF59-6EF89DF50AA1}"/>
+          </ac:spMkLst>
+        </pc:spChg>
+      </pc:sldChg>
+      <pc:sldChg chg="modSp">
+        <pc:chgData name="Rodrigo da Silva Gomes Peres Coelho" userId="S::pg47622@uminho.pt::32a22569-e572-4c9f-bf40-e144b3d8d0a1" providerId="AD" clId="Web-{A86F0C09-EE21-C629-F016-BFCB9744CC68}" dt="2021-10-19T15:47:35.529" v="897" actId="20577"/>
+        <pc:sldMkLst>
+          <pc:docMk/>
+          <pc:sldMk cId="871309248" sldId="262"/>
+        </pc:sldMkLst>
+        <pc:spChg chg="mod">
+          <ac:chgData name="Rodrigo da Silva Gomes Peres Coelho" userId="S::pg47622@uminho.pt::32a22569-e572-4c9f-bf40-e144b3d8d0a1" providerId="AD" clId="Web-{A86F0C09-EE21-C629-F016-BFCB9744CC68}" dt="2021-10-19T15:12:05.550" v="11" actId="20577"/>
+          <ac:spMkLst>
+            <pc:docMk/>
+            <pc:sldMk cId="871309248" sldId="262"/>
+            <ac:spMk id="2" creationId="{770AEAC1-D00D-4613-95F0-71CF1560AD62}"/>
+          </ac:spMkLst>
+        </pc:spChg>
+        <pc:spChg chg="mod">
+          <ac:chgData name="Rodrigo da Silva Gomes Peres Coelho" userId="S::pg47622@uminho.pt::32a22569-e572-4c9f-bf40-e144b3d8d0a1" providerId="AD" clId="Web-{A86F0C09-EE21-C629-F016-BFCB9744CC68}" dt="2021-10-19T15:47:35.529" v="897" actId="20577"/>
+          <ac:spMkLst>
+            <pc:docMk/>
+            <pc:sldMk cId="871309248" sldId="262"/>
+            <ac:spMk id="3" creationId="{1B8160BC-DBAF-4CF3-815A-DFCC0C01BC4D}"/>
+          </ac:spMkLst>
+        </pc:spChg>
+      </pc:sldChg>
       <pc:sldChg chg="addSp delSp modSp">
-        <pc:chgData name="Rodrigo da Silva Gomes Peres Coelho" userId="S::pg47622@uminho.pt::32a22569-e572-4c9f-bf40-e144b3d8d0a1" providerId="AD" clId="Web-{758C3D71-4D74-AFFF-92D3-2B3C14AE1CB2}" dt="2021-10-19T18:39:25.911" v="27" actId="1076"/>
+        <pc:chgData name="Rodrigo da Silva Gomes Peres Coelho" userId="S::pg47622@uminho.pt::32a22569-e572-4c9f-bf40-e144b3d8d0a1" providerId="AD" clId="Web-{A86F0C09-EE21-C629-F016-BFCB9744CC68}" dt="2021-10-19T15:55:29.370" v="1079" actId="20577"/>
+        <pc:sldMkLst>
+          <pc:docMk/>
+          <pc:sldMk cId="49299221" sldId="263"/>
+        </pc:sldMkLst>
+        <pc:spChg chg="mod">
+          <ac:chgData name="Rodrigo da Silva Gomes Peres Coelho" userId="S::pg47622@uminho.pt::32a22569-e572-4c9f-bf40-e144b3d8d0a1" providerId="AD" clId="Web-{A86F0C09-EE21-C629-F016-BFCB9744CC68}" dt="2021-10-19T15:31:18.893" v="733" actId="20577"/>
+          <ac:spMkLst>
+            <pc:docMk/>
+            <pc:sldMk cId="49299221" sldId="263"/>
+            <ac:spMk id="2" creationId="{98EB2216-8FC6-44B0-82C2-66A7172A529A}"/>
+          </ac:spMkLst>
+        </pc:spChg>
+        <pc:spChg chg="mod">
+          <ac:chgData name="Rodrigo da Silva Gomes Peres Coelho" userId="S::pg47622@uminho.pt::32a22569-e572-4c9f-bf40-e144b3d8d0a1" providerId="AD" clId="Web-{A86F0C09-EE21-C629-F016-BFCB9744CC68}" dt="2021-10-19T15:55:29.370" v="1079" actId="20577"/>
+          <ac:spMkLst>
+            <pc:docMk/>
+            <pc:sldMk cId="49299221" sldId="263"/>
+            <ac:spMk id="3" creationId="{2B0B0381-2015-4C05-B552-CD2565C5E8A6}"/>
+          </ac:spMkLst>
+        </pc:spChg>
+        <pc:picChg chg="add del mod">
+          <ac:chgData name="Rodrigo da Silva Gomes Peres Coelho" userId="S::pg47622@uminho.pt::32a22569-e572-4c9f-bf40-e144b3d8d0a1" providerId="AD" clId="Web-{A86F0C09-EE21-C629-F016-BFCB9744CC68}" dt="2021-10-19T15:42:16.708" v="792"/>
+          <ac:picMkLst>
+            <pc:docMk/>
+            <pc:sldMk cId="49299221" sldId="263"/>
+            <ac:picMk id="4" creationId="{D141C5C5-92D6-4B69-93C9-40B8C3D55294}"/>
+          </ac:picMkLst>
+        </pc:picChg>
+        <pc:picChg chg="add del mod">
+          <ac:chgData name="Rodrigo da Silva Gomes Peres Coelho" userId="S::pg47622@uminho.pt::32a22569-e572-4c9f-bf40-e144b3d8d0a1" providerId="AD" clId="Web-{A86F0C09-EE21-C629-F016-BFCB9744CC68}" dt="2021-10-19T15:44:17.602" v="797"/>
+          <ac:picMkLst>
+            <pc:docMk/>
+            <pc:sldMk cId="49299221" sldId="263"/>
+            <ac:picMk id="5" creationId="{15617F0B-81AE-434E-8648-E233F1159317}"/>
+          </ac:picMkLst>
+        </pc:picChg>
+        <pc:picChg chg="add mod">
+          <ac:chgData name="Rodrigo da Silva Gomes Peres Coelho" userId="S::pg47622@uminho.pt::32a22569-e572-4c9f-bf40-e144b3d8d0a1" providerId="AD" clId="Web-{A86F0C09-EE21-C629-F016-BFCB9744CC68}" dt="2021-10-19T15:44:26.883" v="802" actId="1076"/>
+          <ac:picMkLst>
+            <pc:docMk/>
+            <pc:sldMk cId="49299221" sldId="263"/>
+            <ac:picMk id="6" creationId="{D1005B1C-5854-4BBE-8EC4-503731724299}"/>
+          </ac:picMkLst>
+        </pc:picChg>
+        <pc:picChg chg="add mod">
+          <ac:chgData name="Rodrigo da Silva Gomes Peres Coelho" userId="S::pg47622@uminho.pt::32a22569-e572-4c9f-bf40-e144b3d8d0a1" providerId="AD" clId="Web-{A86F0C09-EE21-C629-F016-BFCB9744CC68}" dt="2021-10-19T15:48:24.921" v="902" actId="1076"/>
+          <ac:picMkLst>
+            <pc:docMk/>
+            <pc:sldMk cId="49299221" sldId="263"/>
+            <ac:picMk id="7" creationId="{ACEC54D9-C852-4E3A-BE1E-388ED60FF9AD}"/>
+          </ac:picMkLst>
+        </pc:picChg>
+      </pc:sldChg>
+    </pc:docChg>
+  </pc:docChgLst>
+  <pc:docChgLst>
+    <pc:chgData name="Irving Leander Reascos Valencia" userId="355ef903-6e56-42c5-b4d8-5b764e20389a" providerId="ADAL" clId="{FF2A4FE9-6061-4F89-9356-7C24429792B8}"/>
+    <pc:docChg chg="undo redo custSel delSld modSld">
+      <pc:chgData name="Irving Leander Reascos Valencia" userId="355ef903-6e56-42c5-b4d8-5b764e20389a" providerId="ADAL" clId="{FF2A4FE9-6061-4F89-9356-7C24429792B8}" dt="2021-10-19T19:59:50.173" v="770" actId="1076"/>
+      <pc:docMkLst>
+        <pc:docMk/>
+      </pc:docMkLst>
+      <pc:sldChg chg="addSp delSp modSp mod modMedia setBg addAnim delAnim setClrOvrMap">
+        <pc:chgData name="Irving Leander Reascos Valencia" userId="355ef903-6e56-42c5-b4d8-5b764e20389a" providerId="ADAL" clId="{FF2A4FE9-6061-4F89-9356-7C24429792B8}" dt="2021-10-19T19:49:03.010" v="757" actId="20577"/>
+        <pc:sldMkLst>
+          <pc:docMk/>
+          <pc:sldMk cId="3916293193" sldId="256"/>
+        </pc:sldMkLst>
+        <pc:spChg chg="mod">
+          <ac:chgData name="Irving Leander Reascos Valencia" userId="355ef903-6e56-42c5-b4d8-5b764e20389a" providerId="ADAL" clId="{FF2A4FE9-6061-4F89-9356-7C24429792B8}" dt="2021-10-19T19:10:39.468" v="479" actId="26606"/>
+          <ac:spMkLst>
+            <pc:docMk/>
+            <pc:sldMk cId="3916293193" sldId="256"/>
+            <ac:spMk id="2" creationId="{01E1C496-4AD5-42C1-AF59-6EF89DF50AA1}"/>
+          </ac:spMkLst>
+        </pc:spChg>
+        <pc:spChg chg="add del mod">
+          <ac:chgData name="Irving Leander Reascos Valencia" userId="355ef903-6e56-42c5-b4d8-5b764e20389a" providerId="ADAL" clId="{FF2A4FE9-6061-4F89-9356-7C24429792B8}" dt="2021-10-19T19:10:39.468" v="479" actId="26606"/>
+          <ac:spMkLst>
+            <pc:docMk/>
+            <pc:sldMk cId="3916293193" sldId="256"/>
+            <ac:spMk id="3" creationId="{0365D8F3-60E4-4177-9BCF-31DFC5083F2F}"/>
+          </ac:spMkLst>
+        </pc:spChg>
+        <pc:spChg chg="add del mod">
+          <ac:chgData name="Irving Leander Reascos Valencia" userId="355ef903-6e56-42c5-b4d8-5b764e20389a" providerId="ADAL" clId="{FF2A4FE9-6061-4F89-9356-7C24429792B8}" dt="2021-10-19T19:02:26.915" v="411" actId="478"/>
+          <ac:spMkLst>
+            <pc:docMk/>
+            <pc:sldMk cId="3916293193" sldId="256"/>
+            <ac:spMk id="5" creationId="{BAB36F6D-3125-439A-AC73-7B24684FD98C}"/>
+          </ac:spMkLst>
+        </pc:spChg>
+        <pc:spChg chg="add del">
+          <ac:chgData name="Irving Leander Reascos Valencia" userId="355ef903-6e56-42c5-b4d8-5b764e20389a" providerId="ADAL" clId="{FF2A4FE9-6061-4F89-9356-7C24429792B8}" dt="2021-10-19T19:06:03.421" v="423" actId="26606"/>
+          <ac:spMkLst>
+            <pc:docMk/>
+            <pc:sldMk cId="3916293193" sldId="256"/>
+            <ac:spMk id="7" creationId="{FB5B0058-AF13-4859-B429-4EDDE2A26F7F}"/>
+          </ac:spMkLst>
+        </pc:spChg>
+        <pc:spChg chg="add del">
+          <ac:chgData name="Irving Leander Reascos Valencia" userId="355ef903-6e56-42c5-b4d8-5b764e20389a" providerId="ADAL" clId="{FF2A4FE9-6061-4F89-9356-7C24429792B8}" dt="2021-10-19T19:05:53.050" v="421" actId="26606"/>
+          <ac:spMkLst>
+            <pc:docMk/>
+            <pc:sldMk cId="3916293193" sldId="256"/>
+            <ac:spMk id="8" creationId="{FB5B0058-AF13-4859-B429-4EDDE2A26F7F}"/>
+          </ac:spMkLst>
+        </pc:spChg>
+        <pc:spChg chg="add del">
+          <ac:chgData name="Irving Leander Reascos Valencia" userId="355ef903-6e56-42c5-b4d8-5b764e20389a" providerId="ADAL" clId="{FF2A4FE9-6061-4F89-9356-7C24429792B8}" dt="2021-10-19T19:03:46.429" v="419" actId="26606"/>
+          <ac:spMkLst>
+            <pc:docMk/>
+            <pc:sldMk cId="3916293193" sldId="256"/>
+            <ac:spMk id="9" creationId="{C1DD1A8A-57D5-4A81-AD04-532B043C5611}"/>
+          </ac:spMkLst>
+        </pc:spChg>
+        <pc:spChg chg="add del">
+          <ac:chgData name="Irving Leander Reascos Valencia" userId="355ef903-6e56-42c5-b4d8-5b764e20389a" providerId="ADAL" clId="{FF2A4FE9-6061-4F89-9356-7C24429792B8}" dt="2021-10-19T19:03:46.429" v="419" actId="26606"/>
+          <ac:spMkLst>
+            <pc:docMk/>
+            <pc:sldMk cId="3916293193" sldId="256"/>
+            <ac:spMk id="11" creationId="{007891EC-4501-44ED-A8C8-B11B6DB767AB}"/>
+          </ac:spMkLst>
+        </pc:spChg>
+        <pc:spChg chg="add del">
+          <ac:chgData name="Irving Leander Reascos Valencia" userId="355ef903-6e56-42c5-b4d8-5b764e20389a" providerId="ADAL" clId="{FF2A4FE9-6061-4F89-9356-7C24429792B8}" dt="2021-10-19T19:06:03.421" v="423" actId="26606"/>
+          <ac:spMkLst>
+            <pc:docMk/>
+            <pc:sldMk cId="3916293193" sldId="256"/>
+            <ac:spMk id="15" creationId="{9358801C-1E89-48FF-B14F-D76A2EA14C8E}"/>
+          </ac:spMkLst>
+        </pc:spChg>
+        <pc:spChg chg="add del">
+          <ac:chgData name="Irving Leander Reascos Valencia" userId="355ef903-6e56-42c5-b4d8-5b764e20389a" providerId="ADAL" clId="{FF2A4FE9-6061-4F89-9356-7C24429792B8}" dt="2021-10-19T19:06:07.409" v="425" actId="26606"/>
+          <ac:spMkLst>
+            <pc:docMk/>
+            <pc:sldMk cId="3916293193" sldId="256"/>
+            <ac:spMk id="17" creationId="{787F4F1C-8D3D-4EC1-B72D-A0470A5A08B8}"/>
+          </ac:spMkLst>
+        </pc:spChg>
+        <pc:spChg chg="add del">
+          <ac:chgData name="Irving Leander Reascos Valencia" userId="355ef903-6e56-42c5-b4d8-5b764e20389a" providerId="ADAL" clId="{FF2A4FE9-6061-4F89-9356-7C24429792B8}" dt="2021-10-19T19:06:15.831" v="429" actId="26606"/>
+          <ac:spMkLst>
+            <pc:docMk/>
+            <pc:sldMk cId="3916293193" sldId="256"/>
+            <ac:spMk id="19" creationId="{6F828D28-8E09-41CC-8229-3070B5467A96}"/>
+          </ac:spMkLst>
+        </pc:spChg>
+        <pc:spChg chg="add del">
+          <ac:chgData name="Irving Leander Reascos Valencia" userId="355ef903-6e56-42c5-b4d8-5b764e20389a" providerId="ADAL" clId="{FF2A4FE9-6061-4F89-9356-7C24429792B8}" dt="2021-10-19T19:06:30.490" v="431" actId="26606"/>
+          <ac:spMkLst>
+            <pc:docMk/>
+            <pc:sldMk cId="3916293193" sldId="256"/>
+            <ac:spMk id="20" creationId="{EFA9B6C6-A247-48A8-9A1C-1E36FA9456B5}"/>
+          </ac:spMkLst>
+        </pc:spChg>
+        <pc:spChg chg="add del">
+          <ac:chgData name="Irving Leander Reascos Valencia" userId="355ef903-6e56-42c5-b4d8-5b764e20389a" providerId="ADAL" clId="{FF2A4FE9-6061-4F89-9356-7C24429792B8}" dt="2021-10-19T19:06:30.490" v="431" actId="26606"/>
+          <ac:spMkLst>
+            <pc:docMk/>
+            <pc:sldMk cId="3916293193" sldId="256"/>
+            <ac:spMk id="22" creationId="{C5CB530E-515E-412C-9DF1-5F8FFBD6F383}"/>
+          </ac:spMkLst>
+        </pc:spChg>
+        <pc:spChg chg="add del">
+          <ac:chgData name="Irving Leander Reascos Valencia" userId="355ef903-6e56-42c5-b4d8-5b764e20389a" providerId="ADAL" clId="{FF2A4FE9-6061-4F89-9356-7C24429792B8}" dt="2021-10-19T19:06:30.490" v="431" actId="26606"/>
+          <ac:spMkLst>
+            <pc:docMk/>
+            <pc:sldMk cId="3916293193" sldId="256"/>
+            <ac:spMk id="23" creationId="{712D4376-A578-4FF1-94FC-245E7A6A489F}"/>
+          </ac:spMkLst>
+        </pc:spChg>
+        <pc:spChg chg="add del">
+          <ac:chgData name="Irving Leander Reascos Valencia" userId="355ef903-6e56-42c5-b4d8-5b764e20389a" providerId="ADAL" clId="{FF2A4FE9-6061-4F89-9356-7C24429792B8}" dt="2021-10-19T19:06:15.831" v="429" actId="26606"/>
+          <ac:spMkLst>
+            <pc:docMk/>
+            <pc:sldMk cId="3916293193" sldId="256"/>
+            <ac:spMk id="24" creationId="{D5B012D8-7F27-4758-9AC6-C889B154BD73}"/>
+          </ac:spMkLst>
+        </pc:spChg>
+        <pc:spChg chg="add del">
+          <ac:chgData name="Irving Leander Reascos Valencia" userId="355ef903-6e56-42c5-b4d8-5b764e20389a" providerId="ADAL" clId="{FF2A4FE9-6061-4F89-9356-7C24429792B8}" dt="2021-10-19T19:06:15.831" v="429" actId="26606"/>
+          <ac:spMkLst>
+            <pc:docMk/>
+            <pc:sldMk cId="3916293193" sldId="256"/>
+            <ac:spMk id="25" creationId="{4063B759-00FC-46D1-9898-8E8625268FAF}"/>
+          </ac:spMkLst>
+        </pc:spChg>
+        <pc:spChg chg="add del">
+          <ac:chgData name="Irving Leander Reascos Valencia" userId="355ef903-6e56-42c5-b4d8-5b764e20389a" providerId="ADAL" clId="{FF2A4FE9-6061-4F89-9356-7C24429792B8}" dt="2021-10-19T19:06:30.490" v="431" actId="26606"/>
+          <ac:spMkLst>
+            <pc:docMk/>
+            <pc:sldMk cId="3916293193" sldId="256"/>
+            <ac:spMk id="26" creationId="{AEA7509D-F04F-40CB-A0B3-EEF16499CC9F}"/>
+          </ac:spMkLst>
+        </pc:spChg>
+        <pc:spChg chg="add del">
+          <ac:chgData name="Irving Leander Reascos Valencia" userId="355ef903-6e56-42c5-b4d8-5b764e20389a" providerId="ADAL" clId="{FF2A4FE9-6061-4F89-9356-7C24429792B8}" dt="2021-10-19T19:06:33.191" v="433" actId="26606"/>
+          <ac:spMkLst>
+            <pc:docMk/>
+            <pc:sldMk cId="3916293193" sldId="256"/>
+            <ac:spMk id="28" creationId="{C7D023E4-8DE1-436E-9847-ED6A4B4B04FD}"/>
+          </ac:spMkLst>
+        </pc:spChg>
+        <pc:spChg chg="add del">
+          <ac:chgData name="Irving Leander Reascos Valencia" userId="355ef903-6e56-42c5-b4d8-5b764e20389a" providerId="ADAL" clId="{FF2A4FE9-6061-4F89-9356-7C24429792B8}" dt="2021-10-19T19:10:39.468" v="479" actId="26606"/>
+          <ac:spMkLst>
+            <pc:docMk/>
+            <pc:sldMk cId="3916293193" sldId="256"/>
+            <ac:spMk id="31" creationId="{83CB2632-0822-4E49-A707-FA1B8A4D0173}"/>
+          </ac:spMkLst>
+        </pc:spChg>
+        <pc:spChg chg="add del">
+          <ac:chgData name="Irving Leander Reascos Valencia" userId="355ef903-6e56-42c5-b4d8-5b764e20389a" providerId="ADAL" clId="{FF2A4FE9-6061-4F89-9356-7C24429792B8}" dt="2021-10-19T19:06:33.708" v="437" actId="26606"/>
+          <ac:spMkLst>
+            <pc:docMk/>
+            <pc:sldMk cId="3916293193" sldId="256"/>
+            <ac:spMk id="41" creationId="{C27D7A02-907B-496F-BA7E-AA3780733CA7}"/>
+          </ac:spMkLst>
+        </pc:spChg>
+        <pc:spChg chg="add del">
+          <ac:chgData name="Irving Leander Reascos Valencia" userId="355ef903-6e56-42c5-b4d8-5b764e20389a" providerId="ADAL" clId="{FF2A4FE9-6061-4F89-9356-7C24429792B8}" dt="2021-10-19T19:06:33.708" v="437" actId="26606"/>
+          <ac:spMkLst>
+            <pc:docMk/>
+            <pc:sldMk cId="3916293193" sldId="256"/>
+            <ac:spMk id="42" creationId="{0FBA5268-0AE7-4CAD-9537-D0EB09E76406}"/>
+          </ac:spMkLst>
+        </pc:spChg>
+        <pc:spChg chg="add del">
+          <ac:chgData name="Irving Leander Reascos Valencia" userId="355ef903-6e56-42c5-b4d8-5b764e20389a" providerId="ADAL" clId="{FF2A4FE9-6061-4F89-9356-7C24429792B8}" dt="2021-10-19T19:06:33.708" v="437" actId="26606"/>
+          <ac:spMkLst>
+            <pc:docMk/>
+            <pc:sldMk cId="3916293193" sldId="256"/>
+            <ac:spMk id="43" creationId="{088D065B-39DA-4077-B9CF-E489CE4C0169}"/>
+          </ac:spMkLst>
+        </pc:spChg>
+        <pc:spChg chg="add del">
+          <ac:chgData name="Irving Leander Reascos Valencia" userId="355ef903-6e56-42c5-b4d8-5b764e20389a" providerId="ADAL" clId="{FF2A4FE9-6061-4F89-9356-7C24429792B8}" dt="2021-10-19T19:06:35.922" v="439" actId="26606"/>
+          <ac:spMkLst>
+            <pc:docMk/>
+            <pc:sldMk cId="3916293193" sldId="256"/>
+            <ac:spMk id="45" creationId="{D472C551-D440-40DF-9260-BDB9AC40960A}"/>
+          </ac:spMkLst>
+        </pc:spChg>
+        <pc:spChg chg="add del">
+          <ac:chgData name="Irving Leander Reascos Valencia" userId="355ef903-6e56-42c5-b4d8-5b764e20389a" providerId="ADAL" clId="{FF2A4FE9-6061-4F89-9356-7C24429792B8}" dt="2021-10-19T19:06:35.922" v="439" actId="26606"/>
+          <ac:spMkLst>
+            <pc:docMk/>
+            <pc:sldMk cId="3916293193" sldId="256"/>
+            <ac:spMk id="47" creationId="{508BEF50-7B1E-49A4-BC19-5F4F1D755E64}"/>
+          </ac:spMkLst>
+        </pc:spChg>
+        <pc:spChg chg="add del">
+          <ac:chgData name="Irving Leander Reascos Valencia" userId="355ef903-6e56-42c5-b4d8-5b764e20389a" providerId="ADAL" clId="{FF2A4FE9-6061-4F89-9356-7C24429792B8}" dt="2021-10-19T19:06:35.922" v="439" actId="26606"/>
+          <ac:spMkLst>
+            <pc:docMk/>
+            <pc:sldMk cId="3916293193" sldId="256"/>
+            <ac:spMk id="48" creationId="{3FBAD350-5664-4811-A208-657FB882D350}"/>
+          </ac:spMkLst>
+        </pc:spChg>
+        <pc:spChg chg="add del">
+          <ac:chgData name="Irving Leander Reascos Valencia" userId="355ef903-6e56-42c5-b4d8-5b764e20389a" providerId="ADAL" clId="{FF2A4FE9-6061-4F89-9356-7C24429792B8}" dt="2021-10-19T19:06:35.922" v="439" actId="26606"/>
+          <ac:spMkLst>
+            <pc:docMk/>
+            <pc:sldMk cId="3916293193" sldId="256"/>
+            <ac:spMk id="49" creationId="{C39ADB8F-D187-49D7-BDCF-C1B6DC727068}"/>
+          </ac:spMkLst>
+        </pc:spChg>
+        <pc:spChg chg="mod">
+          <ac:chgData name="Irving Leander Reascos Valencia" userId="355ef903-6e56-42c5-b4d8-5b764e20389a" providerId="ADAL" clId="{FF2A4FE9-6061-4F89-9356-7C24429792B8}" dt="2021-10-19T19:49:03.010" v="757" actId="20577"/>
+          <ac:spMkLst>
+            <pc:docMk/>
+            <pc:sldMk cId="3916293193" sldId="256"/>
+            <ac:spMk id="50" creationId="{1EDFA039-8671-4AF7-956A-DABA568D4BCB}"/>
+          </ac:spMkLst>
+        </pc:spChg>
+        <pc:spChg chg="add del">
+          <ac:chgData name="Irving Leander Reascos Valencia" userId="355ef903-6e56-42c5-b4d8-5b764e20389a" providerId="ADAL" clId="{FF2A4FE9-6061-4F89-9356-7C24429792B8}" dt="2021-10-19T19:06:41.478" v="441" actId="26606"/>
+          <ac:spMkLst>
+            <pc:docMk/>
+            <pc:sldMk cId="3916293193" sldId="256"/>
+            <ac:spMk id="51" creationId="{FB5B0058-AF13-4859-B429-4EDDE2A26F7F}"/>
+          </ac:spMkLst>
+        </pc:spChg>
+        <pc:spChg chg="add del">
+          <ac:chgData name="Irving Leander Reascos Valencia" userId="355ef903-6e56-42c5-b4d8-5b764e20389a" providerId="ADAL" clId="{FF2A4FE9-6061-4F89-9356-7C24429792B8}" dt="2021-10-19T19:06:44.597" v="445" actId="26606"/>
+          <ac:spMkLst>
+            <pc:docMk/>
+            <pc:sldMk cId="3916293193" sldId="256"/>
+            <ac:spMk id="55" creationId="{FB5B0058-AF13-4859-B429-4EDDE2A26F7F}"/>
+          </ac:spMkLst>
+        </pc:spChg>
+        <pc:spChg chg="add del">
+          <ac:chgData name="Irving Leander Reascos Valencia" userId="355ef903-6e56-42c5-b4d8-5b764e20389a" providerId="ADAL" clId="{FF2A4FE9-6061-4F89-9356-7C24429792B8}" dt="2021-10-19T19:06:44.597" v="445" actId="26606"/>
+          <ac:spMkLst>
+            <pc:docMk/>
+            <pc:sldMk cId="3916293193" sldId="256"/>
+            <ac:spMk id="56" creationId="{D84C2E9E-0B5D-4B5F-9A1F-70EBDCE39034}"/>
+          </ac:spMkLst>
+        </pc:spChg>
+        <pc:spChg chg="add del">
+          <ac:chgData name="Irving Leander Reascos Valencia" userId="355ef903-6e56-42c5-b4d8-5b764e20389a" providerId="ADAL" clId="{FF2A4FE9-6061-4F89-9356-7C24429792B8}" dt="2021-10-19T19:06:51.993" v="449" actId="26606"/>
+          <ac:spMkLst>
+            <pc:docMk/>
+            <pc:sldMk cId="3916293193" sldId="256"/>
+            <ac:spMk id="59" creationId="{5F18414D-1626-4996-AACB-23D3DE45B03B}"/>
+          </ac:spMkLst>
+        </pc:spChg>
+        <pc:spChg chg="add del">
+          <ac:chgData name="Irving Leander Reascos Valencia" userId="355ef903-6e56-42c5-b4d8-5b764e20389a" providerId="ADAL" clId="{FF2A4FE9-6061-4F89-9356-7C24429792B8}" dt="2021-10-19T19:06:51.993" v="449" actId="26606"/>
+          <ac:spMkLst>
+            <pc:docMk/>
+            <pc:sldMk cId="3916293193" sldId="256"/>
+            <ac:spMk id="60" creationId="{D84C2E9E-0B5D-4B5F-9A1F-70EBDCE39034}"/>
+          </ac:spMkLst>
+        </pc:spChg>
+        <pc:spChg chg="add del">
+          <ac:chgData name="Irving Leander Reascos Valencia" userId="355ef903-6e56-42c5-b4d8-5b764e20389a" providerId="ADAL" clId="{FF2A4FE9-6061-4F89-9356-7C24429792B8}" dt="2021-10-19T19:06:59.449" v="452" actId="26606"/>
+          <ac:spMkLst>
+            <pc:docMk/>
+            <pc:sldMk cId="3916293193" sldId="256"/>
+            <ac:spMk id="63" creationId="{FB5B0058-AF13-4859-B429-4EDDE2A26F7F}"/>
+          </ac:spMkLst>
+        </pc:spChg>
+        <pc:spChg chg="add del">
+          <ac:chgData name="Irving Leander Reascos Valencia" userId="355ef903-6e56-42c5-b4d8-5b764e20389a" providerId="ADAL" clId="{FF2A4FE9-6061-4F89-9356-7C24429792B8}" dt="2021-10-19T19:07:04.460" v="454" actId="26606"/>
+          <ac:spMkLst>
+            <pc:docMk/>
+            <pc:sldMk cId="3916293193" sldId="256"/>
+            <ac:spMk id="67" creationId="{C27D7A02-907B-496F-BA7E-AA3780733CA7}"/>
+          </ac:spMkLst>
+        </pc:spChg>
+        <pc:spChg chg="add del">
+          <ac:chgData name="Irving Leander Reascos Valencia" userId="355ef903-6e56-42c5-b4d8-5b764e20389a" providerId="ADAL" clId="{FF2A4FE9-6061-4F89-9356-7C24429792B8}" dt="2021-10-19T19:07:04.460" v="454" actId="26606"/>
+          <ac:spMkLst>
+            <pc:docMk/>
+            <pc:sldMk cId="3916293193" sldId="256"/>
+            <ac:spMk id="68" creationId="{088D065B-39DA-4077-B9CF-E489CE4C0169}"/>
+          </ac:spMkLst>
+        </pc:spChg>
+        <pc:spChg chg="add del">
+          <ac:chgData name="Irving Leander Reascos Valencia" userId="355ef903-6e56-42c5-b4d8-5b764e20389a" providerId="ADAL" clId="{FF2A4FE9-6061-4F89-9356-7C24429792B8}" dt="2021-10-19T19:07:17.243" v="456" actId="26606"/>
+          <ac:spMkLst>
+            <pc:docMk/>
+            <pc:sldMk cId="3916293193" sldId="256"/>
+            <ac:spMk id="70" creationId="{C7FAE6E8-1D9E-4905-AAFE-978D331822BA}"/>
+          </ac:spMkLst>
+        </pc:spChg>
+        <pc:spChg chg="add del">
+          <ac:chgData name="Irving Leander Reascos Valencia" userId="355ef903-6e56-42c5-b4d8-5b764e20389a" providerId="ADAL" clId="{FF2A4FE9-6061-4F89-9356-7C24429792B8}" dt="2021-10-19T19:07:18.197" v="458" actId="26606"/>
+          <ac:spMkLst>
+            <pc:docMk/>
+            <pc:sldMk cId="3916293193" sldId="256"/>
+            <ac:spMk id="75" creationId="{36DD9A1B-23F2-4443-B0D4-00FF72D272EF}"/>
+          </ac:spMkLst>
+        </pc:spChg>
+        <pc:spChg chg="add del">
+          <ac:chgData name="Irving Leander Reascos Valencia" userId="355ef903-6e56-42c5-b4d8-5b764e20389a" providerId="ADAL" clId="{FF2A4FE9-6061-4F89-9356-7C24429792B8}" dt="2021-10-19T19:07:18.197" v="458" actId="26606"/>
+          <ac:spMkLst>
+            <pc:docMk/>
+            <pc:sldMk cId="3916293193" sldId="256"/>
+            <ac:spMk id="76" creationId="{C5A69CBB-DA63-440A-B853-88D42A6FE404}"/>
+          </ac:spMkLst>
+        </pc:spChg>
+        <pc:spChg chg="add del">
+          <ac:chgData name="Irving Leander Reascos Valencia" userId="355ef903-6e56-42c5-b4d8-5b764e20389a" providerId="ADAL" clId="{FF2A4FE9-6061-4F89-9356-7C24429792B8}" dt="2021-10-19T19:07:19.887" v="460" actId="26606"/>
+          <ac:spMkLst>
+            <pc:docMk/>
+            <pc:sldMk cId="3916293193" sldId="256"/>
+            <ac:spMk id="81" creationId="{30B7813D-B76D-400E-BFDE-AA4BA0BFAD54}"/>
+          </ac:spMkLst>
+        </pc:spChg>
+        <pc:spChg chg="add del">
+          <ac:chgData name="Irving Leander Reascos Valencia" userId="355ef903-6e56-42c5-b4d8-5b764e20389a" providerId="ADAL" clId="{FF2A4FE9-6061-4F89-9356-7C24429792B8}" dt="2021-10-19T19:10:39.468" v="479" actId="26606"/>
+          <ac:spMkLst>
+            <pc:docMk/>
+            <pc:sldMk cId="3916293193" sldId="256"/>
+            <ac:spMk id="83" creationId="{A4FB2F3E-259B-4650-B258-F09745BAA841}"/>
+          </ac:spMkLst>
+        </pc:spChg>
+        <pc:spChg chg="add del">
+          <ac:chgData name="Irving Leander Reascos Valencia" userId="355ef903-6e56-42c5-b4d8-5b764e20389a" providerId="ADAL" clId="{FF2A4FE9-6061-4F89-9356-7C24429792B8}" dt="2021-10-19T19:10:07.875" v="471" actId="26606"/>
+          <ac:spMkLst>
+            <pc:docMk/>
+            <pc:sldMk cId="3916293193" sldId="256"/>
+            <ac:spMk id="105" creationId="{26BDCA6B-3C9C-4213-A0D9-30BD5F0B073E}"/>
+          </ac:spMkLst>
+        </pc:spChg>
+        <pc:spChg chg="add del">
+          <ac:chgData name="Irving Leander Reascos Valencia" userId="355ef903-6e56-42c5-b4d8-5b764e20389a" providerId="ADAL" clId="{FF2A4FE9-6061-4F89-9356-7C24429792B8}" dt="2021-10-19T19:10:07.875" v="471" actId="26606"/>
+          <ac:spMkLst>
+            <pc:docMk/>
+            <pc:sldMk cId="3916293193" sldId="256"/>
+            <ac:spMk id="106" creationId="{FDA12F62-867F-4684-B28B-E085D09DCC06}"/>
+          </ac:spMkLst>
+        </pc:spChg>
+        <pc:spChg chg="add del">
+          <ac:chgData name="Irving Leander Reascos Valencia" userId="355ef903-6e56-42c5-b4d8-5b764e20389a" providerId="ADAL" clId="{FF2A4FE9-6061-4F89-9356-7C24429792B8}" dt="2021-10-19T19:08:24.892" v="465" actId="26606"/>
+          <ac:spMkLst>
+            <pc:docMk/>
+            <pc:sldMk cId="3916293193" sldId="256"/>
+            <ac:spMk id="107" creationId="{DA3C47C2-33A2-44B2-BEAB-FEB679075C24}"/>
+          </ac:spMkLst>
+        </pc:spChg>
+        <pc:spChg chg="add del">
+          <ac:chgData name="Irving Leander Reascos Valencia" userId="355ef903-6e56-42c5-b4d8-5b764e20389a" providerId="ADAL" clId="{FF2A4FE9-6061-4F89-9356-7C24429792B8}" dt="2021-10-19T19:08:16.697" v="463" actId="26606"/>
+          <ac:spMkLst>
+            <pc:docMk/>
+            <pc:sldMk cId="3916293193" sldId="256"/>
+            <ac:spMk id="108" creationId="{3A930249-8242-4E2B-AF17-C01826488321}"/>
+          </ac:spMkLst>
+        </pc:spChg>
+        <pc:spChg chg="add del">
+          <ac:chgData name="Irving Leander Reascos Valencia" userId="355ef903-6e56-42c5-b4d8-5b764e20389a" providerId="ADAL" clId="{FF2A4FE9-6061-4F89-9356-7C24429792B8}" dt="2021-10-19T19:08:24.892" v="465" actId="26606"/>
+          <ac:spMkLst>
+            <pc:docMk/>
+            <pc:sldMk cId="3916293193" sldId="256"/>
+            <ac:spMk id="109" creationId="{AD182BA8-54AD-4D9F-8264-B0FA8BB47D7C}"/>
+          </ac:spMkLst>
+        </pc:spChg>
+        <pc:spChg chg="add del">
+          <ac:chgData name="Irving Leander Reascos Valencia" userId="355ef903-6e56-42c5-b4d8-5b764e20389a" providerId="ADAL" clId="{FF2A4FE9-6061-4F89-9356-7C24429792B8}" dt="2021-10-19T19:08:16.697" v="463" actId="26606"/>
+          <ac:spMkLst>
+            <pc:docMk/>
+            <pc:sldMk cId="3916293193" sldId="256"/>
+            <ac:spMk id="110" creationId="{A5BDD999-C5E1-4B3E-A710-768673819165}"/>
+          </ac:spMkLst>
+        </pc:spChg>
+        <pc:spChg chg="add del">
+          <ac:chgData name="Irving Leander Reascos Valencia" userId="355ef903-6e56-42c5-b4d8-5b764e20389a" providerId="ADAL" clId="{FF2A4FE9-6061-4F89-9356-7C24429792B8}" dt="2021-10-19T19:08:24.892" v="465" actId="26606"/>
+          <ac:spMkLst>
+            <pc:docMk/>
+            <pc:sldMk cId="3916293193" sldId="256"/>
+            <ac:spMk id="111" creationId="{4ED83379-0499-45E1-AB78-6AA230F96442}"/>
+          </ac:spMkLst>
+        </pc:spChg>
+        <pc:spChg chg="add del">
+          <ac:chgData name="Irving Leander Reascos Valencia" userId="355ef903-6e56-42c5-b4d8-5b764e20389a" providerId="ADAL" clId="{FF2A4FE9-6061-4F89-9356-7C24429792B8}" dt="2021-10-19T19:10:14.727" v="473" actId="26606"/>
+          <ac:spMkLst>
+            <pc:docMk/>
+            <pc:sldMk cId="3916293193" sldId="256"/>
+            <ac:spMk id="112" creationId="{2A8AA5BC-4F7A-4226-8F99-6D824B226A97}"/>
+          </ac:spMkLst>
+        </pc:spChg>
+        <pc:spChg chg="add del">
+          <ac:chgData name="Irving Leander Reascos Valencia" userId="355ef903-6e56-42c5-b4d8-5b764e20389a" providerId="ADAL" clId="{FF2A4FE9-6061-4F89-9356-7C24429792B8}" dt="2021-10-19T19:08:28.973" v="469" actId="26606"/>
+          <ac:spMkLst>
+            <pc:docMk/>
+            <pc:sldMk cId="3916293193" sldId="256"/>
+            <ac:spMk id="113" creationId="{A017E2F9-032A-4CAE-A2E4-7465A67B7A03}"/>
+          </ac:spMkLst>
+        </pc:spChg>
+        <pc:spChg chg="add del">
+          <ac:chgData name="Irving Leander Reascos Valencia" userId="355ef903-6e56-42c5-b4d8-5b764e20389a" providerId="ADAL" clId="{FF2A4FE9-6061-4F89-9356-7C24429792B8}" dt="2021-10-19T19:08:28.973" v="469" actId="26606"/>
+          <ac:spMkLst>
+            <pc:docMk/>
+            <pc:sldMk cId="3916293193" sldId="256"/>
+            <ac:spMk id="114" creationId="{036EB2E8-1BD0-492D-BF5A-CE0184DA769D}"/>
+          </ac:spMkLst>
+        </pc:spChg>
+        <pc:spChg chg="add del">
+          <ac:chgData name="Irving Leander Reascos Valencia" userId="355ef903-6e56-42c5-b4d8-5b764e20389a" providerId="ADAL" clId="{FF2A4FE9-6061-4F89-9356-7C24429792B8}" dt="2021-10-19T19:08:28.973" v="469" actId="26606"/>
+          <ac:spMkLst>
+            <pc:docMk/>
+            <pc:sldMk cId="3916293193" sldId="256"/>
+            <ac:spMk id="115" creationId="{5316ED32-D562-46FD-A6C1-B0FBF4EF62B6}"/>
+          </ac:spMkLst>
+        </pc:spChg>
+        <pc:spChg chg="add del">
+          <ac:chgData name="Irving Leander Reascos Valencia" userId="355ef903-6e56-42c5-b4d8-5b764e20389a" providerId="ADAL" clId="{FF2A4FE9-6061-4F89-9356-7C24429792B8}" dt="2021-10-19T19:10:14.727" v="473" actId="26606"/>
+          <ac:spMkLst>
+            <pc:docMk/>
+            <pc:sldMk cId="3916293193" sldId="256"/>
+            <ac:spMk id="116" creationId="{3E5445C6-DD42-4979-86FF-03730E8C6DB0}"/>
+          </ac:spMkLst>
+        </pc:spChg>
+        <pc:spChg chg="add del">
+          <ac:chgData name="Irving Leander Reascos Valencia" userId="355ef903-6e56-42c5-b4d8-5b764e20389a" providerId="ADAL" clId="{FF2A4FE9-6061-4F89-9356-7C24429792B8}" dt="2021-10-19T19:10:36.841" v="475" actId="26606"/>
+          <ac:spMkLst>
+            <pc:docMk/>
+            <pc:sldMk cId="3916293193" sldId="256"/>
+            <ac:spMk id="118" creationId="{787F4F1C-8D3D-4EC1-B72D-A0470A5A08B8}"/>
+          </ac:spMkLst>
+        </pc:spChg>
+        <pc:spChg chg="add del">
+          <ac:chgData name="Irving Leander Reascos Valencia" userId="355ef903-6e56-42c5-b4d8-5b764e20389a" providerId="ADAL" clId="{FF2A4FE9-6061-4F89-9356-7C24429792B8}" dt="2021-10-19T19:10:38.244" v="477" actId="26606"/>
+          <ac:spMkLst>
+            <pc:docMk/>
+            <pc:sldMk cId="3916293193" sldId="256"/>
+            <ac:spMk id="127" creationId="{FB5B0058-AF13-4859-B429-4EDDE2A26F7F}"/>
+          </ac:spMkLst>
+        </pc:spChg>
+        <pc:spChg chg="add del">
+          <ac:chgData name="Irving Leander Reascos Valencia" userId="355ef903-6e56-42c5-b4d8-5b764e20389a" providerId="ADAL" clId="{FF2A4FE9-6061-4F89-9356-7C24429792B8}" dt="2021-10-19T19:10:38.244" v="477" actId="26606"/>
+          <ac:spMkLst>
+            <pc:docMk/>
+            <pc:sldMk cId="3916293193" sldId="256"/>
+            <ac:spMk id="128" creationId="{81BD432D-FAB3-4B5D-BF27-4DA7C75B3238}"/>
+          </ac:spMkLst>
+        </pc:spChg>
+        <pc:grpChg chg="add del">
+          <ac:chgData name="Irving Leander Reascos Valencia" userId="355ef903-6e56-42c5-b4d8-5b764e20389a" providerId="ADAL" clId="{FF2A4FE9-6061-4F89-9356-7C24429792B8}" dt="2021-10-19T19:06:07.409" v="425" actId="26606"/>
+          <ac:grpSpMkLst>
+            <pc:docMk/>
+            <pc:sldMk cId="3916293193" sldId="256"/>
+            <ac:grpSpMk id="18" creationId="{D1E3DD61-64DB-46AD-B249-E273CD86B051}"/>
+          </ac:grpSpMkLst>
+        </pc:grpChg>
+        <pc:grpChg chg="add del">
+          <ac:chgData name="Irving Leander Reascos Valencia" userId="355ef903-6e56-42c5-b4d8-5b764e20389a" providerId="ADAL" clId="{FF2A4FE9-6061-4F89-9356-7C24429792B8}" dt="2021-10-19T19:06:33.191" v="433" actId="26606"/>
+          <ac:grpSpMkLst>
+            <pc:docMk/>
+            <pc:sldMk cId="3916293193" sldId="256"/>
+            <ac:grpSpMk id="29" creationId="{1FEC590B-3306-47E9-BD67-97F3F76169A4}"/>
+          </ac:grpSpMkLst>
+        </pc:grpChg>
+        <pc:grpChg chg="add del">
+          <ac:chgData name="Irving Leander Reascos Valencia" userId="355ef903-6e56-42c5-b4d8-5b764e20389a" providerId="ADAL" clId="{FF2A4FE9-6061-4F89-9356-7C24429792B8}" dt="2021-10-19T19:06:33.191" v="433" actId="26606"/>
+          <ac:grpSpMkLst>
+            <pc:docMk/>
+            <pc:sldMk cId="3916293193" sldId="256"/>
+            <ac:grpSpMk id="32" creationId="{A47AAF5E-1692-48C9-98FB-6432BF0BC4F7}"/>
+          </ac:grpSpMkLst>
+        </pc:grpChg>
+        <pc:grpChg chg="add del">
+          <ac:chgData name="Irving Leander Reascos Valencia" userId="355ef903-6e56-42c5-b4d8-5b764e20389a" providerId="ADAL" clId="{FF2A4FE9-6061-4F89-9356-7C24429792B8}" dt="2021-10-19T19:07:17.243" v="456" actId="26606"/>
+          <ac:grpSpMkLst>
+            <pc:docMk/>
+            <pc:sldMk cId="3916293193" sldId="256"/>
+            <ac:grpSpMk id="71" creationId="{5F9D1CBF-A219-4C01-85A0-9DF6151EE270}"/>
+          </ac:grpSpMkLst>
+        </pc:grpChg>
+        <pc:grpChg chg="add del">
+          <ac:chgData name="Irving Leander Reascos Valencia" userId="355ef903-6e56-42c5-b4d8-5b764e20389a" providerId="ADAL" clId="{FF2A4FE9-6061-4F89-9356-7C24429792B8}" dt="2021-10-19T19:07:18.197" v="458" actId="26606"/>
+          <ac:grpSpMkLst>
+            <pc:docMk/>
+            <pc:sldMk cId="3916293193" sldId="256"/>
+            <ac:grpSpMk id="77" creationId="{51579200-569C-441E-840B-B8541A0177A0}"/>
+          </ac:grpSpMkLst>
+        </pc:grpChg>
+        <pc:grpChg chg="add del">
+          <ac:chgData name="Irving Leander Reascos Valencia" userId="355ef903-6e56-42c5-b4d8-5b764e20389a" providerId="ADAL" clId="{FF2A4FE9-6061-4F89-9356-7C24429792B8}" dt="2021-10-19T19:10:39.468" v="479" actId="26606"/>
+          <ac:grpSpMkLst>
+            <pc:docMk/>
+            <pc:sldMk cId="3916293193" sldId="256"/>
+            <ac:grpSpMk id="84" creationId="{084C5BAC-71DF-48C0-AB51-699516D3BE58}"/>
+          </ac:grpSpMkLst>
+        </pc:grpChg>
+        <pc:grpChg chg="add del">
+          <ac:chgData name="Irving Leander Reascos Valencia" userId="355ef903-6e56-42c5-b4d8-5b764e20389a" providerId="ADAL" clId="{FF2A4FE9-6061-4F89-9356-7C24429792B8}" dt="2021-10-19T19:10:36.841" v="475" actId="26606"/>
+          <ac:grpSpMkLst>
+            <pc:docMk/>
+            <pc:sldMk cId="3916293193" sldId="256"/>
+            <ac:grpSpMk id="119" creationId="{D1E3DD61-64DB-46AD-B249-E273CD86B051}"/>
+          </ac:grpSpMkLst>
+        </pc:grpChg>
+        <pc:picChg chg="add del mod">
+          <ac:chgData name="Irving Leander Reascos Valencia" userId="355ef903-6e56-42c5-b4d8-5b764e20389a" providerId="ADAL" clId="{FF2A4FE9-6061-4F89-9356-7C24429792B8}" dt="2021-10-19T19:03:46.429" v="419" actId="26606"/>
+          <ac:picMkLst>
+            <pc:docMk/>
+            <pc:sldMk cId="3916293193" sldId="256"/>
+            <ac:picMk id="6" creationId="{29566AA0-0466-4EB3-AF91-9C1B5652B793}"/>
+          </ac:picMkLst>
+        </pc:picChg>
+        <pc:picChg chg="add del mod">
+          <ac:chgData name="Irving Leander Reascos Valencia" userId="355ef903-6e56-42c5-b4d8-5b764e20389a" providerId="ADAL" clId="{FF2A4FE9-6061-4F89-9356-7C24429792B8}" dt="2021-10-19T19:06:15.831" v="429" actId="26606"/>
+          <ac:picMkLst>
+            <pc:docMk/>
+            <pc:sldMk cId="3916293193" sldId="256"/>
+            <ac:picMk id="21" creationId="{8210B9F1-D91D-410C-B3A6-BEFC58FCD936}"/>
+          </ac:picMkLst>
+        </pc:picChg>
+        <pc:picChg chg="add mod">
+          <ac:chgData name="Irving Leander Reascos Valencia" userId="355ef903-6e56-42c5-b4d8-5b764e20389a" providerId="ADAL" clId="{FF2A4FE9-6061-4F89-9356-7C24429792B8}" dt="2021-10-19T19:48:11.868" v="749" actId="1076"/>
+          <ac:picMkLst>
+            <pc:docMk/>
+            <pc:sldMk cId="3916293193" sldId="256"/>
+            <ac:picMk id="44" creationId="{10F7A4C2-65D3-4FFC-AD90-FE4BA48A4A15}"/>
+          </ac:picMkLst>
+        </pc:picChg>
+        <pc:picChg chg="add del">
+          <ac:chgData name="Irving Leander Reascos Valencia" userId="355ef903-6e56-42c5-b4d8-5b764e20389a" providerId="ADAL" clId="{FF2A4FE9-6061-4F89-9356-7C24429792B8}" dt="2021-10-19T19:08:16.697" v="463" actId="26606"/>
+          <ac:picMkLst>
+            <pc:docMk/>
+            <pc:sldMk cId="3916293193" sldId="256"/>
+            <ac:picMk id="104" creationId="{FCFE29C8-3320-4C00-9FEF-9B2DD9DCC347}"/>
+          </ac:picMkLst>
+        </pc:picChg>
+        <pc:cxnChg chg="add del">
+          <ac:chgData name="Irving Leander Reascos Valencia" userId="355ef903-6e56-42c5-b4d8-5b764e20389a" providerId="ADAL" clId="{FF2A4FE9-6061-4F89-9356-7C24429792B8}" dt="2021-10-19T19:05:53.050" v="421" actId="26606"/>
+          <ac:cxnSpMkLst>
+            <pc:docMk/>
+            <pc:sldMk cId="3916293193" sldId="256"/>
+            <ac:cxnSpMk id="10" creationId="{EC4521DE-248E-440D-AAD6-FD9E7D34B3BF}"/>
+          </ac:cxnSpMkLst>
+        </pc:cxnChg>
+        <pc:cxnChg chg="add del">
+          <ac:chgData name="Irving Leander Reascos Valencia" userId="355ef903-6e56-42c5-b4d8-5b764e20389a" providerId="ADAL" clId="{FF2A4FE9-6061-4F89-9356-7C24429792B8}" dt="2021-10-19T19:05:53.050" v="421" actId="26606"/>
+          <ac:cxnSpMkLst>
+            <pc:docMk/>
+            <pc:sldMk cId="3916293193" sldId="256"/>
+            <ac:cxnSpMk id="12" creationId="{442C13FA-4C0F-42D0-9626-5BA6040D8C31}"/>
+          </ac:cxnSpMkLst>
+        </pc:cxnChg>
+        <pc:cxnChg chg="add del">
+          <ac:chgData name="Irving Leander Reascos Valencia" userId="355ef903-6e56-42c5-b4d8-5b764e20389a" providerId="ADAL" clId="{FF2A4FE9-6061-4F89-9356-7C24429792B8}" dt="2021-10-19T19:06:03.421" v="423" actId="26606"/>
+          <ac:cxnSpMkLst>
+            <pc:docMk/>
+            <pc:sldMk cId="3916293193" sldId="256"/>
+            <ac:cxnSpMk id="13" creationId="{FEA8332D-EA74-40A2-8709-00EDB23792E1}"/>
+          </ac:cxnSpMkLst>
+        </pc:cxnChg>
+        <pc:cxnChg chg="add del">
+          <ac:chgData name="Irving Leander Reascos Valencia" userId="355ef903-6e56-42c5-b4d8-5b764e20389a" providerId="ADAL" clId="{FF2A4FE9-6061-4F89-9356-7C24429792B8}" dt="2021-10-19T19:06:03.421" v="423" actId="26606"/>
+          <ac:cxnSpMkLst>
+            <pc:docMk/>
+            <pc:sldMk cId="3916293193" sldId="256"/>
+            <ac:cxnSpMk id="14" creationId="{AB88284F-ED00-40CA-B57D-89C49E8EC6E9}"/>
+          </ac:cxnSpMkLst>
+        </pc:cxnChg>
+        <pc:cxnChg chg="add del">
+          <ac:chgData name="Irving Leander Reascos Valencia" userId="355ef903-6e56-42c5-b4d8-5b764e20389a" providerId="ADAL" clId="{FF2A4FE9-6061-4F89-9356-7C24429792B8}" dt="2021-10-19T19:06:30.490" v="431" actId="26606"/>
+          <ac:cxnSpMkLst>
+            <pc:docMk/>
+            <pc:sldMk cId="3916293193" sldId="256"/>
+            <ac:cxnSpMk id="16" creationId="{56020367-4FD5-4596-8E10-C5F095CD8DBF}"/>
+          </ac:cxnSpMkLst>
+        </pc:cxnChg>
+        <pc:cxnChg chg="add del">
+          <ac:chgData name="Irving Leander Reascos Valencia" userId="355ef903-6e56-42c5-b4d8-5b764e20389a" providerId="ADAL" clId="{FF2A4FE9-6061-4F89-9356-7C24429792B8}" dt="2021-10-19T19:06:35.922" v="439" actId="26606"/>
+          <ac:cxnSpMkLst>
+            <pc:docMk/>
+            <pc:sldMk cId="3916293193" sldId="256"/>
+            <ac:cxnSpMk id="46" creationId="{56020367-4FD5-4596-8E10-C5F095CD8DBF}"/>
+          </ac:cxnSpMkLst>
+        </pc:cxnChg>
+        <pc:cxnChg chg="add del">
+          <ac:chgData name="Irving Leander Reascos Valencia" userId="355ef903-6e56-42c5-b4d8-5b764e20389a" providerId="ADAL" clId="{FF2A4FE9-6061-4F89-9356-7C24429792B8}" dt="2021-10-19T19:06:41.478" v="441" actId="26606"/>
+          <ac:cxnSpMkLst>
+            <pc:docMk/>
+            <pc:sldMk cId="3916293193" sldId="256"/>
+            <ac:cxnSpMk id="52" creationId="{EC4521DE-248E-440D-AAD6-FD9E7D34B3BF}"/>
+          </ac:cxnSpMkLst>
+        </pc:cxnChg>
+        <pc:cxnChg chg="add del">
+          <ac:chgData name="Irving Leander Reascos Valencia" userId="355ef903-6e56-42c5-b4d8-5b764e20389a" providerId="ADAL" clId="{FF2A4FE9-6061-4F89-9356-7C24429792B8}" dt="2021-10-19T19:06:41.478" v="441" actId="26606"/>
+          <ac:cxnSpMkLst>
+            <pc:docMk/>
+            <pc:sldMk cId="3916293193" sldId="256"/>
+            <ac:cxnSpMk id="53" creationId="{442C13FA-4C0F-42D0-9626-5BA6040D8C31}"/>
+          </ac:cxnSpMkLst>
+        </pc:cxnChg>
+        <pc:cxnChg chg="add del">
+          <ac:chgData name="Irving Leander Reascos Valencia" userId="355ef903-6e56-42c5-b4d8-5b764e20389a" providerId="ADAL" clId="{FF2A4FE9-6061-4F89-9356-7C24429792B8}" dt="2021-10-19T19:06:44.597" v="445" actId="26606"/>
+          <ac:cxnSpMkLst>
+            <pc:docMk/>
+            <pc:sldMk cId="3916293193" sldId="256"/>
+            <ac:cxnSpMk id="57" creationId="{2D07C3A8-02AE-4DC1-B13F-A6AA2ECA9FFD}"/>
+          </ac:cxnSpMkLst>
+        </pc:cxnChg>
+        <pc:cxnChg chg="add del">
+          <ac:chgData name="Irving Leander Reascos Valencia" userId="355ef903-6e56-42c5-b4d8-5b764e20389a" providerId="ADAL" clId="{FF2A4FE9-6061-4F89-9356-7C24429792B8}" dt="2021-10-19T19:06:51.993" v="449" actId="26606"/>
+          <ac:cxnSpMkLst>
+            <pc:docMk/>
+            <pc:sldMk cId="3916293193" sldId="256"/>
+            <ac:cxnSpMk id="61" creationId="{07A9243D-8FC3-4B36-874B-55906B03F484}"/>
+          </ac:cxnSpMkLst>
+        </pc:cxnChg>
+        <pc:cxnChg chg="add del">
+          <ac:chgData name="Irving Leander Reascos Valencia" userId="355ef903-6e56-42c5-b4d8-5b764e20389a" providerId="ADAL" clId="{FF2A4FE9-6061-4F89-9356-7C24429792B8}" dt="2021-10-19T19:06:59.449" v="452" actId="26606"/>
+          <ac:cxnSpMkLst>
+            <pc:docMk/>
+            <pc:sldMk cId="3916293193" sldId="256"/>
+            <ac:cxnSpMk id="64" creationId="{C4C8A451-B6C1-4CB1-95FC-2DBDEC61FF17}"/>
+          </ac:cxnSpMkLst>
+        </pc:cxnChg>
+        <pc:cxnChg chg="add del">
+          <ac:chgData name="Irving Leander Reascos Valencia" userId="355ef903-6e56-42c5-b4d8-5b764e20389a" providerId="ADAL" clId="{FF2A4FE9-6061-4F89-9356-7C24429792B8}" dt="2021-10-19T19:06:59.449" v="452" actId="26606"/>
+          <ac:cxnSpMkLst>
+            <pc:docMk/>
+            <pc:sldMk cId="3916293193" sldId="256"/>
+            <ac:cxnSpMk id="65" creationId="{E8439DD6-1CCF-48C6-AF10-B7018793022A}"/>
+          </ac:cxnSpMkLst>
+        </pc:cxnChg>
+        <pc:cxnChg chg="add del">
+          <ac:chgData name="Irving Leander Reascos Valencia" userId="355ef903-6e56-42c5-b4d8-5b764e20389a" providerId="ADAL" clId="{FF2A4FE9-6061-4F89-9356-7C24429792B8}" dt="2021-10-19T19:10:14.727" v="473" actId="26606"/>
+          <ac:cxnSpMkLst>
+            <pc:docMk/>
+            <pc:sldMk cId="3916293193" sldId="256"/>
+            <ac:cxnSpMk id="117" creationId="{45000665-DFC7-417E-8FD7-516A0F15C975}"/>
+          </ac:cxnSpMkLst>
+        </pc:cxnChg>
+        <pc:cxnChg chg="add del">
+          <ac:chgData name="Irving Leander Reascos Valencia" userId="355ef903-6e56-42c5-b4d8-5b764e20389a" providerId="ADAL" clId="{FF2A4FE9-6061-4F89-9356-7C24429792B8}" dt="2021-10-19T19:10:38.244" v="477" actId="26606"/>
+          <ac:cxnSpMkLst>
+            <pc:docMk/>
+            <pc:sldMk cId="3916293193" sldId="256"/>
+            <ac:cxnSpMk id="129" creationId="{E6D6B450-4278-45B8-88C7-C061710E3C7E}"/>
+          </ac:cxnSpMkLst>
+        </pc:cxnChg>
+        <pc:cxnChg chg="add del">
+          <ac:chgData name="Irving Leander Reascos Valencia" userId="355ef903-6e56-42c5-b4d8-5b764e20389a" providerId="ADAL" clId="{FF2A4FE9-6061-4F89-9356-7C24429792B8}" dt="2021-10-19T19:10:38.244" v="477" actId="26606"/>
+          <ac:cxnSpMkLst>
+            <pc:docMk/>
+            <pc:sldMk cId="3916293193" sldId="256"/>
+            <ac:cxnSpMk id="130" creationId="{74234A4C-A256-4139-A5F4-27078F0D6796}"/>
+          </ac:cxnSpMkLst>
+        </pc:cxnChg>
+      </pc:sldChg>
+      <pc:sldChg chg="addSp delSp modSp mod setBg setClrOvrMap">
+        <pc:chgData name="Irving Leander Reascos Valencia" userId="355ef903-6e56-42c5-b4d8-5b764e20389a" providerId="ADAL" clId="{FF2A4FE9-6061-4F89-9356-7C24429792B8}" dt="2021-10-19T19:48:07.140" v="748" actId="1076"/>
+        <pc:sldMkLst>
+          <pc:docMk/>
+          <pc:sldMk cId="2618058349" sldId="257"/>
+        </pc:sldMkLst>
+        <pc:spChg chg="mod">
+          <ac:chgData name="Irving Leander Reascos Valencia" userId="355ef903-6e56-42c5-b4d8-5b764e20389a" providerId="ADAL" clId="{FF2A4FE9-6061-4F89-9356-7C24429792B8}" dt="2021-10-19T19:13:25.522" v="484" actId="26606"/>
+          <ac:spMkLst>
+            <pc:docMk/>
+            <pc:sldMk cId="2618058349" sldId="257"/>
+            <ac:spMk id="2" creationId="{A90D1A64-2A9D-4122-9AF7-59CDF0D95CE7}"/>
+          </ac:spMkLst>
+        </pc:spChg>
+        <pc:spChg chg="mod">
+          <ac:chgData name="Irving Leander Reascos Valencia" userId="355ef903-6e56-42c5-b4d8-5b764e20389a" providerId="ADAL" clId="{FF2A4FE9-6061-4F89-9356-7C24429792B8}" dt="2021-10-19T19:13:25.522" v="484" actId="26606"/>
+          <ac:spMkLst>
+            <pc:docMk/>
+            <pc:sldMk cId="2618058349" sldId="257"/>
+            <ac:spMk id="3" creationId="{A1193E02-CBB4-4219-B249-B771F91CFEC0}"/>
+          </ac:spMkLst>
+        </pc:spChg>
+        <pc:spChg chg="add">
+          <ac:chgData name="Irving Leander Reascos Valencia" userId="355ef903-6e56-42c5-b4d8-5b764e20389a" providerId="ADAL" clId="{FF2A4FE9-6061-4F89-9356-7C24429792B8}" dt="2021-10-19T19:13:25.522" v="484" actId="26606"/>
+          <ac:spMkLst>
+            <pc:docMk/>
+            <pc:sldMk cId="2618058349" sldId="257"/>
+            <ac:spMk id="6" creationId="{EA67B5B4-3A24-436E-B663-1B2EBFF8A0CD}"/>
+          </ac:spMkLst>
+        </pc:spChg>
+        <pc:spChg chg="add">
+          <ac:chgData name="Irving Leander Reascos Valencia" userId="355ef903-6e56-42c5-b4d8-5b764e20389a" providerId="ADAL" clId="{FF2A4FE9-6061-4F89-9356-7C24429792B8}" dt="2021-10-19T19:13:25.522" v="484" actId="26606"/>
+          <ac:spMkLst>
+            <pc:docMk/>
+            <pc:sldMk cId="2618058349" sldId="257"/>
+            <ac:spMk id="7" creationId="{987FDF89-C993-41F4-A1B8-DBAFF16008A9}"/>
+          </ac:spMkLst>
+        </pc:spChg>
+        <pc:spChg chg="add del">
+          <ac:chgData name="Irving Leander Reascos Valencia" userId="355ef903-6e56-42c5-b4d8-5b764e20389a" providerId="ADAL" clId="{FF2A4FE9-6061-4F89-9356-7C24429792B8}" dt="2021-10-19T19:13:19.385" v="481" actId="26606"/>
+          <ac:spMkLst>
+            <pc:docMk/>
+            <pc:sldMk cId="2618058349" sldId="257"/>
+            <ac:spMk id="8" creationId="{EA67B5B4-3A24-436E-B663-1B2EBFF8A0CD}"/>
+          </ac:spMkLst>
+        </pc:spChg>
+        <pc:spChg chg="add del">
+          <ac:chgData name="Irving Leander Reascos Valencia" userId="355ef903-6e56-42c5-b4d8-5b764e20389a" providerId="ADAL" clId="{FF2A4FE9-6061-4F89-9356-7C24429792B8}" dt="2021-10-19T19:13:21.768" v="483" actId="26606"/>
+          <ac:spMkLst>
+            <pc:docMk/>
+            <pc:sldMk cId="2618058349" sldId="257"/>
+            <ac:spMk id="9" creationId="{C5E6CFF1-2F42-4E10-9A97-F116F46F53FE}"/>
+          </ac:spMkLst>
+        </pc:spChg>
+        <pc:spChg chg="add del">
+          <ac:chgData name="Irving Leander Reascos Valencia" userId="355ef903-6e56-42c5-b4d8-5b764e20389a" providerId="ADAL" clId="{FF2A4FE9-6061-4F89-9356-7C24429792B8}" dt="2021-10-19T19:13:19.385" v="481" actId="26606"/>
+          <ac:spMkLst>
+            <pc:docMk/>
+            <pc:sldMk cId="2618058349" sldId="257"/>
+            <ac:spMk id="10" creationId="{987FDF89-C993-41F4-A1B8-DBAFF16008A9}"/>
+          </ac:spMkLst>
+        </pc:spChg>
+        <pc:spChg chg="add del">
+          <ac:chgData name="Irving Leander Reascos Valencia" userId="355ef903-6e56-42c5-b4d8-5b764e20389a" providerId="ADAL" clId="{FF2A4FE9-6061-4F89-9356-7C24429792B8}" dt="2021-10-19T19:13:19.385" v="481" actId="26606"/>
+          <ac:spMkLst>
+            <pc:docMk/>
+            <pc:sldMk cId="2618058349" sldId="257"/>
+            <ac:spMk id="12" creationId="{64E585EA-75FD-4025-8270-F66A58A15CDA}"/>
+          </ac:spMkLst>
+        </pc:spChg>
+        <pc:spChg chg="add">
+          <ac:chgData name="Irving Leander Reascos Valencia" userId="355ef903-6e56-42c5-b4d8-5b764e20389a" providerId="ADAL" clId="{FF2A4FE9-6061-4F89-9356-7C24429792B8}" dt="2021-10-19T19:13:25.522" v="484" actId="26606"/>
+          <ac:spMkLst>
+            <pc:docMk/>
+            <pc:sldMk cId="2618058349" sldId="257"/>
+            <ac:spMk id="13" creationId="{64E585EA-75FD-4025-8270-F66A58A15CDA}"/>
+          </ac:spMkLst>
+        </pc:spChg>
+        <pc:picChg chg="add del">
+          <ac:chgData name="Irving Leander Reascos Valencia" userId="355ef903-6e56-42c5-b4d8-5b764e20389a" providerId="ADAL" clId="{FF2A4FE9-6061-4F89-9356-7C24429792B8}" dt="2021-10-19T19:13:21.768" v="483" actId="26606"/>
+          <ac:picMkLst>
+            <pc:docMk/>
+            <pc:sldMk cId="2618058349" sldId="257"/>
+            <ac:picMk id="5" creationId="{80017416-3FBE-4EC2-8958-C8AD6E246FDE}"/>
+          </ac:picMkLst>
+        </pc:picChg>
+        <pc:picChg chg="add mod">
+          <ac:chgData name="Irving Leander Reascos Valencia" userId="355ef903-6e56-42c5-b4d8-5b764e20389a" providerId="ADAL" clId="{FF2A4FE9-6061-4F89-9356-7C24429792B8}" dt="2021-10-19T19:48:07.140" v="748" actId="1076"/>
+          <ac:picMkLst>
+            <pc:docMk/>
+            <pc:sldMk cId="2618058349" sldId="257"/>
+            <ac:picMk id="14" creationId="{3C8B47FD-FAEA-47BE-9B6E-17DEDEA847DE}"/>
+          </ac:picMkLst>
+        </pc:picChg>
+        <pc:picChg chg="add del mod">
+          <ac:chgData name="Irving Leander Reascos Valencia" userId="355ef903-6e56-42c5-b4d8-5b764e20389a" providerId="ADAL" clId="{FF2A4FE9-6061-4F89-9356-7C24429792B8}" dt="2021-10-19T19:18:18.838" v="488" actId="478"/>
+          <ac:picMkLst>
+            <pc:docMk/>
+            <pc:sldMk cId="2618058349" sldId="257"/>
+            <ac:picMk id="1026" creationId="{06B2EEA1-6DFF-40BD-BB45-4D1190DF3C02}"/>
+          </ac:picMkLst>
+        </pc:picChg>
+        <pc:cxnChg chg="add del">
+          <ac:chgData name="Irving Leander Reascos Valencia" userId="355ef903-6e56-42c5-b4d8-5b764e20389a" providerId="ADAL" clId="{FF2A4FE9-6061-4F89-9356-7C24429792B8}" dt="2021-10-19T19:13:21.768" v="483" actId="26606"/>
+          <ac:cxnSpMkLst>
+            <pc:docMk/>
+            <pc:sldMk cId="2618058349" sldId="257"/>
+            <ac:cxnSpMk id="11" creationId="{67182200-4859-4C8D-BCBB-55B245C28BA3}"/>
+          </ac:cxnSpMkLst>
+        </pc:cxnChg>
+      </pc:sldChg>
+      <pc:sldChg chg="addSp modSp mod setBg setClrOvrMap">
+        <pc:chgData name="Irving Leander Reascos Valencia" userId="355ef903-6e56-42c5-b4d8-5b764e20389a" providerId="ADAL" clId="{FF2A4FE9-6061-4F89-9356-7C24429792B8}" dt="2021-10-19T19:59:50.173" v="770" actId="1076"/>
+        <pc:sldMkLst>
+          <pc:docMk/>
+          <pc:sldMk cId="141842313" sldId="258"/>
+        </pc:sldMkLst>
+        <pc:spChg chg="mod">
+          <ac:chgData name="Irving Leander Reascos Valencia" userId="355ef903-6e56-42c5-b4d8-5b764e20389a" providerId="ADAL" clId="{FF2A4FE9-6061-4F89-9356-7C24429792B8}" dt="2021-10-19T19:25:30.645" v="533" actId="26606"/>
+          <ac:spMkLst>
+            <pc:docMk/>
+            <pc:sldMk cId="141842313" sldId="258"/>
+            <ac:spMk id="2" creationId="{C9F13D6B-ADDC-4D9F-8F64-BFE5D3350D4E}"/>
+          </ac:spMkLst>
+        </pc:spChg>
+        <pc:spChg chg="mod">
+          <ac:chgData name="Irving Leander Reascos Valencia" userId="355ef903-6e56-42c5-b4d8-5b764e20389a" providerId="ADAL" clId="{FF2A4FE9-6061-4F89-9356-7C24429792B8}" dt="2021-10-19T19:25:30.645" v="533" actId="26606"/>
+          <ac:spMkLst>
+            <pc:docMk/>
+            <pc:sldMk cId="141842313" sldId="258"/>
+            <ac:spMk id="3" creationId="{EC75AD99-26BD-4FCD-9831-C1EBF240F0E8}"/>
+          </ac:spMkLst>
+        </pc:spChg>
+        <pc:spChg chg="add">
+          <ac:chgData name="Irving Leander Reascos Valencia" userId="355ef903-6e56-42c5-b4d8-5b764e20389a" providerId="ADAL" clId="{FF2A4FE9-6061-4F89-9356-7C24429792B8}" dt="2021-10-19T19:25:30.645" v="533" actId="26606"/>
+          <ac:spMkLst>
+            <pc:docMk/>
+            <pc:sldMk cId="141842313" sldId="258"/>
+            <ac:spMk id="8" creationId="{EA67B5B4-3A24-436E-B663-1B2EBFF8A0CD}"/>
+          </ac:spMkLst>
+        </pc:spChg>
+        <pc:spChg chg="add">
+          <ac:chgData name="Irving Leander Reascos Valencia" userId="355ef903-6e56-42c5-b4d8-5b764e20389a" providerId="ADAL" clId="{FF2A4FE9-6061-4F89-9356-7C24429792B8}" dt="2021-10-19T19:25:30.645" v="533" actId="26606"/>
+          <ac:spMkLst>
+            <pc:docMk/>
+            <pc:sldMk cId="141842313" sldId="258"/>
+            <ac:spMk id="10" creationId="{987FDF89-C993-41F4-A1B8-DBAFF16008A9}"/>
+          </ac:spMkLst>
+        </pc:spChg>
+        <pc:spChg chg="add">
+          <ac:chgData name="Irving Leander Reascos Valencia" userId="355ef903-6e56-42c5-b4d8-5b764e20389a" providerId="ADAL" clId="{FF2A4FE9-6061-4F89-9356-7C24429792B8}" dt="2021-10-19T19:25:30.645" v="533" actId="26606"/>
+          <ac:spMkLst>
+            <pc:docMk/>
+            <pc:sldMk cId="141842313" sldId="258"/>
+            <ac:spMk id="12" creationId="{64E585EA-75FD-4025-8270-F66A58A15CDA}"/>
+          </ac:spMkLst>
+        </pc:spChg>
+        <pc:picChg chg="add mod">
+          <ac:chgData name="Irving Leander Reascos Valencia" userId="355ef903-6e56-42c5-b4d8-5b764e20389a" providerId="ADAL" clId="{FF2A4FE9-6061-4F89-9356-7C24429792B8}" dt="2021-10-19T19:48:14.399" v="750"/>
+          <ac:picMkLst>
+            <pc:docMk/>
+            <pc:sldMk cId="141842313" sldId="258"/>
+            <ac:picMk id="7" creationId="{19B7E34A-47C0-4EEC-A11B-72B0353F9BB5}"/>
+          </ac:picMkLst>
+        </pc:picChg>
+        <pc:picChg chg="add mod">
+          <ac:chgData name="Irving Leander Reascos Valencia" userId="355ef903-6e56-42c5-b4d8-5b764e20389a" providerId="ADAL" clId="{FF2A4FE9-6061-4F89-9356-7C24429792B8}" dt="2021-10-19T19:58:15.029" v="761" actId="1076"/>
+          <ac:picMkLst>
+            <pc:docMk/>
+            <pc:sldMk cId="141842313" sldId="258"/>
+            <ac:picMk id="6146" creationId="{3B8E4815-DB78-4C4E-95BC-C2A1518C9549}"/>
+          </ac:picMkLst>
+        </pc:picChg>
+        <pc:picChg chg="add mod">
+          <ac:chgData name="Irving Leander Reascos Valencia" userId="355ef903-6e56-42c5-b4d8-5b764e20389a" providerId="ADAL" clId="{FF2A4FE9-6061-4F89-9356-7C24429792B8}" dt="2021-10-19T19:59:14.598" v="764" actId="1076"/>
+          <ac:picMkLst>
+            <pc:docMk/>
+            <pc:sldMk cId="141842313" sldId="258"/>
+            <ac:picMk id="6148" creationId="{0EA8F629-581A-45BB-B9B5-1512B20D0D4E}"/>
+          </ac:picMkLst>
+        </pc:picChg>
+        <pc:picChg chg="add mod">
+          <ac:chgData name="Irving Leander Reascos Valencia" userId="355ef903-6e56-42c5-b4d8-5b764e20389a" providerId="ADAL" clId="{FF2A4FE9-6061-4F89-9356-7C24429792B8}" dt="2021-10-19T19:59:50.173" v="770" actId="1076"/>
+          <ac:picMkLst>
+            <pc:docMk/>
+            <pc:sldMk cId="141842313" sldId="258"/>
+            <ac:picMk id="6150" creationId="{8BBCD727-86E1-48D9-945C-ADD2B493758A}"/>
+          </ac:picMkLst>
+        </pc:picChg>
+      </pc:sldChg>
+      <pc:sldChg chg="addSp delSp modSp mod setBg setClrOvrMap">
+        <pc:chgData name="Irving Leander Reascos Valencia" userId="355ef903-6e56-42c5-b4d8-5b764e20389a" providerId="ADAL" clId="{FF2A4FE9-6061-4F89-9356-7C24429792B8}" dt="2021-10-19T19:48:21.539" v="751"/>
+        <pc:sldMkLst>
+          <pc:docMk/>
+          <pc:sldMk cId="3785552250" sldId="259"/>
+        </pc:sldMkLst>
+        <pc:spChg chg="mod">
+          <ac:chgData name="Irving Leander Reascos Valencia" userId="355ef903-6e56-42c5-b4d8-5b764e20389a" providerId="ADAL" clId="{FF2A4FE9-6061-4F89-9356-7C24429792B8}" dt="2021-10-19T19:46:45.791" v="732" actId="26606"/>
+          <ac:spMkLst>
+            <pc:docMk/>
+            <pc:sldMk cId="3785552250" sldId="259"/>
+            <ac:spMk id="2" creationId="{770AEAC1-D00D-4613-95F0-71CF1560AD62}"/>
+          </ac:spMkLst>
+        </pc:spChg>
+        <pc:spChg chg="mod">
+          <ac:chgData name="Irving Leander Reascos Valencia" userId="355ef903-6e56-42c5-b4d8-5b764e20389a" providerId="ADAL" clId="{FF2A4FE9-6061-4F89-9356-7C24429792B8}" dt="2021-10-19T19:47:01.622" v="738" actId="20577"/>
+          <ac:spMkLst>
+            <pc:docMk/>
+            <pc:sldMk cId="3785552250" sldId="259"/>
+            <ac:spMk id="3" creationId="{1B8160BC-DBAF-4CF3-815A-DFCC0C01BC4D}"/>
+          </ac:spMkLst>
+        </pc:spChg>
+        <pc:spChg chg="add del">
+          <ac:chgData name="Irving Leander Reascos Valencia" userId="355ef903-6e56-42c5-b4d8-5b764e20389a" providerId="ADAL" clId="{FF2A4FE9-6061-4F89-9356-7C24429792B8}" dt="2021-10-19T19:46:45.791" v="732" actId="26606"/>
+          <ac:spMkLst>
+            <pc:docMk/>
+            <pc:sldMk cId="3785552250" sldId="259"/>
+            <ac:spMk id="8" creationId="{EA67B5B4-3A24-436E-B663-1B2EBFF8A0CD}"/>
+          </ac:spMkLst>
+        </pc:spChg>
+        <pc:spChg chg="add del">
+          <ac:chgData name="Irving Leander Reascos Valencia" userId="355ef903-6e56-42c5-b4d8-5b764e20389a" providerId="ADAL" clId="{FF2A4FE9-6061-4F89-9356-7C24429792B8}" dt="2021-10-19T19:24:04.890" v="490" actId="26606"/>
+          <ac:spMkLst>
+            <pc:docMk/>
+            <pc:sldMk cId="3785552250" sldId="259"/>
+            <ac:spMk id="9" creationId="{96CF2A2B-0745-440C-9224-C5C6A0A4286F}"/>
+          </ac:spMkLst>
+        </pc:spChg>
+        <pc:spChg chg="add del">
+          <ac:chgData name="Irving Leander Reascos Valencia" userId="355ef903-6e56-42c5-b4d8-5b764e20389a" providerId="ADAL" clId="{FF2A4FE9-6061-4F89-9356-7C24429792B8}" dt="2021-10-19T19:46:45.791" v="732" actId="26606"/>
+          <ac:spMkLst>
+            <pc:docMk/>
+            <pc:sldMk cId="3785552250" sldId="259"/>
+            <ac:spMk id="10" creationId="{987FDF89-C993-41F4-A1B8-DBAFF16008A9}"/>
+          </ac:spMkLst>
+        </pc:spChg>
+        <pc:spChg chg="add del">
+          <ac:chgData name="Irving Leander Reascos Valencia" userId="355ef903-6e56-42c5-b4d8-5b764e20389a" providerId="ADAL" clId="{FF2A4FE9-6061-4F89-9356-7C24429792B8}" dt="2021-10-19T19:24:04.890" v="490" actId="26606"/>
+          <ac:spMkLst>
+            <pc:docMk/>
+            <pc:sldMk cId="3785552250" sldId="259"/>
+            <ac:spMk id="11" creationId="{75BE6D6B-84C9-4D2B-97EB-773B7369EF82}"/>
+          </ac:spMkLst>
+        </pc:spChg>
+        <pc:spChg chg="add del">
+          <ac:chgData name="Irving Leander Reascos Valencia" userId="355ef903-6e56-42c5-b4d8-5b764e20389a" providerId="ADAL" clId="{FF2A4FE9-6061-4F89-9356-7C24429792B8}" dt="2021-10-19T19:46:45.791" v="732" actId="26606"/>
+          <ac:spMkLst>
+            <pc:docMk/>
+            <pc:sldMk cId="3785552250" sldId="259"/>
+            <ac:spMk id="12" creationId="{64E585EA-75FD-4025-8270-F66A58A15CDA}"/>
+          </ac:spMkLst>
+        </pc:spChg>
+        <pc:spChg chg="add">
+          <ac:chgData name="Irving Leander Reascos Valencia" userId="355ef903-6e56-42c5-b4d8-5b764e20389a" providerId="ADAL" clId="{FF2A4FE9-6061-4F89-9356-7C24429792B8}" dt="2021-10-19T19:46:45.791" v="732" actId="26606"/>
+          <ac:spMkLst>
+            <pc:docMk/>
+            <pc:sldMk cId="3785552250" sldId="259"/>
+            <ac:spMk id="17" creationId="{EA67B5B4-3A24-436E-B663-1B2EBFF8A0CD}"/>
+          </ac:spMkLst>
+        </pc:spChg>
+        <pc:spChg chg="add">
+          <ac:chgData name="Irving Leander Reascos Valencia" userId="355ef903-6e56-42c5-b4d8-5b764e20389a" providerId="ADAL" clId="{FF2A4FE9-6061-4F89-9356-7C24429792B8}" dt="2021-10-19T19:46:45.791" v="732" actId="26606"/>
+          <ac:spMkLst>
+            <pc:docMk/>
+            <pc:sldMk cId="3785552250" sldId="259"/>
+            <ac:spMk id="19" creationId="{987FDF89-C993-41F4-A1B8-DBAFF16008A9}"/>
+          </ac:spMkLst>
+        </pc:spChg>
+        <pc:spChg chg="add">
+          <ac:chgData name="Irving Leander Reascos Valencia" userId="355ef903-6e56-42c5-b4d8-5b764e20389a" providerId="ADAL" clId="{FF2A4FE9-6061-4F89-9356-7C24429792B8}" dt="2021-10-19T19:46:45.791" v="732" actId="26606"/>
+          <ac:spMkLst>
+            <pc:docMk/>
+            <pc:sldMk cId="3785552250" sldId="259"/>
+            <ac:spMk id="21" creationId="{D1D7179B-FF7C-482F-B3D9-2BE9ED1139F9}"/>
+          </ac:spMkLst>
+        </pc:spChg>
+        <pc:picChg chg="add del">
+          <ac:chgData name="Irving Leander Reascos Valencia" userId="355ef903-6e56-42c5-b4d8-5b764e20389a" providerId="ADAL" clId="{FF2A4FE9-6061-4F89-9356-7C24429792B8}" dt="2021-10-19T19:24:04.890" v="490" actId="26606"/>
+          <ac:picMkLst>
+            <pc:docMk/>
+            <pc:sldMk cId="3785552250" sldId="259"/>
+            <ac:picMk id="5" creationId="{75763AB6-E666-4B57-9B1C-25BAD63A8C94}"/>
+          </ac:picMkLst>
+        </pc:picChg>
+        <pc:picChg chg="add mod">
+          <ac:chgData name="Irving Leander Reascos Valencia" userId="355ef903-6e56-42c5-b4d8-5b764e20389a" providerId="ADAL" clId="{FF2A4FE9-6061-4F89-9356-7C24429792B8}" dt="2021-10-19T19:48:21.539" v="751"/>
+          <ac:picMkLst>
+            <pc:docMk/>
+            <pc:sldMk cId="3785552250" sldId="259"/>
+            <ac:picMk id="13" creationId="{1D3CEF4A-EFEE-4A62-8C1A-299D0027E6D2}"/>
+          </ac:picMkLst>
+        </pc:picChg>
+      </pc:sldChg>
+      <pc:sldChg chg="addSp delSp modSp mod setBg addAnim delAnim setClrOvrMap">
+        <pc:chgData name="Irving Leander Reascos Valencia" userId="355ef903-6e56-42c5-b4d8-5b764e20389a" providerId="ADAL" clId="{FF2A4FE9-6061-4F89-9356-7C24429792B8}" dt="2021-10-19T19:48:25.932" v="752"/>
+        <pc:sldMkLst>
+          <pc:docMk/>
+          <pc:sldMk cId="4233285982" sldId="260"/>
+        </pc:sldMkLst>
+        <pc:spChg chg="mod">
+          <ac:chgData name="Irving Leander Reascos Valencia" userId="355ef903-6e56-42c5-b4d8-5b764e20389a" providerId="ADAL" clId="{FF2A4FE9-6061-4F89-9356-7C24429792B8}" dt="2021-10-19T19:26:47.321" v="538" actId="120"/>
+          <ac:spMkLst>
+            <pc:docMk/>
+            <pc:sldMk cId="4233285982" sldId="260"/>
+            <ac:spMk id="2" creationId="{98EB2216-8FC6-44B0-82C2-66A7172A529A}"/>
+          </ac:spMkLst>
+        </pc:spChg>
+        <pc:spChg chg="mod">
+          <ac:chgData name="Irving Leander Reascos Valencia" userId="355ef903-6e56-42c5-b4d8-5b764e20389a" providerId="ADAL" clId="{FF2A4FE9-6061-4F89-9356-7C24429792B8}" dt="2021-10-19T19:27:54.311" v="556" actId="27636"/>
+          <ac:spMkLst>
+            <pc:docMk/>
+            <pc:sldMk cId="4233285982" sldId="260"/>
+            <ac:spMk id="3" creationId="{2B0B0381-2015-4C05-B552-CD2565C5E8A6}"/>
+          </ac:spMkLst>
+        </pc:spChg>
+        <pc:spChg chg="add del mod">
+          <ac:chgData name="Irving Leander Reascos Valencia" userId="355ef903-6e56-42c5-b4d8-5b764e20389a" providerId="ADAL" clId="{FF2A4FE9-6061-4F89-9356-7C24429792B8}" dt="2021-10-19T19:27:46.518" v="550" actId="22"/>
+          <ac:spMkLst>
+            <pc:docMk/>
+            <pc:sldMk cId="4233285982" sldId="260"/>
+            <ac:spMk id="11" creationId="{A58C1D33-CA18-419E-B5E5-69B4DDF47FE8}"/>
+          </ac:spMkLst>
+        </pc:spChg>
+        <pc:spChg chg="add">
+          <ac:chgData name="Irving Leander Reascos Valencia" userId="355ef903-6e56-42c5-b4d8-5b764e20389a" providerId="ADAL" clId="{FF2A4FE9-6061-4F89-9356-7C24429792B8}" dt="2021-10-19T19:26:33.048" v="537" actId="26606"/>
+          <ac:spMkLst>
+            <pc:docMk/>
+            <pc:sldMk cId="4233285982" sldId="260"/>
+            <ac:spMk id="12" creationId="{A87EA4E9-DFD6-45D4-965D-8A79984EF440}"/>
+          </ac:spMkLst>
+        </pc:spChg>
+        <pc:picChg chg="mod">
+          <ac:chgData name="Irving Leander Reascos Valencia" userId="355ef903-6e56-42c5-b4d8-5b764e20389a" providerId="ADAL" clId="{FF2A4FE9-6061-4F89-9356-7C24429792B8}" dt="2021-10-19T19:26:33.048" v="537" actId="26606"/>
+          <ac:picMkLst>
+            <pc:docMk/>
+            <pc:sldMk cId="4233285982" sldId="260"/>
+            <ac:picMk id="4" creationId="{08423078-5043-4334-8185-EB958FD72868}"/>
+          </ac:picMkLst>
+        </pc:picChg>
+        <pc:picChg chg="mod">
+          <ac:chgData name="Irving Leander Reascos Valencia" userId="355ef903-6e56-42c5-b4d8-5b764e20389a" providerId="ADAL" clId="{FF2A4FE9-6061-4F89-9356-7C24429792B8}" dt="2021-10-19T19:26:33.048" v="537" actId="26606"/>
+          <ac:picMkLst>
+            <pc:docMk/>
+            <pc:sldMk cId="4233285982" sldId="260"/>
+            <ac:picMk id="5" creationId="{FD654689-E7BA-4402-91EB-A0D1CBC7240A}"/>
+          </ac:picMkLst>
+        </pc:picChg>
+        <pc:picChg chg="add mod">
+          <ac:chgData name="Irving Leander Reascos Valencia" userId="355ef903-6e56-42c5-b4d8-5b764e20389a" providerId="ADAL" clId="{FF2A4FE9-6061-4F89-9356-7C24429792B8}" dt="2021-10-19T19:48:25.932" v="752"/>
+          <ac:picMkLst>
+            <pc:docMk/>
+            <pc:sldMk cId="4233285982" sldId="260"/>
+            <ac:picMk id="13" creationId="{472ECC5D-5DCE-42CA-A1DE-5313E4B710A3}"/>
+          </ac:picMkLst>
+        </pc:picChg>
+        <pc:picChg chg="add del">
+          <ac:chgData name="Irving Leander Reascos Valencia" userId="355ef903-6e56-42c5-b4d8-5b764e20389a" providerId="ADAL" clId="{FF2A4FE9-6061-4F89-9356-7C24429792B8}" dt="2021-10-19T19:27:29.186" v="542"/>
+          <ac:picMkLst>
+            <pc:docMk/>
+            <pc:sldMk cId="4233285982" sldId="260"/>
+            <ac:picMk id="2050" creationId="{2C4A4DD4-FFA5-4C8A-A344-50225E4ECEC8}"/>
+          </ac:picMkLst>
+        </pc:picChg>
+        <pc:cxnChg chg="add del">
+          <ac:chgData name="Irving Leander Reascos Valencia" userId="355ef903-6e56-42c5-b4d8-5b764e20389a" providerId="ADAL" clId="{FF2A4FE9-6061-4F89-9356-7C24429792B8}" dt="2021-10-19T19:26:33.035" v="536" actId="26606"/>
+          <ac:cxnSpMkLst>
+            <pc:docMk/>
+            <pc:sldMk cId="4233285982" sldId="260"/>
+            <ac:cxnSpMk id="10" creationId="{B6375111-306C-49EA-9DD1-79A2ED78FA30}"/>
+          </ac:cxnSpMkLst>
+        </pc:cxnChg>
+      </pc:sldChg>
+      <pc:sldChg chg="del">
+        <pc:chgData name="Irving Leander Reascos Valencia" userId="355ef903-6e56-42c5-b4d8-5b764e20389a" providerId="ADAL" clId="{FF2A4FE9-6061-4F89-9356-7C24429792B8}" dt="2021-10-19T19:27:16.357" v="540" actId="47"/>
+        <pc:sldMkLst>
+          <pc:docMk/>
+          <pc:sldMk cId="4012795877" sldId="261"/>
+        </pc:sldMkLst>
+      </pc:sldChg>
+      <pc:sldChg chg="addSp modSp mod setBg setClrOvrMap">
+        <pc:chgData name="Irving Leander Reascos Valencia" userId="355ef903-6e56-42c5-b4d8-5b764e20389a" providerId="ADAL" clId="{FF2A4FE9-6061-4F89-9356-7C24429792B8}" dt="2021-10-19T19:48:28.315" v="753"/>
+        <pc:sldMkLst>
+          <pc:docMk/>
+          <pc:sldMk cId="871309248" sldId="262"/>
+        </pc:sldMkLst>
+        <pc:spChg chg="mod">
+          <ac:chgData name="Irving Leander Reascos Valencia" userId="355ef903-6e56-42c5-b4d8-5b764e20389a" providerId="ADAL" clId="{FF2A4FE9-6061-4F89-9356-7C24429792B8}" dt="2021-10-19T19:28:31.529" v="557" actId="26606"/>
+          <ac:spMkLst>
+            <pc:docMk/>
+            <pc:sldMk cId="871309248" sldId="262"/>
+            <ac:spMk id="2" creationId="{770AEAC1-D00D-4613-95F0-71CF1560AD62}"/>
+          </ac:spMkLst>
+        </pc:spChg>
+        <pc:spChg chg="mod">
+          <ac:chgData name="Irving Leander Reascos Valencia" userId="355ef903-6e56-42c5-b4d8-5b764e20389a" providerId="ADAL" clId="{FF2A4FE9-6061-4F89-9356-7C24429792B8}" dt="2021-10-19T19:28:31.529" v="557" actId="26606"/>
+          <ac:spMkLst>
+            <pc:docMk/>
+            <pc:sldMk cId="871309248" sldId="262"/>
+            <ac:spMk id="3" creationId="{1B8160BC-DBAF-4CF3-815A-DFCC0C01BC4D}"/>
+          </ac:spMkLst>
+        </pc:spChg>
+        <pc:spChg chg="add">
+          <ac:chgData name="Irving Leander Reascos Valencia" userId="355ef903-6e56-42c5-b4d8-5b764e20389a" providerId="ADAL" clId="{FF2A4FE9-6061-4F89-9356-7C24429792B8}" dt="2021-10-19T19:28:31.529" v="557" actId="26606"/>
+          <ac:spMkLst>
+            <pc:docMk/>
+            <pc:sldMk cId="871309248" sldId="262"/>
+            <ac:spMk id="8" creationId="{EA67B5B4-3A24-436E-B663-1B2EBFF8A0CD}"/>
+          </ac:spMkLst>
+        </pc:spChg>
+        <pc:spChg chg="add">
+          <ac:chgData name="Irving Leander Reascos Valencia" userId="355ef903-6e56-42c5-b4d8-5b764e20389a" providerId="ADAL" clId="{FF2A4FE9-6061-4F89-9356-7C24429792B8}" dt="2021-10-19T19:28:31.529" v="557" actId="26606"/>
+          <ac:spMkLst>
+            <pc:docMk/>
+            <pc:sldMk cId="871309248" sldId="262"/>
+            <ac:spMk id="10" creationId="{987FDF89-C993-41F4-A1B8-DBAFF16008A9}"/>
+          </ac:spMkLst>
+        </pc:spChg>
+        <pc:spChg chg="add">
+          <ac:chgData name="Irving Leander Reascos Valencia" userId="355ef903-6e56-42c5-b4d8-5b764e20389a" providerId="ADAL" clId="{FF2A4FE9-6061-4F89-9356-7C24429792B8}" dt="2021-10-19T19:28:31.529" v="557" actId="26606"/>
+          <ac:spMkLst>
+            <pc:docMk/>
+            <pc:sldMk cId="871309248" sldId="262"/>
+            <ac:spMk id="12" creationId="{64E585EA-75FD-4025-8270-F66A58A15CDA}"/>
+          </ac:spMkLst>
+        </pc:spChg>
+        <pc:picChg chg="add mod">
+          <ac:chgData name="Irving Leander Reascos Valencia" userId="355ef903-6e56-42c5-b4d8-5b764e20389a" providerId="ADAL" clId="{FF2A4FE9-6061-4F89-9356-7C24429792B8}" dt="2021-10-19T19:48:28.315" v="753"/>
+          <ac:picMkLst>
+            <pc:docMk/>
+            <pc:sldMk cId="871309248" sldId="262"/>
+            <ac:picMk id="7" creationId="{51DCDEF1-18AC-4EC1-A327-5F242A2A3C84}"/>
+          </ac:picMkLst>
+        </pc:picChg>
+      </pc:sldChg>
+      <pc:sldChg chg="addSp delSp modSp mod setBg setClrOvrMap">
+        <pc:chgData name="Irving Leander Reascos Valencia" userId="355ef903-6e56-42c5-b4d8-5b764e20389a" providerId="ADAL" clId="{FF2A4FE9-6061-4F89-9356-7C24429792B8}" dt="2021-10-19T19:48:29.853" v="754"/>
+        <pc:sldMkLst>
+          <pc:docMk/>
+          <pc:sldMk cId="49299221" sldId="263"/>
+        </pc:sldMkLst>
+        <pc:spChg chg="mod">
+          <ac:chgData name="Irving Leander Reascos Valencia" userId="355ef903-6e56-42c5-b4d8-5b764e20389a" providerId="ADAL" clId="{FF2A4FE9-6061-4F89-9356-7C24429792B8}" dt="2021-10-19T19:43:49.600" v="717" actId="26606"/>
+          <ac:spMkLst>
+            <pc:docMk/>
+            <pc:sldMk cId="49299221" sldId="263"/>
+            <ac:spMk id="2" creationId="{98EB2216-8FC6-44B0-82C2-66A7172A529A}"/>
+          </ac:spMkLst>
+        </pc:spChg>
+        <pc:spChg chg="mod">
+          <ac:chgData name="Irving Leander Reascos Valencia" userId="355ef903-6e56-42c5-b4d8-5b764e20389a" providerId="ADAL" clId="{FF2A4FE9-6061-4F89-9356-7C24429792B8}" dt="2021-10-19T19:44:03.958" v="731" actId="20577"/>
+          <ac:spMkLst>
+            <pc:docMk/>
+            <pc:sldMk cId="49299221" sldId="263"/>
+            <ac:spMk id="3" creationId="{2B0B0381-2015-4C05-B552-CD2565C5E8A6}"/>
+          </ac:spMkLst>
+        </pc:spChg>
+        <pc:spChg chg="add">
+          <ac:chgData name="Irving Leander Reascos Valencia" userId="355ef903-6e56-42c5-b4d8-5b764e20389a" providerId="ADAL" clId="{FF2A4FE9-6061-4F89-9356-7C24429792B8}" dt="2021-10-19T19:43:49.600" v="717" actId="26606"/>
+          <ac:spMkLst>
+            <pc:docMk/>
+            <pc:sldMk cId="49299221" sldId="263"/>
+            <ac:spMk id="10" creationId="{EE1FC7B4-E4A7-4452-B413-1A623E3A7230}"/>
+          </ac:spMkLst>
+        </pc:spChg>
+        <pc:spChg chg="add">
+          <ac:chgData name="Irving Leander Reascos Valencia" userId="355ef903-6e56-42c5-b4d8-5b764e20389a" providerId="ADAL" clId="{FF2A4FE9-6061-4F89-9356-7C24429792B8}" dt="2021-10-19T19:43:49.600" v="717" actId="26606"/>
+          <ac:spMkLst>
+            <pc:docMk/>
+            <pc:sldMk cId="49299221" sldId="263"/>
+            <ac:spMk id="12" creationId="{E0709AF0-24F0-4486-B189-BE6386BDB198}"/>
+          </ac:spMkLst>
+        </pc:spChg>
+        <pc:spChg chg="add">
+          <ac:chgData name="Irving Leander Reascos Valencia" userId="355ef903-6e56-42c5-b4d8-5b764e20389a" providerId="ADAL" clId="{FF2A4FE9-6061-4F89-9356-7C24429792B8}" dt="2021-10-19T19:43:49.600" v="717" actId="26606"/>
+          <ac:spMkLst>
+            <pc:docMk/>
+            <pc:sldMk cId="49299221" sldId="263"/>
+            <ac:spMk id="14" creationId="{FBE3B62F-5853-4A3C-B050-6186351A7176}"/>
+          </ac:spMkLst>
+        </pc:spChg>
+        <pc:picChg chg="add mod">
+          <ac:chgData name="Irving Leander Reascos Valencia" userId="355ef903-6e56-42c5-b4d8-5b764e20389a" providerId="ADAL" clId="{FF2A4FE9-6061-4F89-9356-7C24429792B8}" dt="2021-10-19T19:43:49.600" v="717" actId="26606"/>
+          <ac:picMkLst>
+            <pc:docMk/>
+            <pc:sldMk cId="49299221" sldId="263"/>
+            <ac:picMk id="5" creationId="{817A05BF-E72F-4461-88BD-57E35F5FCC8F}"/>
+          </ac:picMkLst>
+        </pc:picChg>
+        <pc:picChg chg="del mod">
+          <ac:chgData name="Irving Leander Reascos Valencia" userId="355ef903-6e56-42c5-b4d8-5b764e20389a" providerId="ADAL" clId="{FF2A4FE9-6061-4F89-9356-7C24429792B8}" dt="2021-10-19T19:32:18.367" v="709" actId="478"/>
+          <ac:picMkLst>
+            <pc:docMk/>
+            <pc:sldMk cId="49299221" sldId="263"/>
+            <ac:picMk id="6" creationId="{D1005B1C-5854-4BBE-8EC4-503731724299}"/>
+          </ac:picMkLst>
+        </pc:picChg>
+        <pc:picChg chg="del">
+          <ac:chgData name="Irving Leander Reascos Valencia" userId="355ef903-6e56-42c5-b4d8-5b764e20389a" providerId="ADAL" clId="{FF2A4FE9-6061-4F89-9356-7C24429792B8}" dt="2021-10-19T19:43:36.454" v="710" actId="478"/>
+          <ac:picMkLst>
+            <pc:docMk/>
+            <pc:sldMk cId="49299221" sldId="263"/>
+            <ac:picMk id="7" creationId="{ACEC54D9-C852-4E3A-BE1E-388ED60FF9AD}"/>
+          </ac:picMkLst>
+        </pc:picChg>
+        <pc:picChg chg="add mod">
+          <ac:chgData name="Irving Leander Reascos Valencia" userId="355ef903-6e56-42c5-b4d8-5b764e20389a" providerId="ADAL" clId="{FF2A4FE9-6061-4F89-9356-7C24429792B8}" dt="2021-10-19T19:48:29.853" v="754"/>
+          <ac:picMkLst>
+            <pc:docMk/>
+            <pc:sldMk cId="49299221" sldId="263"/>
+            <ac:picMk id="11" creationId="{393F21DA-126F-4DE1-A9A1-48D462C7C7F8}"/>
+          </ac:picMkLst>
+        </pc:picChg>
+      </pc:sldChg>
+      <pc:sldChg chg="addSp modSp">
+        <pc:chgData name="Irving Leander Reascos Valencia" userId="355ef903-6e56-42c5-b4d8-5b764e20389a" providerId="ADAL" clId="{FF2A4FE9-6061-4F89-9356-7C24429792B8}" dt="2021-10-19T19:48:33.031" v="755"/>
+        <pc:sldMkLst>
+          <pc:docMk/>
+          <pc:sldMk cId="3345648404" sldId="264"/>
+        </pc:sldMkLst>
+        <pc:picChg chg="add mod">
+          <ac:chgData name="Irving Leander Reascos Valencia" userId="355ef903-6e56-42c5-b4d8-5b764e20389a" providerId="ADAL" clId="{FF2A4FE9-6061-4F89-9356-7C24429792B8}" dt="2021-10-19T19:48:33.031" v="755"/>
+          <ac:picMkLst>
+            <pc:docMk/>
+            <pc:sldMk cId="3345648404" sldId="264"/>
+            <ac:picMk id="6" creationId="{9C118C18-DB7F-41BB-AB4F-FC58BDFE06AF}"/>
+          </ac:picMkLst>
+        </pc:picChg>
+      </pc:sldChg>
+    </pc:docChg>
+  </pc:docChgLst>
+  <pc:docChgLst>
+    <pc:chgData name="Rodrigo da Silva Gomes Peres Coelho" userId="S::pg47622@uminho.pt::32a22569-e572-4c9f-bf40-e144b3d8d0a1" providerId="AD" clId="Web-{24E1AECB-103D-1B18-01CE-E9CCEEB91B9E}"/>
+    <pc:docChg chg="addSld modSld">
+      <pc:chgData name="Rodrigo da Silva Gomes Peres Coelho" userId="S::pg47622@uminho.pt::32a22569-e572-4c9f-bf40-e144b3d8d0a1" providerId="AD" clId="Web-{24E1AECB-103D-1B18-01CE-E9CCEEB91B9E}" dt="2021-10-26T14:51:25.069" v="514" actId="20577"/>
+      <pc:docMkLst>
+        <pc:docMk/>
+      </pc:docMkLst>
+      <pc:sldChg chg="modSp">
+        <pc:chgData name="Rodrigo da Silva Gomes Peres Coelho" userId="S::pg47622@uminho.pt::32a22569-e572-4c9f-bf40-e144b3d8d0a1" providerId="AD" clId="Web-{24E1AECB-103D-1B18-01CE-E9CCEEB91B9E}" dt="2021-10-26T14:21:29.474" v="1" actId="1076"/>
+        <pc:sldMkLst>
+          <pc:docMk/>
+          <pc:sldMk cId="141842313" sldId="258"/>
+        </pc:sldMkLst>
+        <pc:spChg chg="mod">
+          <ac:chgData name="Rodrigo da Silva Gomes Peres Coelho" userId="S::pg47622@uminho.pt::32a22569-e572-4c9f-bf40-e144b3d8d0a1" providerId="AD" clId="Web-{24E1AECB-103D-1B18-01CE-E9CCEEB91B9E}" dt="2021-10-26T14:21:29.474" v="1" actId="1076"/>
+          <ac:spMkLst>
+            <pc:docMk/>
+            <pc:sldMk cId="141842313" sldId="258"/>
+            <ac:spMk id="3" creationId="{EC75AD99-26BD-4FCD-9831-C1EBF240F0E8}"/>
+          </ac:spMkLst>
+        </pc:spChg>
+      </pc:sldChg>
+      <pc:sldChg chg="modSp">
+        <pc:chgData name="Rodrigo da Silva Gomes Peres Coelho" userId="S::pg47622@uminho.pt::32a22569-e572-4c9f-bf40-e144b3d8d0a1" providerId="AD" clId="Web-{24E1AECB-103D-1B18-01CE-E9CCEEB91B9E}" dt="2021-10-26T14:25:24.165" v="5" actId="20577"/>
+        <pc:sldMkLst>
+          <pc:docMk/>
+          <pc:sldMk cId="871309248" sldId="262"/>
+        </pc:sldMkLst>
+        <pc:spChg chg="mod">
+          <ac:chgData name="Rodrigo da Silva Gomes Peres Coelho" userId="S::pg47622@uminho.pt::32a22569-e572-4c9f-bf40-e144b3d8d0a1" providerId="AD" clId="Web-{24E1AECB-103D-1B18-01CE-E9CCEEB91B9E}" dt="2021-10-26T14:25:24.165" v="5" actId="20577"/>
+          <ac:spMkLst>
+            <pc:docMk/>
+            <pc:sldMk cId="871309248" sldId="262"/>
+            <ac:spMk id="3" creationId="{1B8160BC-DBAF-4CF3-815A-DFCC0C01BC4D}"/>
+          </ac:spMkLst>
+        </pc:spChg>
+      </pc:sldChg>
+      <pc:sldChg chg="addSp delSp modSp">
+        <pc:chgData name="Rodrigo da Silva Gomes Peres Coelho" userId="S::pg47622@uminho.pt::32a22569-e572-4c9f-bf40-e144b3d8d0a1" providerId="AD" clId="Web-{24E1AECB-103D-1B18-01CE-E9CCEEB91B9E}" dt="2021-10-26T14:37:02.740" v="11"/>
+        <pc:sldMkLst>
+          <pc:docMk/>
+          <pc:sldMk cId="49299221" sldId="263"/>
+        </pc:sldMkLst>
+        <pc:spChg chg="add del mod">
+          <ac:chgData name="Rodrigo da Silva Gomes Peres Coelho" userId="S::pg47622@uminho.pt::32a22569-e572-4c9f-bf40-e144b3d8d0a1" providerId="AD" clId="Web-{24E1AECB-103D-1B18-01CE-E9CCEEB91B9E}" dt="2021-10-26T14:37:02.740" v="11"/>
+          <ac:spMkLst>
+            <pc:docMk/>
+            <pc:sldMk cId="49299221" sldId="263"/>
+            <ac:spMk id="4" creationId="{06E4F740-1388-4B62-83C1-260A674E5BB9}"/>
+          </ac:spMkLst>
+        </pc:spChg>
+      </pc:sldChg>
+      <pc:sldChg chg="addSp modSp">
+        <pc:chgData name="Rodrigo da Silva Gomes Peres Coelho" userId="S::pg47622@uminho.pt::32a22569-e572-4c9f-bf40-e144b3d8d0a1" providerId="AD" clId="Web-{24E1AECB-103D-1B18-01CE-E9CCEEB91B9E}" dt="2021-10-26T14:42:30.700" v="145" actId="14100"/>
         <pc:sldMkLst>
           <pc:docMk/>
           <pc:sldMk cId="3345648404" sldId="264"/>
         </pc:sldMkLst>
         <pc:spChg chg="mod">
-          <ac:chgData name="Rodrigo da Silva Gomes Peres Coelho" userId="S::pg47622@uminho.pt::32a22569-e572-4c9f-bf40-e144b3d8d0a1" providerId="AD" clId="Web-{758C3D71-4D74-AFFF-92D3-2B3C14AE1CB2}" dt="2021-10-19T18:37:39.033" v="18" actId="20577"/>
+          <ac:chgData name="Rodrigo da Silva Gomes Peres Coelho" userId="S::pg47622@uminho.pt::32a22569-e572-4c9f-bf40-e144b3d8d0a1" providerId="AD" clId="Web-{24E1AECB-103D-1B18-01CE-E9CCEEB91B9E}" dt="2021-10-26T14:41:10.104" v="14" actId="20577"/>
           <ac:spMkLst>
             <pc:docMk/>
             <pc:sldMk cId="3345648404" sldId="264"/>
             <ac:spMk id="2" creationId="{3521A686-2A8F-44AB-9FFA-739C74C1E6F6}"/>
           </ac:spMkLst>
         </pc:spChg>
-        <pc:spChg chg="del">
-          <ac:chgData name="Rodrigo da Silva Gomes Peres Coelho" userId="S::pg47622@uminho.pt::32a22569-e572-4c9f-bf40-e144b3d8d0a1" providerId="AD" clId="Web-{758C3D71-4D74-AFFF-92D3-2B3C14AE1CB2}" dt="2021-10-19T18:37:19.736" v="0"/>
+        <pc:spChg chg="add mod">
+          <ac:chgData name="Rodrigo da Silva Gomes Peres Coelho" userId="S::pg47622@uminho.pt::32a22569-e572-4c9f-bf40-e144b3d8d0a1" providerId="AD" clId="Web-{24E1AECB-103D-1B18-01CE-E9CCEEB91B9E}" dt="2021-10-26T14:42:30.700" v="145" actId="14100"/>
           <ac:spMkLst>
             <pc:docMk/>
             <pc:sldMk cId="3345648404" sldId="264"/>
-            <ac:spMk id="3" creationId="{58F61B69-225E-4BBB-AC2C-1D9D59DEA912}"/>
+            <ac:spMk id="3" creationId="{8D8E753A-5D4A-4E9D-8650-BAD1F8D1FC30}"/>
           </ac:spMkLst>
         </pc:spChg>
-        <pc:spChg chg="add del mod">
-          <ac:chgData name="Rodrigo da Silva Gomes Peres Coelho" userId="S::pg47622@uminho.pt::32a22569-e572-4c9f-bf40-e144b3d8d0a1" providerId="AD" clId="Web-{758C3D71-4D74-AFFF-92D3-2B3C14AE1CB2}" dt="2021-10-19T18:39:17.489" v="25"/>
-          <ac:spMkLst>
-            <pc:docMk/>
-            <pc:sldMk cId="3345648404" sldId="264"/>
-            <ac:spMk id="6" creationId="{A345E303-945A-4029-A0B7-5BAC23F3D52D}"/>
-          </ac:spMkLst>
-        </pc:spChg>
-        <pc:picChg chg="add del mod ord">
-          <ac:chgData name="Rodrigo da Silva Gomes Peres Coelho" userId="S::pg47622@uminho.pt::32a22569-e572-4c9f-bf40-e144b3d8d0a1" providerId="AD" clId="Web-{758C3D71-4D74-AFFF-92D3-2B3C14AE1CB2}" dt="2021-10-19T18:39:10.739" v="24"/>
-          <ac:picMkLst>
-            <pc:docMk/>
-            <pc:sldMk cId="3345648404" sldId="264"/>
-            <ac:picMk id="4" creationId="{3518310F-A2C7-43A4-97D8-47BAF4C6131B}"/>
-          </ac:picMkLst>
-        </pc:picChg>
-        <pc:picChg chg="add mod ord">
-          <ac:chgData name="Rodrigo da Silva Gomes Peres Coelho" userId="S::pg47622@uminho.pt::32a22569-e572-4c9f-bf40-e144b3d8d0a1" providerId="AD" clId="Web-{758C3D71-4D74-AFFF-92D3-2B3C14AE1CB2}" dt="2021-10-19T18:39:25.911" v="27" actId="1076"/>
+        <pc:picChg chg="mod">
+          <ac:chgData name="Rodrigo da Silva Gomes Peres Coelho" userId="S::pg47622@uminho.pt::32a22569-e572-4c9f-bf40-e144b3d8d0a1" providerId="AD" clId="Web-{24E1AECB-103D-1B18-01CE-E9CCEEB91B9E}" dt="2021-10-26T14:40:55.198" v="12" actId="1076"/>
           <ac:picMkLst>
             <pc:docMk/>
             <pc:sldMk cId="3345648404" sldId="264"/>
             <ac:picMk id="7" creationId="{BABBFE0C-6DB8-4D5C-8B4A-46A566D9BD09}"/>
           </ac:picMkLst>
         </pc:picChg>
+      </pc:sldChg>
+      <pc:sldChg chg="modSp new">
+        <pc:chgData name="Rodrigo da Silva Gomes Peres Coelho" userId="S::pg47622@uminho.pt::32a22569-e572-4c9f-bf40-e144b3d8d0a1" providerId="AD" clId="Web-{24E1AECB-103D-1B18-01CE-E9CCEEB91B9E}" dt="2021-10-26T14:51:25.069" v="514" actId="20577"/>
+        <pc:sldMkLst>
+          <pc:docMk/>
+          <pc:sldMk cId="211770228" sldId="266"/>
+        </pc:sldMkLst>
+        <pc:spChg chg="mod">
+          <ac:chgData name="Rodrigo da Silva Gomes Peres Coelho" userId="S::pg47622@uminho.pt::32a22569-e572-4c9f-bf40-e144b3d8d0a1" providerId="AD" clId="Web-{24E1AECB-103D-1B18-01CE-E9CCEEB91B9E}" dt="2021-10-26T14:47:05.345" v="185" actId="20577"/>
+          <ac:spMkLst>
+            <pc:docMk/>
+            <pc:sldMk cId="211770228" sldId="266"/>
+            <ac:spMk id="2" creationId="{186B89F1-C910-4C9C-97C3-E4DD4C7AF7D4}"/>
+          </ac:spMkLst>
+        </pc:spChg>
+        <pc:spChg chg="mod">
+          <ac:chgData name="Rodrigo da Silva Gomes Peres Coelho" userId="S::pg47622@uminho.pt::32a22569-e572-4c9f-bf40-e144b3d8d0a1" providerId="AD" clId="Web-{24E1AECB-103D-1B18-01CE-E9CCEEB91B9E}" dt="2021-10-26T14:51:25.069" v="514" actId="20577"/>
+          <ac:spMkLst>
+            <pc:docMk/>
+            <pc:sldMk cId="211770228" sldId="266"/>
+            <ac:spMk id="3" creationId="{63159C8C-6B3D-4567-8A90-8CE0A3BEDE33}"/>
+          </ac:spMkLst>
+        </pc:spChg>
       </pc:sldChg>
     </pc:docChg>
   </pc:docChgLst>
@@ -342,1286 +1679,480 @@
     </pc:docChg>
   </pc:docChgLst>
   <pc:docChgLst>
-    <pc:chgData name="Rodrigo da Silva Gomes Peres Coelho" userId="S::pg47622@uminho.pt::32a22569-e572-4c9f-bf40-e144b3d8d0a1" providerId="AD" clId="Web-{A86F0C09-EE21-C629-F016-BFCB9744CC68}"/>
-    <pc:docChg chg="modSld">
-      <pc:chgData name="Rodrigo da Silva Gomes Peres Coelho" userId="S::pg47622@uminho.pt::32a22569-e572-4c9f-bf40-e144b3d8d0a1" providerId="AD" clId="Web-{A86F0C09-EE21-C629-F016-BFCB9744CC68}" dt="2021-10-19T15:55:29.370" v="1079" actId="20577"/>
+    <pc:chgData name="Irving Leander Reascos Valencia" userId="8da0aa10-e628-4418-996a-6e2b438f5890" providerId="ADAL" clId="{FF2A4FE9-6061-4F89-9356-7C24429792B8}"/>
+    <pc:docChg chg="undo redo custSel modSld">
+      <pc:chgData name="Irving Leander Reascos Valencia" userId="8da0aa10-e628-4418-996a-6e2b438f5890" providerId="ADAL" clId="{FF2A4FE9-6061-4F89-9356-7C24429792B8}" dt="2021-10-26T14:52:22.138" v="297" actId="26606"/>
       <pc:docMkLst>
         <pc:docMk/>
       </pc:docMkLst>
-      <pc:sldChg chg="modSp">
-        <pc:chgData name="Rodrigo da Silva Gomes Peres Coelho" userId="S::pg47622@uminho.pt::32a22569-e572-4c9f-bf40-e144b3d8d0a1" providerId="AD" clId="Web-{A86F0C09-EE21-C629-F016-BFCB9744CC68}" dt="2021-10-19T15:09:46.046" v="0" actId="20577"/>
+      <pc:sldChg chg="modSp mod">
+        <pc:chgData name="Irving Leander Reascos Valencia" userId="8da0aa10-e628-4418-996a-6e2b438f5890" providerId="ADAL" clId="{FF2A4FE9-6061-4F89-9356-7C24429792B8}" dt="2021-10-26T14:42:41.031" v="245" actId="113"/>
         <pc:sldMkLst>
           <pc:docMk/>
           <pc:sldMk cId="3916293193" sldId="256"/>
         </pc:sldMkLst>
         <pc:spChg chg="mod">
-          <ac:chgData name="Rodrigo da Silva Gomes Peres Coelho" userId="S::pg47622@uminho.pt::32a22569-e572-4c9f-bf40-e144b3d8d0a1" providerId="AD" clId="Web-{A86F0C09-EE21-C629-F016-BFCB9744CC68}" dt="2021-10-19T15:09:46.046" v="0" actId="20577"/>
+          <ac:chgData name="Irving Leander Reascos Valencia" userId="8da0aa10-e628-4418-996a-6e2b438f5890" providerId="ADAL" clId="{FF2A4FE9-6061-4F89-9356-7C24429792B8}" dt="2021-10-26T14:42:41.031" v="245" actId="113"/>
           <ac:spMkLst>
             <pc:docMk/>
             <pc:sldMk cId="3916293193" sldId="256"/>
             <ac:spMk id="2" creationId="{01E1C496-4AD5-42C1-AF59-6EF89DF50AA1}"/>
           </ac:spMkLst>
         </pc:spChg>
+        <pc:spChg chg="mod">
+          <ac:chgData name="Irving Leander Reascos Valencia" userId="8da0aa10-e628-4418-996a-6e2b438f5890" providerId="ADAL" clId="{FF2A4FE9-6061-4F89-9356-7C24429792B8}" dt="2021-10-26T14:42:33.819" v="243" actId="20577"/>
+          <ac:spMkLst>
+            <pc:docMk/>
+            <pc:sldMk cId="3916293193" sldId="256"/>
+            <ac:spMk id="3" creationId="{0365D8F3-60E4-4177-9BCF-31DFC5083F2F}"/>
+          </ac:spMkLst>
+        </pc:spChg>
       </pc:sldChg>
-      <pc:sldChg chg="modSp">
-        <pc:chgData name="Rodrigo da Silva Gomes Peres Coelho" userId="S::pg47622@uminho.pt::32a22569-e572-4c9f-bf40-e144b3d8d0a1" providerId="AD" clId="Web-{A86F0C09-EE21-C629-F016-BFCB9744CC68}" dt="2021-10-19T15:47:35.529" v="897" actId="20577"/>
+      <pc:sldChg chg="modSp mod">
+        <pc:chgData name="Irving Leander Reascos Valencia" userId="8da0aa10-e628-4418-996a-6e2b438f5890" providerId="ADAL" clId="{FF2A4FE9-6061-4F89-9356-7C24429792B8}" dt="2021-10-26T14:27:34.903" v="85" actId="20577"/>
+        <pc:sldMkLst>
+          <pc:docMk/>
+          <pc:sldMk cId="141842313" sldId="258"/>
+        </pc:sldMkLst>
+        <pc:spChg chg="mod">
+          <ac:chgData name="Irving Leander Reascos Valencia" userId="8da0aa10-e628-4418-996a-6e2b438f5890" providerId="ADAL" clId="{FF2A4FE9-6061-4F89-9356-7C24429792B8}" dt="2021-10-26T14:27:34.903" v="85" actId="20577"/>
+          <ac:spMkLst>
+            <pc:docMk/>
+            <pc:sldMk cId="141842313" sldId="258"/>
+            <ac:spMk id="2" creationId="{C9F13D6B-ADDC-4D9F-8F64-BFE5D3350D4E}"/>
+          </ac:spMkLst>
+        </pc:spChg>
+        <pc:spChg chg="mod">
+          <ac:chgData name="Irving Leander Reascos Valencia" userId="8da0aa10-e628-4418-996a-6e2b438f5890" providerId="ADAL" clId="{FF2A4FE9-6061-4F89-9356-7C24429792B8}" dt="2021-10-26T14:24:28.738" v="26" actId="20577"/>
+          <ac:spMkLst>
+            <pc:docMk/>
+            <pc:sldMk cId="141842313" sldId="258"/>
+            <ac:spMk id="3" creationId="{EC75AD99-26BD-4FCD-9831-C1EBF240F0E8}"/>
+          </ac:spMkLst>
+        </pc:spChg>
+      </pc:sldChg>
+      <pc:sldChg chg="modSp mod">
+        <pc:chgData name="Irving Leander Reascos Valencia" userId="8da0aa10-e628-4418-996a-6e2b438f5890" providerId="ADAL" clId="{FF2A4FE9-6061-4F89-9356-7C24429792B8}" dt="2021-10-26T14:41:47.269" v="224" actId="403"/>
+        <pc:sldMkLst>
+          <pc:docMk/>
+          <pc:sldMk cId="3785552250" sldId="259"/>
+        </pc:sldMkLst>
+        <pc:spChg chg="mod">
+          <ac:chgData name="Irving Leander Reascos Valencia" userId="8da0aa10-e628-4418-996a-6e2b438f5890" providerId="ADAL" clId="{FF2A4FE9-6061-4F89-9356-7C24429792B8}" dt="2021-10-26T14:38:35.430" v="212" actId="404"/>
+          <ac:spMkLst>
+            <pc:docMk/>
+            <pc:sldMk cId="3785552250" sldId="259"/>
+            <ac:spMk id="2" creationId="{770AEAC1-D00D-4613-95F0-71CF1560AD62}"/>
+          </ac:spMkLst>
+        </pc:spChg>
+        <pc:spChg chg="mod">
+          <ac:chgData name="Irving Leander Reascos Valencia" userId="8da0aa10-e628-4418-996a-6e2b438f5890" providerId="ADAL" clId="{FF2A4FE9-6061-4F89-9356-7C24429792B8}" dt="2021-10-26T14:41:47.269" v="224" actId="403"/>
+          <ac:spMkLst>
+            <pc:docMk/>
+            <pc:sldMk cId="3785552250" sldId="259"/>
+            <ac:spMk id="3" creationId="{1B8160BC-DBAF-4CF3-815A-DFCC0C01BC4D}"/>
+          </ac:spMkLst>
+        </pc:spChg>
+      </pc:sldChg>
+      <pc:sldChg chg="addSp delSp modSp mod">
+        <pc:chgData name="Irving Leander Reascos Valencia" userId="8da0aa10-e628-4418-996a-6e2b438f5890" providerId="ADAL" clId="{FF2A4FE9-6061-4F89-9356-7C24429792B8}" dt="2021-10-26T14:45:20.318" v="265" actId="21"/>
+        <pc:sldMkLst>
+          <pc:docMk/>
+          <pc:sldMk cId="4233285982" sldId="260"/>
+        </pc:sldMkLst>
+        <pc:spChg chg="add del">
+          <ac:chgData name="Irving Leander Reascos Valencia" userId="8da0aa10-e628-4418-996a-6e2b438f5890" providerId="ADAL" clId="{FF2A4FE9-6061-4F89-9356-7C24429792B8}" dt="2021-10-26T14:44:43.910" v="253" actId="21"/>
+          <ac:spMkLst>
+            <pc:docMk/>
+            <pc:sldMk cId="4233285982" sldId="260"/>
+            <ac:spMk id="6" creationId="{B5C73646-2134-4FAA-A15E-89C1E4E6A4F1}"/>
+          </ac:spMkLst>
+        </pc:spChg>
+        <pc:spChg chg="add del mod">
+          <ac:chgData name="Irving Leander Reascos Valencia" userId="8da0aa10-e628-4418-996a-6e2b438f5890" providerId="ADAL" clId="{FF2A4FE9-6061-4F89-9356-7C24429792B8}" dt="2021-10-26T14:45:20.318" v="265" actId="21"/>
+          <ac:spMkLst>
+            <pc:docMk/>
+            <pc:sldMk cId="4233285982" sldId="260"/>
+            <ac:spMk id="10" creationId="{B87ED4A4-20AF-4599-9D23-B0F123D75FE0}"/>
+          </ac:spMkLst>
+        </pc:spChg>
+      </pc:sldChg>
+      <pc:sldChg chg="modSp mod">
+        <pc:chgData name="Irving Leander Reascos Valencia" userId="8da0aa10-e628-4418-996a-6e2b438f5890" providerId="ADAL" clId="{FF2A4FE9-6061-4F89-9356-7C24429792B8}" dt="2021-10-26T14:32:34.949" v="104" actId="20577"/>
         <pc:sldMkLst>
           <pc:docMk/>
           <pc:sldMk cId="871309248" sldId="262"/>
         </pc:sldMkLst>
         <pc:spChg chg="mod">
-          <ac:chgData name="Rodrigo da Silva Gomes Peres Coelho" userId="S::pg47622@uminho.pt::32a22569-e572-4c9f-bf40-e144b3d8d0a1" providerId="AD" clId="Web-{A86F0C09-EE21-C629-F016-BFCB9744CC68}" dt="2021-10-19T15:12:05.550" v="11" actId="20577"/>
+          <ac:chgData name="Irving Leander Reascos Valencia" userId="8da0aa10-e628-4418-996a-6e2b438f5890" providerId="ADAL" clId="{FF2A4FE9-6061-4F89-9356-7C24429792B8}" dt="2021-10-26T14:32:34.949" v="104" actId="20577"/>
           <ac:spMkLst>
             <pc:docMk/>
             <pc:sldMk cId="871309248" sldId="262"/>
             <ac:spMk id="2" creationId="{770AEAC1-D00D-4613-95F0-71CF1560AD62}"/>
           </ac:spMkLst>
         </pc:spChg>
-        <pc:spChg chg="mod">
-          <ac:chgData name="Rodrigo da Silva Gomes Peres Coelho" userId="S::pg47622@uminho.pt::32a22569-e572-4c9f-bf40-e144b3d8d0a1" providerId="AD" clId="Web-{A86F0C09-EE21-C629-F016-BFCB9744CC68}" dt="2021-10-19T15:47:35.529" v="897" actId="20577"/>
-          <ac:spMkLst>
-            <pc:docMk/>
-            <pc:sldMk cId="871309248" sldId="262"/>
-            <ac:spMk id="3" creationId="{1B8160BC-DBAF-4CF3-815A-DFCC0C01BC4D}"/>
-          </ac:spMkLst>
-        </pc:spChg>
       </pc:sldChg>
-      <pc:sldChg chg="addSp delSp modSp">
-        <pc:chgData name="Rodrigo da Silva Gomes Peres Coelho" userId="S::pg47622@uminho.pt::32a22569-e572-4c9f-bf40-e144b3d8d0a1" providerId="AD" clId="Web-{A86F0C09-EE21-C629-F016-BFCB9744CC68}" dt="2021-10-19T15:55:29.370" v="1079" actId="20577"/>
+      <pc:sldChg chg="modSp mod">
+        <pc:chgData name="Irving Leander Reascos Valencia" userId="8da0aa10-e628-4418-996a-6e2b438f5890" providerId="ADAL" clId="{FF2A4FE9-6061-4F89-9356-7C24429792B8}" dt="2021-10-26T14:39:16.372" v="215" actId="1076"/>
         <pc:sldMkLst>
           <pc:docMk/>
           <pc:sldMk cId="49299221" sldId="263"/>
         </pc:sldMkLst>
         <pc:spChg chg="mod">
-          <ac:chgData name="Rodrigo da Silva Gomes Peres Coelho" userId="S::pg47622@uminho.pt::32a22569-e572-4c9f-bf40-e144b3d8d0a1" providerId="AD" clId="Web-{A86F0C09-EE21-C629-F016-BFCB9744CC68}" dt="2021-10-19T15:31:18.893" v="733" actId="20577"/>
+          <ac:chgData name="Irving Leander Reascos Valencia" userId="8da0aa10-e628-4418-996a-6e2b438f5890" providerId="ADAL" clId="{FF2A4FE9-6061-4F89-9356-7C24429792B8}" dt="2021-10-26T14:33:21.350" v="119" actId="20577"/>
           <ac:spMkLst>
             <pc:docMk/>
             <pc:sldMk cId="49299221" sldId="263"/>
             <ac:spMk id="2" creationId="{98EB2216-8FC6-44B0-82C2-66A7172A529A}"/>
           </ac:spMkLst>
         </pc:spChg>
+        <pc:picChg chg="mod">
+          <ac:chgData name="Irving Leander Reascos Valencia" userId="8da0aa10-e628-4418-996a-6e2b438f5890" providerId="ADAL" clId="{FF2A4FE9-6061-4F89-9356-7C24429792B8}" dt="2021-10-26T14:39:16.372" v="215" actId="1076"/>
+          <ac:picMkLst>
+            <pc:docMk/>
+            <pc:sldMk cId="49299221" sldId="263"/>
+            <ac:picMk id="5" creationId="{817A05BF-E72F-4461-88BD-57E35F5FCC8F}"/>
+          </ac:picMkLst>
+        </pc:picChg>
+      </pc:sldChg>
+      <pc:sldChg chg="addSp delSp modSp mod setBg setClrOvrMap">
+        <pc:chgData name="Irving Leander Reascos Valencia" userId="8da0aa10-e628-4418-996a-6e2b438f5890" providerId="ADAL" clId="{FF2A4FE9-6061-4F89-9356-7C24429792B8}" dt="2021-10-26T14:46:04.004" v="274"/>
+        <pc:sldMkLst>
+          <pc:docMk/>
+          <pc:sldMk cId="3345648404" sldId="264"/>
+        </pc:sldMkLst>
         <pc:spChg chg="mod">
-          <ac:chgData name="Rodrigo da Silva Gomes Peres Coelho" userId="S::pg47622@uminho.pt::32a22569-e572-4c9f-bf40-e144b3d8d0a1" providerId="AD" clId="Web-{A86F0C09-EE21-C629-F016-BFCB9744CC68}" dt="2021-10-19T15:55:29.370" v="1079" actId="20577"/>
+          <ac:chgData name="Irving Leander Reascos Valencia" userId="8da0aa10-e628-4418-996a-6e2b438f5890" providerId="ADAL" clId="{FF2A4FE9-6061-4F89-9356-7C24429792B8}" dt="2021-10-26T14:45:47.224" v="271" actId="255"/>
           <ac:spMkLst>
             <pc:docMk/>
-            <pc:sldMk cId="49299221" sldId="263"/>
-            <ac:spMk id="3" creationId="{2B0B0381-2015-4C05-B552-CD2565C5E8A6}"/>
+            <pc:sldMk cId="3345648404" sldId="264"/>
+            <ac:spMk id="2" creationId="{3521A686-2A8F-44AB-9FFA-739C74C1E6F6}"/>
+          </ac:spMkLst>
+        </pc:spChg>
+        <pc:spChg chg="mod ord">
+          <ac:chgData name="Irving Leander Reascos Valencia" userId="8da0aa10-e628-4418-996a-6e2b438f5890" providerId="ADAL" clId="{FF2A4FE9-6061-4F89-9356-7C24429792B8}" dt="2021-10-26T14:45:53.250" v="273" actId="1076"/>
+          <ac:spMkLst>
+            <pc:docMk/>
+            <pc:sldMk cId="3345648404" sldId="264"/>
+            <ac:spMk id="3" creationId="{8D8E753A-5D4A-4E9D-8650-BAD1F8D1FC30}"/>
+          </ac:spMkLst>
+        </pc:spChg>
+        <pc:spChg chg="mod">
+          <ac:chgData name="Irving Leander Reascos Valencia" userId="8da0aa10-e628-4418-996a-6e2b438f5890" providerId="ADAL" clId="{FF2A4FE9-6061-4F89-9356-7C24429792B8}" dt="2021-10-26T14:44:01.910" v="251" actId="26606"/>
+          <ac:spMkLst>
+            <pc:docMk/>
+            <pc:sldMk cId="3345648404" sldId="264"/>
+            <ac:spMk id="5" creationId="{7C805288-A220-4E73-A110-85396D51526E}"/>
+          </ac:spMkLst>
+        </pc:spChg>
+        <pc:spChg chg="add del">
+          <ac:chgData name="Irving Leander Reascos Valencia" userId="8da0aa10-e628-4418-996a-6e2b438f5890" providerId="ADAL" clId="{FF2A4FE9-6061-4F89-9356-7C24429792B8}" dt="2021-10-26T14:44:01.910" v="251" actId="26606"/>
+          <ac:spMkLst>
+            <pc:docMk/>
+            <pc:sldMk cId="3345648404" sldId="264"/>
+            <ac:spMk id="12" creationId="{EE1FC7B4-E4A7-4452-B413-1A623E3A7230}"/>
+          </ac:spMkLst>
+        </pc:spChg>
+        <pc:spChg chg="add del">
+          <ac:chgData name="Irving Leander Reascos Valencia" userId="8da0aa10-e628-4418-996a-6e2b438f5890" providerId="ADAL" clId="{FF2A4FE9-6061-4F89-9356-7C24429792B8}" dt="2021-10-26T14:44:01.910" v="251" actId="26606"/>
+          <ac:spMkLst>
+            <pc:docMk/>
+            <pc:sldMk cId="3345648404" sldId="264"/>
+            <ac:spMk id="14" creationId="{E0709AF0-24F0-4486-B189-BE6386BDB198}"/>
+          </ac:spMkLst>
+        </pc:spChg>
+        <pc:spChg chg="add del mod ord">
+          <ac:chgData name="Irving Leander Reascos Valencia" userId="8da0aa10-e628-4418-996a-6e2b438f5890" providerId="ADAL" clId="{FF2A4FE9-6061-4F89-9356-7C24429792B8}" dt="2021-10-26T14:45:10.988" v="261" actId="21"/>
+          <ac:spMkLst>
+            <pc:docMk/>
+            <pc:sldMk cId="3345648404" sldId="264"/>
+            <ac:spMk id="15" creationId="{03CB81EE-948B-49C1-94AC-7AB163CF8231}"/>
+          </ac:spMkLst>
+        </pc:spChg>
+        <pc:spChg chg="add del">
+          <ac:chgData name="Irving Leander Reascos Valencia" userId="8da0aa10-e628-4418-996a-6e2b438f5890" providerId="ADAL" clId="{FF2A4FE9-6061-4F89-9356-7C24429792B8}" dt="2021-10-26T14:44:01.910" v="251" actId="26606"/>
+          <ac:spMkLst>
+            <pc:docMk/>
+            <pc:sldMk cId="3345648404" sldId="264"/>
+            <ac:spMk id="16" creationId="{FBE3B62F-5853-4A3C-B050-6186351A7176}"/>
+          </ac:spMkLst>
+        </pc:spChg>
+        <pc:spChg chg="add mod ord">
+          <ac:chgData name="Irving Leander Reascos Valencia" userId="8da0aa10-e628-4418-996a-6e2b438f5890" providerId="ADAL" clId="{FF2A4FE9-6061-4F89-9356-7C24429792B8}" dt="2021-10-26T14:45:24.888" v="268" actId="167"/>
+          <ac:spMkLst>
+            <pc:docMk/>
+            <pc:sldMk cId="3345648404" sldId="264"/>
+            <ac:spMk id="17" creationId="{4191F4AB-111F-4576-9964-19906185D7B6}"/>
+          </ac:spMkLst>
+        </pc:spChg>
+        <pc:spChg chg="add del">
+          <ac:chgData name="Irving Leander Reascos Valencia" userId="8da0aa10-e628-4418-996a-6e2b438f5890" providerId="ADAL" clId="{FF2A4FE9-6061-4F89-9356-7C24429792B8}" dt="2021-10-26T14:44:00.277" v="249" actId="26606"/>
+          <ac:spMkLst>
+            <pc:docMk/>
+            <pc:sldMk cId="3345648404" sldId="264"/>
+            <ac:spMk id="21" creationId="{33CD251C-A887-4D2F-925B-FC097198538B}"/>
+          </ac:spMkLst>
+        </pc:spChg>
+        <pc:spChg chg="add del">
+          <ac:chgData name="Irving Leander Reascos Valencia" userId="8da0aa10-e628-4418-996a-6e2b438f5890" providerId="ADAL" clId="{FF2A4FE9-6061-4F89-9356-7C24429792B8}" dt="2021-10-26T14:44:00.277" v="249" actId="26606"/>
+          <ac:spMkLst>
+            <pc:docMk/>
+            <pc:sldMk cId="3345648404" sldId="264"/>
+            <ac:spMk id="23" creationId="{B19D093C-27FB-4032-B282-42C4563F257C}"/>
+          </ac:spMkLst>
+        </pc:spChg>
+        <pc:grpChg chg="add del">
+          <ac:chgData name="Irving Leander Reascos Valencia" userId="8da0aa10-e628-4418-996a-6e2b438f5890" providerId="ADAL" clId="{FF2A4FE9-6061-4F89-9356-7C24429792B8}" dt="2021-10-26T14:44:00.277" v="249" actId="26606"/>
+          <ac:grpSpMkLst>
+            <pc:docMk/>
+            <pc:sldMk cId="3345648404" sldId="264"/>
+            <ac:grpSpMk id="25" creationId="{35EE815E-1BD3-4777-B652-6D98825BF66B}"/>
+          </ac:grpSpMkLst>
+        </pc:grpChg>
+        <pc:picChg chg="del">
+          <ac:chgData name="Irving Leander Reascos Valencia" userId="8da0aa10-e628-4418-996a-6e2b438f5890" providerId="ADAL" clId="{FF2A4FE9-6061-4F89-9356-7C24429792B8}" dt="2021-10-26T14:39:50.999" v="216" actId="21"/>
+          <ac:picMkLst>
+            <pc:docMk/>
+            <pc:sldMk cId="3345648404" sldId="264"/>
+            <ac:picMk id="6" creationId="{9C118C18-DB7F-41BB-AB4F-FC58BDFE06AF}"/>
+          </ac:picMkLst>
+        </pc:picChg>
+        <pc:picChg chg="mod">
+          <ac:chgData name="Irving Leander Reascos Valencia" userId="8da0aa10-e628-4418-996a-6e2b438f5890" providerId="ADAL" clId="{FF2A4FE9-6061-4F89-9356-7C24429792B8}" dt="2021-10-26T14:44:56.180" v="259" actId="1076"/>
+          <ac:picMkLst>
+            <pc:docMk/>
+            <pc:sldMk cId="3345648404" sldId="264"/>
+            <ac:picMk id="7" creationId="{BABBFE0C-6DB8-4D5C-8B4A-46A566D9BD09}"/>
+          </ac:picMkLst>
+        </pc:picChg>
+        <pc:picChg chg="add mod">
+          <ac:chgData name="Irving Leander Reascos Valencia" userId="8da0aa10-e628-4418-996a-6e2b438f5890" providerId="ADAL" clId="{FF2A4FE9-6061-4F89-9356-7C24429792B8}" dt="2021-10-26T14:46:04.004" v="274"/>
+          <ac:picMkLst>
+            <pc:docMk/>
+            <pc:sldMk cId="3345648404" sldId="264"/>
+            <ac:picMk id="18" creationId="{5092D918-AA13-44E3-9009-08D1D7B0E761}"/>
+          </ac:picMkLst>
+        </pc:picChg>
+      </pc:sldChg>
+      <pc:sldChg chg="addSp delSp modSp mod setBg">
+        <pc:chgData name="Irving Leander Reascos Valencia" userId="8da0aa10-e628-4418-996a-6e2b438f5890" providerId="ADAL" clId="{FF2A4FE9-6061-4F89-9356-7C24429792B8}" dt="2021-10-26T14:48:43.629" v="288" actId="20577"/>
+        <pc:sldMkLst>
+          <pc:docMk/>
+          <pc:sldMk cId="959505674" sldId="265"/>
+        </pc:sldMkLst>
+        <pc:spChg chg="mod">
+          <ac:chgData name="Irving Leander Reascos Valencia" userId="8da0aa10-e628-4418-996a-6e2b438f5890" providerId="ADAL" clId="{FF2A4FE9-6061-4F89-9356-7C24429792B8}" dt="2021-10-26T14:33:45.087" v="120" actId="26606"/>
+          <ac:spMkLst>
+            <pc:docMk/>
+            <pc:sldMk cId="959505674" sldId="265"/>
+            <ac:spMk id="2" creationId="{4E7F15B7-0593-41A2-B016-F58A5E7A0EC6}"/>
+          </ac:spMkLst>
+        </pc:spChg>
+        <pc:spChg chg="mod">
+          <ac:chgData name="Irving Leander Reascos Valencia" userId="8da0aa10-e628-4418-996a-6e2b438f5890" providerId="ADAL" clId="{FF2A4FE9-6061-4F89-9356-7C24429792B8}" dt="2021-10-26T14:48:43.629" v="288" actId="20577"/>
+          <ac:spMkLst>
+            <pc:docMk/>
+            <pc:sldMk cId="959505674" sldId="265"/>
+            <ac:spMk id="3" creationId="{6D606527-6EDD-4A9B-83FE-DF4ACFF77922}"/>
+          </ac:spMkLst>
+        </pc:spChg>
+        <pc:spChg chg="mod">
+          <ac:chgData name="Irving Leander Reascos Valencia" userId="8da0aa10-e628-4418-996a-6e2b438f5890" providerId="ADAL" clId="{FF2A4FE9-6061-4F89-9356-7C24429792B8}" dt="2021-10-26T14:33:45.087" v="120" actId="26606"/>
+          <ac:spMkLst>
+            <pc:docMk/>
+            <pc:sldMk cId="959505674" sldId="265"/>
+            <ac:spMk id="4" creationId="{5B7FDD58-8411-49DD-8A84-2E8EF0263297}"/>
+          </ac:spMkLst>
+        </pc:spChg>
+        <pc:spChg chg="add">
+          <ac:chgData name="Irving Leander Reascos Valencia" userId="8da0aa10-e628-4418-996a-6e2b438f5890" providerId="ADAL" clId="{FF2A4FE9-6061-4F89-9356-7C24429792B8}" dt="2021-10-26T14:33:45.087" v="120" actId="26606"/>
+          <ac:spMkLst>
+            <pc:docMk/>
+            <pc:sldMk cId="959505674" sldId="265"/>
+            <ac:spMk id="9" creationId="{C7FA33FF-088D-4F16-95A2-2C64D353DEA8}"/>
+          </ac:spMkLst>
+        </pc:spChg>
+        <pc:spChg chg="add">
+          <ac:chgData name="Irving Leander Reascos Valencia" userId="8da0aa10-e628-4418-996a-6e2b438f5890" providerId="ADAL" clId="{FF2A4FE9-6061-4F89-9356-7C24429792B8}" dt="2021-10-26T14:33:45.087" v="120" actId="26606"/>
+          <ac:spMkLst>
+            <pc:docMk/>
+            <pc:sldMk cId="959505674" sldId="265"/>
+            <ac:spMk id="11" creationId="{A376EFB1-01CF-419F-ABF1-2AF02BBFCBD1}"/>
+          </ac:spMkLst>
+        </pc:spChg>
+        <pc:spChg chg="add">
+          <ac:chgData name="Irving Leander Reascos Valencia" userId="8da0aa10-e628-4418-996a-6e2b438f5890" providerId="ADAL" clId="{FF2A4FE9-6061-4F89-9356-7C24429792B8}" dt="2021-10-26T14:33:45.087" v="120" actId="26606"/>
+          <ac:spMkLst>
+            <pc:docMk/>
+            <pc:sldMk cId="959505674" sldId="265"/>
+            <ac:spMk id="13" creationId="{FF9DEA15-78BD-4750-AA18-B9F28A6D5AB8}"/>
           </ac:spMkLst>
         </pc:spChg>
         <pc:picChg chg="add del mod">
-          <ac:chgData name="Rodrigo da Silva Gomes Peres Coelho" userId="S::pg47622@uminho.pt::32a22569-e572-4c9f-bf40-e144b3d8d0a1" providerId="AD" clId="Web-{A86F0C09-EE21-C629-F016-BFCB9744CC68}" dt="2021-10-19T15:42:16.708" v="792"/>
+          <ac:chgData name="Irving Leander Reascos Valencia" userId="8da0aa10-e628-4418-996a-6e2b438f5890" providerId="ADAL" clId="{FF2A4FE9-6061-4F89-9356-7C24429792B8}" dt="2021-10-26T14:41:07.508" v="219" actId="478"/>
           <ac:picMkLst>
             <pc:docMk/>
-            <pc:sldMk cId="49299221" sldId="263"/>
-            <ac:picMk id="4" creationId="{D141C5C5-92D6-4B69-93C9-40B8C3D55294}"/>
+            <pc:sldMk cId="959505674" sldId="265"/>
+            <ac:picMk id="8" creationId="{DBF20135-0E3A-42AD-BDE8-804110FC741F}"/>
           </ac:picMkLst>
         </pc:picChg>
         <pc:picChg chg="add del mod">
-          <ac:chgData name="Rodrigo da Silva Gomes Peres Coelho" userId="S::pg47622@uminho.pt::32a22569-e572-4c9f-bf40-e144b3d8d0a1" providerId="AD" clId="Web-{A86F0C09-EE21-C629-F016-BFCB9744CC68}" dt="2021-10-19T15:44:17.602" v="797"/>
+          <ac:chgData name="Irving Leander Reascos Valencia" userId="8da0aa10-e628-4418-996a-6e2b438f5890" providerId="ADAL" clId="{FF2A4FE9-6061-4F89-9356-7C24429792B8}" dt="2021-10-26T14:41:12.861" v="221"/>
           <ac:picMkLst>
             <pc:docMk/>
-            <pc:sldMk cId="49299221" sldId="263"/>
-            <ac:picMk id="5" creationId="{15617F0B-81AE-434E-8648-E233F1159317}"/>
+            <pc:sldMk cId="959505674" sldId="265"/>
+            <ac:picMk id="10" creationId="{BB2A4A8B-F5BD-4E08-9F54-63C011FC3526}"/>
           </ac:picMkLst>
         </pc:picChg>
         <pc:picChg chg="add mod">
-          <ac:chgData name="Rodrigo da Silva Gomes Peres Coelho" userId="S::pg47622@uminho.pt::32a22569-e572-4c9f-bf40-e144b3d8d0a1" providerId="AD" clId="Web-{A86F0C09-EE21-C629-F016-BFCB9744CC68}" dt="2021-10-19T15:44:26.883" v="802" actId="1076"/>
+          <ac:chgData name="Irving Leander Reascos Valencia" userId="8da0aa10-e628-4418-996a-6e2b438f5890" providerId="ADAL" clId="{FF2A4FE9-6061-4F89-9356-7C24429792B8}" dt="2021-10-26T14:41:16" v="222"/>
           <ac:picMkLst>
             <pc:docMk/>
-            <pc:sldMk cId="49299221" sldId="263"/>
-            <ac:picMk id="6" creationId="{D1005B1C-5854-4BBE-8EC4-503731724299}"/>
+            <pc:sldMk cId="959505674" sldId="265"/>
+            <ac:picMk id="12" creationId="{9D0404F5-36F5-49A5-918D-BEE35378F1E4}"/>
           </ac:picMkLst>
         </pc:picChg>
+      </pc:sldChg>
+      <pc:sldChg chg="addSp delSp modSp mod setBg setClrOvrMap">
+        <pc:chgData name="Irving Leander Reascos Valencia" userId="8da0aa10-e628-4418-996a-6e2b438f5890" providerId="ADAL" clId="{FF2A4FE9-6061-4F89-9356-7C24429792B8}" dt="2021-10-26T14:52:22.138" v="297" actId="26606"/>
+        <pc:sldMkLst>
+          <pc:docMk/>
+          <pc:sldMk cId="211770228" sldId="266"/>
+        </pc:sldMkLst>
+        <pc:spChg chg="mod">
+          <ac:chgData name="Irving Leander Reascos Valencia" userId="8da0aa10-e628-4418-996a-6e2b438f5890" providerId="ADAL" clId="{FF2A4FE9-6061-4F89-9356-7C24429792B8}" dt="2021-10-26T14:52:22.138" v="297" actId="26606"/>
+          <ac:spMkLst>
+            <pc:docMk/>
+            <pc:sldMk cId="211770228" sldId="266"/>
+            <ac:spMk id="2" creationId="{186B89F1-C910-4C9C-97C3-E4DD4C7AF7D4}"/>
+          </ac:spMkLst>
+        </pc:spChg>
+        <pc:spChg chg="mod">
+          <ac:chgData name="Irving Leander Reascos Valencia" userId="8da0aa10-e628-4418-996a-6e2b438f5890" providerId="ADAL" clId="{FF2A4FE9-6061-4F89-9356-7C24429792B8}" dt="2021-10-26T14:52:22.138" v="297" actId="26606"/>
+          <ac:spMkLst>
+            <pc:docMk/>
+            <pc:sldMk cId="211770228" sldId="266"/>
+            <ac:spMk id="3" creationId="{63159C8C-6B3D-4567-8A90-8CE0A3BEDE33}"/>
+          </ac:spMkLst>
+        </pc:spChg>
+        <pc:spChg chg="mod">
+          <ac:chgData name="Irving Leander Reascos Valencia" userId="8da0aa10-e628-4418-996a-6e2b438f5890" providerId="ADAL" clId="{FF2A4FE9-6061-4F89-9356-7C24429792B8}" dt="2021-10-26T14:51:34.239" v="290" actId="26606"/>
+          <ac:spMkLst>
+            <pc:docMk/>
+            <pc:sldMk cId="211770228" sldId="266"/>
+            <ac:spMk id="4" creationId="{245F7DBB-1AF0-48EB-A7D5-73C05AF7494A}"/>
+          </ac:spMkLst>
+        </pc:spChg>
+        <pc:spChg chg="add del">
+          <ac:chgData name="Irving Leander Reascos Valencia" userId="8da0aa10-e628-4418-996a-6e2b438f5890" providerId="ADAL" clId="{FF2A4FE9-6061-4F89-9356-7C24429792B8}" dt="2021-10-26T14:52:22.138" v="297" actId="26606"/>
+          <ac:spMkLst>
+            <pc:docMk/>
+            <pc:sldMk cId="211770228" sldId="266"/>
+            <ac:spMk id="9" creationId="{EA67B5B4-3A24-436E-B663-1B2EBFF8A0CD}"/>
+          </ac:spMkLst>
+        </pc:spChg>
+        <pc:spChg chg="add del">
+          <ac:chgData name="Irving Leander Reascos Valencia" userId="8da0aa10-e628-4418-996a-6e2b438f5890" providerId="ADAL" clId="{FF2A4FE9-6061-4F89-9356-7C24429792B8}" dt="2021-10-26T14:52:22.138" v="297" actId="26606"/>
+          <ac:spMkLst>
+            <pc:docMk/>
+            <pc:sldMk cId="211770228" sldId="266"/>
+            <ac:spMk id="11" creationId="{987FDF89-C993-41F4-A1B8-DBAFF16008A9}"/>
+          </ac:spMkLst>
+        </pc:spChg>
+        <pc:spChg chg="add del">
+          <ac:chgData name="Irving Leander Reascos Valencia" userId="8da0aa10-e628-4418-996a-6e2b438f5890" providerId="ADAL" clId="{FF2A4FE9-6061-4F89-9356-7C24429792B8}" dt="2021-10-26T14:52:22.138" v="297" actId="26606"/>
+          <ac:spMkLst>
+            <pc:docMk/>
+            <pc:sldMk cId="211770228" sldId="266"/>
+            <ac:spMk id="13" creationId="{64E585EA-75FD-4025-8270-F66A58A15CDA}"/>
+          </ac:spMkLst>
+        </pc:spChg>
+        <pc:spChg chg="add">
+          <ac:chgData name="Irving Leander Reascos Valencia" userId="8da0aa10-e628-4418-996a-6e2b438f5890" providerId="ADAL" clId="{FF2A4FE9-6061-4F89-9356-7C24429792B8}" dt="2021-10-26T14:52:22.138" v="297" actId="26606"/>
+          <ac:spMkLst>
+            <pc:docMk/>
+            <pc:sldMk cId="211770228" sldId="266"/>
+            <ac:spMk id="18" creationId="{EA67B5B4-3A24-436E-B663-1B2EBFF8A0CD}"/>
+          </ac:spMkLst>
+        </pc:spChg>
+        <pc:spChg chg="add">
+          <ac:chgData name="Irving Leander Reascos Valencia" userId="8da0aa10-e628-4418-996a-6e2b438f5890" providerId="ADAL" clId="{FF2A4FE9-6061-4F89-9356-7C24429792B8}" dt="2021-10-26T14:52:22.138" v="297" actId="26606"/>
+          <ac:spMkLst>
+            <pc:docMk/>
+            <pc:sldMk cId="211770228" sldId="266"/>
+            <ac:spMk id="20" creationId="{987FDF89-C993-41F4-A1B8-DBAFF16008A9}"/>
+          </ac:spMkLst>
+        </pc:spChg>
+        <pc:spChg chg="add">
+          <ac:chgData name="Irving Leander Reascos Valencia" userId="8da0aa10-e628-4418-996a-6e2b438f5890" providerId="ADAL" clId="{FF2A4FE9-6061-4F89-9356-7C24429792B8}" dt="2021-10-26T14:52:22.138" v="297" actId="26606"/>
+          <ac:spMkLst>
+            <pc:docMk/>
+            <pc:sldMk cId="211770228" sldId="266"/>
+            <ac:spMk id="22" creationId="{D1D7179B-FF7C-482F-B3D9-2BE9ED1139F9}"/>
+          </ac:spMkLst>
+        </pc:spChg>
         <pc:picChg chg="add mod">
-          <ac:chgData name="Rodrigo da Silva Gomes Peres Coelho" userId="S::pg47622@uminho.pt::32a22569-e572-4c9f-bf40-e144b3d8d0a1" providerId="AD" clId="Web-{A86F0C09-EE21-C629-F016-BFCB9744CC68}" dt="2021-10-19T15:48:24.921" v="902" actId="1076"/>
+          <ac:chgData name="Irving Leander Reascos Valencia" userId="8da0aa10-e628-4418-996a-6e2b438f5890" providerId="ADAL" clId="{FF2A4FE9-6061-4F89-9356-7C24429792B8}" dt="2021-10-26T14:51:53.981" v="292"/>
           <ac:picMkLst>
             <pc:docMk/>
-            <pc:sldMk cId="49299221" sldId="263"/>
-            <ac:picMk id="7" creationId="{ACEC54D9-C852-4E3A-BE1E-388ED60FF9AD}"/>
+            <pc:sldMk cId="211770228" sldId="266"/>
+            <ac:picMk id="8" creationId="{125D7BC7-CACD-4B4B-8BC7-3BFEBF303B58}"/>
           </ac:picMkLst>
         </pc:picChg>
       </pc:sldChg>
     </pc:docChg>
   </pc:docChgLst>
   <pc:docChgLst>
-    <pc:chgData name="Irving Leander Reascos Valencia" userId="355ef903-6e56-42c5-b4d8-5b764e20389a" providerId="ADAL" clId="{FF2A4FE9-6061-4F89-9356-7C24429792B8}"/>
-    <pc:docChg chg="undo redo custSel delSld modSld">
-      <pc:chgData name="Irving Leander Reascos Valencia" userId="355ef903-6e56-42c5-b4d8-5b764e20389a" providerId="ADAL" clId="{FF2A4FE9-6061-4F89-9356-7C24429792B8}" dt="2021-10-19T19:59:50.173" v="770" actId="1076"/>
+    <pc:chgData name="Rodrigo da Silva Gomes Peres Coelho" userId="S::pg47622@uminho.pt::32a22569-e572-4c9f-bf40-e144b3d8d0a1" providerId="AD" clId="Web-{758C3D71-4D74-AFFF-92D3-2B3C14AE1CB2}"/>
+    <pc:docChg chg="modSld">
+      <pc:chgData name="Rodrigo da Silva Gomes Peres Coelho" userId="S::pg47622@uminho.pt::32a22569-e572-4c9f-bf40-e144b3d8d0a1" providerId="AD" clId="Web-{758C3D71-4D74-AFFF-92D3-2B3C14AE1CB2}" dt="2021-10-19T18:39:25.911" v="27" actId="1076"/>
       <pc:docMkLst>
         <pc:docMk/>
       </pc:docMkLst>
-      <pc:sldChg chg="addSp delSp modSp mod modMedia setBg addAnim delAnim setClrOvrMap">
-        <pc:chgData name="Irving Leander Reascos Valencia" userId="355ef903-6e56-42c5-b4d8-5b764e20389a" providerId="ADAL" clId="{FF2A4FE9-6061-4F89-9356-7C24429792B8}" dt="2021-10-19T19:49:03.010" v="757" actId="20577"/>
-        <pc:sldMkLst>
-          <pc:docMk/>
-          <pc:sldMk cId="3916293193" sldId="256"/>
-        </pc:sldMkLst>
-        <pc:spChg chg="mod">
-          <ac:chgData name="Irving Leander Reascos Valencia" userId="355ef903-6e56-42c5-b4d8-5b764e20389a" providerId="ADAL" clId="{FF2A4FE9-6061-4F89-9356-7C24429792B8}" dt="2021-10-19T19:10:39.468" v="479" actId="26606"/>
-          <ac:spMkLst>
-            <pc:docMk/>
-            <pc:sldMk cId="3916293193" sldId="256"/>
-            <ac:spMk id="2" creationId="{01E1C496-4AD5-42C1-AF59-6EF89DF50AA1}"/>
-          </ac:spMkLst>
-        </pc:spChg>
-        <pc:spChg chg="add del mod">
-          <ac:chgData name="Irving Leander Reascos Valencia" userId="355ef903-6e56-42c5-b4d8-5b764e20389a" providerId="ADAL" clId="{FF2A4FE9-6061-4F89-9356-7C24429792B8}" dt="2021-10-19T19:10:39.468" v="479" actId="26606"/>
-          <ac:spMkLst>
-            <pc:docMk/>
-            <pc:sldMk cId="3916293193" sldId="256"/>
-            <ac:spMk id="3" creationId="{0365D8F3-60E4-4177-9BCF-31DFC5083F2F}"/>
-          </ac:spMkLst>
-        </pc:spChg>
-        <pc:spChg chg="add del mod">
-          <ac:chgData name="Irving Leander Reascos Valencia" userId="355ef903-6e56-42c5-b4d8-5b764e20389a" providerId="ADAL" clId="{FF2A4FE9-6061-4F89-9356-7C24429792B8}" dt="2021-10-19T19:02:26.915" v="411" actId="478"/>
-          <ac:spMkLst>
-            <pc:docMk/>
-            <pc:sldMk cId="3916293193" sldId="256"/>
-            <ac:spMk id="5" creationId="{BAB36F6D-3125-439A-AC73-7B24684FD98C}"/>
-          </ac:spMkLst>
-        </pc:spChg>
-        <pc:spChg chg="add del">
-          <ac:chgData name="Irving Leander Reascos Valencia" userId="355ef903-6e56-42c5-b4d8-5b764e20389a" providerId="ADAL" clId="{FF2A4FE9-6061-4F89-9356-7C24429792B8}" dt="2021-10-19T19:06:03.421" v="423" actId="26606"/>
-          <ac:spMkLst>
-            <pc:docMk/>
-            <pc:sldMk cId="3916293193" sldId="256"/>
-            <ac:spMk id="7" creationId="{FB5B0058-AF13-4859-B429-4EDDE2A26F7F}"/>
-          </ac:spMkLst>
-        </pc:spChg>
-        <pc:spChg chg="add del">
-          <ac:chgData name="Irving Leander Reascos Valencia" userId="355ef903-6e56-42c5-b4d8-5b764e20389a" providerId="ADAL" clId="{FF2A4FE9-6061-4F89-9356-7C24429792B8}" dt="2021-10-19T19:05:53.050" v="421" actId="26606"/>
-          <ac:spMkLst>
-            <pc:docMk/>
-            <pc:sldMk cId="3916293193" sldId="256"/>
-            <ac:spMk id="8" creationId="{FB5B0058-AF13-4859-B429-4EDDE2A26F7F}"/>
-          </ac:spMkLst>
-        </pc:spChg>
-        <pc:spChg chg="add del">
-          <ac:chgData name="Irving Leander Reascos Valencia" userId="355ef903-6e56-42c5-b4d8-5b764e20389a" providerId="ADAL" clId="{FF2A4FE9-6061-4F89-9356-7C24429792B8}" dt="2021-10-19T19:03:46.429" v="419" actId="26606"/>
-          <ac:spMkLst>
-            <pc:docMk/>
-            <pc:sldMk cId="3916293193" sldId="256"/>
-            <ac:spMk id="9" creationId="{C1DD1A8A-57D5-4A81-AD04-532B043C5611}"/>
-          </ac:spMkLst>
-        </pc:spChg>
-        <pc:spChg chg="add del">
-          <ac:chgData name="Irving Leander Reascos Valencia" userId="355ef903-6e56-42c5-b4d8-5b764e20389a" providerId="ADAL" clId="{FF2A4FE9-6061-4F89-9356-7C24429792B8}" dt="2021-10-19T19:03:46.429" v="419" actId="26606"/>
-          <ac:spMkLst>
-            <pc:docMk/>
-            <pc:sldMk cId="3916293193" sldId="256"/>
-            <ac:spMk id="11" creationId="{007891EC-4501-44ED-A8C8-B11B6DB767AB}"/>
-          </ac:spMkLst>
-        </pc:spChg>
-        <pc:spChg chg="add del">
-          <ac:chgData name="Irving Leander Reascos Valencia" userId="355ef903-6e56-42c5-b4d8-5b764e20389a" providerId="ADAL" clId="{FF2A4FE9-6061-4F89-9356-7C24429792B8}" dt="2021-10-19T19:06:03.421" v="423" actId="26606"/>
-          <ac:spMkLst>
-            <pc:docMk/>
-            <pc:sldMk cId="3916293193" sldId="256"/>
-            <ac:spMk id="15" creationId="{9358801C-1E89-48FF-B14F-D76A2EA14C8E}"/>
-          </ac:spMkLst>
-        </pc:spChg>
-        <pc:spChg chg="add del">
-          <ac:chgData name="Irving Leander Reascos Valencia" userId="355ef903-6e56-42c5-b4d8-5b764e20389a" providerId="ADAL" clId="{FF2A4FE9-6061-4F89-9356-7C24429792B8}" dt="2021-10-19T19:06:07.409" v="425" actId="26606"/>
-          <ac:spMkLst>
-            <pc:docMk/>
-            <pc:sldMk cId="3916293193" sldId="256"/>
-            <ac:spMk id="17" creationId="{787F4F1C-8D3D-4EC1-B72D-A0470A5A08B8}"/>
-          </ac:spMkLst>
-        </pc:spChg>
-        <pc:spChg chg="add del">
-          <ac:chgData name="Irving Leander Reascos Valencia" userId="355ef903-6e56-42c5-b4d8-5b764e20389a" providerId="ADAL" clId="{FF2A4FE9-6061-4F89-9356-7C24429792B8}" dt="2021-10-19T19:06:15.831" v="429" actId="26606"/>
-          <ac:spMkLst>
-            <pc:docMk/>
-            <pc:sldMk cId="3916293193" sldId="256"/>
-            <ac:spMk id="19" creationId="{6F828D28-8E09-41CC-8229-3070B5467A96}"/>
-          </ac:spMkLst>
-        </pc:spChg>
-        <pc:spChg chg="add del">
-          <ac:chgData name="Irving Leander Reascos Valencia" userId="355ef903-6e56-42c5-b4d8-5b764e20389a" providerId="ADAL" clId="{FF2A4FE9-6061-4F89-9356-7C24429792B8}" dt="2021-10-19T19:06:30.490" v="431" actId="26606"/>
-          <ac:spMkLst>
-            <pc:docMk/>
-            <pc:sldMk cId="3916293193" sldId="256"/>
-            <ac:spMk id="20" creationId="{EFA9B6C6-A247-48A8-9A1C-1E36FA9456B5}"/>
-          </ac:spMkLst>
-        </pc:spChg>
-        <pc:spChg chg="add del">
-          <ac:chgData name="Irving Leander Reascos Valencia" userId="355ef903-6e56-42c5-b4d8-5b764e20389a" providerId="ADAL" clId="{FF2A4FE9-6061-4F89-9356-7C24429792B8}" dt="2021-10-19T19:06:30.490" v="431" actId="26606"/>
-          <ac:spMkLst>
-            <pc:docMk/>
-            <pc:sldMk cId="3916293193" sldId="256"/>
-            <ac:spMk id="22" creationId="{C5CB530E-515E-412C-9DF1-5F8FFBD6F383}"/>
-          </ac:spMkLst>
-        </pc:spChg>
-        <pc:spChg chg="add del">
-          <ac:chgData name="Irving Leander Reascos Valencia" userId="355ef903-6e56-42c5-b4d8-5b764e20389a" providerId="ADAL" clId="{FF2A4FE9-6061-4F89-9356-7C24429792B8}" dt="2021-10-19T19:06:30.490" v="431" actId="26606"/>
-          <ac:spMkLst>
-            <pc:docMk/>
-            <pc:sldMk cId="3916293193" sldId="256"/>
-            <ac:spMk id="23" creationId="{712D4376-A578-4FF1-94FC-245E7A6A489F}"/>
-          </ac:spMkLst>
-        </pc:spChg>
-        <pc:spChg chg="add del">
-          <ac:chgData name="Irving Leander Reascos Valencia" userId="355ef903-6e56-42c5-b4d8-5b764e20389a" providerId="ADAL" clId="{FF2A4FE9-6061-4F89-9356-7C24429792B8}" dt="2021-10-19T19:06:15.831" v="429" actId="26606"/>
-          <ac:spMkLst>
-            <pc:docMk/>
-            <pc:sldMk cId="3916293193" sldId="256"/>
-            <ac:spMk id="24" creationId="{D5B012D8-7F27-4758-9AC6-C889B154BD73}"/>
-          </ac:spMkLst>
-        </pc:spChg>
-        <pc:spChg chg="add del">
-          <ac:chgData name="Irving Leander Reascos Valencia" userId="355ef903-6e56-42c5-b4d8-5b764e20389a" providerId="ADAL" clId="{FF2A4FE9-6061-4F89-9356-7C24429792B8}" dt="2021-10-19T19:06:15.831" v="429" actId="26606"/>
-          <ac:spMkLst>
-            <pc:docMk/>
-            <pc:sldMk cId="3916293193" sldId="256"/>
-            <ac:spMk id="25" creationId="{4063B759-00FC-46D1-9898-8E8625268FAF}"/>
-          </ac:spMkLst>
-        </pc:spChg>
-        <pc:spChg chg="add del">
-          <ac:chgData name="Irving Leander Reascos Valencia" userId="355ef903-6e56-42c5-b4d8-5b764e20389a" providerId="ADAL" clId="{FF2A4FE9-6061-4F89-9356-7C24429792B8}" dt="2021-10-19T19:06:30.490" v="431" actId="26606"/>
-          <ac:spMkLst>
-            <pc:docMk/>
-            <pc:sldMk cId="3916293193" sldId="256"/>
-            <ac:spMk id="26" creationId="{AEA7509D-F04F-40CB-A0B3-EEF16499CC9F}"/>
-          </ac:spMkLst>
-        </pc:spChg>
-        <pc:spChg chg="add del">
-          <ac:chgData name="Irving Leander Reascos Valencia" userId="355ef903-6e56-42c5-b4d8-5b764e20389a" providerId="ADAL" clId="{FF2A4FE9-6061-4F89-9356-7C24429792B8}" dt="2021-10-19T19:06:33.191" v="433" actId="26606"/>
-          <ac:spMkLst>
-            <pc:docMk/>
-            <pc:sldMk cId="3916293193" sldId="256"/>
-            <ac:spMk id="28" creationId="{C7D023E4-8DE1-436E-9847-ED6A4B4B04FD}"/>
-          </ac:spMkLst>
-        </pc:spChg>
-        <pc:spChg chg="add del">
-          <ac:chgData name="Irving Leander Reascos Valencia" userId="355ef903-6e56-42c5-b4d8-5b764e20389a" providerId="ADAL" clId="{FF2A4FE9-6061-4F89-9356-7C24429792B8}" dt="2021-10-19T19:10:39.468" v="479" actId="26606"/>
-          <ac:spMkLst>
-            <pc:docMk/>
-            <pc:sldMk cId="3916293193" sldId="256"/>
-            <ac:spMk id="31" creationId="{83CB2632-0822-4E49-A707-FA1B8A4D0173}"/>
-          </ac:spMkLst>
-        </pc:spChg>
-        <pc:spChg chg="add del">
-          <ac:chgData name="Irving Leander Reascos Valencia" userId="355ef903-6e56-42c5-b4d8-5b764e20389a" providerId="ADAL" clId="{FF2A4FE9-6061-4F89-9356-7C24429792B8}" dt="2021-10-19T19:06:33.708" v="437" actId="26606"/>
-          <ac:spMkLst>
-            <pc:docMk/>
-            <pc:sldMk cId="3916293193" sldId="256"/>
-            <ac:spMk id="41" creationId="{C27D7A02-907B-496F-BA7E-AA3780733CA7}"/>
-          </ac:spMkLst>
-        </pc:spChg>
-        <pc:spChg chg="add del">
-          <ac:chgData name="Irving Leander Reascos Valencia" userId="355ef903-6e56-42c5-b4d8-5b764e20389a" providerId="ADAL" clId="{FF2A4FE9-6061-4F89-9356-7C24429792B8}" dt="2021-10-19T19:06:33.708" v="437" actId="26606"/>
-          <ac:spMkLst>
-            <pc:docMk/>
-            <pc:sldMk cId="3916293193" sldId="256"/>
-            <ac:spMk id="42" creationId="{0FBA5268-0AE7-4CAD-9537-D0EB09E76406}"/>
-          </ac:spMkLst>
-        </pc:spChg>
-        <pc:spChg chg="add del">
-          <ac:chgData name="Irving Leander Reascos Valencia" userId="355ef903-6e56-42c5-b4d8-5b764e20389a" providerId="ADAL" clId="{FF2A4FE9-6061-4F89-9356-7C24429792B8}" dt="2021-10-19T19:06:33.708" v="437" actId="26606"/>
-          <ac:spMkLst>
-            <pc:docMk/>
-            <pc:sldMk cId="3916293193" sldId="256"/>
-            <ac:spMk id="43" creationId="{088D065B-39DA-4077-B9CF-E489CE4C0169}"/>
-          </ac:spMkLst>
-        </pc:spChg>
-        <pc:spChg chg="add del">
-          <ac:chgData name="Irving Leander Reascos Valencia" userId="355ef903-6e56-42c5-b4d8-5b764e20389a" providerId="ADAL" clId="{FF2A4FE9-6061-4F89-9356-7C24429792B8}" dt="2021-10-19T19:06:35.922" v="439" actId="26606"/>
-          <ac:spMkLst>
-            <pc:docMk/>
-            <pc:sldMk cId="3916293193" sldId="256"/>
-            <ac:spMk id="45" creationId="{D472C551-D440-40DF-9260-BDB9AC40960A}"/>
-          </ac:spMkLst>
-        </pc:spChg>
-        <pc:spChg chg="add del">
-          <ac:chgData name="Irving Leander Reascos Valencia" userId="355ef903-6e56-42c5-b4d8-5b764e20389a" providerId="ADAL" clId="{FF2A4FE9-6061-4F89-9356-7C24429792B8}" dt="2021-10-19T19:06:35.922" v="439" actId="26606"/>
-          <ac:spMkLst>
-            <pc:docMk/>
-            <pc:sldMk cId="3916293193" sldId="256"/>
-            <ac:spMk id="47" creationId="{508BEF50-7B1E-49A4-BC19-5F4F1D755E64}"/>
-          </ac:spMkLst>
-        </pc:spChg>
-        <pc:spChg chg="add del">
-          <ac:chgData name="Irving Leander Reascos Valencia" userId="355ef903-6e56-42c5-b4d8-5b764e20389a" providerId="ADAL" clId="{FF2A4FE9-6061-4F89-9356-7C24429792B8}" dt="2021-10-19T19:06:35.922" v="439" actId="26606"/>
-          <ac:spMkLst>
-            <pc:docMk/>
-            <pc:sldMk cId="3916293193" sldId="256"/>
-            <ac:spMk id="48" creationId="{3FBAD350-5664-4811-A208-657FB882D350}"/>
-          </ac:spMkLst>
-        </pc:spChg>
-        <pc:spChg chg="add del">
-          <ac:chgData name="Irving Leander Reascos Valencia" userId="355ef903-6e56-42c5-b4d8-5b764e20389a" providerId="ADAL" clId="{FF2A4FE9-6061-4F89-9356-7C24429792B8}" dt="2021-10-19T19:06:35.922" v="439" actId="26606"/>
-          <ac:spMkLst>
-            <pc:docMk/>
-            <pc:sldMk cId="3916293193" sldId="256"/>
-            <ac:spMk id="49" creationId="{C39ADB8F-D187-49D7-BDCF-C1B6DC727068}"/>
-          </ac:spMkLst>
-        </pc:spChg>
-        <pc:spChg chg="mod">
-          <ac:chgData name="Irving Leander Reascos Valencia" userId="355ef903-6e56-42c5-b4d8-5b764e20389a" providerId="ADAL" clId="{FF2A4FE9-6061-4F89-9356-7C24429792B8}" dt="2021-10-19T19:49:03.010" v="757" actId="20577"/>
-          <ac:spMkLst>
-            <pc:docMk/>
-            <pc:sldMk cId="3916293193" sldId="256"/>
-            <ac:spMk id="50" creationId="{1EDFA039-8671-4AF7-956A-DABA568D4BCB}"/>
-          </ac:spMkLst>
-        </pc:spChg>
-        <pc:spChg chg="add del">
-          <ac:chgData name="Irving Leander Reascos Valencia" userId="355ef903-6e56-42c5-b4d8-5b764e20389a" providerId="ADAL" clId="{FF2A4FE9-6061-4F89-9356-7C24429792B8}" dt="2021-10-19T19:06:41.478" v="441" actId="26606"/>
-          <ac:spMkLst>
-            <pc:docMk/>
-            <pc:sldMk cId="3916293193" sldId="256"/>
-            <ac:spMk id="51" creationId="{FB5B0058-AF13-4859-B429-4EDDE2A26F7F}"/>
-          </ac:spMkLst>
-        </pc:spChg>
-        <pc:spChg chg="add del">
-          <ac:chgData name="Irving Leander Reascos Valencia" userId="355ef903-6e56-42c5-b4d8-5b764e20389a" providerId="ADAL" clId="{FF2A4FE9-6061-4F89-9356-7C24429792B8}" dt="2021-10-19T19:06:44.597" v="445" actId="26606"/>
-          <ac:spMkLst>
-            <pc:docMk/>
-            <pc:sldMk cId="3916293193" sldId="256"/>
-            <ac:spMk id="55" creationId="{FB5B0058-AF13-4859-B429-4EDDE2A26F7F}"/>
-          </ac:spMkLst>
-        </pc:spChg>
-        <pc:spChg chg="add del">
-          <ac:chgData name="Irving Leander Reascos Valencia" userId="355ef903-6e56-42c5-b4d8-5b764e20389a" providerId="ADAL" clId="{FF2A4FE9-6061-4F89-9356-7C24429792B8}" dt="2021-10-19T19:06:44.597" v="445" actId="26606"/>
-          <ac:spMkLst>
-            <pc:docMk/>
-            <pc:sldMk cId="3916293193" sldId="256"/>
-            <ac:spMk id="56" creationId="{D84C2E9E-0B5D-4B5F-9A1F-70EBDCE39034}"/>
-          </ac:spMkLst>
-        </pc:spChg>
-        <pc:spChg chg="add del">
-          <ac:chgData name="Irving Leander Reascos Valencia" userId="355ef903-6e56-42c5-b4d8-5b764e20389a" providerId="ADAL" clId="{FF2A4FE9-6061-4F89-9356-7C24429792B8}" dt="2021-10-19T19:06:51.993" v="449" actId="26606"/>
-          <ac:spMkLst>
-            <pc:docMk/>
-            <pc:sldMk cId="3916293193" sldId="256"/>
-            <ac:spMk id="59" creationId="{5F18414D-1626-4996-AACB-23D3DE45B03B}"/>
-          </ac:spMkLst>
-        </pc:spChg>
-        <pc:spChg chg="add del">
-          <ac:chgData name="Irving Leander Reascos Valencia" userId="355ef903-6e56-42c5-b4d8-5b764e20389a" providerId="ADAL" clId="{FF2A4FE9-6061-4F89-9356-7C24429792B8}" dt="2021-10-19T19:06:51.993" v="449" actId="26606"/>
-          <ac:spMkLst>
-            <pc:docMk/>
-            <pc:sldMk cId="3916293193" sldId="256"/>
-            <ac:spMk id="60" creationId="{D84C2E9E-0B5D-4B5F-9A1F-70EBDCE39034}"/>
-          </ac:spMkLst>
-        </pc:spChg>
-        <pc:spChg chg="add del">
-          <ac:chgData name="Irving Leander Reascos Valencia" userId="355ef903-6e56-42c5-b4d8-5b764e20389a" providerId="ADAL" clId="{FF2A4FE9-6061-4F89-9356-7C24429792B8}" dt="2021-10-19T19:06:59.449" v="452" actId="26606"/>
-          <ac:spMkLst>
-            <pc:docMk/>
-            <pc:sldMk cId="3916293193" sldId="256"/>
-            <ac:spMk id="63" creationId="{FB5B0058-AF13-4859-B429-4EDDE2A26F7F}"/>
-          </ac:spMkLst>
-        </pc:spChg>
-        <pc:spChg chg="add del">
-          <ac:chgData name="Irving Leander Reascos Valencia" userId="355ef903-6e56-42c5-b4d8-5b764e20389a" providerId="ADAL" clId="{FF2A4FE9-6061-4F89-9356-7C24429792B8}" dt="2021-10-19T19:07:04.460" v="454" actId="26606"/>
-          <ac:spMkLst>
-            <pc:docMk/>
-            <pc:sldMk cId="3916293193" sldId="256"/>
-            <ac:spMk id="67" creationId="{C27D7A02-907B-496F-BA7E-AA3780733CA7}"/>
-          </ac:spMkLst>
-        </pc:spChg>
-        <pc:spChg chg="add del">
-          <ac:chgData name="Irving Leander Reascos Valencia" userId="355ef903-6e56-42c5-b4d8-5b764e20389a" providerId="ADAL" clId="{FF2A4FE9-6061-4F89-9356-7C24429792B8}" dt="2021-10-19T19:07:04.460" v="454" actId="26606"/>
-          <ac:spMkLst>
-            <pc:docMk/>
-            <pc:sldMk cId="3916293193" sldId="256"/>
-            <ac:spMk id="68" creationId="{088D065B-39DA-4077-B9CF-E489CE4C0169}"/>
-          </ac:spMkLst>
-        </pc:spChg>
-        <pc:spChg chg="add del">
-          <ac:chgData name="Irving Leander Reascos Valencia" userId="355ef903-6e56-42c5-b4d8-5b764e20389a" providerId="ADAL" clId="{FF2A4FE9-6061-4F89-9356-7C24429792B8}" dt="2021-10-19T19:07:17.243" v="456" actId="26606"/>
-          <ac:spMkLst>
-            <pc:docMk/>
-            <pc:sldMk cId="3916293193" sldId="256"/>
-            <ac:spMk id="70" creationId="{C7FAE6E8-1D9E-4905-AAFE-978D331822BA}"/>
-          </ac:spMkLst>
-        </pc:spChg>
-        <pc:spChg chg="add del">
-          <ac:chgData name="Irving Leander Reascos Valencia" userId="355ef903-6e56-42c5-b4d8-5b764e20389a" providerId="ADAL" clId="{FF2A4FE9-6061-4F89-9356-7C24429792B8}" dt="2021-10-19T19:07:18.197" v="458" actId="26606"/>
-          <ac:spMkLst>
-            <pc:docMk/>
-            <pc:sldMk cId="3916293193" sldId="256"/>
-            <ac:spMk id="75" creationId="{36DD9A1B-23F2-4443-B0D4-00FF72D272EF}"/>
-          </ac:spMkLst>
-        </pc:spChg>
-        <pc:spChg chg="add del">
-          <ac:chgData name="Irving Leander Reascos Valencia" userId="355ef903-6e56-42c5-b4d8-5b764e20389a" providerId="ADAL" clId="{FF2A4FE9-6061-4F89-9356-7C24429792B8}" dt="2021-10-19T19:07:18.197" v="458" actId="26606"/>
-          <ac:spMkLst>
-            <pc:docMk/>
-            <pc:sldMk cId="3916293193" sldId="256"/>
-            <ac:spMk id="76" creationId="{C5A69CBB-DA63-440A-B853-88D42A6FE404}"/>
-          </ac:spMkLst>
-        </pc:spChg>
-        <pc:spChg chg="add del">
-          <ac:chgData name="Irving Leander Reascos Valencia" userId="355ef903-6e56-42c5-b4d8-5b764e20389a" providerId="ADAL" clId="{FF2A4FE9-6061-4F89-9356-7C24429792B8}" dt="2021-10-19T19:07:19.887" v="460" actId="26606"/>
-          <ac:spMkLst>
-            <pc:docMk/>
-            <pc:sldMk cId="3916293193" sldId="256"/>
-            <ac:spMk id="81" creationId="{30B7813D-B76D-400E-BFDE-AA4BA0BFAD54}"/>
-          </ac:spMkLst>
-        </pc:spChg>
-        <pc:spChg chg="add del">
-          <ac:chgData name="Irving Leander Reascos Valencia" userId="355ef903-6e56-42c5-b4d8-5b764e20389a" providerId="ADAL" clId="{FF2A4FE9-6061-4F89-9356-7C24429792B8}" dt="2021-10-19T19:10:39.468" v="479" actId="26606"/>
-          <ac:spMkLst>
-            <pc:docMk/>
-            <pc:sldMk cId="3916293193" sldId="256"/>
-            <ac:spMk id="83" creationId="{A4FB2F3E-259B-4650-B258-F09745BAA841}"/>
-          </ac:spMkLst>
-        </pc:spChg>
-        <pc:spChg chg="add del">
-          <ac:chgData name="Irving Leander Reascos Valencia" userId="355ef903-6e56-42c5-b4d8-5b764e20389a" providerId="ADAL" clId="{FF2A4FE9-6061-4F89-9356-7C24429792B8}" dt="2021-10-19T19:10:07.875" v="471" actId="26606"/>
-          <ac:spMkLst>
-            <pc:docMk/>
-            <pc:sldMk cId="3916293193" sldId="256"/>
-            <ac:spMk id="105" creationId="{26BDCA6B-3C9C-4213-A0D9-30BD5F0B073E}"/>
-          </ac:spMkLst>
-        </pc:spChg>
-        <pc:spChg chg="add del">
-          <ac:chgData name="Irving Leander Reascos Valencia" userId="355ef903-6e56-42c5-b4d8-5b764e20389a" providerId="ADAL" clId="{FF2A4FE9-6061-4F89-9356-7C24429792B8}" dt="2021-10-19T19:10:07.875" v="471" actId="26606"/>
-          <ac:spMkLst>
-            <pc:docMk/>
-            <pc:sldMk cId="3916293193" sldId="256"/>
-            <ac:spMk id="106" creationId="{FDA12F62-867F-4684-B28B-E085D09DCC06}"/>
-          </ac:spMkLst>
-        </pc:spChg>
-        <pc:spChg chg="add del">
-          <ac:chgData name="Irving Leander Reascos Valencia" userId="355ef903-6e56-42c5-b4d8-5b764e20389a" providerId="ADAL" clId="{FF2A4FE9-6061-4F89-9356-7C24429792B8}" dt="2021-10-19T19:08:24.892" v="465" actId="26606"/>
-          <ac:spMkLst>
-            <pc:docMk/>
-            <pc:sldMk cId="3916293193" sldId="256"/>
-            <ac:spMk id="107" creationId="{DA3C47C2-33A2-44B2-BEAB-FEB679075C24}"/>
-          </ac:spMkLst>
-        </pc:spChg>
-        <pc:spChg chg="add del">
-          <ac:chgData name="Irving Leander Reascos Valencia" userId="355ef903-6e56-42c5-b4d8-5b764e20389a" providerId="ADAL" clId="{FF2A4FE9-6061-4F89-9356-7C24429792B8}" dt="2021-10-19T19:08:16.697" v="463" actId="26606"/>
-          <ac:spMkLst>
-            <pc:docMk/>
-            <pc:sldMk cId="3916293193" sldId="256"/>
-            <ac:spMk id="108" creationId="{3A930249-8242-4E2B-AF17-C01826488321}"/>
-          </ac:spMkLst>
-        </pc:spChg>
-        <pc:spChg chg="add del">
-          <ac:chgData name="Irving Leander Reascos Valencia" userId="355ef903-6e56-42c5-b4d8-5b764e20389a" providerId="ADAL" clId="{FF2A4FE9-6061-4F89-9356-7C24429792B8}" dt="2021-10-19T19:08:24.892" v="465" actId="26606"/>
-          <ac:spMkLst>
-            <pc:docMk/>
-            <pc:sldMk cId="3916293193" sldId="256"/>
-            <ac:spMk id="109" creationId="{AD182BA8-54AD-4D9F-8264-B0FA8BB47D7C}"/>
-          </ac:spMkLst>
-        </pc:spChg>
-        <pc:spChg chg="add del">
-          <ac:chgData name="Irving Leander Reascos Valencia" userId="355ef903-6e56-42c5-b4d8-5b764e20389a" providerId="ADAL" clId="{FF2A4FE9-6061-4F89-9356-7C24429792B8}" dt="2021-10-19T19:08:16.697" v="463" actId="26606"/>
-          <ac:spMkLst>
-            <pc:docMk/>
-            <pc:sldMk cId="3916293193" sldId="256"/>
-            <ac:spMk id="110" creationId="{A5BDD999-C5E1-4B3E-A710-768673819165}"/>
-          </ac:spMkLst>
-        </pc:spChg>
-        <pc:spChg chg="add del">
-          <ac:chgData name="Irving Leander Reascos Valencia" userId="355ef903-6e56-42c5-b4d8-5b764e20389a" providerId="ADAL" clId="{FF2A4FE9-6061-4F89-9356-7C24429792B8}" dt="2021-10-19T19:08:24.892" v="465" actId="26606"/>
-          <ac:spMkLst>
-            <pc:docMk/>
-            <pc:sldMk cId="3916293193" sldId="256"/>
-            <ac:spMk id="111" creationId="{4ED83379-0499-45E1-AB78-6AA230F96442}"/>
-          </ac:spMkLst>
-        </pc:spChg>
-        <pc:spChg chg="add del">
-          <ac:chgData name="Irving Leander Reascos Valencia" userId="355ef903-6e56-42c5-b4d8-5b764e20389a" providerId="ADAL" clId="{FF2A4FE9-6061-4F89-9356-7C24429792B8}" dt="2021-10-19T19:10:14.727" v="473" actId="26606"/>
-          <ac:spMkLst>
-            <pc:docMk/>
-            <pc:sldMk cId="3916293193" sldId="256"/>
-            <ac:spMk id="112" creationId="{2A8AA5BC-4F7A-4226-8F99-6D824B226A97}"/>
-          </ac:spMkLst>
-        </pc:spChg>
-        <pc:spChg chg="add del">
-          <ac:chgData name="Irving Leander Reascos Valencia" userId="355ef903-6e56-42c5-b4d8-5b764e20389a" providerId="ADAL" clId="{FF2A4FE9-6061-4F89-9356-7C24429792B8}" dt="2021-10-19T19:08:28.973" v="469" actId="26606"/>
-          <ac:spMkLst>
-            <pc:docMk/>
-            <pc:sldMk cId="3916293193" sldId="256"/>
-            <ac:spMk id="113" creationId="{A017E2F9-032A-4CAE-A2E4-7465A67B7A03}"/>
-          </ac:spMkLst>
-        </pc:spChg>
-        <pc:spChg chg="add del">
-          <ac:chgData name="Irving Leander Reascos Valencia" userId="355ef903-6e56-42c5-b4d8-5b764e20389a" providerId="ADAL" clId="{FF2A4FE9-6061-4F89-9356-7C24429792B8}" dt="2021-10-19T19:08:28.973" v="469" actId="26606"/>
-          <ac:spMkLst>
-            <pc:docMk/>
-            <pc:sldMk cId="3916293193" sldId="256"/>
-            <ac:spMk id="114" creationId="{036EB2E8-1BD0-492D-BF5A-CE0184DA769D}"/>
-          </ac:spMkLst>
-        </pc:spChg>
-        <pc:spChg chg="add del">
-          <ac:chgData name="Irving Leander Reascos Valencia" userId="355ef903-6e56-42c5-b4d8-5b764e20389a" providerId="ADAL" clId="{FF2A4FE9-6061-4F89-9356-7C24429792B8}" dt="2021-10-19T19:08:28.973" v="469" actId="26606"/>
-          <ac:spMkLst>
-            <pc:docMk/>
-            <pc:sldMk cId="3916293193" sldId="256"/>
-            <ac:spMk id="115" creationId="{5316ED32-D562-46FD-A6C1-B0FBF4EF62B6}"/>
-          </ac:spMkLst>
-        </pc:spChg>
-        <pc:spChg chg="add del">
-          <ac:chgData name="Irving Leander Reascos Valencia" userId="355ef903-6e56-42c5-b4d8-5b764e20389a" providerId="ADAL" clId="{FF2A4FE9-6061-4F89-9356-7C24429792B8}" dt="2021-10-19T19:10:14.727" v="473" actId="26606"/>
-          <ac:spMkLst>
-            <pc:docMk/>
-            <pc:sldMk cId="3916293193" sldId="256"/>
-            <ac:spMk id="116" creationId="{3E5445C6-DD42-4979-86FF-03730E8C6DB0}"/>
-          </ac:spMkLst>
-        </pc:spChg>
-        <pc:spChg chg="add del">
-          <ac:chgData name="Irving Leander Reascos Valencia" userId="355ef903-6e56-42c5-b4d8-5b764e20389a" providerId="ADAL" clId="{FF2A4FE9-6061-4F89-9356-7C24429792B8}" dt="2021-10-19T19:10:36.841" v="475" actId="26606"/>
-          <ac:spMkLst>
-            <pc:docMk/>
-            <pc:sldMk cId="3916293193" sldId="256"/>
-            <ac:spMk id="118" creationId="{787F4F1C-8D3D-4EC1-B72D-A0470A5A08B8}"/>
-          </ac:spMkLst>
-        </pc:spChg>
-        <pc:spChg chg="add del">
-          <ac:chgData name="Irving Leander Reascos Valencia" userId="355ef903-6e56-42c5-b4d8-5b764e20389a" providerId="ADAL" clId="{FF2A4FE9-6061-4F89-9356-7C24429792B8}" dt="2021-10-19T19:10:38.244" v="477" actId="26606"/>
-          <ac:spMkLst>
-            <pc:docMk/>
-            <pc:sldMk cId="3916293193" sldId="256"/>
-            <ac:spMk id="127" creationId="{FB5B0058-AF13-4859-B429-4EDDE2A26F7F}"/>
-          </ac:spMkLst>
-        </pc:spChg>
-        <pc:spChg chg="add del">
-          <ac:chgData name="Irving Leander Reascos Valencia" userId="355ef903-6e56-42c5-b4d8-5b764e20389a" providerId="ADAL" clId="{FF2A4FE9-6061-4F89-9356-7C24429792B8}" dt="2021-10-19T19:10:38.244" v="477" actId="26606"/>
-          <ac:spMkLst>
-            <pc:docMk/>
-            <pc:sldMk cId="3916293193" sldId="256"/>
-            <ac:spMk id="128" creationId="{81BD432D-FAB3-4B5D-BF27-4DA7C75B3238}"/>
-          </ac:spMkLst>
-        </pc:spChg>
-        <pc:grpChg chg="add del">
-          <ac:chgData name="Irving Leander Reascos Valencia" userId="355ef903-6e56-42c5-b4d8-5b764e20389a" providerId="ADAL" clId="{FF2A4FE9-6061-4F89-9356-7C24429792B8}" dt="2021-10-19T19:06:07.409" v="425" actId="26606"/>
-          <ac:grpSpMkLst>
-            <pc:docMk/>
-            <pc:sldMk cId="3916293193" sldId="256"/>
-            <ac:grpSpMk id="18" creationId="{D1E3DD61-64DB-46AD-B249-E273CD86B051}"/>
-          </ac:grpSpMkLst>
-        </pc:grpChg>
-        <pc:grpChg chg="add del">
-          <ac:chgData name="Irving Leander Reascos Valencia" userId="355ef903-6e56-42c5-b4d8-5b764e20389a" providerId="ADAL" clId="{FF2A4FE9-6061-4F89-9356-7C24429792B8}" dt="2021-10-19T19:06:33.191" v="433" actId="26606"/>
-          <ac:grpSpMkLst>
-            <pc:docMk/>
-            <pc:sldMk cId="3916293193" sldId="256"/>
-            <ac:grpSpMk id="29" creationId="{1FEC590B-3306-47E9-BD67-97F3F76169A4}"/>
-          </ac:grpSpMkLst>
-        </pc:grpChg>
-        <pc:grpChg chg="add del">
-          <ac:chgData name="Irving Leander Reascos Valencia" userId="355ef903-6e56-42c5-b4d8-5b764e20389a" providerId="ADAL" clId="{FF2A4FE9-6061-4F89-9356-7C24429792B8}" dt="2021-10-19T19:06:33.191" v="433" actId="26606"/>
-          <ac:grpSpMkLst>
-            <pc:docMk/>
-            <pc:sldMk cId="3916293193" sldId="256"/>
-            <ac:grpSpMk id="32" creationId="{A47AAF5E-1692-48C9-98FB-6432BF0BC4F7}"/>
-          </ac:grpSpMkLst>
-        </pc:grpChg>
-        <pc:grpChg chg="add del">
-          <ac:chgData name="Irving Leander Reascos Valencia" userId="355ef903-6e56-42c5-b4d8-5b764e20389a" providerId="ADAL" clId="{FF2A4FE9-6061-4F89-9356-7C24429792B8}" dt="2021-10-19T19:07:17.243" v="456" actId="26606"/>
-          <ac:grpSpMkLst>
-            <pc:docMk/>
-            <pc:sldMk cId="3916293193" sldId="256"/>
-            <ac:grpSpMk id="71" creationId="{5F9D1CBF-A219-4C01-85A0-9DF6151EE270}"/>
-          </ac:grpSpMkLst>
-        </pc:grpChg>
-        <pc:grpChg chg="add del">
-          <ac:chgData name="Irving Leander Reascos Valencia" userId="355ef903-6e56-42c5-b4d8-5b764e20389a" providerId="ADAL" clId="{FF2A4FE9-6061-4F89-9356-7C24429792B8}" dt="2021-10-19T19:07:18.197" v="458" actId="26606"/>
-          <ac:grpSpMkLst>
-            <pc:docMk/>
-            <pc:sldMk cId="3916293193" sldId="256"/>
-            <ac:grpSpMk id="77" creationId="{51579200-569C-441E-840B-B8541A0177A0}"/>
-          </ac:grpSpMkLst>
-        </pc:grpChg>
-        <pc:grpChg chg="add del">
-          <ac:chgData name="Irving Leander Reascos Valencia" userId="355ef903-6e56-42c5-b4d8-5b764e20389a" providerId="ADAL" clId="{FF2A4FE9-6061-4F89-9356-7C24429792B8}" dt="2021-10-19T19:10:39.468" v="479" actId="26606"/>
-          <ac:grpSpMkLst>
-            <pc:docMk/>
-            <pc:sldMk cId="3916293193" sldId="256"/>
-            <ac:grpSpMk id="84" creationId="{084C5BAC-71DF-48C0-AB51-699516D3BE58}"/>
-          </ac:grpSpMkLst>
-        </pc:grpChg>
-        <pc:grpChg chg="add del">
-          <ac:chgData name="Irving Leander Reascos Valencia" userId="355ef903-6e56-42c5-b4d8-5b764e20389a" providerId="ADAL" clId="{FF2A4FE9-6061-4F89-9356-7C24429792B8}" dt="2021-10-19T19:10:36.841" v="475" actId="26606"/>
-          <ac:grpSpMkLst>
-            <pc:docMk/>
-            <pc:sldMk cId="3916293193" sldId="256"/>
-            <ac:grpSpMk id="119" creationId="{D1E3DD61-64DB-46AD-B249-E273CD86B051}"/>
-          </ac:grpSpMkLst>
-        </pc:grpChg>
-        <pc:picChg chg="add del mod">
-          <ac:chgData name="Irving Leander Reascos Valencia" userId="355ef903-6e56-42c5-b4d8-5b764e20389a" providerId="ADAL" clId="{FF2A4FE9-6061-4F89-9356-7C24429792B8}" dt="2021-10-19T19:03:46.429" v="419" actId="26606"/>
-          <ac:picMkLst>
-            <pc:docMk/>
-            <pc:sldMk cId="3916293193" sldId="256"/>
-            <ac:picMk id="6" creationId="{29566AA0-0466-4EB3-AF91-9C1B5652B793}"/>
-          </ac:picMkLst>
-        </pc:picChg>
-        <pc:picChg chg="add del mod">
-          <ac:chgData name="Irving Leander Reascos Valencia" userId="355ef903-6e56-42c5-b4d8-5b764e20389a" providerId="ADAL" clId="{FF2A4FE9-6061-4F89-9356-7C24429792B8}" dt="2021-10-19T19:06:15.831" v="429" actId="26606"/>
-          <ac:picMkLst>
-            <pc:docMk/>
-            <pc:sldMk cId="3916293193" sldId="256"/>
-            <ac:picMk id="21" creationId="{8210B9F1-D91D-410C-B3A6-BEFC58FCD936}"/>
-          </ac:picMkLst>
-        </pc:picChg>
-        <pc:picChg chg="add mod">
-          <ac:chgData name="Irving Leander Reascos Valencia" userId="355ef903-6e56-42c5-b4d8-5b764e20389a" providerId="ADAL" clId="{FF2A4FE9-6061-4F89-9356-7C24429792B8}" dt="2021-10-19T19:48:11.868" v="749" actId="1076"/>
-          <ac:picMkLst>
-            <pc:docMk/>
-            <pc:sldMk cId="3916293193" sldId="256"/>
-            <ac:picMk id="44" creationId="{10F7A4C2-65D3-4FFC-AD90-FE4BA48A4A15}"/>
-          </ac:picMkLst>
-        </pc:picChg>
-        <pc:picChg chg="add del">
-          <ac:chgData name="Irving Leander Reascos Valencia" userId="355ef903-6e56-42c5-b4d8-5b764e20389a" providerId="ADAL" clId="{FF2A4FE9-6061-4F89-9356-7C24429792B8}" dt="2021-10-19T19:08:16.697" v="463" actId="26606"/>
-          <ac:picMkLst>
-            <pc:docMk/>
-            <pc:sldMk cId="3916293193" sldId="256"/>
-            <ac:picMk id="104" creationId="{FCFE29C8-3320-4C00-9FEF-9B2DD9DCC347}"/>
-          </ac:picMkLst>
-        </pc:picChg>
-        <pc:cxnChg chg="add del">
-          <ac:chgData name="Irving Leander Reascos Valencia" userId="355ef903-6e56-42c5-b4d8-5b764e20389a" providerId="ADAL" clId="{FF2A4FE9-6061-4F89-9356-7C24429792B8}" dt="2021-10-19T19:05:53.050" v="421" actId="26606"/>
-          <ac:cxnSpMkLst>
-            <pc:docMk/>
-            <pc:sldMk cId="3916293193" sldId="256"/>
-            <ac:cxnSpMk id="10" creationId="{EC4521DE-248E-440D-AAD6-FD9E7D34B3BF}"/>
-          </ac:cxnSpMkLst>
-        </pc:cxnChg>
-        <pc:cxnChg chg="add del">
-          <ac:chgData name="Irving Leander Reascos Valencia" userId="355ef903-6e56-42c5-b4d8-5b764e20389a" providerId="ADAL" clId="{FF2A4FE9-6061-4F89-9356-7C24429792B8}" dt="2021-10-19T19:05:53.050" v="421" actId="26606"/>
-          <ac:cxnSpMkLst>
-            <pc:docMk/>
-            <pc:sldMk cId="3916293193" sldId="256"/>
-            <ac:cxnSpMk id="12" creationId="{442C13FA-4C0F-42D0-9626-5BA6040D8C31}"/>
-          </ac:cxnSpMkLst>
-        </pc:cxnChg>
-        <pc:cxnChg chg="add del">
-          <ac:chgData name="Irving Leander Reascos Valencia" userId="355ef903-6e56-42c5-b4d8-5b764e20389a" providerId="ADAL" clId="{FF2A4FE9-6061-4F89-9356-7C24429792B8}" dt="2021-10-19T19:06:03.421" v="423" actId="26606"/>
-          <ac:cxnSpMkLst>
-            <pc:docMk/>
-            <pc:sldMk cId="3916293193" sldId="256"/>
-            <ac:cxnSpMk id="13" creationId="{FEA8332D-EA74-40A2-8709-00EDB23792E1}"/>
-          </ac:cxnSpMkLst>
-        </pc:cxnChg>
-        <pc:cxnChg chg="add del">
-          <ac:chgData name="Irving Leander Reascos Valencia" userId="355ef903-6e56-42c5-b4d8-5b764e20389a" providerId="ADAL" clId="{FF2A4FE9-6061-4F89-9356-7C24429792B8}" dt="2021-10-19T19:06:03.421" v="423" actId="26606"/>
-          <ac:cxnSpMkLst>
-            <pc:docMk/>
-            <pc:sldMk cId="3916293193" sldId="256"/>
-            <ac:cxnSpMk id="14" creationId="{AB88284F-ED00-40CA-B57D-89C49E8EC6E9}"/>
-          </ac:cxnSpMkLst>
-        </pc:cxnChg>
-        <pc:cxnChg chg="add del">
-          <ac:chgData name="Irving Leander Reascos Valencia" userId="355ef903-6e56-42c5-b4d8-5b764e20389a" providerId="ADAL" clId="{FF2A4FE9-6061-4F89-9356-7C24429792B8}" dt="2021-10-19T19:06:30.490" v="431" actId="26606"/>
-          <ac:cxnSpMkLst>
-            <pc:docMk/>
-            <pc:sldMk cId="3916293193" sldId="256"/>
-            <ac:cxnSpMk id="16" creationId="{56020367-4FD5-4596-8E10-C5F095CD8DBF}"/>
-          </ac:cxnSpMkLst>
-        </pc:cxnChg>
-        <pc:cxnChg chg="add del">
-          <ac:chgData name="Irving Leander Reascos Valencia" userId="355ef903-6e56-42c5-b4d8-5b764e20389a" providerId="ADAL" clId="{FF2A4FE9-6061-4F89-9356-7C24429792B8}" dt="2021-10-19T19:06:35.922" v="439" actId="26606"/>
-          <ac:cxnSpMkLst>
-            <pc:docMk/>
-            <pc:sldMk cId="3916293193" sldId="256"/>
-            <ac:cxnSpMk id="46" creationId="{56020367-4FD5-4596-8E10-C5F095CD8DBF}"/>
-          </ac:cxnSpMkLst>
-        </pc:cxnChg>
-        <pc:cxnChg chg="add del">
-          <ac:chgData name="Irving Leander Reascos Valencia" userId="355ef903-6e56-42c5-b4d8-5b764e20389a" providerId="ADAL" clId="{FF2A4FE9-6061-4F89-9356-7C24429792B8}" dt="2021-10-19T19:06:41.478" v="441" actId="26606"/>
-          <ac:cxnSpMkLst>
-            <pc:docMk/>
-            <pc:sldMk cId="3916293193" sldId="256"/>
-            <ac:cxnSpMk id="52" creationId="{EC4521DE-248E-440D-AAD6-FD9E7D34B3BF}"/>
-          </ac:cxnSpMkLst>
-        </pc:cxnChg>
-        <pc:cxnChg chg="add del">
-          <ac:chgData name="Irving Leander Reascos Valencia" userId="355ef903-6e56-42c5-b4d8-5b764e20389a" providerId="ADAL" clId="{FF2A4FE9-6061-4F89-9356-7C24429792B8}" dt="2021-10-19T19:06:41.478" v="441" actId="26606"/>
-          <ac:cxnSpMkLst>
-            <pc:docMk/>
-            <pc:sldMk cId="3916293193" sldId="256"/>
-            <ac:cxnSpMk id="53" creationId="{442C13FA-4C0F-42D0-9626-5BA6040D8C31}"/>
-          </ac:cxnSpMkLst>
-        </pc:cxnChg>
-        <pc:cxnChg chg="add del">
-          <ac:chgData name="Irving Leander Reascos Valencia" userId="355ef903-6e56-42c5-b4d8-5b764e20389a" providerId="ADAL" clId="{FF2A4FE9-6061-4F89-9356-7C24429792B8}" dt="2021-10-19T19:06:44.597" v="445" actId="26606"/>
-          <ac:cxnSpMkLst>
-            <pc:docMk/>
-            <pc:sldMk cId="3916293193" sldId="256"/>
-            <ac:cxnSpMk id="57" creationId="{2D07C3A8-02AE-4DC1-B13F-A6AA2ECA9FFD}"/>
-          </ac:cxnSpMkLst>
-        </pc:cxnChg>
-        <pc:cxnChg chg="add del">
-          <ac:chgData name="Irving Leander Reascos Valencia" userId="355ef903-6e56-42c5-b4d8-5b764e20389a" providerId="ADAL" clId="{FF2A4FE9-6061-4F89-9356-7C24429792B8}" dt="2021-10-19T19:06:51.993" v="449" actId="26606"/>
-          <ac:cxnSpMkLst>
-            <pc:docMk/>
-            <pc:sldMk cId="3916293193" sldId="256"/>
-            <ac:cxnSpMk id="61" creationId="{07A9243D-8FC3-4B36-874B-55906B03F484}"/>
-          </ac:cxnSpMkLst>
-        </pc:cxnChg>
-        <pc:cxnChg chg="add del">
-          <ac:chgData name="Irving Leander Reascos Valencia" userId="355ef903-6e56-42c5-b4d8-5b764e20389a" providerId="ADAL" clId="{FF2A4FE9-6061-4F89-9356-7C24429792B8}" dt="2021-10-19T19:06:59.449" v="452" actId="26606"/>
-          <ac:cxnSpMkLst>
-            <pc:docMk/>
-            <pc:sldMk cId="3916293193" sldId="256"/>
-            <ac:cxnSpMk id="64" creationId="{C4C8A451-B6C1-4CB1-95FC-2DBDEC61FF17}"/>
-          </ac:cxnSpMkLst>
-        </pc:cxnChg>
-        <pc:cxnChg chg="add del">
-          <ac:chgData name="Irving Leander Reascos Valencia" userId="355ef903-6e56-42c5-b4d8-5b764e20389a" providerId="ADAL" clId="{FF2A4FE9-6061-4F89-9356-7C24429792B8}" dt="2021-10-19T19:06:59.449" v="452" actId="26606"/>
-          <ac:cxnSpMkLst>
-            <pc:docMk/>
-            <pc:sldMk cId="3916293193" sldId="256"/>
-            <ac:cxnSpMk id="65" creationId="{E8439DD6-1CCF-48C6-AF10-B7018793022A}"/>
-          </ac:cxnSpMkLst>
-        </pc:cxnChg>
-        <pc:cxnChg chg="add del">
-          <ac:chgData name="Irving Leander Reascos Valencia" userId="355ef903-6e56-42c5-b4d8-5b764e20389a" providerId="ADAL" clId="{FF2A4FE9-6061-4F89-9356-7C24429792B8}" dt="2021-10-19T19:10:14.727" v="473" actId="26606"/>
-          <ac:cxnSpMkLst>
-            <pc:docMk/>
-            <pc:sldMk cId="3916293193" sldId="256"/>
-            <ac:cxnSpMk id="117" creationId="{45000665-DFC7-417E-8FD7-516A0F15C975}"/>
-          </ac:cxnSpMkLst>
-        </pc:cxnChg>
-        <pc:cxnChg chg="add del">
-          <ac:chgData name="Irving Leander Reascos Valencia" userId="355ef903-6e56-42c5-b4d8-5b764e20389a" providerId="ADAL" clId="{FF2A4FE9-6061-4F89-9356-7C24429792B8}" dt="2021-10-19T19:10:38.244" v="477" actId="26606"/>
-          <ac:cxnSpMkLst>
-            <pc:docMk/>
-            <pc:sldMk cId="3916293193" sldId="256"/>
-            <ac:cxnSpMk id="129" creationId="{E6D6B450-4278-45B8-88C7-C061710E3C7E}"/>
-          </ac:cxnSpMkLst>
-        </pc:cxnChg>
-        <pc:cxnChg chg="add del">
-          <ac:chgData name="Irving Leander Reascos Valencia" userId="355ef903-6e56-42c5-b4d8-5b764e20389a" providerId="ADAL" clId="{FF2A4FE9-6061-4F89-9356-7C24429792B8}" dt="2021-10-19T19:10:38.244" v="477" actId="26606"/>
-          <ac:cxnSpMkLst>
-            <pc:docMk/>
-            <pc:sldMk cId="3916293193" sldId="256"/>
-            <ac:cxnSpMk id="130" creationId="{74234A4C-A256-4139-A5F4-27078F0D6796}"/>
-          </ac:cxnSpMkLst>
-        </pc:cxnChg>
-      </pc:sldChg>
-      <pc:sldChg chg="addSp delSp modSp mod setBg setClrOvrMap">
-        <pc:chgData name="Irving Leander Reascos Valencia" userId="355ef903-6e56-42c5-b4d8-5b764e20389a" providerId="ADAL" clId="{FF2A4FE9-6061-4F89-9356-7C24429792B8}" dt="2021-10-19T19:48:07.140" v="748" actId="1076"/>
-        <pc:sldMkLst>
-          <pc:docMk/>
-          <pc:sldMk cId="2618058349" sldId="257"/>
-        </pc:sldMkLst>
-        <pc:spChg chg="mod">
-          <ac:chgData name="Irving Leander Reascos Valencia" userId="355ef903-6e56-42c5-b4d8-5b764e20389a" providerId="ADAL" clId="{FF2A4FE9-6061-4F89-9356-7C24429792B8}" dt="2021-10-19T19:13:25.522" v="484" actId="26606"/>
-          <ac:spMkLst>
-            <pc:docMk/>
-            <pc:sldMk cId="2618058349" sldId="257"/>
-            <ac:spMk id="2" creationId="{A90D1A64-2A9D-4122-9AF7-59CDF0D95CE7}"/>
-          </ac:spMkLst>
-        </pc:spChg>
-        <pc:spChg chg="mod">
-          <ac:chgData name="Irving Leander Reascos Valencia" userId="355ef903-6e56-42c5-b4d8-5b764e20389a" providerId="ADAL" clId="{FF2A4FE9-6061-4F89-9356-7C24429792B8}" dt="2021-10-19T19:13:25.522" v="484" actId="26606"/>
-          <ac:spMkLst>
-            <pc:docMk/>
-            <pc:sldMk cId="2618058349" sldId="257"/>
-            <ac:spMk id="3" creationId="{A1193E02-CBB4-4219-B249-B771F91CFEC0}"/>
-          </ac:spMkLst>
-        </pc:spChg>
-        <pc:spChg chg="add">
-          <ac:chgData name="Irving Leander Reascos Valencia" userId="355ef903-6e56-42c5-b4d8-5b764e20389a" providerId="ADAL" clId="{FF2A4FE9-6061-4F89-9356-7C24429792B8}" dt="2021-10-19T19:13:25.522" v="484" actId="26606"/>
-          <ac:spMkLst>
-            <pc:docMk/>
-            <pc:sldMk cId="2618058349" sldId="257"/>
-            <ac:spMk id="6" creationId="{EA67B5B4-3A24-436E-B663-1B2EBFF8A0CD}"/>
-          </ac:spMkLst>
-        </pc:spChg>
-        <pc:spChg chg="add">
-          <ac:chgData name="Irving Leander Reascos Valencia" userId="355ef903-6e56-42c5-b4d8-5b764e20389a" providerId="ADAL" clId="{FF2A4FE9-6061-4F89-9356-7C24429792B8}" dt="2021-10-19T19:13:25.522" v="484" actId="26606"/>
-          <ac:spMkLst>
-            <pc:docMk/>
-            <pc:sldMk cId="2618058349" sldId="257"/>
-            <ac:spMk id="7" creationId="{987FDF89-C993-41F4-A1B8-DBAFF16008A9}"/>
-          </ac:spMkLst>
-        </pc:spChg>
-        <pc:spChg chg="add del">
-          <ac:chgData name="Irving Leander Reascos Valencia" userId="355ef903-6e56-42c5-b4d8-5b764e20389a" providerId="ADAL" clId="{FF2A4FE9-6061-4F89-9356-7C24429792B8}" dt="2021-10-19T19:13:19.385" v="481" actId="26606"/>
-          <ac:spMkLst>
-            <pc:docMk/>
-            <pc:sldMk cId="2618058349" sldId="257"/>
-            <ac:spMk id="8" creationId="{EA67B5B4-3A24-436E-B663-1B2EBFF8A0CD}"/>
-          </ac:spMkLst>
-        </pc:spChg>
-        <pc:spChg chg="add del">
-          <ac:chgData name="Irving Leander Reascos Valencia" userId="355ef903-6e56-42c5-b4d8-5b764e20389a" providerId="ADAL" clId="{FF2A4FE9-6061-4F89-9356-7C24429792B8}" dt="2021-10-19T19:13:21.768" v="483" actId="26606"/>
-          <ac:spMkLst>
-            <pc:docMk/>
-            <pc:sldMk cId="2618058349" sldId="257"/>
-            <ac:spMk id="9" creationId="{C5E6CFF1-2F42-4E10-9A97-F116F46F53FE}"/>
-          </ac:spMkLst>
-        </pc:spChg>
-        <pc:spChg chg="add del">
-          <ac:chgData name="Irving Leander Reascos Valencia" userId="355ef903-6e56-42c5-b4d8-5b764e20389a" providerId="ADAL" clId="{FF2A4FE9-6061-4F89-9356-7C24429792B8}" dt="2021-10-19T19:13:19.385" v="481" actId="26606"/>
-          <ac:spMkLst>
-            <pc:docMk/>
-            <pc:sldMk cId="2618058349" sldId="257"/>
-            <ac:spMk id="10" creationId="{987FDF89-C993-41F4-A1B8-DBAFF16008A9}"/>
-          </ac:spMkLst>
-        </pc:spChg>
-        <pc:spChg chg="add del">
-          <ac:chgData name="Irving Leander Reascos Valencia" userId="355ef903-6e56-42c5-b4d8-5b764e20389a" providerId="ADAL" clId="{FF2A4FE9-6061-4F89-9356-7C24429792B8}" dt="2021-10-19T19:13:19.385" v="481" actId="26606"/>
-          <ac:spMkLst>
-            <pc:docMk/>
-            <pc:sldMk cId="2618058349" sldId="257"/>
-            <ac:spMk id="12" creationId="{64E585EA-75FD-4025-8270-F66A58A15CDA}"/>
-          </ac:spMkLst>
-        </pc:spChg>
-        <pc:spChg chg="add">
-          <ac:chgData name="Irving Leander Reascos Valencia" userId="355ef903-6e56-42c5-b4d8-5b764e20389a" providerId="ADAL" clId="{FF2A4FE9-6061-4F89-9356-7C24429792B8}" dt="2021-10-19T19:13:25.522" v="484" actId="26606"/>
-          <ac:spMkLst>
-            <pc:docMk/>
-            <pc:sldMk cId="2618058349" sldId="257"/>
-            <ac:spMk id="13" creationId="{64E585EA-75FD-4025-8270-F66A58A15CDA}"/>
-          </ac:spMkLst>
-        </pc:spChg>
-        <pc:picChg chg="add del">
-          <ac:chgData name="Irving Leander Reascos Valencia" userId="355ef903-6e56-42c5-b4d8-5b764e20389a" providerId="ADAL" clId="{FF2A4FE9-6061-4F89-9356-7C24429792B8}" dt="2021-10-19T19:13:21.768" v="483" actId="26606"/>
-          <ac:picMkLst>
-            <pc:docMk/>
-            <pc:sldMk cId="2618058349" sldId="257"/>
-            <ac:picMk id="5" creationId="{80017416-3FBE-4EC2-8958-C8AD6E246FDE}"/>
-          </ac:picMkLst>
-        </pc:picChg>
-        <pc:picChg chg="add mod">
-          <ac:chgData name="Irving Leander Reascos Valencia" userId="355ef903-6e56-42c5-b4d8-5b764e20389a" providerId="ADAL" clId="{FF2A4FE9-6061-4F89-9356-7C24429792B8}" dt="2021-10-19T19:48:07.140" v="748" actId="1076"/>
-          <ac:picMkLst>
-            <pc:docMk/>
-            <pc:sldMk cId="2618058349" sldId="257"/>
-            <ac:picMk id="14" creationId="{3C8B47FD-FAEA-47BE-9B6E-17DEDEA847DE}"/>
-          </ac:picMkLst>
-        </pc:picChg>
-        <pc:picChg chg="add del mod">
-          <ac:chgData name="Irving Leander Reascos Valencia" userId="355ef903-6e56-42c5-b4d8-5b764e20389a" providerId="ADAL" clId="{FF2A4FE9-6061-4F89-9356-7C24429792B8}" dt="2021-10-19T19:18:18.838" v="488" actId="478"/>
-          <ac:picMkLst>
-            <pc:docMk/>
-            <pc:sldMk cId="2618058349" sldId="257"/>
-            <ac:picMk id="1026" creationId="{06B2EEA1-6DFF-40BD-BB45-4D1190DF3C02}"/>
-          </ac:picMkLst>
-        </pc:picChg>
-        <pc:cxnChg chg="add del">
-          <ac:chgData name="Irving Leander Reascos Valencia" userId="355ef903-6e56-42c5-b4d8-5b764e20389a" providerId="ADAL" clId="{FF2A4FE9-6061-4F89-9356-7C24429792B8}" dt="2021-10-19T19:13:21.768" v="483" actId="26606"/>
-          <ac:cxnSpMkLst>
-            <pc:docMk/>
-            <pc:sldMk cId="2618058349" sldId="257"/>
-            <ac:cxnSpMk id="11" creationId="{67182200-4859-4C8D-BCBB-55B245C28BA3}"/>
-          </ac:cxnSpMkLst>
-        </pc:cxnChg>
-      </pc:sldChg>
-      <pc:sldChg chg="addSp modSp mod setBg setClrOvrMap">
-        <pc:chgData name="Irving Leander Reascos Valencia" userId="355ef903-6e56-42c5-b4d8-5b764e20389a" providerId="ADAL" clId="{FF2A4FE9-6061-4F89-9356-7C24429792B8}" dt="2021-10-19T19:59:50.173" v="770" actId="1076"/>
-        <pc:sldMkLst>
-          <pc:docMk/>
-          <pc:sldMk cId="141842313" sldId="258"/>
-        </pc:sldMkLst>
-        <pc:spChg chg="mod">
-          <ac:chgData name="Irving Leander Reascos Valencia" userId="355ef903-6e56-42c5-b4d8-5b764e20389a" providerId="ADAL" clId="{FF2A4FE9-6061-4F89-9356-7C24429792B8}" dt="2021-10-19T19:25:30.645" v="533" actId="26606"/>
-          <ac:spMkLst>
-            <pc:docMk/>
-            <pc:sldMk cId="141842313" sldId="258"/>
-            <ac:spMk id="2" creationId="{C9F13D6B-ADDC-4D9F-8F64-BFE5D3350D4E}"/>
-          </ac:spMkLst>
-        </pc:spChg>
-        <pc:spChg chg="mod">
-          <ac:chgData name="Irving Leander Reascos Valencia" userId="355ef903-6e56-42c5-b4d8-5b764e20389a" providerId="ADAL" clId="{FF2A4FE9-6061-4F89-9356-7C24429792B8}" dt="2021-10-19T19:25:30.645" v="533" actId="26606"/>
-          <ac:spMkLst>
-            <pc:docMk/>
-            <pc:sldMk cId="141842313" sldId="258"/>
-            <ac:spMk id="3" creationId="{EC75AD99-26BD-4FCD-9831-C1EBF240F0E8}"/>
-          </ac:spMkLst>
-        </pc:spChg>
-        <pc:spChg chg="add">
-          <ac:chgData name="Irving Leander Reascos Valencia" userId="355ef903-6e56-42c5-b4d8-5b764e20389a" providerId="ADAL" clId="{FF2A4FE9-6061-4F89-9356-7C24429792B8}" dt="2021-10-19T19:25:30.645" v="533" actId="26606"/>
-          <ac:spMkLst>
-            <pc:docMk/>
-            <pc:sldMk cId="141842313" sldId="258"/>
-            <ac:spMk id="8" creationId="{EA67B5B4-3A24-436E-B663-1B2EBFF8A0CD}"/>
-          </ac:spMkLst>
-        </pc:spChg>
-        <pc:spChg chg="add">
-          <ac:chgData name="Irving Leander Reascos Valencia" userId="355ef903-6e56-42c5-b4d8-5b764e20389a" providerId="ADAL" clId="{FF2A4FE9-6061-4F89-9356-7C24429792B8}" dt="2021-10-19T19:25:30.645" v="533" actId="26606"/>
-          <ac:spMkLst>
-            <pc:docMk/>
-            <pc:sldMk cId="141842313" sldId="258"/>
-            <ac:spMk id="10" creationId="{987FDF89-C993-41F4-A1B8-DBAFF16008A9}"/>
-          </ac:spMkLst>
-        </pc:spChg>
-        <pc:spChg chg="add">
-          <ac:chgData name="Irving Leander Reascos Valencia" userId="355ef903-6e56-42c5-b4d8-5b764e20389a" providerId="ADAL" clId="{FF2A4FE9-6061-4F89-9356-7C24429792B8}" dt="2021-10-19T19:25:30.645" v="533" actId="26606"/>
-          <ac:spMkLst>
-            <pc:docMk/>
-            <pc:sldMk cId="141842313" sldId="258"/>
-            <ac:spMk id="12" creationId="{64E585EA-75FD-4025-8270-F66A58A15CDA}"/>
-          </ac:spMkLst>
-        </pc:spChg>
-        <pc:picChg chg="add mod">
-          <ac:chgData name="Irving Leander Reascos Valencia" userId="355ef903-6e56-42c5-b4d8-5b764e20389a" providerId="ADAL" clId="{FF2A4FE9-6061-4F89-9356-7C24429792B8}" dt="2021-10-19T19:48:14.399" v="750"/>
-          <ac:picMkLst>
-            <pc:docMk/>
-            <pc:sldMk cId="141842313" sldId="258"/>
-            <ac:picMk id="7" creationId="{19B7E34A-47C0-4EEC-A11B-72B0353F9BB5}"/>
-          </ac:picMkLst>
-        </pc:picChg>
-        <pc:picChg chg="add mod">
-          <ac:chgData name="Irving Leander Reascos Valencia" userId="355ef903-6e56-42c5-b4d8-5b764e20389a" providerId="ADAL" clId="{FF2A4FE9-6061-4F89-9356-7C24429792B8}" dt="2021-10-19T19:58:15.029" v="761" actId="1076"/>
-          <ac:picMkLst>
-            <pc:docMk/>
-            <pc:sldMk cId="141842313" sldId="258"/>
-            <ac:picMk id="6146" creationId="{3B8E4815-DB78-4C4E-95BC-C2A1518C9549}"/>
-          </ac:picMkLst>
-        </pc:picChg>
-        <pc:picChg chg="add mod">
-          <ac:chgData name="Irving Leander Reascos Valencia" userId="355ef903-6e56-42c5-b4d8-5b764e20389a" providerId="ADAL" clId="{FF2A4FE9-6061-4F89-9356-7C24429792B8}" dt="2021-10-19T19:59:14.598" v="764" actId="1076"/>
-          <ac:picMkLst>
-            <pc:docMk/>
-            <pc:sldMk cId="141842313" sldId="258"/>
-            <ac:picMk id="6148" creationId="{0EA8F629-581A-45BB-B9B5-1512B20D0D4E}"/>
-          </ac:picMkLst>
-        </pc:picChg>
-        <pc:picChg chg="add mod">
-          <ac:chgData name="Irving Leander Reascos Valencia" userId="355ef903-6e56-42c5-b4d8-5b764e20389a" providerId="ADAL" clId="{FF2A4FE9-6061-4F89-9356-7C24429792B8}" dt="2021-10-19T19:59:50.173" v="770" actId="1076"/>
-          <ac:picMkLst>
-            <pc:docMk/>
-            <pc:sldMk cId="141842313" sldId="258"/>
-            <ac:picMk id="6150" creationId="{8BBCD727-86E1-48D9-945C-ADD2B493758A}"/>
-          </ac:picMkLst>
-        </pc:picChg>
-      </pc:sldChg>
-      <pc:sldChg chg="addSp delSp modSp mod setBg setClrOvrMap">
-        <pc:chgData name="Irving Leander Reascos Valencia" userId="355ef903-6e56-42c5-b4d8-5b764e20389a" providerId="ADAL" clId="{FF2A4FE9-6061-4F89-9356-7C24429792B8}" dt="2021-10-19T19:48:21.539" v="751"/>
-        <pc:sldMkLst>
-          <pc:docMk/>
-          <pc:sldMk cId="3785552250" sldId="259"/>
-        </pc:sldMkLst>
-        <pc:spChg chg="mod">
-          <ac:chgData name="Irving Leander Reascos Valencia" userId="355ef903-6e56-42c5-b4d8-5b764e20389a" providerId="ADAL" clId="{FF2A4FE9-6061-4F89-9356-7C24429792B8}" dt="2021-10-19T19:46:45.791" v="732" actId="26606"/>
-          <ac:spMkLst>
-            <pc:docMk/>
-            <pc:sldMk cId="3785552250" sldId="259"/>
-            <ac:spMk id="2" creationId="{770AEAC1-D00D-4613-95F0-71CF1560AD62}"/>
-          </ac:spMkLst>
-        </pc:spChg>
-        <pc:spChg chg="mod">
-          <ac:chgData name="Irving Leander Reascos Valencia" userId="355ef903-6e56-42c5-b4d8-5b764e20389a" providerId="ADAL" clId="{FF2A4FE9-6061-4F89-9356-7C24429792B8}" dt="2021-10-19T19:47:01.622" v="738" actId="20577"/>
-          <ac:spMkLst>
-            <pc:docMk/>
-            <pc:sldMk cId="3785552250" sldId="259"/>
-            <ac:spMk id="3" creationId="{1B8160BC-DBAF-4CF3-815A-DFCC0C01BC4D}"/>
-          </ac:spMkLst>
-        </pc:spChg>
-        <pc:spChg chg="add del">
-          <ac:chgData name="Irving Leander Reascos Valencia" userId="355ef903-6e56-42c5-b4d8-5b764e20389a" providerId="ADAL" clId="{FF2A4FE9-6061-4F89-9356-7C24429792B8}" dt="2021-10-19T19:46:45.791" v="732" actId="26606"/>
-          <ac:spMkLst>
-            <pc:docMk/>
-            <pc:sldMk cId="3785552250" sldId="259"/>
-            <ac:spMk id="8" creationId="{EA67B5B4-3A24-436E-B663-1B2EBFF8A0CD}"/>
-          </ac:spMkLst>
-        </pc:spChg>
-        <pc:spChg chg="add del">
-          <ac:chgData name="Irving Leander Reascos Valencia" userId="355ef903-6e56-42c5-b4d8-5b764e20389a" providerId="ADAL" clId="{FF2A4FE9-6061-4F89-9356-7C24429792B8}" dt="2021-10-19T19:24:04.890" v="490" actId="26606"/>
-          <ac:spMkLst>
-            <pc:docMk/>
-            <pc:sldMk cId="3785552250" sldId="259"/>
-            <ac:spMk id="9" creationId="{96CF2A2B-0745-440C-9224-C5C6A0A4286F}"/>
-          </ac:spMkLst>
-        </pc:spChg>
-        <pc:spChg chg="add del">
-          <ac:chgData name="Irving Leander Reascos Valencia" userId="355ef903-6e56-42c5-b4d8-5b764e20389a" providerId="ADAL" clId="{FF2A4FE9-6061-4F89-9356-7C24429792B8}" dt="2021-10-19T19:46:45.791" v="732" actId="26606"/>
-          <ac:spMkLst>
-            <pc:docMk/>
-            <pc:sldMk cId="3785552250" sldId="259"/>
-            <ac:spMk id="10" creationId="{987FDF89-C993-41F4-A1B8-DBAFF16008A9}"/>
-          </ac:spMkLst>
-        </pc:spChg>
-        <pc:spChg chg="add del">
-          <ac:chgData name="Irving Leander Reascos Valencia" userId="355ef903-6e56-42c5-b4d8-5b764e20389a" providerId="ADAL" clId="{FF2A4FE9-6061-4F89-9356-7C24429792B8}" dt="2021-10-19T19:24:04.890" v="490" actId="26606"/>
-          <ac:spMkLst>
-            <pc:docMk/>
-            <pc:sldMk cId="3785552250" sldId="259"/>
-            <ac:spMk id="11" creationId="{75BE6D6B-84C9-4D2B-97EB-773B7369EF82}"/>
-          </ac:spMkLst>
-        </pc:spChg>
-        <pc:spChg chg="add del">
-          <ac:chgData name="Irving Leander Reascos Valencia" userId="355ef903-6e56-42c5-b4d8-5b764e20389a" providerId="ADAL" clId="{FF2A4FE9-6061-4F89-9356-7C24429792B8}" dt="2021-10-19T19:46:45.791" v="732" actId="26606"/>
-          <ac:spMkLst>
-            <pc:docMk/>
-            <pc:sldMk cId="3785552250" sldId="259"/>
-            <ac:spMk id="12" creationId="{64E585EA-75FD-4025-8270-F66A58A15CDA}"/>
-          </ac:spMkLst>
-        </pc:spChg>
-        <pc:spChg chg="add">
-          <ac:chgData name="Irving Leander Reascos Valencia" userId="355ef903-6e56-42c5-b4d8-5b764e20389a" providerId="ADAL" clId="{FF2A4FE9-6061-4F89-9356-7C24429792B8}" dt="2021-10-19T19:46:45.791" v="732" actId="26606"/>
-          <ac:spMkLst>
-            <pc:docMk/>
-            <pc:sldMk cId="3785552250" sldId="259"/>
-            <ac:spMk id="17" creationId="{EA67B5B4-3A24-436E-B663-1B2EBFF8A0CD}"/>
-          </ac:spMkLst>
-        </pc:spChg>
-        <pc:spChg chg="add">
-          <ac:chgData name="Irving Leander Reascos Valencia" userId="355ef903-6e56-42c5-b4d8-5b764e20389a" providerId="ADAL" clId="{FF2A4FE9-6061-4F89-9356-7C24429792B8}" dt="2021-10-19T19:46:45.791" v="732" actId="26606"/>
-          <ac:spMkLst>
-            <pc:docMk/>
-            <pc:sldMk cId="3785552250" sldId="259"/>
-            <ac:spMk id="19" creationId="{987FDF89-C993-41F4-A1B8-DBAFF16008A9}"/>
-          </ac:spMkLst>
-        </pc:spChg>
-        <pc:spChg chg="add">
-          <ac:chgData name="Irving Leander Reascos Valencia" userId="355ef903-6e56-42c5-b4d8-5b764e20389a" providerId="ADAL" clId="{FF2A4FE9-6061-4F89-9356-7C24429792B8}" dt="2021-10-19T19:46:45.791" v="732" actId="26606"/>
-          <ac:spMkLst>
-            <pc:docMk/>
-            <pc:sldMk cId="3785552250" sldId="259"/>
-            <ac:spMk id="21" creationId="{D1D7179B-FF7C-482F-B3D9-2BE9ED1139F9}"/>
-          </ac:spMkLst>
-        </pc:spChg>
-        <pc:picChg chg="add del">
-          <ac:chgData name="Irving Leander Reascos Valencia" userId="355ef903-6e56-42c5-b4d8-5b764e20389a" providerId="ADAL" clId="{FF2A4FE9-6061-4F89-9356-7C24429792B8}" dt="2021-10-19T19:24:04.890" v="490" actId="26606"/>
-          <ac:picMkLst>
-            <pc:docMk/>
-            <pc:sldMk cId="3785552250" sldId="259"/>
-            <ac:picMk id="5" creationId="{75763AB6-E666-4B57-9B1C-25BAD63A8C94}"/>
-          </ac:picMkLst>
-        </pc:picChg>
-        <pc:picChg chg="add mod">
-          <ac:chgData name="Irving Leander Reascos Valencia" userId="355ef903-6e56-42c5-b4d8-5b764e20389a" providerId="ADAL" clId="{FF2A4FE9-6061-4F89-9356-7C24429792B8}" dt="2021-10-19T19:48:21.539" v="751"/>
-          <ac:picMkLst>
-            <pc:docMk/>
-            <pc:sldMk cId="3785552250" sldId="259"/>
-            <ac:picMk id="13" creationId="{1D3CEF4A-EFEE-4A62-8C1A-299D0027E6D2}"/>
-          </ac:picMkLst>
-        </pc:picChg>
-      </pc:sldChg>
-      <pc:sldChg chg="addSp delSp modSp mod setBg addAnim delAnim setClrOvrMap">
-        <pc:chgData name="Irving Leander Reascos Valencia" userId="355ef903-6e56-42c5-b4d8-5b764e20389a" providerId="ADAL" clId="{FF2A4FE9-6061-4F89-9356-7C24429792B8}" dt="2021-10-19T19:48:25.932" v="752"/>
-        <pc:sldMkLst>
-          <pc:docMk/>
-          <pc:sldMk cId="4233285982" sldId="260"/>
-        </pc:sldMkLst>
-        <pc:spChg chg="mod">
-          <ac:chgData name="Irving Leander Reascos Valencia" userId="355ef903-6e56-42c5-b4d8-5b764e20389a" providerId="ADAL" clId="{FF2A4FE9-6061-4F89-9356-7C24429792B8}" dt="2021-10-19T19:26:47.321" v="538" actId="120"/>
-          <ac:spMkLst>
-            <pc:docMk/>
-            <pc:sldMk cId="4233285982" sldId="260"/>
-            <ac:spMk id="2" creationId="{98EB2216-8FC6-44B0-82C2-66A7172A529A}"/>
-          </ac:spMkLst>
-        </pc:spChg>
-        <pc:spChg chg="mod">
-          <ac:chgData name="Irving Leander Reascos Valencia" userId="355ef903-6e56-42c5-b4d8-5b764e20389a" providerId="ADAL" clId="{FF2A4FE9-6061-4F89-9356-7C24429792B8}" dt="2021-10-19T19:27:54.311" v="556" actId="27636"/>
-          <ac:spMkLst>
-            <pc:docMk/>
-            <pc:sldMk cId="4233285982" sldId="260"/>
-            <ac:spMk id="3" creationId="{2B0B0381-2015-4C05-B552-CD2565C5E8A6}"/>
-          </ac:spMkLst>
-        </pc:spChg>
-        <pc:spChg chg="add del mod">
-          <ac:chgData name="Irving Leander Reascos Valencia" userId="355ef903-6e56-42c5-b4d8-5b764e20389a" providerId="ADAL" clId="{FF2A4FE9-6061-4F89-9356-7C24429792B8}" dt="2021-10-19T19:27:46.518" v="550" actId="22"/>
-          <ac:spMkLst>
-            <pc:docMk/>
-            <pc:sldMk cId="4233285982" sldId="260"/>
-            <ac:spMk id="11" creationId="{A58C1D33-CA18-419E-B5E5-69B4DDF47FE8}"/>
-          </ac:spMkLst>
-        </pc:spChg>
-        <pc:spChg chg="add">
-          <ac:chgData name="Irving Leander Reascos Valencia" userId="355ef903-6e56-42c5-b4d8-5b764e20389a" providerId="ADAL" clId="{FF2A4FE9-6061-4F89-9356-7C24429792B8}" dt="2021-10-19T19:26:33.048" v="537" actId="26606"/>
-          <ac:spMkLst>
-            <pc:docMk/>
-            <pc:sldMk cId="4233285982" sldId="260"/>
-            <ac:spMk id="12" creationId="{A87EA4E9-DFD6-45D4-965D-8A79984EF440}"/>
-          </ac:spMkLst>
-        </pc:spChg>
-        <pc:picChg chg="mod">
-          <ac:chgData name="Irving Leander Reascos Valencia" userId="355ef903-6e56-42c5-b4d8-5b764e20389a" providerId="ADAL" clId="{FF2A4FE9-6061-4F89-9356-7C24429792B8}" dt="2021-10-19T19:26:33.048" v="537" actId="26606"/>
-          <ac:picMkLst>
-            <pc:docMk/>
-            <pc:sldMk cId="4233285982" sldId="260"/>
-            <ac:picMk id="4" creationId="{08423078-5043-4334-8185-EB958FD72868}"/>
-          </ac:picMkLst>
-        </pc:picChg>
-        <pc:picChg chg="mod">
-          <ac:chgData name="Irving Leander Reascos Valencia" userId="355ef903-6e56-42c5-b4d8-5b764e20389a" providerId="ADAL" clId="{FF2A4FE9-6061-4F89-9356-7C24429792B8}" dt="2021-10-19T19:26:33.048" v="537" actId="26606"/>
-          <ac:picMkLst>
-            <pc:docMk/>
-            <pc:sldMk cId="4233285982" sldId="260"/>
-            <ac:picMk id="5" creationId="{FD654689-E7BA-4402-91EB-A0D1CBC7240A}"/>
-          </ac:picMkLst>
-        </pc:picChg>
-        <pc:picChg chg="add mod">
-          <ac:chgData name="Irving Leander Reascos Valencia" userId="355ef903-6e56-42c5-b4d8-5b764e20389a" providerId="ADAL" clId="{FF2A4FE9-6061-4F89-9356-7C24429792B8}" dt="2021-10-19T19:48:25.932" v="752"/>
-          <ac:picMkLst>
-            <pc:docMk/>
-            <pc:sldMk cId="4233285982" sldId="260"/>
-            <ac:picMk id="13" creationId="{472ECC5D-5DCE-42CA-A1DE-5313E4B710A3}"/>
-          </ac:picMkLst>
-        </pc:picChg>
-        <pc:picChg chg="add del">
-          <ac:chgData name="Irving Leander Reascos Valencia" userId="355ef903-6e56-42c5-b4d8-5b764e20389a" providerId="ADAL" clId="{FF2A4FE9-6061-4F89-9356-7C24429792B8}" dt="2021-10-19T19:27:29.186" v="542"/>
-          <ac:picMkLst>
-            <pc:docMk/>
-            <pc:sldMk cId="4233285982" sldId="260"/>
-            <ac:picMk id="2050" creationId="{2C4A4DD4-FFA5-4C8A-A344-50225E4ECEC8}"/>
-          </ac:picMkLst>
-        </pc:picChg>
-        <pc:cxnChg chg="add del">
-          <ac:chgData name="Irving Leander Reascos Valencia" userId="355ef903-6e56-42c5-b4d8-5b764e20389a" providerId="ADAL" clId="{FF2A4FE9-6061-4F89-9356-7C24429792B8}" dt="2021-10-19T19:26:33.035" v="536" actId="26606"/>
-          <ac:cxnSpMkLst>
-            <pc:docMk/>
-            <pc:sldMk cId="4233285982" sldId="260"/>
-            <ac:cxnSpMk id="10" creationId="{B6375111-306C-49EA-9DD1-79A2ED78FA30}"/>
-          </ac:cxnSpMkLst>
-        </pc:cxnChg>
-      </pc:sldChg>
-      <pc:sldChg chg="del">
-        <pc:chgData name="Irving Leander Reascos Valencia" userId="355ef903-6e56-42c5-b4d8-5b764e20389a" providerId="ADAL" clId="{FF2A4FE9-6061-4F89-9356-7C24429792B8}" dt="2021-10-19T19:27:16.357" v="540" actId="47"/>
-        <pc:sldMkLst>
-          <pc:docMk/>
-          <pc:sldMk cId="4012795877" sldId="261"/>
-        </pc:sldMkLst>
-      </pc:sldChg>
-      <pc:sldChg chg="addSp modSp mod setBg setClrOvrMap">
-        <pc:chgData name="Irving Leander Reascos Valencia" userId="355ef903-6e56-42c5-b4d8-5b764e20389a" providerId="ADAL" clId="{FF2A4FE9-6061-4F89-9356-7C24429792B8}" dt="2021-10-19T19:48:28.315" v="753"/>
-        <pc:sldMkLst>
-          <pc:docMk/>
-          <pc:sldMk cId="871309248" sldId="262"/>
-        </pc:sldMkLst>
-        <pc:spChg chg="mod">
-          <ac:chgData name="Irving Leander Reascos Valencia" userId="355ef903-6e56-42c5-b4d8-5b764e20389a" providerId="ADAL" clId="{FF2A4FE9-6061-4F89-9356-7C24429792B8}" dt="2021-10-19T19:28:31.529" v="557" actId="26606"/>
-          <ac:spMkLst>
-            <pc:docMk/>
-            <pc:sldMk cId="871309248" sldId="262"/>
-            <ac:spMk id="2" creationId="{770AEAC1-D00D-4613-95F0-71CF1560AD62}"/>
-          </ac:spMkLst>
-        </pc:spChg>
-        <pc:spChg chg="mod">
-          <ac:chgData name="Irving Leander Reascos Valencia" userId="355ef903-6e56-42c5-b4d8-5b764e20389a" providerId="ADAL" clId="{FF2A4FE9-6061-4F89-9356-7C24429792B8}" dt="2021-10-19T19:28:31.529" v="557" actId="26606"/>
-          <ac:spMkLst>
-            <pc:docMk/>
-            <pc:sldMk cId="871309248" sldId="262"/>
-            <ac:spMk id="3" creationId="{1B8160BC-DBAF-4CF3-815A-DFCC0C01BC4D}"/>
-          </ac:spMkLst>
-        </pc:spChg>
-        <pc:spChg chg="add">
-          <ac:chgData name="Irving Leander Reascos Valencia" userId="355ef903-6e56-42c5-b4d8-5b764e20389a" providerId="ADAL" clId="{FF2A4FE9-6061-4F89-9356-7C24429792B8}" dt="2021-10-19T19:28:31.529" v="557" actId="26606"/>
-          <ac:spMkLst>
-            <pc:docMk/>
-            <pc:sldMk cId="871309248" sldId="262"/>
-            <ac:spMk id="8" creationId="{EA67B5B4-3A24-436E-B663-1B2EBFF8A0CD}"/>
-          </ac:spMkLst>
-        </pc:spChg>
-        <pc:spChg chg="add">
-          <ac:chgData name="Irving Leander Reascos Valencia" userId="355ef903-6e56-42c5-b4d8-5b764e20389a" providerId="ADAL" clId="{FF2A4FE9-6061-4F89-9356-7C24429792B8}" dt="2021-10-19T19:28:31.529" v="557" actId="26606"/>
-          <ac:spMkLst>
-            <pc:docMk/>
-            <pc:sldMk cId="871309248" sldId="262"/>
-            <ac:spMk id="10" creationId="{987FDF89-C993-41F4-A1B8-DBAFF16008A9}"/>
-          </ac:spMkLst>
-        </pc:spChg>
-        <pc:spChg chg="add">
-          <ac:chgData name="Irving Leander Reascos Valencia" userId="355ef903-6e56-42c5-b4d8-5b764e20389a" providerId="ADAL" clId="{FF2A4FE9-6061-4F89-9356-7C24429792B8}" dt="2021-10-19T19:28:31.529" v="557" actId="26606"/>
-          <ac:spMkLst>
-            <pc:docMk/>
-            <pc:sldMk cId="871309248" sldId="262"/>
-            <ac:spMk id="12" creationId="{64E585EA-75FD-4025-8270-F66A58A15CDA}"/>
-          </ac:spMkLst>
-        </pc:spChg>
-        <pc:picChg chg="add mod">
-          <ac:chgData name="Irving Leander Reascos Valencia" userId="355ef903-6e56-42c5-b4d8-5b764e20389a" providerId="ADAL" clId="{FF2A4FE9-6061-4F89-9356-7C24429792B8}" dt="2021-10-19T19:48:28.315" v="753"/>
-          <ac:picMkLst>
-            <pc:docMk/>
-            <pc:sldMk cId="871309248" sldId="262"/>
-            <ac:picMk id="7" creationId="{51DCDEF1-18AC-4EC1-A327-5F242A2A3C84}"/>
-          </ac:picMkLst>
-        </pc:picChg>
-      </pc:sldChg>
-      <pc:sldChg chg="addSp delSp modSp mod setBg setClrOvrMap">
-        <pc:chgData name="Irving Leander Reascos Valencia" userId="355ef903-6e56-42c5-b4d8-5b764e20389a" providerId="ADAL" clId="{FF2A4FE9-6061-4F89-9356-7C24429792B8}" dt="2021-10-19T19:48:29.853" v="754"/>
-        <pc:sldMkLst>
-          <pc:docMk/>
-          <pc:sldMk cId="49299221" sldId="263"/>
-        </pc:sldMkLst>
-        <pc:spChg chg="mod">
-          <ac:chgData name="Irving Leander Reascos Valencia" userId="355ef903-6e56-42c5-b4d8-5b764e20389a" providerId="ADAL" clId="{FF2A4FE9-6061-4F89-9356-7C24429792B8}" dt="2021-10-19T19:43:49.600" v="717" actId="26606"/>
-          <ac:spMkLst>
-            <pc:docMk/>
-            <pc:sldMk cId="49299221" sldId="263"/>
-            <ac:spMk id="2" creationId="{98EB2216-8FC6-44B0-82C2-66A7172A529A}"/>
-          </ac:spMkLst>
-        </pc:spChg>
-        <pc:spChg chg="mod">
-          <ac:chgData name="Irving Leander Reascos Valencia" userId="355ef903-6e56-42c5-b4d8-5b764e20389a" providerId="ADAL" clId="{FF2A4FE9-6061-4F89-9356-7C24429792B8}" dt="2021-10-19T19:44:03.958" v="731" actId="20577"/>
-          <ac:spMkLst>
-            <pc:docMk/>
-            <pc:sldMk cId="49299221" sldId="263"/>
-            <ac:spMk id="3" creationId="{2B0B0381-2015-4C05-B552-CD2565C5E8A6}"/>
-          </ac:spMkLst>
-        </pc:spChg>
-        <pc:spChg chg="add">
-          <ac:chgData name="Irving Leander Reascos Valencia" userId="355ef903-6e56-42c5-b4d8-5b764e20389a" providerId="ADAL" clId="{FF2A4FE9-6061-4F89-9356-7C24429792B8}" dt="2021-10-19T19:43:49.600" v="717" actId="26606"/>
-          <ac:spMkLst>
-            <pc:docMk/>
-            <pc:sldMk cId="49299221" sldId="263"/>
-            <ac:spMk id="10" creationId="{EE1FC7B4-E4A7-4452-B413-1A623E3A7230}"/>
-          </ac:spMkLst>
-        </pc:spChg>
-        <pc:spChg chg="add">
-          <ac:chgData name="Irving Leander Reascos Valencia" userId="355ef903-6e56-42c5-b4d8-5b764e20389a" providerId="ADAL" clId="{FF2A4FE9-6061-4F89-9356-7C24429792B8}" dt="2021-10-19T19:43:49.600" v="717" actId="26606"/>
-          <ac:spMkLst>
-            <pc:docMk/>
-            <pc:sldMk cId="49299221" sldId="263"/>
-            <ac:spMk id="12" creationId="{E0709AF0-24F0-4486-B189-BE6386BDB198}"/>
-          </ac:spMkLst>
-        </pc:spChg>
-        <pc:spChg chg="add">
-          <ac:chgData name="Irving Leander Reascos Valencia" userId="355ef903-6e56-42c5-b4d8-5b764e20389a" providerId="ADAL" clId="{FF2A4FE9-6061-4F89-9356-7C24429792B8}" dt="2021-10-19T19:43:49.600" v="717" actId="26606"/>
-          <ac:spMkLst>
-            <pc:docMk/>
-            <pc:sldMk cId="49299221" sldId="263"/>
-            <ac:spMk id="14" creationId="{FBE3B62F-5853-4A3C-B050-6186351A7176}"/>
-          </ac:spMkLst>
-        </pc:spChg>
-        <pc:picChg chg="add mod">
-          <ac:chgData name="Irving Leander Reascos Valencia" userId="355ef903-6e56-42c5-b4d8-5b764e20389a" providerId="ADAL" clId="{FF2A4FE9-6061-4F89-9356-7C24429792B8}" dt="2021-10-19T19:43:49.600" v="717" actId="26606"/>
-          <ac:picMkLst>
-            <pc:docMk/>
-            <pc:sldMk cId="49299221" sldId="263"/>
-            <ac:picMk id="5" creationId="{817A05BF-E72F-4461-88BD-57E35F5FCC8F}"/>
-          </ac:picMkLst>
-        </pc:picChg>
-        <pc:picChg chg="del mod">
-          <ac:chgData name="Irving Leander Reascos Valencia" userId="355ef903-6e56-42c5-b4d8-5b764e20389a" providerId="ADAL" clId="{FF2A4FE9-6061-4F89-9356-7C24429792B8}" dt="2021-10-19T19:32:18.367" v="709" actId="478"/>
-          <ac:picMkLst>
-            <pc:docMk/>
-            <pc:sldMk cId="49299221" sldId="263"/>
-            <ac:picMk id="6" creationId="{D1005B1C-5854-4BBE-8EC4-503731724299}"/>
-          </ac:picMkLst>
-        </pc:picChg>
-        <pc:picChg chg="del">
-          <ac:chgData name="Irving Leander Reascos Valencia" userId="355ef903-6e56-42c5-b4d8-5b764e20389a" providerId="ADAL" clId="{FF2A4FE9-6061-4F89-9356-7C24429792B8}" dt="2021-10-19T19:43:36.454" v="710" actId="478"/>
-          <ac:picMkLst>
-            <pc:docMk/>
-            <pc:sldMk cId="49299221" sldId="263"/>
-            <ac:picMk id="7" creationId="{ACEC54D9-C852-4E3A-BE1E-388ED60FF9AD}"/>
-          </ac:picMkLst>
-        </pc:picChg>
-        <pc:picChg chg="add mod">
-          <ac:chgData name="Irving Leander Reascos Valencia" userId="355ef903-6e56-42c5-b4d8-5b764e20389a" providerId="ADAL" clId="{FF2A4FE9-6061-4F89-9356-7C24429792B8}" dt="2021-10-19T19:48:29.853" v="754"/>
-          <ac:picMkLst>
-            <pc:docMk/>
-            <pc:sldMk cId="49299221" sldId="263"/>
-            <ac:picMk id="11" creationId="{393F21DA-126F-4DE1-A9A1-48D462C7C7F8}"/>
-          </ac:picMkLst>
-        </pc:picChg>
-      </pc:sldChg>
-      <pc:sldChg chg="addSp modSp">
-        <pc:chgData name="Irving Leander Reascos Valencia" userId="355ef903-6e56-42c5-b4d8-5b764e20389a" providerId="ADAL" clId="{FF2A4FE9-6061-4F89-9356-7C24429792B8}" dt="2021-10-19T19:48:33.031" v="755"/>
+      <pc:sldChg chg="addSp delSp modSp">
+        <pc:chgData name="Rodrigo da Silva Gomes Peres Coelho" userId="S::pg47622@uminho.pt::32a22569-e572-4c9f-bf40-e144b3d8d0a1" providerId="AD" clId="Web-{758C3D71-4D74-AFFF-92D3-2B3C14AE1CB2}" dt="2021-10-19T18:39:25.911" v="27" actId="1076"/>
         <pc:sldMkLst>
           <pc:docMk/>
           <pc:sldMk cId="3345648404" sldId="264"/>
         </pc:sldMkLst>
-        <pc:picChg chg="add mod">
-          <ac:chgData name="Irving Leander Reascos Valencia" userId="355ef903-6e56-42c5-b4d8-5b764e20389a" providerId="ADAL" clId="{FF2A4FE9-6061-4F89-9356-7C24429792B8}" dt="2021-10-19T19:48:33.031" v="755"/>
+        <pc:spChg chg="mod">
+          <ac:chgData name="Rodrigo da Silva Gomes Peres Coelho" userId="S::pg47622@uminho.pt::32a22569-e572-4c9f-bf40-e144b3d8d0a1" providerId="AD" clId="Web-{758C3D71-4D74-AFFF-92D3-2B3C14AE1CB2}" dt="2021-10-19T18:37:39.033" v="18" actId="20577"/>
+          <ac:spMkLst>
+            <pc:docMk/>
+            <pc:sldMk cId="3345648404" sldId="264"/>
+            <ac:spMk id="2" creationId="{3521A686-2A8F-44AB-9FFA-739C74C1E6F6}"/>
+          </ac:spMkLst>
+        </pc:spChg>
+        <pc:spChg chg="del">
+          <ac:chgData name="Rodrigo da Silva Gomes Peres Coelho" userId="S::pg47622@uminho.pt::32a22569-e572-4c9f-bf40-e144b3d8d0a1" providerId="AD" clId="Web-{758C3D71-4D74-AFFF-92D3-2B3C14AE1CB2}" dt="2021-10-19T18:37:19.736" v="0"/>
+          <ac:spMkLst>
+            <pc:docMk/>
+            <pc:sldMk cId="3345648404" sldId="264"/>
+            <ac:spMk id="3" creationId="{58F61B69-225E-4BBB-AC2C-1D9D59DEA912}"/>
+          </ac:spMkLst>
+        </pc:spChg>
+        <pc:spChg chg="add del mod">
+          <ac:chgData name="Rodrigo da Silva Gomes Peres Coelho" userId="S::pg47622@uminho.pt::32a22569-e572-4c9f-bf40-e144b3d8d0a1" providerId="AD" clId="Web-{758C3D71-4D74-AFFF-92D3-2B3C14AE1CB2}" dt="2021-10-19T18:39:17.489" v="25"/>
+          <ac:spMkLst>
+            <pc:docMk/>
+            <pc:sldMk cId="3345648404" sldId="264"/>
+            <ac:spMk id="6" creationId="{A345E303-945A-4029-A0B7-5BAC23F3D52D}"/>
+          </ac:spMkLst>
+        </pc:spChg>
+        <pc:picChg chg="add del mod ord">
+          <ac:chgData name="Rodrigo da Silva Gomes Peres Coelho" userId="S::pg47622@uminho.pt::32a22569-e572-4c9f-bf40-e144b3d8d0a1" providerId="AD" clId="Web-{758C3D71-4D74-AFFF-92D3-2B3C14AE1CB2}" dt="2021-10-19T18:39:10.739" v="24"/>
           <ac:picMkLst>
             <pc:docMk/>
             <pc:sldMk cId="3345648404" sldId="264"/>
-            <ac:picMk id="6" creationId="{9C118C18-DB7F-41BB-AB4F-FC58BDFE06AF}"/>
+            <ac:picMk id="4" creationId="{3518310F-A2C7-43A4-97D8-47BAF4C6131B}"/>
+          </ac:picMkLst>
+        </pc:picChg>
+        <pc:picChg chg="add mod ord">
+          <ac:chgData name="Rodrigo da Silva Gomes Peres Coelho" userId="S::pg47622@uminho.pt::32a22569-e572-4c9f-bf40-e144b3d8d0a1" providerId="AD" clId="Web-{758C3D71-4D74-AFFF-92D3-2B3C14AE1CB2}" dt="2021-10-19T18:39:25.911" v="27" actId="1076"/>
+          <ac:picMkLst>
+            <pc:docMk/>
+            <pc:sldMk cId="3345648404" sldId="264"/>
+            <ac:picMk id="7" creationId="{BABBFE0C-6DB8-4D5C-8B4A-46A566D9BD09}"/>
           </ac:picMkLst>
         </pc:picChg>
       </pc:sldChg>
@@ -1712,7 +2243,7 @@
           <a:p>
             <a:fld id="{00F7996C-CA1A-4747-A496-F4C2A4B75042}" type="datetimeFigureOut">
               <a:rPr lang="en-GB" smtClean="0"/>
-              <a:t>19/10/2021</a:t>
+              <a:t>26/10/2021</a:t>
             </a:fld>
             <a:endParaRPr lang="en-GB"/>
           </a:p>
@@ -2129,7 +2660,7 @@
           <a:p>
             <a:fld id="{C45A56D9-08D1-452F-A6DF-361D84FC0F92}" type="datetime1">
               <a:rPr lang="en-GB" smtClean="0"/>
-              <a:t>19/10/2021</a:t>
+              <a:t>26/10/2021</a:t>
             </a:fld>
             <a:endParaRPr lang="en-GB"/>
           </a:p>
@@ -2329,7 +2860,7 @@
           <a:p>
             <a:fld id="{E0D1E686-C3FE-4380-8792-FA5FD77F4C31}" type="datetime1">
               <a:rPr lang="en-GB" smtClean="0"/>
-              <a:t>19/10/2021</a:t>
+              <a:t>26/10/2021</a:t>
             </a:fld>
             <a:endParaRPr lang="en-GB"/>
           </a:p>
@@ -2539,7 +3070,7 @@
           <a:p>
             <a:fld id="{890EBB3C-18B6-43CC-BC89-176AD28CE610}" type="datetime1">
               <a:rPr lang="en-GB" smtClean="0"/>
-              <a:t>19/10/2021</a:t>
+              <a:t>26/10/2021</a:t>
             </a:fld>
             <a:endParaRPr lang="en-GB"/>
           </a:p>
@@ -2739,7 +3270,7 @@
           <a:p>
             <a:fld id="{E53B6FD9-6E16-4072-BAB7-2AE62D2218BA}" type="datetime1">
               <a:rPr lang="en-GB" smtClean="0"/>
-              <a:t>19/10/2021</a:t>
+              <a:t>26/10/2021</a:t>
             </a:fld>
             <a:endParaRPr lang="en-GB"/>
           </a:p>
@@ -3015,7 +3546,7 @@
           <a:p>
             <a:fld id="{F0F3789D-42C2-43E9-B083-7FF1F1FCF924}" type="datetime1">
               <a:rPr lang="en-GB" smtClean="0"/>
-              <a:t>19/10/2021</a:t>
+              <a:t>26/10/2021</a:t>
             </a:fld>
             <a:endParaRPr lang="en-GB"/>
           </a:p>
@@ -3283,7 +3814,7 @@
           <a:p>
             <a:fld id="{12193BB0-CCBE-42F4-BE0D-878B69EFDEA5}" type="datetime1">
               <a:rPr lang="en-GB" smtClean="0"/>
-              <a:t>19/10/2021</a:t>
+              <a:t>26/10/2021</a:t>
             </a:fld>
             <a:endParaRPr lang="en-GB"/>
           </a:p>
@@ -3698,7 +4229,7 @@
           <a:p>
             <a:fld id="{337DEF67-C145-4D11-81E4-1B152EF2DA6F}" type="datetime1">
               <a:rPr lang="en-GB" smtClean="0"/>
-              <a:t>19/10/2021</a:t>
+              <a:t>26/10/2021</a:t>
             </a:fld>
             <a:endParaRPr lang="en-GB"/>
           </a:p>
@@ -3840,7 +4371,7 @@
           <a:p>
             <a:fld id="{F0C96694-99E0-4D47-A4F0-5EF208194100}" type="datetime1">
               <a:rPr lang="en-GB" smtClean="0"/>
-              <a:t>19/10/2021</a:t>
+              <a:t>26/10/2021</a:t>
             </a:fld>
             <a:endParaRPr lang="en-GB"/>
           </a:p>
@@ -3953,7 +4484,7 @@
           <a:p>
             <a:fld id="{C3D2ED98-0BA9-407F-8990-3E3428B42B93}" type="datetime1">
               <a:rPr lang="en-GB" smtClean="0"/>
-              <a:t>19/10/2021</a:t>
+              <a:t>26/10/2021</a:t>
             </a:fld>
             <a:endParaRPr lang="en-GB"/>
           </a:p>
@@ -4266,7 +4797,7 @@
           <a:p>
             <a:fld id="{59DE370D-16C4-4803-B88A-623F1B13DE8F}" type="datetime1">
               <a:rPr lang="en-GB" smtClean="0"/>
-              <a:t>19/10/2021</a:t>
+              <a:t>26/10/2021</a:t>
             </a:fld>
             <a:endParaRPr lang="en-GB"/>
           </a:p>
@@ -4555,7 +5086,7 @@
           <a:p>
             <a:fld id="{9A1FCE9C-F437-43FE-BFC9-6306AF63976F}" type="datetime1">
               <a:rPr lang="en-GB" smtClean="0"/>
-              <a:t>19/10/2021</a:t>
+              <a:t>26/10/2021</a:t>
             </a:fld>
             <a:endParaRPr lang="en-GB"/>
           </a:p>
@@ -4798,7 +5329,7 @@
           <a:p>
             <a:fld id="{D533D4A7-DFFD-428D-9C5D-D4CEFB9C0B80}" type="datetime1">
               <a:rPr lang="en-GB" smtClean="0"/>
-              <a:t>19/10/2021</a:t>
+              <a:t>26/10/2021</a:t>
             </a:fld>
             <a:endParaRPr lang="en-GB"/>
           </a:p>
@@ -6571,15 +7102,15 @@
           <a:p>
             <a:pPr algn="l"/>
             <a:r>
-              <a:rPr lang="en-US" sz="6800" dirty="0" err="1"/>
+              <a:rPr lang="en-US" sz="6800" err="1"/>
               <a:t>Distribui</a:t>
             </a:r>
             <a:r>
-              <a:rPr lang="en-GB" sz="6800" dirty="0" err="1"/>
+              <a:rPr lang="en-GB" sz="6800" err="1"/>
               <a:t>ção</a:t>
             </a:r>
             <a:r>
-              <a:rPr lang="en-GB" sz="6800" dirty="0"/>
+              <a:rPr lang="en-GB" sz="6800"/>
               <a:t> de Poisson e Gamma</a:t>
             </a:r>
           </a:p>
@@ -6615,39 +7146,39 @@
           <a:p>
             <a:pPr algn="l"/>
             <a:r>
-              <a:rPr lang="en-GB" sz="2000" dirty="0"/>
+              <a:rPr lang="en-GB" sz="2000"/>
               <a:t>MEFIS-</a:t>
             </a:r>
             <a:r>
-              <a:rPr lang="en-GB" sz="2000" dirty="0" err="1"/>
-              <a:t>Fisica</a:t>
-            </a:r>
-            <a:r>
-              <a:rPr lang="en-GB" sz="2000" dirty="0"/>
+              <a:rPr lang="en-GB" sz="2000" err="1"/>
+              <a:t>Física</a:t>
+            </a:r>
+            <a:r>
+              <a:rPr lang="en-GB" sz="2000"/>
               <a:t> da </a:t>
             </a:r>
             <a:r>
-              <a:rPr lang="es-ES" sz="2000" dirty="0" err="1"/>
+              <a:rPr lang="es-ES" sz="2000" err="1"/>
               <a:t>Informação</a:t>
             </a:r>
             <a:r>
-              <a:rPr lang="es-ES" sz="2000" dirty="0"/>
+              <a:rPr lang="es-ES" sz="2000"/>
               <a:t> </a:t>
             </a:r>
-            <a:endParaRPr lang="en-GB" sz="2000" dirty="0"/>
+            <a:endParaRPr lang="en-GB" sz="2000"/>
           </a:p>
           <a:p>
             <a:pPr algn="l"/>
             <a:r>
-              <a:rPr lang="en-GB" sz="2000" dirty="0"/>
-              <a:t>Leander Reascos</a:t>
+              <a:rPr lang="en-GB" sz="2000"/>
+              <a:t>Leander Reascos PG47264</a:t>
             </a:r>
           </a:p>
           <a:p>
             <a:pPr algn="l"/>
             <a:r>
-              <a:rPr lang="en-GB" sz="2000" dirty="0"/>
-              <a:t>Rodrigo Coelho</a:t>
+              <a:rPr lang="en-GB" sz="2000"/>
+              <a:t>Rodrigo Coelho PG47622</a:t>
             </a:r>
           </a:p>
         </p:txBody>
@@ -6710,7 +7241,7 @@
           <a:bodyPr/>
           <a:lstStyle/>
           <a:p>
-            <a:endParaRPr lang="en-US" dirty="0">
+            <a:endParaRPr lang="en-US">
               <a:solidFill>
                 <a:schemeClr val="tx1"/>
               </a:solidFill>
@@ -6763,6 +7294,555 @@
   </p:cSld>
   <p:clrMapOvr>
     <a:overrideClrMapping bg1="dk1" tx1="lt1" bg2="dk2" tx2="lt2" accent1="accent1" accent2="accent2" accent3="accent3" accent4="accent4" accent5="accent5" accent6="accent6" hlink="hlink" folHlink="folHlink"/>
+  </p:clrMapOvr>
+</p:sld>
+</file>
+
+<file path=ppt/slides/slide10.xml><?xml version="1.0" encoding="utf-8"?>
+<p:sld xmlns:a="http://schemas.openxmlformats.org/drawingml/2006/main" xmlns:r="http://schemas.openxmlformats.org/officeDocument/2006/relationships" xmlns:p="http://schemas.openxmlformats.org/presentationml/2006/main">
+  <p:cSld>
+    <p:bg>
+      <p:bgPr>
+        <a:solidFill>
+          <a:schemeClr val="bg1"/>
+        </a:solidFill>
+        <a:effectLst/>
+      </p:bgPr>
+    </p:bg>
+    <p:spTree>
+      <p:nvGrpSpPr>
+        <p:cNvPr id="1" name=""/>
+        <p:cNvGrpSpPr/>
+        <p:nvPr/>
+      </p:nvGrpSpPr>
+      <p:grpSpPr>
+        <a:xfrm>
+          <a:off x="0" y="0"/>
+          <a:ext cx="0" cy="0"/>
+          <a:chOff x="0" y="0"/>
+          <a:chExt cx="0" cy="0"/>
+        </a:xfrm>
+      </p:grpSpPr>
+      <p:sp useBgFill="1">
+        <p:nvSpPr>
+          <p:cNvPr id="9" name="Rectangle 8">
+            <a:extLst>
+              <a:ext uri="{FF2B5EF4-FFF2-40B4-BE49-F238E27FC236}">
+                <a16:creationId xmlns:a16="http://schemas.microsoft.com/office/drawing/2014/main" id="{C7FA33FF-088D-4F16-95A2-2C64D353DEA8}"/>
+              </a:ext>
+              <a:ext uri="{C183D7F6-B498-43B3-948B-1728B52AA6E4}">
+                <adec:decorative xmlns:adec="http://schemas.microsoft.com/office/drawing/2017/decorative" val="1"/>
+              </a:ext>
+            </a:extLst>
+          </p:cNvPr>
+          <p:cNvSpPr>
+            <a:spLocks noGrp="1" noRot="1" noChangeAspect="1" noMove="1" noResize="1" noEditPoints="1" noAdjustHandles="1" noChangeArrowheads="1" noChangeShapeType="1" noTextEdit="1"/>
+          </p:cNvSpPr>
+          <p:nvPr>
+            <p:extLst>
+              <p:ext uri="{386F3935-93C4-4BCD-93E2-E3B085C9AB24}">
+                <p16:designElem xmlns:p16="http://schemas.microsoft.com/office/powerpoint/2015/main" val="1"/>
+              </p:ext>
+            </p:extLst>
+          </p:nvPr>
+        </p:nvSpPr>
+        <p:spPr>
+          <a:xfrm>
+            <a:off x="1524" y="0"/>
+            <a:ext cx="12188952" cy="6858000"/>
+          </a:xfrm>
+          <a:prstGeom prst="rect">
+            <a:avLst/>
+          </a:prstGeom>
+          <a:ln>
+            <a:noFill/>
+          </a:ln>
+        </p:spPr>
+        <p:style>
+          <a:lnRef idx="2">
+            <a:schemeClr val="accent1">
+              <a:shade val="50000"/>
+            </a:schemeClr>
+          </a:lnRef>
+          <a:fillRef idx="1">
+            <a:schemeClr val="accent1"/>
+          </a:fillRef>
+          <a:effectRef idx="0">
+            <a:schemeClr val="accent1"/>
+          </a:effectRef>
+          <a:fontRef idx="minor">
+            <a:schemeClr val="lt1"/>
+          </a:fontRef>
+        </p:style>
+        <p:txBody>
+          <a:bodyPr rtlCol="0" anchor="ctr"/>
+          <a:lstStyle/>
+          <a:p>
+            <a:pPr marL="0" marR="0" lvl="0" indent="0" algn="ctr" defTabSz="914400" rtl="0" eaLnBrk="1" fontAlgn="auto" latinLnBrk="0" hangingPunct="1">
+              <a:lnSpc>
+                <a:spcPct val="100000"/>
+              </a:lnSpc>
+              <a:spcBef>
+                <a:spcPts val="0"/>
+              </a:spcBef>
+              <a:spcAft>
+                <a:spcPts val="0"/>
+              </a:spcAft>
+              <a:buClrTx/>
+              <a:buSzTx/>
+              <a:buFontTx/>
+              <a:buNone/>
+              <a:tabLst/>
+              <a:defRPr/>
+            </a:pPr>
+            <a:endParaRPr kumimoji="0" lang="en-US" sz="1800" b="0" i="0" u="none" strike="noStrike" kern="1200" cap="none" spc="0" normalizeH="0" baseline="0" noProof="0">
+              <a:ln>
+                <a:noFill/>
+              </a:ln>
+              <a:solidFill>
+                <a:prstClr val="white"/>
+              </a:solidFill>
+              <a:effectLst/>
+              <a:uLnTx/>
+              <a:uFillTx/>
+              <a:latin typeface="Calibri" panose="020F0502020204030204"/>
+              <a:ea typeface="+mn-ea"/>
+              <a:cs typeface="+mn-cs"/>
+            </a:endParaRPr>
+          </a:p>
+        </p:txBody>
+      </p:sp>
+      <p:sp>
+        <p:nvSpPr>
+          <p:cNvPr id="11" name="Rectangle 10">
+            <a:extLst>
+              <a:ext uri="{FF2B5EF4-FFF2-40B4-BE49-F238E27FC236}">
+                <a16:creationId xmlns:a16="http://schemas.microsoft.com/office/drawing/2014/main" id="{A376EFB1-01CF-419F-ABF1-2AF02BBFCBD1}"/>
+              </a:ext>
+              <a:ext uri="{C183D7F6-B498-43B3-948B-1728B52AA6E4}">
+                <adec:decorative xmlns:adec="http://schemas.microsoft.com/office/drawing/2017/decorative" val="1"/>
+              </a:ext>
+            </a:extLst>
+          </p:cNvPr>
+          <p:cNvSpPr>
+            <a:spLocks noGrp="1" noRot="1" noChangeAspect="1" noMove="1" noResize="1" noEditPoints="1" noAdjustHandles="1" noChangeArrowheads="1" noChangeShapeType="1" noTextEdit="1"/>
+          </p:cNvSpPr>
+          <p:nvPr>
+            <p:extLst>
+              <p:ext uri="{386F3935-93C4-4BCD-93E2-E3B085C9AB24}">
+                <p16:designElem xmlns:p16="http://schemas.microsoft.com/office/powerpoint/2015/main" val="1"/>
+              </p:ext>
+            </p:extLst>
+          </p:nvPr>
+        </p:nvSpPr>
+        <p:spPr>
+          <a:xfrm>
+            <a:off x="0" y="0"/>
+            <a:ext cx="4709160" cy="6858000"/>
+          </a:xfrm>
+          <a:prstGeom prst="rect">
+            <a:avLst/>
+          </a:prstGeom>
+          <a:solidFill>
+            <a:schemeClr val="tx1">
+              <a:alpha val="81000"/>
+            </a:schemeClr>
+          </a:solidFill>
+          <a:ln>
+            <a:noFill/>
+          </a:ln>
+        </p:spPr>
+        <p:style>
+          <a:lnRef idx="2">
+            <a:schemeClr val="accent1">
+              <a:shade val="50000"/>
+            </a:schemeClr>
+          </a:lnRef>
+          <a:fillRef idx="1">
+            <a:schemeClr val="accent1"/>
+          </a:fillRef>
+          <a:effectRef idx="0">
+            <a:schemeClr val="accent1"/>
+          </a:effectRef>
+          <a:fontRef idx="minor">
+            <a:schemeClr val="lt1"/>
+          </a:fontRef>
+        </p:style>
+        <p:txBody>
+          <a:bodyPr rtlCol="0" anchor="ctr"/>
+          <a:lstStyle/>
+          <a:p>
+            <a:pPr marL="0" marR="0" lvl="0" indent="0" algn="ctr" defTabSz="914400" rtl="0" eaLnBrk="1" fontAlgn="auto" latinLnBrk="0" hangingPunct="1">
+              <a:lnSpc>
+                <a:spcPct val="100000"/>
+              </a:lnSpc>
+              <a:spcBef>
+                <a:spcPts val="0"/>
+              </a:spcBef>
+              <a:spcAft>
+                <a:spcPts val="0"/>
+              </a:spcAft>
+              <a:buClrTx/>
+              <a:buSzTx/>
+              <a:buFontTx/>
+              <a:buNone/>
+              <a:tabLst/>
+              <a:defRPr/>
+            </a:pPr>
+            <a:endParaRPr kumimoji="0" lang="en-US" sz="1800" b="0" i="0" u="none" strike="noStrike" kern="1200" cap="none" spc="0" normalizeH="0" baseline="0" noProof="0">
+              <a:ln>
+                <a:noFill/>
+              </a:ln>
+              <a:solidFill>
+                <a:prstClr val="white"/>
+              </a:solidFill>
+              <a:effectLst/>
+              <a:uLnTx/>
+              <a:uFillTx/>
+              <a:latin typeface="Calibri" panose="020F0502020204030204"/>
+              <a:ea typeface="+mn-ea"/>
+              <a:cs typeface="+mn-cs"/>
+            </a:endParaRPr>
+          </a:p>
+        </p:txBody>
+      </p:sp>
+      <p:sp>
+        <p:nvSpPr>
+          <p:cNvPr id="13" name="Freeform: Shape 12">
+            <a:extLst>
+              <a:ext uri="{FF2B5EF4-FFF2-40B4-BE49-F238E27FC236}">
+                <a16:creationId xmlns:a16="http://schemas.microsoft.com/office/drawing/2014/main" id="{FF9DEA15-78BD-4750-AA18-B9F28A6D5AB8}"/>
+              </a:ext>
+              <a:ext uri="{C183D7F6-B498-43B3-948B-1728B52AA6E4}">
+                <adec:decorative xmlns:adec="http://schemas.microsoft.com/office/drawing/2017/decorative" val="1"/>
+              </a:ext>
+            </a:extLst>
+          </p:cNvPr>
+          <p:cNvSpPr>
+            <a:spLocks noGrp="1" noRot="1" noChangeAspect="1" noMove="1" noResize="1" noEditPoints="1" noAdjustHandles="1" noChangeArrowheads="1" noChangeShapeType="1" noTextEdit="1"/>
+          </p:cNvSpPr>
+          <p:nvPr>
+            <p:extLst>
+              <p:ext uri="{386F3935-93C4-4BCD-93E2-E3B085C9AB24}">
+                <p16:designElem xmlns:p16="http://schemas.microsoft.com/office/powerpoint/2015/main" val="1"/>
+              </p:ext>
+            </p:extLst>
+          </p:nvPr>
+        </p:nvSpPr>
+        <p:spPr>
+          <a:xfrm>
+            <a:off x="0" y="0"/>
+            <a:ext cx="3284331" cy="6858000"/>
+          </a:xfrm>
+          <a:custGeom>
+            <a:avLst/>
+            <a:gdLst>
+              <a:gd name="connsiteX0" fmla="*/ 0 w 4319042"/>
+              <a:gd name="connsiteY0" fmla="*/ 0 h 6858000"/>
+              <a:gd name="connsiteX1" fmla="*/ 1142888 w 4319042"/>
+              <a:gd name="connsiteY1" fmla="*/ 0 h 6858000"/>
+              <a:gd name="connsiteX2" fmla="*/ 4319042 w 4319042"/>
+              <a:gd name="connsiteY2" fmla="*/ 6858000 h 6858000"/>
+              <a:gd name="connsiteX3" fmla="*/ 0 w 4319042"/>
+              <a:gd name="connsiteY3" fmla="*/ 6858000 h 6858000"/>
+            </a:gdLst>
+            <a:ahLst/>
+            <a:cxnLst>
+              <a:cxn ang="0">
+                <a:pos x="connsiteX0" y="connsiteY0"/>
+              </a:cxn>
+              <a:cxn ang="0">
+                <a:pos x="connsiteX1" y="connsiteY1"/>
+              </a:cxn>
+              <a:cxn ang="0">
+                <a:pos x="connsiteX2" y="connsiteY2"/>
+              </a:cxn>
+              <a:cxn ang="0">
+                <a:pos x="connsiteX3" y="connsiteY3"/>
+              </a:cxn>
+            </a:cxnLst>
+            <a:rect l="l" t="t" r="r" b="b"/>
+            <a:pathLst>
+              <a:path w="4319042" h="6858000">
+                <a:moveTo>
+                  <a:pt x="0" y="0"/>
+                </a:moveTo>
+                <a:lnTo>
+                  <a:pt x="1142888" y="0"/>
+                </a:lnTo>
+                <a:lnTo>
+                  <a:pt x="4319042" y="6858000"/>
+                </a:lnTo>
+                <a:lnTo>
+                  <a:pt x="0" y="6858000"/>
+                </a:lnTo>
+                <a:close/>
+              </a:path>
+            </a:pathLst>
+          </a:custGeom>
+          <a:solidFill>
+            <a:schemeClr val="tx1">
+              <a:alpha val="35000"/>
+            </a:schemeClr>
+          </a:solidFill>
+          <a:ln>
+            <a:noFill/>
+          </a:ln>
+        </p:spPr>
+        <p:style>
+          <a:lnRef idx="2">
+            <a:schemeClr val="accent1">
+              <a:shade val="50000"/>
+            </a:schemeClr>
+          </a:lnRef>
+          <a:fillRef idx="1">
+            <a:schemeClr val="accent1"/>
+          </a:fillRef>
+          <a:effectRef idx="0">
+            <a:schemeClr val="accent1"/>
+          </a:effectRef>
+          <a:fontRef idx="minor">
+            <a:schemeClr val="lt1"/>
+          </a:fontRef>
+        </p:style>
+        <p:txBody>
+          <a:bodyPr wrap="square" rtlCol="0" anchor="ctr">
+            <a:noAutofit/>
+          </a:bodyPr>
+          <a:lstStyle/>
+          <a:p>
+            <a:pPr marL="0" marR="0" lvl="0" indent="0" algn="ctr" defTabSz="914400" rtl="0" eaLnBrk="1" fontAlgn="auto" latinLnBrk="0" hangingPunct="1">
+              <a:lnSpc>
+                <a:spcPct val="100000"/>
+              </a:lnSpc>
+              <a:spcBef>
+                <a:spcPts val="0"/>
+              </a:spcBef>
+              <a:spcAft>
+                <a:spcPts val="0"/>
+              </a:spcAft>
+              <a:buClrTx/>
+              <a:buSzTx/>
+              <a:buFontTx/>
+              <a:buNone/>
+              <a:tabLst/>
+              <a:defRPr/>
+            </a:pPr>
+            <a:endParaRPr kumimoji="0" lang="en-US" sz="1800" b="0" i="0" u="none" strike="noStrike" kern="1200" cap="none" spc="0" normalizeH="0" baseline="0" noProof="0">
+              <a:ln>
+                <a:noFill/>
+              </a:ln>
+              <a:solidFill>
+                <a:prstClr val="white"/>
+              </a:solidFill>
+              <a:effectLst/>
+              <a:uLnTx/>
+              <a:uFillTx/>
+              <a:latin typeface="Calibri" panose="020F0502020204030204"/>
+              <a:ea typeface="+mn-ea"/>
+              <a:cs typeface="+mn-cs"/>
+            </a:endParaRPr>
+          </a:p>
+        </p:txBody>
+      </p:sp>
+      <p:sp>
+        <p:nvSpPr>
+          <p:cNvPr id="2" name="Title 1">
+            <a:extLst>
+              <a:ext uri="{FF2B5EF4-FFF2-40B4-BE49-F238E27FC236}">
+                <a16:creationId xmlns:a16="http://schemas.microsoft.com/office/drawing/2014/main" id="{4E7F15B7-0593-41A2-B016-F58A5E7A0EC6}"/>
+              </a:ext>
+            </a:extLst>
+          </p:cNvPr>
+          <p:cNvSpPr>
+            <a:spLocks noGrp="1"/>
+          </p:cNvSpPr>
+          <p:nvPr>
+            <p:ph type="title"/>
+          </p:nvPr>
+        </p:nvSpPr>
+        <p:spPr>
+          <a:xfrm>
+            <a:off x="804672" y="640080"/>
+            <a:ext cx="3282696" cy="5257800"/>
+          </a:xfrm>
+        </p:spPr>
+        <p:txBody>
+          <a:bodyPr>
+            <a:normAutofit/>
+          </a:bodyPr>
+          <a:lstStyle/>
+          <a:p>
+            <a:r>
+              <a:rPr lang="en-GB" err="1">
+                <a:solidFill>
+                  <a:schemeClr val="bg1"/>
+                </a:solidFill>
+              </a:rPr>
+              <a:t>Referências</a:t>
+            </a:r>
+            <a:r>
+              <a:rPr lang="en-GB">
+                <a:solidFill>
+                  <a:schemeClr val="bg1"/>
+                </a:solidFill>
+              </a:rPr>
+              <a:t> </a:t>
+            </a:r>
+          </a:p>
+        </p:txBody>
+      </p:sp>
+      <p:sp>
+        <p:nvSpPr>
+          <p:cNvPr id="3" name="Content Placeholder 2">
+            <a:extLst>
+              <a:ext uri="{FF2B5EF4-FFF2-40B4-BE49-F238E27FC236}">
+                <a16:creationId xmlns:a16="http://schemas.microsoft.com/office/drawing/2014/main" id="{6D606527-6EDD-4A9B-83FE-DF4ACFF77922}"/>
+              </a:ext>
+            </a:extLst>
+          </p:cNvPr>
+          <p:cNvSpPr>
+            <a:spLocks noGrp="1"/>
+          </p:cNvSpPr>
+          <p:nvPr>
+            <p:ph idx="1"/>
+          </p:nvPr>
+        </p:nvSpPr>
+        <p:spPr>
+          <a:xfrm>
+            <a:off x="5415379" y="640081"/>
+            <a:ext cx="6434875" cy="5257800"/>
+          </a:xfrm>
+        </p:spPr>
+        <p:txBody>
+          <a:bodyPr anchor="ctr">
+            <a:normAutofit/>
+          </a:bodyPr>
+          <a:lstStyle/>
+          <a:p>
+            <a:pPr marL="0" indent="0">
+              <a:buNone/>
+            </a:pPr>
+            <a:r>
+              <a:rPr lang="en-GB" sz="2400"/>
+              <a:t>[1] Haight, Frank A. (1967), Handbook of the Poisson  Distribution ISBN 9780471339328</a:t>
+            </a:r>
+          </a:p>
+          <a:p>
+            <a:pPr marL="0" indent="0">
+              <a:buNone/>
+            </a:pPr>
+            <a:r>
+              <a:rPr lang="en-GB" sz="2400"/>
+              <a:t>[2] Hogg, R. V.; Craig, A. T. (1978). Introduction to Mathematical Statistics (4th ed). ISBN 0023557109</a:t>
+            </a:r>
+          </a:p>
+          <a:p>
+            <a:pPr marL="0" indent="0" algn="just">
+              <a:buNone/>
+            </a:pPr>
+            <a:r>
+              <a:rPr lang="en-US" sz="2400"/>
+              <a:t>[3] </a:t>
+            </a:r>
+            <a:r>
+              <a:rPr lang="en-GB" sz="2400"/>
+              <a:t>Kingman. Poisson processes, volume 3. Oxford university, 1992.</a:t>
+            </a:r>
+          </a:p>
+        </p:txBody>
+      </p:sp>
+      <p:sp>
+        <p:nvSpPr>
+          <p:cNvPr id="4" name="Slide Number Placeholder 3">
+            <a:extLst>
+              <a:ext uri="{FF2B5EF4-FFF2-40B4-BE49-F238E27FC236}">
+                <a16:creationId xmlns:a16="http://schemas.microsoft.com/office/drawing/2014/main" id="{5B7FDD58-8411-49DD-8A84-2E8EF0263297}"/>
+              </a:ext>
+            </a:extLst>
+          </p:cNvPr>
+          <p:cNvSpPr>
+            <a:spLocks noGrp="1"/>
+          </p:cNvSpPr>
+          <p:nvPr>
+            <p:ph type="sldNum" sz="quarter" idx="12"/>
+          </p:nvPr>
+        </p:nvSpPr>
+        <p:spPr>
+          <a:xfrm>
+            <a:off x="8610600" y="6356350"/>
+            <a:ext cx="2743200" cy="365125"/>
+          </a:xfrm>
+        </p:spPr>
+        <p:txBody>
+          <a:bodyPr>
+            <a:normAutofit/>
+          </a:bodyPr>
+          <a:lstStyle/>
+          <a:p>
+            <a:pPr>
+              <a:spcAft>
+                <a:spcPts val="600"/>
+              </a:spcAft>
+            </a:pPr>
+            <a:fld id="{4310B044-6F84-4299-A58B-8057292127B9}" type="slidenum">
+              <a:rPr lang="en-GB" smtClean="0"/>
+              <a:pPr>
+                <a:spcAft>
+                  <a:spcPts val="600"/>
+                </a:spcAft>
+              </a:pPr>
+              <a:t>10</a:t>
+            </a:fld>
+            <a:endParaRPr lang="en-GB"/>
+          </a:p>
+        </p:txBody>
+      </p:sp>
+      <p:pic>
+        <p:nvPicPr>
+          <p:cNvPr id="12" name="Picture 11" descr="Icon&#10;&#10;Description automatically generated">
+            <a:extLst>
+              <a:ext uri="{FF2B5EF4-FFF2-40B4-BE49-F238E27FC236}">
+                <a16:creationId xmlns:a16="http://schemas.microsoft.com/office/drawing/2014/main" id="{9D0404F5-36F5-49A5-918D-BEE35378F1E4}"/>
+              </a:ext>
+            </a:extLst>
+          </p:cNvPr>
+          <p:cNvPicPr>
+            <a:picLocks noChangeAspect="1"/>
+          </p:cNvPicPr>
+          <p:nvPr/>
+        </p:nvPicPr>
+        <p:blipFill>
+          <a:blip r:embed="rId2">
+            <a:extLst>
+              <a:ext uri="{28A0092B-C50C-407E-A947-70E740481C1C}">
+                <a14:useLocalDpi xmlns:a14="http://schemas.microsoft.com/office/drawing/2010/main" val="0"/>
+              </a:ext>
+            </a:extLst>
+          </a:blip>
+          <a:stretch>
+            <a:fillRect/>
+          </a:stretch>
+        </p:blipFill>
+        <p:spPr>
+          <a:xfrm>
+            <a:off x="10015899" y="365125"/>
+            <a:ext cx="1770855" cy="883219"/>
+          </a:xfrm>
+          <a:prstGeom prst="rect">
+            <a:avLst/>
+          </a:prstGeom>
+        </p:spPr>
+      </p:pic>
+    </p:spTree>
+    <p:extLst>
+      <p:ext uri="{BB962C8B-B14F-4D97-AF65-F5344CB8AC3E}">
+        <p14:creationId xmlns:p14="http://schemas.microsoft.com/office/powerpoint/2010/main" val="959505674"/>
+      </p:ext>
+    </p:extLst>
+  </p:cSld>
+  <p:clrMapOvr>
+    <a:masterClrMapping/>
   </p:clrMapOvr>
 </p:sld>
 </file>
@@ -7658,6 +8738,16 @@
           <a:lstStyle/>
           <a:p>
             <a:r>
+              <a:rPr lang="en-GB" err="1">
+                <a:solidFill>
+                  <a:srgbClr val="FFFFFF"/>
+                </a:solidFill>
+                <a:ea typeface="+mj-lt"/>
+                <a:cs typeface="+mj-lt"/>
+              </a:rPr>
+              <a:t>Distribuição</a:t>
+            </a:r>
+            <a:r>
               <a:rPr lang="en-GB">
                 <a:solidFill>
                   <a:srgbClr val="FFFFFF"/>
@@ -7665,7 +8755,17 @@
                 <a:ea typeface="+mj-lt"/>
                 <a:cs typeface="+mj-lt"/>
               </a:rPr>
-              <a:t>Distribuição de Poisson </a:t>
+              <a:t> de Poisson </a:t>
+            </a:r>
+            <a:r>
+              <a:rPr lang="en-GB" baseline="30000">
+                <a:solidFill>
+                  <a:srgbClr val="FFFFFF"/>
+                </a:solidFill>
+                <a:ea typeface="+mj-lt"/>
+                <a:cs typeface="+mj-lt"/>
+              </a:rPr>
+              <a:t>[1]</a:t>
             </a:r>
             <a:endParaRPr lang="pt-PT">
               <a:solidFill>
@@ -7708,7 +8808,7 @@
               <a:lstStyle/>
               <a:p>
                 <a:r>
-                  <a:rPr lang="en-GB" sz="2000" dirty="0">
+                  <a:rPr lang="en-GB" sz="2000">
                     <a:solidFill>
                       <a:srgbClr val="FFFFFF"/>
                     </a:solidFill>
@@ -7717,16 +8817,16 @@
                   <a:t>A </a:t>
                 </a:r>
                 <a:r>
-                  <a:rPr lang="en-GB" sz="2000" dirty="0" err="1">
+                  <a:rPr lang="en-GB" sz="2000" err="1">
                     <a:solidFill>
                       <a:srgbClr val="FFFFFF"/>
                     </a:solidFill>
                     <a:cs typeface="Calibri"/>
                   </a:rPr>
-                  <a:t>variavel</a:t>
+                  <a:t>variável</a:t>
                 </a:r>
                 <a:r>
-                  <a:rPr lang="en-GB" sz="2000" dirty="0">
+                  <a:rPr lang="en-GB" sz="2000">
                     <a:solidFill>
                       <a:srgbClr val="FFFFFF"/>
                     </a:solidFill>
@@ -7735,16 +8835,16 @@
                   <a:t> </a:t>
                 </a:r>
                 <a:r>
-                  <a:rPr lang="en-GB" sz="2000" dirty="0" err="1">
+                  <a:rPr lang="en-GB" sz="2000" err="1">
                     <a:solidFill>
                       <a:srgbClr val="FFFFFF"/>
                     </a:solidFill>
                     <a:cs typeface="Calibri"/>
                   </a:rPr>
-                  <a:t>aleartoria</a:t>
+                  <a:t>aleatória</a:t>
                 </a:r>
                 <a:r>
-                  <a:rPr lang="en-GB" sz="2000" dirty="0">
+                  <a:rPr lang="en-GB" sz="2000">
                     <a:solidFill>
                       <a:srgbClr val="FFFFFF"/>
                     </a:solidFill>
@@ -7767,7 +8867,7 @@
                   </m:oMath>
                 </a14:m>
                 <a:r>
-                  <a:rPr lang="en-GB" sz="2000" dirty="0">
+                  <a:rPr lang="en-GB" sz="2000">
                     <a:solidFill>
                       <a:srgbClr val="FFFFFF"/>
                     </a:solidFill>
@@ -7776,7 +8876,7 @@
                   <a:t> </a:t>
                 </a:r>
                 <a:r>
-                  <a:rPr lang="en-GB" sz="2000" dirty="0" err="1">
+                  <a:rPr lang="en-GB" sz="2000" err="1">
                     <a:solidFill>
                       <a:srgbClr val="FFFFFF"/>
                     </a:solidFill>
@@ -7785,7 +8885,7 @@
                   <a:t>toma</a:t>
                 </a:r>
                 <a:r>
-                  <a:rPr lang="en-GB" sz="2000" dirty="0">
+                  <a:rPr lang="en-GB" sz="2000">
                     <a:solidFill>
                       <a:srgbClr val="FFFFFF"/>
                     </a:solidFill>
@@ -7794,7 +8894,7 @@
                   <a:t> </a:t>
                 </a:r>
                 <a:r>
-                  <a:rPr lang="en-GB" sz="2000" dirty="0" err="1">
+                  <a:rPr lang="en-GB" sz="2000" err="1">
                     <a:solidFill>
                       <a:srgbClr val="FFFFFF"/>
                     </a:solidFill>
@@ -7803,7 +8903,7 @@
                   <a:t>valores</a:t>
                 </a:r>
                 <a:r>
-                  <a:rPr lang="en-GB" sz="2000" dirty="0">
+                  <a:rPr lang="en-GB" sz="2000">
                     <a:solidFill>
                       <a:srgbClr val="FFFFFF"/>
                     </a:solidFill>
@@ -7812,7 +8912,7 @@
                   <a:t> </a:t>
                 </a:r>
                 <a:r>
-                  <a:rPr lang="en-GB" sz="2000" dirty="0" err="1">
+                  <a:rPr lang="en-GB" sz="2000" err="1">
                     <a:solidFill>
                       <a:srgbClr val="FFFFFF"/>
                     </a:solidFill>
@@ -7821,7 +8921,7 @@
                   <a:t>discretos</a:t>
                 </a:r>
                 <a:r>
-                  <a:rPr lang="en-GB" sz="2000" dirty="0">
+                  <a:rPr lang="en-GB" sz="2000">
                     <a:solidFill>
                       <a:srgbClr val="FFFFFF"/>
                     </a:solidFill>
@@ -7894,7 +8994,7 @@
                     </m:sSup>
                   </m:oMath>
                 </a14:m>
-                <a:endParaRPr lang="en-GB" sz="2000" dirty="0">
+                <a:endParaRPr lang="en-GB" sz="2000">
                   <a:solidFill>
                     <a:srgbClr val="FFFFFF"/>
                   </a:solidFill>
@@ -7903,7 +9003,7 @@
               </a:p>
               <a:p>
                 <a:r>
-                  <a:rPr lang="en-GB" sz="2000" dirty="0" err="1">
+                  <a:rPr lang="en-GB" sz="2000" err="1">
                     <a:solidFill>
                       <a:srgbClr val="FFFFFF"/>
                     </a:solidFill>
@@ -7912,7 +9012,7 @@
                   <a:t>Cada</a:t>
                 </a:r>
                 <a:r>
-                  <a:rPr lang="en-GB" sz="2000" dirty="0">
+                  <a:rPr lang="en-GB" sz="2000">
                     <a:solidFill>
                       <a:srgbClr val="FFFFFF"/>
                     </a:solidFill>
@@ -7921,7 +9021,7 @@
                   <a:t> </a:t>
                 </a:r>
                 <a:r>
-                  <a:rPr lang="en-GB" sz="2000" dirty="0" err="1">
+                  <a:rPr lang="en-GB" sz="2000" err="1">
                     <a:solidFill>
                       <a:srgbClr val="FFFFFF"/>
                     </a:solidFill>
@@ -7930,7 +9030,7 @@
                   <a:t>evento</a:t>
                 </a:r>
                 <a:r>
-                  <a:rPr lang="en-GB" sz="2000" dirty="0">
+                  <a:rPr lang="en-GB" sz="2000">
                     <a:solidFill>
                       <a:srgbClr val="FFFFFF"/>
                     </a:solidFill>
@@ -7939,7 +9039,7 @@
                   <a:t> é </a:t>
                 </a:r>
                 <a:r>
-                  <a:rPr lang="en-GB" sz="2000" dirty="0" err="1">
+                  <a:rPr lang="en-GB" sz="2000" err="1">
                     <a:solidFill>
                       <a:srgbClr val="FFFFFF"/>
                     </a:solidFill>
@@ -7947,7 +9047,7 @@
                   </a:rPr>
                   <a:t>independente</a:t>
                 </a:r>
-                <a:endParaRPr lang="en-GB" sz="2000" dirty="0">
+                <a:endParaRPr lang="en-GB" sz="2000">
                   <a:solidFill>
                     <a:srgbClr val="FFFFFF"/>
                   </a:solidFill>
@@ -7956,7 +9056,7 @@
               </a:p>
               <a:p>
                 <a:r>
-                  <a:rPr lang="en-GB" sz="2000" dirty="0">
+                  <a:rPr lang="en-GB" sz="2000">
                     <a:solidFill>
                       <a:srgbClr val="FFFFFF"/>
                     </a:solidFill>
@@ -7965,7 +9065,7 @@
                   <a:t>A </a:t>
                 </a:r>
                 <a:r>
-                  <a:rPr lang="en-GB" sz="2000" dirty="0" err="1">
+                  <a:rPr lang="en-GB" sz="2000" err="1">
                     <a:solidFill>
                       <a:srgbClr val="FFFFFF"/>
                     </a:solidFill>
@@ -7974,7 +9074,7 @@
                   <a:t>sua</a:t>
                 </a:r>
                 <a:r>
-                  <a:rPr lang="en-GB" sz="2000" dirty="0">
+                  <a:rPr lang="en-GB" sz="2000">
                     <a:solidFill>
                       <a:srgbClr val="FFFFFF"/>
                     </a:solidFill>
@@ -7983,7 +9083,7 @@
                   <a:t> </a:t>
                 </a:r>
                 <a:r>
-                  <a:rPr lang="en-GB" sz="2000" dirty="0" err="1">
+                  <a:rPr lang="en-GB" sz="2000" err="1">
                     <a:solidFill>
                       <a:srgbClr val="FFFFFF"/>
                     </a:solidFill>
@@ -7992,7 +9092,7 @@
                   <a:t>descrição</a:t>
                 </a:r>
                 <a:r>
-                  <a:rPr lang="en-GB" sz="2000" dirty="0">
+                  <a:rPr lang="en-GB" sz="2000">
                     <a:solidFill>
                       <a:srgbClr val="FFFFFF"/>
                     </a:solidFill>
@@ -8001,7 +9101,7 @@
                   <a:t> é </a:t>
                 </a:r>
                 <a:r>
-                  <a:rPr lang="en-GB" sz="2000" dirty="0" err="1">
+                  <a:rPr lang="en-GB" sz="2000" err="1">
                     <a:solidFill>
                       <a:srgbClr val="FFFFFF"/>
                     </a:solidFill>
@@ -8010,7 +9110,7 @@
                   <a:t>feita</a:t>
                 </a:r>
                 <a:r>
-                  <a:rPr lang="en-GB" sz="2000" dirty="0">
+                  <a:rPr lang="en-GB" sz="2000">
                     <a:solidFill>
                       <a:srgbClr val="FFFFFF"/>
                     </a:solidFill>
@@ -8019,7 +9119,7 @@
                   <a:t> </a:t>
                 </a:r>
                 <a:r>
-                  <a:rPr lang="en-GB" sz="2000" dirty="0" err="1">
+                  <a:rPr lang="en-GB" sz="2000" err="1">
                     <a:solidFill>
                       <a:srgbClr val="FFFFFF"/>
                     </a:solidFill>
@@ -8028,16 +9128,34 @@
                   <a:t>sobre</a:t>
                 </a:r>
                 <a:r>
-                  <a:rPr lang="en-GB" sz="2000" dirty="0">
+                  <a:rPr lang="en-GB" sz="2000">
                     <a:solidFill>
                       <a:srgbClr val="FFFFFF"/>
                     </a:solidFill>
                     <a:cs typeface="Calibri"/>
                   </a:rPr>
-                  <a:t> um interval (tempo, </a:t>
+                  <a:t> um </a:t>
                 </a:r>
                 <a:r>
-                  <a:rPr lang="en-GB" sz="2000" dirty="0" err="1">
+                  <a:rPr lang="en-GB" sz="2000" err="1">
+                    <a:solidFill>
+                      <a:srgbClr val="FFFFFF"/>
+                    </a:solidFill>
+                    <a:cs typeface="Calibri"/>
+                  </a:rPr>
+                  <a:t>intervalo</a:t>
+                </a:r>
+                <a:r>
+                  <a:rPr lang="en-GB" sz="2000">
+                    <a:solidFill>
+                      <a:srgbClr val="FFFFFF"/>
+                    </a:solidFill>
+                    <a:cs typeface="Calibri"/>
+                  </a:rPr>
+                  <a:t> (tempo, </a:t>
+                </a:r>
+                <a:r>
+                  <a:rPr lang="en-GB" sz="2000" err="1">
                     <a:solidFill>
                       <a:srgbClr val="FFFFFF"/>
                     </a:solidFill>
@@ -8046,7 +9164,7 @@
                   <a:t>espaço</a:t>
                 </a:r>
                 <a:r>
-                  <a:rPr lang="en-GB" sz="2000" dirty="0">
+                  <a:rPr lang="en-GB" sz="2000">
                     <a:solidFill>
                       <a:srgbClr val="FFFFFF"/>
                     </a:solidFill>
@@ -8055,7 +9173,7 @@
                   <a:t> </a:t>
                 </a:r>
                 <a:r>
-                  <a:rPr lang="en-GB" sz="2000" dirty="0" err="1">
+                  <a:rPr lang="en-GB" sz="2000" err="1">
                     <a:solidFill>
                       <a:srgbClr val="FFFFFF"/>
                     </a:solidFill>
@@ -8064,7 +9182,7 @@
                   <a:t>ou</a:t>
                 </a:r>
                 <a:r>
-                  <a:rPr lang="en-GB" sz="2000" dirty="0">
+                  <a:rPr lang="en-GB" sz="2000">
                     <a:solidFill>
                       <a:srgbClr val="FFFFFF"/>
                     </a:solidFill>
@@ -8075,7 +9193,7 @@
               </a:p>
               <a:p>
                 <a:r>
-                  <a:rPr lang="en-GB" sz="2000" dirty="0">
+                  <a:rPr lang="en-GB" sz="2000">
                     <a:solidFill>
                       <a:srgbClr val="FFFFFF"/>
                     </a:solidFill>
@@ -8084,7 +9202,7 @@
                   <a:t>O </a:t>
                 </a:r>
                 <a:r>
-                  <a:rPr lang="en-GB" sz="2000" dirty="0" err="1">
+                  <a:rPr lang="en-GB" sz="2000" err="1">
                     <a:solidFill>
                       <a:srgbClr val="FFFFFF"/>
                     </a:solidFill>
@@ -8093,7 +9211,7 @@
                   <a:t>valor</a:t>
                 </a:r>
                 <a:r>
-                  <a:rPr lang="en-GB" sz="2000" dirty="0">
+                  <a:rPr lang="en-GB" sz="2000">
                     <a:solidFill>
                       <a:srgbClr val="FFFFFF"/>
                     </a:solidFill>
@@ -8102,7 +9220,7 @@
                   <a:t> </a:t>
                 </a:r>
                 <a:r>
-                  <a:rPr lang="en-GB" sz="2000" dirty="0" err="1">
+                  <a:rPr lang="en-GB" sz="2000" err="1">
                     <a:solidFill>
                       <a:srgbClr val="FFFFFF"/>
                     </a:solidFill>
@@ -8111,7 +9229,7 @@
                   <a:t>expectavel</a:t>
                 </a:r>
                 <a:r>
-                  <a:rPr lang="en-GB" sz="2000" dirty="0">
+                  <a:rPr lang="en-GB" sz="2000">
                     <a:solidFill>
                       <a:srgbClr val="FFFFFF"/>
                     </a:solidFill>
@@ -8120,7 +9238,7 @@
                   <a:t> é </a:t>
                 </a:r>
                 <a:r>
-                  <a:rPr lang="en-GB" sz="2000" dirty="0" err="1">
+                  <a:rPr lang="en-GB" sz="2000" err="1">
                     <a:solidFill>
                       <a:srgbClr val="FFFFFF"/>
                     </a:solidFill>
@@ -8129,7 +9247,7 @@
                   <a:t>constante</a:t>
                 </a:r>
                 <a:r>
-                  <a:rPr lang="en-GB" sz="2000" dirty="0">
+                  <a:rPr lang="en-GB" sz="2000">
                     <a:solidFill>
                       <a:srgbClr val="FFFFFF"/>
                     </a:solidFill>
@@ -8142,7 +9260,7 @@
                 <a:pPr marL="0" indent="0">
                   <a:buNone/>
                 </a:pPr>
-                <a:endParaRPr lang="en-GB" sz="2000" dirty="0">
+                <a:endParaRPr lang="en-GB" sz="2000">
                   <a:solidFill>
                     <a:srgbClr val="FFFFFF"/>
                   </a:solidFill>
@@ -8186,7 +9304,7 @@
               <a:lstStyle/>
               <a:p>
                 <a:r>
-                  <a:rPr lang="en-GB">
+                  <a:rPr lang="en-US">
                     <a:noFill/>
                   </a:rPr>
                   <a:t> </a:t>
@@ -8766,7 +9884,7 @@
           <a:lstStyle/>
           <a:p>
             <a:r>
-              <a:rPr lang="en-GB" dirty="0" err="1">
+              <a:rPr lang="en-GB" err="1">
                 <a:solidFill>
                   <a:srgbClr val="FFFFFF"/>
                 </a:solidFill>
@@ -8775,7 +9893,7 @@
               <a:t>Definição</a:t>
             </a:r>
             <a:r>
-              <a:rPr lang="en-GB" dirty="0">
+              <a:rPr lang="en-GB">
                 <a:solidFill>
                   <a:srgbClr val="FFFFFF"/>
                 </a:solidFill>
@@ -8784,7 +9902,7 @@
               <a:t> </a:t>
             </a:r>
             <a:r>
-              <a:rPr lang="en-GB" dirty="0" err="1">
+              <a:rPr lang="en-GB" err="1">
                 <a:solidFill>
                   <a:srgbClr val="FFFFFF"/>
                 </a:solidFill>
@@ -8792,7 +9910,25 @@
               </a:rPr>
               <a:t>Matemática</a:t>
             </a:r>
-            <a:endParaRPr lang="en-GB" dirty="0">
+            <a:r>
+              <a:rPr lang="en-GB">
+                <a:solidFill>
+                  <a:srgbClr val="FFFFFF"/>
+                </a:solidFill>
+                <a:cs typeface="Calibri Light"/>
+              </a:rPr>
+              <a:t> </a:t>
+            </a:r>
+            <a:r>
+              <a:rPr lang="en-GB" baseline="30000">
+                <a:solidFill>
+                  <a:srgbClr val="FFFFFF"/>
+                </a:solidFill>
+                <a:cs typeface="Calibri Light"/>
+              </a:rPr>
+              <a:t>[1][2]</a:t>
+            </a:r>
+            <a:endParaRPr lang="en-GB">
               <a:solidFill>
                 <a:srgbClr val="FFFFFF"/>
               </a:solidFill>
@@ -8831,7 +9967,7 @@
               <a:lstStyle/>
               <a:p>
                 <a:r>
-                  <a:rPr lang="en-GB" sz="2000" dirty="0" err="1">
+                  <a:rPr lang="en-GB" sz="2400" err="1">
                     <a:solidFill>
                       <a:srgbClr val="FFFFFF"/>
                     </a:solidFill>
@@ -8840,7 +9976,7 @@
                   <a:t>Caraterizada</a:t>
                 </a:r>
                 <a:r>
-                  <a:rPr lang="en-GB" sz="2000" dirty="0">
+                  <a:rPr lang="en-GB" sz="2400">
                     <a:solidFill>
                       <a:srgbClr val="FFFFFF"/>
                     </a:solidFill>
@@ -8853,7 +9989,7 @@
                 <a:pPr marL="0" indent="0">
                   <a:buNone/>
                 </a:pPr>
-                <a:endParaRPr lang="en-US" sz="2000" b="0" i="1" dirty="0">
+                <a:endParaRPr lang="en-US" sz="2000" b="0" i="1">
                   <a:solidFill>
                     <a:srgbClr val="FFFFFF"/>
                   </a:solidFill>
@@ -9012,7 +10148,7 @@
                     </m:oMath>
                   </m:oMathPara>
                 </a14:m>
-                <a:endParaRPr lang="en-GB" sz="2000" dirty="0">
+                <a:endParaRPr lang="en-GB" sz="2000">
                   <a:solidFill>
                     <a:srgbClr val="FFFFFF"/>
                   </a:solidFill>
@@ -9023,7 +10159,7 @@
                 <a:pPr marL="0" indent="0">
                   <a:buNone/>
                 </a:pPr>
-                <a:endParaRPr lang="en-GB" sz="2000" dirty="0">
+                <a:endParaRPr lang="en-GB" sz="2000">
                   <a:solidFill>
                     <a:srgbClr val="FFFFFF"/>
                   </a:solidFill>
@@ -9032,7 +10168,7 @@
               </a:p>
               <a:p>
                 <a:r>
-                  <a:rPr lang="en-GB" sz="2000" dirty="0" err="1">
+                  <a:rPr lang="en-GB" sz="2400" err="1">
                     <a:solidFill>
                       <a:srgbClr val="FFFFFF"/>
                     </a:solidFill>
@@ -9041,7 +10177,7 @@
                   <a:t>Relacionada</a:t>
                 </a:r>
                 <a:r>
-                  <a:rPr lang="en-GB" sz="2000" dirty="0">
+                  <a:rPr lang="en-GB" sz="2400">
                     <a:solidFill>
                       <a:srgbClr val="FFFFFF"/>
                     </a:solidFill>
@@ -9050,7 +10186,7 @@
                   <a:t> com a </a:t>
                 </a:r>
                 <a:r>
-                  <a:rPr lang="en-GB" sz="2000" dirty="0" err="1">
+                  <a:rPr lang="en-GB" sz="2400" err="1">
                     <a:solidFill>
                       <a:srgbClr val="FFFFFF"/>
                     </a:solidFill>
@@ -9059,7 +10195,7 @@
                   <a:t>distribuição</a:t>
                 </a:r>
                 <a:r>
-                  <a:rPr lang="en-GB" sz="2000" dirty="0">
+                  <a:rPr lang="en-GB" sz="2400">
                     <a:solidFill>
                       <a:srgbClr val="FFFFFF"/>
                     </a:solidFill>
@@ -9069,7 +10205,7 @@
                 </a:r>
               </a:p>
               <a:p>
-                <a:endParaRPr lang="en-GB" sz="2000" dirty="0">
+                <a:endParaRPr lang="en-GB" sz="2000">
                   <a:solidFill>
                     <a:srgbClr val="FFFFFF"/>
                   </a:solidFill>
@@ -9231,7 +10367,7 @@
                     </m:oMath>
                   </m:oMathPara>
                 </a14:m>
-                <a:endParaRPr lang="en-GB" sz="2000" dirty="0">
+                <a:endParaRPr lang="en-GB" sz="2000">
                   <a:solidFill>
                     <a:srgbClr val="FFFFFF"/>
                   </a:solidFill>
@@ -9242,7 +10378,7 @@
                 <a:pPr marL="0" indent="0">
                   <a:buNone/>
                 </a:pPr>
-                <a:endParaRPr lang="en-US" sz="2000" i="1" dirty="0">
+                <a:endParaRPr lang="en-US" sz="2000" i="1">
                   <a:solidFill>
                     <a:srgbClr val="FFFFFF"/>
                   </a:solidFill>
@@ -9459,7 +10595,7 @@
                     </m:oMath>
                   </m:oMathPara>
                 </a14:m>
-                <a:endParaRPr lang="en-GB" sz="2000" dirty="0">
+                <a:endParaRPr lang="en-GB" sz="2000">
                   <a:solidFill>
                     <a:srgbClr val="FFFFFF"/>
                   </a:solidFill>
@@ -9494,7 +10630,7 @@
               <a:blipFill>
                 <a:blip r:embed="rId2"/>
                 <a:stretch>
-                  <a:fillRect l="-916"/>
+                  <a:fillRect l="-1424"/>
                 </a:stretch>
               </a:blipFill>
             </p:spPr>
@@ -9503,7 +10639,7 @@
               <a:lstStyle/>
               <a:p>
                 <a:r>
-                  <a:rPr lang="en-GB">
+                  <a:rPr lang="en-US">
                     <a:noFill/>
                   </a:rPr>
                   <a:t> </a:t>
@@ -9711,7 +10847,7 @@
           <a:lstStyle/>
           <a:p>
             <a:r>
-              <a:rPr lang="en-US" sz="5400" dirty="0">
+              <a:rPr lang="en-US" sz="5400">
                 <a:solidFill>
                   <a:schemeClr val="bg1"/>
                 </a:solidFill>
@@ -9719,14 +10855,14 @@
               <a:t>Fila da Caixa do </a:t>
             </a:r>
             <a:r>
-              <a:rPr lang="en-US" sz="5400" dirty="0" err="1">
+              <a:rPr lang="en-US" sz="5400" err="1">
                 <a:solidFill>
                   <a:schemeClr val="bg1"/>
                 </a:solidFill>
               </a:rPr>
               <a:t>Continente</a:t>
             </a:r>
-            <a:endParaRPr lang="en-US" sz="5400" dirty="0">
+            <a:endParaRPr lang="en-US" sz="5400">
               <a:solidFill>
                 <a:schemeClr val="bg1"/>
               </a:solidFill>
@@ -9768,7 +10904,7 @@
                   <a:buNone/>
                 </a:pPr>
                 <a:r>
-                  <a:rPr lang="en-US" sz="2000" dirty="0">
+                  <a:rPr lang="en-US" sz="2000">
                     <a:solidFill>
                       <a:schemeClr val="bg1"/>
                     </a:solidFill>
@@ -9776,7 +10912,7 @@
                   <a:t>Durante a hora do </a:t>
                 </a:r>
                 <a:r>
-                  <a:rPr lang="en-US" sz="2000" dirty="0" err="1">
+                  <a:rPr lang="en-US" sz="2000" err="1">
                     <a:solidFill>
                       <a:schemeClr val="bg1"/>
                     </a:solidFill>
@@ -9784,7 +10920,7 @@
                   <a:t>almoço</a:t>
                 </a:r>
                 <a:r>
-                  <a:rPr lang="en-US" sz="2000" dirty="0">
+                  <a:rPr lang="en-US" sz="2000">
                     <a:solidFill>
                       <a:schemeClr val="bg1"/>
                     </a:solidFill>
@@ -9792,7 +10928,7 @@
                   <a:t> das 12h as 13h é </a:t>
                 </a:r>
                 <a:r>
-                  <a:rPr lang="en-US" sz="2000" dirty="0" err="1">
+                  <a:rPr lang="en-US" sz="2000" err="1">
                     <a:solidFill>
                       <a:schemeClr val="bg1"/>
                     </a:solidFill>
@@ -9800,7 +10936,7 @@
                   <a:t>esperado</a:t>
                 </a:r>
                 <a:r>
-                  <a:rPr lang="en-US" sz="2000" dirty="0">
+                  <a:rPr lang="en-US" sz="2000">
                     <a:solidFill>
                       <a:schemeClr val="bg1"/>
                     </a:solidFill>
@@ -9808,7 +10944,7 @@
                   <a:t> </a:t>
                 </a:r>
                 <a:r>
-                  <a:rPr lang="en-US" sz="2000" dirty="0" err="1">
+                  <a:rPr lang="en-US" sz="2000" err="1">
                     <a:solidFill>
                       <a:schemeClr val="bg1"/>
                     </a:solidFill>
@@ -9816,7 +10952,7 @@
                   <a:t>ter</a:t>
                 </a:r>
                 <a:r>
-                  <a:rPr lang="en-US" sz="2000" dirty="0">
+                  <a:rPr lang="en-US" sz="2000">
                     <a:solidFill>
                       <a:schemeClr val="bg1"/>
                     </a:solidFill>
@@ -9824,7 +10960,7 @@
                   <a:t> 10 </a:t>
                 </a:r>
                 <a:r>
-                  <a:rPr lang="en-US" sz="2000" dirty="0" err="1">
+                  <a:rPr lang="en-US" sz="2000" err="1">
                     <a:solidFill>
                       <a:schemeClr val="bg1"/>
                     </a:solidFill>
@@ -9832,7 +10968,7 @@
                   <a:t>clientes</a:t>
                 </a:r>
                 <a:r>
-                  <a:rPr lang="en-US" sz="2000" dirty="0">
+                  <a:rPr lang="en-US" sz="2000">
                     <a:solidFill>
                       <a:schemeClr val="bg1"/>
                     </a:solidFill>
@@ -9840,7 +10976,7 @@
                   <a:t> a </a:t>
                 </a:r>
                 <a:r>
-                  <a:rPr lang="en-US" sz="2000" dirty="0" err="1">
+                  <a:rPr lang="en-US" sz="2000" err="1">
                     <a:solidFill>
                       <a:schemeClr val="bg1"/>
                     </a:solidFill>
@@ -9848,7 +10984,7 @@
                   <a:t>espera</a:t>
                 </a:r>
                 <a:r>
-                  <a:rPr lang="en-US" sz="2000" dirty="0">
+                  <a:rPr lang="en-US" sz="2000">
                     <a:solidFill>
                       <a:schemeClr val="bg1"/>
                     </a:solidFill>
@@ -9856,7 +10992,7 @@
                   <a:t> da </a:t>
                 </a:r>
                 <a:r>
-                  <a:rPr lang="en-US" sz="2000" dirty="0" err="1">
+                  <a:rPr lang="en-US" sz="2000" err="1">
                     <a:solidFill>
                       <a:schemeClr val="bg1"/>
                     </a:solidFill>
@@ -9864,7 +11000,7 @@
                   <a:t>caixa</a:t>
                 </a:r>
                 <a:r>
-                  <a:rPr lang="en-US" sz="2000" dirty="0">
+                  <a:rPr lang="en-US" sz="2000">
                     <a:solidFill>
                       <a:schemeClr val="bg1"/>
                     </a:solidFill>
@@ -9872,7 +11008,7 @@
                   <a:t>.</a:t>
                 </a:r>
                 <a:r>
-                  <a:rPr lang="en-US" sz="2000" b="0" dirty="0">
+                  <a:rPr lang="en-US" sz="2000" b="0">
                     <a:solidFill>
                       <a:srgbClr val="FFFFFF"/>
                     </a:solidFill>
@@ -10096,7 +11232,7 @@
                   </m:oMath>
                 </a14:m>
                 <a:r>
-                  <a:rPr lang="en-US" sz="2000" dirty="0">
+                  <a:rPr lang="en-US" sz="2000">
                     <a:solidFill>
                       <a:schemeClr val="bg1"/>
                     </a:solidFill>
@@ -10141,7 +11277,7 @@
               <a:lstStyle/>
               <a:p>
                 <a:r>
-                  <a:rPr lang="en-GB">
+                  <a:rPr lang="en-US">
                     <a:noFill/>
                   </a:rPr>
                   <a:t> </a:t>
@@ -10632,13 +11768,31 @@
           <a:lstStyle/>
           <a:p>
             <a:r>
+              <a:rPr lang="en-GB" err="1">
+                <a:solidFill>
+                  <a:srgbClr val="FFFFFF"/>
+                </a:solidFill>
+                <a:cs typeface="Calibri Light"/>
+              </a:rPr>
+              <a:t>Distribuição</a:t>
+            </a:r>
+            <a:r>
               <a:rPr lang="en-GB">
                 <a:solidFill>
                   <a:srgbClr val="FFFFFF"/>
                 </a:solidFill>
                 <a:cs typeface="Calibri Light"/>
               </a:rPr>
-              <a:t>Distribuição Gamma</a:t>
+              <a:t> Gamma </a:t>
+            </a:r>
+            <a:r>
+              <a:rPr lang="en-GB" baseline="30000">
+                <a:solidFill>
+                  <a:srgbClr val="FFFFFF"/>
+                </a:solidFill>
+                <a:cs typeface="Calibri Light"/>
+              </a:rPr>
+              <a:t>[2]</a:t>
             </a:r>
             <a:endParaRPr lang="en-GB">
               <a:solidFill>
@@ -10671,7 +11825,7 @@
           </a:xfrm>
         </p:spPr>
         <p:txBody>
-          <a:bodyPr vert="horz" lIns="91440" tIns="45720" rIns="91440" bIns="45720" rtlCol="0">
+          <a:bodyPr vert="horz" lIns="91440" tIns="45720" rIns="91440" bIns="45720" rtlCol="0" anchor="t">
             <a:normAutofit/>
           </a:bodyPr>
           <a:lstStyle/>
@@ -10683,10 +11837,17 @@
                 </a:solidFill>
                 <a:cs typeface="Calibri"/>
               </a:rPr>
-              <a:t>A distribuição é contínua e serve para modelizar variáveis contínuas positivas que são assimétricas;</a:t>
-            </a:r>
-          </a:p>
-          <a:p>
+              <a:t>A </a:t>
+            </a:r>
+            <a:r>
+              <a:rPr lang="en-GB" sz="2000" err="1">
+                <a:solidFill>
+                  <a:srgbClr val="FFFFFF"/>
+                </a:solidFill>
+                <a:cs typeface="Calibri"/>
+              </a:rPr>
+              <a:t>distribuição</a:t>
+            </a:r>
             <a:r>
               <a:rPr lang="en-GB" sz="2000">
                 <a:solidFill>
@@ -10694,10 +11855,17 @@
                 </a:solidFill>
                 <a:cs typeface="Calibri"/>
               </a:rPr>
-              <a:t>É uma distribuição com 2 parâmetros reais positivos, porque um parâmetro (k) representa o número de eventos e o outro(Beta) representa a taxa de eventos;</a:t>
-            </a:r>
-          </a:p>
-          <a:p>
+              <a:t> é </a:t>
+            </a:r>
+            <a:r>
+              <a:rPr lang="en-GB" sz="2000" err="1">
+                <a:solidFill>
+                  <a:srgbClr val="FFFFFF"/>
+                </a:solidFill>
+                <a:cs typeface="Calibri"/>
+              </a:rPr>
+              <a:t>contínua</a:t>
+            </a:r>
             <a:r>
               <a:rPr lang="en-GB" sz="2000">
                 <a:solidFill>
@@ -10705,11 +11873,17 @@
                 </a:solidFill>
                 <a:cs typeface="Calibri"/>
               </a:rPr>
-              <a:t>Os 2 tipos de parametrização mais usados são:</a:t>
-            </a:r>
-          </a:p>
-          <a:p>
-            <a:pPr lvl="1"/>
+              <a:t> e serve para </a:t>
+            </a:r>
+            <a:r>
+              <a:rPr lang="en-GB" sz="2000" err="1">
+                <a:solidFill>
+                  <a:srgbClr val="FFFFFF"/>
+                </a:solidFill>
+                <a:cs typeface="Calibri"/>
+              </a:rPr>
+              <a:t>modelizar</a:t>
+            </a:r>
             <a:r>
               <a:rPr lang="en-GB" sz="2000">
                 <a:solidFill>
@@ -10717,11 +11891,17 @@
                 </a:solidFill>
                 <a:cs typeface="Calibri"/>
               </a:rPr>
-              <a:t>Com um parâmetro de forma k e um parâmetro de escala theta (Econometria);</a:t>
-            </a:r>
-          </a:p>
-          <a:p>
-            <a:pPr lvl="1"/>
+              <a:t> </a:t>
+            </a:r>
+            <a:r>
+              <a:rPr lang="en-GB" sz="2000" err="1">
+                <a:solidFill>
+                  <a:srgbClr val="FFFFFF"/>
+                </a:solidFill>
+                <a:cs typeface="Calibri"/>
+              </a:rPr>
+              <a:t>variáveis</a:t>
+            </a:r>
             <a:r>
               <a:rPr lang="en-GB" sz="2000">
                 <a:solidFill>
@@ -10729,10 +11909,17 @@
                 </a:solidFill>
                 <a:cs typeface="Calibri"/>
               </a:rPr>
-              <a:t>Com um parâmetro de forma a=k e um parâmetro de escala inversa B = 1/theta (Inferência Bayesiana);</a:t>
-            </a:r>
-          </a:p>
-          <a:p>
+              <a:t> </a:t>
+            </a:r>
+            <a:r>
+              <a:rPr lang="en-GB" sz="2000" err="1">
+                <a:solidFill>
+                  <a:srgbClr val="FFFFFF"/>
+                </a:solidFill>
+                <a:cs typeface="Calibri"/>
+              </a:rPr>
+              <a:t>contínuas</a:t>
+            </a:r>
             <a:r>
               <a:rPr lang="en-GB" sz="2000">
                 <a:solidFill>
@@ -10740,10 +11927,17 @@
                 </a:solidFill>
                 <a:cs typeface="Calibri"/>
               </a:rPr>
-              <a:t>As distribuições exponencial, Erlang e Chi-Square são casos especiais da distribuição Gamma;</a:t>
-            </a:r>
-          </a:p>
-          <a:p>
+              <a:t> </a:t>
+            </a:r>
+            <a:r>
+              <a:rPr lang="en-GB" sz="2000" err="1">
+                <a:solidFill>
+                  <a:srgbClr val="FFFFFF"/>
+                </a:solidFill>
+                <a:cs typeface="Calibri"/>
+              </a:rPr>
+              <a:t>positivas</a:t>
+            </a:r>
             <a:r>
               <a:rPr lang="en-GB" sz="2000">
                 <a:solidFill>
@@ -10751,7 +11945,793 @@
                 </a:solidFill>
                 <a:cs typeface="Calibri"/>
               </a:rPr>
-              <a:t>É bastante usada para prever tempos de espera até que eventos futuros ocorram (prevê até ao evento k);</a:t>
+              <a:t> que </a:t>
+            </a:r>
+            <a:r>
+              <a:rPr lang="en-GB" sz="2000" err="1">
+                <a:solidFill>
+                  <a:srgbClr val="FFFFFF"/>
+                </a:solidFill>
+                <a:cs typeface="Calibri"/>
+              </a:rPr>
+              <a:t>são</a:t>
+            </a:r>
+            <a:r>
+              <a:rPr lang="en-GB" sz="2000">
+                <a:solidFill>
+                  <a:srgbClr val="FFFFFF"/>
+                </a:solidFill>
+                <a:cs typeface="Calibri"/>
+              </a:rPr>
+              <a:t> </a:t>
+            </a:r>
+            <a:r>
+              <a:rPr lang="en-GB" sz="2000" err="1">
+                <a:solidFill>
+                  <a:srgbClr val="FFFFFF"/>
+                </a:solidFill>
+                <a:cs typeface="Calibri"/>
+              </a:rPr>
+              <a:t>assimétricas</a:t>
+            </a:r>
+            <a:r>
+              <a:rPr lang="en-GB" sz="2000">
+                <a:solidFill>
+                  <a:srgbClr val="FFFFFF"/>
+                </a:solidFill>
+                <a:cs typeface="Calibri"/>
+              </a:rPr>
+              <a:t>;</a:t>
+            </a:r>
+          </a:p>
+          <a:p>
+            <a:r>
+              <a:rPr lang="en-GB" sz="2000">
+                <a:solidFill>
+                  <a:srgbClr val="FFFFFF"/>
+                </a:solidFill>
+                <a:cs typeface="Calibri"/>
+              </a:rPr>
+              <a:t>É </a:t>
+            </a:r>
+            <a:r>
+              <a:rPr lang="en-GB" sz="2000" err="1">
+                <a:solidFill>
+                  <a:srgbClr val="FFFFFF"/>
+                </a:solidFill>
+                <a:cs typeface="Calibri"/>
+              </a:rPr>
+              <a:t>uma</a:t>
+            </a:r>
+            <a:r>
+              <a:rPr lang="en-GB" sz="2000">
+                <a:solidFill>
+                  <a:srgbClr val="FFFFFF"/>
+                </a:solidFill>
+                <a:cs typeface="Calibri"/>
+              </a:rPr>
+              <a:t> </a:t>
+            </a:r>
+            <a:r>
+              <a:rPr lang="en-GB" sz="2000" err="1">
+                <a:solidFill>
+                  <a:srgbClr val="FFFFFF"/>
+                </a:solidFill>
+                <a:cs typeface="Calibri"/>
+              </a:rPr>
+              <a:t>distribuição</a:t>
+            </a:r>
+            <a:r>
+              <a:rPr lang="en-GB" sz="2000">
+                <a:solidFill>
+                  <a:srgbClr val="FFFFFF"/>
+                </a:solidFill>
+                <a:cs typeface="Calibri"/>
+              </a:rPr>
+              <a:t> com 2 </a:t>
+            </a:r>
+            <a:r>
+              <a:rPr lang="en-GB" sz="2000" err="1">
+                <a:solidFill>
+                  <a:srgbClr val="FFFFFF"/>
+                </a:solidFill>
+                <a:cs typeface="Calibri"/>
+              </a:rPr>
+              <a:t>parâmetros</a:t>
+            </a:r>
+            <a:r>
+              <a:rPr lang="en-GB" sz="2000">
+                <a:solidFill>
+                  <a:srgbClr val="FFFFFF"/>
+                </a:solidFill>
+                <a:cs typeface="Calibri"/>
+              </a:rPr>
+              <a:t> reais </a:t>
+            </a:r>
+            <a:r>
+              <a:rPr lang="en-GB" sz="2000" err="1">
+                <a:solidFill>
+                  <a:srgbClr val="FFFFFF"/>
+                </a:solidFill>
+                <a:cs typeface="Calibri"/>
+              </a:rPr>
+              <a:t>positivos</a:t>
+            </a:r>
+            <a:r>
+              <a:rPr lang="en-GB" sz="2000">
+                <a:solidFill>
+                  <a:srgbClr val="FFFFFF"/>
+                </a:solidFill>
+                <a:cs typeface="Calibri"/>
+              </a:rPr>
+              <a:t>, </a:t>
+            </a:r>
+            <a:r>
+              <a:rPr lang="en-GB" sz="2000" err="1">
+                <a:solidFill>
+                  <a:srgbClr val="FFFFFF"/>
+                </a:solidFill>
+                <a:cs typeface="Calibri"/>
+              </a:rPr>
+              <a:t>porque</a:t>
+            </a:r>
+            <a:r>
+              <a:rPr lang="en-GB" sz="2000">
+                <a:solidFill>
+                  <a:srgbClr val="FFFFFF"/>
+                </a:solidFill>
+                <a:cs typeface="Calibri"/>
+              </a:rPr>
+              <a:t> um </a:t>
+            </a:r>
+            <a:r>
+              <a:rPr lang="en-GB" sz="2000" err="1">
+                <a:solidFill>
+                  <a:srgbClr val="FFFFFF"/>
+                </a:solidFill>
+                <a:cs typeface="Calibri"/>
+              </a:rPr>
+              <a:t>parâmetro</a:t>
+            </a:r>
+            <a:r>
+              <a:rPr lang="en-GB" sz="2000">
+                <a:solidFill>
+                  <a:srgbClr val="FFFFFF"/>
+                </a:solidFill>
+                <a:cs typeface="Calibri"/>
+              </a:rPr>
+              <a:t> (k) </a:t>
+            </a:r>
+            <a:r>
+              <a:rPr lang="en-GB" sz="2000" err="1">
+                <a:solidFill>
+                  <a:srgbClr val="FFFFFF"/>
+                </a:solidFill>
+                <a:cs typeface="Calibri"/>
+              </a:rPr>
+              <a:t>representa</a:t>
+            </a:r>
+            <a:r>
+              <a:rPr lang="en-GB" sz="2000">
+                <a:solidFill>
+                  <a:srgbClr val="FFFFFF"/>
+                </a:solidFill>
+                <a:cs typeface="Calibri"/>
+              </a:rPr>
+              <a:t> o </a:t>
+            </a:r>
+            <a:r>
+              <a:rPr lang="en-GB" sz="2000" err="1">
+                <a:solidFill>
+                  <a:srgbClr val="FFFFFF"/>
+                </a:solidFill>
+                <a:cs typeface="Calibri"/>
+              </a:rPr>
+              <a:t>número</a:t>
+            </a:r>
+            <a:r>
+              <a:rPr lang="en-GB" sz="2000">
+                <a:solidFill>
+                  <a:srgbClr val="FFFFFF"/>
+                </a:solidFill>
+                <a:cs typeface="Calibri"/>
+              </a:rPr>
+              <a:t> de </a:t>
+            </a:r>
+            <a:r>
+              <a:rPr lang="en-GB" sz="2000" err="1">
+                <a:solidFill>
+                  <a:srgbClr val="FFFFFF"/>
+                </a:solidFill>
+                <a:cs typeface="Calibri"/>
+              </a:rPr>
+              <a:t>eventos</a:t>
+            </a:r>
+            <a:r>
+              <a:rPr lang="en-GB" sz="2000">
+                <a:solidFill>
+                  <a:srgbClr val="FFFFFF"/>
+                </a:solidFill>
+                <a:cs typeface="Calibri"/>
+              </a:rPr>
+              <a:t> e o outro(Beta) </a:t>
+            </a:r>
+            <a:r>
+              <a:rPr lang="en-GB" sz="2000" err="1">
+                <a:solidFill>
+                  <a:srgbClr val="FFFFFF"/>
+                </a:solidFill>
+                <a:cs typeface="Calibri"/>
+              </a:rPr>
+              <a:t>representa</a:t>
+            </a:r>
+            <a:r>
+              <a:rPr lang="en-GB" sz="2000">
+                <a:solidFill>
+                  <a:srgbClr val="FFFFFF"/>
+                </a:solidFill>
+                <a:cs typeface="Calibri"/>
+              </a:rPr>
+              <a:t> a taxa de </a:t>
+            </a:r>
+            <a:r>
+              <a:rPr lang="en-GB" sz="2000" err="1">
+                <a:solidFill>
+                  <a:srgbClr val="FFFFFF"/>
+                </a:solidFill>
+                <a:cs typeface="Calibri"/>
+              </a:rPr>
+              <a:t>eventos</a:t>
+            </a:r>
+            <a:r>
+              <a:rPr lang="en-GB" sz="2000">
+                <a:solidFill>
+                  <a:srgbClr val="FFFFFF"/>
+                </a:solidFill>
+                <a:cs typeface="Calibri"/>
+              </a:rPr>
+              <a:t>;</a:t>
+            </a:r>
+          </a:p>
+          <a:p>
+            <a:r>
+              <a:rPr lang="en-GB" sz="2000" err="1">
+                <a:solidFill>
+                  <a:srgbClr val="FFFFFF"/>
+                </a:solidFill>
+                <a:cs typeface="Calibri"/>
+              </a:rPr>
+              <a:t>Os</a:t>
+            </a:r>
+            <a:r>
+              <a:rPr lang="en-GB" sz="2000">
+                <a:solidFill>
+                  <a:srgbClr val="FFFFFF"/>
+                </a:solidFill>
+                <a:cs typeface="Calibri"/>
+              </a:rPr>
+              <a:t> 2 </a:t>
+            </a:r>
+            <a:r>
+              <a:rPr lang="en-GB" sz="2000" err="1">
+                <a:solidFill>
+                  <a:srgbClr val="FFFFFF"/>
+                </a:solidFill>
+                <a:cs typeface="Calibri"/>
+              </a:rPr>
+              <a:t>tipos</a:t>
+            </a:r>
+            <a:r>
+              <a:rPr lang="en-GB" sz="2000">
+                <a:solidFill>
+                  <a:srgbClr val="FFFFFF"/>
+                </a:solidFill>
+                <a:cs typeface="Calibri"/>
+              </a:rPr>
+              <a:t> de </a:t>
+            </a:r>
+            <a:r>
+              <a:rPr lang="en-GB" sz="2000" err="1">
+                <a:solidFill>
+                  <a:srgbClr val="FFFFFF"/>
+                </a:solidFill>
+                <a:cs typeface="Calibri"/>
+              </a:rPr>
+              <a:t>parametrização</a:t>
+            </a:r>
+            <a:r>
+              <a:rPr lang="en-GB" sz="2000">
+                <a:solidFill>
+                  <a:srgbClr val="FFFFFF"/>
+                </a:solidFill>
+                <a:cs typeface="Calibri"/>
+              </a:rPr>
+              <a:t> </a:t>
+            </a:r>
+            <a:r>
+              <a:rPr lang="en-GB" sz="2000" err="1">
+                <a:solidFill>
+                  <a:srgbClr val="FFFFFF"/>
+                </a:solidFill>
+                <a:cs typeface="Calibri"/>
+              </a:rPr>
+              <a:t>mais</a:t>
+            </a:r>
+            <a:r>
+              <a:rPr lang="en-GB" sz="2000">
+                <a:solidFill>
+                  <a:srgbClr val="FFFFFF"/>
+                </a:solidFill>
+                <a:cs typeface="Calibri"/>
+              </a:rPr>
+              <a:t> </a:t>
+            </a:r>
+            <a:r>
+              <a:rPr lang="en-GB" sz="2000" err="1">
+                <a:solidFill>
+                  <a:srgbClr val="FFFFFF"/>
+                </a:solidFill>
+                <a:cs typeface="Calibri"/>
+              </a:rPr>
+              <a:t>usados</a:t>
+            </a:r>
+            <a:r>
+              <a:rPr lang="en-GB" sz="2000">
+                <a:solidFill>
+                  <a:srgbClr val="FFFFFF"/>
+                </a:solidFill>
+                <a:cs typeface="Calibri"/>
+              </a:rPr>
+              <a:t> </a:t>
+            </a:r>
+            <a:r>
+              <a:rPr lang="en-GB" sz="2000" err="1">
+                <a:solidFill>
+                  <a:srgbClr val="FFFFFF"/>
+                </a:solidFill>
+                <a:cs typeface="Calibri"/>
+              </a:rPr>
+              <a:t>são</a:t>
+            </a:r>
+            <a:r>
+              <a:rPr lang="en-GB" sz="2000">
+                <a:solidFill>
+                  <a:srgbClr val="FFFFFF"/>
+                </a:solidFill>
+                <a:cs typeface="Calibri"/>
+              </a:rPr>
+              <a:t>:</a:t>
+            </a:r>
+          </a:p>
+          <a:p>
+            <a:pPr lvl="1"/>
+            <a:r>
+              <a:rPr lang="en-GB" sz="2000">
+                <a:solidFill>
+                  <a:srgbClr val="FFFFFF"/>
+                </a:solidFill>
+                <a:cs typeface="Calibri"/>
+              </a:rPr>
+              <a:t>Com um </a:t>
+            </a:r>
+            <a:r>
+              <a:rPr lang="en-GB" sz="2000" err="1">
+                <a:solidFill>
+                  <a:srgbClr val="FFFFFF"/>
+                </a:solidFill>
+                <a:cs typeface="Calibri"/>
+              </a:rPr>
+              <a:t>parâmetro</a:t>
+            </a:r>
+            <a:r>
+              <a:rPr lang="en-GB" sz="2000">
+                <a:solidFill>
+                  <a:srgbClr val="FFFFFF"/>
+                </a:solidFill>
+                <a:cs typeface="Calibri"/>
+              </a:rPr>
+              <a:t> de forma k e um </a:t>
+            </a:r>
+            <a:r>
+              <a:rPr lang="en-GB" sz="2000" err="1">
+                <a:solidFill>
+                  <a:srgbClr val="FFFFFF"/>
+                </a:solidFill>
+                <a:cs typeface="Calibri"/>
+              </a:rPr>
+              <a:t>parâmetro</a:t>
+            </a:r>
+            <a:r>
+              <a:rPr lang="en-GB" sz="2000">
+                <a:solidFill>
+                  <a:srgbClr val="FFFFFF"/>
+                </a:solidFill>
+                <a:cs typeface="Calibri"/>
+              </a:rPr>
+              <a:t> de </a:t>
+            </a:r>
+            <a:r>
+              <a:rPr lang="en-GB" sz="2000" err="1">
+                <a:solidFill>
+                  <a:srgbClr val="FFFFFF"/>
+                </a:solidFill>
+                <a:cs typeface="Calibri"/>
+              </a:rPr>
+              <a:t>escala</a:t>
+            </a:r>
+            <a:r>
+              <a:rPr lang="en-GB" sz="2000">
+                <a:solidFill>
+                  <a:srgbClr val="FFFFFF"/>
+                </a:solidFill>
+                <a:cs typeface="Calibri"/>
+              </a:rPr>
+              <a:t> theta (</a:t>
+            </a:r>
+            <a:r>
+              <a:rPr lang="en-GB" sz="2000" err="1">
+                <a:solidFill>
+                  <a:srgbClr val="FFFFFF"/>
+                </a:solidFill>
+                <a:cs typeface="Calibri"/>
+              </a:rPr>
+              <a:t>Econometria</a:t>
+            </a:r>
+            <a:r>
+              <a:rPr lang="en-GB" sz="2000">
+                <a:solidFill>
+                  <a:srgbClr val="FFFFFF"/>
+                </a:solidFill>
+                <a:cs typeface="Calibri"/>
+              </a:rPr>
+              <a:t>);</a:t>
+            </a:r>
+          </a:p>
+          <a:p>
+            <a:pPr lvl="1"/>
+            <a:r>
+              <a:rPr lang="en-GB" sz="2000">
+                <a:solidFill>
+                  <a:srgbClr val="FFFFFF"/>
+                </a:solidFill>
+                <a:cs typeface="Calibri"/>
+              </a:rPr>
+              <a:t>Com um </a:t>
+            </a:r>
+            <a:r>
+              <a:rPr lang="en-GB" sz="2000" err="1">
+                <a:solidFill>
+                  <a:srgbClr val="FFFFFF"/>
+                </a:solidFill>
+                <a:cs typeface="Calibri"/>
+              </a:rPr>
+              <a:t>parâmetro</a:t>
+            </a:r>
+            <a:r>
+              <a:rPr lang="en-GB" sz="2000">
+                <a:solidFill>
+                  <a:srgbClr val="FFFFFF"/>
+                </a:solidFill>
+                <a:cs typeface="Calibri"/>
+              </a:rPr>
+              <a:t> de forma a=k e um </a:t>
+            </a:r>
+            <a:r>
+              <a:rPr lang="en-GB" sz="2000" err="1">
+                <a:solidFill>
+                  <a:srgbClr val="FFFFFF"/>
+                </a:solidFill>
+                <a:cs typeface="Calibri"/>
+              </a:rPr>
+              <a:t>parâmetro</a:t>
+            </a:r>
+            <a:r>
+              <a:rPr lang="en-GB" sz="2000">
+                <a:solidFill>
+                  <a:srgbClr val="FFFFFF"/>
+                </a:solidFill>
+                <a:cs typeface="Calibri"/>
+              </a:rPr>
+              <a:t> de </a:t>
+            </a:r>
+            <a:r>
+              <a:rPr lang="en-GB" sz="2000" err="1">
+                <a:solidFill>
+                  <a:srgbClr val="FFFFFF"/>
+                </a:solidFill>
+                <a:cs typeface="Calibri"/>
+              </a:rPr>
+              <a:t>escala</a:t>
+            </a:r>
+            <a:r>
+              <a:rPr lang="en-GB" sz="2000">
+                <a:solidFill>
+                  <a:srgbClr val="FFFFFF"/>
+                </a:solidFill>
+                <a:cs typeface="Calibri"/>
+              </a:rPr>
+              <a:t> </a:t>
+            </a:r>
+            <a:r>
+              <a:rPr lang="en-GB" sz="2000" err="1">
+                <a:solidFill>
+                  <a:srgbClr val="FFFFFF"/>
+                </a:solidFill>
+                <a:cs typeface="Calibri"/>
+              </a:rPr>
+              <a:t>inversa</a:t>
+            </a:r>
+            <a:r>
+              <a:rPr lang="en-GB" sz="2000">
+                <a:solidFill>
+                  <a:srgbClr val="FFFFFF"/>
+                </a:solidFill>
+                <a:cs typeface="Calibri"/>
+              </a:rPr>
+              <a:t> B = 1/theta (</a:t>
+            </a:r>
+            <a:r>
+              <a:rPr lang="en-GB" sz="2000" err="1">
+                <a:solidFill>
+                  <a:srgbClr val="FFFFFF"/>
+                </a:solidFill>
+                <a:cs typeface="Calibri"/>
+              </a:rPr>
+              <a:t>Inferência</a:t>
+            </a:r>
+            <a:r>
+              <a:rPr lang="en-GB" sz="2000">
+                <a:solidFill>
+                  <a:srgbClr val="FFFFFF"/>
+                </a:solidFill>
+                <a:cs typeface="Calibri"/>
+              </a:rPr>
+              <a:t> </a:t>
+            </a:r>
+            <a:r>
+              <a:rPr lang="en-GB" sz="2000" err="1">
+                <a:solidFill>
+                  <a:srgbClr val="FFFFFF"/>
+                </a:solidFill>
+                <a:cs typeface="Calibri"/>
+              </a:rPr>
+              <a:t>Bayesiana</a:t>
+            </a:r>
+            <a:r>
+              <a:rPr lang="en-GB" sz="2000">
+                <a:solidFill>
+                  <a:srgbClr val="FFFFFF"/>
+                </a:solidFill>
+                <a:cs typeface="Calibri"/>
+              </a:rPr>
+              <a:t>);</a:t>
+            </a:r>
+          </a:p>
+          <a:p>
+            <a:r>
+              <a:rPr lang="en-GB" sz="2000">
+                <a:solidFill>
+                  <a:srgbClr val="FFFFFF"/>
+                </a:solidFill>
+                <a:cs typeface="Calibri"/>
+              </a:rPr>
+              <a:t>É </a:t>
+            </a:r>
+            <a:r>
+              <a:rPr lang="en-GB" sz="2000" err="1">
+                <a:solidFill>
+                  <a:srgbClr val="FFFFFF"/>
+                </a:solidFill>
+                <a:cs typeface="Calibri"/>
+              </a:rPr>
+              <a:t>bastante</a:t>
+            </a:r>
+            <a:r>
+              <a:rPr lang="en-GB" sz="2000">
+                <a:solidFill>
+                  <a:srgbClr val="FFFFFF"/>
+                </a:solidFill>
+                <a:cs typeface="Calibri"/>
+              </a:rPr>
+              <a:t> </a:t>
+            </a:r>
+            <a:r>
+              <a:rPr lang="en-GB" sz="2000" err="1">
+                <a:solidFill>
+                  <a:srgbClr val="FFFFFF"/>
+                </a:solidFill>
+                <a:cs typeface="Calibri"/>
+              </a:rPr>
+              <a:t>usada</a:t>
+            </a:r>
+            <a:r>
+              <a:rPr lang="en-GB" sz="2000">
+                <a:solidFill>
+                  <a:srgbClr val="FFFFFF"/>
+                </a:solidFill>
+                <a:cs typeface="Calibri"/>
+              </a:rPr>
+              <a:t> para </a:t>
+            </a:r>
+            <a:r>
+              <a:rPr lang="en-GB" sz="2000" err="1">
+                <a:solidFill>
+                  <a:srgbClr val="FFFFFF"/>
+                </a:solidFill>
+                <a:cs typeface="Calibri"/>
+              </a:rPr>
+              <a:t>prever</a:t>
+            </a:r>
+            <a:r>
+              <a:rPr lang="en-GB" sz="2000">
+                <a:solidFill>
+                  <a:srgbClr val="FFFFFF"/>
+                </a:solidFill>
+                <a:cs typeface="Calibri"/>
+              </a:rPr>
+              <a:t> tempos de </a:t>
+            </a:r>
+            <a:r>
+              <a:rPr lang="en-GB" sz="2000" err="1">
+                <a:solidFill>
+                  <a:srgbClr val="FFFFFF"/>
+                </a:solidFill>
+                <a:cs typeface="Calibri"/>
+              </a:rPr>
+              <a:t>espera</a:t>
+            </a:r>
+            <a:r>
+              <a:rPr lang="en-GB" sz="2000">
+                <a:solidFill>
+                  <a:srgbClr val="FFFFFF"/>
+                </a:solidFill>
+                <a:cs typeface="Calibri"/>
+              </a:rPr>
+              <a:t> </a:t>
+            </a:r>
+            <a:r>
+              <a:rPr lang="en-GB" sz="2000" err="1">
+                <a:solidFill>
+                  <a:srgbClr val="FFFFFF"/>
+                </a:solidFill>
+                <a:cs typeface="Calibri"/>
+              </a:rPr>
+              <a:t>até</a:t>
+            </a:r>
+            <a:r>
+              <a:rPr lang="en-GB" sz="2000">
+                <a:solidFill>
+                  <a:srgbClr val="FFFFFF"/>
+                </a:solidFill>
+                <a:cs typeface="Calibri"/>
+              </a:rPr>
+              <a:t> que </a:t>
+            </a:r>
+            <a:r>
+              <a:rPr lang="en-GB" sz="2000" err="1">
+                <a:solidFill>
+                  <a:srgbClr val="FFFFFF"/>
+                </a:solidFill>
+                <a:cs typeface="Calibri"/>
+              </a:rPr>
+              <a:t>eventos</a:t>
+            </a:r>
+            <a:r>
+              <a:rPr lang="en-GB" sz="2000">
+                <a:solidFill>
+                  <a:srgbClr val="FFFFFF"/>
+                </a:solidFill>
+                <a:cs typeface="Calibri"/>
+              </a:rPr>
+              <a:t> </a:t>
+            </a:r>
+            <a:r>
+              <a:rPr lang="en-GB" sz="2000" err="1">
+                <a:solidFill>
+                  <a:srgbClr val="FFFFFF"/>
+                </a:solidFill>
+                <a:cs typeface="Calibri"/>
+              </a:rPr>
+              <a:t>futuros</a:t>
+            </a:r>
+            <a:r>
+              <a:rPr lang="en-GB" sz="2000">
+                <a:solidFill>
+                  <a:srgbClr val="FFFFFF"/>
+                </a:solidFill>
+                <a:cs typeface="Calibri"/>
+              </a:rPr>
+              <a:t> </a:t>
+            </a:r>
+            <a:r>
+              <a:rPr lang="en-GB" sz="2000" err="1">
+                <a:solidFill>
+                  <a:srgbClr val="FFFFFF"/>
+                </a:solidFill>
+                <a:cs typeface="Calibri"/>
+              </a:rPr>
+              <a:t>ocorram</a:t>
+            </a:r>
+            <a:r>
+              <a:rPr lang="en-GB" sz="2000">
+                <a:solidFill>
+                  <a:srgbClr val="FFFFFF"/>
+                </a:solidFill>
+                <a:cs typeface="Calibri"/>
+              </a:rPr>
+              <a:t> (</a:t>
+            </a:r>
+            <a:r>
+              <a:rPr lang="en-GB" sz="2000" err="1">
+                <a:solidFill>
+                  <a:srgbClr val="FFFFFF"/>
+                </a:solidFill>
+                <a:cs typeface="Calibri"/>
+              </a:rPr>
+              <a:t>prevê</a:t>
+            </a:r>
+            <a:r>
+              <a:rPr lang="en-GB" sz="2000">
+                <a:solidFill>
+                  <a:srgbClr val="FFFFFF"/>
+                </a:solidFill>
+                <a:cs typeface="Calibri"/>
+              </a:rPr>
+              <a:t> </a:t>
+            </a:r>
+            <a:r>
+              <a:rPr lang="en-GB" sz="2000" err="1">
+                <a:solidFill>
+                  <a:srgbClr val="FFFFFF"/>
+                </a:solidFill>
+                <a:cs typeface="Calibri"/>
+              </a:rPr>
+              <a:t>até</a:t>
+            </a:r>
+            <a:r>
+              <a:rPr lang="en-GB" sz="2000">
+                <a:solidFill>
+                  <a:srgbClr val="FFFFFF"/>
+                </a:solidFill>
+                <a:cs typeface="Calibri"/>
+              </a:rPr>
+              <a:t> </a:t>
+            </a:r>
+            <a:r>
+              <a:rPr lang="en-GB" sz="2000" err="1">
+                <a:solidFill>
+                  <a:srgbClr val="FFFFFF"/>
+                </a:solidFill>
+                <a:cs typeface="Calibri"/>
+              </a:rPr>
+              <a:t>ao</a:t>
+            </a:r>
+            <a:r>
+              <a:rPr lang="en-GB" sz="2000">
+                <a:solidFill>
+                  <a:srgbClr val="FFFFFF"/>
+                </a:solidFill>
+                <a:cs typeface="Calibri"/>
+              </a:rPr>
+              <a:t> </a:t>
+            </a:r>
+            <a:r>
+              <a:rPr lang="en-GB" sz="2000" err="1">
+                <a:solidFill>
+                  <a:srgbClr val="FFFFFF"/>
+                </a:solidFill>
+                <a:cs typeface="Calibri"/>
+              </a:rPr>
+              <a:t>evento</a:t>
+            </a:r>
+            <a:r>
+              <a:rPr lang="en-GB" sz="2000">
+                <a:solidFill>
+                  <a:srgbClr val="FFFFFF"/>
+                </a:solidFill>
+                <a:cs typeface="Calibri"/>
+              </a:rPr>
+              <a:t> k);</a:t>
             </a:r>
           </a:p>
         </p:txBody>
@@ -11174,30 +13154,33 @@
           <a:lstStyle/>
           <a:p>
             <a:r>
-              <a:rPr lang="en-GB" dirty="0" err="1">
+              <a:rPr lang="en-GB" err="1">
                 <a:cs typeface="Calibri Light"/>
               </a:rPr>
               <a:t>Definição</a:t>
             </a:r>
             <a:r>
-              <a:rPr lang="en-GB" dirty="0">
+              <a:rPr lang="en-GB">
                 <a:cs typeface="Calibri Light"/>
               </a:rPr>
               <a:t> </a:t>
             </a:r>
             <a:r>
-              <a:rPr lang="en-GB" dirty="0" err="1">
+              <a:rPr lang="en-GB" err="1">
                 <a:cs typeface="Calibri Light"/>
               </a:rPr>
               <a:t>Matemática</a:t>
             </a:r>
             <a:r>
-              <a:rPr lang="en-GB" dirty="0">
+              <a:rPr lang="en-GB" baseline="30000">
+                <a:solidFill>
+                  <a:srgbClr val="FFFFFF"/>
+                </a:solidFill>
                 <a:cs typeface="Calibri Light"/>
               </a:rPr>
-              <a:t>:</a:t>
-            </a:r>
-            <a:endParaRPr lang="en-GB" dirty="0"/>
+              <a:t> [2]</a:t>
+            </a:r>
+            <a:endParaRPr lang="en-GB"/>
           </a:p>
         </p:txBody>
       </p:sp>
@@ -11232,67 +13215,67 @@
               <a:lstStyle/>
               <a:p>
                 <a:r>
-                  <a:rPr lang="en-GB" sz="2000" dirty="0">
+                  <a:rPr lang="en-GB" sz="2000">
                     <a:cs typeface="Calibri"/>
                   </a:rPr>
                   <a:t>A </a:t>
                 </a:r>
                 <a:r>
-                  <a:rPr lang="en-GB" sz="2000" dirty="0" err="1">
+                  <a:rPr lang="en-GB" sz="2000" err="1">
                     <a:cs typeface="Calibri"/>
                   </a:rPr>
                   <a:t>definição</a:t>
                 </a:r>
                 <a:r>
-                  <a:rPr lang="en-GB" sz="2000" dirty="0">
+                  <a:rPr lang="en-GB" sz="2000">
                     <a:cs typeface="Calibri"/>
                   </a:rPr>
                   <a:t> </a:t>
                 </a:r>
                 <a:r>
-                  <a:rPr lang="en-GB" sz="2000" dirty="0" err="1">
+                  <a:rPr lang="en-GB" sz="2000" err="1">
                     <a:cs typeface="Calibri"/>
                   </a:rPr>
                   <a:t>geral</a:t>
                 </a:r>
                 <a:r>
-                  <a:rPr lang="en-GB" sz="2000" dirty="0">
+                  <a:rPr lang="en-GB" sz="2000">
                     <a:cs typeface="Calibri"/>
                   </a:rPr>
                   <a:t> da </a:t>
                 </a:r>
                 <a:r>
-                  <a:rPr lang="en-GB" sz="2000" dirty="0" err="1">
+                  <a:rPr lang="en-GB" sz="2000" err="1">
                     <a:cs typeface="Calibri"/>
                   </a:rPr>
                   <a:t>função</a:t>
                 </a:r>
                 <a:r>
-                  <a:rPr lang="en-GB" sz="2000" dirty="0">
+                  <a:rPr lang="en-GB" sz="2000">
                     <a:cs typeface="Calibri"/>
                   </a:rPr>
                   <a:t> </a:t>
                 </a:r>
                 <a:r>
-                  <a:rPr lang="en-GB" sz="2000" dirty="0" err="1">
+                  <a:rPr lang="en-GB" sz="2000" err="1">
                     <a:cs typeface="Calibri"/>
                   </a:rPr>
                   <a:t>densidade</a:t>
                 </a:r>
                 <a:r>
-                  <a:rPr lang="en-GB" sz="2000" dirty="0">
+                  <a:rPr lang="en-GB" sz="2000">
                     <a:cs typeface="Calibri"/>
                   </a:rPr>
                   <a:t> de </a:t>
                 </a:r>
                 <a:r>
-                  <a:rPr lang="en-GB" sz="2000" dirty="0" err="1">
+                  <a:rPr lang="en-GB" sz="2000" err="1">
                     <a:cs typeface="Calibri"/>
                   </a:rPr>
                   <a:t>probabilidades</a:t>
                 </a:r>
                 <a:r>
-                  <a:rPr lang="en-GB" sz="2000" dirty="0">
+                  <a:rPr lang="en-GB" sz="2000">
                     <a:cs typeface="Calibri"/>
                   </a:rPr>
                   <a:t> é dada por:</a:t>
@@ -11302,7 +13285,7 @@
                 <a:pPr marL="0" indent="0">
                   <a:buNone/>
                 </a:pPr>
-                <a:endParaRPr lang="en-GB" sz="2000" dirty="0">
+                <a:endParaRPr lang="en-GB" sz="2000">
                   <a:cs typeface="Calibri"/>
                 </a:endParaRPr>
               </a:p>
@@ -11591,121 +13574,121 @@
                     </m:oMath>
                   </m:oMathPara>
                 </a14:m>
-                <a:endParaRPr lang="en-GB" sz="2000" dirty="0">
+                <a:endParaRPr lang="en-GB" sz="2000">
                   <a:cs typeface="Calibri"/>
                 </a:endParaRPr>
               </a:p>
               <a:p>
                 <a:r>
-                  <a:rPr lang="en-GB" sz="2000" dirty="0">
+                  <a:rPr lang="en-GB" sz="2000">
                     <a:cs typeface="Calibri"/>
                   </a:rPr>
                   <a:t>Este </a:t>
                 </a:r>
                 <a:r>
-                  <a:rPr lang="en-GB" sz="2000" dirty="0" err="1">
+                  <a:rPr lang="en-GB" sz="2000" err="1">
                     <a:cs typeface="Calibri"/>
                   </a:rPr>
                   <a:t>gráfico</a:t>
                 </a:r>
                 <a:r>
-                  <a:rPr lang="en-GB" sz="2000" dirty="0">
+                  <a:rPr lang="en-GB" sz="2000">
                     <a:cs typeface="Calibri"/>
                   </a:rPr>
                   <a:t> </a:t>
                 </a:r>
                 <a:r>
-                  <a:rPr lang="en-GB" sz="2000" dirty="0" err="1">
+                  <a:rPr lang="en-GB" sz="2000" err="1">
                     <a:cs typeface="Calibri"/>
                   </a:rPr>
                   <a:t>mostra</a:t>
                 </a:r>
                 <a:r>
-                  <a:rPr lang="en-GB" sz="2000" dirty="0">
+                  <a:rPr lang="en-GB" sz="2000">
                     <a:cs typeface="Calibri"/>
                   </a:rPr>
                   <a:t> </a:t>
                 </a:r>
                 <a:r>
-                  <a:rPr lang="en-GB" sz="2000" dirty="0" err="1">
+                  <a:rPr lang="en-GB" sz="2000" err="1">
                     <a:cs typeface="Calibri"/>
                   </a:rPr>
                   <a:t>algumas</a:t>
                 </a:r>
                 <a:r>
-                  <a:rPr lang="en-GB" sz="2000" dirty="0">
+                  <a:rPr lang="en-GB" sz="2000">
                     <a:cs typeface="Calibri"/>
                   </a:rPr>
                   <a:t> das </a:t>
                 </a:r>
                 <a:r>
-                  <a:rPr lang="en-GB" sz="2000" dirty="0" err="1">
+                  <a:rPr lang="en-GB" sz="2000" err="1">
                     <a:cs typeface="Calibri"/>
                   </a:rPr>
                   <a:t>formas</a:t>
                 </a:r>
                 <a:r>
-                  <a:rPr lang="en-GB" sz="2000" dirty="0">
+                  <a:rPr lang="en-GB" sz="2000">
                     <a:cs typeface="Calibri"/>
                   </a:rPr>
                   <a:t> que a </a:t>
                 </a:r>
                 <a:r>
-                  <a:rPr lang="en-GB" sz="2000" dirty="0" err="1">
+                  <a:rPr lang="en-GB" sz="2000" err="1">
                     <a:cs typeface="Calibri"/>
                   </a:rPr>
                   <a:t>distribuição</a:t>
                 </a:r>
                 <a:r>
-                  <a:rPr lang="en-GB" sz="2000" dirty="0">
+                  <a:rPr lang="en-GB" sz="2000">
                     <a:cs typeface="Calibri"/>
                   </a:rPr>
                   <a:t> </a:t>
                 </a:r>
                 <a:r>
-                  <a:rPr lang="en-GB" sz="2000" dirty="0" err="1">
+                  <a:rPr lang="en-GB" sz="2000" err="1">
                     <a:cs typeface="Calibri"/>
                   </a:rPr>
                   <a:t>pode</a:t>
                 </a:r>
                 <a:r>
-                  <a:rPr lang="en-GB" sz="2000" dirty="0">
+                  <a:rPr lang="en-GB" sz="2000">
                     <a:cs typeface="Calibri"/>
                   </a:rPr>
                   <a:t> </a:t>
                 </a:r>
                 <a:r>
-                  <a:rPr lang="en-GB" sz="2000" dirty="0" err="1">
+                  <a:rPr lang="en-GB" sz="2000" err="1">
                     <a:cs typeface="Calibri"/>
                   </a:rPr>
                   <a:t>tomar</a:t>
                 </a:r>
                 <a:r>
-                  <a:rPr lang="en-GB" sz="2000" dirty="0">
+                  <a:rPr lang="en-GB" sz="2000">
                     <a:cs typeface="Calibri"/>
                   </a:rPr>
                   <a:t> para </a:t>
                 </a:r>
                 <a:r>
-                  <a:rPr lang="en-GB" sz="2000" dirty="0" err="1">
+                  <a:rPr lang="en-GB" sz="2000" err="1">
                     <a:cs typeface="Calibri"/>
                   </a:rPr>
                   <a:t>diferentes</a:t>
                 </a:r>
                 <a:r>
-                  <a:rPr lang="en-GB" sz="2000" dirty="0">
+                  <a:rPr lang="en-GB" sz="2000">
                     <a:cs typeface="Calibri"/>
                   </a:rPr>
                   <a:t> </a:t>
                 </a:r>
                 <a:r>
-                  <a:rPr lang="en-GB" sz="2000" dirty="0" err="1">
+                  <a:rPr lang="en-GB" sz="2000" err="1">
                     <a:cs typeface="Calibri"/>
                   </a:rPr>
                   <a:t>valores</a:t>
                 </a:r>
                 <a:r>
-                  <a:rPr lang="en-GB" sz="2000" dirty="0">
+                  <a:rPr lang="en-GB" sz="2000">
                     <a:cs typeface="Calibri"/>
                   </a:rPr>
                   <a:t> de alpha e beta</a:t>
@@ -11713,13 +13696,13 @@
               </a:p>
               <a:p>
                 <a:pPr lvl="1"/>
-                <a:endParaRPr lang="en-GB" sz="2000" dirty="0">
+                <a:endParaRPr lang="en-GB" sz="2000">
                   <a:cs typeface="Calibri"/>
                 </a:endParaRPr>
               </a:p>
               <a:p>
                 <a:pPr lvl="1"/>
-                <a:endParaRPr lang="en-GB" sz="2000" dirty="0">
+                <a:endParaRPr lang="en-GB" sz="2000">
                   <a:cs typeface="Calibri"/>
                 </a:endParaRPr>
               </a:p>
@@ -11760,7 +13743,7 @@
               <a:lstStyle/>
               <a:p>
                 <a:r>
-                  <a:rPr lang="en-GB">
+                  <a:rPr lang="en-US">
                     <a:noFill/>
                   </a:rPr>
                   <a:t> </a:t>
@@ -11798,7 +13781,7 @@
         </p:blipFill>
         <p:spPr>
           <a:xfrm>
-            <a:off x="6417734" y="2561685"/>
+            <a:off x="6417734" y="2058163"/>
             <a:ext cx="4935970" cy="3245400"/>
           </a:xfrm>
           <a:prstGeom prst="rect">
@@ -11903,6 +13886,61 @@
       </p:grpSpPr>
       <p:sp>
         <p:nvSpPr>
+          <p:cNvPr id="17" name="Rectangle 16">
+            <a:extLst>
+              <a:ext uri="{FF2B5EF4-FFF2-40B4-BE49-F238E27FC236}">
+                <a16:creationId xmlns:a16="http://schemas.microsoft.com/office/drawing/2014/main" id="{4191F4AB-111F-4576-9964-19906185D7B6}"/>
+              </a:ext>
+            </a:extLst>
+          </p:cNvPr>
+          <p:cNvSpPr/>
+          <p:nvPr/>
+        </p:nvSpPr>
+        <p:spPr>
+          <a:xfrm>
+            <a:off x="0" y="0"/>
+            <a:ext cx="12192000" cy="2429301"/>
+          </a:xfrm>
+          <a:prstGeom prst="rect">
+            <a:avLst/>
+          </a:prstGeom>
+          <a:solidFill>
+            <a:schemeClr val="tx1">
+              <a:lumMod val="75000"/>
+              <a:lumOff val="25000"/>
+            </a:schemeClr>
+          </a:solidFill>
+          <a:ln>
+            <a:noFill/>
+          </a:ln>
+        </p:spPr>
+        <p:style>
+          <a:lnRef idx="2">
+            <a:schemeClr val="accent1">
+              <a:shade val="50000"/>
+            </a:schemeClr>
+          </a:lnRef>
+          <a:fillRef idx="1">
+            <a:schemeClr val="accent1"/>
+          </a:fillRef>
+          <a:effectRef idx="0">
+            <a:schemeClr val="accent1"/>
+          </a:effectRef>
+          <a:fontRef idx="minor">
+            <a:schemeClr val="lt1"/>
+          </a:fontRef>
+        </p:style>
+        <p:txBody>
+          <a:bodyPr rtlCol="0" anchor="ctr"/>
+          <a:lstStyle/>
+          <a:p>
+            <a:pPr algn="ctr"/>
+            <a:endParaRPr lang="en-GB"/>
+          </a:p>
+        </p:txBody>
+      </p:sp>
+      <p:sp>
+        <p:nvSpPr>
           <p:cNvPr id="2" name="Title 1">
             <a:extLst>
               <a:ext uri="{FF2B5EF4-FFF2-40B4-BE49-F238E27FC236}">
@@ -11919,16 +13957,35 @@
         </p:nvSpPr>
         <p:spPr/>
         <p:txBody>
-          <a:bodyPr/>
+          <a:bodyPr>
+            <a:normAutofit/>
+          </a:bodyPr>
           <a:lstStyle/>
           <a:p>
             <a:r>
-              <a:rPr lang="en-GB">
+              <a:rPr lang="en-GB" sz="5400">
+                <a:solidFill>
+                  <a:schemeClr val="bg1"/>
+                </a:solidFill>
                 <a:cs typeface="Calibri Light"/>
               </a:rPr>
-              <a:t>Fila da Caixa do continente</a:t>
-            </a:r>
-            <a:endParaRPr lang="en-GB"/>
+              <a:t>Fila da Caixa do </a:t>
+            </a:r>
+            <a:r>
+              <a:rPr lang="en-GB" sz="5400" err="1">
+                <a:solidFill>
+                  <a:schemeClr val="bg1"/>
+                </a:solidFill>
+                <a:cs typeface="Calibri Light"/>
+              </a:rPr>
+              <a:t>Continente</a:t>
+            </a:r>
+            <a:endParaRPr lang="en-GB" sz="5400">
+              <a:solidFill>
+                <a:schemeClr val="bg1"/>
+              </a:solidFill>
+              <a:cs typeface="Calibri Light"/>
+            </a:endParaRPr>
           </a:p>
         </p:txBody>
       </p:sp>
@@ -11956,17 +14013,88 @@
         </p:blipFill>
         <p:spPr>
           <a:xfrm>
-            <a:off x="3161708" y="1825625"/>
-            <a:ext cx="5865191" cy="4351338"/>
+            <a:off x="3505935" y="2569240"/>
+            <a:ext cx="5104665" cy="3787110"/>
           </a:xfrm>
         </p:spPr>
       </p:pic>
+      <p:sp>
+        <p:nvSpPr>
+          <p:cNvPr id="5" name="Slide Number Placeholder 4">
+            <a:extLst>
+              <a:ext uri="{FF2B5EF4-FFF2-40B4-BE49-F238E27FC236}">
+                <a16:creationId xmlns:a16="http://schemas.microsoft.com/office/drawing/2014/main" id="{7C805288-A220-4E73-A110-85396D51526E}"/>
+              </a:ext>
+            </a:extLst>
+          </p:cNvPr>
+          <p:cNvSpPr>
+            <a:spLocks noGrp="1"/>
+          </p:cNvSpPr>
+          <p:nvPr>
+            <p:ph type="sldNum" sz="quarter" idx="12"/>
+          </p:nvPr>
+        </p:nvSpPr>
+        <p:spPr/>
+        <p:txBody>
+          <a:bodyPr/>
+          <a:lstStyle/>
+          <a:p>
+            <a:fld id="{4310B044-6F84-4299-A58B-8057292127B9}" type="slidenum">
+              <a:rPr lang="en-GB" smtClean="0"/>
+              <a:t>8</a:t>
+            </a:fld>
+            <a:endParaRPr lang="en-GB"/>
+          </a:p>
+        </p:txBody>
+      </p:sp>
+      <p:sp>
+        <p:nvSpPr>
+          <p:cNvPr id="3" name="CaixaDeTexto 2">
+            <a:extLst>
+              <a:ext uri="{FF2B5EF4-FFF2-40B4-BE49-F238E27FC236}">
+                <a16:creationId xmlns:a16="http://schemas.microsoft.com/office/drawing/2014/main" id="{8D8E753A-5D4A-4E9D-8650-BAD1F8D1FC30}"/>
+              </a:ext>
+            </a:extLst>
+          </p:cNvPr>
+          <p:cNvSpPr txBox="1"/>
+          <p:nvPr/>
+        </p:nvSpPr>
+        <p:spPr>
+          <a:xfrm>
+            <a:off x="913752" y="1580863"/>
+            <a:ext cx="10115550" cy="584775"/>
+          </a:xfrm>
+          <a:prstGeom prst="rect">
+            <a:avLst/>
+          </a:prstGeom>
+          <a:noFill/>
+        </p:spPr>
+        <p:txBody>
+          <a:bodyPr rot="0" spcFirstLastPara="0" vertOverflow="overflow" horzOverflow="overflow" vert="horz" wrap="square" lIns="91440" tIns="45720" rIns="91440" bIns="45720" numCol="1" spcCol="0" rtlCol="0" fromWordArt="0" anchor="t" anchorCtr="0" forceAA="0" compatLnSpc="1">
+            <a:prstTxWarp prst="textNoShape">
+              <a:avLst/>
+            </a:prstTxWarp>
+            <a:spAutoFit/>
+          </a:bodyPr>
+          <a:lstStyle/>
+          <a:p>
+            <a:r>
+              <a:rPr lang="pt-PT" sz="1600">
+                <a:solidFill>
+                  <a:schemeClr val="bg1"/>
+                </a:solidFill>
+              </a:rPr>
+              <a:t>Se na fila do continente estiverem 20 pessoas à nossa frente, e forem atendidas em média 10 pessoas por hora, quanto tempo vamos esperar até sermos atendidos?</a:t>
+            </a:r>
+          </a:p>
+        </p:txBody>
+      </p:sp>
       <p:pic>
         <p:nvPicPr>
-          <p:cNvPr id="6" name="Picture 5" descr="Icon&#10;&#10;Description automatically generated">
+          <p:cNvPr id="18" name="Picture 17" descr="Icon&#10;&#10;Description automatically generated">
             <a:extLst>
               <a:ext uri="{FF2B5EF4-FFF2-40B4-BE49-F238E27FC236}">
-                <a16:creationId xmlns:a16="http://schemas.microsoft.com/office/drawing/2014/main" id="{9C118C18-DB7F-41BB-AB4F-FC58BDFE06AF}"/>
+                <a16:creationId xmlns:a16="http://schemas.microsoft.com/office/drawing/2014/main" id="{5092D918-AA13-44E3-9009-08D1D7B0E761}"/>
               </a:ext>
             </a:extLst>
           </p:cNvPr>
@@ -11997,35 +14125,6 @@
           </a:prstGeom>
         </p:spPr>
       </p:pic>
-      <p:sp>
-        <p:nvSpPr>
-          <p:cNvPr id="5" name="Slide Number Placeholder 4">
-            <a:extLst>
-              <a:ext uri="{FF2B5EF4-FFF2-40B4-BE49-F238E27FC236}">
-                <a16:creationId xmlns:a16="http://schemas.microsoft.com/office/drawing/2014/main" id="{7C805288-A220-4E73-A110-85396D51526E}"/>
-              </a:ext>
-            </a:extLst>
-          </p:cNvPr>
-          <p:cNvSpPr>
-            <a:spLocks noGrp="1"/>
-          </p:cNvSpPr>
-          <p:nvPr>
-            <p:ph type="sldNum" sz="quarter" idx="12"/>
-          </p:nvPr>
-        </p:nvSpPr>
-        <p:spPr/>
-        <p:txBody>
-          <a:bodyPr/>
-          <a:lstStyle/>
-          <a:p>
-            <a:fld id="{4310B044-6F84-4299-A58B-8057292127B9}" type="slidenum">
-              <a:rPr lang="en-GB" smtClean="0"/>
-              <a:t>8</a:t>
-            </a:fld>
-            <a:endParaRPr lang="en-GB"/>
-          </a:p>
-        </p:txBody>
-      </p:sp>
     </p:spTree>
     <p:extLst>
       <p:ext uri="{BB962C8B-B14F-4D97-AF65-F5344CB8AC3E}">
@@ -12042,6 +14141,14 @@
 <file path=ppt/slides/slide9.xml><?xml version="1.0" encoding="utf-8"?>
 <p:sld xmlns:a="http://schemas.openxmlformats.org/drawingml/2006/main" xmlns:r="http://schemas.openxmlformats.org/officeDocument/2006/relationships" xmlns:p="http://schemas.openxmlformats.org/presentationml/2006/main">
   <p:cSld>
+    <p:bg>
+      <p:bgPr>
+        <a:solidFill>
+          <a:srgbClr val="404040"/>
+        </a:solidFill>
+        <a:effectLst/>
+      </p:bgPr>
+    </p:bg>
     <p:spTree>
       <p:nvGrpSpPr>
         <p:cNvPr id="1" name=""/>
@@ -12058,10 +14165,307 @@
       </p:grpSpPr>
       <p:sp>
         <p:nvSpPr>
-          <p:cNvPr id="2" name="Title 1">
+          <p:cNvPr id="18" name="Rectangle 17">
             <a:extLst>
               <a:ext uri="{FF2B5EF4-FFF2-40B4-BE49-F238E27FC236}">
-                <a16:creationId xmlns:a16="http://schemas.microsoft.com/office/drawing/2014/main" id="{4E7F15B7-0593-41A2-B016-F58A5E7A0EC6}"/>
+                <a16:creationId xmlns:a16="http://schemas.microsoft.com/office/drawing/2014/main" id="{EA67B5B4-3A24-436E-B663-1B2EBFF8A0CD}"/>
+              </a:ext>
+              <a:ext uri="{C183D7F6-B498-43B3-948B-1728B52AA6E4}">
+                <adec:decorative xmlns:adec="http://schemas.microsoft.com/office/drawing/2017/decorative" val="1"/>
+              </a:ext>
+            </a:extLst>
+          </p:cNvPr>
+          <p:cNvSpPr>
+            <a:spLocks noGrp="1" noRot="1" noChangeAspect="1" noMove="1" noResize="1" noEditPoints="1" noAdjustHandles="1" noChangeArrowheads="1" noChangeShapeType="1" noTextEdit="1"/>
+          </p:cNvSpPr>
+          <p:nvPr>
+            <p:extLst>
+              <p:ext uri="{386F3935-93C4-4BCD-93E2-E3B085C9AB24}">
+                <p16:designElem xmlns:p16="http://schemas.microsoft.com/office/powerpoint/2015/main" val="1"/>
+              </p:ext>
+            </p:extLst>
+          </p:nvPr>
+        </p:nvSpPr>
+        <p:spPr>
+          <a:xfrm>
+            <a:off x="0" y="-3324"/>
+            <a:ext cx="12192000" cy="6861324"/>
+          </a:xfrm>
+          <a:prstGeom prst="rect">
+            <a:avLst/>
+          </a:prstGeom>
+          <a:solidFill>
+            <a:srgbClr val="404040"/>
+          </a:solidFill>
+          <a:ln>
+            <a:noFill/>
+          </a:ln>
+        </p:spPr>
+        <p:style>
+          <a:lnRef idx="2">
+            <a:schemeClr val="accent1">
+              <a:shade val="50000"/>
+            </a:schemeClr>
+          </a:lnRef>
+          <a:fillRef idx="1">
+            <a:schemeClr val="accent1"/>
+          </a:fillRef>
+          <a:effectRef idx="0">
+            <a:schemeClr val="accent1"/>
+          </a:effectRef>
+          <a:fontRef idx="minor">
+            <a:schemeClr val="lt1"/>
+          </a:fontRef>
+        </p:style>
+        <p:txBody>
+          <a:bodyPr rtlCol="0" anchor="ctr"/>
+          <a:lstStyle/>
+          <a:p>
+            <a:pPr algn="ctr"/>
+            <a:endParaRPr lang="en-US"/>
+          </a:p>
+        </p:txBody>
+      </p:sp>
+      <p:sp>
+        <p:nvSpPr>
+          <p:cNvPr id="20" name="Freeform 13">
+            <a:extLst>
+              <a:ext uri="{FF2B5EF4-FFF2-40B4-BE49-F238E27FC236}">
+                <a16:creationId xmlns:a16="http://schemas.microsoft.com/office/drawing/2014/main" id="{987FDF89-C993-41F4-A1B8-DBAFF16008A9}"/>
+              </a:ext>
+              <a:ext uri="{C183D7F6-B498-43B3-948B-1728B52AA6E4}">
+                <adec:decorative xmlns:adec="http://schemas.microsoft.com/office/drawing/2017/decorative" val="1"/>
+              </a:ext>
+            </a:extLst>
+          </p:cNvPr>
+          <p:cNvSpPr>
+            <a:spLocks noGrp="1" noRot="1" noChangeAspect="1" noMove="1" noResize="1" noEditPoints="1" noAdjustHandles="1" noChangeArrowheads="1" noChangeShapeType="1" noTextEdit="1"/>
+          </p:cNvSpPr>
+          <p:nvPr>
+            <p:extLst>
+              <p:ext uri="{386F3935-93C4-4BCD-93E2-E3B085C9AB24}">
+                <p16:designElem xmlns:p16="http://schemas.microsoft.com/office/powerpoint/2015/main" val="1"/>
+              </p:ext>
+            </p:extLst>
+          </p:nvPr>
+        </p:nvSpPr>
+        <p:spPr>
+          <a:xfrm>
+            <a:off x="0" y="0"/>
+            <a:ext cx="11786754" cy="6858000"/>
+          </a:xfrm>
+          <a:custGeom>
+            <a:avLst/>
+            <a:gdLst>
+              <a:gd name="connsiteX0" fmla="*/ 0 w 11786754"/>
+              <a:gd name="connsiteY0" fmla="*/ 0 h 6858000"/>
+              <a:gd name="connsiteX1" fmla="*/ 8610600 w 11786754"/>
+              <a:gd name="connsiteY1" fmla="*/ 0 h 6858000"/>
+              <a:gd name="connsiteX2" fmla="*/ 11786754 w 11786754"/>
+              <a:gd name="connsiteY2" fmla="*/ 6858000 h 6858000"/>
+              <a:gd name="connsiteX3" fmla="*/ 0 w 11786754"/>
+              <a:gd name="connsiteY3" fmla="*/ 6858000 h 6858000"/>
+            </a:gdLst>
+            <a:ahLst/>
+            <a:cxnLst>
+              <a:cxn ang="0">
+                <a:pos x="connsiteX0" y="connsiteY0"/>
+              </a:cxn>
+              <a:cxn ang="0">
+                <a:pos x="connsiteX1" y="connsiteY1"/>
+              </a:cxn>
+              <a:cxn ang="0">
+                <a:pos x="connsiteX2" y="connsiteY2"/>
+              </a:cxn>
+              <a:cxn ang="0">
+                <a:pos x="connsiteX3" y="connsiteY3"/>
+              </a:cxn>
+            </a:cxnLst>
+            <a:rect l="l" t="t" r="r" b="b"/>
+            <a:pathLst>
+              <a:path w="11786754" h="6858000">
+                <a:moveTo>
+                  <a:pt x="0" y="0"/>
+                </a:moveTo>
+                <a:lnTo>
+                  <a:pt x="8610600" y="0"/>
+                </a:lnTo>
+                <a:lnTo>
+                  <a:pt x="11786754" y="6858000"/>
+                </a:lnTo>
+                <a:lnTo>
+                  <a:pt x="0" y="6858000"/>
+                </a:lnTo>
+                <a:close/>
+              </a:path>
+            </a:pathLst>
+          </a:custGeom>
+          <a:solidFill>
+            <a:srgbClr val="000000">
+              <a:alpha val="29804"/>
+            </a:srgbClr>
+          </a:solidFill>
+          <a:ln>
+            <a:noFill/>
+          </a:ln>
+        </p:spPr>
+        <p:style>
+          <a:lnRef idx="2">
+            <a:schemeClr val="accent1">
+              <a:shade val="50000"/>
+            </a:schemeClr>
+          </a:lnRef>
+          <a:fillRef idx="1">
+            <a:schemeClr val="accent1"/>
+          </a:fillRef>
+          <a:effectRef idx="0">
+            <a:schemeClr val="accent1"/>
+          </a:effectRef>
+          <a:fontRef idx="minor">
+            <a:schemeClr val="lt1"/>
+          </a:fontRef>
+        </p:style>
+        <p:txBody>
+          <a:bodyPr rtlCol="0" anchor="ctr"/>
+          <a:lstStyle/>
+          <a:p>
+            <a:pPr algn="ctr"/>
+            <a:endParaRPr lang="en-US"/>
+          </a:p>
+        </p:txBody>
+      </p:sp>
+      <p:sp>
+        <p:nvSpPr>
+          <p:cNvPr id="22" name="Freeform: Shape 21">
+            <a:extLst>
+              <a:ext uri="{FF2B5EF4-FFF2-40B4-BE49-F238E27FC236}">
+                <a16:creationId xmlns:a16="http://schemas.microsoft.com/office/drawing/2014/main" id="{D1D7179B-FF7C-482F-B3D9-2BE9ED1139F9}"/>
+              </a:ext>
+              <a:ext uri="{C183D7F6-B498-43B3-948B-1728B52AA6E4}">
+                <adec:decorative xmlns:adec="http://schemas.microsoft.com/office/drawing/2017/decorative" val="1"/>
+              </a:ext>
+            </a:extLst>
+          </p:cNvPr>
+          <p:cNvSpPr>
+            <a:spLocks noGrp="1" noRot="1" noChangeAspect="1" noMove="1" noResize="1" noEditPoints="1" noAdjustHandles="1" noChangeArrowheads="1" noChangeShapeType="1" noTextEdit="1"/>
+          </p:cNvSpPr>
+          <p:nvPr>
+            <p:extLst>
+              <p:ext uri="{386F3935-93C4-4BCD-93E2-E3B085C9AB24}">
+                <p16:designElem xmlns:p16="http://schemas.microsoft.com/office/powerpoint/2015/main" val="1"/>
+              </p:ext>
+            </p:extLst>
+          </p:nvPr>
+        </p:nvSpPr>
+        <p:spPr>
+          <a:xfrm>
+            <a:off x="0" y="0"/>
+            <a:ext cx="6210300" cy="6858000"/>
+          </a:xfrm>
+          <a:custGeom>
+            <a:avLst/>
+            <a:gdLst>
+              <a:gd name="connsiteX0" fmla="*/ 0 w 6210300"/>
+              <a:gd name="connsiteY0" fmla="*/ 0 h 6858000"/>
+              <a:gd name="connsiteX1" fmla="*/ 2628900 w 6210300"/>
+              <a:gd name="connsiteY1" fmla="*/ 0 h 6858000"/>
+              <a:gd name="connsiteX2" fmla="*/ 3034146 w 6210300"/>
+              <a:gd name="connsiteY2" fmla="*/ 0 h 6858000"/>
+              <a:gd name="connsiteX3" fmla="*/ 6210300 w 6210300"/>
+              <a:gd name="connsiteY3" fmla="*/ 6858000 h 6858000"/>
+              <a:gd name="connsiteX4" fmla="*/ 2628900 w 6210300"/>
+              <a:gd name="connsiteY4" fmla="*/ 6858000 h 6858000"/>
+              <a:gd name="connsiteX5" fmla="*/ 0 w 6210300"/>
+              <a:gd name="connsiteY5" fmla="*/ 6858000 h 6858000"/>
+            </a:gdLst>
+            <a:ahLst/>
+            <a:cxnLst>
+              <a:cxn ang="0">
+                <a:pos x="connsiteX0" y="connsiteY0"/>
+              </a:cxn>
+              <a:cxn ang="0">
+                <a:pos x="connsiteX1" y="connsiteY1"/>
+              </a:cxn>
+              <a:cxn ang="0">
+                <a:pos x="connsiteX2" y="connsiteY2"/>
+              </a:cxn>
+              <a:cxn ang="0">
+                <a:pos x="connsiteX3" y="connsiteY3"/>
+              </a:cxn>
+              <a:cxn ang="0">
+                <a:pos x="connsiteX4" y="connsiteY4"/>
+              </a:cxn>
+              <a:cxn ang="0">
+                <a:pos x="connsiteX5" y="connsiteY5"/>
+              </a:cxn>
+            </a:cxnLst>
+            <a:rect l="l" t="t" r="r" b="b"/>
+            <a:pathLst>
+              <a:path w="6210300" h="6858000">
+                <a:moveTo>
+                  <a:pt x="0" y="0"/>
+                </a:moveTo>
+                <a:lnTo>
+                  <a:pt x="2628900" y="0"/>
+                </a:lnTo>
+                <a:lnTo>
+                  <a:pt x="3034146" y="0"/>
+                </a:lnTo>
+                <a:lnTo>
+                  <a:pt x="6210300" y="6858000"/>
+                </a:lnTo>
+                <a:lnTo>
+                  <a:pt x="2628900" y="6858000"/>
+                </a:lnTo>
+                <a:lnTo>
+                  <a:pt x="0" y="6858000"/>
+                </a:lnTo>
+                <a:close/>
+              </a:path>
+            </a:pathLst>
+          </a:custGeom>
+          <a:solidFill>
+            <a:srgbClr val="000000">
+              <a:alpha val="29804"/>
+            </a:srgbClr>
+          </a:solidFill>
+          <a:ln>
+            <a:noFill/>
+          </a:ln>
+        </p:spPr>
+        <p:style>
+          <a:lnRef idx="2">
+            <a:schemeClr val="accent1">
+              <a:shade val="50000"/>
+            </a:schemeClr>
+          </a:lnRef>
+          <a:fillRef idx="1">
+            <a:schemeClr val="accent1"/>
+          </a:fillRef>
+          <a:effectRef idx="0">
+            <a:schemeClr val="accent1"/>
+          </a:effectRef>
+          <a:fontRef idx="minor">
+            <a:schemeClr val="lt1"/>
+          </a:fontRef>
+        </p:style>
+        <p:txBody>
+          <a:bodyPr wrap="square" rtlCol="0" anchor="ctr">
+            <a:noAutofit/>
+          </a:bodyPr>
+          <a:lstStyle/>
+          <a:p>
+            <a:pPr algn="ctr"/>
+            <a:endParaRPr lang="en-US"/>
+          </a:p>
+        </p:txBody>
+      </p:sp>
+      <p:sp>
+        <p:nvSpPr>
+          <p:cNvPr id="2" name="Título 1">
+            <a:extLst>
+              <a:ext uri="{FF2B5EF4-FFF2-40B4-BE49-F238E27FC236}">
+                <a16:creationId xmlns:a16="http://schemas.microsoft.com/office/drawing/2014/main" id="{186B89F1-C910-4C9C-97C3-E4DD4C7AF7D4}"/>
               </a:ext>
             </a:extLst>
           </p:cNvPr>
@@ -12072,21 +14476,50 @@
             <p:ph type="title"/>
           </p:nvPr>
         </p:nvSpPr>
-        <p:spPr/>
+        <p:spPr>
+          <a:xfrm>
+            <a:off x="833002" y="365125"/>
+            <a:ext cx="3973667" cy="5811837"/>
+          </a:xfrm>
+        </p:spPr>
         <p:txBody>
-          <a:bodyPr/>
+          <a:bodyPr>
+            <a:normAutofit/>
+          </a:bodyPr>
           <a:lstStyle/>
           <a:p>
-            <a:endParaRPr lang="en-GB"/>
+            <a:r>
+              <a:rPr lang="pt-PT">
+                <a:solidFill>
+                  <a:srgbClr val="FFFFFF"/>
+                </a:solidFill>
+                <a:cs typeface="Calibri Light"/>
+              </a:rPr>
+              <a:t>Processo de Poisson</a:t>
+            </a:r>
+            <a:r>
+              <a:rPr lang="pt-PT" baseline="30000">
+                <a:solidFill>
+                  <a:srgbClr val="FFFFFF"/>
+                </a:solidFill>
+                <a:cs typeface="Calibri Light"/>
+              </a:rPr>
+              <a:t> [3]</a:t>
+            </a:r>
+            <a:endParaRPr lang="pt-PT">
+              <a:solidFill>
+                <a:srgbClr val="FFFFFF"/>
+              </a:solidFill>
+            </a:endParaRPr>
           </a:p>
         </p:txBody>
       </p:sp>
       <p:sp>
         <p:nvSpPr>
-          <p:cNvPr id="3" name="Content Placeholder 2">
+          <p:cNvPr id="3" name="Marcador de Posição de Conteúdo 2">
             <a:extLst>
               <a:ext uri="{FF2B5EF4-FFF2-40B4-BE49-F238E27FC236}">
-                <a16:creationId xmlns:a16="http://schemas.microsoft.com/office/drawing/2014/main" id="{6D606527-6EDD-4A9B-83FE-DF4ACFF77922}"/>
+                <a16:creationId xmlns:a16="http://schemas.microsoft.com/office/drawing/2014/main" id="{63159C8C-6B3D-4567-8A90-8CE0A3BEDE33}"/>
               </a:ext>
             </a:extLst>
           </p:cNvPr>
@@ -12097,21 +14530,83 @@
             <p:ph idx="1"/>
           </p:nvPr>
         </p:nvSpPr>
-        <p:spPr/>
+        <p:spPr>
+          <a:xfrm>
+            <a:off x="5356927" y="365125"/>
+            <a:ext cx="5996871" cy="5811837"/>
+          </a:xfrm>
+        </p:spPr>
         <p:txBody>
-          <a:bodyPr/>
+          <a:bodyPr vert="horz" lIns="91440" tIns="45720" rIns="91440" bIns="45720" rtlCol="0" anchor="ctr">
+            <a:normAutofit/>
+          </a:bodyPr>
           <a:lstStyle/>
           <a:p>
-            <a:endParaRPr lang="en-GB"/>
+            <a:r>
+              <a:rPr lang="pt-PT" sz="2000">
+                <a:solidFill>
+                  <a:srgbClr val="FFFFFF"/>
+                </a:solidFill>
+                <a:cs typeface="Calibri"/>
+              </a:rPr>
+              <a:t>O processo de Poisson é usado para modelar eventos aleatórios distribuídos no tempo;</a:t>
+            </a:r>
+          </a:p>
+          <a:p>
+            <a:r>
+              <a:rPr lang="pt-PT" sz="2000">
+                <a:solidFill>
+                  <a:srgbClr val="FFFFFF"/>
+                </a:solidFill>
+                <a:cs typeface="Calibri"/>
+              </a:rPr>
+              <a:t> As distribuições Gamma, Poisson e exponencial fazem parte deste processo:</a:t>
+            </a:r>
+          </a:p>
+          <a:p>
+            <a:pPr lvl="1"/>
+            <a:r>
+              <a:rPr lang="pt-PT" sz="2000">
+                <a:solidFill>
+                  <a:srgbClr val="FFFFFF"/>
+                </a:solidFill>
+                <a:cs typeface="Calibri"/>
+              </a:rPr>
+              <a:t>A distribuição de Poisson modela o número de eventos no futuro (k);</a:t>
+            </a:r>
+          </a:p>
+          <a:p>
+            <a:pPr lvl="1"/>
+            <a:r>
+              <a:rPr lang="pt-PT" sz="2000">
+                <a:solidFill>
+                  <a:srgbClr val="FFFFFF"/>
+                </a:solidFill>
+                <a:cs typeface="Calibri"/>
+              </a:rPr>
+              <a:t>A distribuição Exponencial prevê o tempo de espera até ao primeiro evento;</a:t>
+            </a:r>
+          </a:p>
+          <a:p>
+            <a:pPr lvl="1"/>
+            <a:r>
+              <a:rPr lang="pt-PT" sz="2000">
+                <a:solidFill>
+                  <a:srgbClr val="FFFFFF"/>
+                </a:solidFill>
+                <a:cs typeface="Calibri"/>
+              </a:rPr>
+              <a:t>A distribuição Gamma prevê o tempo de espera até ao evento k.</a:t>
+            </a:r>
           </a:p>
         </p:txBody>
       </p:sp>
       <p:sp>
         <p:nvSpPr>
-          <p:cNvPr id="4" name="Slide Number Placeholder 3">
+          <p:cNvPr id="4" name="Marcador de Posição do Número do Diapositivo 3">
             <a:extLst>
               <a:ext uri="{FF2B5EF4-FFF2-40B4-BE49-F238E27FC236}">
-                <a16:creationId xmlns:a16="http://schemas.microsoft.com/office/drawing/2014/main" id="{5B7FDD58-8411-49DD-8A84-2E8EF0263297}"/>
+                <a16:creationId xmlns:a16="http://schemas.microsoft.com/office/drawing/2014/main" id="{245F7DBB-1AF0-48EB-A7D5-73C05AF7494A}"/>
               </a:ext>
             </a:extLst>
           </p:cNvPr>
@@ -12122,28 +14617,93 @@
             <p:ph type="sldNum" sz="quarter" idx="12"/>
           </p:nvPr>
         </p:nvSpPr>
-        <p:spPr/>
+        <p:spPr>
+          <a:xfrm>
+            <a:off x="8610600" y="6356350"/>
+            <a:ext cx="2743200" cy="365125"/>
+          </a:xfrm>
+        </p:spPr>
         <p:txBody>
-          <a:bodyPr/>
+          <a:bodyPr anchor="ctr">
+            <a:normAutofit/>
+          </a:bodyPr>
           <a:lstStyle/>
           <a:p>
+            <a:pPr>
+              <a:spcAft>
+                <a:spcPts val="600"/>
+              </a:spcAft>
+            </a:pPr>
             <a:fld id="{4310B044-6F84-4299-A58B-8057292127B9}" type="slidenum">
-              <a:rPr lang="en-GB" smtClean="0"/>
+              <a:rPr lang="en-GB">
+                <a:solidFill>
+                  <a:srgbClr val="FFFFFF">
+                    <a:alpha val="80000"/>
+                  </a:srgbClr>
+                </a:solidFill>
+              </a:rPr>
+              <a:pPr>
+                <a:spcAft>
+                  <a:spcPts val="600"/>
+                </a:spcAft>
+              </a:pPr>
               <a:t>9</a:t>
             </a:fld>
-            <a:endParaRPr lang="en-GB"/>
+            <a:endParaRPr lang="en-GB">
+              <a:solidFill>
+                <a:srgbClr val="FFFFFF">
+                  <a:alpha val="80000"/>
+                </a:srgbClr>
+              </a:solidFill>
+            </a:endParaRPr>
           </a:p>
         </p:txBody>
       </p:sp>
+      <p:pic>
+        <p:nvPicPr>
+          <p:cNvPr id="8" name="Picture 7" descr="Icon&#10;&#10;Description automatically generated">
+            <a:extLst>
+              <a:ext uri="{FF2B5EF4-FFF2-40B4-BE49-F238E27FC236}">
+                <a16:creationId xmlns:a16="http://schemas.microsoft.com/office/drawing/2014/main" id="{125D7BC7-CACD-4B4B-8BC7-3BFEBF303B58}"/>
+              </a:ext>
+            </a:extLst>
+          </p:cNvPr>
+          <p:cNvPicPr>
+            <a:picLocks noChangeAspect="1"/>
+          </p:cNvPicPr>
+          <p:nvPr/>
+        </p:nvPicPr>
+        <p:blipFill>
+          <a:blip r:embed="rId2">
+            <a:extLst>
+              <a:ext uri="{28A0092B-C50C-407E-A947-70E740481C1C}">
+                <a14:useLocalDpi xmlns:a14="http://schemas.microsoft.com/office/drawing/2010/main" val="0"/>
+              </a:ext>
+            </a:extLst>
+          </a:blip>
+          <a:stretch>
+            <a:fillRect/>
+          </a:stretch>
+        </p:blipFill>
+        <p:spPr>
+          <a:xfrm>
+            <a:off x="10015899" y="365125"/>
+            <a:ext cx="1770855" cy="883219"/>
+          </a:xfrm>
+          <a:prstGeom prst="rect">
+            <a:avLst/>
+          </a:prstGeom>
+        </p:spPr>
+      </p:pic>
     </p:spTree>
     <p:extLst>
       <p:ext uri="{BB962C8B-B14F-4D97-AF65-F5344CB8AC3E}">
-        <p14:creationId xmlns:p14="http://schemas.microsoft.com/office/powerpoint/2010/main" val="959505674"/>
+        <p14:creationId xmlns:p14="http://schemas.microsoft.com/office/powerpoint/2010/main" val="211770228"/>
       </p:ext>
     </p:extLst>
   </p:cSld>
   <p:clrMapOvr>
-    <a:masterClrMapping/>
+    <a:overrideClrMapping bg1="dk1" tx1="lt1" bg2="dk2" tx2="lt2" accent1="accent1" accent2="accent2" accent3="accent3" accent4="accent4" accent5="accent5" accent6="accent6" hlink="hlink" folHlink="folHlink"/>
   </p:clrMapOvr>
 </p:sld>
 </file>

--- a/Short Talks/Poisson and Gamma distributions/Distribuição de Poisson e Gamma.pptx
+++ b/Short Talks/Poisson and Gamma distributions/Distribuição de Poisson e Gamma.pptx
@@ -5,19 +5,21 @@
     <p:sldMasterId id="2147483648" r:id="rId1"/>
   </p:sldMasterIdLst>
   <p:notesMasterIdLst>
-    <p:notesMasterId r:id="rId12"/>
+    <p:notesMasterId r:id="rId14"/>
   </p:notesMasterIdLst>
   <p:sldIdLst>
     <p:sldId id="256" r:id="rId2"/>
     <p:sldId id="257" r:id="rId3"/>
     <p:sldId id="258" r:id="rId4"/>
     <p:sldId id="259" r:id="rId5"/>
-    <p:sldId id="260" r:id="rId6"/>
-    <p:sldId id="262" r:id="rId7"/>
-    <p:sldId id="263" r:id="rId8"/>
-    <p:sldId id="264" r:id="rId9"/>
-    <p:sldId id="266" r:id="rId10"/>
-    <p:sldId id="265" r:id="rId11"/>
+    <p:sldId id="267" r:id="rId6"/>
+    <p:sldId id="260" r:id="rId7"/>
+    <p:sldId id="262" r:id="rId8"/>
+    <p:sldId id="263" r:id="rId9"/>
+    <p:sldId id="268" r:id="rId10"/>
+    <p:sldId id="264" r:id="rId11"/>
+    <p:sldId id="266" r:id="rId12"/>
+    <p:sldId id="265" r:id="rId13"/>
   </p:sldIdLst>
   <p:sldSz cx="12192000" cy="6858000"/>
   <p:notesSz cx="6858000" cy="9144000"/>
@@ -127,116 +129,14 @@
 <file path=ppt/revisionInfo.xml><?xml version="1.0" encoding="utf-8"?>
 <p1510:revInfo xmlns:a="http://schemas.openxmlformats.org/drawingml/2006/main" xmlns:r="http://schemas.openxmlformats.org/officeDocument/2006/relationships" xmlns:p1510="http://schemas.microsoft.com/office/powerpoint/2015/10/main">
   <p1510:revLst>
-    <p1510:client id="{24E1AECB-103D-1B18-01CE-E9CCEEB91B9E}" v="658" vWet="659" dt="2021-10-26T14:51:26.334"/>
-    <p1510:client id="{FF2A4FE9-6061-4F89-9356-7C24429792B8}" v="983" dt="2021-10-26T14:52:22.138"/>
+    <p1510:client id="{CAE9DF54-3E55-1FB7-D7BF-C095B0D0356E}" v="299" dt="2021-10-29T09:46:39.773"/>
+    <p1510:client id="{FF2A4FE9-6061-4F89-9356-7C24429792B8}" v="1237" dt="2021-10-29T09:39:36.089"/>
   </p1510:revLst>
 </p1510:revInfo>
 </file>
 
 <file path=ppt/changesInfos/changesInfo1.xml><?xml version="1.0" encoding="utf-8"?>
 <pc:chgInfo xmlns:a="http://schemas.openxmlformats.org/drawingml/2006/main" xmlns:r="http://schemas.openxmlformats.org/officeDocument/2006/relationships" xmlns:ac="http://schemas.microsoft.com/office/drawing/2013/main/command" xmlns:pc="http://schemas.microsoft.com/office/powerpoint/2013/main/command">
-  <pc:docChgLst>
-    <pc:chgData name="Rodrigo da Silva Gomes Peres Coelho" userId="S::pg47622@uminho.pt::32a22569-e572-4c9f-bf40-e144b3d8d0a1" providerId="AD" clId="Web-{A86F0C09-EE21-C629-F016-BFCB9744CC68}"/>
-    <pc:docChg chg="modSld">
-      <pc:chgData name="Rodrigo da Silva Gomes Peres Coelho" userId="S::pg47622@uminho.pt::32a22569-e572-4c9f-bf40-e144b3d8d0a1" providerId="AD" clId="Web-{A86F0C09-EE21-C629-F016-BFCB9744CC68}" dt="2021-10-19T15:55:29.370" v="1079" actId="20577"/>
-      <pc:docMkLst>
-        <pc:docMk/>
-      </pc:docMkLst>
-      <pc:sldChg chg="modSp">
-        <pc:chgData name="Rodrigo da Silva Gomes Peres Coelho" userId="S::pg47622@uminho.pt::32a22569-e572-4c9f-bf40-e144b3d8d0a1" providerId="AD" clId="Web-{A86F0C09-EE21-C629-F016-BFCB9744CC68}" dt="2021-10-19T15:09:46.046" v="0" actId="20577"/>
-        <pc:sldMkLst>
-          <pc:docMk/>
-          <pc:sldMk cId="3916293193" sldId="256"/>
-        </pc:sldMkLst>
-        <pc:spChg chg="mod">
-          <ac:chgData name="Rodrigo da Silva Gomes Peres Coelho" userId="S::pg47622@uminho.pt::32a22569-e572-4c9f-bf40-e144b3d8d0a1" providerId="AD" clId="Web-{A86F0C09-EE21-C629-F016-BFCB9744CC68}" dt="2021-10-19T15:09:46.046" v="0" actId="20577"/>
-          <ac:spMkLst>
-            <pc:docMk/>
-            <pc:sldMk cId="3916293193" sldId="256"/>
-            <ac:spMk id="2" creationId="{01E1C496-4AD5-42C1-AF59-6EF89DF50AA1}"/>
-          </ac:spMkLst>
-        </pc:spChg>
-      </pc:sldChg>
-      <pc:sldChg chg="modSp">
-        <pc:chgData name="Rodrigo da Silva Gomes Peres Coelho" userId="S::pg47622@uminho.pt::32a22569-e572-4c9f-bf40-e144b3d8d0a1" providerId="AD" clId="Web-{A86F0C09-EE21-C629-F016-BFCB9744CC68}" dt="2021-10-19T15:47:35.529" v="897" actId="20577"/>
-        <pc:sldMkLst>
-          <pc:docMk/>
-          <pc:sldMk cId="871309248" sldId="262"/>
-        </pc:sldMkLst>
-        <pc:spChg chg="mod">
-          <ac:chgData name="Rodrigo da Silva Gomes Peres Coelho" userId="S::pg47622@uminho.pt::32a22569-e572-4c9f-bf40-e144b3d8d0a1" providerId="AD" clId="Web-{A86F0C09-EE21-C629-F016-BFCB9744CC68}" dt="2021-10-19T15:12:05.550" v="11" actId="20577"/>
-          <ac:spMkLst>
-            <pc:docMk/>
-            <pc:sldMk cId="871309248" sldId="262"/>
-            <ac:spMk id="2" creationId="{770AEAC1-D00D-4613-95F0-71CF1560AD62}"/>
-          </ac:spMkLst>
-        </pc:spChg>
-        <pc:spChg chg="mod">
-          <ac:chgData name="Rodrigo da Silva Gomes Peres Coelho" userId="S::pg47622@uminho.pt::32a22569-e572-4c9f-bf40-e144b3d8d0a1" providerId="AD" clId="Web-{A86F0C09-EE21-C629-F016-BFCB9744CC68}" dt="2021-10-19T15:47:35.529" v="897" actId="20577"/>
-          <ac:spMkLst>
-            <pc:docMk/>
-            <pc:sldMk cId="871309248" sldId="262"/>
-            <ac:spMk id="3" creationId="{1B8160BC-DBAF-4CF3-815A-DFCC0C01BC4D}"/>
-          </ac:spMkLst>
-        </pc:spChg>
-      </pc:sldChg>
-      <pc:sldChg chg="addSp delSp modSp">
-        <pc:chgData name="Rodrigo da Silva Gomes Peres Coelho" userId="S::pg47622@uminho.pt::32a22569-e572-4c9f-bf40-e144b3d8d0a1" providerId="AD" clId="Web-{A86F0C09-EE21-C629-F016-BFCB9744CC68}" dt="2021-10-19T15:55:29.370" v="1079" actId="20577"/>
-        <pc:sldMkLst>
-          <pc:docMk/>
-          <pc:sldMk cId="49299221" sldId="263"/>
-        </pc:sldMkLst>
-        <pc:spChg chg="mod">
-          <ac:chgData name="Rodrigo da Silva Gomes Peres Coelho" userId="S::pg47622@uminho.pt::32a22569-e572-4c9f-bf40-e144b3d8d0a1" providerId="AD" clId="Web-{A86F0C09-EE21-C629-F016-BFCB9744CC68}" dt="2021-10-19T15:31:18.893" v="733" actId="20577"/>
-          <ac:spMkLst>
-            <pc:docMk/>
-            <pc:sldMk cId="49299221" sldId="263"/>
-            <ac:spMk id="2" creationId="{98EB2216-8FC6-44B0-82C2-66A7172A529A}"/>
-          </ac:spMkLst>
-        </pc:spChg>
-        <pc:spChg chg="mod">
-          <ac:chgData name="Rodrigo da Silva Gomes Peres Coelho" userId="S::pg47622@uminho.pt::32a22569-e572-4c9f-bf40-e144b3d8d0a1" providerId="AD" clId="Web-{A86F0C09-EE21-C629-F016-BFCB9744CC68}" dt="2021-10-19T15:55:29.370" v="1079" actId="20577"/>
-          <ac:spMkLst>
-            <pc:docMk/>
-            <pc:sldMk cId="49299221" sldId="263"/>
-            <ac:spMk id="3" creationId="{2B0B0381-2015-4C05-B552-CD2565C5E8A6}"/>
-          </ac:spMkLst>
-        </pc:spChg>
-        <pc:picChg chg="add del mod">
-          <ac:chgData name="Rodrigo da Silva Gomes Peres Coelho" userId="S::pg47622@uminho.pt::32a22569-e572-4c9f-bf40-e144b3d8d0a1" providerId="AD" clId="Web-{A86F0C09-EE21-C629-F016-BFCB9744CC68}" dt="2021-10-19T15:42:16.708" v="792"/>
-          <ac:picMkLst>
-            <pc:docMk/>
-            <pc:sldMk cId="49299221" sldId="263"/>
-            <ac:picMk id="4" creationId="{D141C5C5-92D6-4B69-93C9-40B8C3D55294}"/>
-          </ac:picMkLst>
-        </pc:picChg>
-        <pc:picChg chg="add del mod">
-          <ac:chgData name="Rodrigo da Silva Gomes Peres Coelho" userId="S::pg47622@uminho.pt::32a22569-e572-4c9f-bf40-e144b3d8d0a1" providerId="AD" clId="Web-{A86F0C09-EE21-C629-F016-BFCB9744CC68}" dt="2021-10-19T15:44:17.602" v="797"/>
-          <ac:picMkLst>
-            <pc:docMk/>
-            <pc:sldMk cId="49299221" sldId="263"/>
-            <ac:picMk id="5" creationId="{15617F0B-81AE-434E-8648-E233F1159317}"/>
-          </ac:picMkLst>
-        </pc:picChg>
-        <pc:picChg chg="add mod">
-          <ac:chgData name="Rodrigo da Silva Gomes Peres Coelho" userId="S::pg47622@uminho.pt::32a22569-e572-4c9f-bf40-e144b3d8d0a1" providerId="AD" clId="Web-{A86F0C09-EE21-C629-F016-BFCB9744CC68}" dt="2021-10-19T15:44:26.883" v="802" actId="1076"/>
-          <ac:picMkLst>
-            <pc:docMk/>
-            <pc:sldMk cId="49299221" sldId="263"/>
-            <ac:picMk id="6" creationId="{D1005B1C-5854-4BBE-8EC4-503731724299}"/>
-          </ac:picMkLst>
-        </pc:picChg>
-        <pc:picChg chg="add mod">
-          <ac:chgData name="Rodrigo da Silva Gomes Peres Coelho" userId="S::pg47622@uminho.pt::32a22569-e572-4c9f-bf40-e144b3d8d0a1" providerId="AD" clId="Web-{A86F0C09-EE21-C629-F016-BFCB9744CC68}" dt="2021-10-19T15:48:24.921" v="902" actId="1076"/>
-          <ac:picMkLst>
-            <pc:docMk/>
-            <pc:sldMk cId="49299221" sldId="263"/>
-            <ac:picMk id="7" creationId="{ACEC54D9-C852-4E3A-BE1E-388ED60FF9AD}"/>
-          </ac:picMkLst>
-        </pc:picChg>
-      </pc:sldChg>
-    </pc:docChg>
-  </pc:docChgLst>
   <pc:docChgLst>
     <pc:chgData name="Irving Leander Reascos Valencia" userId="355ef903-6e56-42c5-b4d8-5b764e20389a" providerId="ADAL" clId="{FF2A4FE9-6061-4F89-9356-7C24429792B8}"/>
     <pc:docChg chg="undo redo custSel delSld modSld">
@@ -1655,6 +1555,108 @@
     </pc:docChg>
   </pc:docChgLst>
   <pc:docChgLst>
+    <pc:chgData name="Rodrigo da Silva Gomes Peres Coelho" userId="S::pg47622@uminho.pt::32a22569-e572-4c9f-bf40-e144b3d8d0a1" providerId="AD" clId="Web-{A86F0C09-EE21-C629-F016-BFCB9744CC68}"/>
+    <pc:docChg chg="modSld">
+      <pc:chgData name="Rodrigo da Silva Gomes Peres Coelho" userId="S::pg47622@uminho.pt::32a22569-e572-4c9f-bf40-e144b3d8d0a1" providerId="AD" clId="Web-{A86F0C09-EE21-C629-F016-BFCB9744CC68}" dt="2021-10-19T15:55:29.370" v="1079" actId="20577"/>
+      <pc:docMkLst>
+        <pc:docMk/>
+      </pc:docMkLst>
+      <pc:sldChg chg="modSp">
+        <pc:chgData name="Rodrigo da Silva Gomes Peres Coelho" userId="S::pg47622@uminho.pt::32a22569-e572-4c9f-bf40-e144b3d8d0a1" providerId="AD" clId="Web-{A86F0C09-EE21-C629-F016-BFCB9744CC68}" dt="2021-10-19T15:09:46.046" v="0" actId="20577"/>
+        <pc:sldMkLst>
+          <pc:docMk/>
+          <pc:sldMk cId="3916293193" sldId="256"/>
+        </pc:sldMkLst>
+        <pc:spChg chg="mod">
+          <ac:chgData name="Rodrigo da Silva Gomes Peres Coelho" userId="S::pg47622@uminho.pt::32a22569-e572-4c9f-bf40-e144b3d8d0a1" providerId="AD" clId="Web-{A86F0C09-EE21-C629-F016-BFCB9744CC68}" dt="2021-10-19T15:09:46.046" v="0" actId="20577"/>
+          <ac:spMkLst>
+            <pc:docMk/>
+            <pc:sldMk cId="3916293193" sldId="256"/>
+            <ac:spMk id="2" creationId="{01E1C496-4AD5-42C1-AF59-6EF89DF50AA1}"/>
+          </ac:spMkLst>
+        </pc:spChg>
+      </pc:sldChg>
+      <pc:sldChg chg="modSp">
+        <pc:chgData name="Rodrigo da Silva Gomes Peres Coelho" userId="S::pg47622@uminho.pt::32a22569-e572-4c9f-bf40-e144b3d8d0a1" providerId="AD" clId="Web-{A86F0C09-EE21-C629-F016-BFCB9744CC68}" dt="2021-10-19T15:47:35.529" v="897" actId="20577"/>
+        <pc:sldMkLst>
+          <pc:docMk/>
+          <pc:sldMk cId="871309248" sldId="262"/>
+        </pc:sldMkLst>
+        <pc:spChg chg="mod">
+          <ac:chgData name="Rodrigo da Silva Gomes Peres Coelho" userId="S::pg47622@uminho.pt::32a22569-e572-4c9f-bf40-e144b3d8d0a1" providerId="AD" clId="Web-{A86F0C09-EE21-C629-F016-BFCB9744CC68}" dt="2021-10-19T15:12:05.550" v="11" actId="20577"/>
+          <ac:spMkLst>
+            <pc:docMk/>
+            <pc:sldMk cId="871309248" sldId="262"/>
+            <ac:spMk id="2" creationId="{770AEAC1-D00D-4613-95F0-71CF1560AD62}"/>
+          </ac:spMkLst>
+        </pc:spChg>
+        <pc:spChg chg="mod">
+          <ac:chgData name="Rodrigo da Silva Gomes Peres Coelho" userId="S::pg47622@uminho.pt::32a22569-e572-4c9f-bf40-e144b3d8d0a1" providerId="AD" clId="Web-{A86F0C09-EE21-C629-F016-BFCB9744CC68}" dt="2021-10-19T15:47:35.529" v="897" actId="20577"/>
+          <ac:spMkLst>
+            <pc:docMk/>
+            <pc:sldMk cId="871309248" sldId="262"/>
+            <ac:spMk id="3" creationId="{1B8160BC-DBAF-4CF3-815A-DFCC0C01BC4D}"/>
+          </ac:spMkLst>
+        </pc:spChg>
+      </pc:sldChg>
+      <pc:sldChg chg="addSp delSp modSp">
+        <pc:chgData name="Rodrigo da Silva Gomes Peres Coelho" userId="S::pg47622@uminho.pt::32a22569-e572-4c9f-bf40-e144b3d8d0a1" providerId="AD" clId="Web-{A86F0C09-EE21-C629-F016-BFCB9744CC68}" dt="2021-10-19T15:55:29.370" v="1079" actId="20577"/>
+        <pc:sldMkLst>
+          <pc:docMk/>
+          <pc:sldMk cId="49299221" sldId="263"/>
+        </pc:sldMkLst>
+        <pc:spChg chg="mod">
+          <ac:chgData name="Rodrigo da Silva Gomes Peres Coelho" userId="S::pg47622@uminho.pt::32a22569-e572-4c9f-bf40-e144b3d8d0a1" providerId="AD" clId="Web-{A86F0C09-EE21-C629-F016-BFCB9744CC68}" dt="2021-10-19T15:31:18.893" v="733" actId="20577"/>
+          <ac:spMkLst>
+            <pc:docMk/>
+            <pc:sldMk cId="49299221" sldId="263"/>
+            <ac:spMk id="2" creationId="{98EB2216-8FC6-44B0-82C2-66A7172A529A}"/>
+          </ac:spMkLst>
+        </pc:spChg>
+        <pc:spChg chg="mod">
+          <ac:chgData name="Rodrigo da Silva Gomes Peres Coelho" userId="S::pg47622@uminho.pt::32a22569-e572-4c9f-bf40-e144b3d8d0a1" providerId="AD" clId="Web-{A86F0C09-EE21-C629-F016-BFCB9744CC68}" dt="2021-10-19T15:55:29.370" v="1079" actId="20577"/>
+          <ac:spMkLst>
+            <pc:docMk/>
+            <pc:sldMk cId="49299221" sldId="263"/>
+            <ac:spMk id="3" creationId="{2B0B0381-2015-4C05-B552-CD2565C5E8A6}"/>
+          </ac:spMkLst>
+        </pc:spChg>
+        <pc:picChg chg="add del mod">
+          <ac:chgData name="Rodrigo da Silva Gomes Peres Coelho" userId="S::pg47622@uminho.pt::32a22569-e572-4c9f-bf40-e144b3d8d0a1" providerId="AD" clId="Web-{A86F0C09-EE21-C629-F016-BFCB9744CC68}" dt="2021-10-19T15:42:16.708" v="792"/>
+          <ac:picMkLst>
+            <pc:docMk/>
+            <pc:sldMk cId="49299221" sldId="263"/>
+            <ac:picMk id="4" creationId="{D141C5C5-92D6-4B69-93C9-40B8C3D55294}"/>
+          </ac:picMkLst>
+        </pc:picChg>
+        <pc:picChg chg="add del mod">
+          <ac:chgData name="Rodrigo da Silva Gomes Peres Coelho" userId="S::pg47622@uminho.pt::32a22569-e572-4c9f-bf40-e144b3d8d0a1" providerId="AD" clId="Web-{A86F0C09-EE21-C629-F016-BFCB9744CC68}" dt="2021-10-19T15:44:17.602" v="797"/>
+          <ac:picMkLst>
+            <pc:docMk/>
+            <pc:sldMk cId="49299221" sldId="263"/>
+            <ac:picMk id="5" creationId="{15617F0B-81AE-434E-8648-E233F1159317}"/>
+          </ac:picMkLst>
+        </pc:picChg>
+        <pc:picChg chg="add mod">
+          <ac:chgData name="Rodrigo da Silva Gomes Peres Coelho" userId="S::pg47622@uminho.pt::32a22569-e572-4c9f-bf40-e144b3d8d0a1" providerId="AD" clId="Web-{A86F0C09-EE21-C629-F016-BFCB9744CC68}" dt="2021-10-19T15:44:26.883" v="802" actId="1076"/>
+          <ac:picMkLst>
+            <pc:docMk/>
+            <pc:sldMk cId="49299221" sldId="263"/>
+            <ac:picMk id="6" creationId="{D1005B1C-5854-4BBE-8EC4-503731724299}"/>
+          </ac:picMkLst>
+        </pc:picChg>
+        <pc:picChg chg="add mod">
+          <ac:chgData name="Rodrigo da Silva Gomes Peres Coelho" userId="S::pg47622@uminho.pt::32a22569-e572-4c9f-bf40-e144b3d8d0a1" providerId="AD" clId="Web-{A86F0C09-EE21-C629-F016-BFCB9744CC68}" dt="2021-10-19T15:48:24.921" v="902" actId="1076"/>
+          <ac:picMkLst>
+            <pc:docMk/>
+            <pc:sldMk cId="49299221" sldId="263"/>
+            <ac:picMk id="7" creationId="{ACEC54D9-C852-4E3A-BE1E-388ED60FF9AD}"/>
+          </ac:picMkLst>
+        </pc:picChg>
+      </pc:sldChg>
+    </pc:docChg>
+  </pc:docChgLst>
+  <pc:docChgLst>
     <pc:chgData clId="Web-{A86F0C09-EE21-C629-F016-BFCB9744CC68}"/>
     <pc:docChg chg="modSld">
       <pc:chgData name="" userId="" providerId="" clId="Web-{A86F0C09-EE21-C629-F016-BFCB9744CC68}" dt="2021-10-19T15:09:17.655" v="1" actId="20577"/>
@@ -1680,8 +1682,8 @@
   </pc:docChgLst>
   <pc:docChgLst>
     <pc:chgData name="Irving Leander Reascos Valencia" userId="8da0aa10-e628-4418-996a-6e2b438f5890" providerId="ADAL" clId="{FF2A4FE9-6061-4F89-9356-7C24429792B8}"/>
-    <pc:docChg chg="undo redo custSel modSld">
-      <pc:chgData name="Irving Leander Reascos Valencia" userId="8da0aa10-e628-4418-996a-6e2b438f5890" providerId="ADAL" clId="{FF2A4FE9-6061-4F89-9356-7C24429792B8}" dt="2021-10-26T14:52:22.138" v="297" actId="26606"/>
+    <pc:docChg chg="undo redo custSel addSld modSld">
+      <pc:chgData name="Irving Leander Reascos Valencia" userId="8da0aa10-e628-4418-996a-6e2b438f5890" providerId="ADAL" clId="{FF2A4FE9-6061-4F89-9356-7C24429792B8}" dt="2021-10-29T09:39:36.089" v="632" actId="1076"/>
       <pc:docMkLst>
         <pc:docMk/>
       </pc:docMkLst>
@@ -1731,14 +1733,14 @@
           </ac:spMkLst>
         </pc:spChg>
       </pc:sldChg>
-      <pc:sldChg chg="modSp mod">
-        <pc:chgData name="Irving Leander Reascos Valencia" userId="8da0aa10-e628-4418-996a-6e2b438f5890" providerId="ADAL" clId="{FF2A4FE9-6061-4F89-9356-7C24429792B8}" dt="2021-10-26T14:41:47.269" v="224" actId="403"/>
+      <pc:sldChg chg="addSp delSp modSp mod">
+        <pc:chgData name="Irving Leander Reascos Valencia" userId="8da0aa10-e628-4418-996a-6e2b438f5890" providerId="ADAL" clId="{FF2A4FE9-6061-4F89-9356-7C24429792B8}" dt="2021-10-27T19:37:03.284" v="384" actId="26606"/>
         <pc:sldMkLst>
           <pc:docMk/>
           <pc:sldMk cId="3785552250" sldId="259"/>
         </pc:sldMkLst>
         <pc:spChg chg="mod">
-          <ac:chgData name="Irving Leander Reascos Valencia" userId="8da0aa10-e628-4418-996a-6e2b438f5890" providerId="ADAL" clId="{FF2A4FE9-6061-4F89-9356-7C24429792B8}" dt="2021-10-26T14:38:35.430" v="212" actId="404"/>
+          <ac:chgData name="Irving Leander Reascos Valencia" userId="8da0aa10-e628-4418-996a-6e2b438f5890" providerId="ADAL" clId="{FF2A4FE9-6061-4F89-9356-7C24429792B8}" dt="2021-10-27T19:37:03.284" v="384" actId="26606"/>
           <ac:spMkLst>
             <pc:docMk/>
             <pc:sldMk cId="3785552250" sldId="259"/>
@@ -1746,20 +1748,92 @@
           </ac:spMkLst>
         </pc:spChg>
         <pc:spChg chg="mod">
-          <ac:chgData name="Irving Leander Reascos Valencia" userId="8da0aa10-e628-4418-996a-6e2b438f5890" providerId="ADAL" clId="{FF2A4FE9-6061-4F89-9356-7C24429792B8}" dt="2021-10-26T14:41:47.269" v="224" actId="403"/>
+          <ac:chgData name="Irving Leander Reascos Valencia" userId="8da0aa10-e628-4418-996a-6e2b438f5890" providerId="ADAL" clId="{FF2A4FE9-6061-4F89-9356-7C24429792B8}" dt="2021-10-27T19:37:03.284" v="384" actId="26606"/>
           <ac:spMkLst>
             <pc:docMk/>
             <pc:sldMk cId="3785552250" sldId="259"/>
             <ac:spMk id="3" creationId="{1B8160BC-DBAF-4CF3-815A-DFCC0C01BC4D}"/>
           </ac:spMkLst>
         </pc:spChg>
+        <pc:spChg chg="mod">
+          <ac:chgData name="Irving Leander Reascos Valencia" userId="8da0aa10-e628-4418-996a-6e2b438f5890" providerId="ADAL" clId="{FF2A4FE9-6061-4F89-9356-7C24429792B8}" dt="2021-10-27T19:37:03.284" v="384" actId="26606"/>
+          <ac:spMkLst>
+            <pc:docMk/>
+            <pc:sldMk cId="3785552250" sldId="259"/>
+            <ac:spMk id="4" creationId="{C3DB76B5-17A6-4F40-9615-048467290C52}"/>
+          </ac:spMkLst>
+        </pc:spChg>
+        <pc:spChg chg="del">
+          <ac:chgData name="Irving Leander Reascos Valencia" userId="8da0aa10-e628-4418-996a-6e2b438f5890" providerId="ADAL" clId="{FF2A4FE9-6061-4F89-9356-7C24429792B8}" dt="2021-10-27T19:37:03.284" v="384" actId="26606"/>
+          <ac:spMkLst>
+            <pc:docMk/>
+            <pc:sldMk cId="3785552250" sldId="259"/>
+            <ac:spMk id="17" creationId="{EA67B5B4-3A24-436E-B663-1B2EBFF8A0CD}"/>
+          </ac:spMkLst>
+        </pc:spChg>
+        <pc:spChg chg="del">
+          <ac:chgData name="Irving Leander Reascos Valencia" userId="8da0aa10-e628-4418-996a-6e2b438f5890" providerId="ADAL" clId="{FF2A4FE9-6061-4F89-9356-7C24429792B8}" dt="2021-10-27T19:37:03.284" v="384" actId="26606"/>
+          <ac:spMkLst>
+            <pc:docMk/>
+            <pc:sldMk cId="3785552250" sldId="259"/>
+            <ac:spMk id="19" creationId="{987FDF89-C993-41F4-A1B8-DBAFF16008A9}"/>
+          </ac:spMkLst>
+        </pc:spChg>
+        <pc:spChg chg="del">
+          <ac:chgData name="Irving Leander Reascos Valencia" userId="8da0aa10-e628-4418-996a-6e2b438f5890" providerId="ADAL" clId="{FF2A4FE9-6061-4F89-9356-7C24429792B8}" dt="2021-10-27T19:37:03.284" v="384" actId="26606"/>
+          <ac:spMkLst>
+            <pc:docMk/>
+            <pc:sldMk cId="3785552250" sldId="259"/>
+            <ac:spMk id="21" creationId="{D1D7179B-FF7C-482F-B3D9-2BE9ED1139F9}"/>
+          </ac:spMkLst>
+        </pc:spChg>
+        <pc:spChg chg="add">
+          <ac:chgData name="Irving Leander Reascos Valencia" userId="8da0aa10-e628-4418-996a-6e2b438f5890" providerId="ADAL" clId="{FF2A4FE9-6061-4F89-9356-7C24429792B8}" dt="2021-10-27T19:37:03.284" v="384" actId="26606"/>
+          <ac:spMkLst>
+            <pc:docMk/>
+            <pc:sldMk cId="3785552250" sldId="259"/>
+            <ac:spMk id="26" creationId="{EA67B5B4-3A24-436E-B663-1B2EBFF8A0CD}"/>
+          </ac:spMkLst>
+        </pc:spChg>
+        <pc:spChg chg="add">
+          <ac:chgData name="Irving Leander Reascos Valencia" userId="8da0aa10-e628-4418-996a-6e2b438f5890" providerId="ADAL" clId="{FF2A4FE9-6061-4F89-9356-7C24429792B8}" dt="2021-10-27T19:37:03.284" v="384" actId="26606"/>
+          <ac:spMkLst>
+            <pc:docMk/>
+            <pc:sldMk cId="3785552250" sldId="259"/>
+            <ac:spMk id="28" creationId="{987FDF89-C993-41F4-A1B8-DBAFF16008A9}"/>
+          </ac:spMkLst>
+        </pc:spChg>
+        <pc:spChg chg="add">
+          <ac:chgData name="Irving Leander Reascos Valencia" userId="8da0aa10-e628-4418-996a-6e2b438f5890" providerId="ADAL" clId="{FF2A4FE9-6061-4F89-9356-7C24429792B8}" dt="2021-10-27T19:37:03.284" v="384" actId="26606"/>
+          <ac:spMkLst>
+            <pc:docMk/>
+            <pc:sldMk cId="3785552250" sldId="259"/>
+            <ac:spMk id="30" creationId="{D1D7179B-FF7C-482F-B3D9-2BE9ED1139F9}"/>
+          </ac:spMkLst>
+        </pc:spChg>
+        <pc:picChg chg="ord">
+          <ac:chgData name="Irving Leander Reascos Valencia" userId="8da0aa10-e628-4418-996a-6e2b438f5890" providerId="ADAL" clId="{FF2A4FE9-6061-4F89-9356-7C24429792B8}" dt="2021-10-27T19:37:03.284" v="384" actId="26606"/>
+          <ac:picMkLst>
+            <pc:docMk/>
+            <pc:sldMk cId="3785552250" sldId="259"/>
+            <ac:picMk id="13" creationId="{1D3CEF4A-EFEE-4A62-8C1A-299D0027E6D2}"/>
+          </ac:picMkLst>
+        </pc:picChg>
       </pc:sldChg>
       <pc:sldChg chg="addSp delSp modSp mod">
-        <pc:chgData name="Irving Leander Reascos Valencia" userId="8da0aa10-e628-4418-996a-6e2b438f5890" providerId="ADAL" clId="{FF2A4FE9-6061-4F89-9356-7C24429792B8}" dt="2021-10-26T14:45:20.318" v="265" actId="21"/>
+        <pc:chgData name="Irving Leander Reascos Valencia" userId="8da0aa10-e628-4418-996a-6e2b438f5890" providerId="ADAL" clId="{FF2A4FE9-6061-4F89-9356-7C24429792B8}" dt="2021-10-27T15:02:18.657" v="337" actId="20577"/>
         <pc:sldMkLst>
           <pc:docMk/>
           <pc:sldMk cId="4233285982" sldId="260"/>
         </pc:sldMkLst>
+        <pc:spChg chg="mod">
+          <ac:chgData name="Irving Leander Reascos Valencia" userId="8da0aa10-e628-4418-996a-6e2b438f5890" providerId="ADAL" clId="{FF2A4FE9-6061-4F89-9356-7C24429792B8}" dt="2021-10-27T15:02:18.657" v="337" actId="20577"/>
+          <ac:spMkLst>
+            <pc:docMk/>
+            <pc:sldMk cId="4233285982" sldId="260"/>
+            <ac:spMk id="3" creationId="{2B0B0381-2015-4C05-B552-CD2565C5E8A6}"/>
+          </ac:spMkLst>
+        </pc:spChg>
         <pc:spChg chg="add del">
           <ac:chgData name="Irving Leander Reascos Valencia" userId="8da0aa10-e628-4418-996a-6e2b438f5890" providerId="ADAL" clId="{FF2A4FE9-6061-4F89-9356-7C24429792B8}" dt="2021-10-26T14:44:43.910" v="253" actId="21"/>
           <ac:spMkLst>
@@ -1816,7 +1890,7 @@
         </pc:picChg>
       </pc:sldChg>
       <pc:sldChg chg="addSp delSp modSp mod setBg setClrOvrMap">
-        <pc:chgData name="Irving Leander Reascos Valencia" userId="8da0aa10-e628-4418-996a-6e2b438f5890" providerId="ADAL" clId="{FF2A4FE9-6061-4F89-9356-7C24429792B8}" dt="2021-10-26T14:46:04.004" v="274"/>
+        <pc:chgData name="Irving Leander Reascos Valencia" userId="8da0aa10-e628-4418-996a-6e2b438f5890" providerId="ADAL" clId="{FF2A4FE9-6061-4F89-9356-7C24429792B8}" dt="2021-10-29T09:39:36.089" v="632" actId="1076"/>
         <pc:sldMkLst>
           <pc:docMk/>
           <pc:sldMk cId="3345648404" sldId="264"/>
@@ -1830,7 +1904,7 @@
           </ac:spMkLst>
         </pc:spChg>
         <pc:spChg chg="mod ord">
-          <ac:chgData name="Irving Leander Reascos Valencia" userId="8da0aa10-e628-4418-996a-6e2b438f5890" providerId="ADAL" clId="{FF2A4FE9-6061-4F89-9356-7C24429792B8}" dt="2021-10-26T14:45:53.250" v="273" actId="1076"/>
+          <ac:chgData name="Irving Leander Reascos Valencia" userId="8da0aa10-e628-4418-996a-6e2b438f5890" providerId="ADAL" clId="{FF2A4FE9-6061-4F89-9356-7C24429792B8}" dt="2021-10-29T09:39:28.072" v="631" actId="1076"/>
           <ac:spMkLst>
             <pc:docMk/>
             <pc:sldMk cId="3345648404" sldId="264"/>
@@ -1878,7 +1952,7 @@
           </ac:spMkLst>
         </pc:spChg>
         <pc:spChg chg="add mod ord">
-          <ac:chgData name="Irving Leander Reascos Valencia" userId="8da0aa10-e628-4418-996a-6e2b438f5890" providerId="ADAL" clId="{FF2A4FE9-6061-4F89-9356-7C24429792B8}" dt="2021-10-26T14:45:24.888" v="268" actId="167"/>
+          <ac:chgData name="Irving Leander Reascos Valencia" userId="8da0aa10-e628-4418-996a-6e2b438f5890" providerId="ADAL" clId="{FF2A4FE9-6061-4F89-9356-7C24429792B8}" dt="2021-10-29T09:38:57.250" v="605" actId="14100"/>
           <ac:spMkLst>
             <pc:docMk/>
             <pc:sldMk cId="3345648404" sldId="264"/>
@@ -1923,6 +1997,22 @@
             <pc:docMk/>
             <pc:sldMk cId="3345648404" sldId="264"/>
             <ac:picMk id="7" creationId="{BABBFE0C-6DB8-4D5C-8B4A-46A566D9BD09}"/>
+          </ac:picMkLst>
+        </pc:picChg>
+        <pc:picChg chg="mod">
+          <ac:chgData name="Irving Leander Reascos Valencia" userId="8da0aa10-e628-4418-996a-6e2b438f5890" providerId="ADAL" clId="{FF2A4FE9-6061-4F89-9356-7C24429792B8}" dt="2021-10-29T09:39:36.089" v="632" actId="1076"/>
+          <ac:picMkLst>
+            <pc:docMk/>
+            <pc:sldMk cId="3345648404" sldId="264"/>
+            <ac:picMk id="13" creationId="{4D0222E7-DC34-4623-90B3-FF6BA2EFB7ED}"/>
+          </ac:picMkLst>
+        </pc:picChg>
+        <pc:picChg chg="mod">
+          <ac:chgData name="Irving Leander Reascos Valencia" userId="8da0aa10-e628-4418-996a-6e2b438f5890" providerId="ADAL" clId="{FF2A4FE9-6061-4F89-9356-7C24429792B8}" dt="2021-10-29T09:39:36.089" v="632" actId="1076"/>
+          <ac:picMkLst>
+            <pc:docMk/>
+            <pc:sldMk cId="3345648404" sldId="264"/>
+            <ac:picMk id="14" creationId="{FC2B9E78-AA61-403B-ABE0-72EA4BA89517}"/>
           </ac:picMkLst>
         </pc:picChg>
         <pc:picChg chg="add mod">
@@ -2097,6 +2187,348 @@
             <pc:docMk/>
             <pc:sldMk cId="211770228" sldId="266"/>
             <ac:picMk id="8" creationId="{125D7BC7-CACD-4B4B-8BC7-3BFEBF303B58}"/>
+          </ac:picMkLst>
+        </pc:picChg>
+      </pc:sldChg>
+      <pc:sldChg chg="addSp delSp modSp new mod setBg setClrOvrMap">
+        <pc:chgData name="Irving Leander Reascos Valencia" userId="8da0aa10-e628-4418-996a-6e2b438f5890" providerId="ADAL" clId="{FF2A4FE9-6061-4F89-9356-7C24429792B8}" dt="2021-10-29T09:17:43.378" v="441" actId="26606"/>
+        <pc:sldMkLst>
+          <pc:docMk/>
+          <pc:sldMk cId="2634440952" sldId="267"/>
+        </pc:sldMkLst>
+        <pc:spChg chg="mod">
+          <ac:chgData name="Irving Leander Reascos Valencia" userId="8da0aa10-e628-4418-996a-6e2b438f5890" providerId="ADAL" clId="{FF2A4FE9-6061-4F89-9356-7C24429792B8}" dt="2021-10-29T09:17:43.378" v="441" actId="26606"/>
+          <ac:spMkLst>
+            <pc:docMk/>
+            <pc:sldMk cId="2634440952" sldId="267"/>
+            <ac:spMk id="2" creationId="{B5EF97E0-8FED-4570-942C-9897B63A06AA}"/>
+          </ac:spMkLst>
+        </pc:spChg>
+        <pc:spChg chg="del">
+          <ac:chgData name="Irving Leander Reascos Valencia" userId="8da0aa10-e628-4418-996a-6e2b438f5890" providerId="ADAL" clId="{FF2A4FE9-6061-4F89-9356-7C24429792B8}" dt="2021-10-27T19:28:29.908" v="347" actId="478"/>
+          <ac:spMkLst>
+            <pc:docMk/>
+            <pc:sldMk cId="2634440952" sldId="267"/>
+            <ac:spMk id="3" creationId="{8A73CF24-D18C-4D78-ADAC-27E0DE1DCE17}"/>
+          </ac:spMkLst>
+        </pc:spChg>
+        <pc:spChg chg="mod ord">
+          <ac:chgData name="Irving Leander Reascos Valencia" userId="8da0aa10-e628-4418-996a-6e2b438f5890" providerId="ADAL" clId="{FF2A4FE9-6061-4F89-9356-7C24429792B8}" dt="2021-10-29T09:17:43.378" v="441" actId="26606"/>
+          <ac:spMkLst>
+            <pc:docMk/>
+            <pc:sldMk cId="2634440952" sldId="267"/>
+            <ac:spMk id="4" creationId="{1A3F950A-DED5-4E07-9C98-EA8DE6F125DD}"/>
+          </ac:spMkLst>
+        </pc:spChg>
+        <pc:spChg chg="add del mod">
+          <ac:chgData name="Irving Leander Reascos Valencia" userId="8da0aa10-e628-4418-996a-6e2b438f5890" providerId="ADAL" clId="{FF2A4FE9-6061-4F89-9356-7C24429792B8}" dt="2021-10-27T19:36:18.924" v="383" actId="21"/>
+          <ac:spMkLst>
+            <pc:docMk/>
+            <pc:sldMk cId="2634440952" sldId="267"/>
+            <ac:spMk id="5" creationId="{82269582-A9F5-492B-8B1B-F4E17EE31BF6}"/>
+          </ac:spMkLst>
+        </pc:spChg>
+        <pc:spChg chg="add del">
+          <ac:chgData name="Irving Leander Reascos Valencia" userId="8da0aa10-e628-4418-996a-6e2b438f5890" providerId="ADAL" clId="{FF2A4FE9-6061-4F89-9356-7C24429792B8}" dt="2021-10-27T19:38:04.685" v="408" actId="26606"/>
+          <ac:spMkLst>
+            <pc:docMk/>
+            <pc:sldMk cId="2634440952" sldId="267"/>
+            <ac:spMk id="12" creationId="{605494DE-B078-4D87-BB01-C84320618DAD}"/>
+          </ac:spMkLst>
+        </pc:spChg>
+        <pc:spChg chg="add del mod ord">
+          <ac:chgData name="Irving Leander Reascos Valencia" userId="8da0aa10-e628-4418-996a-6e2b438f5890" providerId="ADAL" clId="{FF2A4FE9-6061-4F89-9356-7C24429792B8}" dt="2021-10-27T19:38:06.401" v="409" actId="478"/>
+          <ac:spMkLst>
+            <pc:docMk/>
+            <pc:sldMk cId="2634440952" sldId="267"/>
+            <ac:spMk id="13" creationId="{4D2F9F9B-8B78-4758-B64A-86F3F71BC6C2}"/>
+          </ac:spMkLst>
+        </pc:spChg>
+        <pc:spChg chg="add del">
+          <ac:chgData name="Irving Leander Reascos Valencia" userId="8da0aa10-e628-4418-996a-6e2b438f5890" providerId="ADAL" clId="{FF2A4FE9-6061-4F89-9356-7C24429792B8}" dt="2021-10-27T19:38:04.685" v="408" actId="26606"/>
+          <ac:spMkLst>
+            <pc:docMk/>
+            <pc:sldMk cId="2634440952" sldId="267"/>
+            <ac:spMk id="14" creationId="{9A0576B0-CD8C-4661-95C8-A9F2CE7CDDB0}"/>
+          </ac:spMkLst>
+        </pc:spChg>
+        <pc:spChg chg="add del">
+          <ac:chgData name="Irving Leander Reascos Valencia" userId="8da0aa10-e628-4418-996a-6e2b438f5890" providerId="ADAL" clId="{FF2A4FE9-6061-4F89-9356-7C24429792B8}" dt="2021-10-27T19:38:04.685" v="408" actId="26606"/>
+          <ac:spMkLst>
+            <pc:docMk/>
+            <pc:sldMk cId="2634440952" sldId="267"/>
+            <ac:spMk id="16" creationId="{3FF60E2B-3919-423C-B1FF-56CDE6681165}"/>
+          </ac:spMkLst>
+        </pc:spChg>
+        <pc:spChg chg="add del">
+          <ac:chgData name="Irving Leander Reascos Valencia" userId="8da0aa10-e628-4418-996a-6e2b438f5890" providerId="ADAL" clId="{FF2A4FE9-6061-4F89-9356-7C24429792B8}" dt="2021-10-27T19:38:04.663" v="407" actId="26606"/>
+          <ac:spMkLst>
+            <pc:docMk/>
+            <pc:sldMk cId="2634440952" sldId="267"/>
+            <ac:spMk id="18" creationId="{99899462-FC16-43B0-966B-FCA263450716}"/>
+          </ac:spMkLst>
+        </pc:spChg>
+        <pc:spChg chg="add del">
+          <ac:chgData name="Irving Leander Reascos Valencia" userId="8da0aa10-e628-4418-996a-6e2b438f5890" providerId="ADAL" clId="{FF2A4FE9-6061-4F89-9356-7C24429792B8}" dt="2021-10-27T19:38:00.091" v="405" actId="26606"/>
+          <ac:spMkLst>
+            <pc:docMk/>
+            <pc:sldMk cId="2634440952" sldId="267"/>
+            <ac:spMk id="21" creationId="{C7FA33FF-088D-4F16-95A2-2C64D353DEA8}"/>
+          </ac:spMkLst>
+        </pc:spChg>
+        <pc:spChg chg="add del">
+          <ac:chgData name="Irving Leander Reascos Valencia" userId="8da0aa10-e628-4418-996a-6e2b438f5890" providerId="ADAL" clId="{FF2A4FE9-6061-4F89-9356-7C24429792B8}" dt="2021-10-29T09:17:43.378" v="441" actId="26606"/>
+          <ac:spMkLst>
+            <pc:docMk/>
+            <pc:sldMk cId="2634440952" sldId="267"/>
+            <ac:spMk id="22" creationId="{C7FA33FF-088D-4F16-95A2-2C64D353DEA8}"/>
+          </ac:spMkLst>
+        </pc:spChg>
+        <pc:spChg chg="add del">
+          <ac:chgData name="Irving Leander Reascos Valencia" userId="8da0aa10-e628-4418-996a-6e2b438f5890" providerId="ADAL" clId="{FF2A4FE9-6061-4F89-9356-7C24429792B8}" dt="2021-10-27T19:38:00.091" v="405" actId="26606"/>
+          <ac:spMkLst>
+            <pc:docMk/>
+            <pc:sldMk cId="2634440952" sldId="267"/>
+            <ac:spMk id="23" creationId="{A376EFB1-01CF-419F-ABF1-2AF02BBFCBD1}"/>
+          </ac:spMkLst>
+        </pc:spChg>
+        <pc:spChg chg="add del">
+          <ac:chgData name="Irving Leander Reascos Valencia" userId="8da0aa10-e628-4418-996a-6e2b438f5890" providerId="ADAL" clId="{FF2A4FE9-6061-4F89-9356-7C24429792B8}" dt="2021-10-29T09:17:43.378" v="441" actId="26606"/>
+          <ac:spMkLst>
+            <pc:docMk/>
+            <pc:sldMk cId="2634440952" sldId="267"/>
+            <ac:spMk id="24" creationId="{A376EFB1-01CF-419F-ABF1-2AF02BBFCBD1}"/>
+          </ac:spMkLst>
+        </pc:spChg>
+        <pc:spChg chg="add del">
+          <ac:chgData name="Irving Leander Reascos Valencia" userId="8da0aa10-e628-4418-996a-6e2b438f5890" providerId="ADAL" clId="{FF2A4FE9-6061-4F89-9356-7C24429792B8}" dt="2021-10-27T19:38:00.091" v="405" actId="26606"/>
+          <ac:spMkLst>
+            <pc:docMk/>
+            <pc:sldMk cId="2634440952" sldId="267"/>
+            <ac:spMk id="25" creationId="{FF9DEA15-78BD-4750-AA18-B9F28A6D5AB8}"/>
+          </ac:spMkLst>
+        </pc:spChg>
+        <pc:spChg chg="add del">
+          <ac:chgData name="Irving Leander Reascos Valencia" userId="8da0aa10-e628-4418-996a-6e2b438f5890" providerId="ADAL" clId="{FF2A4FE9-6061-4F89-9356-7C24429792B8}" dt="2021-10-29T09:17:43.378" v="441" actId="26606"/>
+          <ac:spMkLst>
+            <pc:docMk/>
+            <pc:sldMk cId="2634440952" sldId="267"/>
+            <ac:spMk id="26" creationId="{FF9DEA15-78BD-4750-AA18-B9F28A6D5AB8}"/>
+          </ac:spMkLst>
+        </pc:spChg>
+        <pc:spChg chg="add mod ord">
+          <ac:chgData name="Irving Leander Reascos Valencia" userId="8da0aa10-e628-4418-996a-6e2b438f5890" providerId="ADAL" clId="{FF2A4FE9-6061-4F89-9356-7C24429792B8}" dt="2021-10-29T09:17:43.378" v="441" actId="26606"/>
+          <ac:spMkLst>
+            <pc:docMk/>
+            <pc:sldMk cId="2634440952" sldId="267"/>
+            <ac:spMk id="27" creationId="{E8615DD7-0B72-4D6D-BE0F-0F20DAA5030E}"/>
+          </ac:spMkLst>
+        </pc:spChg>
+        <pc:spChg chg="add del">
+          <ac:chgData name="Irving Leander Reascos Valencia" userId="8da0aa10-e628-4418-996a-6e2b438f5890" providerId="ADAL" clId="{FF2A4FE9-6061-4F89-9356-7C24429792B8}" dt="2021-10-29T09:17:43.378" v="441" actId="26606"/>
+          <ac:spMkLst>
+            <pc:docMk/>
+            <pc:sldMk cId="2634440952" sldId="267"/>
+            <ac:spMk id="34" creationId="{68A4132F-DEC6-4332-A00C-A11AD4519B6C}"/>
+          </ac:spMkLst>
+        </pc:spChg>
+        <pc:spChg chg="add del">
+          <ac:chgData name="Irving Leander Reascos Valencia" userId="8da0aa10-e628-4418-996a-6e2b438f5890" providerId="ADAL" clId="{FF2A4FE9-6061-4F89-9356-7C24429792B8}" dt="2021-10-29T09:17:43.378" v="441" actId="26606"/>
+          <ac:spMkLst>
+            <pc:docMk/>
+            <pc:sldMk cId="2634440952" sldId="267"/>
+            <ac:spMk id="36" creationId="{9B38642C-62C4-4E31-A5D3-BB1DD8CA3942}"/>
+          </ac:spMkLst>
+        </pc:spChg>
+        <pc:spChg chg="add del">
+          <ac:chgData name="Irving Leander Reascos Valencia" userId="8da0aa10-e628-4418-996a-6e2b438f5890" providerId="ADAL" clId="{FF2A4FE9-6061-4F89-9356-7C24429792B8}" dt="2021-10-29T09:17:43.378" v="441" actId="26606"/>
+          <ac:spMkLst>
+            <pc:docMk/>
+            <pc:sldMk cId="2634440952" sldId="267"/>
+            <ac:spMk id="38" creationId="{A9F66240-8C38-4069-A5C9-2D3FCD97EDAD}"/>
+          </ac:spMkLst>
+        </pc:spChg>
+        <pc:spChg chg="add del">
+          <ac:chgData name="Irving Leander Reascos Valencia" userId="8da0aa10-e628-4418-996a-6e2b438f5890" providerId="ADAL" clId="{FF2A4FE9-6061-4F89-9356-7C24429792B8}" dt="2021-10-29T09:17:42.722" v="440" actId="26606"/>
+          <ac:spMkLst>
+            <pc:docMk/>
+            <pc:sldMk cId="2634440952" sldId="267"/>
+            <ac:spMk id="43" creationId="{C7FA33FF-088D-4F16-95A2-2C64D353DEA8}"/>
+          </ac:spMkLst>
+        </pc:spChg>
+        <pc:spChg chg="add del">
+          <ac:chgData name="Irving Leander Reascos Valencia" userId="8da0aa10-e628-4418-996a-6e2b438f5890" providerId="ADAL" clId="{FF2A4FE9-6061-4F89-9356-7C24429792B8}" dt="2021-10-29T09:17:42.722" v="440" actId="26606"/>
+          <ac:spMkLst>
+            <pc:docMk/>
+            <pc:sldMk cId="2634440952" sldId="267"/>
+            <ac:spMk id="45" creationId="{A376EFB1-01CF-419F-ABF1-2AF02BBFCBD1}"/>
+          </ac:spMkLst>
+        </pc:spChg>
+        <pc:spChg chg="add del">
+          <ac:chgData name="Irving Leander Reascos Valencia" userId="8da0aa10-e628-4418-996a-6e2b438f5890" providerId="ADAL" clId="{FF2A4FE9-6061-4F89-9356-7C24429792B8}" dt="2021-10-29T09:17:42.722" v="440" actId="26606"/>
+          <ac:spMkLst>
+            <pc:docMk/>
+            <pc:sldMk cId="2634440952" sldId="267"/>
+            <ac:spMk id="47" creationId="{FF9DEA15-78BD-4750-AA18-B9F28A6D5AB8}"/>
+          </ac:spMkLst>
+        </pc:spChg>
+        <pc:picChg chg="add mod ord">
+          <ac:chgData name="Irving Leander Reascos Valencia" userId="8da0aa10-e628-4418-996a-6e2b438f5890" providerId="ADAL" clId="{FF2A4FE9-6061-4F89-9356-7C24429792B8}" dt="2021-10-29T09:17:43.378" v="441" actId="26606"/>
+          <ac:picMkLst>
+            <pc:docMk/>
+            <pc:sldMk cId="2634440952" sldId="267"/>
+            <ac:picMk id="7" creationId="{D2032FE3-64BB-4FB7-9B24-0B5CA4CA4922}"/>
+          </ac:picMkLst>
+        </pc:picChg>
+        <pc:picChg chg="add del mod">
+          <ac:chgData name="Irving Leander Reascos Valencia" userId="8da0aa10-e628-4418-996a-6e2b438f5890" providerId="ADAL" clId="{FF2A4FE9-6061-4F89-9356-7C24429792B8}" dt="2021-10-27T19:35:54.414" v="381" actId="21"/>
+          <ac:picMkLst>
+            <pc:docMk/>
+            <pc:sldMk cId="2634440952" sldId="267"/>
+            <ac:picMk id="9" creationId="{5B0E84C6-7AAC-4CA7-85CF-45E30C475AD4}"/>
+          </ac:picMkLst>
+        </pc:picChg>
+        <pc:picChg chg="add mod ord">
+          <ac:chgData name="Irving Leander Reascos Valencia" userId="8da0aa10-e628-4418-996a-6e2b438f5890" providerId="ADAL" clId="{FF2A4FE9-6061-4F89-9356-7C24429792B8}" dt="2021-10-29T09:17:43.378" v="441" actId="26606"/>
+          <ac:picMkLst>
+            <pc:docMk/>
+            <pc:sldMk cId="2634440952" sldId="267"/>
+            <ac:picMk id="11" creationId="{80194A23-064B-4B28-9D38-06BE97515342}"/>
+          </ac:picMkLst>
+        </pc:picChg>
+        <pc:picChg chg="add del mod">
+          <ac:chgData name="Irving Leander Reascos Valencia" userId="8da0aa10-e628-4418-996a-6e2b438f5890" providerId="ADAL" clId="{FF2A4FE9-6061-4F89-9356-7C24429792B8}" dt="2021-10-27T19:38:55.778" v="424"/>
+          <ac:picMkLst>
+            <pc:docMk/>
+            <pc:sldMk cId="2634440952" sldId="267"/>
+            <ac:picMk id="28" creationId="{9D0D1BC8-5CCA-4DF0-B1CF-64A70E35BB44}"/>
+          </ac:picMkLst>
+        </pc:picChg>
+        <pc:picChg chg="add mod">
+          <ac:chgData name="Irving Leander Reascos Valencia" userId="8da0aa10-e628-4418-996a-6e2b438f5890" providerId="ADAL" clId="{FF2A4FE9-6061-4F89-9356-7C24429792B8}" dt="2021-10-27T19:38:58.499" v="425"/>
+          <ac:picMkLst>
+            <pc:docMk/>
+            <pc:sldMk cId="2634440952" sldId="267"/>
+            <ac:picMk id="29" creationId="{3631EAFB-6919-4FBD-863B-9A97CD987265}"/>
+          </ac:picMkLst>
+        </pc:picChg>
+        <pc:cxnChg chg="add del">
+          <ac:chgData name="Irving Leander Reascos Valencia" userId="8da0aa10-e628-4418-996a-6e2b438f5890" providerId="ADAL" clId="{FF2A4FE9-6061-4F89-9356-7C24429792B8}" dt="2021-10-27T19:38:04.663" v="407" actId="26606"/>
+          <ac:cxnSpMkLst>
+            <pc:docMk/>
+            <pc:sldMk cId="2634440952" sldId="267"/>
+            <ac:cxnSpMk id="19" creationId="{AAFEA932-2DF1-410C-A00A-7A1E7DBF7511}"/>
+          </ac:cxnSpMkLst>
+        </pc:cxnChg>
+      </pc:sldChg>
+      <pc:sldChg chg="addSp delSp modSp mod setBg setClrOvrMap delDesignElem">
+        <pc:chgData name="Irving Leander Reascos Valencia" userId="8da0aa10-e628-4418-996a-6e2b438f5890" providerId="ADAL" clId="{FF2A4FE9-6061-4F89-9356-7C24429792B8}" dt="2021-10-29T09:19:01.577" v="458" actId="1076"/>
+        <pc:sldMkLst>
+          <pc:docMk/>
+          <pc:sldMk cId="2830130355" sldId="268"/>
+        </pc:sldMkLst>
+        <pc:spChg chg="del mod">
+          <ac:chgData name="Irving Leander Reascos Valencia" userId="8da0aa10-e628-4418-996a-6e2b438f5890" providerId="ADAL" clId="{FF2A4FE9-6061-4F89-9356-7C24429792B8}" dt="2021-10-29T09:18:51.650" v="455" actId="478"/>
+          <ac:spMkLst>
+            <pc:docMk/>
+            <pc:sldMk cId="2830130355" sldId="268"/>
+            <ac:spMk id="2" creationId="{B5EF97E0-8FED-4570-942C-9897B63A06AA}"/>
+          </ac:spMkLst>
+        </pc:spChg>
+        <pc:spChg chg="ord">
+          <ac:chgData name="Irving Leander Reascos Valencia" userId="8da0aa10-e628-4418-996a-6e2b438f5890" providerId="ADAL" clId="{FF2A4FE9-6061-4F89-9356-7C24429792B8}" dt="2021-10-29T09:17:51.053" v="442" actId="26606"/>
+          <ac:spMkLst>
+            <pc:docMk/>
+            <pc:sldMk cId="2830130355" sldId="268"/>
+            <ac:spMk id="4" creationId="{1A3F950A-DED5-4E07-9C98-EA8DE6F125DD}"/>
+          </ac:spMkLst>
+        </pc:spChg>
+        <pc:spChg chg="add del mod">
+          <ac:chgData name="Irving Leander Reascos Valencia" userId="8da0aa10-e628-4418-996a-6e2b438f5890" providerId="ADAL" clId="{FF2A4FE9-6061-4F89-9356-7C24429792B8}" dt="2021-10-29T09:18:54.178" v="456" actId="478"/>
+          <ac:spMkLst>
+            <pc:docMk/>
+            <pc:sldMk cId="2830130355" sldId="268"/>
+            <ac:spMk id="8" creationId="{7BB40625-332E-4D73-8DAB-D8209F36C6F2}"/>
+          </ac:spMkLst>
+        </pc:spChg>
+        <pc:spChg chg="add del mod ord">
+          <ac:chgData name="Irving Leander Reascos Valencia" userId="8da0aa10-e628-4418-996a-6e2b438f5890" providerId="ADAL" clId="{FF2A4FE9-6061-4F89-9356-7C24429792B8}" dt="2021-10-29T09:17:57.208" v="444" actId="478"/>
+          <ac:spMkLst>
+            <pc:docMk/>
+            <pc:sldMk cId="2830130355" sldId="268"/>
+            <ac:spMk id="13" creationId="{D4864CA0-B6F3-472A-9419-0739C7895FE4}"/>
+          </ac:spMkLst>
+        </pc:spChg>
+        <pc:spChg chg="add mod">
+          <ac:chgData name="Irving Leander Reascos Valencia" userId="8da0aa10-e628-4418-996a-6e2b438f5890" providerId="ADAL" clId="{FF2A4FE9-6061-4F89-9356-7C24429792B8}" dt="2021-10-29T09:19:01.577" v="458" actId="1076"/>
+          <ac:spMkLst>
+            <pc:docMk/>
+            <pc:sldMk cId="2830130355" sldId="268"/>
+            <ac:spMk id="17" creationId="{ADA754F5-9E53-4676-91A5-559D1C084854}"/>
+          </ac:spMkLst>
+        </pc:spChg>
+        <pc:spChg chg="add mod">
+          <ac:chgData name="Irving Leander Reascos Valencia" userId="8da0aa10-e628-4418-996a-6e2b438f5890" providerId="ADAL" clId="{FF2A4FE9-6061-4F89-9356-7C24429792B8}" dt="2021-10-29T09:18:58.017" v="457"/>
+          <ac:spMkLst>
+            <pc:docMk/>
+            <pc:sldMk cId="2830130355" sldId="268"/>
+            <ac:spMk id="20" creationId="{54BB2D95-343E-41A2-8AD8-3778CB577DBB}"/>
+          </ac:spMkLst>
+        </pc:spChg>
+        <pc:spChg chg="del mod">
+          <ac:chgData name="Irving Leander Reascos Valencia" userId="8da0aa10-e628-4418-996a-6e2b438f5890" providerId="ADAL" clId="{FF2A4FE9-6061-4F89-9356-7C24429792B8}" dt="2021-10-29T09:16:23.475" v="434" actId="21"/>
+          <ac:spMkLst>
+            <pc:docMk/>
+            <pc:sldMk cId="2830130355" sldId="268"/>
+            <ac:spMk id="27" creationId="{E8615DD7-0B72-4D6D-BE0F-0F20DAA5030E}"/>
+          </ac:spMkLst>
+        </pc:spChg>
+        <pc:spChg chg="add">
+          <ac:chgData name="Irving Leander Reascos Valencia" userId="8da0aa10-e628-4418-996a-6e2b438f5890" providerId="ADAL" clId="{FF2A4FE9-6061-4F89-9356-7C24429792B8}" dt="2021-10-29T09:17:51.053" v="442" actId="26606"/>
+          <ac:spMkLst>
+            <pc:docMk/>
+            <pc:sldMk cId="2830130355" sldId="268"/>
+            <ac:spMk id="34" creationId="{C7FA33FF-088D-4F16-95A2-2C64D353DEA8}"/>
+          </ac:spMkLst>
+        </pc:spChg>
+        <pc:spChg chg="add">
+          <ac:chgData name="Irving Leander Reascos Valencia" userId="8da0aa10-e628-4418-996a-6e2b438f5890" providerId="ADAL" clId="{FF2A4FE9-6061-4F89-9356-7C24429792B8}" dt="2021-10-29T09:17:51.053" v="442" actId="26606"/>
+          <ac:spMkLst>
+            <pc:docMk/>
+            <pc:sldMk cId="2830130355" sldId="268"/>
+            <ac:spMk id="36" creationId="{A376EFB1-01CF-419F-ABF1-2AF02BBFCBD1}"/>
+          </ac:spMkLst>
+        </pc:spChg>
+        <pc:spChg chg="add">
+          <ac:chgData name="Irving Leander Reascos Valencia" userId="8da0aa10-e628-4418-996a-6e2b438f5890" providerId="ADAL" clId="{FF2A4FE9-6061-4F89-9356-7C24429792B8}" dt="2021-10-29T09:17:51.053" v="442" actId="26606"/>
+          <ac:spMkLst>
+            <pc:docMk/>
+            <pc:sldMk cId="2830130355" sldId="268"/>
+            <ac:spMk id="38" creationId="{FF9DEA15-78BD-4750-AA18-B9F28A6D5AB8}"/>
+          </ac:spMkLst>
+        </pc:spChg>
+        <pc:picChg chg="mod">
+          <ac:chgData name="Irving Leander Reascos Valencia" userId="8da0aa10-e628-4418-996a-6e2b438f5890" providerId="ADAL" clId="{FF2A4FE9-6061-4F89-9356-7C24429792B8}" dt="2021-10-29T09:17:51.053" v="442" actId="26606"/>
+          <ac:picMkLst>
+            <pc:docMk/>
+            <pc:sldMk cId="2830130355" sldId="268"/>
+            <ac:picMk id="3" creationId="{13A608E0-9004-4876-BC13-1E71E7503EC1}"/>
+          </ac:picMkLst>
+        </pc:picChg>
+        <pc:picChg chg="mod">
+          <ac:chgData name="Irving Leander Reascos Valencia" userId="8da0aa10-e628-4418-996a-6e2b438f5890" providerId="ADAL" clId="{FF2A4FE9-6061-4F89-9356-7C24429792B8}" dt="2021-10-29T09:17:51.053" v="442" actId="26606"/>
+          <ac:picMkLst>
+            <pc:docMk/>
+            <pc:sldMk cId="2830130355" sldId="268"/>
+            <ac:picMk id="5" creationId="{C30E284D-911E-45D4-960F-98332413A927}"/>
+          </ac:picMkLst>
+        </pc:picChg>
+        <pc:picChg chg="ord">
+          <ac:chgData name="Irving Leander Reascos Valencia" userId="8da0aa10-e628-4418-996a-6e2b438f5890" providerId="ADAL" clId="{FF2A4FE9-6061-4F89-9356-7C24429792B8}" dt="2021-10-29T09:17:51.053" v="442" actId="26606"/>
+          <ac:picMkLst>
+            <pc:docMk/>
+            <pc:sldMk cId="2830130355" sldId="268"/>
+            <ac:picMk id="29" creationId="{3631EAFB-6919-4FBD-863B-9A97CD987265}"/>
           </ac:picMkLst>
         </pc:picChg>
       </pc:sldChg>
@@ -2153,6 +2585,171 @@
             <pc:docMk/>
             <pc:sldMk cId="3345648404" sldId="264"/>
             <ac:picMk id="7" creationId="{BABBFE0C-6DB8-4D5C-8B4A-46A566D9BD09}"/>
+          </ac:picMkLst>
+        </pc:picChg>
+      </pc:sldChg>
+    </pc:docChg>
+  </pc:docChgLst>
+  <pc:docChgLst>
+    <pc:chgData name="Rodrigo da Silva Gomes Peres Coelho" userId="S::pg47622@uminho.pt::32a22569-e572-4c9f-bf40-e144b3d8d0a1" providerId="AD" clId="Web-{CAE9DF54-3E55-1FB7-D7BF-C095B0D0356E}"/>
+    <pc:docChg chg="modSld">
+      <pc:chgData name="Rodrigo da Silva Gomes Peres Coelho" userId="S::pg47622@uminho.pt::32a22569-e572-4c9f-bf40-e144b3d8d0a1" providerId="AD" clId="Web-{CAE9DF54-3E55-1FB7-D7BF-C095B0D0356E}" dt="2021-10-29T09:46:39.773" v="174" actId="1076"/>
+      <pc:docMkLst>
+        <pc:docMk/>
+      </pc:docMkLst>
+      <pc:sldChg chg="modSp">
+        <pc:chgData name="Rodrigo da Silva Gomes Peres Coelho" userId="S::pg47622@uminho.pt::32a22569-e572-4c9f-bf40-e144b3d8d0a1" providerId="AD" clId="Web-{CAE9DF54-3E55-1FB7-D7BF-C095B0D0356E}" dt="2021-10-29T09:46:39.773" v="174" actId="1076"/>
+        <pc:sldMkLst>
+          <pc:docMk/>
+          <pc:sldMk cId="49299221" sldId="263"/>
+        </pc:sldMkLst>
+        <pc:spChg chg="mod">
+          <ac:chgData name="Rodrigo da Silva Gomes Peres Coelho" userId="S::pg47622@uminho.pt::32a22569-e572-4c9f-bf40-e144b3d8d0a1" providerId="AD" clId="Web-{CAE9DF54-3E55-1FB7-D7BF-C095B0D0356E}" dt="2021-10-29T09:46:39.773" v="174" actId="1076"/>
+          <ac:spMkLst>
+            <pc:docMk/>
+            <pc:sldMk cId="49299221" sldId="263"/>
+            <ac:spMk id="3" creationId="{2B0B0381-2015-4C05-B552-CD2565C5E8A6}"/>
+          </ac:spMkLst>
+        </pc:spChg>
+      </pc:sldChg>
+      <pc:sldChg chg="addSp delSp modSp">
+        <pc:chgData name="Rodrigo da Silva Gomes Peres Coelho" userId="S::pg47622@uminho.pt::32a22569-e572-4c9f-bf40-e144b3d8d0a1" providerId="AD" clId="Web-{CAE9DF54-3E55-1FB7-D7BF-C095B0D0356E}" dt="2021-10-29T09:34:52.214" v="173" actId="20577"/>
+        <pc:sldMkLst>
+          <pc:docMk/>
+          <pc:sldMk cId="3345648404" sldId="264"/>
+        </pc:sldMkLst>
+        <pc:spChg chg="mod">
+          <ac:chgData name="Rodrigo da Silva Gomes Peres Coelho" userId="S::pg47622@uminho.pt::32a22569-e572-4c9f-bf40-e144b3d8d0a1" providerId="AD" clId="Web-{CAE9DF54-3E55-1FB7-D7BF-C095B0D0356E}" dt="2021-10-29T09:34:52.214" v="173" actId="20577"/>
+          <ac:spMkLst>
+            <pc:docMk/>
+            <pc:sldMk cId="3345648404" sldId="264"/>
+            <ac:spMk id="3" creationId="{8D8E753A-5D4A-4E9D-8650-BAD1F8D1FC30}"/>
+          </ac:spMkLst>
+        </pc:spChg>
+        <pc:spChg chg="add del mod">
+          <ac:chgData name="Rodrigo da Silva Gomes Peres Coelho" userId="S::pg47622@uminho.pt::32a22569-e572-4c9f-bf40-e144b3d8d0a1" providerId="AD" clId="Web-{CAE9DF54-3E55-1FB7-D7BF-C095B0D0356E}" dt="2021-10-29T09:24:31.927" v="131"/>
+          <ac:spMkLst>
+            <pc:docMk/>
+            <pc:sldMk cId="3345648404" sldId="264"/>
+            <ac:spMk id="6" creationId="{F5218251-2F2A-4C4A-9158-3A4B676BDC9F}"/>
+          </ac:spMkLst>
+        </pc:spChg>
+        <pc:spChg chg="add del mod">
+          <ac:chgData name="Rodrigo da Silva Gomes Peres Coelho" userId="S::pg47622@uminho.pt::32a22569-e572-4c9f-bf40-e144b3d8d0a1" providerId="AD" clId="Web-{CAE9DF54-3E55-1FB7-D7BF-C095B0D0356E}" dt="2021-10-29T09:27:40.016" v="157"/>
+          <ac:spMkLst>
+            <pc:docMk/>
+            <pc:sldMk cId="3345648404" sldId="264"/>
+            <ac:spMk id="11" creationId="{55638AF7-E36A-4B84-8CC8-A1C25F7ECE0A}"/>
+          </ac:spMkLst>
+        </pc:spChg>
+        <pc:picChg chg="del">
+          <ac:chgData name="Rodrigo da Silva Gomes Peres Coelho" userId="S::pg47622@uminho.pt::32a22569-e572-4c9f-bf40-e144b3d8d0a1" providerId="AD" clId="Web-{CAE9DF54-3E55-1FB7-D7BF-C095B0D0356E}" dt="2021-10-29T09:24:16.957" v="130"/>
+          <ac:picMkLst>
+            <pc:docMk/>
+            <pc:sldMk cId="3345648404" sldId="264"/>
+            <ac:picMk id="7" creationId="{BABBFE0C-6DB8-4D5C-8B4A-46A566D9BD09}"/>
+          </ac:picMkLst>
+        </pc:picChg>
+        <pc:picChg chg="add del mod ord">
+          <ac:chgData name="Rodrigo da Silva Gomes Peres Coelho" userId="S::pg47622@uminho.pt::32a22569-e572-4c9f-bf40-e144b3d8d0a1" providerId="AD" clId="Web-{CAE9DF54-3E55-1FB7-D7BF-C095B0D0356E}" dt="2021-10-29T09:27:26.906" v="155"/>
+          <ac:picMkLst>
+            <pc:docMk/>
+            <pc:sldMk cId="3345648404" sldId="264"/>
+            <ac:picMk id="8" creationId="{0987677B-00D1-4CAB-A122-9377F164484C}"/>
+          </ac:picMkLst>
+        </pc:picChg>
+        <pc:picChg chg="add del mod">
+          <ac:chgData name="Rodrigo da Silva Gomes Peres Coelho" userId="S::pg47622@uminho.pt::32a22569-e572-4c9f-bf40-e144b3d8d0a1" providerId="AD" clId="Web-{CAE9DF54-3E55-1FB7-D7BF-C095B0D0356E}" dt="2021-10-29T09:27:36.047" v="156"/>
+          <ac:picMkLst>
+            <pc:docMk/>
+            <pc:sldMk cId="3345648404" sldId="264"/>
+            <ac:picMk id="9" creationId="{00843BDA-6DE5-4221-88FB-6E95DDE84F48}"/>
+          </ac:picMkLst>
+        </pc:picChg>
+        <pc:picChg chg="add del mod">
+          <ac:chgData name="Rodrigo da Silva Gomes Peres Coelho" userId="S::pg47622@uminho.pt::32a22569-e572-4c9f-bf40-e144b3d8d0a1" providerId="AD" clId="Web-{CAE9DF54-3E55-1FB7-D7BF-C095B0D0356E}" dt="2021-10-29T09:28:01.299" v="161"/>
+          <ac:picMkLst>
+            <pc:docMk/>
+            <pc:sldMk cId="3345648404" sldId="264"/>
+            <ac:picMk id="12" creationId="{397F19F4-1C62-43D3-9273-23C1B3A25338}"/>
+          </ac:picMkLst>
+        </pc:picChg>
+        <pc:picChg chg="add mod">
+          <ac:chgData name="Rodrigo da Silva Gomes Peres Coelho" userId="S::pg47622@uminho.pt::32a22569-e572-4c9f-bf40-e144b3d8d0a1" providerId="AD" clId="Web-{CAE9DF54-3E55-1FB7-D7BF-C095B0D0356E}" dt="2021-10-29T09:29:15.647" v="164" actId="1076"/>
+          <ac:picMkLst>
+            <pc:docMk/>
+            <pc:sldMk cId="3345648404" sldId="264"/>
+            <ac:picMk id="13" creationId="{4D0222E7-DC34-4623-90B3-FF6BA2EFB7ED}"/>
+          </ac:picMkLst>
+        </pc:picChg>
+        <pc:picChg chg="add mod">
+          <ac:chgData name="Rodrigo da Silva Gomes Peres Coelho" userId="S::pg47622@uminho.pt::32a22569-e572-4c9f-bf40-e144b3d8d0a1" providerId="AD" clId="Web-{CAE9DF54-3E55-1FB7-D7BF-C095B0D0356E}" dt="2021-10-29T09:29:46.821" v="171" actId="1076"/>
+          <ac:picMkLst>
+            <pc:docMk/>
+            <pc:sldMk cId="3345648404" sldId="264"/>
+            <ac:picMk id="14" creationId="{FC2B9E78-AA61-403B-ABE0-72EA4BA89517}"/>
+          </ac:picMkLst>
+        </pc:picChg>
+      </pc:sldChg>
+      <pc:sldChg chg="addSp delSp modSp">
+        <pc:chgData name="Rodrigo da Silva Gomes Peres Coelho" userId="S::pg47622@uminho.pt::32a22569-e572-4c9f-bf40-e144b3d8d0a1" providerId="AD" clId="Web-{CAE9DF54-3E55-1FB7-D7BF-C095B0D0356E}" dt="2021-10-29T08:10:26.751" v="2"/>
+        <pc:sldMkLst>
+          <pc:docMk/>
+          <pc:sldMk cId="2634440952" sldId="267"/>
+        </pc:sldMkLst>
+        <pc:spChg chg="add del mod">
+          <ac:chgData name="Rodrigo da Silva Gomes Peres Coelho" userId="S::pg47622@uminho.pt::32a22569-e572-4c9f-bf40-e144b3d8d0a1" providerId="AD" clId="Web-{CAE9DF54-3E55-1FB7-D7BF-C095B0D0356E}" dt="2021-10-29T08:10:26.751" v="2"/>
+          <ac:spMkLst>
+            <pc:docMk/>
+            <pc:sldMk cId="2634440952" sldId="267"/>
+            <ac:spMk id="3" creationId="{595101D0-B985-48F6-AD44-704A379894C1}"/>
+          </ac:spMkLst>
+        </pc:spChg>
+      </pc:sldChg>
+      <pc:sldChg chg="addSp delSp modSp">
+        <pc:chgData name="Rodrigo da Silva Gomes Peres Coelho" userId="S::pg47622@uminho.pt::32a22569-e572-4c9f-bf40-e144b3d8d0a1" providerId="AD" clId="Web-{CAE9DF54-3E55-1FB7-D7BF-C095B0D0356E}" dt="2021-10-29T08:20:44.547" v="129" actId="1076"/>
+        <pc:sldMkLst>
+          <pc:docMk/>
+          <pc:sldMk cId="2830130355" sldId="268"/>
+        </pc:sldMkLst>
+        <pc:spChg chg="mod">
+          <ac:chgData name="Rodrigo da Silva Gomes Peres Coelho" userId="S::pg47622@uminho.pt::32a22569-e572-4c9f-bf40-e144b3d8d0a1" providerId="AD" clId="Web-{CAE9DF54-3E55-1FB7-D7BF-C095B0D0356E}" dt="2021-10-29T08:19:09.515" v="118" actId="20577"/>
+          <ac:spMkLst>
+            <pc:docMk/>
+            <pc:sldMk cId="2830130355" sldId="268"/>
+            <ac:spMk id="27" creationId="{E8615DD7-0B72-4D6D-BE0F-0F20DAA5030E}"/>
+          </ac:spMkLst>
+        </pc:spChg>
+        <pc:picChg chg="add mod">
+          <ac:chgData name="Rodrigo da Silva Gomes Peres Coelho" userId="S::pg47622@uminho.pt::32a22569-e572-4c9f-bf40-e144b3d8d0a1" providerId="AD" clId="Web-{CAE9DF54-3E55-1FB7-D7BF-C095B0D0356E}" dt="2021-10-29T08:20:42.375" v="128" actId="1076"/>
+          <ac:picMkLst>
+            <pc:docMk/>
+            <pc:sldMk cId="2830130355" sldId="268"/>
+            <ac:picMk id="3" creationId="{13A608E0-9004-4876-BC13-1E71E7503EC1}"/>
+          </ac:picMkLst>
+        </pc:picChg>
+        <pc:picChg chg="add mod">
+          <ac:chgData name="Rodrigo da Silva Gomes Peres Coelho" userId="S::pg47622@uminho.pt::32a22569-e572-4c9f-bf40-e144b3d8d0a1" providerId="AD" clId="Web-{CAE9DF54-3E55-1FB7-D7BF-C095B0D0356E}" dt="2021-10-29T08:20:44.547" v="129" actId="1076"/>
+          <ac:picMkLst>
+            <pc:docMk/>
+            <pc:sldMk cId="2830130355" sldId="268"/>
+            <ac:picMk id="5" creationId="{C30E284D-911E-45D4-960F-98332413A927}"/>
+          </ac:picMkLst>
+        </pc:picChg>
+        <pc:picChg chg="del">
+          <ac:chgData name="Rodrigo da Silva Gomes Peres Coelho" userId="S::pg47622@uminho.pt::32a22569-e572-4c9f-bf40-e144b3d8d0a1" providerId="AD" clId="Web-{CAE9DF54-3E55-1FB7-D7BF-C095B0D0356E}" dt="2021-10-29T08:19:49.327" v="119"/>
+          <ac:picMkLst>
+            <pc:docMk/>
+            <pc:sldMk cId="2830130355" sldId="268"/>
+            <ac:picMk id="7" creationId="{D2032FE3-64BB-4FB7-9B24-0B5CA4CA4922}"/>
+          </ac:picMkLst>
+        </pc:picChg>
+        <pc:picChg chg="del">
+          <ac:chgData name="Rodrigo da Silva Gomes Peres Coelho" userId="S::pg47622@uminho.pt::32a22569-e572-4c9f-bf40-e144b3d8d0a1" providerId="AD" clId="Web-{CAE9DF54-3E55-1FB7-D7BF-C095B0D0356E}" dt="2021-10-29T08:19:54.827" v="120"/>
+          <ac:picMkLst>
+            <pc:docMk/>
+            <pc:sldMk cId="2830130355" sldId="268"/>
+            <ac:picMk id="11" creationId="{80194A23-064B-4B28-9D38-06BE97515342}"/>
           </ac:picMkLst>
         </pc:picChg>
       </pc:sldChg>
@@ -2243,7 +2840,7 @@
           <a:p>
             <a:fld id="{00F7996C-CA1A-4747-A496-F4C2A4B75042}" type="datetimeFigureOut">
               <a:rPr lang="en-GB" smtClean="0"/>
-              <a:t>26/10/2021</a:t>
+              <a:t>29/10/2021</a:t>
             </a:fld>
             <a:endParaRPr lang="en-GB"/>
           </a:p>
@@ -2660,7 +3257,7 @@
           <a:p>
             <a:fld id="{C45A56D9-08D1-452F-A6DF-361D84FC0F92}" type="datetime1">
               <a:rPr lang="en-GB" smtClean="0"/>
-              <a:t>26/10/2021</a:t>
+              <a:t>29/10/2021</a:t>
             </a:fld>
             <a:endParaRPr lang="en-GB"/>
           </a:p>
@@ -2860,7 +3457,7 @@
           <a:p>
             <a:fld id="{E0D1E686-C3FE-4380-8792-FA5FD77F4C31}" type="datetime1">
               <a:rPr lang="en-GB" smtClean="0"/>
-              <a:t>26/10/2021</a:t>
+              <a:t>29/10/2021</a:t>
             </a:fld>
             <a:endParaRPr lang="en-GB"/>
           </a:p>
@@ -3070,7 +3667,7 @@
           <a:p>
             <a:fld id="{890EBB3C-18B6-43CC-BC89-176AD28CE610}" type="datetime1">
               <a:rPr lang="en-GB" smtClean="0"/>
-              <a:t>26/10/2021</a:t>
+              <a:t>29/10/2021</a:t>
             </a:fld>
             <a:endParaRPr lang="en-GB"/>
           </a:p>
@@ -3270,7 +3867,7 @@
           <a:p>
             <a:fld id="{E53B6FD9-6E16-4072-BAB7-2AE62D2218BA}" type="datetime1">
               <a:rPr lang="en-GB" smtClean="0"/>
-              <a:t>26/10/2021</a:t>
+              <a:t>29/10/2021</a:t>
             </a:fld>
             <a:endParaRPr lang="en-GB"/>
           </a:p>
@@ -3546,7 +4143,7 @@
           <a:p>
             <a:fld id="{F0F3789D-42C2-43E9-B083-7FF1F1FCF924}" type="datetime1">
               <a:rPr lang="en-GB" smtClean="0"/>
-              <a:t>26/10/2021</a:t>
+              <a:t>29/10/2021</a:t>
             </a:fld>
             <a:endParaRPr lang="en-GB"/>
           </a:p>
@@ -3814,7 +4411,7 @@
           <a:p>
             <a:fld id="{12193BB0-CCBE-42F4-BE0D-878B69EFDEA5}" type="datetime1">
               <a:rPr lang="en-GB" smtClean="0"/>
-              <a:t>26/10/2021</a:t>
+              <a:t>29/10/2021</a:t>
             </a:fld>
             <a:endParaRPr lang="en-GB"/>
           </a:p>
@@ -4229,7 +4826,7 @@
           <a:p>
             <a:fld id="{337DEF67-C145-4D11-81E4-1B152EF2DA6F}" type="datetime1">
               <a:rPr lang="en-GB" smtClean="0"/>
-              <a:t>26/10/2021</a:t>
+              <a:t>29/10/2021</a:t>
             </a:fld>
             <a:endParaRPr lang="en-GB"/>
           </a:p>
@@ -4371,7 +4968,7 @@
           <a:p>
             <a:fld id="{F0C96694-99E0-4D47-A4F0-5EF208194100}" type="datetime1">
               <a:rPr lang="en-GB" smtClean="0"/>
-              <a:t>26/10/2021</a:t>
+              <a:t>29/10/2021</a:t>
             </a:fld>
             <a:endParaRPr lang="en-GB"/>
           </a:p>
@@ -4484,7 +5081,7 @@
           <a:p>
             <a:fld id="{C3D2ED98-0BA9-407F-8990-3E3428B42B93}" type="datetime1">
               <a:rPr lang="en-GB" smtClean="0"/>
-              <a:t>26/10/2021</a:t>
+              <a:t>29/10/2021</a:t>
             </a:fld>
             <a:endParaRPr lang="en-GB"/>
           </a:p>
@@ -4797,7 +5394,7 @@
           <a:p>
             <a:fld id="{59DE370D-16C4-4803-B88A-623F1B13DE8F}" type="datetime1">
               <a:rPr lang="en-GB" smtClean="0"/>
-              <a:t>26/10/2021</a:t>
+              <a:t>29/10/2021</a:t>
             </a:fld>
             <a:endParaRPr lang="en-GB"/>
           </a:p>
@@ -5086,7 +5683,7 @@
           <a:p>
             <a:fld id="{9A1FCE9C-F437-43FE-BFC9-6306AF63976F}" type="datetime1">
               <a:rPr lang="en-GB" smtClean="0"/>
-              <a:t>26/10/2021</a:t>
+              <a:t>29/10/2021</a:t>
             </a:fld>
             <a:endParaRPr lang="en-GB"/>
           </a:p>
@@ -5329,7 +5926,7 @@
           <a:p>
             <a:fld id="{D533D4A7-DFFD-428D-9C5D-D4CEFB9C0B80}" type="datetime1">
               <a:rPr lang="en-GB" smtClean="0"/>
-              <a:t>26/10/2021</a:t>
+              <a:t>29/10/2021</a:t>
             </a:fld>
             <a:endParaRPr lang="en-GB"/>
           </a:p>
@@ -7301,6 +7898,1283 @@
 <file path=ppt/slides/slide10.xml><?xml version="1.0" encoding="utf-8"?>
 <p:sld xmlns:a="http://schemas.openxmlformats.org/drawingml/2006/main" xmlns:r="http://schemas.openxmlformats.org/officeDocument/2006/relationships" xmlns:p="http://schemas.openxmlformats.org/presentationml/2006/main">
   <p:cSld>
+    <p:spTree>
+      <p:nvGrpSpPr>
+        <p:cNvPr id="1" name=""/>
+        <p:cNvGrpSpPr/>
+        <p:nvPr/>
+      </p:nvGrpSpPr>
+      <p:grpSpPr>
+        <a:xfrm>
+          <a:off x="0" y="0"/>
+          <a:ext cx="0" cy="0"/>
+          <a:chOff x="0" y="0"/>
+          <a:chExt cx="0" cy="0"/>
+        </a:xfrm>
+      </p:grpSpPr>
+      <p:sp>
+        <p:nvSpPr>
+          <p:cNvPr id="17" name="Rectangle 16">
+            <a:extLst>
+              <a:ext uri="{FF2B5EF4-FFF2-40B4-BE49-F238E27FC236}">
+                <a16:creationId xmlns:a16="http://schemas.microsoft.com/office/drawing/2014/main" id="{4191F4AB-111F-4576-9964-19906185D7B6}"/>
+              </a:ext>
+            </a:extLst>
+          </p:cNvPr>
+          <p:cNvSpPr/>
+          <p:nvPr/>
+        </p:nvSpPr>
+        <p:spPr>
+          <a:xfrm>
+            <a:off x="0" y="0"/>
+            <a:ext cx="12192000" cy="2528447"/>
+          </a:xfrm>
+          <a:prstGeom prst="rect">
+            <a:avLst/>
+          </a:prstGeom>
+          <a:solidFill>
+            <a:schemeClr val="tx1">
+              <a:lumMod val="75000"/>
+              <a:lumOff val="25000"/>
+            </a:schemeClr>
+          </a:solidFill>
+          <a:ln>
+            <a:noFill/>
+          </a:ln>
+        </p:spPr>
+        <p:style>
+          <a:lnRef idx="2">
+            <a:schemeClr val="accent1">
+              <a:shade val="50000"/>
+            </a:schemeClr>
+          </a:lnRef>
+          <a:fillRef idx="1">
+            <a:schemeClr val="accent1"/>
+          </a:fillRef>
+          <a:effectRef idx="0">
+            <a:schemeClr val="accent1"/>
+          </a:effectRef>
+          <a:fontRef idx="minor">
+            <a:schemeClr val="lt1"/>
+          </a:fontRef>
+        </p:style>
+        <p:txBody>
+          <a:bodyPr rtlCol="0" anchor="ctr"/>
+          <a:lstStyle/>
+          <a:p>
+            <a:pPr algn="ctr"/>
+            <a:endParaRPr lang="en-GB"/>
+          </a:p>
+        </p:txBody>
+      </p:sp>
+      <p:sp>
+        <p:nvSpPr>
+          <p:cNvPr id="2" name="Title 1">
+            <a:extLst>
+              <a:ext uri="{FF2B5EF4-FFF2-40B4-BE49-F238E27FC236}">
+                <a16:creationId xmlns:a16="http://schemas.microsoft.com/office/drawing/2014/main" id="{3521A686-2A8F-44AB-9FFA-739C74C1E6F6}"/>
+              </a:ext>
+            </a:extLst>
+          </p:cNvPr>
+          <p:cNvSpPr>
+            <a:spLocks noGrp="1"/>
+          </p:cNvSpPr>
+          <p:nvPr>
+            <p:ph type="title"/>
+          </p:nvPr>
+        </p:nvSpPr>
+        <p:spPr/>
+        <p:txBody>
+          <a:bodyPr>
+            <a:normAutofit/>
+          </a:bodyPr>
+          <a:lstStyle/>
+          <a:p>
+            <a:r>
+              <a:rPr lang="en-GB" sz="5400">
+                <a:solidFill>
+                  <a:schemeClr val="bg1"/>
+                </a:solidFill>
+                <a:cs typeface="Calibri Light"/>
+              </a:rPr>
+              <a:t>Fila da Caixa do </a:t>
+            </a:r>
+            <a:r>
+              <a:rPr lang="en-GB" sz="5400" err="1">
+                <a:solidFill>
+                  <a:schemeClr val="bg1"/>
+                </a:solidFill>
+                <a:cs typeface="Calibri Light"/>
+              </a:rPr>
+              <a:t>Continente</a:t>
+            </a:r>
+            <a:endParaRPr lang="en-GB" sz="5400">
+              <a:solidFill>
+                <a:schemeClr val="bg1"/>
+              </a:solidFill>
+              <a:cs typeface="Calibri Light"/>
+            </a:endParaRPr>
+          </a:p>
+        </p:txBody>
+      </p:sp>
+      <p:sp>
+        <p:nvSpPr>
+          <p:cNvPr id="5" name="Slide Number Placeholder 4">
+            <a:extLst>
+              <a:ext uri="{FF2B5EF4-FFF2-40B4-BE49-F238E27FC236}">
+                <a16:creationId xmlns:a16="http://schemas.microsoft.com/office/drawing/2014/main" id="{7C805288-A220-4E73-A110-85396D51526E}"/>
+              </a:ext>
+            </a:extLst>
+          </p:cNvPr>
+          <p:cNvSpPr>
+            <a:spLocks noGrp="1"/>
+          </p:cNvSpPr>
+          <p:nvPr>
+            <p:ph type="sldNum" sz="quarter" idx="12"/>
+          </p:nvPr>
+        </p:nvSpPr>
+        <p:spPr/>
+        <p:txBody>
+          <a:bodyPr/>
+          <a:lstStyle/>
+          <a:p>
+            <a:fld id="{4310B044-6F84-4299-A58B-8057292127B9}" type="slidenum">
+              <a:rPr lang="en-GB" smtClean="0"/>
+              <a:t>10</a:t>
+            </a:fld>
+            <a:endParaRPr lang="en-GB"/>
+          </a:p>
+        </p:txBody>
+      </p:sp>
+      <mc:AlternateContent xmlns:mc="http://schemas.openxmlformats.org/markup-compatibility/2006">
+        <mc:Choice xmlns:a14="http://schemas.microsoft.com/office/drawing/2010/main" Requires="a14">
+          <p:sp>
+            <p:nvSpPr>
+              <p:cNvPr id="3" name="CaixaDeTexto 2">
+                <a:extLst>
+                  <a:ext uri="{FF2B5EF4-FFF2-40B4-BE49-F238E27FC236}">
+                    <a16:creationId xmlns:a16="http://schemas.microsoft.com/office/drawing/2014/main" id="{8D8E753A-5D4A-4E9D-8650-BAD1F8D1FC30}"/>
+                  </a:ext>
+                </a:extLst>
+              </p:cNvPr>
+              <p:cNvSpPr txBox="1"/>
+              <p:nvPr/>
+            </p:nvSpPr>
+            <p:spPr>
+              <a:xfrm>
+                <a:off x="939151" y="1348867"/>
+                <a:ext cx="10115550" cy="981872"/>
+              </a:xfrm>
+              <a:prstGeom prst="rect">
+                <a:avLst/>
+              </a:prstGeom>
+              <a:noFill/>
+            </p:spPr>
+            <p:txBody>
+              <a:bodyPr rot="0" spcFirstLastPara="0" vertOverflow="overflow" horzOverflow="overflow" vert="horz" wrap="square" lIns="91440" tIns="45720" rIns="91440" bIns="45720" numCol="1" spcCol="0" rtlCol="0" fromWordArt="0" anchor="t" anchorCtr="0" forceAA="0" compatLnSpc="1">
+                <a:prstTxWarp prst="textNoShape">
+                  <a:avLst/>
+                </a:prstTxWarp>
+                <a:spAutoFit/>
+              </a:bodyPr>
+              <a:lstStyle/>
+              <a:p>
+                <a:r>
+                  <a:rPr lang="pt-PT" sz="1600">
+                    <a:solidFill>
+                      <a:schemeClr val="bg1"/>
+                    </a:solidFill>
+                  </a:rPr>
+                  <a:t>Se na fila do continente estiverem 20 pessoas à nossa frente, e forem atendidas em média 10 pessoas por hora, quanto tempo vamos esperar até sermos atendidos?</a:t>
+                </a:r>
+              </a:p>
+              <a:p>
+                <a14:m>
+                  <m:oMath xmlns:m="http://schemas.openxmlformats.org/officeDocument/2006/math">
+                    <m:r>
+                      <a:rPr lang="en-US" sz="1600" b="0" i="1" smtClean="0">
+                        <a:solidFill>
+                          <a:schemeClr val="bg1"/>
+                        </a:solidFill>
+                        <a:latin typeface="Cambria Math" panose="02040503050406030204" pitchFamily="18" charset="0"/>
+                      </a:rPr>
+                      <m:t>𝑃</m:t>
+                    </m:r>
+                    <m:d>
+                      <m:dPr>
+                        <m:ctrlPr>
+                          <a:rPr lang="en-US" sz="1600" b="0" i="1" smtClean="0">
+                            <a:solidFill>
+                              <a:schemeClr val="bg1"/>
+                            </a:solidFill>
+                            <a:latin typeface="Cambria Math" panose="02040503050406030204" pitchFamily="18" charset="0"/>
+                          </a:rPr>
+                        </m:ctrlPr>
+                      </m:dPr>
+                      <m:e>
+                        <m:r>
+                          <a:rPr lang="en-US" sz="1600" b="0" i="1" smtClean="0">
+                            <a:solidFill>
+                              <a:schemeClr val="bg1"/>
+                            </a:solidFill>
+                            <a:latin typeface="Cambria Math" panose="02040503050406030204" pitchFamily="18" charset="0"/>
+                          </a:rPr>
+                          <m:t>𝑋</m:t>
+                        </m:r>
+                        <m:r>
+                          <a:rPr lang="en-US" sz="1600" b="0" i="1" smtClean="0">
+                            <a:solidFill>
+                              <a:schemeClr val="bg1"/>
+                            </a:solidFill>
+                            <a:latin typeface="Cambria Math" panose="02040503050406030204" pitchFamily="18" charset="0"/>
+                          </a:rPr>
+                          <m:t>&lt;</m:t>
+                        </m:r>
+                        <m:r>
+                          <a:rPr lang="en-US" sz="1600" b="0" i="1" smtClean="0">
+                            <a:solidFill>
+                              <a:schemeClr val="bg1"/>
+                            </a:solidFill>
+                            <a:latin typeface="Cambria Math" panose="02040503050406030204" pitchFamily="18" charset="0"/>
+                          </a:rPr>
+                          <m:t>𝑥</m:t>
+                        </m:r>
+                      </m:e>
+                    </m:d>
+                    <m:r>
+                      <a:rPr lang="en-US" sz="1600" b="0" i="1" smtClean="0">
+                        <a:solidFill>
+                          <a:schemeClr val="bg1"/>
+                        </a:solidFill>
+                        <a:latin typeface="Cambria Math" panose="02040503050406030204" pitchFamily="18" charset="0"/>
+                      </a:rPr>
+                      <m:t>=1−</m:t>
+                    </m:r>
+                    <m:nary>
+                      <m:naryPr>
+                        <m:chr m:val="∑"/>
+                        <m:ctrlPr>
+                          <a:rPr lang="en-US" sz="1600" b="0" i="1" smtClean="0">
+                            <a:solidFill>
+                              <a:schemeClr val="bg1"/>
+                            </a:solidFill>
+                            <a:latin typeface="Cambria Math" panose="02040503050406030204" pitchFamily="18" charset="0"/>
+                          </a:rPr>
+                        </m:ctrlPr>
+                      </m:naryPr>
+                      <m:sub>
+                        <m:r>
+                          <m:rPr>
+                            <m:brk m:alnAt="23"/>
+                          </m:rPr>
+                          <a:rPr lang="en-US" sz="1600" b="0" i="1" smtClean="0">
+                            <a:solidFill>
+                              <a:schemeClr val="bg1"/>
+                            </a:solidFill>
+                            <a:latin typeface="Cambria Math" panose="02040503050406030204" pitchFamily="18" charset="0"/>
+                          </a:rPr>
+                          <m:t>𝑖</m:t>
+                        </m:r>
+                        <m:r>
+                          <a:rPr lang="en-US" sz="1600" b="0" i="1" smtClean="0">
+                            <a:solidFill>
+                              <a:schemeClr val="bg1"/>
+                            </a:solidFill>
+                            <a:latin typeface="Cambria Math" panose="02040503050406030204" pitchFamily="18" charset="0"/>
+                          </a:rPr>
+                          <m:t>=0</m:t>
+                        </m:r>
+                      </m:sub>
+                      <m:sup>
+                        <m:r>
+                          <a:rPr lang="en-US" sz="1600" b="0" i="1" smtClean="0">
+                            <a:solidFill>
+                              <a:schemeClr val="bg1"/>
+                            </a:solidFill>
+                            <a:latin typeface="Cambria Math" panose="02040503050406030204" pitchFamily="18" charset="0"/>
+                          </a:rPr>
+                          <m:t>𝛼</m:t>
+                        </m:r>
+                        <m:r>
+                          <a:rPr lang="en-US" sz="1600" b="0" i="1" smtClean="0">
+                            <a:solidFill>
+                              <a:schemeClr val="bg1"/>
+                            </a:solidFill>
+                            <a:latin typeface="Cambria Math" panose="02040503050406030204" pitchFamily="18" charset="0"/>
+                          </a:rPr>
+                          <m:t>−1</m:t>
+                        </m:r>
+                      </m:sup>
+                      <m:e>
+                        <m:f>
+                          <m:fPr>
+                            <m:ctrlPr>
+                              <a:rPr lang="en-US" sz="1600" b="0" i="1" smtClean="0">
+                                <a:solidFill>
+                                  <a:schemeClr val="bg1"/>
+                                </a:solidFill>
+                                <a:latin typeface="Cambria Math" panose="02040503050406030204" pitchFamily="18" charset="0"/>
+                              </a:rPr>
+                            </m:ctrlPr>
+                          </m:fPr>
+                          <m:num>
+                            <m:sSup>
+                              <m:sSupPr>
+                                <m:ctrlPr>
+                                  <a:rPr lang="en-US" sz="1600" b="0" i="1" smtClean="0">
+                                    <a:solidFill>
+                                      <a:schemeClr val="bg1"/>
+                                    </a:solidFill>
+                                    <a:latin typeface="Cambria Math" panose="02040503050406030204" pitchFamily="18" charset="0"/>
+                                  </a:rPr>
+                                </m:ctrlPr>
+                              </m:sSupPr>
+                              <m:e>
+                                <m:d>
+                                  <m:dPr>
+                                    <m:ctrlPr>
+                                      <a:rPr lang="en-US" sz="1600" b="0" i="1" smtClean="0">
+                                        <a:solidFill>
+                                          <a:schemeClr val="bg1"/>
+                                        </a:solidFill>
+                                        <a:latin typeface="Cambria Math" panose="02040503050406030204" pitchFamily="18" charset="0"/>
+                                      </a:rPr>
+                                    </m:ctrlPr>
+                                  </m:dPr>
+                                  <m:e>
+                                    <m:r>
+                                      <a:rPr lang="en-US" sz="1600" b="0" i="1" smtClean="0">
+                                        <a:solidFill>
+                                          <a:schemeClr val="bg1"/>
+                                        </a:solidFill>
+                                        <a:latin typeface="Cambria Math" panose="02040503050406030204" pitchFamily="18" charset="0"/>
+                                      </a:rPr>
+                                      <m:t>𝛽</m:t>
+                                    </m:r>
+                                    <m:r>
+                                      <a:rPr lang="en-US" sz="1600" b="0" i="1" smtClean="0">
+                                        <a:solidFill>
+                                          <a:schemeClr val="bg1"/>
+                                        </a:solidFill>
+                                        <a:latin typeface="Cambria Math" panose="02040503050406030204" pitchFamily="18" charset="0"/>
+                                      </a:rPr>
+                                      <m:t>𝑥</m:t>
+                                    </m:r>
+                                  </m:e>
+                                </m:d>
+                              </m:e>
+                              <m:sup>
+                                <m:r>
+                                  <a:rPr lang="en-US" sz="1600" b="0" i="1" smtClean="0">
+                                    <a:solidFill>
+                                      <a:schemeClr val="bg1"/>
+                                    </a:solidFill>
+                                    <a:latin typeface="Cambria Math" panose="02040503050406030204" pitchFamily="18" charset="0"/>
+                                  </a:rPr>
+                                  <m:t>𝑖</m:t>
+                                </m:r>
+                              </m:sup>
+                            </m:sSup>
+                          </m:num>
+                          <m:den>
+                            <m:r>
+                              <a:rPr lang="en-US" sz="1600" b="0" i="1" smtClean="0">
+                                <a:solidFill>
+                                  <a:schemeClr val="bg1"/>
+                                </a:solidFill>
+                                <a:latin typeface="Cambria Math" panose="02040503050406030204" pitchFamily="18" charset="0"/>
+                              </a:rPr>
+                              <m:t>𝑖</m:t>
+                            </m:r>
+                            <m:r>
+                              <a:rPr lang="en-US" sz="1600" b="0" i="1" smtClean="0">
+                                <a:solidFill>
+                                  <a:schemeClr val="bg1"/>
+                                </a:solidFill>
+                                <a:latin typeface="Cambria Math" panose="02040503050406030204" pitchFamily="18" charset="0"/>
+                              </a:rPr>
+                              <m:t>!</m:t>
+                            </m:r>
+                          </m:den>
+                        </m:f>
+                      </m:e>
+                    </m:nary>
+                    <m:r>
+                      <a:rPr lang="en-US" sz="1600" b="0" i="0" smtClean="0">
+                        <a:solidFill>
+                          <a:schemeClr val="bg1"/>
+                        </a:solidFill>
+                        <a:latin typeface="Cambria Math" panose="02040503050406030204" pitchFamily="18" charset="0"/>
+                      </a:rPr>
+                      <m:t> </m:t>
+                    </m:r>
+                    <m:sSup>
+                      <m:sSupPr>
+                        <m:ctrlPr>
+                          <a:rPr lang="en-US" sz="1600" b="0" i="1" smtClean="0">
+                            <a:solidFill>
+                              <a:schemeClr val="bg1"/>
+                            </a:solidFill>
+                            <a:latin typeface="Cambria Math" panose="02040503050406030204" pitchFamily="18" charset="0"/>
+                          </a:rPr>
+                        </m:ctrlPr>
+                      </m:sSupPr>
+                      <m:e>
+                        <m:r>
+                          <m:rPr>
+                            <m:sty m:val="p"/>
+                          </m:rPr>
+                          <a:rPr lang="en-US" sz="1600" b="0" i="0" smtClean="0">
+                            <a:solidFill>
+                              <a:schemeClr val="bg1"/>
+                            </a:solidFill>
+                            <a:latin typeface="Cambria Math" panose="02040503050406030204" pitchFamily="18" charset="0"/>
+                          </a:rPr>
+                          <m:t>e</m:t>
+                        </m:r>
+                      </m:e>
+                      <m:sup>
+                        <m:r>
+                          <a:rPr lang="en-US" sz="1600" b="0" i="1" smtClean="0">
+                            <a:solidFill>
+                              <a:schemeClr val="bg1"/>
+                            </a:solidFill>
+                            <a:latin typeface="Cambria Math" panose="02040503050406030204" pitchFamily="18" charset="0"/>
+                          </a:rPr>
+                          <m:t>−</m:t>
+                        </m:r>
+                        <m:r>
+                          <a:rPr lang="en-US" sz="1600" b="0" i="1" smtClean="0">
+                            <a:solidFill>
+                              <a:schemeClr val="bg1"/>
+                            </a:solidFill>
+                            <a:latin typeface="Cambria Math" panose="02040503050406030204" pitchFamily="18" charset="0"/>
+                          </a:rPr>
+                          <m:t>𝛽</m:t>
+                        </m:r>
+                        <m:r>
+                          <a:rPr lang="en-US" sz="1600" b="0" i="1" smtClean="0">
+                            <a:solidFill>
+                              <a:schemeClr val="bg1"/>
+                            </a:solidFill>
+                            <a:latin typeface="Cambria Math" panose="02040503050406030204" pitchFamily="18" charset="0"/>
+                          </a:rPr>
+                          <m:t>𝑥</m:t>
+                        </m:r>
+                      </m:sup>
+                    </m:sSup>
+                  </m:oMath>
+                </a14:m>
+                <a:r>
+                  <a:rPr lang="pt-PT" sz="1600">
+                    <a:solidFill>
+                      <a:schemeClr val="bg1"/>
+                    </a:solidFill>
+                  </a:rPr>
+                  <a:t>, </a:t>
+                </a:r>
+                <a14:m>
+                  <m:oMath xmlns:m="http://schemas.openxmlformats.org/officeDocument/2006/math">
+                    <m:r>
+                      <a:rPr lang="en-US" sz="1600" i="1">
+                        <a:solidFill>
+                          <a:schemeClr val="bg1"/>
+                        </a:solidFill>
+                        <a:latin typeface="Cambria Math" panose="02040503050406030204" pitchFamily="18" charset="0"/>
+                      </a:rPr>
+                      <m:t>𝑃</m:t>
+                    </m:r>
+                    <m:d>
+                      <m:dPr>
+                        <m:ctrlPr>
+                          <a:rPr lang="en-US" sz="1600" i="1">
+                            <a:solidFill>
+                              <a:schemeClr val="bg1"/>
+                            </a:solidFill>
+                            <a:latin typeface="Cambria Math" panose="02040503050406030204" pitchFamily="18" charset="0"/>
+                          </a:rPr>
+                        </m:ctrlPr>
+                      </m:dPr>
+                      <m:e>
+                        <m:r>
+                          <a:rPr lang="en-US" sz="1600" i="1">
+                            <a:solidFill>
+                              <a:schemeClr val="bg1"/>
+                            </a:solidFill>
+                            <a:latin typeface="Cambria Math" panose="02040503050406030204" pitchFamily="18" charset="0"/>
+                          </a:rPr>
+                          <m:t>𝑋</m:t>
+                        </m:r>
+                        <m:r>
+                          <a:rPr lang="en-US" sz="1600" i="1">
+                            <a:solidFill>
+                              <a:schemeClr val="bg1"/>
+                            </a:solidFill>
+                            <a:latin typeface="Cambria Math" panose="02040503050406030204" pitchFamily="18" charset="0"/>
+                          </a:rPr>
+                          <m:t>&lt;</m:t>
+                        </m:r>
+                        <m:r>
+                          <a:rPr lang="en-US" sz="1600" i="1">
+                            <a:solidFill>
+                              <a:schemeClr val="bg1"/>
+                            </a:solidFill>
+                            <a:latin typeface="Cambria Math" panose="02040503050406030204" pitchFamily="18" charset="0"/>
+                          </a:rPr>
+                          <m:t>𝑥</m:t>
+                        </m:r>
+                      </m:e>
+                    </m:d>
+                    <m:r>
+                      <a:rPr lang="en-US" sz="1600" b="0" i="0" smtClean="0">
+                        <a:solidFill>
+                          <a:schemeClr val="bg1"/>
+                        </a:solidFill>
+                        <a:latin typeface="Cambria Math" panose="02040503050406030204" pitchFamily="18" charset="0"/>
+                      </a:rPr>
+                      <m:t>=0.5297</m:t>
+                    </m:r>
+                  </m:oMath>
+                </a14:m>
+                <a:r>
+                  <a:rPr lang="pt-PT" sz="1600">
+                    <a:solidFill>
+                      <a:schemeClr val="bg1"/>
+                    </a:solidFill>
+                  </a:rPr>
+                  <a:t> </a:t>
+                </a:r>
+              </a:p>
+            </p:txBody>
+          </p:sp>
+        </mc:Choice>
+        <mc:Fallback>
+          <p:sp>
+            <p:nvSpPr>
+              <p:cNvPr id="3" name="CaixaDeTexto 2">
+                <a:extLst>
+                  <a:ext uri="{FF2B5EF4-FFF2-40B4-BE49-F238E27FC236}">
+                    <a16:creationId xmlns:a16="http://schemas.microsoft.com/office/drawing/2014/main" id="{8D8E753A-5D4A-4E9D-8650-BAD1F8D1FC30}"/>
+                  </a:ext>
+                </a:extLst>
+              </p:cNvPr>
+              <p:cNvSpPr txBox="1">
+                <a:spLocks noRot="1" noChangeAspect="1" noMove="1" noResize="1" noEditPoints="1" noAdjustHandles="1" noChangeArrowheads="1" noChangeShapeType="1" noTextEdit="1"/>
+              </p:cNvSpPr>
+              <p:nvPr/>
+            </p:nvSpPr>
+            <p:spPr>
+              <a:xfrm>
+                <a:off x="939151" y="1348867"/>
+                <a:ext cx="10115550" cy="981872"/>
+              </a:xfrm>
+              <a:prstGeom prst="rect">
+                <a:avLst/>
+              </a:prstGeom>
+              <a:blipFill>
+                <a:blip r:embed="rId2"/>
+                <a:stretch>
+                  <a:fillRect l="-301" t="-1863" b="-53416"/>
+                </a:stretch>
+              </a:blipFill>
+            </p:spPr>
+            <p:txBody>
+              <a:bodyPr/>
+              <a:lstStyle/>
+              <a:p>
+                <a:r>
+                  <a:rPr lang="en-US">
+                    <a:noFill/>
+                  </a:rPr>
+                  <a:t> </a:t>
+                </a:r>
+              </a:p>
+            </p:txBody>
+          </p:sp>
+        </mc:Fallback>
+      </mc:AlternateContent>
+      <p:pic>
+        <p:nvPicPr>
+          <p:cNvPr id="18" name="Picture 17" descr="Icon&#10;&#10;Description automatically generated">
+            <a:extLst>
+              <a:ext uri="{FF2B5EF4-FFF2-40B4-BE49-F238E27FC236}">
+                <a16:creationId xmlns:a16="http://schemas.microsoft.com/office/drawing/2014/main" id="{5092D918-AA13-44E3-9009-08D1D7B0E761}"/>
+              </a:ext>
+            </a:extLst>
+          </p:cNvPr>
+          <p:cNvPicPr>
+            <a:picLocks noChangeAspect="1"/>
+          </p:cNvPicPr>
+          <p:nvPr/>
+        </p:nvPicPr>
+        <p:blipFill>
+          <a:blip r:embed="rId3">
+            <a:extLst>
+              <a:ext uri="{28A0092B-C50C-407E-A947-70E740481C1C}">
+                <a14:useLocalDpi xmlns:a14="http://schemas.microsoft.com/office/drawing/2010/main" val="0"/>
+              </a:ext>
+            </a:extLst>
+          </a:blip>
+          <a:stretch>
+            <a:fillRect/>
+          </a:stretch>
+        </p:blipFill>
+        <p:spPr>
+          <a:xfrm>
+            <a:off x="10015899" y="365125"/>
+            <a:ext cx="1770855" cy="883219"/>
+          </a:xfrm>
+          <a:prstGeom prst="rect">
+            <a:avLst/>
+          </a:prstGeom>
+        </p:spPr>
+      </p:pic>
+      <p:pic>
+        <p:nvPicPr>
+          <p:cNvPr id="13" name="Imagem 13">
+            <a:extLst>
+              <a:ext uri="{FF2B5EF4-FFF2-40B4-BE49-F238E27FC236}">
+                <a16:creationId xmlns:a16="http://schemas.microsoft.com/office/drawing/2014/main" id="{4D0222E7-DC34-4623-90B3-FF6BA2EFB7ED}"/>
+              </a:ext>
+            </a:extLst>
+          </p:cNvPr>
+          <p:cNvPicPr>
+            <a:picLocks noChangeAspect="1"/>
+          </p:cNvPicPr>
+          <p:nvPr/>
+        </p:nvPicPr>
+        <p:blipFill>
+          <a:blip r:embed="rId4"/>
+          <a:stretch>
+            <a:fillRect/>
+          </a:stretch>
+        </p:blipFill>
+        <p:spPr>
+          <a:xfrm>
+            <a:off x="838200" y="2528447"/>
+            <a:ext cx="4924425" cy="3820406"/>
+          </a:xfrm>
+          <a:prstGeom prst="rect">
+            <a:avLst/>
+          </a:prstGeom>
+        </p:spPr>
+      </p:pic>
+      <p:pic>
+        <p:nvPicPr>
+          <p:cNvPr id="14" name="Imagem 14">
+            <a:extLst>
+              <a:ext uri="{FF2B5EF4-FFF2-40B4-BE49-F238E27FC236}">
+                <a16:creationId xmlns:a16="http://schemas.microsoft.com/office/drawing/2014/main" id="{FC2B9E78-AA61-403B-ABE0-72EA4BA89517}"/>
+              </a:ext>
+            </a:extLst>
+          </p:cNvPr>
+          <p:cNvPicPr>
+            <a:picLocks noChangeAspect="1"/>
+          </p:cNvPicPr>
+          <p:nvPr/>
+        </p:nvPicPr>
+        <p:blipFill>
+          <a:blip r:embed="rId5"/>
+          <a:stretch>
+            <a:fillRect/>
+          </a:stretch>
+        </p:blipFill>
+        <p:spPr>
+          <a:xfrm>
+            <a:off x="5762625" y="2525877"/>
+            <a:ext cx="5029200" cy="3825545"/>
+          </a:xfrm>
+          <a:prstGeom prst="rect">
+            <a:avLst/>
+          </a:prstGeom>
+        </p:spPr>
+      </p:pic>
+    </p:spTree>
+    <p:extLst>
+      <p:ext uri="{BB962C8B-B14F-4D97-AF65-F5344CB8AC3E}">
+        <p14:creationId xmlns:p14="http://schemas.microsoft.com/office/powerpoint/2010/main" val="3345648404"/>
+      </p:ext>
+    </p:extLst>
+  </p:cSld>
+  <p:clrMapOvr>
+    <a:masterClrMapping/>
+  </p:clrMapOvr>
+</p:sld>
+</file>
+
+<file path=ppt/slides/slide11.xml><?xml version="1.0" encoding="utf-8"?>
+<p:sld xmlns:a="http://schemas.openxmlformats.org/drawingml/2006/main" xmlns:r="http://schemas.openxmlformats.org/officeDocument/2006/relationships" xmlns:p="http://schemas.openxmlformats.org/presentationml/2006/main">
+  <p:cSld>
+    <p:bg>
+      <p:bgPr>
+        <a:solidFill>
+          <a:srgbClr val="404040"/>
+        </a:solidFill>
+        <a:effectLst/>
+      </p:bgPr>
+    </p:bg>
+    <p:spTree>
+      <p:nvGrpSpPr>
+        <p:cNvPr id="1" name=""/>
+        <p:cNvGrpSpPr/>
+        <p:nvPr/>
+      </p:nvGrpSpPr>
+      <p:grpSpPr>
+        <a:xfrm>
+          <a:off x="0" y="0"/>
+          <a:ext cx="0" cy="0"/>
+          <a:chOff x="0" y="0"/>
+          <a:chExt cx="0" cy="0"/>
+        </a:xfrm>
+      </p:grpSpPr>
+      <p:sp>
+        <p:nvSpPr>
+          <p:cNvPr id="18" name="Rectangle 17">
+            <a:extLst>
+              <a:ext uri="{FF2B5EF4-FFF2-40B4-BE49-F238E27FC236}">
+                <a16:creationId xmlns:a16="http://schemas.microsoft.com/office/drawing/2014/main" id="{EA67B5B4-3A24-436E-B663-1B2EBFF8A0CD}"/>
+              </a:ext>
+              <a:ext uri="{C183D7F6-B498-43B3-948B-1728B52AA6E4}">
+                <adec:decorative xmlns:adec="http://schemas.microsoft.com/office/drawing/2017/decorative" val="1"/>
+              </a:ext>
+            </a:extLst>
+          </p:cNvPr>
+          <p:cNvSpPr>
+            <a:spLocks noGrp="1" noRot="1" noChangeAspect="1" noMove="1" noResize="1" noEditPoints="1" noAdjustHandles="1" noChangeArrowheads="1" noChangeShapeType="1" noTextEdit="1"/>
+          </p:cNvSpPr>
+          <p:nvPr>
+            <p:extLst>
+              <p:ext uri="{386F3935-93C4-4BCD-93E2-E3B085C9AB24}">
+                <p16:designElem xmlns:p16="http://schemas.microsoft.com/office/powerpoint/2015/main" val="1"/>
+              </p:ext>
+            </p:extLst>
+          </p:nvPr>
+        </p:nvSpPr>
+        <p:spPr>
+          <a:xfrm>
+            <a:off x="0" y="-3324"/>
+            <a:ext cx="12192000" cy="6861324"/>
+          </a:xfrm>
+          <a:prstGeom prst="rect">
+            <a:avLst/>
+          </a:prstGeom>
+          <a:solidFill>
+            <a:srgbClr val="404040"/>
+          </a:solidFill>
+          <a:ln>
+            <a:noFill/>
+          </a:ln>
+        </p:spPr>
+        <p:style>
+          <a:lnRef idx="2">
+            <a:schemeClr val="accent1">
+              <a:shade val="50000"/>
+            </a:schemeClr>
+          </a:lnRef>
+          <a:fillRef idx="1">
+            <a:schemeClr val="accent1"/>
+          </a:fillRef>
+          <a:effectRef idx="0">
+            <a:schemeClr val="accent1"/>
+          </a:effectRef>
+          <a:fontRef idx="minor">
+            <a:schemeClr val="lt1"/>
+          </a:fontRef>
+        </p:style>
+        <p:txBody>
+          <a:bodyPr rtlCol="0" anchor="ctr"/>
+          <a:lstStyle/>
+          <a:p>
+            <a:pPr algn="ctr"/>
+            <a:endParaRPr lang="en-US"/>
+          </a:p>
+        </p:txBody>
+      </p:sp>
+      <p:sp>
+        <p:nvSpPr>
+          <p:cNvPr id="20" name="Freeform 13">
+            <a:extLst>
+              <a:ext uri="{FF2B5EF4-FFF2-40B4-BE49-F238E27FC236}">
+                <a16:creationId xmlns:a16="http://schemas.microsoft.com/office/drawing/2014/main" id="{987FDF89-C993-41F4-A1B8-DBAFF16008A9}"/>
+              </a:ext>
+              <a:ext uri="{C183D7F6-B498-43B3-948B-1728B52AA6E4}">
+                <adec:decorative xmlns:adec="http://schemas.microsoft.com/office/drawing/2017/decorative" val="1"/>
+              </a:ext>
+            </a:extLst>
+          </p:cNvPr>
+          <p:cNvSpPr>
+            <a:spLocks noGrp="1" noRot="1" noChangeAspect="1" noMove="1" noResize="1" noEditPoints="1" noAdjustHandles="1" noChangeArrowheads="1" noChangeShapeType="1" noTextEdit="1"/>
+          </p:cNvSpPr>
+          <p:nvPr>
+            <p:extLst>
+              <p:ext uri="{386F3935-93C4-4BCD-93E2-E3B085C9AB24}">
+                <p16:designElem xmlns:p16="http://schemas.microsoft.com/office/powerpoint/2015/main" val="1"/>
+              </p:ext>
+            </p:extLst>
+          </p:nvPr>
+        </p:nvSpPr>
+        <p:spPr>
+          <a:xfrm>
+            <a:off x="0" y="0"/>
+            <a:ext cx="11786754" cy="6858000"/>
+          </a:xfrm>
+          <a:custGeom>
+            <a:avLst/>
+            <a:gdLst>
+              <a:gd name="connsiteX0" fmla="*/ 0 w 11786754"/>
+              <a:gd name="connsiteY0" fmla="*/ 0 h 6858000"/>
+              <a:gd name="connsiteX1" fmla="*/ 8610600 w 11786754"/>
+              <a:gd name="connsiteY1" fmla="*/ 0 h 6858000"/>
+              <a:gd name="connsiteX2" fmla="*/ 11786754 w 11786754"/>
+              <a:gd name="connsiteY2" fmla="*/ 6858000 h 6858000"/>
+              <a:gd name="connsiteX3" fmla="*/ 0 w 11786754"/>
+              <a:gd name="connsiteY3" fmla="*/ 6858000 h 6858000"/>
+            </a:gdLst>
+            <a:ahLst/>
+            <a:cxnLst>
+              <a:cxn ang="0">
+                <a:pos x="connsiteX0" y="connsiteY0"/>
+              </a:cxn>
+              <a:cxn ang="0">
+                <a:pos x="connsiteX1" y="connsiteY1"/>
+              </a:cxn>
+              <a:cxn ang="0">
+                <a:pos x="connsiteX2" y="connsiteY2"/>
+              </a:cxn>
+              <a:cxn ang="0">
+                <a:pos x="connsiteX3" y="connsiteY3"/>
+              </a:cxn>
+            </a:cxnLst>
+            <a:rect l="l" t="t" r="r" b="b"/>
+            <a:pathLst>
+              <a:path w="11786754" h="6858000">
+                <a:moveTo>
+                  <a:pt x="0" y="0"/>
+                </a:moveTo>
+                <a:lnTo>
+                  <a:pt x="8610600" y="0"/>
+                </a:lnTo>
+                <a:lnTo>
+                  <a:pt x="11786754" y="6858000"/>
+                </a:lnTo>
+                <a:lnTo>
+                  <a:pt x="0" y="6858000"/>
+                </a:lnTo>
+                <a:close/>
+              </a:path>
+            </a:pathLst>
+          </a:custGeom>
+          <a:solidFill>
+            <a:srgbClr val="000000">
+              <a:alpha val="29804"/>
+            </a:srgbClr>
+          </a:solidFill>
+          <a:ln>
+            <a:noFill/>
+          </a:ln>
+        </p:spPr>
+        <p:style>
+          <a:lnRef idx="2">
+            <a:schemeClr val="accent1">
+              <a:shade val="50000"/>
+            </a:schemeClr>
+          </a:lnRef>
+          <a:fillRef idx="1">
+            <a:schemeClr val="accent1"/>
+          </a:fillRef>
+          <a:effectRef idx="0">
+            <a:schemeClr val="accent1"/>
+          </a:effectRef>
+          <a:fontRef idx="minor">
+            <a:schemeClr val="lt1"/>
+          </a:fontRef>
+        </p:style>
+        <p:txBody>
+          <a:bodyPr rtlCol="0" anchor="ctr"/>
+          <a:lstStyle/>
+          <a:p>
+            <a:pPr algn="ctr"/>
+            <a:endParaRPr lang="en-US"/>
+          </a:p>
+        </p:txBody>
+      </p:sp>
+      <p:sp>
+        <p:nvSpPr>
+          <p:cNvPr id="22" name="Freeform: Shape 21">
+            <a:extLst>
+              <a:ext uri="{FF2B5EF4-FFF2-40B4-BE49-F238E27FC236}">
+                <a16:creationId xmlns:a16="http://schemas.microsoft.com/office/drawing/2014/main" id="{D1D7179B-FF7C-482F-B3D9-2BE9ED1139F9}"/>
+              </a:ext>
+              <a:ext uri="{C183D7F6-B498-43B3-948B-1728B52AA6E4}">
+                <adec:decorative xmlns:adec="http://schemas.microsoft.com/office/drawing/2017/decorative" val="1"/>
+              </a:ext>
+            </a:extLst>
+          </p:cNvPr>
+          <p:cNvSpPr>
+            <a:spLocks noGrp="1" noRot="1" noChangeAspect="1" noMove="1" noResize="1" noEditPoints="1" noAdjustHandles="1" noChangeArrowheads="1" noChangeShapeType="1" noTextEdit="1"/>
+          </p:cNvSpPr>
+          <p:nvPr>
+            <p:extLst>
+              <p:ext uri="{386F3935-93C4-4BCD-93E2-E3B085C9AB24}">
+                <p16:designElem xmlns:p16="http://schemas.microsoft.com/office/powerpoint/2015/main" val="1"/>
+              </p:ext>
+            </p:extLst>
+          </p:nvPr>
+        </p:nvSpPr>
+        <p:spPr>
+          <a:xfrm>
+            <a:off x="0" y="0"/>
+            <a:ext cx="6210300" cy="6858000"/>
+          </a:xfrm>
+          <a:custGeom>
+            <a:avLst/>
+            <a:gdLst>
+              <a:gd name="connsiteX0" fmla="*/ 0 w 6210300"/>
+              <a:gd name="connsiteY0" fmla="*/ 0 h 6858000"/>
+              <a:gd name="connsiteX1" fmla="*/ 2628900 w 6210300"/>
+              <a:gd name="connsiteY1" fmla="*/ 0 h 6858000"/>
+              <a:gd name="connsiteX2" fmla="*/ 3034146 w 6210300"/>
+              <a:gd name="connsiteY2" fmla="*/ 0 h 6858000"/>
+              <a:gd name="connsiteX3" fmla="*/ 6210300 w 6210300"/>
+              <a:gd name="connsiteY3" fmla="*/ 6858000 h 6858000"/>
+              <a:gd name="connsiteX4" fmla="*/ 2628900 w 6210300"/>
+              <a:gd name="connsiteY4" fmla="*/ 6858000 h 6858000"/>
+              <a:gd name="connsiteX5" fmla="*/ 0 w 6210300"/>
+              <a:gd name="connsiteY5" fmla="*/ 6858000 h 6858000"/>
+            </a:gdLst>
+            <a:ahLst/>
+            <a:cxnLst>
+              <a:cxn ang="0">
+                <a:pos x="connsiteX0" y="connsiteY0"/>
+              </a:cxn>
+              <a:cxn ang="0">
+                <a:pos x="connsiteX1" y="connsiteY1"/>
+              </a:cxn>
+              <a:cxn ang="0">
+                <a:pos x="connsiteX2" y="connsiteY2"/>
+              </a:cxn>
+              <a:cxn ang="0">
+                <a:pos x="connsiteX3" y="connsiteY3"/>
+              </a:cxn>
+              <a:cxn ang="0">
+                <a:pos x="connsiteX4" y="connsiteY4"/>
+              </a:cxn>
+              <a:cxn ang="0">
+                <a:pos x="connsiteX5" y="connsiteY5"/>
+              </a:cxn>
+            </a:cxnLst>
+            <a:rect l="l" t="t" r="r" b="b"/>
+            <a:pathLst>
+              <a:path w="6210300" h="6858000">
+                <a:moveTo>
+                  <a:pt x="0" y="0"/>
+                </a:moveTo>
+                <a:lnTo>
+                  <a:pt x="2628900" y="0"/>
+                </a:lnTo>
+                <a:lnTo>
+                  <a:pt x="3034146" y="0"/>
+                </a:lnTo>
+                <a:lnTo>
+                  <a:pt x="6210300" y="6858000"/>
+                </a:lnTo>
+                <a:lnTo>
+                  <a:pt x="2628900" y="6858000"/>
+                </a:lnTo>
+                <a:lnTo>
+                  <a:pt x="0" y="6858000"/>
+                </a:lnTo>
+                <a:close/>
+              </a:path>
+            </a:pathLst>
+          </a:custGeom>
+          <a:solidFill>
+            <a:srgbClr val="000000">
+              <a:alpha val="29804"/>
+            </a:srgbClr>
+          </a:solidFill>
+          <a:ln>
+            <a:noFill/>
+          </a:ln>
+        </p:spPr>
+        <p:style>
+          <a:lnRef idx="2">
+            <a:schemeClr val="accent1">
+              <a:shade val="50000"/>
+            </a:schemeClr>
+          </a:lnRef>
+          <a:fillRef idx="1">
+            <a:schemeClr val="accent1"/>
+          </a:fillRef>
+          <a:effectRef idx="0">
+            <a:schemeClr val="accent1"/>
+          </a:effectRef>
+          <a:fontRef idx="minor">
+            <a:schemeClr val="lt1"/>
+          </a:fontRef>
+        </p:style>
+        <p:txBody>
+          <a:bodyPr wrap="square" rtlCol="0" anchor="ctr">
+            <a:noAutofit/>
+          </a:bodyPr>
+          <a:lstStyle/>
+          <a:p>
+            <a:pPr algn="ctr"/>
+            <a:endParaRPr lang="en-US"/>
+          </a:p>
+        </p:txBody>
+      </p:sp>
+      <p:sp>
+        <p:nvSpPr>
+          <p:cNvPr id="2" name="Título 1">
+            <a:extLst>
+              <a:ext uri="{FF2B5EF4-FFF2-40B4-BE49-F238E27FC236}">
+                <a16:creationId xmlns:a16="http://schemas.microsoft.com/office/drawing/2014/main" id="{186B89F1-C910-4C9C-97C3-E4DD4C7AF7D4}"/>
+              </a:ext>
+            </a:extLst>
+          </p:cNvPr>
+          <p:cNvSpPr>
+            <a:spLocks noGrp="1"/>
+          </p:cNvSpPr>
+          <p:nvPr>
+            <p:ph type="title"/>
+          </p:nvPr>
+        </p:nvSpPr>
+        <p:spPr>
+          <a:xfrm>
+            <a:off x="833002" y="365125"/>
+            <a:ext cx="3973667" cy="5811837"/>
+          </a:xfrm>
+        </p:spPr>
+        <p:txBody>
+          <a:bodyPr>
+            <a:normAutofit/>
+          </a:bodyPr>
+          <a:lstStyle/>
+          <a:p>
+            <a:r>
+              <a:rPr lang="pt-PT">
+                <a:solidFill>
+                  <a:srgbClr val="FFFFFF"/>
+                </a:solidFill>
+                <a:cs typeface="Calibri Light"/>
+              </a:rPr>
+              <a:t>Processo de Poisson</a:t>
+            </a:r>
+            <a:r>
+              <a:rPr lang="pt-PT" baseline="30000">
+                <a:solidFill>
+                  <a:srgbClr val="FFFFFF"/>
+                </a:solidFill>
+                <a:cs typeface="Calibri Light"/>
+              </a:rPr>
+              <a:t> [3]</a:t>
+            </a:r>
+            <a:endParaRPr lang="pt-PT">
+              <a:solidFill>
+                <a:srgbClr val="FFFFFF"/>
+              </a:solidFill>
+            </a:endParaRPr>
+          </a:p>
+        </p:txBody>
+      </p:sp>
+      <p:sp>
+        <p:nvSpPr>
+          <p:cNvPr id="3" name="Marcador de Posição de Conteúdo 2">
+            <a:extLst>
+              <a:ext uri="{FF2B5EF4-FFF2-40B4-BE49-F238E27FC236}">
+                <a16:creationId xmlns:a16="http://schemas.microsoft.com/office/drawing/2014/main" id="{63159C8C-6B3D-4567-8A90-8CE0A3BEDE33}"/>
+              </a:ext>
+            </a:extLst>
+          </p:cNvPr>
+          <p:cNvSpPr>
+            <a:spLocks noGrp="1"/>
+          </p:cNvSpPr>
+          <p:nvPr>
+            <p:ph idx="1"/>
+          </p:nvPr>
+        </p:nvSpPr>
+        <p:spPr>
+          <a:xfrm>
+            <a:off x="5356927" y="365125"/>
+            <a:ext cx="5996871" cy="5811837"/>
+          </a:xfrm>
+        </p:spPr>
+        <p:txBody>
+          <a:bodyPr vert="horz" lIns="91440" tIns="45720" rIns="91440" bIns="45720" rtlCol="0" anchor="ctr">
+            <a:normAutofit/>
+          </a:bodyPr>
+          <a:lstStyle/>
+          <a:p>
+            <a:r>
+              <a:rPr lang="pt-PT" sz="2000">
+                <a:solidFill>
+                  <a:srgbClr val="FFFFFF"/>
+                </a:solidFill>
+                <a:cs typeface="Calibri"/>
+              </a:rPr>
+              <a:t>O processo de Poisson é usado para modelar eventos aleatórios distribuídos no tempo;</a:t>
+            </a:r>
+          </a:p>
+          <a:p>
+            <a:r>
+              <a:rPr lang="pt-PT" sz="2000">
+                <a:solidFill>
+                  <a:srgbClr val="FFFFFF"/>
+                </a:solidFill>
+                <a:cs typeface="Calibri"/>
+              </a:rPr>
+              <a:t> As distribuições Gamma, Poisson e exponencial fazem parte deste processo:</a:t>
+            </a:r>
+          </a:p>
+          <a:p>
+            <a:pPr lvl="1"/>
+            <a:r>
+              <a:rPr lang="pt-PT" sz="2000">
+                <a:solidFill>
+                  <a:srgbClr val="FFFFFF"/>
+                </a:solidFill>
+                <a:cs typeface="Calibri"/>
+              </a:rPr>
+              <a:t>A distribuição de Poisson modela o número de eventos no futuro (k);</a:t>
+            </a:r>
+          </a:p>
+          <a:p>
+            <a:pPr lvl="1"/>
+            <a:r>
+              <a:rPr lang="pt-PT" sz="2000">
+                <a:solidFill>
+                  <a:srgbClr val="FFFFFF"/>
+                </a:solidFill>
+                <a:cs typeface="Calibri"/>
+              </a:rPr>
+              <a:t>A distribuição Exponencial prevê o tempo de espera até ao primeiro evento;</a:t>
+            </a:r>
+          </a:p>
+          <a:p>
+            <a:pPr lvl="1"/>
+            <a:r>
+              <a:rPr lang="pt-PT" sz="2000">
+                <a:solidFill>
+                  <a:srgbClr val="FFFFFF"/>
+                </a:solidFill>
+                <a:cs typeface="Calibri"/>
+              </a:rPr>
+              <a:t>A distribuição Gamma prevê o tempo de espera até ao evento k.</a:t>
+            </a:r>
+          </a:p>
+        </p:txBody>
+      </p:sp>
+      <p:sp>
+        <p:nvSpPr>
+          <p:cNvPr id="4" name="Marcador de Posição do Número do Diapositivo 3">
+            <a:extLst>
+              <a:ext uri="{FF2B5EF4-FFF2-40B4-BE49-F238E27FC236}">
+                <a16:creationId xmlns:a16="http://schemas.microsoft.com/office/drawing/2014/main" id="{245F7DBB-1AF0-48EB-A7D5-73C05AF7494A}"/>
+              </a:ext>
+            </a:extLst>
+          </p:cNvPr>
+          <p:cNvSpPr>
+            <a:spLocks noGrp="1"/>
+          </p:cNvSpPr>
+          <p:nvPr>
+            <p:ph type="sldNum" sz="quarter" idx="12"/>
+          </p:nvPr>
+        </p:nvSpPr>
+        <p:spPr>
+          <a:xfrm>
+            <a:off x="8610600" y="6356350"/>
+            <a:ext cx="2743200" cy="365125"/>
+          </a:xfrm>
+        </p:spPr>
+        <p:txBody>
+          <a:bodyPr anchor="ctr">
+            <a:normAutofit/>
+          </a:bodyPr>
+          <a:lstStyle/>
+          <a:p>
+            <a:pPr>
+              <a:spcAft>
+                <a:spcPts val="600"/>
+              </a:spcAft>
+            </a:pPr>
+            <a:fld id="{4310B044-6F84-4299-A58B-8057292127B9}" type="slidenum">
+              <a:rPr lang="en-GB">
+                <a:solidFill>
+                  <a:srgbClr val="FFFFFF">
+                    <a:alpha val="80000"/>
+                  </a:srgbClr>
+                </a:solidFill>
+              </a:rPr>
+              <a:pPr>
+                <a:spcAft>
+                  <a:spcPts val="600"/>
+                </a:spcAft>
+              </a:pPr>
+              <a:t>11</a:t>
+            </a:fld>
+            <a:endParaRPr lang="en-GB">
+              <a:solidFill>
+                <a:srgbClr val="FFFFFF">
+                  <a:alpha val="80000"/>
+                </a:srgbClr>
+              </a:solidFill>
+            </a:endParaRPr>
+          </a:p>
+        </p:txBody>
+      </p:sp>
+      <p:pic>
+        <p:nvPicPr>
+          <p:cNvPr id="8" name="Picture 7" descr="Icon&#10;&#10;Description automatically generated">
+            <a:extLst>
+              <a:ext uri="{FF2B5EF4-FFF2-40B4-BE49-F238E27FC236}">
+                <a16:creationId xmlns:a16="http://schemas.microsoft.com/office/drawing/2014/main" id="{125D7BC7-CACD-4B4B-8BC7-3BFEBF303B58}"/>
+              </a:ext>
+            </a:extLst>
+          </p:cNvPr>
+          <p:cNvPicPr>
+            <a:picLocks noChangeAspect="1"/>
+          </p:cNvPicPr>
+          <p:nvPr/>
+        </p:nvPicPr>
+        <p:blipFill>
+          <a:blip r:embed="rId2">
+            <a:extLst>
+              <a:ext uri="{28A0092B-C50C-407E-A947-70E740481C1C}">
+                <a14:useLocalDpi xmlns:a14="http://schemas.microsoft.com/office/drawing/2010/main" val="0"/>
+              </a:ext>
+            </a:extLst>
+          </a:blip>
+          <a:stretch>
+            <a:fillRect/>
+          </a:stretch>
+        </p:blipFill>
+        <p:spPr>
+          <a:xfrm>
+            <a:off x="10015899" y="365125"/>
+            <a:ext cx="1770855" cy="883219"/>
+          </a:xfrm>
+          <a:prstGeom prst="rect">
+            <a:avLst/>
+          </a:prstGeom>
+        </p:spPr>
+      </p:pic>
+    </p:spTree>
+    <p:extLst>
+      <p:ext uri="{BB962C8B-B14F-4D97-AF65-F5344CB8AC3E}">
+        <p14:creationId xmlns:p14="http://schemas.microsoft.com/office/powerpoint/2010/main" val="211770228"/>
+      </p:ext>
+    </p:extLst>
+  </p:cSld>
+  <p:clrMapOvr>
+    <a:overrideClrMapping bg1="dk1" tx1="lt1" bg2="dk2" tx2="lt2" accent1="accent1" accent2="accent2" accent3="accent3" accent4="accent4" accent5="accent5" accent6="accent6" hlink="hlink" folHlink="folHlink"/>
+  </p:clrMapOvr>
+</p:sld>
+</file>
+
+<file path=ppt/slides/slide12.xml><?xml version="1.0" encoding="utf-8"?>
+<p:sld xmlns:a="http://schemas.openxmlformats.org/drawingml/2006/main" xmlns:r="http://schemas.openxmlformats.org/officeDocument/2006/relationships" xmlns:p="http://schemas.openxmlformats.org/presentationml/2006/main">
+  <p:cSld>
     <p:bg>
       <p:bgPr>
         <a:solidFill>
@@ -7792,7 +9666,7 @@
                   <a:spcPts val="600"/>
                 </a:spcAft>
               </a:pPr>
-              <a:t>10</a:t>
+              <a:t>12</a:t>
             </a:fld>
             <a:endParaRPr lang="en-GB"/>
           </a:p>
@@ -9560,7 +11434,7 @@
       </p:grpSpPr>
       <p:sp>
         <p:nvSpPr>
-          <p:cNvPr id="17" name="Rectangle 16">
+          <p:cNvPr id="26" name="Rectangle 25">
             <a:extLst>
               <a:ext uri="{FF2B5EF4-FFF2-40B4-BE49-F238E27FC236}">
                 <a16:creationId xmlns:a16="http://schemas.microsoft.com/office/drawing/2014/main" id="{EA67B5B4-3A24-436E-B663-1B2EBFF8A0CD}"/>
@@ -9623,7 +11497,7 @@
       </p:sp>
       <p:sp>
         <p:nvSpPr>
-          <p:cNvPr id="19" name="Freeform 13">
+          <p:cNvPr id="28" name="Freeform 13">
             <a:extLst>
               <a:ext uri="{FF2B5EF4-FFF2-40B4-BE49-F238E27FC236}">
                 <a16:creationId xmlns:a16="http://schemas.microsoft.com/office/drawing/2014/main" id="{987FDF89-C993-41F4-A1B8-DBAFF16008A9}"/>
@@ -9731,7 +11605,7 @@
       </p:sp>
       <p:sp>
         <p:nvSpPr>
-          <p:cNvPr id="21" name="Freeform: Shape 20">
+          <p:cNvPr id="30" name="Freeform: Shape 29">
             <a:extLst>
               <a:ext uri="{FF2B5EF4-FFF2-40B4-BE49-F238E27FC236}">
                 <a16:creationId xmlns:a16="http://schemas.microsoft.com/office/drawing/2014/main" id="{D1D7179B-FF7C-482F-B3D9-2BE9ED1139F9}"/>
@@ -9884,40 +11758,13 @@
           <a:lstStyle/>
           <a:p>
             <a:r>
-              <a:rPr lang="en-GB" err="1">
-                <a:solidFill>
-                  <a:srgbClr val="FFFFFF"/>
-                </a:solidFill>
-                <a:cs typeface="Calibri Light"/>
-              </a:rPr>
-              <a:t>Definição</a:t>
-            </a:r>
-            <a:r>
               <a:rPr lang="en-GB">
                 <a:solidFill>
                   <a:srgbClr val="FFFFFF"/>
                 </a:solidFill>
                 <a:cs typeface="Calibri Light"/>
               </a:rPr>
-              <a:t> </a:t>
-            </a:r>
-            <a:r>
-              <a:rPr lang="en-GB" err="1">
-                <a:solidFill>
-                  <a:srgbClr val="FFFFFF"/>
-                </a:solidFill>
-                <a:cs typeface="Calibri Light"/>
-              </a:rPr>
-              <a:t>Matemática</a:t>
-            </a:r>
-            <a:r>
-              <a:rPr lang="en-GB">
-                <a:solidFill>
-                  <a:srgbClr val="FFFFFF"/>
-                </a:solidFill>
-                <a:cs typeface="Calibri Light"/>
-              </a:rPr>
-              <a:t> </a:t>
+              <a:t>Definição Matemática </a:t>
             </a:r>
             <a:r>
               <a:rPr lang="en-GB" baseline="30000">
@@ -9967,22 +11814,13 @@
               <a:lstStyle/>
               <a:p>
                 <a:r>
-                  <a:rPr lang="en-GB" sz="2400" err="1">
+                  <a:rPr lang="en-GB" sz="2000">
                     <a:solidFill>
                       <a:srgbClr val="FFFFFF"/>
                     </a:solidFill>
                     <a:cs typeface="Calibri"/>
                   </a:rPr>
-                  <a:t>Caraterizada</a:t>
-                </a:r>
-                <a:r>
-                  <a:rPr lang="en-GB" sz="2400">
-                    <a:solidFill>
-                      <a:srgbClr val="FFFFFF"/>
-                    </a:solidFill>
-                    <a:cs typeface="Calibri"/>
-                  </a:rPr>
-                  <a:t> por Lambda   </a:t>
+                  <a:t>Caraterizada por Lambda   </a:t>
                 </a:r>
               </a:p>
               <a:p>
@@ -10168,40 +12006,13 @@
               </a:p>
               <a:p>
                 <a:r>
-                  <a:rPr lang="en-GB" sz="2400" err="1">
+                  <a:rPr lang="en-GB" sz="2000">
                     <a:solidFill>
                       <a:srgbClr val="FFFFFF"/>
                     </a:solidFill>
                     <a:cs typeface="Calibri"/>
                   </a:rPr>
-                  <a:t>Relacionada</a:t>
-                </a:r>
-                <a:r>
-                  <a:rPr lang="en-GB" sz="2400">
-                    <a:solidFill>
-                      <a:srgbClr val="FFFFFF"/>
-                    </a:solidFill>
-                    <a:cs typeface="Calibri"/>
-                  </a:rPr>
-                  <a:t> com a </a:t>
-                </a:r>
-                <a:r>
-                  <a:rPr lang="en-GB" sz="2400" err="1">
-                    <a:solidFill>
-                      <a:srgbClr val="FFFFFF"/>
-                    </a:solidFill>
-                    <a:cs typeface="Calibri"/>
-                  </a:rPr>
-                  <a:t>distribuição</a:t>
-                </a:r>
-                <a:r>
-                  <a:rPr lang="en-GB" sz="2400">
-                    <a:solidFill>
-                      <a:srgbClr val="FFFFFF"/>
-                    </a:solidFill>
-                    <a:cs typeface="Calibri"/>
-                  </a:rPr>
-                  <a:t> Binomial </a:t>
+                  <a:t>Relacionada com a distribuição Binomial </a:t>
                 </a:r>
               </a:p>
               <a:p>
@@ -10630,7 +12441,7 @@
               <a:blipFill>
                 <a:blip r:embed="rId2"/>
                 <a:stretch>
-                  <a:fillRect l="-1424"/>
+                  <a:fillRect l="-916"/>
                 </a:stretch>
               </a:blipFill>
             </p:spPr>
@@ -10649,6 +12460,64 @@
           </p:sp>
         </mc:Fallback>
       </mc:AlternateContent>
+      <p:sp>
+        <p:nvSpPr>
+          <p:cNvPr id="4" name="Slide Number Placeholder 3">
+            <a:extLst>
+              <a:ext uri="{FF2B5EF4-FFF2-40B4-BE49-F238E27FC236}">
+                <a16:creationId xmlns:a16="http://schemas.microsoft.com/office/drawing/2014/main" id="{C3DB76B5-17A6-4F40-9615-048467290C52}"/>
+              </a:ext>
+            </a:extLst>
+          </p:cNvPr>
+          <p:cNvSpPr>
+            <a:spLocks noGrp="1"/>
+          </p:cNvSpPr>
+          <p:nvPr>
+            <p:ph type="sldNum" sz="quarter" idx="12"/>
+          </p:nvPr>
+        </p:nvSpPr>
+        <p:spPr>
+          <a:xfrm>
+            <a:off x="8610600" y="6356350"/>
+            <a:ext cx="2743200" cy="365125"/>
+          </a:xfrm>
+        </p:spPr>
+        <p:txBody>
+          <a:bodyPr anchor="ctr">
+            <a:normAutofit/>
+          </a:bodyPr>
+          <a:lstStyle/>
+          <a:p>
+            <a:pPr>
+              <a:spcAft>
+                <a:spcPts val="600"/>
+              </a:spcAft>
+            </a:pPr>
+            <a:fld id="{4310B044-6F84-4299-A58B-8057292127B9}" type="slidenum">
+              <a:rPr lang="en-GB">
+                <a:solidFill>
+                  <a:srgbClr val="FFFFFF">
+                    <a:alpha val="80000"/>
+                  </a:srgbClr>
+                </a:solidFill>
+              </a:rPr>
+              <a:pPr>
+                <a:spcAft>
+                  <a:spcPts val="600"/>
+                </a:spcAft>
+              </a:pPr>
+              <a:t>4</a:t>
+            </a:fld>
+            <a:endParaRPr lang="en-GB">
+              <a:solidFill>
+                <a:srgbClr val="FFFFFF">
+                  <a:alpha val="80000"/>
+                </a:srgbClr>
+              </a:solidFill>
+            </a:endParaRPr>
+          </a:p>
+        </p:txBody>
+      </p:sp>
       <p:pic>
         <p:nvPicPr>
           <p:cNvPr id="13" name="Picture 12" descr="Icon&#10;&#10;Description automatically generated">
@@ -10685,35 +12554,6 @@
           </a:prstGeom>
         </p:spPr>
       </p:pic>
-      <p:sp>
-        <p:nvSpPr>
-          <p:cNvPr id="4" name="Slide Number Placeholder 3">
-            <a:extLst>
-              <a:ext uri="{FF2B5EF4-FFF2-40B4-BE49-F238E27FC236}">
-                <a16:creationId xmlns:a16="http://schemas.microsoft.com/office/drawing/2014/main" id="{C3DB76B5-17A6-4F40-9615-048467290C52}"/>
-              </a:ext>
-            </a:extLst>
-          </p:cNvPr>
-          <p:cNvSpPr>
-            <a:spLocks noGrp="1"/>
-          </p:cNvSpPr>
-          <p:nvPr>
-            <p:ph type="sldNum" sz="quarter" idx="12"/>
-          </p:nvPr>
-        </p:nvSpPr>
-        <p:spPr/>
-        <p:txBody>
-          <a:bodyPr/>
-          <a:lstStyle/>
-          <a:p>
-            <a:fld id="{4310B044-6F84-4299-A58B-8057292127B9}" type="slidenum">
-              <a:rPr lang="en-GB" smtClean="0"/>
-              <a:t>4</a:t>
-            </a:fld>
-            <a:endParaRPr lang="en-GB"/>
-          </a:p>
-        </p:txBody>
-      </p:sp>
     </p:spTree>
     <p:extLst>
       <p:ext uri="{BB962C8B-B14F-4D97-AF65-F5344CB8AC3E}">
@@ -10728,6 +12568,676 @@
 </file>
 
 <file path=ppt/slides/slide5.xml><?xml version="1.0" encoding="utf-8"?>
+<p:sld xmlns:a="http://schemas.openxmlformats.org/drawingml/2006/main" xmlns:r="http://schemas.openxmlformats.org/officeDocument/2006/relationships" xmlns:p="http://schemas.openxmlformats.org/presentationml/2006/main">
+  <p:cSld>
+    <p:bg>
+      <p:bgPr>
+        <a:solidFill>
+          <a:schemeClr val="bg1"/>
+        </a:solidFill>
+        <a:effectLst/>
+      </p:bgPr>
+    </p:bg>
+    <p:spTree>
+      <p:nvGrpSpPr>
+        <p:cNvPr id="1" name=""/>
+        <p:cNvGrpSpPr/>
+        <p:nvPr/>
+      </p:nvGrpSpPr>
+      <p:grpSpPr>
+        <a:xfrm>
+          <a:off x="0" y="0"/>
+          <a:ext cx="0" cy="0"/>
+          <a:chOff x="0" y="0"/>
+          <a:chExt cx="0" cy="0"/>
+        </a:xfrm>
+      </p:grpSpPr>
+      <p:sp>
+        <p:nvSpPr>
+          <p:cNvPr id="22" name="Rectangle 20">
+            <a:extLst>
+              <a:ext uri="{FF2B5EF4-FFF2-40B4-BE49-F238E27FC236}">
+                <a16:creationId xmlns:a16="http://schemas.microsoft.com/office/drawing/2014/main" id="{C7FA33FF-088D-4F16-95A2-2C64D353DEA8}"/>
+              </a:ext>
+              <a:ext uri="{C183D7F6-B498-43B3-948B-1728B52AA6E4}">
+                <adec:decorative xmlns:adec="http://schemas.microsoft.com/office/drawing/2017/decorative" val="1"/>
+              </a:ext>
+            </a:extLst>
+          </p:cNvPr>
+          <p:cNvSpPr>
+            <a:spLocks noGrp="1" noRot="1" noChangeAspect="1" noMove="1" noResize="1" noEditPoints="1" noAdjustHandles="1" noChangeArrowheads="1" noChangeShapeType="1" noTextEdit="1"/>
+          </p:cNvSpPr>
+          <p:nvPr>
+            <p:extLst>
+              <p:ext uri="{386F3935-93C4-4BCD-93E2-E3B085C9AB24}">
+                <p16:designElem xmlns:p16="http://schemas.microsoft.com/office/powerpoint/2015/main" val="1"/>
+              </p:ext>
+            </p:extLst>
+          </p:nvPr>
+        </p:nvSpPr>
+        <p:spPr>
+          <a:xfrm>
+            <a:off x="3048" y="0"/>
+            <a:ext cx="12188952" cy="6858000"/>
+          </a:xfrm>
+          <a:prstGeom prst="rect">
+            <a:avLst/>
+          </a:prstGeom>
+          <a:solidFill>
+            <a:schemeClr val="tx1"/>
+          </a:solidFill>
+          <a:ln>
+            <a:noFill/>
+          </a:ln>
+        </p:spPr>
+        <p:style>
+          <a:lnRef idx="2">
+            <a:schemeClr val="accent1">
+              <a:shade val="50000"/>
+            </a:schemeClr>
+          </a:lnRef>
+          <a:fillRef idx="1">
+            <a:schemeClr val="accent1"/>
+          </a:fillRef>
+          <a:effectRef idx="0">
+            <a:schemeClr val="accent1"/>
+          </a:effectRef>
+          <a:fontRef idx="minor">
+            <a:schemeClr val="lt1"/>
+          </a:fontRef>
+        </p:style>
+        <p:txBody>
+          <a:bodyPr rtlCol="0" anchor="ctr"/>
+          <a:lstStyle/>
+          <a:p>
+            <a:pPr algn="ctr"/>
+            <a:endParaRPr lang="en-US"/>
+          </a:p>
+        </p:txBody>
+      </p:sp>
+      <p:sp>
+        <p:nvSpPr>
+          <p:cNvPr id="24" name="Rectangle 22">
+            <a:extLst>
+              <a:ext uri="{FF2B5EF4-FFF2-40B4-BE49-F238E27FC236}">
+                <a16:creationId xmlns:a16="http://schemas.microsoft.com/office/drawing/2014/main" id="{A376EFB1-01CF-419F-ABF1-2AF02BBFCBD1}"/>
+              </a:ext>
+              <a:ext uri="{C183D7F6-B498-43B3-948B-1728B52AA6E4}">
+                <adec:decorative xmlns:adec="http://schemas.microsoft.com/office/drawing/2017/decorative" val="1"/>
+              </a:ext>
+            </a:extLst>
+          </p:cNvPr>
+          <p:cNvSpPr>
+            <a:spLocks noGrp="1" noRot="1" noChangeAspect="1" noMove="1" noResize="1" noEditPoints="1" noAdjustHandles="1" noChangeArrowheads="1" noChangeShapeType="1" noTextEdit="1"/>
+          </p:cNvSpPr>
+          <p:nvPr>
+            <p:extLst>
+              <p:ext uri="{386F3935-93C4-4BCD-93E2-E3B085C9AB24}">
+                <p16:designElem xmlns:p16="http://schemas.microsoft.com/office/powerpoint/2015/main" val="1"/>
+              </p:ext>
+            </p:extLst>
+          </p:nvPr>
+        </p:nvSpPr>
+        <p:spPr>
+          <a:xfrm>
+            <a:off x="-1" y="0"/>
+            <a:ext cx="6464595" cy="6858000"/>
+          </a:xfrm>
+          <a:prstGeom prst="rect">
+            <a:avLst/>
+          </a:prstGeom>
+          <a:solidFill>
+            <a:schemeClr val="bg1">
+              <a:alpha val="81000"/>
+            </a:schemeClr>
+          </a:solidFill>
+          <a:ln>
+            <a:noFill/>
+          </a:ln>
+        </p:spPr>
+        <p:style>
+          <a:lnRef idx="2">
+            <a:schemeClr val="accent1">
+              <a:shade val="50000"/>
+            </a:schemeClr>
+          </a:lnRef>
+          <a:fillRef idx="1">
+            <a:schemeClr val="accent1"/>
+          </a:fillRef>
+          <a:effectRef idx="0">
+            <a:schemeClr val="accent1"/>
+          </a:effectRef>
+          <a:fontRef idx="minor">
+            <a:schemeClr val="lt1"/>
+          </a:fontRef>
+        </p:style>
+        <p:txBody>
+          <a:bodyPr rtlCol="0" anchor="ctr"/>
+          <a:lstStyle/>
+          <a:p>
+            <a:pPr algn="ctr"/>
+            <a:endParaRPr lang="en-US"/>
+          </a:p>
+        </p:txBody>
+      </p:sp>
+      <p:sp>
+        <p:nvSpPr>
+          <p:cNvPr id="26" name="Freeform: Shape 24">
+            <a:extLst>
+              <a:ext uri="{FF2B5EF4-FFF2-40B4-BE49-F238E27FC236}">
+                <a16:creationId xmlns:a16="http://schemas.microsoft.com/office/drawing/2014/main" id="{FF9DEA15-78BD-4750-AA18-B9F28A6D5AB8}"/>
+              </a:ext>
+              <a:ext uri="{C183D7F6-B498-43B3-948B-1728B52AA6E4}">
+                <adec:decorative xmlns:adec="http://schemas.microsoft.com/office/drawing/2017/decorative" val="1"/>
+              </a:ext>
+            </a:extLst>
+          </p:cNvPr>
+          <p:cNvSpPr>
+            <a:spLocks noGrp="1" noRot="1" noChangeAspect="1" noMove="1" noResize="1" noEditPoints="1" noAdjustHandles="1" noChangeArrowheads="1" noChangeShapeType="1" noTextEdit="1"/>
+          </p:cNvSpPr>
+          <p:nvPr>
+            <p:extLst>
+              <p:ext uri="{386F3935-93C4-4BCD-93E2-E3B085C9AB24}">
+                <p16:designElem xmlns:p16="http://schemas.microsoft.com/office/powerpoint/2015/main" val="1"/>
+              </p:ext>
+            </p:extLst>
+          </p:nvPr>
+        </p:nvSpPr>
+        <p:spPr>
+          <a:xfrm>
+            <a:off x="-1" y="0"/>
+            <a:ext cx="4546337" cy="6858000"/>
+          </a:xfrm>
+          <a:custGeom>
+            <a:avLst/>
+            <a:gdLst>
+              <a:gd name="connsiteX0" fmla="*/ 0 w 4319042"/>
+              <a:gd name="connsiteY0" fmla="*/ 0 h 6858000"/>
+              <a:gd name="connsiteX1" fmla="*/ 1142888 w 4319042"/>
+              <a:gd name="connsiteY1" fmla="*/ 0 h 6858000"/>
+              <a:gd name="connsiteX2" fmla="*/ 4319042 w 4319042"/>
+              <a:gd name="connsiteY2" fmla="*/ 6858000 h 6858000"/>
+              <a:gd name="connsiteX3" fmla="*/ 0 w 4319042"/>
+              <a:gd name="connsiteY3" fmla="*/ 6858000 h 6858000"/>
+            </a:gdLst>
+            <a:ahLst/>
+            <a:cxnLst>
+              <a:cxn ang="0">
+                <a:pos x="connsiteX0" y="connsiteY0"/>
+              </a:cxn>
+              <a:cxn ang="0">
+                <a:pos x="connsiteX1" y="connsiteY1"/>
+              </a:cxn>
+              <a:cxn ang="0">
+                <a:pos x="connsiteX2" y="connsiteY2"/>
+              </a:cxn>
+              <a:cxn ang="0">
+                <a:pos x="connsiteX3" y="connsiteY3"/>
+              </a:cxn>
+            </a:cxnLst>
+            <a:rect l="l" t="t" r="r" b="b"/>
+            <a:pathLst>
+              <a:path w="4319042" h="6858000">
+                <a:moveTo>
+                  <a:pt x="0" y="0"/>
+                </a:moveTo>
+                <a:lnTo>
+                  <a:pt x="1142888" y="0"/>
+                </a:lnTo>
+                <a:lnTo>
+                  <a:pt x="4319042" y="6858000"/>
+                </a:lnTo>
+                <a:lnTo>
+                  <a:pt x="0" y="6858000"/>
+                </a:lnTo>
+                <a:close/>
+              </a:path>
+            </a:pathLst>
+          </a:custGeom>
+          <a:solidFill>
+            <a:schemeClr val="bg1">
+              <a:alpha val="35000"/>
+            </a:schemeClr>
+          </a:solidFill>
+          <a:ln>
+            <a:noFill/>
+          </a:ln>
+        </p:spPr>
+        <p:style>
+          <a:lnRef idx="2">
+            <a:schemeClr val="accent1">
+              <a:shade val="50000"/>
+            </a:schemeClr>
+          </a:lnRef>
+          <a:fillRef idx="1">
+            <a:schemeClr val="accent1"/>
+          </a:fillRef>
+          <a:effectRef idx="0">
+            <a:schemeClr val="accent1"/>
+          </a:effectRef>
+          <a:fontRef idx="minor">
+            <a:schemeClr val="lt1"/>
+          </a:fontRef>
+        </p:style>
+        <p:txBody>
+          <a:bodyPr wrap="square" rtlCol="0" anchor="ctr">
+            <a:noAutofit/>
+          </a:bodyPr>
+          <a:lstStyle/>
+          <a:p>
+            <a:pPr algn="ctr"/>
+            <a:endParaRPr lang="en-US"/>
+          </a:p>
+        </p:txBody>
+      </p:sp>
+      <p:sp>
+        <p:nvSpPr>
+          <p:cNvPr id="2" name="Title 1">
+            <a:extLst>
+              <a:ext uri="{FF2B5EF4-FFF2-40B4-BE49-F238E27FC236}">
+                <a16:creationId xmlns:a16="http://schemas.microsoft.com/office/drawing/2014/main" id="{B5EF97E0-8FED-4570-942C-9897B63A06AA}"/>
+              </a:ext>
+            </a:extLst>
+          </p:cNvPr>
+          <p:cNvSpPr>
+            <a:spLocks noGrp="1"/>
+          </p:cNvSpPr>
+          <p:nvPr>
+            <p:ph type="title"/>
+          </p:nvPr>
+        </p:nvSpPr>
+        <p:spPr>
+          <a:xfrm>
+            <a:off x="284199" y="1508009"/>
+            <a:ext cx="5221266" cy="1344975"/>
+          </a:xfrm>
+        </p:spPr>
+        <p:txBody>
+          <a:bodyPr vert="horz" lIns="91440" tIns="45720" rIns="91440" bIns="45720" rtlCol="0" anchor="ctr">
+            <a:normAutofit/>
+          </a:bodyPr>
+          <a:lstStyle/>
+          <a:p>
+            <a:r>
+              <a:rPr lang="en-US" sz="4000" err="1"/>
+              <a:t>WebPPL</a:t>
+            </a:r>
+            <a:r>
+              <a:rPr lang="en-US" sz="4000"/>
+              <a:t> </a:t>
+            </a:r>
+          </a:p>
+        </p:txBody>
+      </p:sp>
+      <p:pic>
+        <p:nvPicPr>
+          <p:cNvPr id="7" name="Picture 6">
+            <a:extLst>
+              <a:ext uri="{FF2B5EF4-FFF2-40B4-BE49-F238E27FC236}">
+                <a16:creationId xmlns:a16="http://schemas.microsoft.com/office/drawing/2014/main" id="{D2032FE3-64BB-4FB7-9B24-0B5CA4CA4922}"/>
+              </a:ext>
+            </a:extLst>
+          </p:cNvPr>
+          <p:cNvPicPr>
+            <a:picLocks noChangeAspect="1"/>
+          </p:cNvPicPr>
+          <p:nvPr/>
+        </p:nvPicPr>
+        <p:blipFill>
+          <a:blip r:embed="rId2"/>
+          <a:stretch>
+            <a:fillRect/>
+          </a:stretch>
+        </p:blipFill>
+        <p:spPr>
+          <a:xfrm>
+            <a:off x="7021741" y="484632"/>
+            <a:ext cx="3529468" cy="2770632"/>
+          </a:xfrm>
+          <a:prstGeom prst="rect">
+            <a:avLst/>
+          </a:prstGeom>
+        </p:spPr>
+      </p:pic>
+      <p:pic>
+        <p:nvPicPr>
+          <p:cNvPr id="11" name="Picture 10">
+            <a:extLst>
+              <a:ext uri="{FF2B5EF4-FFF2-40B4-BE49-F238E27FC236}">
+                <a16:creationId xmlns:a16="http://schemas.microsoft.com/office/drawing/2014/main" id="{80194A23-064B-4B28-9D38-06BE97515342}"/>
+              </a:ext>
+            </a:extLst>
+          </p:cNvPr>
+          <p:cNvPicPr>
+            <a:picLocks noChangeAspect="1"/>
+          </p:cNvPicPr>
+          <p:nvPr/>
+        </p:nvPicPr>
+        <p:blipFill>
+          <a:blip r:embed="rId3"/>
+          <a:stretch>
+            <a:fillRect/>
+          </a:stretch>
+        </p:blipFill>
+        <p:spPr>
+          <a:xfrm>
+            <a:off x="7021741" y="3919055"/>
+            <a:ext cx="4684864" cy="1827096"/>
+          </a:xfrm>
+          <a:prstGeom prst="rect">
+            <a:avLst/>
+          </a:prstGeom>
+        </p:spPr>
+      </p:pic>
+      <p:sp>
+        <p:nvSpPr>
+          <p:cNvPr id="4" name="Slide Number Placeholder 3">
+            <a:extLst>
+              <a:ext uri="{FF2B5EF4-FFF2-40B4-BE49-F238E27FC236}">
+                <a16:creationId xmlns:a16="http://schemas.microsoft.com/office/drawing/2014/main" id="{1A3F950A-DED5-4E07-9C98-EA8DE6F125DD}"/>
+              </a:ext>
+            </a:extLst>
+          </p:cNvPr>
+          <p:cNvSpPr>
+            <a:spLocks noGrp="1"/>
+          </p:cNvSpPr>
+          <p:nvPr>
+            <p:ph type="sldNum" sz="quarter" idx="12"/>
+          </p:nvPr>
+        </p:nvSpPr>
+        <p:spPr>
+          <a:xfrm>
+            <a:off x="10260418" y="6356350"/>
+            <a:ext cx="1096429" cy="365125"/>
+          </a:xfrm>
+        </p:spPr>
+        <p:txBody>
+          <a:bodyPr vert="horz" lIns="91440" tIns="45720" rIns="91440" bIns="45720" rtlCol="0" anchor="ctr">
+            <a:normAutofit/>
+          </a:bodyPr>
+          <a:lstStyle/>
+          <a:p>
+            <a:pPr>
+              <a:spcAft>
+                <a:spcPts val="600"/>
+              </a:spcAft>
+            </a:pPr>
+            <a:fld id="{4310B044-6F84-4299-A58B-8057292127B9}" type="slidenum">
+              <a:rPr lang="en-US">
+                <a:solidFill>
+                  <a:schemeClr val="bg1">
+                    <a:alpha val="80000"/>
+                  </a:schemeClr>
+                </a:solidFill>
+              </a:rPr>
+              <a:pPr>
+                <a:spcAft>
+                  <a:spcPts val="600"/>
+                </a:spcAft>
+              </a:pPr>
+              <a:t>5</a:t>
+            </a:fld>
+            <a:endParaRPr lang="en-US">
+              <a:solidFill>
+                <a:schemeClr val="bg1">
+                  <a:alpha val="80000"/>
+                </a:schemeClr>
+              </a:solidFill>
+            </a:endParaRPr>
+          </a:p>
+        </p:txBody>
+      </p:sp>
+      <p:sp>
+        <p:nvSpPr>
+          <p:cNvPr id="27" name="TextBox 26">
+            <a:extLst>
+              <a:ext uri="{FF2B5EF4-FFF2-40B4-BE49-F238E27FC236}">
+                <a16:creationId xmlns:a16="http://schemas.microsoft.com/office/drawing/2014/main" id="{E8615DD7-0B72-4D6D-BE0F-0F20DAA5030E}"/>
+              </a:ext>
+            </a:extLst>
+          </p:cNvPr>
+          <p:cNvSpPr txBox="1"/>
+          <p:nvPr/>
+        </p:nvSpPr>
+        <p:spPr>
+          <a:xfrm>
+            <a:off x="284199" y="2778210"/>
+            <a:ext cx="6199529" cy="954107"/>
+          </a:xfrm>
+          <a:prstGeom prst="rect">
+            <a:avLst/>
+          </a:prstGeom>
+          <a:noFill/>
+        </p:spPr>
+        <p:txBody>
+          <a:bodyPr wrap="square" rtlCol="0">
+            <a:spAutoFit/>
+          </a:bodyPr>
+          <a:lstStyle/>
+          <a:p>
+            <a:r>
+              <a:rPr lang="en-GB" sz="1400" spc="300">
+                <a:solidFill>
+                  <a:srgbClr val="7030A0"/>
+                </a:solidFill>
+                <a:latin typeface="Bahnschrift SemiLight" panose="020B0502040204020203" pitchFamily="34" charset="0"/>
+              </a:rPr>
+              <a:t>var</a:t>
+            </a:r>
+            <a:r>
+              <a:rPr lang="en-GB" sz="1400" spc="300">
+                <a:latin typeface="Bahnschrift SemiLight" panose="020B0502040204020203" pitchFamily="34" charset="0"/>
+              </a:rPr>
+              <a:t> </a:t>
+            </a:r>
+            <a:r>
+              <a:rPr lang="en-GB" sz="1400" spc="300">
+                <a:solidFill>
+                  <a:srgbClr val="0070C0"/>
+                </a:solidFill>
+                <a:latin typeface="Bahnschrift SemiLight" panose="020B0502040204020203" pitchFamily="34" charset="0"/>
+              </a:rPr>
+              <a:t>Lambda</a:t>
+            </a:r>
+            <a:r>
+              <a:rPr lang="en-GB" sz="1400" spc="300">
+                <a:latin typeface="Bahnschrift SemiLight" panose="020B0502040204020203" pitchFamily="34" charset="0"/>
+              </a:rPr>
+              <a:t> = 10</a:t>
+            </a:r>
+          </a:p>
+          <a:p>
+            <a:r>
+              <a:rPr lang="en-GB" sz="1400" spc="300">
+                <a:solidFill>
+                  <a:srgbClr val="7030A0"/>
+                </a:solidFill>
+                <a:latin typeface="Bahnschrift SemiLight" panose="020B0502040204020203" pitchFamily="34" charset="0"/>
+              </a:rPr>
+              <a:t>var</a:t>
+            </a:r>
+            <a:r>
+              <a:rPr lang="en-GB" sz="1400" spc="300">
+                <a:latin typeface="Bahnschrift SemiLight" panose="020B0502040204020203" pitchFamily="34" charset="0"/>
+              </a:rPr>
+              <a:t> </a:t>
+            </a:r>
+            <a:r>
+              <a:rPr lang="en-GB" sz="1400" spc="300">
+                <a:solidFill>
+                  <a:srgbClr val="0070C0"/>
+                </a:solidFill>
+                <a:latin typeface="Bahnschrift SemiLight" panose="020B0502040204020203" pitchFamily="34" charset="0"/>
+              </a:rPr>
+              <a:t>p</a:t>
+            </a:r>
+            <a:r>
+              <a:rPr lang="en-GB" sz="1400" spc="300">
+                <a:latin typeface="Bahnschrift SemiLight" panose="020B0502040204020203" pitchFamily="34" charset="0"/>
+              </a:rPr>
+              <a:t> = </a:t>
+            </a:r>
+            <a:r>
+              <a:rPr lang="en-GB" sz="1400" spc="300">
+                <a:solidFill>
+                  <a:srgbClr val="7030A0"/>
+                </a:solidFill>
+                <a:latin typeface="Bahnschrift SemiLight" panose="020B0502040204020203" pitchFamily="34" charset="0"/>
+              </a:rPr>
+              <a:t>function</a:t>
+            </a:r>
+            <a:r>
+              <a:rPr lang="en-GB" sz="1400" spc="300">
+                <a:latin typeface="Bahnschrift SemiLight" panose="020B0502040204020203" pitchFamily="34" charset="0"/>
+              </a:rPr>
+              <a:t>(){</a:t>
+            </a:r>
+            <a:r>
+              <a:rPr lang="en-GB" sz="1400" spc="300">
+                <a:solidFill>
+                  <a:srgbClr val="7030A0"/>
+                </a:solidFill>
+                <a:latin typeface="Bahnschrift SemiLight" panose="020B0502040204020203" pitchFamily="34" charset="0"/>
+              </a:rPr>
+              <a:t>return</a:t>
+            </a:r>
+            <a:r>
+              <a:rPr lang="en-GB" sz="1400" spc="300">
+                <a:latin typeface="Bahnschrift SemiLight" panose="020B0502040204020203" pitchFamily="34" charset="0"/>
+              </a:rPr>
+              <a:t> poisson(</a:t>
+            </a:r>
+            <a:r>
+              <a:rPr lang="en-GB" sz="1400" spc="300">
+                <a:solidFill>
+                  <a:srgbClr val="0070C0"/>
+                </a:solidFill>
+                <a:latin typeface="Bahnschrift SemiLight" panose="020B0502040204020203" pitchFamily="34" charset="0"/>
+              </a:rPr>
+              <a:t>Lambda</a:t>
+            </a:r>
+            <a:r>
+              <a:rPr lang="en-GB" sz="1400" spc="300">
+                <a:latin typeface="Bahnschrift SemiLight" panose="020B0502040204020203" pitchFamily="34" charset="0"/>
+              </a:rPr>
+              <a:t>)}</a:t>
+            </a:r>
+          </a:p>
+          <a:p>
+            <a:r>
+              <a:rPr lang="en-GB" sz="1400" spc="300">
+                <a:latin typeface="Bahnschrift SemiLight" panose="020B0502040204020203" pitchFamily="34" charset="0"/>
+              </a:rPr>
+              <a:t>viz(Poisson({mu:</a:t>
+            </a:r>
+            <a:r>
+              <a:rPr lang="en-GB" sz="1400" spc="300">
+                <a:solidFill>
+                  <a:srgbClr val="0070C0"/>
+                </a:solidFill>
+                <a:latin typeface="Bahnschrift SemiLight" panose="020B0502040204020203" pitchFamily="34" charset="0"/>
+              </a:rPr>
+              <a:t>Lambda</a:t>
+            </a:r>
+            <a:r>
+              <a:rPr lang="en-GB" sz="1400" spc="300">
+                <a:latin typeface="Bahnschrift SemiLight" panose="020B0502040204020203" pitchFamily="34" charset="0"/>
+              </a:rPr>
+              <a:t>}))</a:t>
+            </a:r>
+          </a:p>
+          <a:p>
+            <a:r>
+              <a:rPr lang="en-GB" sz="1400" spc="300">
+                <a:latin typeface="Bahnschrift SemiLight" panose="020B0502040204020203" pitchFamily="34" charset="0"/>
+              </a:rPr>
+              <a:t>viz(Infer({method:</a:t>
+            </a:r>
+            <a:r>
+              <a:rPr lang="en-GB" sz="1400" spc="300">
+                <a:solidFill>
+                  <a:srgbClr val="C00000"/>
+                </a:solidFill>
+                <a:latin typeface="Bahnschrift SemiLight" panose="020B0502040204020203" pitchFamily="34" charset="0"/>
+              </a:rPr>
+              <a:t>'rejection',</a:t>
+            </a:r>
+            <a:r>
+              <a:rPr lang="en-GB" sz="1400" spc="300">
+                <a:latin typeface="Bahnschrift SemiLight" panose="020B0502040204020203" pitchFamily="34" charset="0"/>
+              </a:rPr>
+              <a:t>samples:</a:t>
+            </a:r>
+            <a:r>
+              <a:rPr lang="en-GB" sz="1400" spc="300">
+                <a:solidFill>
+                  <a:schemeClr val="accent6">
+                    <a:lumMod val="50000"/>
+                  </a:schemeClr>
+                </a:solidFill>
+                <a:latin typeface="Bahnschrift SemiLight" panose="020B0502040204020203" pitchFamily="34" charset="0"/>
+              </a:rPr>
+              <a:t>100000</a:t>
+            </a:r>
+            <a:r>
+              <a:rPr lang="en-GB" sz="1400" spc="300">
+                <a:latin typeface="Bahnschrift SemiLight" panose="020B0502040204020203" pitchFamily="34" charset="0"/>
+              </a:rPr>
+              <a:t>},p))</a:t>
+            </a:r>
+          </a:p>
+        </p:txBody>
+      </p:sp>
+      <p:pic>
+        <p:nvPicPr>
+          <p:cNvPr id="29" name="Picture 28" descr="Icon&#10;&#10;Description automatically generated">
+            <a:extLst>
+              <a:ext uri="{FF2B5EF4-FFF2-40B4-BE49-F238E27FC236}">
+                <a16:creationId xmlns:a16="http://schemas.microsoft.com/office/drawing/2014/main" id="{3631EAFB-6919-4FBD-863B-9A97CD987265}"/>
+              </a:ext>
+            </a:extLst>
+          </p:cNvPr>
+          <p:cNvPicPr>
+            <a:picLocks noChangeAspect="1"/>
+          </p:cNvPicPr>
+          <p:nvPr/>
+        </p:nvPicPr>
+        <p:blipFill>
+          <a:blip r:embed="rId4">
+            <a:extLst>
+              <a:ext uri="{28A0092B-C50C-407E-A947-70E740481C1C}">
+                <a14:useLocalDpi xmlns:a14="http://schemas.microsoft.com/office/drawing/2010/main" val="0"/>
+              </a:ext>
+            </a:extLst>
+          </a:blip>
+          <a:stretch>
+            <a:fillRect/>
+          </a:stretch>
+        </p:blipFill>
+        <p:spPr>
+          <a:xfrm>
+            <a:off x="369223" y="364134"/>
+            <a:ext cx="1770855" cy="883219"/>
+          </a:xfrm>
+          <a:prstGeom prst="rect">
+            <a:avLst/>
+          </a:prstGeom>
+        </p:spPr>
+      </p:pic>
+    </p:spTree>
+    <p:extLst>
+      <p:ext uri="{BB962C8B-B14F-4D97-AF65-F5344CB8AC3E}">
+        <p14:creationId xmlns:p14="http://schemas.microsoft.com/office/powerpoint/2010/main" val="2634440952"/>
+      </p:ext>
+    </p:extLst>
+  </p:cSld>
+  <p:clrMapOvr>
+    <a:overrideClrMapping bg1="dk1" tx1="lt1" bg2="dk2" tx2="lt2" accent1="accent1" accent2="accent2" accent3="accent3" accent4="accent4" accent5="accent5" accent6="accent6" hlink="hlink" folHlink="folHlink"/>
+  </p:clrMapOvr>
+</p:sld>
+</file>
+
+<file path=ppt/slides/slide6.xml><?xml version="1.0" encoding="utf-8"?>
 <p:sld xmlns:a="http://schemas.openxmlformats.org/drawingml/2006/main" xmlns:r="http://schemas.openxmlformats.org/officeDocument/2006/relationships" xmlns:p="http://schemas.openxmlformats.org/presentationml/2006/main">
   <p:cSld>
     <p:bg>
@@ -11237,8 +13747,226 @@
                       <a:schemeClr val="bg1"/>
                     </a:solidFill>
                   </a:rPr>
-                  <a:t> </a:t>
+                  <a:t> , </a:t>
                 </a:r>
+                <a14:m>
+                  <m:oMath xmlns:m="http://schemas.openxmlformats.org/officeDocument/2006/math">
+                    <m:r>
+                      <a:rPr lang="en-US" sz="2000" i="1">
+                        <a:solidFill>
+                          <a:srgbClr val="FFFFFF"/>
+                        </a:solidFill>
+                        <a:latin typeface="Cambria Math" panose="02040503050406030204" pitchFamily="18" charset="0"/>
+                        <a:cs typeface="Calibri"/>
+                      </a:rPr>
+                      <m:t>𝑃</m:t>
+                    </m:r>
+                    <m:d>
+                      <m:dPr>
+                        <m:ctrlPr>
+                          <a:rPr lang="en-US" sz="2000" i="1">
+                            <a:solidFill>
+                              <a:srgbClr val="FFFFFF"/>
+                            </a:solidFill>
+                            <a:latin typeface="Cambria Math" panose="02040503050406030204" pitchFamily="18" charset="0"/>
+                            <a:cs typeface="Calibri"/>
+                          </a:rPr>
+                        </m:ctrlPr>
+                      </m:dPr>
+                      <m:e>
+                        <m:r>
+                          <a:rPr lang="en-US" sz="2000" i="1">
+                            <a:solidFill>
+                              <a:srgbClr val="FFFFFF"/>
+                            </a:solidFill>
+                            <a:latin typeface="Cambria Math" panose="02040503050406030204" pitchFamily="18" charset="0"/>
+                            <a:cs typeface="Calibri"/>
+                          </a:rPr>
+                          <m:t>𝑋</m:t>
+                        </m:r>
+                        <m:r>
+                          <a:rPr lang="en-US" sz="2000" i="1">
+                            <a:solidFill>
+                              <a:srgbClr val="FFFFFF"/>
+                            </a:solidFill>
+                            <a:latin typeface="Cambria Math" panose="02040503050406030204" pitchFamily="18" charset="0"/>
+                            <a:cs typeface="Calibri"/>
+                          </a:rPr>
+                          <m:t>=6</m:t>
+                        </m:r>
+                      </m:e>
+                    </m:d>
+                    <m:r>
+                      <a:rPr lang="en-US" sz="2000" i="1">
+                        <a:solidFill>
+                          <a:srgbClr val="FFFFFF"/>
+                        </a:solidFill>
+                        <a:latin typeface="Cambria Math" panose="02040503050406030204" pitchFamily="18" charset="0"/>
+                        <a:cs typeface="Calibri"/>
+                      </a:rPr>
+                      <m:t>=</m:t>
+                    </m:r>
+                    <m:f>
+                      <m:fPr>
+                        <m:ctrlPr>
+                          <a:rPr lang="en-US" sz="2000" i="1">
+                            <a:solidFill>
+                              <a:srgbClr val="FFFFFF"/>
+                            </a:solidFill>
+                            <a:latin typeface="Cambria Math" panose="02040503050406030204" pitchFamily="18" charset="0"/>
+                            <a:cs typeface="Calibri"/>
+                          </a:rPr>
+                        </m:ctrlPr>
+                      </m:fPr>
+                      <m:num>
+                        <m:sSup>
+                          <m:sSupPr>
+                            <m:ctrlPr>
+                              <a:rPr lang="en-US" sz="2000" i="1">
+                                <a:solidFill>
+                                  <a:srgbClr val="FFFFFF"/>
+                                </a:solidFill>
+                                <a:latin typeface="Cambria Math" panose="02040503050406030204" pitchFamily="18" charset="0"/>
+                                <a:cs typeface="Calibri"/>
+                              </a:rPr>
+                            </m:ctrlPr>
+                          </m:sSupPr>
+                          <m:e>
+                            <m:r>
+                              <a:rPr lang="en-US" sz="2000" i="1">
+                                <a:solidFill>
+                                  <a:srgbClr val="FFFFFF"/>
+                                </a:solidFill>
+                                <a:latin typeface="Cambria Math" panose="02040503050406030204" pitchFamily="18" charset="0"/>
+                                <a:cs typeface="Calibri"/>
+                              </a:rPr>
+                              <m:t>𝑒</m:t>
+                            </m:r>
+                          </m:e>
+                          <m:sup>
+                            <m:r>
+                              <a:rPr lang="en-US" sz="2000" i="1">
+                                <a:solidFill>
+                                  <a:srgbClr val="FFFFFF"/>
+                                </a:solidFill>
+                                <a:latin typeface="Cambria Math" panose="02040503050406030204" pitchFamily="18" charset="0"/>
+                                <a:cs typeface="Calibri"/>
+                              </a:rPr>
+                              <m:t>−</m:t>
+                            </m:r>
+                            <m:r>
+                              <a:rPr lang="en-US" sz="2000" b="0" i="1" smtClean="0">
+                                <a:solidFill>
+                                  <a:srgbClr val="FFFFFF"/>
+                                </a:solidFill>
+                                <a:latin typeface="Cambria Math" panose="02040503050406030204" pitchFamily="18" charset="0"/>
+                                <a:cs typeface="Calibri"/>
+                              </a:rPr>
+                              <m:t>10</m:t>
+                            </m:r>
+                          </m:sup>
+                        </m:sSup>
+                        <m:r>
+                          <a:rPr lang="en-US" sz="2000" i="1">
+                            <a:solidFill>
+                              <a:srgbClr val="FFFFFF"/>
+                            </a:solidFill>
+                            <a:latin typeface="Cambria Math" panose="02040503050406030204" pitchFamily="18" charset="0"/>
+                            <a:cs typeface="Calibri"/>
+                          </a:rPr>
+                          <m:t> </m:t>
+                        </m:r>
+                        <m:sSup>
+                          <m:sSupPr>
+                            <m:ctrlPr>
+                              <a:rPr lang="en-US" sz="2000" i="1">
+                                <a:solidFill>
+                                  <a:srgbClr val="FFFFFF"/>
+                                </a:solidFill>
+                                <a:latin typeface="Cambria Math" panose="02040503050406030204" pitchFamily="18" charset="0"/>
+                                <a:cs typeface="Calibri"/>
+                              </a:rPr>
+                            </m:ctrlPr>
+                          </m:sSupPr>
+                          <m:e>
+                            <m:r>
+                              <a:rPr lang="en-US" sz="2000" b="0" i="1" smtClean="0">
+                                <a:solidFill>
+                                  <a:srgbClr val="FFFFFF"/>
+                                </a:solidFill>
+                                <a:latin typeface="Cambria Math" panose="02040503050406030204" pitchFamily="18" charset="0"/>
+                                <a:cs typeface="Calibri"/>
+                              </a:rPr>
+                              <m:t>10</m:t>
+                            </m:r>
+                          </m:e>
+                          <m:sup>
+                            <m:r>
+                              <a:rPr lang="en-US" sz="2000" b="0" i="1" smtClean="0">
+                                <a:solidFill>
+                                  <a:srgbClr val="FFFFFF"/>
+                                </a:solidFill>
+                                <a:latin typeface="Cambria Math" panose="02040503050406030204" pitchFamily="18" charset="0"/>
+                                <a:cs typeface="Calibri"/>
+                              </a:rPr>
+                              <m:t>6</m:t>
+                            </m:r>
+                          </m:sup>
+                        </m:sSup>
+                      </m:num>
+                      <m:den>
+                        <m:r>
+                          <a:rPr lang="en-US" sz="2000" b="0" i="1" smtClean="0">
+                            <a:solidFill>
+                              <a:srgbClr val="FFFFFF"/>
+                            </a:solidFill>
+                            <a:latin typeface="Cambria Math" panose="02040503050406030204" pitchFamily="18" charset="0"/>
+                            <a:cs typeface="Calibri"/>
+                          </a:rPr>
+                          <m:t>6</m:t>
+                        </m:r>
+                        <m:r>
+                          <a:rPr lang="en-US" sz="2000" i="1">
+                            <a:solidFill>
+                              <a:srgbClr val="FFFFFF"/>
+                            </a:solidFill>
+                            <a:latin typeface="Cambria Math" panose="02040503050406030204" pitchFamily="18" charset="0"/>
+                            <a:cs typeface="Calibri"/>
+                          </a:rPr>
+                          <m:t>!</m:t>
+                        </m:r>
+                      </m:den>
+                    </m:f>
+                    <m:r>
+                      <a:rPr lang="en-US" sz="2000" b="0" i="1" smtClean="0">
+                        <a:solidFill>
+                          <a:srgbClr val="FFFFFF"/>
+                        </a:solidFill>
+                        <a:latin typeface="Cambria Math" panose="02040503050406030204" pitchFamily="18" charset="0"/>
+                        <a:cs typeface="Calibri"/>
+                      </a:rPr>
+                      <m:t>=0.063</m:t>
+                    </m:r>
+                  </m:oMath>
+                </a14:m>
+                <a:r>
+                  <a:rPr lang="en-US" sz="2000">
+                    <a:solidFill>
+                      <a:schemeClr val="bg1"/>
+                    </a:solidFill>
+                  </a:rPr>
+                  <a:t>  </a:t>
+                </a:r>
+              </a:p>
+              <a:p>
+                <a:pPr marL="0" indent="0">
+                  <a:buNone/>
+                </a:pPr>
+                <a:endParaRPr lang="en-US" sz="2000">
+                  <a:solidFill>
+                    <a:schemeClr val="bg1"/>
+                  </a:solidFill>
+                </a:endParaRPr>
               </a:p>
             </p:txBody>
           </p:sp>
@@ -11268,7 +13996,7 @@
               <a:blipFill>
                 <a:blip r:embed="rId2"/>
                 <a:stretch>
-                  <a:fillRect l="-348" t="-11667"/>
+                  <a:fillRect l="-348" t="-11667" b="-3333"/>
                 </a:stretch>
               </a:blipFill>
             </p:spPr>
@@ -11414,7 +14142,7 @@
           <a:p>
             <a:fld id="{4310B044-6F84-4299-A58B-8057292127B9}" type="slidenum">
               <a:rPr lang="en-GB" smtClean="0"/>
-              <a:t>5</a:t>
+              <a:t>6</a:t>
             </a:fld>
             <a:endParaRPr lang="en-GB"/>
           </a:p>
@@ -11433,7 +14161,7 @@
 </p:sld>
 </file>
 
-<file path=ppt/slides/slide6.xml><?xml version="1.0" encoding="utf-8"?>
+<file path=ppt/slides/slide7.xml><?xml version="1.0" encoding="utf-8"?>
 <p:sld xmlns:a="http://schemas.openxmlformats.org/drawingml/2006/main" xmlns:r="http://schemas.openxmlformats.org/officeDocument/2006/relationships" xmlns:p="http://schemas.openxmlformats.org/presentationml/2006/main">
   <p:cSld>
     <p:bg>
@@ -12795,7 +15523,7 @@
           <a:p>
             <a:fld id="{4310B044-6F84-4299-A58B-8057292127B9}" type="slidenum">
               <a:rPr lang="en-GB" smtClean="0"/>
-              <a:t>6</a:t>
+              <a:t>7</a:t>
             </a:fld>
             <a:endParaRPr lang="en-GB"/>
           </a:p>
@@ -12814,7 +15542,7 @@
 </p:sld>
 </file>
 
-<file path=ppt/slides/slide7.xml><?xml version="1.0" encoding="utf-8"?>
+<file path=ppt/slides/slide8.xml><?xml version="1.0" encoding="utf-8"?>
 <p:sld xmlns:a="http://schemas.openxmlformats.org/drawingml/2006/main" xmlns:r="http://schemas.openxmlformats.org/officeDocument/2006/relationships" xmlns:p="http://schemas.openxmlformats.org/presentationml/2006/main">
   <p:cSld>
     <p:bg>
@@ -13204,7 +15932,7 @@
             </p:nvSpPr>
             <p:spPr>
               <a:xfrm>
-                <a:off x="838200" y="2191807"/>
+                <a:off x="838200" y="2182282"/>
                 <a:ext cx="4936067" cy="3985155"/>
               </a:xfrm>
             </p:spPr>
@@ -13728,13 +16456,13 @@
             </p:nvSpPr>
             <p:spPr>
               <a:xfrm>
-                <a:off x="838200" y="2191807"/>
+                <a:off x="838200" y="2182282"/>
                 <a:ext cx="4936067" cy="3985155"/>
               </a:xfrm>
               <a:blipFill>
                 <a:blip r:embed="rId2"/>
                 <a:stretch>
-                  <a:fillRect l="-1112" t="-1685"/>
+                  <a:fillRect l="-1112" t="-1682"/>
                 </a:stretch>
               </a:blipFill>
             </p:spPr>
@@ -13848,7 +16576,7 @@
           <a:p>
             <a:fld id="{4310B044-6F84-4299-A58B-8057292127B9}" type="slidenum">
               <a:rPr lang="en-GB" smtClean="0"/>
-              <a:t>7</a:t>
+              <a:t>8</a:t>
             </a:fld>
             <a:endParaRPr lang="en-GB"/>
           </a:p>
@@ -13867,9 +16595,17 @@
 </p:sld>
 </file>
 
-<file path=ppt/slides/slide8.xml><?xml version="1.0" encoding="utf-8"?>
+<file path=ppt/slides/slide9.xml><?xml version="1.0" encoding="utf-8"?>
 <p:sld xmlns:a="http://schemas.openxmlformats.org/drawingml/2006/main" xmlns:r="http://schemas.openxmlformats.org/officeDocument/2006/relationships" xmlns:p="http://schemas.openxmlformats.org/presentationml/2006/main">
   <p:cSld>
+    <p:bg>
+      <p:bgPr>
+        <a:solidFill>
+          <a:schemeClr val="bg1"/>
+        </a:solidFill>
+        <a:effectLst/>
+      </p:bgPr>
+    </p:bg>
     <p:spTree>
       <p:nvGrpSpPr>
         <p:cNvPr id="1" name=""/>
@@ -13886,28 +16622,101 @@
       </p:grpSpPr>
       <p:sp>
         <p:nvSpPr>
-          <p:cNvPr id="17" name="Rectangle 16">
+          <p:cNvPr id="34" name="Rectangle 33">
             <a:extLst>
               <a:ext uri="{FF2B5EF4-FFF2-40B4-BE49-F238E27FC236}">
-                <a16:creationId xmlns:a16="http://schemas.microsoft.com/office/drawing/2014/main" id="{4191F4AB-111F-4576-9964-19906185D7B6}"/>
+                <a16:creationId xmlns:a16="http://schemas.microsoft.com/office/drawing/2014/main" id="{C7FA33FF-088D-4F16-95A2-2C64D353DEA8}"/>
+              </a:ext>
+              <a:ext uri="{C183D7F6-B498-43B3-948B-1728B52AA6E4}">
+                <adec:decorative xmlns:adec="http://schemas.microsoft.com/office/drawing/2017/decorative" val="1"/>
               </a:ext>
             </a:extLst>
           </p:cNvPr>
-          <p:cNvSpPr/>
-          <p:nvPr/>
+          <p:cNvSpPr>
+            <a:spLocks noGrp="1" noRot="1" noChangeAspect="1" noMove="1" noResize="1" noEditPoints="1" noAdjustHandles="1" noChangeArrowheads="1" noChangeShapeType="1" noTextEdit="1"/>
+          </p:cNvSpPr>
+          <p:nvPr>
+            <p:extLst>
+              <p:ext uri="{386F3935-93C4-4BCD-93E2-E3B085C9AB24}">
+                <p16:designElem xmlns:p16="http://schemas.microsoft.com/office/powerpoint/2015/main" val="1"/>
+              </p:ext>
+            </p:extLst>
+          </p:nvPr>
         </p:nvSpPr>
         <p:spPr>
           <a:xfrm>
-            <a:off x="0" y="0"/>
-            <a:ext cx="12192000" cy="2429301"/>
+            <a:off x="3048" y="0"/>
+            <a:ext cx="12188952" cy="6858000"/>
           </a:xfrm>
           <a:prstGeom prst="rect">
             <a:avLst/>
           </a:prstGeom>
           <a:solidFill>
-            <a:schemeClr val="tx1">
-              <a:lumMod val="75000"/>
-              <a:lumOff val="25000"/>
+            <a:schemeClr val="tx1"/>
+          </a:solidFill>
+          <a:ln>
+            <a:noFill/>
+          </a:ln>
+        </p:spPr>
+        <p:style>
+          <a:lnRef idx="2">
+            <a:schemeClr val="accent1">
+              <a:shade val="50000"/>
+            </a:schemeClr>
+          </a:lnRef>
+          <a:fillRef idx="1">
+            <a:schemeClr val="accent1"/>
+          </a:fillRef>
+          <a:effectRef idx="0">
+            <a:schemeClr val="accent1"/>
+          </a:effectRef>
+          <a:fontRef idx="minor">
+            <a:schemeClr val="lt1"/>
+          </a:fontRef>
+        </p:style>
+        <p:txBody>
+          <a:bodyPr rtlCol="0" anchor="ctr"/>
+          <a:lstStyle/>
+          <a:p>
+            <a:pPr algn="ctr"/>
+            <a:endParaRPr lang="en-US"/>
+          </a:p>
+        </p:txBody>
+      </p:sp>
+      <p:sp>
+        <p:nvSpPr>
+          <p:cNvPr id="36" name="Rectangle 35">
+            <a:extLst>
+              <a:ext uri="{FF2B5EF4-FFF2-40B4-BE49-F238E27FC236}">
+                <a16:creationId xmlns:a16="http://schemas.microsoft.com/office/drawing/2014/main" id="{A376EFB1-01CF-419F-ABF1-2AF02BBFCBD1}"/>
+              </a:ext>
+              <a:ext uri="{C183D7F6-B498-43B3-948B-1728B52AA6E4}">
+                <adec:decorative xmlns:adec="http://schemas.microsoft.com/office/drawing/2017/decorative" val="1"/>
+              </a:ext>
+            </a:extLst>
+          </p:cNvPr>
+          <p:cNvSpPr>
+            <a:spLocks noGrp="1" noRot="1" noChangeAspect="1" noMove="1" noResize="1" noEditPoints="1" noAdjustHandles="1" noChangeArrowheads="1" noChangeShapeType="1" noTextEdit="1"/>
+          </p:cNvSpPr>
+          <p:nvPr>
+            <p:extLst>
+              <p:ext uri="{386F3935-93C4-4BCD-93E2-E3B085C9AB24}">
+                <p16:designElem xmlns:p16="http://schemas.microsoft.com/office/powerpoint/2015/main" val="1"/>
+              </p:ext>
+            </p:extLst>
+          </p:nvPr>
+        </p:nvSpPr>
+        <p:spPr>
+          <a:xfrm>
+            <a:off x="-1" y="0"/>
+            <a:ext cx="6464595" cy="6858000"/>
+          </a:xfrm>
+          <a:prstGeom prst="rect">
+            <a:avLst/>
+          </a:prstGeom>
+          <a:solidFill>
+            <a:schemeClr val="bg1">
+              <a:alpha val="81000"/>
             </a:schemeClr>
           </a:solidFill>
           <a:ln>
@@ -13935,240 +16744,16 @@
           <a:lstStyle/>
           <a:p>
             <a:pPr algn="ctr"/>
-            <a:endParaRPr lang="en-GB"/>
+            <a:endParaRPr lang="en-US"/>
           </a:p>
         </p:txBody>
       </p:sp>
       <p:sp>
         <p:nvSpPr>
-          <p:cNvPr id="2" name="Title 1">
+          <p:cNvPr id="38" name="Freeform: Shape 37">
             <a:extLst>
               <a:ext uri="{FF2B5EF4-FFF2-40B4-BE49-F238E27FC236}">
-                <a16:creationId xmlns:a16="http://schemas.microsoft.com/office/drawing/2014/main" id="{3521A686-2A8F-44AB-9FFA-739C74C1E6F6}"/>
-              </a:ext>
-            </a:extLst>
-          </p:cNvPr>
-          <p:cNvSpPr>
-            <a:spLocks noGrp="1"/>
-          </p:cNvSpPr>
-          <p:nvPr>
-            <p:ph type="title"/>
-          </p:nvPr>
-        </p:nvSpPr>
-        <p:spPr/>
-        <p:txBody>
-          <a:bodyPr>
-            <a:normAutofit/>
-          </a:bodyPr>
-          <a:lstStyle/>
-          <a:p>
-            <a:r>
-              <a:rPr lang="en-GB" sz="5400">
-                <a:solidFill>
-                  <a:schemeClr val="bg1"/>
-                </a:solidFill>
-                <a:cs typeface="Calibri Light"/>
-              </a:rPr>
-              <a:t>Fila da Caixa do </a:t>
-            </a:r>
-            <a:r>
-              <a:rPr lang="en-GB" sz="5400" err="1">
-                <a:solidFill>
-                  <a:schemeClr val="bg1"/>
-                </a:solidFill>
-                <a:cs typeface="Calibri Light"/>
-              </a:rPr>
-              <a:t>Continente</a:t>
-            </a:r>
-            <a:endParaRPr lang="en-GB" sz="5400">
-              <a:solidFill>
-                <a:schemeClr val="bg1"/>
-              </a:solidFill>
-              <a:cs typeface="Calibri Light"/>
-            </a:endParaRPr>
-          </a:p>
-        </p:txBody>
-      </p:sp>
-      <p:pic>
-        <p:nvPicPr>
-          <p:cNvPr id="7" name="Imagem 7">
-            <a:extLst>
-              <a:ext uri="{FF2B5EF4-FFF2-40B4-BE49-F238E27FC236}">
-                <a16:creationId xmlns:a16="http://schemas.microsoft.com/office/drawing/2014/main" id="{BABBFE0C-6DB8-4D5C-8B4A-46A566D9BD09}"/>
-              </a:ext>
-            </a:extLst>
-          </p:cNvPr>
-          <p:cNvPicPr>
-            <a:picLocks noGrp="1" noChangeAspect="1"/>
-          </p:cNvPicPr>
-          <p:nvPr>
-            <p:ph idx="1"/>
-          </p:nvPr>
-        </p:nvPicPr>
-        <p:blipFill>
-          <a:blip r:embed="rId2"/>
-          <a:stretch>
-            <a:fillRect/>
-          </a:stretch>
-        </p:blipFill>
-        <p:spPr>
-          <a:xfrm>
-            <a:off x="3505935" y="2569240"/>
-            <a:ext cx="5104665" cy="3787110"/>
-          </a:xfrm>
-        </p:spPr>
-      </p:pic>
-      <p:sp>
-        <p:nvSpPr>
-          <p:cNvPr id="5" name="Slide Number Placeholder 4">
-            <a:extLst>
-              <a:ext uri="{FF2B5EF4-FFF2-40B4-BE49-F238E27FC236}">
-                <a16:creationId xmlns:a16="http://schemas.microsoft.com/office/drawing/2014/main" id="{7C805288-A220-4E73-A110-85396D51526E}"/>
-              </a:ext>
-            </a:extLst>
-          </p:cNvPr>
-          <p:cNvSpPr>
-            <a:spLocks noGrp="1"/>
-          </p:cNvSpPr>
-          <p:nvPr>
-            <p:ph type="sldNum" sz="quarter" idx="12"/>
-          </p:nvPr>
-        </p:nvSpPr>
-        <p:spPr/>
-        <p:txBody>
-          <a:bodyPr/>
-          <a:lstStyle/>
-          <a:p>
-            <a:fld id="{4310B044-6F84-4299-A58B-8057292127B9}" type="slidenum">
-              <a:rPr lang="en-GB" smtClean="0"/>
-              <a:t>8</a:t>
-            </a:fld>
-            <a:endParaRPr lang="en-GB"/>
-          </a:p>
-        </p:txBody>
-      </p:sp>
-      <p:sp>
-        <p:nvSpPr>
-          <p:cNvPr id="3" name="CaixaDeTexto 2">
-            <a:extLst>
-              <a:ext uri="{FF2B5EF4-FFF2-40B4-BE49-F238E27FC236}">
-                <a16:creationId xmlns:a16="http://schemas.microsoft.com/office/drawing/2014/main" id="{8D8E753A-5D4A-4E9D-8650-BAD1F8D1FC30}"/>
-              </a:ext>
-            </a:extLst>
-          </p:cNvPr>
-          <p:cNvSpPr txBox="1"/>
-          <p:nvPr/>
-        </p:nvSpPr>
-        <p:spPr>
-          <a:xfrm>
-            <a:off x="913752" y="1580863"/>
-            <a:ext cx="10115550" cy="584775"/>
-          </a:xfrm>
-          <a:prstGeom prst="rect">
-            <a:avLst/>
-          </a:prstGeom>
-          <a:noFill/>
-        </p:spPr>
-        <p:txBody>
-          <a:bodyPr rot="0" spcFirstLastPara="0" vertOverflow="overflow" horzOverflow="overflow" vert="horz" wrap="square" lIns="91440" tIns="45720" rIns="91440" bIns="45720" numCol="1" spcCol="0" rtlCol="0" fromWordArt="0" anchor="t" anchorCtr="0" forceAA="0" compatLnSpc="1">
-            <a:prstTxWarp prst="textNoShape">
-              <a:avLst/>
-            </a:prstTxWarp>
-            <a:spAutoFit/>
-          </a:bodyPr>
-          <a:lstStyle/>
-          <a:p>
-            <a:r>
-              <a:rPr lang="pt-PT" sz="1600">
-                <a:solidFill>
-                  <a:schemeClr val="bg1"/>
-                </a:solidFill>
-              </a:rPr>
-              <a:t>Se na fila do continente estiverem 20 pessoas à nossa frente, e forem atendidas em média 10 pessoas por hora, quanto tempo vamos esperar até sermos atendidos?</a:t>
-            </a:r>
-          </a:p>
-        </p:txBody>
-      </p:sp>
-      <p:pic>
-        <p:nvPicPr>
-          <p:cNvPr id="18" name="Picture 17" descr="Icon&#10;&#10;Description automatically generated">
-            <a:extLst>
-              <a:ext uri="{FF2B5EF4-FFF2-40B4-BE49-F238E27FC236}">
-                <a16:creationId xmlns:a16="http://schemas.microsoft.com/office/drawing/2014/main" id="{5092D918-AA13-44E3-9009-08D1D7B0E761}"/>
-              </a:ext>
-            </a:extLst>
-          </p:cNvPr>
-          <p:cNvPicPr>
-            <a:picLocks noChangeAspect="1"/>
-          </p:cNvPicPr>
-          <p:nvPr/>
-        </p:nvPicPr>
-        <p:blipFill>
-          <a:blip r:embed="rId3">
-            <a:extLst>
-              <a:ext uri="{28A0092B-C50C-407E-A947-70E740481C1C}">
-                <a14:useLocalDpi xmlns:a14="http://schemas.microsoft.com/office/drawing/2010/main" val="0"/>
-              </a:ext>
-            </a:extLst>
-          </a:blip>
-          <a:stretch>
-            <a:fillRect/>
-          </a:stretch>
-        </p:blipFill>
-        <p:spPr>
-          <a:xfrm>
-            <a:off x="10015899" y="365125"/>
-            <a:ext cx="1770855" cy="883219"/>
-          </a:xfrm>
-          <a:prstGeom prst="rect">
-            <a:avLst/>
-          </a:prstGeom>
-        </p:spPr>
-      </p:pic>
-    </p:spTree>
-    <p:extLst>
-      <p:ext uri="{BB962C8B-B14F-4D97-AF65-F5344CB8AC3E}">
-        <p14:creationId xmlns:p14="http://schemas.microsoft.com/office/powerpoint/2010/main" val="3345648404"/>
-      </p:ext>
-    </p:extLst>
-  </p:cSld>
-  <p:clrMapOvr>
-    <a:masterClrMapping/>
-  </p:clrMapOvr>
-</p:sld>
-</file>
-
-<file path=ppt/slides/slide9.xml><?xml version="1.0" encoding="utf-8"?>
-<p:sld xmlns:a="http://schemas.openxmlformats.org/drawingml/2006/main" xmlns:r="http://schemas.openxmlformats.org/officeDocument/2006/relationships" xmlns:p="http://schemas.openxmlformats.org/presentationml/2006/main">
-  <p:cSld>
-    <p:bg>
-      <p:bgPr>
-        <a:solidFill>
-          <a:srgbClr val="404040"/>
-        </a:solidFill>
-        <a:effectLst/>
-      </p:bgPr>
-    </p:bg>
-    <p:spTree>
-      <p:nvGrpSpPr>
-        <p:cNvPr id="1" name=""/>
-        <p:cNvGrpSpPr/>
-        <p:nvPr/>
-      </p:nvGrpSpPr>
-      <p:grpSpPr>
-        <a:xfrm>
-          <a:off x="0" y="0"/>
-          <a:ext cx="0" cy="0"/>
-          <a:chOff x="0" y="0"/>
-          <a:chExt cx="0" cy="0"/>
-        </a:xfrm>
-      </p:grpSpPr>
-      <p:sp>
-        <p:nvSpPr>
-          <p:cNvPr id="18" name="Rectangle 17">
-            <a:extLst>
-              <a:ext uri="{FF2B5EF4-FFF2-40B4-BE49-F238E27FC236}">
-                <a16:creationId xmlns:a16="http://schemas.microsoft.com/office/drawing/2014/main" id="{EA67B5B4-3A24-436E-B663-1B2EBFF8A0CD}"/>
+                <a16:creationId xmlns:a16="http://schemas.microsoft.com/office/drawing/2014/main" id="{FF9DEA15-78BD-4750-AA18-B9F28A6D5AB8}"/>
               </a:ext>
               <a:ext uri="{C183D7F6-B498-43B3-948B-1728B52AA6E4}">
                 <adec:decorative xmlns:adec="http://schemas.microsoft.com/office/drawing/2017/decorative" val="1"/>
@@ -14188,82 +16773,19 @@
         </p:nvSpPr>
         <p:spPr>
           <a:xfrm>
-            <a:off x="0" y="-3324"/>
-            <a:ext cx="12192000" cy="6861324"/>
-          </a:xfrm>
-          <a:prstGeom prst="rect">
-            <a:avLst/>
-          </a:prstGeom>
-          <a:solidFill>
-            <a:srgbClr val="404040"/>
-          </a:solidFill>
-          <a:ln>
-            <a:noFill/>
-          </a:ln>
-        </p:spPr>
-        <p:style>
-          <a:lnRef idx="2">
-            <a:schemeClr val="accent1">
-              <a:shade val="50000"/>
-            </a:schemeClr>
-          </a:lnRef>
-          <a:fillRef idx="1">
-            <a:schemeClr val="accent1"/>
-          </a:fillRef>
-          <a:effectRef idx="0">
-            <a:schemeClr val="accent1"/>
-          </a:effectRef>
-          <a:fontRef idx="minor">
-            <a:schemeClr val="lt1"/>
-          </a:fontRef>
-        </p:style>
-        <p:txBody>
-          <a:bodyPr rtlCol="0" anchor="ctr"/>
-          <a:lstStyle/>
-          <a:p>
-            <a:pPr algn="ctr"/>
-            <a:endParaRPr lang="en-US"/>
-          </a:p>
-        </p:txBody>
-      </p:sp>
-      <p:sp>
-        <p:nvSpPr>
-          <p:cNvPr id="20" name="Freeform 13">
-            <a:extLst>
-              <a:ext uri="{FF2B5EF4-FFF2-40B4-BE49-F238E27FC236}">
-                <a16:creationId xmlns:a16="http://schemas.microsoft.com/office/drawing/2014/main" id="{987FDF89-C993-41F4-A1B8-DBAFF16008A9}"/>
-              </a:ext>
-              <a:ext uri="{C183D7F6-B498-43B3-948B-1728B52AA6E4}">
-                <adec:decorative xmlns:adec="http://schemas.microsoft.com/office/drawing/2017/decorative" val="1"/>
-              </a:ext>
-            </a:extLst>
-          </p:cNvPr>
-          <p:cNvSpPr>
-            <a:spLocks noGrp="1" noRot="1" noChangeAspect="1" noMove="1" noResize="1" noEditPoints="1" noAdjustHandles="1" noChangeArrowheads="1" noChangeShapeType="1" noTextEdit="1"/>
-          </p:cNvSpPr>
-          <p:nvPr>
-            <p:extLst>
-              <p:ext uri="{386F3935-93C4-4BCD-93E2-E3B085C9AB24}">
-                <p16:designElem xmlns:p16="http://schemas.microsoft.com/office/powerpoint/2015/main" val="1"/>
-              </p:ext>
-            </p:extLst>
-          </p:nvPr>
-        </p:nvSpPr>
-        <p:spPr>
-          <a:xfrm>
-            <a:off x="0" y="0"/>
-            <a:ext cx="11786754" cy="6858000"/>
+            <a:off x="-1" y="0"/>
+            <a:ext cx="4546337" cy="6858000"/>
           </a:xfrm>
           <a:custGeom>
             <a:avLst/>
             <a:gdLst>
-              <a:gd name="connsiteX0" fmla="*/ 0 w 11786754"/>
+              <a:gd name="connsiteX0" fmla="*/ 0 w 4319042"/>
               <a:gd name="connsiteY0" fmla="*/ 0 h 6858000"/>
-              <a:gd name="connsiteX1" fmla="*/ 8610600 w 11786754"/>
+              <a:gd name="connsiteX1" fmla="*/ 1142888 w 4319042"/>
               <a:gd name="connsiteY1" fmla="*/ 0 h 6858000"/>
-              <a:gd name="connsiteX2" fmla="*/ 11786754 w 11786754"/>
+              <a:gd name="connsiteX2" fmla="*/ 4319042 w 4319042"/>
               <a:gd name="connsiteY2" fmla="*/ 6858000 h 6858000"/>
-              <a:gd name="connsiteX3" fmla="*/ 0 w 11786754"/>
+              <a:gd name="connsiteX3" fmla="*/ 0 w 4319042"/>
               <a:gd name="connsiteY3" fmla="*/ 6858000 h 6858000"/>
             </a:gdLst>
             <a:ahLst/>
@@ -14283,15 +16805,15 @@
             </a:cxnLst>
             <a:rect l="l" t="t" r="r" b="b"/>
             <a:pathLst>
-              <a:path w="11786754" h="6858000">
+              <a:path w="4319042" h="6858000">
                 <a:moveTo>
                   <a:pt x="0" y="0"/>
                 </a:moveTo>
                 <a:lnTo>
-                  <a:pt x="8610600" y="0"/>
+                  <a:pt x="1142888" y="0"/>
                 </a:lnTo>
                 <a:lnTo>
-                  <a:pt x="11786754" y="6858000"/>
+                  <a:pt x="4319042" y="6858000"/>
                 </a:lnTo>
                 <a:lnTo>
                   <a:pt x="0" y="6858000"/>
@@ -14301,133 +16823,9 @@
             </a:pathLst>
           </a:custGeom>
           <a:solidFill>
-            <a:srgbClr val="000000">
-              <a:alpha val="29804"/>
-            </a:srgbClr>
-          </a:solidFill>
-          <a:ln>
-            <a:noFill/>
-          </a:ln>
-        </p:spPr>
-        <p:style>
-          <a:lnRef idx="2">
-            <a:schemeClr val="accent1">
-              <a:shade val="50000"/>
+            <a:schemeClr val="bg1">
+              <a:alpha val="35000"/>
             </a:schemeClr>
-          </a:lnRef>
-          <a:fillRef idx="1">
-            <a:schemeClr val="accent1"/>
-          </a:fillRef>
-          <a:effectRef idx="0">
-            <a:schemeClr val="accent1"/>
-          </a:effectRef>
-          <a:fontRef idx="minor">
-            <a:schemeClr val="lt1"/>
-          </a:fontRef>
-        </p:style>
-        <p:txBody>
-          <a:bodyPr rtlCol="0" anchor="ctr"/>
-          <a:lstStyle/>
-          <a:p>
-            <a:pPr algn="ctr"/>
-            <a:endParaRPr lang="en-US"/>
-          </a:p>
-        </p:txBody>
-      </p:sp>
-      <p:sp>
-        <p:nvSpPr>
-          <p:cNvPr id="22" name="Freeform: Shape 21">
-            <a:extLst>
-              <a:ext uri="{FF2B5EF4-FFF2-40B4-BE49-F238E27FC236}">
-                <a16:creationId xmlns:a16="http://schemas.microsoft.com/office/drawing/2014/main" id="{D1D7179B-FF7C-482F-B3D9-2BE9ED1139F9}"/>
-              </a:ext>
-              <a:ext uri="{C183D7F6-B498-43B3-948B-1728B52AA6E4}">
-                <adec:decorative xmlns:adec="http://schemas.microsoft.com/office/drawing/2017/decorative" val="1"/>
-              </a:ext>
-            </a:extLst>
-          </p:cNvPr>
-          <p:cNvSpPr>
-            <a:spLocks noGrp="1" noRot="1" noChangeAspect="1" noMove="1" noResize="1" noEditPoints="1" noAdjustHandles="1" noChangeArrowheads="1" noChangeShapeType="1" noTextEdit="1"/>
-          </p:cNvSpPr>
-          <p:nvPr>
-            <p:extLst>
-              <p:ext uri="{386F3935-93C4-4BCD-93E2-E3B085C9AB24}">
-                <p16:designElem xmlns:p16="http://schemas.microsoft.com/office/powerpoint/2015/main" val="1"/>
-              </p:ext>
-            </p:extLst>
-          </p:nvPr>
-        </p:nvSpPr>
-        <p:spPr>
-          <a:xfrm>
-            <a:off x="0" y="0"/>
-            <a:ext cx="6210300" cy="6858000"/>
-          </a:xfrm>
-          <a:custGeom>
-            <a:avLst/>
-            <a:gdLst>
-              <a:gd name="connsiteX0" fmla="*/ 0 w 6210300"/>
-              <a:gd name="connsiteY0" fmla="*/ 0 h 6858000"/>
-              <a:gd name="connsiteX1" fmla="*/ 2628900 w 6210300"/>
-              <a:gd name="connsiteY1" fmla="*/ 0 h 6858000"/>
-              <a:gd name="connsiteX2" fmla="*/ 3034146 w 6210300"/>
-              <a:gd name="connsiteY2" fmla="*/ 0 h 6858000"/>
-              <a:gd name="connsiteX3" fmla="*/ 6210300 w 6210300"/>
-              <a:gd name="connsiteY3" fmla="*/ 6858000 h 6858000"/>
-              <a:gd name="connsiteX4" fmla="*/ 2628900 w 6210300"/>
-              <a:gd name="connsiteY4" fmla="*/ 6858000 h 6858000"/>
-              <a:gd name="connsiteX5" fmla="*/ 0 w 6210300"/>
-              <a:gd name="connsiteY5" fmla="*/ 6858000 h 6858000"/>
-            </a:gdLst>
-            <a:ahLst/>
-            <a:cxnLst>
-              <a:cxn ang="0">
-                <a:pos x="connsiteX0" y="connsiteY0"/>
-              </a:cxn>
-              <a:cxn ang="0">
-                <a:pos x="connsiteX1" y="connsiteY1"/>
-              </a:cxn>
-              <a:cxn ang="0">
-                <a:pos x="connsiteX2" y="connsiteY2"/>
-              </a:cxn>
-              <a:cxn ang="0">
-                <a:pos x="connsiteX3" y="connsiteY3"/>
-              </a:cxn>
-              <a:cxn ang="0">
-                <a:pos x="connsiteX4" y="connsiteY4"/>
-              </a:cxn>
-              <a:cxn ang="0">
-                <a:pos x="connsiteX5" y="connsiteY5"/>
-              </a:cxn>
-            </a:cxnLst>
-            <a:rect l="l" t="t" r="r" b="b"/>
-            <a:pathLst>
-              <a:path w="6210300" h="6858000">
-                <a:moveTo>
-                  <a:pt x="0" y="0"/>
-                </a:moveTo>
-                <a:lnTo>
-                  <a:pt x="2628900" y="0"/>
-                </a:lnTo>
-                <a:lnTo>
-                  <a:pt x="3034146" y="0"/>
-                </a:lnTo>
-                <a:lnTo>
-                  <a:pt x="6210300" y="6858000"/>
-                </a:lnTo>
-                <a:lnTo>
-                  <a:pt x="2628900" y="6858000"/>
-                </a:lnTo>
-                <a:lnTo>
-                  <a:pt x="0" y="6858000"/>
-                </a:lnTo>
-                <a:close/>
-              </a:path>
-            </a:pathLst>
-          </a:custGeom>
-          <a:solidFill>
-            <a:srgbClr val="000000">
-              <a:alpha val="29804"/>
-            </a:srgbClr>
           </a:solidFill>
           <a:ln>
             <a:noFill/>
@@ -14460,12 +16858,452 @@
           </a:p>
         </p:txBody>
       </p:sp>
+      <p:pic>
+        <p:nvPicPr>
+          <p:cNvPr id="3" name="Imagem 4">
+            <a:extLst>
+              <a:ext uri="{FF2B5EF4-FFF2-40B4-BE49-F238E27FC236}">
+                <a16:creationId xmlns:a16="http://schemas.microsoft.com/office/drawing/2014/main" id="{13A608E0-9004-4876-BC13-1E71E7503EC1}"/>
+              </a:ext>
+            </a:extLst>
+          </p:cNvPr>
+          <p:cNvPicPr>
+            <a:picLocks noChangeAspect="1"/>
+          </p:cNvPicPr>
+          <p:nvPr/>
+        </p:nvPicPr>
+        <p:blipFill>
+          <a:blip r:embed="rId2"/>
+          <a:stretch>
+            <a:fillRect/>
+          </a:stretch>
+        </p:blipFill>
+        <p:spPr>
+          <a:xfrm>
+            <a:off x="7021741" y="484632"/>
+            <a:ext cx="2924556" cy="2770632"/>
+          </a:xfrm>
+          <a:prstGeom prst="rect">
+            <a:avLst/>
+          </a:prstGeom>
+        </p:spPr>
+      </p:pic>
+      <p:pic>
+        <p:nvPicPr>
+          <p:cNvPr id="5" name="Imagem 5">
+            <a:extLst>
+              <a:ext uri="{FF2B5EF4-FFF2-40B4-BE49-F238E27FC236}">
+                <a16:creationId xmlns:a16="http://schemas.microsoft.com/office/drawing/2014/main" id="{C30E284D-911E-45D4-960F-98332413A927}"/>
+              </a:ext>
+            </a:extLst>
+          </p:cNvPr>
+          <p:cNvPicPr>
+            <a:picLocks noChangeAspect="1"/>
+          </p:cNvPicPr>
+          <p:nvPr/>
+        </p:nvPicPr>
+        <p:blipFill>
+          <a:blip r:embed="rId3"/>
+          <a:stretch>
+            <a:fillRect/>
+          </a:stretch>
+        </p:blipFill>
+        <p:spPr>
+          <a:xfrm>
+            <a:off x="7021741" y="3447287"/>
+            <a:ext cx="3030903" cy="2770632"/>
+          </a:xfrm>
+          <a:prstGeom prst="rect">
+            <a:avLst/>
+          </a:prstGeom>
+        </p:spPr>
+      </p:pic>
       <p:sp>
         <p:nvSpPr>
-          <p:cNvPr id="2" name="Título 1">
+          <p:cNvPr id="4" name="Slide Number Placeholder 3">
             <a:extLst>
               <a:ext uri="{FF2B5EF4-FFF2-40B4-BE49-F238E27FC236}">
-                <a16:creationId xmlns:a16="http://schemas.microsoft.com/office/drawing/2014/main" id="{186B89F1-C910-4C9C-97C3-E4DD4C7AF7D4}"/>
+                <a16:creationId xmlns:a16="http://schemas.microsoft.com/office/drawing/2014/main" id="{1A3F950A-DED5-4E07-9C98-EA8DE6F125DD}"/>
+              </a:ext>
+            </a:extLst>
+          </p:cNvPr>
+          <p:cNvSpPr>
+            <a:spLocks noGrp="1"/>
+          </p:cNvSpPr>
+          <p:nvPr>
+            <p:ph type="sldNum" sz="quarter" idx="12"/>
+          </p:nvPr>
+        </p:nvSpPr>
+        <p:spPr>
+          <a:xfrm>
+            <a:off x="10260418" y="6356350"/>
+            <a:ext cx="1096429" cy="365125"/>
+          </a:xfrm>
+        </p:spPr>
+        <p:txBody>
+          <a:bodyPr vert="horz" lIns="91440" tIns="45720" rIns="91440" bIns="45720" rtlCol="0" anchor="ctr">
+            <a:normAutofit/>
+          </a:bodyPr>
+          <a:lstStyle/>
+          <a:p>
+            <a:pPr>
+              <a:spcAft>
+                <a:spcPts val="600"/>
+              </a:spcAft>
+            </a:pPr>
+            <a:fld id="{4310B044-6F84-4299-A58B-8057292127B9}" type="slidenum">
+              <a:rPr lang="en-US">
+                <a:solidFill>
+                  <a:schemeClr val="bg1">
+                    <a:alpha val="80000"/>
+                  </a:schemeClr>
+                </a:solidFill>
+              </a:rPr>
+              <a:pPr>
+                <a:spcAft>
+                  <a:spcPts val="600"/>
+                </a:spcAft>
+              </a:pPr>
+              <a:t>9</a:t>
+            </a:fld>
+            <a:endParaRPr lang="en-US">
+              <a:solidFill>
+                <a:schemeClr val="bg1">
+                  <a:alpha val="80000"/>
+                </a:schemeClr>
+              </a:solidFill>
+            </a:endParaRPr>
+          </a:p>
+        </p:txBody>
+      </p:sp>
+      <p:pic>
+        <p:nvPicPr>
+          <p:cNvPr id="29" name="Picture 28" descr="Icon&#10;&#10;Description automatically generated">
+            <a:extLst>
+              <a:ext uri="{FF2B5EF4-FFF2-40B4-BE49-F238E27FC236}">
+                <a16:creationId xmlns:a16="http://schemas.microsoft.com/office/drawing/2014/main" id="{3631EAFB-6919-4FBD-863B-9A97CD987265}"/>
+              </a:ext>
+            </a:extLst>
+          </p:cNvPr>
+          <p:cNvPicPr>
+            <a:picLocks noChangeAspect="1"/>
+          </p:cNvPicPr>
+          <p:nvPr/>
+        </p:nvPicPr>
+        <p:blipFill>
+          <a:blip r:embed="rId4">
+            <a:extLst>
+              <a:ext uri="{28A0092B-C50C-407E-A947-70E740481C1C}">
+                <a14:useLocalDpi xmlns:a14="http://schemas.microsoft.com/office/drawing/2010/main" val="0"/>
+              </a:ext>
+            </a:extLst>
+          </a:blip>
+          <a:stretch>
+            <a:fillRect/>
+          </a:stretch>
+        </p:blipFill>
+        <p:spPr>
+          <a:xfrm>
+            <a:off x="369223" y="364134"/>
+            <a:ext cx="1770855" cy="883219"/>
+          </a:xfrm>
+          <a:prstGeom prst="rect">
+            <a:avLst/>
+          </a:prstGeom>
+        </p:spPr>
+      </p:pic>
+      <p:sp>
+        <p:nvSpPr>
+          <p:cNvPr id="17" name="TextBox 16">
+            <a:extLst>
+              <a:ext uri="{FF2B5EF4-FFF2-40B4-BE49-F238E27FC236}">
+                <a16:creationId xmlns:a16="http://schemas.microsoft.com/office/drawing/2014/main" id="{ADA754F5-9E53-4676-91A5-559D1C084854}"/>
+              </a:ext>
+            </a:extLst>
+          </p:cNvPr>
+          <p:cNvSpPr txBox="1"/>
+          <p:nvPr/>
+        </p:nvSpPr>
+        <p:spPr>
+          <a:xfrm>
+            <a:off x="375614" y="2777999"/>
+            <a:ext cx="6199529" cy="1384995"/>
+          </a:xfrm>
+          <a:prstGeom prst="rect">
+            <a:avLst/>
+          </a:prstGeom>
+          <a:noFill/>
+        </p:spPr>
+        <p:txBody>
+          <a:bodyPr wrap="square" lIns="91440" tIns="45720" rIns="91440" bIns="45720" rtlCol="0" anchor="t">
+            <a:spAutoFit/>
+          </a:bodyPr>
+          <a:lstStyle/>
+          <a:p>
+            <a:r>
+              <a:rPr lang="en-GB" sz="1400" spc="300">
+                <a:solidFill>
+                  <a:srgbClr val="7030A0"/>
+                </a:solidFill>
+                <a:latin typeface="Bahnschrift Light SemiCondensed"/>
+              </a:rPr>
+              <a:t>var</a:t>
+            </a:r>
+            <a:r>
+              <a:rPr lang="en-GB" sz="1400" spc="300">
+                <a:latin typeface="Bahnschrift Light SemiCondensed"/>
+              </a:rPr>
+              <a:t> </a:t>
+            </a:r>
+            <a:r>
+              <a:rPr lang="en-GB" sz="1400" spc="300">
+                <a:solidFill>
+                  <a:srgbClr val="0070C0"/>
+                </a:solidFill>
+                <a:latin typeface="Bahnschrift Light SemiCondensed"/>
+              </a:rPr>
+              <a:t>Beta </a:t>
+            </a:r>
+            <a:r>
+              <a:rPr lang="en-GB" sz="1400" spc="300">
+                <a:latin typeface="Bahnschrift Light SemiCondensed"/>
+              </a:rPr>
+              <a:t>= 1/10</a:t>
+            </a:r>
+          </a:p>
+          <a:p>
+            <a:r>
+              <a:rPr lang="en-GB" sz="1400" spc="300">
+                <a:solidFill>
+                  <a:srgbClr val="7030A0"/>
+                </a:solidFill>
+                <a:latin typeface="Bahnschrift Light SemiCondensed"/>
+                <a:ea typeface="+mn-lt"/>
+                <a:cs typeface="+mn-lt"/>
+              </a:rPr>
+              <a:t>var</a:t>
+            </a:r>
+            <a:r>
+              <a:rPr lang="en-GB" sz="1400" spc="300">
+                <a:latin typeface="Bahnschrift Light SemiCondensed"/>
+                <a:ea typeface="+mn-lt"/>
+                <a:cs typeface="+mn-lt"/>
+              </a:rPr>
+              <a:t> </a:t>
+            </a:r>
+            <a:r>
+              <a:rPr lang="en-GB" sz="1400" spc="300">
+                <a:solidFill>
+                  <a:srgbClr val="0070C0"/>
+                </a:solidFill>
+                <a:latin typeface="Bahnschrift Light SemiCondensed"/>
+                <a:ea typeface="+mn-lt"/>
+                <a:cs typeface="+mn-lt"/>
+              </a:rPr>
+              <a:t>alpha </a:t>
+            </a:r>
+            <a:r>
+              <a:rPr lang="en-GB" sz="1400" spc="300">
+                <a:latin typeface="Bahnschrift Light SemiCondensed"/>
+                <a:ea typeface="+mn-lt"/>
+                <a:cs typeface="+mn-lt"/>
+              </a:rPr>
+              <a:t>= 20</a:t>
+            </a:r>
+            <a:endParaRPr lang="en-GB">
+              <a:latin typeface="Bahnschrift Light SemiCondensed"/>
+            </a:endParaRPr>
+          </a:p>
+          <a:p>
+            <a:r>
+              <a:rPr lang="en-GB" sz="1400" spc="300">
+                <a:solidFill>
+                  <a:srgbClr val="7030A0"/>
+                </a:solidFill>
+                <a:latin typeface="Bahnschrift SemiLight"/>
+              </a:rPr>
+              <a:t>var</a:t>
+            </a:r>
+            <a:r>
+              <a:rPr lang="en-GB" sz="1400" spc="300">
+                <a:latin typeface="Bahnschrift SemiLight"/>
+              </a:rPr>
+              <a:t> g</a:t>
+            </a:r>
+            <a:r>
+              <a:rPr lang="en-GB" sz="1400" spc="300">
+                <a:solidFill>
+                  <a:srgbClr val="0070C0"/>
+                </a:solidFill>
+                <a:latin typeface="Bahnschrift SemiLight"/>
+              </a:rPr>
+              <a:t> </a:t>
+            </a:r>
+            <a:r>
+              <a:rPr lang="en-GB" sz="1400" spc="300">
+                <a:latin typeface="Bahnschrift SemiLight"/>
+              </a:rPr>
+              <a:t>= </a:t>
+            </a:r>
+            <a:r>
+              <a:rPr lang="en-GB" sz="1400" spc="300">
+                <a:solidFill>
+                  <a:srgbClr val="7030A0"/>
+                </a:solidFill>
+                <a:latin typeface="Bahnschrift SemiLight"/>
+              </a:rPr>
+              <a:t>function</a:t>
+            </a:r>
+            <a:r>
+              <a:rPr lang="en-GB" sz="1400" spc="300">
+                <a:latin typeface="Bahnschrift SemiLight"/>
+              </a:rPr>
+              <a:t>(){</a:t>
+            </a:r>
+            <a:r>
+              <a:rPr lang="en-GB" sz="1400" spc="300">
+                <a:solidFill>
+                  <a:srgbClr val="7030A0"/>
+                </a:solidFill>
+                <a:latin typeface="Bahnschrift SemiLight"/>
+              </a:rPr>
+              <a:t>return</a:t>
+            </a:r>
+            <a:r>
+              <a:rPr lang="en-GB" sz="1400" spc="300">
+                <a:latin typeface="Bahnschrift SemiLight"/>
+              </a:rPr>
+              <a:t> gamma({</a:t>
+            </a:r>
+            <a:r>
+              <a:rPr lang="en-GB" sz="1400" spc="300" err="1">
+                <a:latin typeface="Bahnschrift SemiLight"/>
+              </a:rPr>
+              <a:t>shape:</a:t>
+            </a:r>
+            <a:r>
+              <a:rPr lang="en-GB" sz="1400" spc="300" err="1">
+                <a:solidFill>
+                  <a:srgbClr val="0070C0"/>
+                </a:solidFill>
+                <a:latin typeface="Bahnschrift SemiLight"/>
+              </a:rPr>
+              <a:t>alpha</a:t>
+            </a:r>
+            <a:r>
+              <a:rPr lang="en-GB" sz="1400" spc="300" err="1">
+                <a:latin typeface="Bahnschrift SemiLight"/>
+              </a:rPr>
+              <a:t>,scale:</a:t>
+            </a:r>
+            <a:r>
+              <a:rPr lang="en-GB" sz="1400" spc="300" err="1">
+                <a:solidFill>
+                  <a:srgbClr val="0070C0"/>
+                </a:solidFill>
+                <a:latin typeface="Bahnschrift SemiLight"/>
+              </a:rPr>
+              <a:t>beta</a:t>
+            </a:r>
+            <a:r>
+              <a:rPr lang="en-GB" sz="1400" spc="300">
+                <a:latin typeface="Bahnschrift SemiLight"/>
+              </a:rPr>
+              <a:t>})}</a:t>
+            </a:r>
+          </a:p>
+          <a:p>
+            <a:r>
+              <a:rPr lang="en-GB" sz="1400" spc="300">
+                <a:latin typeface="Bahnschrift SemiLight"/>
+              </a:rPr>
+              <a:t>viz(Gamma({</a:t>
+            </a:r>
+            <a:r>
+              <a:rPr lang="en-GB" sz="1400" spc="300" err="1">
+                <a:latin typeface="Bahnschrift SemiLight"/>
+              </a:rPr>
+              <a:t>shape:</a:t>
+            </a:r>
+            <a:r>
+              <a:rPr lang="en-GB" sz="1400" spc="300" err="1">
+                <a:solidFill>
+                  <a:srgbClr val="0070C0"/>
+                </a:solidFill>
+                <a:latin typeface="Bahnschrift SemiLight"/>
+              </a:rPr>
+              <a:t>alpha</a:t>
+            </a:r>
+            <a:r>
+              <a:rPr lang="en-GB" sz="1400" spc="300" err="1">
+                <a:latin typeface="Bahnschrift SemiLight"/>
+              </a:rPr>
+              <a:t>,scale:</a:t>
+            </a:r>
+            <a:r>
+              <a:rPr lang="en-GB" sz="1400" spc="300" err="1">
+                <a:solidFill>
+                  <a:srgbClr val="0070C0"/>
+                </a:solidFill>
+                <a:latin typeface="Bahnschrift SemiLight"/>
+              </a:rPr>
+              <a:t>beta</a:t>
+            </a:r>
+            <a:r>
+              <a:rPr lang="en-GB" sz="1400" spc="300">
+                <a:latin typeface="Bahnschrift SemiLight"/>
+              </a:rPr>
+              <a:t>}))</a:t>
+            </a:r>
+          </a:p>
+          <a:p>
+            <a:r>
+              <a:rPr lang="en-GB" sz="1400" spc="300">
+                <a:latin typeface="Bahnschrift SemiLight"/>
+              </a:rPr>
+              <a:t>viz(Infer({method:</a:t>
+            </a:r>
+            <a:r>
+              <a:rPr lang="en-GB" sz="1400" spc="300">
+                <a:solidFill>
+                  <a:srgbClr val="C00000"/>
+                </a:solidFill>
+                <a:latin typeface="Bahnschrift SemiLight"/>
+              </a:rPr>
+              <a:t>'rejection',</a:t>
+            </a:r>
+            <a:r>
+              <a:rPr lang="en-GB" sz="1400" spc="300">
+                <a:latin typeface="Bahnschrift SemiLight"/>
+              </a:rPr>
+              <a:t>samples:</a:t>
+            </a:r>
+            <a:r>
+              <a:rPr lang="en-GB" sz="1400" spc="300">
+                <a:solidFill>
+                  <a:schemeClr val="accent6">
+                    <a:lumMod val="50000"/>
+                  </a:schemeClr>
+                </a:solidFill>
+                <a:latin typeface="Bahnschrift SemiLight"/>
+              </a:rPr>
+              <a:t>100000</a:t>
+            </a:r>
+            <a:r>
+              <a:rPr lang="en-GB" sz="1400" spc="300">
+                <a:latin typeface="Bahnschrift SemiLight"/>
+              </a:rPr>
+              <a:t>},g))</a:t>
+            </a:r>
+          </a:p>
+        </p:txBody>
+      </p:sp>
+      <p:sp>
+        <p:nvSpPr>
+          <p:cNvPr id="20" name="Title 1">
+            <a:extLst>
+              <a:ext uri="{FF2B5EF4-FFF2-40B4-BE49-F238E27FC236}">
+                <a16:creationId xmlns:a16="http://schemas.microsoft.com/office/drawing/2014/main" id="{54BB2D95-343E-41A2-8AD8-3778CB577DBB}"/>
               </a:ext>
             </a:extLst>
           </p:cNvPr>
@@ -14478,62 +17316,8 @@
         </p:nvSpPr>
         <p:spPr>
           <a:xfrm>
-            <a:off x="833002" y="365125"/>
-            <a:ext cx="3973667" cy="5811837"/>
-          </a:xfrm>
-        </p:spPr>
-        <p:txBody>
-          <a:bodyPr>
-            <a:normAutofit/>
-          </a:bodyPr>
-          <a:lstStyle/>
-          <a:p>
-            <a:r>
-              <a:rPr lang="pt-PT">
-                <a:solidFill>
-                  <a:srgbClr val="FFFFFF"/>
-                </a:solidFill>
-                <a:cs typeface="Calibri Light"/>
-              </a:rPr>
-              <a:t>Processo de Poisson</a:t>
-            </a:r>
-            <a:r>
-              <a:rPr lang="pt-PT" baseline="30000">
-                <a:solidFill>
-                  <a:srgbClr val="FFFFFF"/>
-                </a:solidFill>
-                <a:cs typeface="Calibri Light"/>
-              </a:rPr>
-              <a:t> [3]</a:t>
-            </a:r>
-            <a:endParaRPr lang="pt-PT">
-              <a:solidFill>
-                <a:srgbClr val="FFFFFF"/>
-              </a:solidFill>
-            </a:endParaRPr>
-          </a:p>
-        </p:txBody>
-      </p:sp>
-      <p:sp>
-        <p:nvSpPr>
-          <p:cNvPr id="3" name="Marcador de Posição de Conteúdo 2">
-            <a:extLst>
-              <a:ext uri="{FF2B5EF4-FFF2-40B4-BE49-F238E27FC236}">
-                <a16:creationId xmlns:a16="http://schemas.microsoft.com/office/drawing/2014/main" id="{63159C8C-6B3D-4567-8A90-8CE0A3BEDE33}"/>
-              </a:ext>
-            </a:extLst>
-          </p:cNvPr>
-          <p:cNvSpPr>
-            <a:spLocks noGrp="1"/>
-          </p:cNvSpPr>
-          <p:nvPr>
-            <p:ph idx="1"/>
-          </p:nvPr>
-        </p:nvSpPr>
-        <p:spPr>
-          <a:xfrm>
-            <a:off x="5356927" y="365125"/>
-            <a:ext cx="5996871" cy="5811837"/>
+            <a:off x="284199" y="1508009"/>
+            <a:ext cx="5221266" cy="1344975"/>
           </a:xfrm>
         </p:spPr>
         <p:txBody>
@@ -14543,162 +17327,20 @@
           <a:lstStyle/>
           <a:p>
             <a:r>
-              <a:rPr lang="pt-PT" sz="2000">
-                <a:solidFill>
-                  <a:srgbClr val="FFFFFF"/>
-                </a:solidFill>
-                <a:cs typeface="Calibri"/>
-              </a:rPr>
-              <a:t>O processo de Poisson é usado para modelar eventos aleatórios distribuídos no tempo;</a:t>
-            </a:r>
-          </a:p>
-          <a:p>
-            <a:r>
-              <a:rPr lang="pt-PT" sz="2000">
-                <a:solidFill>
-                  <a:srgbClr val="FFFFFF"/>
-                </a:solidFill>
-                <a:cs typeface="Calibri"/>
-              </a:rPr>
-              <a:t> As distribuições Gamma, Poisson e exponencial fazem parte deste processo:</a:t>
-            </a:r>
-          </a:p>
-          <a:p>
-            <a:pPr lvl="1"/>
-            <a:r>
-              <a:rPr lang="pt-PT" sz="2000">
-                <a:solidFill>
-                  <a:srgbClr val="FFFFFF"/>
-                </a:solidFill>
-                <a:cs typeface="Calibri"/>
-              </a:rPr>
-              <a:t>A distribuição de Poisson modela o número de eventos no futuro (k);</a:t>
-            </a:r>
-          </a:p>
-          <a:p>
-            <a:pPr lvl="1"/>
-            <a:r>
-              <a:rPr lang="pt-PT" sz="2000">
-                <a:solidFill>
-                  <a:srgbClr val="FFFFFF"/>
-                </a:solidFill>
-                <a:cs typeface="Calibri"/>
-              </a:rPr>
-              <a:t>A distribuição Exponencial prevê o tempo de espera até ao primeiro evento;</a:t>
-            </a:r>
-          </a:p>
-          <a:p>
-            <a:pPr lvl="1"/>
-            <a:r>
-              <a:rPr lang="pt-PT" sz="2000">
-                <a:solidFill>
-                  <a:srgbClr val="FFFFFF"/>
-                </a:solidFill>
-                <a:cs typeface="Calibri"/>
-              </a:rPr>
-              <a:t>A distribuição Gamma prevê o tempo de espera até ao evento k.</a:t>
+              <a:rPr lang="en-US" sz="4000" err="1"/>
+              <a:t>WebPPL</a:t>
+            </a:r>
+            <a:r>
+              <a:rPr lang="en-US" sz="4000"/>
+              <a:t> </a:t>
             </a:r>
           </a:p>
         </p:txBody>
       </p:sp>
-      <p:sp>
-        <p:nvSpPr>
-          <p:cNvPr id="4" name="Marcador de Posição do Número do Diapositivo 3">
-            <a:extLst>
-              <a:ext uri="{FF2B5EF4-FFF2-40B4-BE49-F238E27FC236}">
-                <a16:creationId xmlns:a16="http://schemas.microsoft.com/office/drawing/2014/main" id="{245F7DBB-1AF0-48EB-A7D5-73C05AF7494A}"/>
-              </a:ext>
-            </a:extLst>
-          </p:cNvPr>
-          <p:cNvSpPr>
-            <a:spLocks noGrp="1"/>
-          </p:cNvSpPr>
-          <p:nvPr>
-            <p:ph type="sldNum" sz="quarter" idx="12"/>
-          </p:nvPr>
-        </p:nvSpPr>
-        <p:spPr>
-          <a:xfrm>
-            <a:off x="8610600" y="6356350"/>
-            <a:ext cx="2743200" cy="365125"/>
-          </a:xfrm>
-        </p:spPr>
-        <p:txBody>
-          <a:bodyPr anchor="ctr">
-            <a:normAutofit/>
-          </a:bodyPr>
-          <a:lstStyle/>
-          <a:p>
-            <a:pPr>
-              <a:spcAft>
-                <a:spcPts val="600"/>
-              </a:spcAft>
-            </a:pPr>
-            <a:fld id="{4310B044-6F84-4299-A58B-8057292127B9}" type="slidenum">
-              <a:rPr lang="en-GB">
-                <a:solidFill>
-                  <a:srgbClr val="FFFFFF">
-                    <a:alpha val="80000"/>
-                  </a:srgbClr>
-                </a:solidFill>
-              </a:rPr>
-              <a:pPr>
-                <a:spcAft>
-                  <a:spcPts val="600"/>
-                </a:spcAft>
-              </a:pPr>
-              <a:t>9</a:t>
-            </a:fld>
-            <a:endParaRPr lang="en-GB">
-              <a:solidFill>
-                <a:srgbClr val="FFFFFF">
-                  <a:alpha val="80000"/>
-                </a:srgbClr>
-              </a:solidFill>
-            </a:endParaRPr>
-          </a:p>
-        </p:txBody>
-      </p:sp>
-      <p:pic>
-        <p:nvPicPr>
-          <p:cNvPr id="8" name="Picture 7" descr="Icon&#10;&#10;Description automatically generated">
-            <a:extLst>
-              <a:ext uri="{FF2B5EF4-FFF2-40B4-BE49-F238E27FC236}">
-                <a16:creationId xmlns:a16="http://schemas.microsoft.com/office/drawing/2014/main" id="{125D7BC7-CACD-4B4B-8BC7-3BFEBF303B58}"/>
-              </a:ext>
-            </a:extLst>
-          </p:cNvPr>
-          <p:cNvPicPr>
-            <a:picLocks noChangeAspect="1"/>
-          </p:cNvPicPr>
-          <p:nvPr/>
-        </p:nvPicPr>
-        <p:blipFill>
-          <a:blip r:embed="rId2">
-            <a:extLst>
-              <a:ext uri="{28A0092B-C50C-407E-A947-70E740481C1C}">
-                <a14:useLocalDpi xmlns:a14="http://schemas.microsoft.com/office/drawing/2010/main" val="0"/>
-              </a:ext>
-            </a:extLst>
-          </a:blip>
-          <a:stretch>
-            <a:fillRect/>
-          </a:stretch>
-        </p:blipFill>
-        <p:spPr>
-          <a:xfrm>
-            <a:off x="10015899" y="365125"/>
-            <a:ext cx="1770855" cy="883219"/>
-          </a:xfrm>
-          <a:prstGeom prst="rect">
-            <a:avLst/>
-          </a:prstGeom>
-        </p:spPr>
-      </p:pic>
     </p:spTree>
     <p:extLst>
       <p:ext uri="{BB962C8B-B14F-4D97-AF65-F5344CB8AC3E}">
-        <p14:creationId xmlns:p14="http://schemas.microsoft.com/office/powerpoint/2010/main" val="211770228"/>
+        <p14:creationId xmlns:p14="http://schemas.microsoft.com/office/powerpoint/2010/main" val="2830130355"/>
       </p:ext>
     </p:extLst>
   </p:cSld>

--- a/Short Talks/Poisson and Gamma distributions/Distribuição de Poisson e Gamma.pptx
+++ b/Short Talks/Poisson and Gamma distributions/Distribuição de Poisson e Gamma.pptx
@@ -129,8 +129,7 @@
 <file path=ppt/revisionInfo.xml><?xml version="1.0" encoding="utf-8"?>
 <p1510:revInfo xmlns:a="http://schemas.openxmlformats.org/drawingml/2006/main" xmlns:r="http://schemas.openxmlformats.org/officeDocument/2006/relationships" xmlns:p1510="http://schemas.microsoft.com/office/powerpoint/2015/10/main">
   <p1510:revLst>
-    <p1510:client id="{CAE9DF54-3E55-1FB7-D7BF-C095B0D0356E}" v="299" dt="2021-10-29T09:46:39.773"/>
-    <p1510:client id="{FF2A4FE9-6061-4F89-9356-7C24429792B8}" v="1237" dt="2021-10-29T09:39:36.089"/>
+    <p1510:client id="{FF2A4FE9-6061-4F89-9356-7C24429792B8}" v="1283" dt="2021-11-12T09:23:30.261"/>
   </p1510:revLst>
 </p1510:revInfo>
 </file>
@@ -138,1186 +137,262 @@
 <file path=ppt/changesInfos/changesInfo1.xml><?xml version="1.0" encoding="utf-8"?>
 <pc:chgInfo xmlns:a="http://schemas.openxmlformats.org/drawingml/2006/main" xmlns:r="http://schemas.openxmlformats.org/officeDocument/2006/relationships" xmlns:ac="http://schemas.microsoft.com/office/drawing/2013/main/command" xmlns:pc="http://schemas.microsoft.com/office/powerpoint/2013/main/command">
   <pc:docChgLst>
-    <pc:chgData name="Irving Leander Reascos Valencia" userId="355ef903-6e56-42c5-b4d8-5b764e20389a" providerId="ADAL" clId="{FF2A4FE9-6061-4F89-9356-7C24429792B8}"/>
-    <pc:docChg chg="undo redo custSel delSld modSld">
-      <pc:chgData name="Irving Leander Reascos Valencia" userId="355ef903-6e56-42c5-b4d8-5b764e20389a" providerId="ADAL" clId="{FF2A4FE9-6061-4F89-9356-7C24429792B8}" dt="2021-10-19T19:59:50.173" v="770" actId="1076"/>
+    <pc:chgData name="Rodrigo da Silva Gomes Peres Coelho" userId="S::pg47622@uminho.pt::32a22569-e572-4c9f-bf40-e144b3d8d0a1" providerId="AD" clId="Web-{758C3D71-4D74-AFFF-92D3-2B3C14AE1CB2}"/>
+    <pc:docChg chg="modSld">
+      <pc:chgData name="Rodrigo da Silva Gomes Peres Coelho" userId="S::pg47622@uminho.pt::32a22569-e572-4c9f-bf40-e144b3d8d0a1" providerId="AD" clId="Web-{758C3D71-4D74-AFFF-92D3-2B3C14AE1CB2}" dt="2021-10-19T18:39:25.911" v="27" actId="1076"/>
       <pc:docMkLst>
         <pc:docMk/>
       </pc:docMkLst>
-      <pc:sldChg chg="addSp delSp modSp mod modMedia setBg addAnim delAnim setClrOvrMap">
-        <pc:chgData name="Irving Leander Reascos Valencia" userId="355ef903-6e56-42c5-b4d8-5b764e20389a" providerId="ADAL" clId="{FF2A4FE9-6061-4F89-9356-7C24429792B8}" dt="2021-10-19T19:49:03.010" v="757" actId="20577"/>
+      <pc:sldChg chg="addSp delSp modSp">
+        <pc:chgData name="Rodrigo da Silva Gomes Peres Coelho" userId="S::pg47622@uminho.pt::32a22569-e572-4c9f-bf40-e144b3d8d0a1" providerId="AD" clId="Web-{758C3D71-4D74-AFFF-92D3-2B3C14AE1CB2}" dt="2021-10-19T18:39:25.911" v="27" actId="1076"/>
         <pc:sldMkLst>
           <pc:docMk/>
-          <pc:sldMk cId="3916293193" sldId="256"/>
+          <pc:sldMk cId="3345648404" sldId="264"/>
         </pc:sldMkLst>
         <pc:spChg chg="mod">
-          <ac:chgData name="Irving Leander Reascos Valencia" userId="355ef903-6e56-42c5-b4d8-5b764e20389a" providerId="ADAL" clId="{FF2A4FE9-6061-4F89-9356-7C24429792B8}" dt="2021-10-19T19:10:39.468" v="479" actId="26606"/>
-          <ac:spMkLst>
-            <pc:docMk/>
-            <pc:sldMk cId="3916293193" sldId="256"/>
-            <ac:spMk id="2" creationId="{01E1C496-4AD5-42C1-AF59-6EF89DF50AA1}"/>
+          <ac:chgData name="Rodrigo da Silva Gomes Peres Coelho" userId="S::pg47622@uminho.pt::32a22569-e572-4c9f-bf40-e144b3d8d0a1" providerId="AD" clId="Web-{758C3D71-4D74-AFFF-92D3-2B3C14AE1CB2}" dt="2021-10-19T18:37:39.033" v="18" actId="20577"/>
+          <ac:spMkLst>
+            <pc:docMk/>
+            <pc:sldMk cId="3345648404" sldId="264"/>
+            <ac:spMk id="2" creationId="{3521A686-2A8F-44AB-9FFA-739C74C1E6F6}"/>
+          </ac:spMkLst>
+        </pc:spChg>
+        <pc:spChg chg="del">
+          <ac:chgData name="Rodrigo da Silva Gomes Peres Coelho" userId="S::pg47622@uminho.pt::32a22569-e572-4c9f-bf40-e144b3d8d0a1" providerId="AD" clId="Web-{758C3D71-4D74-AFFF-92D3-2B3C14AE1CB2}" dt="2021-10-19T18:37:19.736" v="0"/>
+          <ac:spMkLst>
+            <pc:docMk/>
+            <pc:sldMk cId="3345648404" sldId="264"/>
+            <ac:spMk id="3" creationId="{58F61B69-225E-4BBB-AC2C-1D9D59DEA912}"/>
           </ac:spMkLst>
         </pc:spChg>
         <pc:spChg chg="add del mod">
-          <ac:chgData name="Irving Leander Reascos Valencia" userId="355ef903-6e56-42c5-b4d8-5b764e20389a" providerId="ADAL" clId="{FF2A4FE9-6061-4F89-9356-7C24429792B8}" dt="2021-10-19T19:10:39.468" v="479" actId="26606"/>
-          <ac:spMkLst>
-            <pc:docMk/>
-            <pc:sldMk cId="3916293193" sldId="256"/>
-            <ac:spMk id="3" creationId="{0365D8F3-60E4-4177-9BCF-31DFC5083F2F}"/>
+          <ac:chgData name="Rodrigo da Silva Gomes Peres Coelho" userId="S::pg47622@uminho.pt::32a22569-e572-4c9f-bf40-e144b3d8d0a1" providerId="AD" clId="Web-{758C3D71-4D74-AFFF-92D3-2B3C14AE1CB2}" dt="2021-10-19T18:39:17.489" v="25"/>
+          <ac:spMkLst>
+            <pc:docMk/>
+            <pc:sldMk cId="3345648404" sldId="264"/>
+            <ac:spMk id="6" creationId="{A345E303-945A-4029-A0B7-5BAC23F3D52D}"/>
+          </ac:spMkLst>
+        </pc:spChg>
+        <pc:picChg chg="add del mod ord">
+          <ac:chgData name="Rodrigo da Silva Gomes Peres Coelho" userId="S::pg47622@uminho.pt::32a22569-e572-4c9f-bf40-e144b3d8d0a1" providerId="AD" clId="Web-{758C3D71-4D74-AFFF-92D3-2B3C14AE1CB2}" dt="2021-10-19T18:39:10.739" v="24"/>
+          <ac:picMkLst>
+            <pc:docMk/>
+            <pc:sldMk cId="3345648404" sldId="264"/>
+            <ac:picMk id="4" creationId="{3518310F-A2C7-43A4-97D8-47BAF4C6131B}"/>
+          </ac:picMkLst>
+        </pc:picChg>
+        <pc:picChg chg="add mod ord">
+          <ac:chgData name="Rodrigo da Silva Gomes Peres Coelho" userId="S::pg47622@uminho.pt::32a22569-e572-4c9f-bf40-e144b3d8d0a1" providerId="AD" clId="Web-{758C3D71-4D74-AFFF-92D3-2B3C14AE1CB2}" dt="2021-10-19T18:39:25.911" v="27" actId="1076"/>
+          <ac:picMkLst>
+            <pc:docMk/>
+            <pc:sldMk cId="3345648404" sldId="264"/>
+            <ac:picMk id="7" creationId="{BABBFE0C-6DB8-4D5C-8B4A-46A566D9BD09}"/>
+          </ac:picMkLst>
+        </pc:picChg>
+      </pc:sldChg>
+    </pc:docChg>
+  </pc:docChgLst>
+  <pc:docChgLst>
+    <pc:chgData name="Rodrigo da Silva Gomes Peres Coelho" userId="S::pg47622@uminho.pt::32a22569-e572-4c9f-bf40-e144b3d8d0a1" providerId="AD" clId="Web-{CAE9DF54-3E55-1FB7-D7BF-C095B0D0356E}"/>
+    <pc:docChg chg="modSld">
+      <pc:chgData name="Rodrigo da Silva Gomes Peres Coelho" userId="S::pg47622@uminho.pt::32a22569-e572-4c9f-bf40-e144b3d8d0a1" providerId="AD" clId="Web-{CAE9DF54-3E55-1FB7-D7BF-C095B0D0356E}" dt="2021-10-29T09:46:39.773" v="174" actId="1076"/>
+      <pc:docMkLst>
+        <pc:docMk/>
+      </pc:docMkLst>
+      <pc:sldChg chg="modSp">
+        <pc:chgData name="Rodrigo da Silva Gomes Peres Coelho" userId="S::pg47622@uminho.pt::32a22569-e572-4c9f-bf40-e144b3d8d0a1" providerId="AD" clId="Web-{CAE9DF54-3E55-1FB7-D7BF-C095B0D0356E}" dt="2021-10-29T09:46:39.773" v="174" actId="1076"/>
+        <pc:sldMkLst>
+          <pc:docMk/>
+          <pc:sldMk cId="49299221" sldId="263"/>
+        </pc:sldMkLst>
+        <pc:spChg chg="mod">
+          <ac:chgData name="Rodrigo da Silva Gomes Peres Coelho" userId="S::pg47622@uminho.pt::32a22569-e572-4c9f-bf40-e144b3d8d0a1" providerId="AD" clId="Web-{CAE9DF54-3E55-1FB7-D7BF-C095B0D0356E}" dt="2021-10-29T09:46:39.773" v="174" actId="1076"/>
+          <ac:spMkLst>
+            <pc:docMk/>
+            <pc:sldMk cId="49299221" sldId="263"/>
+            <ac:spMk id="3" creationId="{2B0B0381-2015-4C05-B552-CD2565C5E8A6}"/>
+          </ac:spMkLst>
+        </pc:spChg>
+      </pc:sldChg>
+      <pc:sldChg chg="addSp delSp modSp">
+        <pc:chgData name="Rodrigo da Silva Gomes Peres Coelho" userId="S::pg47622@uminho.pt::32a22569-e572-4c9f-bf40-e144b3d8d0a1" providerId="AD" clId="Web-{CAE9DF54-3E55-1FB7-D7BF-C095B0D0356E}" dt="2021-10-29T09:34:52.214" v="173" actId="20577"/>
+        <pc:sldMkLst>
+          <pc:docMk/>
+          <pc:sldMk cId="3345648404" sldId="264"/>
+        </pc:sldMkLst>
+        <pc:spChg chg="mod">
+          <ac:chgData name="Rodrigo da Silva Gomes Peres Coelho" userId="S::pg47622@uminho.pt::32a22569-e572-4c9f-bf40-e144b3d8d0a1" providerId="AD" clId="Web-{CAE9DF54-3E55-1FB7-D7BF-C095B0D0356E}" dt="2021-10-29T09:34:52.214" v="173" actId="20577"/>
+          <ac:spMkLst>
+            <pc:docMk/>
+            <pc:sldMk cId="3345648404" sldId="264"/>
+            <ac:spMk id="3" creationId="{8D8E753A-5D4A-4E9D-8650-BAD1F8D1FC30}"/>
           </ac:spMkLst>
         </pc:spChg>
         <pc:spChg chg="add del mod">
-          <ac:chgData name="Irving Leander Reascos Valencia" userId="355ef903-6e56-42c5-b4d8-5b764e20389a" providerId="ADAL" clId="{FF2A4FE9-6061-4F89-9356-7C24429792B8}" dt="2021-10-19T19:02:26.915" v="411" actId="478"/>
-          <ac:spMkLst>
-            <pc:docMk/>
-            <pc:sldMk cId="3916293193" sldId="256"/>
-            <ac:spMk id="5" creationId="{BAB36F6D-3125-439A-AC73-7B24684FD98C}"/>
-          </ac:spMkLst>
-        </pc:spChg>
-        <pc:spChg chg="add del">
-          <ac:chgData name="Irving Leander Reascos Valencia" userId="355ef903-6e56-42c5-b4d8-5b764e20389a" providerId="ADAL" clId="{FF2A4FE9-6061-4F89-9356-7C24429792B8}" dt="2021-10-19T19:06:03.421" v="423" actId="26606"/>
-          <ac:spMkLst>
-            <pc:docMk/>
-            <pc:sldMk cId="3916293193" sldId="256"/>
-            <ac:spMk id="7" creationId="{FB5B0058-AF13-4859-B429-4EDDE2A26F7F}"/>
-          </ac:spMkLst>
-        </pc:spChg>
-        <pc:spChg chg="add del">
-          <ac:chgData name="Irving Leander Reascos Valencia" userId="355ef903-6e56-42c5-b4d8-5b764e20389a" providerId="ADAL" clId="{FF2A4FE9-6061-4F89-9356-7C24429792B8}" dt="2021-10-19T19:05:53.050" v="421" actId="26606"/>
-          <ac:spMkLst>
-            <pc:docMk/>
-            <pc:sldMk cId="3916293193" sldId="256"/>
-            <ac:spMk id="8" creationId="{FB5B0058-AF13-4859-B429-4EDDE2A26F7F}"/>
-          </ac:spMkLst>
-        </pc:spChg>
-        <pc:spChg chg="add del">
-          <ac:chgData name="Irving Leander Reascos Valencia" userId="355ef903-6e56-42c5-b4d8-5b764e20389a" providerId="ADAL" clId="{FF2A4FE9-6061-4F89-9356-7C24429792B8}" dt="2021-10-19T19:03:46.429" v="419" actId="26606"/>
-          <ac:spMkLst>
-            <pc:docMk/>
-            <pc:sldMk cId="3916293193" sldId="256"/>
-            <ac:spMk id="9" creationId="{C1DD1A8A-57D5-4A81-AD04-532B043C5611}"/>
-          </ac:spMkLst>
-        </pc:spChg>
-        <pc:spChg chg="add del">
-          <ac:chgData name="Irving Leander Reascos Valencia" userId="355ef903-6e56-42c5-b4d8-5b764e20389a" providerId="ADAL" clId="{FF2A4FE9-6061-4F89-9356-7C24429792B8}" dt="2021-10-19T19:03:46.429" v="419" actId="26606"/>
-          <ac:spMkLst>
-            <pc:docMk/>
-            <pc:sldMk cId="3916293193" sldId="256"/>
-            <ac:spMk id="11" creationId="{007891EC-4501-44ED-A8C8-B11B6DB767AB}"/>
-          </ac:spMkLst>
-        </pc:spChg>
-        <pc:spChg chg="add del">
-          <ac:chgData name="Irving Leander Reascos Valencia" userId="355ef903-6e56-42c5-b4d8-5b764e20389a" providerId="ADAL" clId="{FF2A4FE9-6061-4F89-9356-7C24429792B8}" dt="2021-10-19T19:06:03.421" v="423" actId="26606"/>
-          <ac:spMkLst>
-            <pc:docMk/>
-            <pc:sldMk cId="3916293193" sldId="256"/>
-            <ac:spMk id="15" creationId="{9358801C-1E89-48FF-B14F-D76A2EA14C8E}"/>
-          </ac:spMkLst>
-        </pc:spChg>
-        <pc:spChg chg="add del">
-          <ac:chgData name="Irving Leander Reascos Valencia" userId="355ef903-6e56-42c5-b4d8-5b764e20389a" providerId="ADAL" clId="{FF2A4FE9-6061-4F89-9356-7C24429792B8}" dt="2021-10-19T19:06:07.409" v="425" actId="26606"/>
-          <ac:spMkLst>
-            <pc:docMk/>
-            <pc:sldMk cId="3916293193" sldId="256"/>
-            <ac:spMk id="17" creationId="{787F4F1C-8D3D-4EC1-B72D-A0470A5A08B8}"/>
-          </ac:spMkLst>
-        </pc:spChg>
-        <pc:spChg chg="add del">
-          <ac:chgData name="Irving Leander Reascos Valencia" userId="355ef903-6e56-42c5-b4d8-5b764e20389a" providerId="ADAL" clId="{FF2A4FE9-6061-4F89-9356-7C24429792B8}" dt="2021-10-19T19:06:15.831" v="429" actId="26606"/>
-          <ac:spMkLst>
-            <pc:docMk/>
-            <pc:sldMk cId="3916293193" sldId="256"/>
-            <ac:spMk id="19" creationId="{6F828D28-8E09-41CC-8229-3070B5467A96}"/>
-          </ac:spMkLst>
-        </pc:spChg>
-        <pc:spChg chg="add del">
-          <ac:chgData name="Irving Leander Reascos Valencia" userId="355ef903-6e56-42c5-b4d8-5b764e20389a" providerId="ADAL" clId="{FF2A4FE9-6061-4F89-9356-7C24429792B8}" dt="2021-10-19T19:06:30.490" v="431" actId="26606"/>
-          <ac:spMkLst>
-            <pc:docMk/>
-            <pc:sldMk cId="3916293193" sldId="256"/>
-            <ac:spMk id="20" creationId="{EFA9B6C6-A247-48A8-9A1C-1E36FA9456B5}"/>
-          </ac:spMkLst>
-        </pc:spChg>
-        <pc:spChg chg="add del">
-          <ac:chgData name="Irving Leander Reascos Valencia" userId="355ef903-6e56-42c5-b4d8-5b764e20389a" providerId="ADAL" clId="{FF2A4FE9-6061-4F89-9356-7C24429792B8}" dt="2021-10-19T19:06:30.490" v="431" actId="26606"/>
-          <ac:spMkLst>
-            <pc:docMk/>
-            <pc:sldMk cId="3916293193" sldId="256"/>
-            <ac:spMk id="22" creationId="{C5CB530E-515E-412C-9DF1-5F8FFBD6F383}"/>
-          </ac:spMkLst>
-        </pc:spChg>
-        <pc:spChg chg="add del">
-          <ac:chgData name="Irving Leander Reascos Valencia" userId="355ef903-6e56-42c5-b4d8-5b764e20389a" providerId="ADAL" clId="{FF2A4FE9-6061-4F89-9356-7C24429792B8}" dt="2021-10-19T19:06:30.490" v="431" actId="26606"/>
-          <ac:spMkLst>
-            <pc:docMk/>
-            <pc:sldMk cId="3916293193" sldId="256"/>
-            <ac:spMk id="23" creationId="{712D4376-A578-4FF1-94FC-245E7A6A489F}"/>
-          </ac:spMkLst>
-        </pc:spChg>
-        <pc:spChg chg="add del">
-          <ac:chgData name="Irving Leander Reascos Valencia" userId="355ef903-6e56-42c5-b4d8-5b764e20389a" providerId="ADAL" clId="{FF2A4FE9-6061-4F89-9356-7C24429792B8}" dt="2021-10-19T19:06:15.831" v="429" actId="26606"/>
-          <ac:spMkLst>
-            <pc:docMk/>
-            <pc:sldMk cId="3916293193" sldId="256"/>
-            <ac:spMk id="24" creationId="{D5B012D8-7F27-4758-9AC6-C889B154BD73}"/>
-          </ac:spMkLst>
-        </pc:spChg>
-        <pc:spChg chg="add del">
-          <ac:chgData name="Irving Leander Reascos Valencia" userId="355ef903-6e56-42c5-b4d8-5b764e20389a" providerId="ADAL" clId="{FF2A4FE9-6061-4F89-9356-7C24429792B8}" dt="2021-10-19T19:06:15.831" v="429" actId="26606"/>
-          <ac:spMkLst>
-            <pc:docMk/>
-            <pc:sldMk cId="3916293193" sldId="256"/>
-            <ac:spMk id="25" creationId="{4063B759-00FC-46D1-9898-8E8625268FAF}"/>
-          </ac:spMkLst>
-        </pc:spChg>
-        <pc:spChg chg="add del">
-          <ac:chgData name="Irving Leander Reascos Valencia" userId="355ef903-6e56-42c5-b4d8-5b764e20389a" providerId="ADAL" clId="{FF2A4FE9-6061-4F89-9356-7C24429792B8}" dt="2021-10-19T19:06:30.490" v="431" actId="26606"/>
-          <ac:spMkLst>
-            <pc:docMk/>
-            <pc:sldMk cId="3916293193" sldId="256"/>
-            <ac:spMk id="26" creationId="{AEA7509D-F04F-40CB-A0B3-EEF16499CC9F}"/>
-          </ac:spMkLst>
-        </pc:spChg>
-        <pc:spChg chg="add del">
-          <ac:chgData name="Irving Leander Reascos Valencia" userId="355ef903-6e56-42c5-b4d8-5b764e20389a" providerId="ADAL" clId="{FF2A4FE9-6061-4F89-9356-7C24429792B8}" dt="2021-10-19T19:06:33.191" v="433" actId="26606"/>
-          <ac:spMkLst>
-            <pc:docMk/>
-            <pc:sldMk cId="3916293193" sldId="256"/>
-            <ac:spMk id="28" creationId="{C7D023E4-8DE1-436E-9847-ED6A4B4B04FD}"/>
-          </ac:spMkLst>
-        </pc:spChg>
-        <pc:spChg chg="add del">
-          <ac:chgData name="Irving Leander Reascos Valencia" userId="355ef903-6e56-42c5-b4d8-5b764e20389a" providerId="ADAL" clId="{FF2A4FE9-6061-4F89-9356-7C24429792B8}" dt="2021-10-19T19:10:39.468" v="479" actId="26606"/>
-          <ac:spMkLst>
-            <pc:docMk/>
-            <pc:sldMk cId="3916293193" sldId="256"/>
-            <ac:spMk id="31" creationId="{83CB2632-0822-4E49-A707-FA1B8A4D0173}"/>
-          </ac:spMkLst>
-        </pc:spChg>
-        <pc:spChg chg="add del">
-          <ac:chgData name="Irving Leander Reascos Valencia" userId="355ef903-6e56-42c5-b4d8-5b764e20389a" providerId="ADAL" clId="{FF2A4FE9-6061-4F89-9356-7C24429792B8}" dt="2021-10-19T19:06:33.708" v="437" actId="26606"/>
-          <ac:spMkLst>
-            <pc:docMk/>
-            <pc:sldMk cId="3916293193" sldId="256"/>
-            <ac:spMk id="41" creationId="{C27D7A02-907B-496F-BA7E-AA3780733CA7}"/>
-          </ac:spMkLst>
-        </pc:spChg>
-        <pc:spChg chg="add del">
-          <ac:chgData name="Irving Leander Reascos Valencia" userId="355ef903-6e56-42c5-b4d8-5b764e20389a" providerId="ADAL" clId="{FF2A4FE9-6061-4F89-9356-7C24429792B8}" dt="2021-10-19T19:06:33.708" v="437" actId="26606"/>
-          <ac:spMkLst>
-            <pc:docMk/>
-            <pc:sldMk cId="3916293193" sldId="256"/>
-            <ac:spMk id="42" creationId="{0FBA5268-0AE7-4CAD-9537-D0EB09E76406}"/>
-          </ac:spMkLst>
-        </pc:spChg>
-        <pc:spChg chg="add del">
-          <ac:chgData name="Irving Leander Reascos Valencia" userId="355ef903-6e56-42c5-b4d8-5b764e20389a" providerId="ADAL" clId="{FF2A4FE9-6061-4F89-9356-7C24429792B8}" dt="2021-10-19T19:06:33.708" v="437" actId="26606"/>
-          <ac:spMkLst>
-            <pc:docMk/>
-            <pc:sldMk cId="3916293193" sldId="256"/>
-            <ac:spMk id="43" creationId="{088D065B-39DA-4077-B9CF-E489CE4C0169}"/>
-          </ac:spMkLst>
-        </pc:spChg>
-        <pc:spChg chg="add del">
-          <ac:chgData name="Irving Leander Reascos Valencia" userId="355ef903-6e56-42c5-b4d8-5b764e20389a" providerId="ADAL" clId="{FF2A4FE9-6061-4F89-9356-7C24429792B8}" dt="2021-10-19T19:06:35.922" v="439" actId="26606"/>
-          <ac:spMkLst>
-            <pc:docMk/>
-            <pc:sldMk cId="3916293193" sldId="256"/>
-            <ac:spMk id="45" creationId="{D472C551-D440-40DF-9260-BDB9AC40960A}"/>
-          </ac:spMkLst>
-        </pc:spChg>
-        <pc:spChg chg="add del">
-          <ac:chgData name="Irving Leander Reascos Valencia" userId="355ef903-6e56-42c5-b4d8-5b764e20389a" providerId="ADAL" clId="{FF2A4FE9-6061-4F89-9356-7C24429792B8}" dt="2021-10-19T19:06:35.922" v="439" actId="26606"/>
-          <ac:spMkLst>
-            <pc:docMk/>
-            <pc:sldMk cId="3916293193" sldId="256"/>
-            <ac:spMk id="47" creationId="{508BEF50-7B1E-49A4-BC19-5F4F1D755E64}"/>
-          </ac:spMkLst>
-        </pc:spChg>
-        <pc:spChg chg="add del">
-          <ac:chgData name="Irving Leander Reascos Valencia" userId="355ef903-6e56-42c5-b4d8-5b764e20389a" providerId="ADAL" clId="{FF2A4FE9-6061-4F89-9356-7C24429792B8}" dt="2021-10-19T19:06:35.922" v="439" actId="26606"/>
-          <ac:spMkLst>
-            <pc:docMk/>
-            <pc:sldMk cId="3916293193" sldId="256"/>
-            <ac:spMk id="48" creationId="{3FBAD350-5664-4811-A208-657FB882D350}"/>
-          </ac:spMkLst>
-        </pc:spChg>
-        <pc:spChg chg="add del">
-          <ac:chgData name="Irving Leander Reascos Valencia" userId="355ef903-6e56-42c5-b4d8-5b764e20389a" providerId="ADAL" clId="{FF2A4FE9-6061-4F89-9356-7C24429792B8}" dt="2021-10-19T19:06:35.922" v="439" actId="26606"/>
-          <ac:spMkLst>
-            <pc:docMk/>
-            <pc:sldMk cId="3916293193" sldId="256"/>
-            <ac:spMk id="49" creationId="{C39ADB8F-D187-49D7-BDCF-C1B6DC727068}"/>
-          </ac:spMkLst>
-        </pc:spChg>
-        <pc:spChg chg="mod">
-          <ac:chgData name="Irving Leander Reascos Valencia" userId="355ef903-6e56-42c5-b4d8-5b764e20389a" providerId="ADAL" clId="{FF2A4FE9-6061-4F89-9356-7C24429792B8}" dt="2021-10-19T19:49:03.010" v="757" actId="20577"/>
-          <ac:spMkLst>
-            <pc:docMk/>
-            <pc:sldMk cId="3916293193" sldId="256"/>
-            <ac:spMk id="50" creationId="{1EDFA039-8671-4AF7-956A-DABA568D4BCB}"/>
-          </ac:spMkLst>
-        </pc:spChg>
-        <pc:spChg chg="add del">
-          <ac:chgData name="Irving Leander Reascos Valencia" userId="355ef903-6e56-42c5-b4d8-5b764e20389a" providerId="ADAL" clId="{FF2A4FE9-6061-4F89-9356-7C24429792B8}" dt="2021-10-19T19:06:41.478" v="441" actId="26606"/>
-          <ac:spMkLst>
-            <pc:docMk/>
-            <pc:sldMk cId="3916293193" sldId="256"/>
-            <ac:spMk id="51" creationId="{FB5B0058-AF13-4859-B429-4EDDE2A26F7F}"/>
-          </ac:spMkLst>
-        </pc:spChg>
-        <pc:spChg chg="add del">
-          <ac:chgData name="Irving Leander Reascos Valencia" userId="355ef903-6e56-42c5-b4d8-5b764e20389a" providerId="ADAL" clId="{FF2A4FE9-6061-4F89-9356-7C24429792B8}" dt="2021-10-19T19:06:44.597" v="445" actId="26606"/>
-          <ac:spMkLst>
-            <pc:docMk/>
-            <pc:sldMk cId="3916293193" sldId="256"/>
-            <ac:spMk id="55" creationId="{FB5B0058-AF13-4859-B429-4EDDE2A26F7F}"/>
-          </ac:spMkLst>
-        </pc:spChg>
-        <pc:spChg chg="add del">
-          <ac:chgData name="Irving Leander Reascos Valencia" userId="355ef903-6e56-42c5-b4d8-5b764e20389a" providerId="ADAL" clId="{FF2A4FE9-6061-4F89-9356-7C24429792B8}" dt="2021-10-19T19:06:44.597" v="445" actId="26606"/>
-          <ac:spMkLst>
-            <pc:docMk/>
-            <pc:sldMk cId="3916293193" sldId="256"/>
-            <ac:spMk id="56" creationId="{D84C2E9E-0B5D-4B5F-9A1F-70EBDCE39034}"/>
-          </ac:spMkLst>
-        </pc:spChg>
-        <pc:spChg chg="add del">
-          <ac:chgData name="Irving Leander Reascos Valencia" userId="355ef903-6e56-42c5-b4d8-5b764e20389a" providerId="ADAL" clId="{FF2A4FE9-6061-4F89-9356-7C24429792B8}" dt="2021-10-19T19:06:51.993" v="449" actId="26606"/>
-          <ac:spMkLst>
-            <pc:docMk/>
-            <pc:sldMk cId="3916293193" sldId="256"/>
-            <ac:spMk id="59" creationId="{5F18414D-1626-4996-AACB-23D3DE45B03B}"/>
-          </ac:spMkLst>
-        </pc:spChg>
-        <pc:spChg chg="add del">
-          <ac:chgData name="Irving Leander Reascos Valencia" userId="355ef903-6e56-42c5-b4d8-5b764e20389a" providerId="ADAL" clId="{FF2A4FE9-6061-4F89-9356-7C24429792B8}" dt="2021-10-19T19:06:51.993" v="449" actId="26606"/>
-          <ac:spMkLst>
-            <pc:docMk/>
-            <pc:sldMk cId="3916293193" sldId="256"/>
-            <ac:spMk id="60" creationId="{D84C2E9E-0B5D-4B5F-9A1F-70EBDCE39034}"/>
-          </ac:spMkLst>
-        </pc:spChg>
-        <pc:spChg chg="add del">
-          <ac:chgData name="Irving Leander Reascos Valencia" userId="355ef903-6e56-42c5-b4d8-5b764e20389a" providerId="ADAL" clId="{FF2A4FE9-6061-4F89-9356-7C24429792B8}" dt="2021-10-19T19:06:59.449" v="452" actId="26606"/>
-          <ac:spMkLst>
-            <pc:docMk/>
-            <pc:sldMk cId="3916293193" sldId="256"/>
-            <ac:spMk id="63" creationId="{FB5B0058-AF13-4859-B429-4EDDE2A26F7F}"/>
-          </ac:spMkLst>
-        </pc:spChg>
-        <pc:spChg chg="add del">
-          <ac:chgData name="Irving Leander Reascos Valencia" userId="355ef903-6e56-42c5-b4d8-5b764e20389a" providerId="ADAL" clId="{FF2A4FE9-6061-4F89-9356-7C24429792B8}" dt="2021-10-19T19:07:04.460" v="454" actId="26606"/>
-          <ac:spMkLst>
-            <pc:docMk/>
-            <pc:sldMk cId="3916293193" sldId="256"/>
-            <ac:spMk id="67" creationId="{C27D7A02-907B-496F-BA7E-AA3780733CA7}"/>
-          </ac:spMkLst>
-        </pc:spChg>
-        <pc:spChg chg="add del">
-          <ac:chgData name="Irving Leander Reascos Valencia" userId="355ef903-6e56-42c5-b4d8-5b764e20389a" providerId="ADAL" clId="{FF2A4FE9-6061-4F89-9356-7C24429792B8}" dt="2021-10-19T19:07:04.460" v="454" actId="26606"/>
-          <ac:spMkLst>
-            <pc:docMk/>
-            <pc:sldMk cId="3916293193" sldId="256"/>
-            <ac:spMk id="68" creationId="{088D065B-39DA-4077-B9CF-E489CE4C0169}"/>
-          </ac:spMkLst>
-        </pc:spChg>
-        <pc:spChg chg="add del">
-          <ac:chgData name="Irving Leander Reascos Valencia" userId="355ef903-6e56-42c5-b4d8-5b764e20389a" providerId="ADAL" clId="{FF2A4FE9-6061-4F89-9356-7C24429792B8}" dt="2021-10-19T19:07:17.243" v="456" actId="26606"/>
-          <ac:spMkLst>
-            <pc:docMk/>
-            <pc:sldMk cId="3916293193" sldId="256"/>
-            <ac:spMk id="70" creationId="{C7FAE6E8-1D9E-4905-AAFE-978D331822BA}"/>
-          </ac:spMkLst>
-        </pc:spChg>
-        <pc:spChg chg="add del">
-          <ac:chgData name="Irving Leander Reascos Valencia" userId="355ef903-6e56-42c5-b4d8-5b764e20389a" providerId="ADAL" clId="{FF2A4FE9-6061-4F89-9356-7C24429792B8}" dt="2021-10-19T19:07:18.197" v="458" actId="26606"/>
-          <ac:spMkLst>
-            <pc:docMk/>
-            <pc:sldMk cId="3916293193" sldId="256"/>
-            <ac:spMk id="75" creationId="{36DD9A1B-23F2-4443-B0D4-00FF72D272EF}"/>
-          </ac:spMkLst>
-        </pc:spChg>
-        <pc:spChg chg="add del">
-          <ac:chgData name="Irving Leander Reascos Valencia" userId="355ef903-6e56-42c5-b4d8-5b764e20389a" providerId="ADAL" clId="{FF2A4FE9-6061-4F89-9356-7C24429792B8}" dt="2021-10-19T19:07:18.197" v="458" actId="26606"/>
-          <ac:spMkLst>
-            <pc:docMk/>
-            <pc:sldMk cId="3916293193" sldId="256"/>
-            <ac:spMk id="76" creationId="{C5A69CBB-DA63-440A-B853-88D42A6FE404}"/>
-          </ac:spMkLst>
-        </pc:spChg>
-        <pc:spChg chg="add del">
-          <ac:chgData name="Irving Leander Reascos Valencia" userId="355ef903-6e56-42c5-b4d8-5b764e20389a" providerId="ADAL" clId="{FF2A4FE9-6061-4F89-9356-7C24429792B8}" dt="2021-10-19T19:07:19.887" v="460" actId="26606"/>
-          <ac:spMkLst>
-            <pc:docMk/>
-            <pc:sldMk cId="3916293193" sldId="256"/>
-            <ac:spMk id="81" creationId="{30B7813D-B76D-400E-BFDE-AA4BA0BFAD54}"/>
-          </ac:spMkLst>
-        </pc:spChg>
-        <pc:spChg chg="add del">
-          <ac:chgData name="Irving Leander Reascos Valencia" userId="355ef903-6e56-42c5-b4d8-5b764e20389a" providerId="ADAL" clId="{FF2A4FE9-6061-4F89-9356-7C24429792B8}" dt="2021-10-19T19:10:39.468" v="479" actId="26606"/>
-          <ac:spMkLst>
-            <pc:docMk/>
-            <pc:sldMk cId="3916293193" sldId="256"/>
-            <ac:spMk id="83" creationId="{A4FB2F3E-259B-4650-B258-F09745BAA841}"/>
-          </ac:spMkLst>
-        </pc:spChg>
-        <pc:spChg chg="add del">
-          <ac:chgData name="Irving Leander Reascos Valencia" userId="355ef903-6e56-42c5-b4d8-5b764e20389a" providerId="ADAL" clId="{FF2A4FE9-6061-4F89-9356-7C24429792B8}" dt="2021-10-19T19:10:07.875" v="471" actId="26606"/>
-          <ac:spMkLst>
-            <pc:docMk/>
-            <pc:sldMk cId="3916293193" sldId="256"/>
-            <ac:spMk id="105" creationId="{26BDCA6B-3C9C-4213-A0D9-30BD5F0B073E}"/>
-          </ac:spMkLst>
-        </pc:spChg>
-        <pc:spChg chg="add del">
-          <ac:chgData name="Irving Leander Reascos Valencia" userId="355ef903-6e56-42c5-b4d8-5b764e20389a" providerId="ADAL" clId="{FF2A4FE9-6061-4F89-9356-7C24429792B8}" dt="2021-10-19T19:10:07.875" v="471" actId="26606"/>
-          <ac:spMkLst>
-            <pc:docMk/>
-            <pc:sldMk cId="3916293193" sldId="256"/>
-            <ac:spMk id="106" creationId="{FDA12F62-867F-4684-B28B-E085D09DCC06}"/>
-          </ac:spMkLst>
-        </pc:spChg>
-        <pc:spChg chg="add del">
-          <ac:chgData name="Irving Leander Reascos Valencia" userId="355ef903-6e56-42c5-b4d8-5b764e20389a" providerId="ADAL" clId="{FF2A4FE9-6061-4F89-9356-7C24429792B8}" dt="2021-10-19T19:08:24.892" v="465" actId="26606"/>
-          <ac:spMkLst>
-            <pc:docMk/>
-            <pc:sldMk cId="3916293193" sldId="256"/>
-            <ac:spMk id="107" creationId="{DA3C47C2-33A2-44B2-BEAB-FEB679075C24}"/>
-          </ac:spMkLst>
-        </pc:spChg>
-        <pc:spChg chg="add del">
-          <ac:chgData name="Irving Leander Reascos Valencia" userId="355ef903-6e56-42c5-b4d8-5b764e20389a" providerId="ADAL" clId="{FF2A4FE9-6061-4F89-9356-7C24429792B8}" dt="2021-10-19T19:08:16.697" v="463" actId="26606"/>
-          <ac:spMkLst>
-            <pc:docMk/>
-            <pc:sldMk cId="3916293193" sldId="256"/>
-            <ac:spMk id="108" creationId="{3A930249-8242-4E2B-AF17-C01826488321}"/>
-          </ac:spMkLst>
-        </pc:spChg>
-        <pc:spChg chg="add del">
-          <ac:chgData name="Irving Leander Reascos Valencia" userId="355ef903-6e56-42c5-b4d8-5b764e20389a" providerId="ADAL" clId="{FF2A4FE9-6061-4F89-9356-7C24429792B8}" dt="2021-10-19T19:08:24.892" v="465" actId="26606"/>
-          <ac:spMkLst>
-            <pc:docMk/>
-            <pc:sldMk cId="3916293193" sldId="256"/>
-            <ac:spMk id="109" creationId="{AD182BA8-54AD-4D9F-8264-B0FA8BB47D7C}"/>
-          </ac:spMkLst>
-        </pc:spChg>
-        <pc:spChg chg="add del">
-          <ac:chgData name="Irving Leander Reascos Valencia" userId="355ef903-6e56-42c5-b4d8-5b764e20389a" providerId="ADAL" clId="{FF2A4FE9-6061-4F89-9356-7C24429792B8}" dt="2021-10-19T19:08:16.697" v="463" actId="26606"/>
-          <ac:spMkLst>
-            <pc:docMk/>
-            <pc:sldMk cId="3916293193" sldId="256"/>
-            <ac:spMk id="110" creationId="{A5BDD999-C5E1-4B3E-A710-768673819165}"/>
-          </ac:spMkLst>
-        </pc:spChg>
-        <pc:spChg chg="add del">
-          <ac:chgData name="Irving Leander Reascos Valencia" userId="355ef903-6e56-42c5-b4d8-5b764e20389a" providerId="ADAL" clId="{FF2A4FE9-6061-4F89-9356-7C24429792B8}" dt="2021-10-19T19:08:24.892" v="465" actId="26606"/>
-          <ac:spMkLst>
-            <pc:docMk/>
-            <pc:sldMk cId="3916293193" sldId="256"/>
-            <ac:spMk id="111" creationId="{4ED83379-0499-45E1-AB78-6AA230F96442}"/>
-          </ac:spMkLst>
-        </pc:spChg>
-        <pc:spChg chg="add del">
-          <ac:chgData name="Irving Leander Reascos Valencia" userId="355ef903-6e56-42c5-b4d8-5b764e20389a" providerId="ADAL" clId="{FF2A4FE9-6061-4F89-9356-7C24429792B8}" dt="2021-10-19T19:10:14.727" v="473" actId="26606"/>
-          <ac:spMkLst>
-            <pc:docMk/>
-            <pc:sldMk cId="3916293193" sldId="256"/>
-            <ac:spMk id="112" creationId="{2A8AA5BC-4F7A-4226-8F99-6D824B226A97}"/>
-          </ac:spMkLst>
-        </pc:spChg>
-        <pc:spChg chg="add del">
-          <ac:chgData name="Irving Leander Reascos Valencia" userId="355ef903-6e56-42c5-b4d8-5b764e20389a" providerId="ADAL" clId="{FF2A4FE9-6061-4F89-9356-7C24429792B8}" dt="2021-10-19T19:08:28.973" v="469" actId="26606"/>
-          <ac:spMkLst>
-            <pc:docMk/>
-            <pc:sldMk cId="3916293193" sldId="256"/>
-            <ac:spMk id="113" creationId="{A017E2F9-032A-4CAE-A2E4-7465A67B7A03}"/>
-          </ac:spMkLst>
-        </pc:spChg>
-        <pc:spChg chg="add del">
-          <ac:chgData name="Irving Leander Reascos Valencia" userId="355ef903-6e56-42c5-b4d8-5b764e20389a" providerId="ADAL" clId="{FF2A4FE9-6061-4F89-9356-7C24429792B8}" dt="2021-10-19T19:08:28.973" v="469" actId="26606"/>
-          <ac:spMkLst>
-            <pc:docMk/>
-            <pc:sldMk cId="3916293193" sldId="256"/>
-            <ac:spMk id="114" creationId="{036EB2E8-1BD0-492D-BF5A-CE0184DA769D}"/>
-          </ac:spMkLst>
-        </pc:spChg>
-        <pc:spChg chg="add del">
-          <ac:chgData name="Irving Leander Reascos Valencia" userId="355ef903-6e56-42c5-b4d8-5b764e20389a" providerId="ADAL" clId="{FF2A4FE9-6061-4F89-9356-7C24429792B8}" dt="2021-10-19T19:08:28.973" v="469" actId="26606"/>
-          <ac:spMkLst>
-            <pc:docMk/>
-            <pc:sldMk cId="3916293193" sldId="256"/>
-            <ac:spMk id="115" creationId="{5316ED32-D562-46FD-A6C1-B0FBF4EF62B6}"/>
-          </ac:spMkLst>
-        </pc:spChg>
-        <pc:spChg chg="add del">
-          <ac:chgData name="Irving Leander Reascos Valencia" userId="355ef903-6e56-42c5-b4d8-5b764e20389a" providerId="ADAL" clId="{FF2A4FE9-6061-4F89-9356-7C24429792B8}" dt="2021-10-19T19:10:14.727" v="473" actId="26606"/>
-          <ac:spMkLst>
-            <pc:docMk/>
-            <pc:sldMk cId="3916293193" sldId="256"/>
-            <ac:spMk id="116" creationId="{3E5445C6-DD42-4979-86FF-03730E8C6DB0}"/>
-          </ac:spMkLst>
-        </pc:spChg>
-        <pc:spChg chg="add del">
-          <ac:chgData name="Irving Leander Reascos Valencia" userId="355ef903-6e56-42c5-b4d8-5b764e20389a" providerId="ADAL" clId="{FF2A4FE9-6061-4F89-9356-7C24429792B8}" dt="2021-10-19T19:10:36.841" v="475" actId="26606"/>
-          <ac:spMkLst>
-            <pc:docMk/>
-            <pc:sldMk cId="3916293193" sldId="256"/>
-            <ac:spMk id="118" creationId="{787F4F1C-8D3D-4EC1-B72D-A0470A5A08B8}"/>
-          </ac:spMkLst>
-        </pc:spChg>
-        <pc:spChg chg="add del">
-          <ac:chgData name="Irving Leander Reascos Valencia" userId="355ef903-6e56-42c5-b4d8-5b764e20389a" providerId="ADAL" clId="{FF2A4FE9-6061-4F89-9356-7C24429792B8}" dt="2021-10-19T19:10:38.244" v="477" actId="26606"/>
-          <ac:spMkLst>
-            <pc:docMk/>
-            <pc:sldMk cId="3916293193" sldId="256"/>
-            <ac:spMk id="127" creationId="{FB5B0058-AF13-4859-B429-4EDDE2A26F7F}"/>
-          </ac:spMkLst>
-        </pc:spChg>
-        <pc:spChg chg="add del">
-          <ac:chgData name="Irving Leander Reascos Valencia" userId="355ef903-6e56-42c5-b4d8-5b764e20389a" providerId="ADAL" clId="{FF2A4FE9-6061-4F89-9356-7C24429792B8}" dt="2021-10-19T19:10:38.244" v="477" actId="26606"/>
-          <ac:spMkLst>
-            <pc:docMk/>
-            <pc:sldMk cId="3916293193" sldId="256"/>
-            <ac:spMk id="128" creationId="{81BD432D-FAB3-4B5D-BF27-4DA7C75B3238}"/>
-          </ac:spMkLst>
-        </pc:spChg>
-        <pc:grpChg chg="add del">
-          <ac:chgData name="Irving Leander Reascos Valencia" userId="355ef903-6e56-42c5-b4d8-5b764e20389a" providerId="ADAL" clId="{FF2A4FE9-6061-4F89-9356-7C24429792B8}" dt="2021-10-19T19:06:07.409" v="425" actId="26606"/>
-          <ac:grpSpMkLst>
-            <pc:docMk/>
-            <pc:sldMk cId="3916293193" sldId="256"/>
-            <ac:grpSpMk id="18" creationId="{D1E3DD61-64DB-46AD-B249-E273CD86B051}"/>
-          </ac:grpSpMkLst>
-        </pc:grpChg>
-        <pc:grpChg chg="add del">
-          <ac:chgData name="Irving Leander Reascos Valencia" userId="355ef903-6e56-42c5-b4d8-5b764e20389a" providerId="ADAL" clId="{FF2A4FE9-6061-4F89-9356-7C24429792B8}" dt="2021-10-19T19:06:33.191" v="433" actId="26606"/>
-          <ac:grpSpMkLst>
-            <pc:docMk/>
-            <pc:sldMk cId="3916293193" sldId="256"/>
-            <ac:grpSpMk id="29" creationId="{1FEC590B-3306-47E9-BD67-97F3F76169A4}"/>
-          </ac:grpSpMkLst>
-        </pc:grpChg>
-        <pc:grpChg chg="add del">
-          <ac:chgData name="Irving Leander Reascos Valencia" userId="355ef903-6e56-42c5-b4d8-5b764e20389a" providerId="ADAL" clId="{FF2A4FE9-6061-4F89-9356-7C24429792B8}" dt="2021-10-19T19:06:33.191" v="433" actId="26606"/>
-          <ac:grpSpMkLst>
-            <pc:docMk/>
-            <pc:sldMk cId="3916293193" sldId="256"/>
-            <ac:grpSpMk id="32" creationId="{A47AAF5E-1692-48C9-98FB-6432BF0BC4F7}"/>
-          </ac:grpSpMkLst>
-        </pc:grpChg>
-        <pc:grpChg chg="add del">
-          <ac:chgData name="Irving Leander Reascos Valencia" userId="355ef903-6e56-42c5-b4d8-5b764e20389a" providerId="ADAL" clId="{FF2A4FE9-6061-4F89-9356-7C24429792B8}" dt="2021-10-19T19:07:17.243" v="456" actId="26606"/>
-          <ac:grpSpMkLst>
-            <pc:docMk/>
-            <pc:sldMk cId="3916293193" sldId="256"/>
-            <ac:grpSpMk id="71" creationId="{5F9D1CBF-A219-4C01-85A0-9DF6151EE270}"/>
-          </ac:grpSpMkLst>
-        </pc:grpChg>
-        <pc:grpChg chg="add del">
-          <ac:chgData name="Irving Leander Reascos Valencia" userId="355ef903-6e56-42c5-b4d8-5b764e20389a" providerId="ADAL" clId="{FF2A4FE9-6061-4F89-9356-7C24429792B8}" dt="2021-10-19T19:07:18.197" v="458" actId="26606"/>
-          <ac:grpSpMkLst>
-            <pc:docMk/>
-            <pc:sldMk cId="3916293193" sldId="256"/>
-            <ac:grpSpMk id="77" creationId="{51579200-569C-441E-840B-B8541A0177A0}"/>
-          </ac:grpSpMkLst>
-        </pc:grpChg>
-        <pc:grpChg chg="add del">
-          <ac:chgData name="Irving Leander Reascos Valencia" userId="355ef903-6e56-42c5-b4d8-5b764e20389a" providerId="ADAL" clId="{FF2A4FE9-6061-4F89-9356-7C24429792B8}" dt="2021-10-19T19:10:39.468" v="479" actId="26606"/>
-          <ac:grpSpMkLst>
-            <pc:docMk/>
-            <pc:sldMk cId="3916293193" sldId="256"/>
-            <ac:grpSpMk id="84" creationId="{084C5BAC-71DF-48C0-AB51-699516D3BE58}"/>
-          </ac:grpSpMkLst>
-        </pc:grpChg>
-        <pc:grpChg chg="add del">
-          <ac:chgData name="Irving Leander Reascos Valencia" userId="355ef903-6e56-42c5-b4d8-5b764e20389a" providerId="ADAL" clId="{FF2A4FE9-6061-4F89-9356-7C24429792B8}" dt="2021-10-19T19:10:36.841" v="475" actId="26606"/>
-          <ac:grpSpMkLst>
-            <pc:docMk/>
-            <pc:sldMk cId="3916293193" sldId="256"/>
-            <ac:grpSpMk id="119" creationId="{D1E3DD61-64DB-46AD-B249-E273CD86B051}"/>
-          </ac:grpSpMkLst>
-        </pc:grpChg>
-        <pc:picChg chg="add del mod">
-          <ac:chgData name="Irving Leander Reascos Valencia" userId="355ef903-6e56-42c5-b4d8-5b764e20389a" providerId="ADAL" clId="{FF2A4FE9-6061-4F89-9356-7C24429792B8}" dt="2021-10-19T19:03:46.429" v="419" actId="26606"/>
+          <ac:chgData name="Rodrigo da Silva Gomes Peres Coelho" userId="S::pg47622@uminho.pt::32a22569-e572-4c9f-bf40-e144b3d8d0a1" providerId="AD" clId="Web-{CAE9DF54-3E55-1FB7-D7BF-C095B0D0356E}" dt="2021-10-29T09:24:31.927" v="131"/>
+          <ac:spMkLst>
+            <pc:docMk/>
+            <pc:sldMk cId="3345648404" sldId="264"/>
+            <ac:spMk id="6" creationId="{F5218251-2F2A-4C4A-9158-3A4B676BDC9F}"/>
+          </ac:spMkLst>
+        </pc:spChg>
+        <pc:spChg chg="add del mod">
+          <ac:chgData name="Rodrigo da Silva Gomes Peres Coelho" userId="S::pg47622@uminho.pt::32a22569-e572-4c9f-bf40-e144b3d8d0a1" providerId="AD" clId="Web-{CAE9DF54-3E55-1FB7-D7BF-C095B0D0356E}" dt="2021-10-29T09:27:40.016" v="157"/>
+          <ac:spMkLst>
+            <pc:docMk/>
+            <pc:sldMk cId="3345648404" sldId="264"/>
+            <ac:spMk id="11" creationId="{55638AF7-E36A-4B84-8CC8-A1C25F7ECE0A}"/>
+          </ac:spMkLst>
+        </pc:spChg>
+        <pc:picChg chg="del">
+          <ac:chgData name="Rodrigo da Silva Gomes Peres Coelho" userId="S::pg47622@uminho.pt::32a22569-e572-4c9f-bf40-e144b3d8d0a1" providerId="AD" clId="Web-{CAE9DF54-3E55-1FB7-D7BF-C095B0D0356E}" dt="2021-10-29T09:24:16.957" v="130"/>
           <ac:picMkLst>
             <pc:docMk/>
-            <pc:sldMk cId="3916293193" sldId="256"/>
-            <ac:picMk id="6" creationId="{29566AA0-0466-4EB3-AF91-9C1B5652B793}"/>
+            <pc:sldMk cId="3345648404" sldId="264"/>
+            <ac:picMk id="7" creationId="{BABBFE0C-6DB8-4D5C-8B4A-46A566D9BD09}"/>
+          </ac:picMkLst>
+        </pc:picChg>
+        <pc:picChg chg="add del mod ord">
+          <ac:chgData name="Rodrigo da Silva Gomes Peres Coelho" userId="S::pg47622@uminho.pt::32a22569-e572-4c9f-bf40-e144b3d8d0a1" providerId="AD" clId="Web-{CAE9DF54-3E55-1FB7-D7BF-C095B0D0356E}" dt="2021-10-29T09:27:26.906" v="155"/>
+          <ac:picMkLst>
+            <pc:docMk/>
+            <pc:sldMk cId="3345648404" sldId="264"/>
+            <ac:picMk id="8" creationId="{0987677B-00D1-4CAB-A122-9377F164484C}"/>
           </ac:picMkLst>
         </pc:picChg>
         <pc:picChg chg="add del mod">
-          <ac:chgData name="Irving Leander Reascos Valencia" userId="355ef903-6e56-42c5-b4d8-5b764e20389a" providerId="ADAL" clId="{FF2A4FE9-6061-4F89-9356-7C24429792B8}" dt="2021-10-19T19:06:15.831" v="429" actId="26606"/>
+          <ac:chgData name="Rodrigo da Silva Gomes Peres Coelho" userId="S::pg47622@uminho.pt::32a22569-e572-4c9f-bf40-e144b3d8d0a1" providerId="AD" clId="Web-{CAE9DF54-3E55-1FB7-D7BF-C095B0D0356E}" dt="2021-10-29T09:27:36.047" v="156"/>
           <ac:picMkLst>
             <pc:docMk/>
-            <pc:sldMk cId="3916293193" sldId="256"/>
-            <ac:picMk id="21" creationId="{8210B9F1-D91D-410C-B3A6-BEFC58FCD936}"/>
+            <pc:sldMk cId="3345648404" sldId="264"/>
+            <ac:picMk id="9" creationId="{00843BDA-6DE5-4221-88FB-6E95DDE84F48}"/>
+          </ac:picMkLst>
+        </pc:picChg>
+        <pc:picChg chg="add del mod">
+          <ac:chgData name="Rodrigo da Silva Gomes Peres Coelho" userId="S::pg47622@uminho.pt::32a22569-e572-4c9f-bf40-e144b3d8d0a1" providerId="AD" clId="Web-{CAE9DF54-3E55-1FB7-D7BF-C095B0D0356E}" dt="2021-10-29T09:28:01.299" v="161"/>
+          <ac:picMkLst>
+            <pc:docMk/>
+            <pc:sldMk cId="3345648404" sldId="264"/>
+            <ac:picMk id="12" creationId="{397F19F4-1C62-43D3-9273-23C1B3A25338}"/>
           </ac:picMkLst>
         </pc:picChg>
         <pc:picChg chg="add mod">
-          <ac:chgData name="Irving Leander Reascos Valencia" userId="355ef903-6e56-42c5-b4d8-5b764e20389a" providerId="ADAL" clId="{FF2A4FE9-6061-4F89-9356-7C24429792B8}" dt="2021-10-19T19:48:11.868" v="749" actId="1076"/>
+          <ac:chgData name="Rodrigo da Silva Gomes Peres Coelho" userId="S::pg47622@uminho.pt::32a22569-e572-4c9f-bf40-e144b3d8d0a1" providerId="AD" clId="Web-{CAE9DF54-3E55-1FB7-D7BF-C095B0D0356E}" dt="2021-10-29T09:29:15.647" v="164" actId="1076"/>
           <ac:picMkLst>
             <pc:docMk/>
-            <pc:sldMk cId="3916293193" sldId="256"/>
-            <ac:picMk id="44" creationId="{10F7A4C2-65D3-4FFC-AD90-FE4BA48A4A15}"/>
-          </ac:picMkLst>
-        </pc:picChg>
-        <pc:picChg chg="add del">
-          <ac:chgData name="Irving Leander Reascos Valencia" userId="355ef903-6e56-42c5-b4d8-5b764e20389a" providerId="ADAL" clId="{FF2A4FE9-6061-4F89-9356-7C24429792B8}" dt="2021-10-19T19:08:16.697" v="463" actId="26606"/>
-          <ac:picMkLst>
-            <pc:docMk/>
-            <pc:sldMk cId="3916293193" sldId="256"/>
-            <ac:picMk id="104" creationId="{FCFE29C8-3320-4C00-9FEF-9B2DD9DCC347}"/>
-          </ac:picMkLst>
-        </pc:picChg>
-        <pc:cxnChg chg="add del">
-          <ac:chgData name="Irving Leander Reascos Valencia" userId="355ef903-6e56-42c5-b4d8-5b764e20389a" providerId="ADAL" clId="{FF2A4FE9-6061-4F89-9356-7C24429792B8}" dt="2021-10-19T19:05:53.050" v="421" actId="26606"/>
-          <ac:cxnSpMkLst>
-            <pc:docMk/>
-            <pc:sldMk cId="3916293193" sldId="256"/>
-            <ac:cxnSpMk id="10" creationId="{EC4521DE-248E-440D-AAD6-FD9E7D34B3BF}"/>
-          </ac:cxnSpMkLst>
-        </pc:cxnChg>
-        <pc:cxnChg chg="add del">
-          <ac:chgData name="Irving Leander Reascos Valencia" userId="355ef903-6e56-42c5-b4d8-5b764e20389a" providerId="ADAL" clId="{FF2A4FE9-6061-4F89-9356-7C24429792B8}" dt="2021-10-19T19:05:53.050" v="421" actId="26606"/>
-          <ac:cxnSpMkLst>
-            <pc:docMk/>
-            <pc:sldMk cId="3916293193" sldId="256"/>
-            <ac:cxnSpMk id="12" creationId="{442C13FA-4C0F-42D0-9626-5BA6040D8C31}"/>
-          </ac:cxnSpMkLst>
-        </pc:cxnChg>
-        <pc:cxnChg chg="add del">
-          <ac:chgData name="Irving Leander Reascos Valencia" userId="355ef903-6e56-42c5-b4d8-5b764e20389a" providerId="ADAL" clId="{FF2A4FE9-6061-4F89-9356-7C24429792B8}" dt="2021-10-19T19:06:03.421" v="423" actId="26606"/>
-          <ac:cxnSpMkLst>
-            <pc:docMk/>
-            <pc:sldMk cId="3916293193" sldId="256"/>
-            <ac:cxnSpMk id="13" creationId="{FEA8332D-EA74-40A2-8709-00EDB23792E1}"/>
-          </ac:cxnSpMkLst>
-        </pc:cxnChg>
-        <pc:cxnChg chg="add del">
-          <ac:chgData name="Irving Leander Reascos Valencia" userId="355ef903-6e56-42c5-b4d8-5b764e20389a" providerId="ADAL" clId="{FF2A4FE9-6061-4F89-9356-7C24429792B8}" dt="2021-10-19T19:06:03.421" v="423" actId="26606"/>
-          <ac:cxnSpMkLst>
-            <pc:docMk/>
-            <pc:sldMk cId="3916293193" sldId="256"/>
-            <ac:cxnSpMk id="14" creationId="{AB88284F-ED00-40CA-B57D-89C49E8EC6E9}"/>
-          </ac:cxnSpMkLst>
-        </pc:cxnChg>
-        <pc:cxnChg chg="add del">
-          <ac:chgData name="Irving Leander Reascos Valencia" userId="355ef903-6e56-42c5-b4d8-5b764e20389a" providerId="ADAL" clId="{FF2A4FE9-6061-4F89-9356-7C24429792B8}" dt="2021-10-19T19:06:30.490" v="431" actId="26606"/>
-          <ac:cxnSpMkLst>
-            <pc:docMk/>
-            <pc:sldMk cId="3916293193" sldId="256"/>
-            <ac:cxnSpMk id="16" creationId="{56020367-4FD5-4596-8E10-C5F095CD8DBF}"/>
-          </ac:cxnSpMkLst>
-        </pc:cxnChg>
-        <pc:cxnChg chg="add del">
-          <ac:chgData name="Irving Leander Reascos Valencia" userId="355ef903-6e56-42c5-b4d8-5b764e20389a" providerId="ADAL" clId="{FF2A4FE9-6061-4F89-9356-7C24429792B8}" dt="2021-10-19T19:06:35.922" v="439" actId="26606"/>
-          <ac:cxnSpMkLst>
-            <pc:docMk/>
-            <pc:sldMk cId="3916293193" sldId="256"/>
-            <ac:cxnSpMk id="46" creationId="{56020367-4FD5-4596-8E10-C5F095CD8DBF}"/>
-          </ac:cxnSpMkLst>
-        </pc:cxnChg>
-        <pc:cxnChg chg="add del">
-          <ac:chgData name="Irving Leander Reascos Valencia" userId="355ef903-6e56-42c5-b4d8-5b764e20389a" providerId="ADAL" clId="{FF2A4FE9-6061-4F89-9356-7C24429792B8}" dt="2021-10-19T19:06:41.478" v="441" actId="26606"/>
-          <ac:cxnSpMkLst>
-            <pc:docMk/>
-            <pc:sldMk cId="3916293193" sldId="256"/>
-            <ac:cxnSpMk id="52" creationId="{EC4521DE-248E-440D-AAD6-FD9E7D34B3BF}"/>
-          </ac:cxnSpMkLst>
-        </pc:cxnChg>
-        <pc:cxnChg chg="add del">
-          <ac:chgData name="Irving Leander Reascos Valencia" userId="355ef903-6e56-42c5-b4d8-5b764e20389a" providerId="ADAL" clId="{FF2A4FE9-6061-4F89-9356-7C24429792B8}" dt="2021-10-19T19:06:41.478" v="441" actId="26606"/>
-          <ac:cxnSpMkLst>
-            <pc:docMk/>
-            <pc:sldMk cId="3916293193" sldId="256"/>
-            <ac:cxnSpMk id="53" creationId="{442C13FA-4C0F-42D0-9626-5BA6040D8C31}"/>
-          </ac:cxnSpMkLst>
-        </pc:cxnChg>
-        <pc:cxnChg chg="add del">
-          <ac:chgData name="Irving Leander Reascos Valencia" userId="355ef903-6e56-42c5-b4d8-5b764e20389a" providerId="ADAL" clId="{FF2A4FE9-6061-4F89-9356-7C24429792B8}" dt="2021-10-19T19:06:44.597" v="445" actId="26606"/>
-          <ac:cxnSpMkLst>
-            <pc:docMk/>
-            <pc:sldMk cId="3916293193" sldId="256"/>
-            <ac:cxnSpMk id="57" creationId="{2D07C3A8-02AE-4DC1-B13F-A6AA2ECA9FFD}"/>
-          </ac:cxnSpMkLst>
-        </pc:cxnChg>
-        <pc:cxnChg chg="add del">
-          <ac:chgData name="Irving Leander Reascos Valencia" userId="355ef903-6e56-42c5-b4d8-5b764e20389a" providerId="ADAL" clId="{FF2A4FE9-6061-4F89-9356-7C24429792B8}" dt="2021-10-19T19:06:51.993" v="449" actId="26606"/>
-          <ac:cxnSpMkLst>
-            <pc:docMk/>
-            <pc:sldMk cId="3916293193" sldId="256"/>
-            <ac:cxnSpMk id="61" creationId="{07A9243D-8FC3-4B36-874B-55906B03F484}"/>
-          </ac:cxnSpMkLst>
-        </pc:cxnChg>
-        <pc:cxnChg chg="add del">
-          <ac:chgData name="Irving Leander Reascos Valencia" userId="355ef903-6e56-42c5-b4d8-5b764e20389a" providerId="ADAL" clId="{FF2A4FE9-6061-4F89-9356-7C24429792B8}" dt="2021-10-19T19:06:59.449" v="452" actId="26606"/>
-          <ac:cxnSpMkLst>
-            <pc:docMk/>
-            <pc:sldMk cId="3916293193" sldId="256"/>
-            <ac:cxnSpMk id="64" creationId="{C4C8A451-B6C1-4CB1-95FC-2DBDEC61FF17}"/>
-          </ac:cxnSpMkLst>
-        </pc:cxnChg>
-        <pc:cxnChg chg="add del">
-          <ac:chgData name="Irving Leander Reascos Valencia" userId="355ef903-6e56-42c5-b4d8-5b764e20389a" providerId="ADAL" clId="{FF2A4FE9-6061-4F89-9356-7C24429792B8}" dt="2021-10-19T19:06:59.449" v="452" actId="26606"/>
-          <ac:cxnSpMkLst>
-            <pc:docMk/>
-            <pc:sldMk cId="3916293193" sldId="256"/>
-            <ac:cxnSpMk id="65" creationId="{E8439DD6-1CCF-48C6-AF10-B7018793022A}"/>
-          </ac:cxnSpMkLst>
-        </pc:cxnChg>
-        <pc:cxnChg chg="add del">
-          <ac:chgData name="Irving Leander Reascos Valencia" userId="355ef903-6e56-42c5-b4d8-5b764e20389a" providerId="ADAL" clId="{FF2A4FE9-6061-4F89-9356-7C24429792B8}" dt="2021-10-19T19:10:14.727" v="473" actId="26606"/>
-          <ac:cxnSpMkLst>
-            <pc:docMk/>
-            <pc:sldMk cId="3916293193" sldId="256"/>
-            <ac:cxnSpMk id="117" creationId="{45000665-DFC7-417E-8FD7-516A0F15C975}"/>
-          </ac:cxnSpMkLst>
-        </pc:cxnChg>
-        <pc:cxnChg chg="add del">
-          <ac:chgData name="Irving Leander Reascos Valencia" userId="355ef903-6e56-42c5-b4d8-5b764e20389a" providerId="ADAL" clId="{FF2A4FE9-6061-4F89-9356-7C24429792B8}" dt="2021-10-19T19:10:38.244" v="477" actId="26606"/>
-          <ac:cxnSpMkLst>
-            <pc:docMk/>
-            <pc:sldMk cId="3916293193" sldId="256"/>
-            <ac:cxnSpMk id="129" creationId="{E6D6B450-4278-45B8-88C7-C061710E3C7E}"/>
-          </ac:cxnSpMkLst>
-        </pc:cxnChg>
-        <pc:cxnChg chg="add del">
-          <ac:chgData name="Irving Leander Reascos Valencia" userId="355ef903-6e56-42c5-b4d8-5b764e20389a" providerId="ADAL" clId="{FF2A4FE9-6061-4F89-9356-7C24429792B8}" dt="2021-10-19T19:10:38.244" v="477" actId="26606"/>
-          <ac:cxnSpMkLst>
-            <pc:docMk/>
-            <pc:sldMk cId="3916293193" sldId="256"/>
-            <ac:cxnSpMk id="130" creationId="{74234A4C-A256-4139-A5F4-27078F0D6796}"/>
-          </ac:cxnSpMkLst>
-        </pc:cxnChg>
-      </pc:sldChg>
-      <pc:sldChg chg="addSp delSp modSp mod setBg setClrOvrMap">
-        <pc:chgData name="Irving Leander Reascos Valencia" userId="355ef903-6e56-42c5-b4d8-5b764e20389a" providerId="ADAL" clId="{FF2A4FE9-6061-4F89-9356-7C24429792B8}" dt="2021-10-19T19:48:07.140" v="748" actId="1076"/>
-        <pc:sldMkLst>
-          <pc:docMk/>
-          <pc:sldMk cId="2618058349" sldId="257"/>
-        </pc:sldMkLst>
-        <pc:spChg chg="mod">
-          <ac:chgData name="Irving Leander Reascos Valencia" userId="355ef903-6e56-42c5-b4d8-5b764e20389a" providerId="ADAL" clId="{FF2A4FE9-6061-4F89-9356-7C24429792B8}" dt="2021-10-19T19:13:25.522" v="484" actId="26606"/>
-          <ac:spMkLst>
-            <pc:docMk/>
-            <pc:sldMk cId="2618058349" sldId="257"/>
-            <ac:spMk id="2" creationId="{A90D1A64-2A9D-4122-9AF7-59CDF0D95CE7}"/>
-          </ac:spMkLst>
-        </pc:spChg>
-        <pc:spChg chg="mod">
-          <ac:chgData name="Irving Leander Reascos Valencia" userId="355ef903-6e56-42c5-b4d8-5b764e20389a" providerId="ADAL" clId="{FF2A4FE9-6061-4F89-9356-7C24429792B8}" dt="2021-10-19T19:13:25.522" v="484" actId="26606"/>
-          <ac:spMkLst>
-            <pc:docMk/>
-            <pc:sldMk cId="2618058349" sldId="257"/>
-            <ac:spMk id="3" creationId="{A1193E02-CBB4-4219-B249-B771F91CFEC0}"/>
-          </ac:spMkLst>
-        </pc:spChg>
-        <pc:spChg chg="add">
-          <ac:chgData name="Irving Leander Reascos Valencia" userId="355ef903-6e56-42c5-b4d8-5b764e20389a" providerId="ADAL" clId="{FF2A4FE9-6061-4F89-9356-7C24429792B8}" dt="2021-10-19T19:13:25.522" v="484" actId="26606"/>
-          <ac:spMkLst>
-            <pc:docMk/>
-            <pc:sldMk cId="2618058349" sldId="257"/>
-            <ac:spMk id="6" creationId="{EA67B5B4-3A24-436E-B663-1B2EBFF8A0CD}"/>
-          </ac:spMkLst>
-        </pc:spChg>
-        <pc:spChg chg="add">
-          <ac:chgData name="Irving Leander Reascos Valencia" userId="355ef903-6e56-42c5-b4d8-5b764e20389a" providerId="ADAL" clId="{FF2A4FE9-6061-4F89-9356-7C24429792B8}" dt="2021-10-19T19:13:25.522" v="484" actId="26606"/>
-          <ac:spMkLst>
-            <pc:docMk/>
-            <pc:sldMk cId="2618058349" sldId="257"/>
-            <ac:spMk id="7" creationId="{987FDF89-C993-41F4-A1B8-DBAFF16008A9}"/>
-          </ac:spMkLst>
-        </pc:spChg>
-        <pc:spChg chg="add del">
-          <ac:chgData name="Irving Leander Reascos Valencia" userId="355ef903-6e56-42c5-b4d8-5b764e20389a" providerId="ADAL" clId="{FF2A4FE9-6061-4F89-9356-7C24429792B8}" dt="2021-10-19T19:13:19.385" v="481" actId="26606"/>
-          <ac:spMkLst>
-            <pc:docMk/>
-            <pc:sldMk cId="2618058349" sldId="257"/>
-            <ac:spMk id="8" creationId="{EA67B5B4-3A24-436E-B663-1B2EBFF8A0CD}"/>
-          </ac:spMkLst>
-        </pc:spChg>
-        <pc:spChg chg="add del">
-          <ac:chgData name="Irving Leander Reascos Valencia" userId="355ef903-6e56-42c5-b4d8-5b764e20389a" providerId="ADAL" clId="{FF2A4FE9-6061-4F89-9356-7C24429792B8}" dt="2021-10-19T19:13:21.768" v="483" actId="26606"/>
-          <ac:spMkLst>
-            <pc:docMk/>
-            <pc:sldMk cId="2618058349" sldId="257"/>
-            <ac:spMk id="9" creationId="{C5E6CFF1-2F42-4E10-9A97-F116F46F53FE}"/>
-          </ac:spMkLst>
-        </pc:spChg>
-        <pc:spChg chg="add del">
-          <ac:chgData name="Irving Leander Reascos Valencia" userId="355ef903-6e56-42c5-b4d8-5b764e20389a" providerId="ADAL" clId="{FF2A4FE9-6061-4F89-9356-7C24429792B8}" dt="2021-10-19T19:13:19.385" v="481" actId="26606"/>
-          <ac:spMkLst>
-            <pc:docMk/>
-            <pc:sldMk cId="2618058349" sldId="257"/>
-            <ac:spMk id="10" creationId="{987FDF89-C993-41F4-A1B8-DBAFF16008A9}"/>
-          </ac:spMkLst>
-        </pc:spChg>
-        <pc:spChg chg="add del">
-          <ac:chgData name="Irving Leander Reascos Valencia" userId="355ef903-6e56-42c5-b4d8-5b764e20389a" providerId="ADAL" clId="{FF2A4FE9-6061-4F89-9356-7C24429792B8}" dt="2021-10-19T19:13:19.385" v="481" actId="26606"/>
-          <ac:spMkLst>
-            <pc:docMk/>
-            <pc:sldMk cId="2618058349" sldId="257"/>
-            <ac:spMk id="12" creationId="{64E585EA-75FD-4025-8270-F66A58A15CDA}"/>
-          </ac:spMkLst>
-        </pc:spChg>
-        <pc:spChg chg="add">
-          <ac:chgData name="Irving Leander Reascos Valencia" userId="355ef903-6e56-42c5-b4d8-5b764e20389a" providerId="ADAL" clId="{FF2A4FE9-6061-4F89-9356-7C24429792B8}" dt="2021-10-19T19:13:25.522" v="484" actId="26606"/>
-          <ac:spMkLst>
-            <pc:docMk/>
-            <pc:sldMk cId="2618058349" sldId="257"/>
-            <ac:spMk id="13" creationId="{64E585EA-75FD-4025-8270-F66A58A15CDA}"/>
-          </ac:spMkLst>
-        </pc:spChg>
-        <pc:picChg chg="add del">
-          <ac:chgData name="Irving Leander Reascos Valencia" userId="355ef903-6e56-42c5-b4d8-5b764e20389a" providerId="ADAL" clId="{FF2A4FE9-6061-4F89-9356-7C24429792B8}" dt="2021-10-19T19:13:21.768" v="483" actId="26606"/>
-          <ac:picMkLst>
-            <pc:docMk/>
-            <pc:sldMk cId="2618058349" sldId="257"/>
-            <ac:picMk id="5" creationId="{80017416-3FBE-4EC2-8958-C8AD6E246FDE}"/>
+            <pc:sldMk cId="3345648404" sldId="264"/>
+            <ac:picMk id="13" creationId="{4D0222E7-DC34-4623-90B3-FF6BA2EFB7ED}"/>
           </ac:picMkLst>
         </pc:picChg>
         <pc:picChg chg="add mod">
-          <ac:chgData name="Irving Leander Reascos Valencia" userId="355ef903-6e56-42c5-b4d8-5b764e20389a" providerId="ADAL" clId="{FF2A4FE9-6061-4F89-9356-7C24429792B8}" dt="2021-10-19T19:48:07.140" v="748" actId="1076"/>
+          <ac:chgData name="Rodrigo da Silva Gomes Peres Coelho" userId="S::pg47622@uminho.pt::32a22569-e572-4c9f-bf40-e144b3d8d0a1" providerId="AD" clId="Web-{CAE9DF54-3E55-1FB7-D7BF-C095B0D0356E}" dt="2021-10-29T09:29:46.821" v="171" actId="1076"/>
           <ac:picMkLst>
             <pc:docMk/>
-            <pc:sldMk cId="2618058349" sldId="257"/>
-            <ac:picMk id="14" creationId="{3C8B47FD-FAEA-47BE-9B6E-17DEDEA847DE}"/>
+            <pc:sldMk cId="3345648404" sldId="264"/>
+            <ac:picMk id="14" creationId="{FC2B9E78-AA61-403B-ABE0-72EA4BA89517}"/>
           </ac:picMkLst>
         </pc:picChg>
-        <pc:picChg chg="add del mod">
-          <ac:chgData name="Irving Leander Reascos Valencia" userId="355ef903-6e56-42c5-b4d8-5b764e20389a" providerId="ADAL" clId="{FF2A4FE9-6061-4F89-9356-7C24429792B8}" dt="2021-10-19T19:18:18.838" v="488" actId="478"/>
-          <ac:picMkLst>
-            <pc:docMk/>
-            <pc:sldMk cId="2618058349" sldId="257"/>
-            <ac:picMk id="1026" creationId="{06B2EEA1-6DFF-40BD-BB45-4D1190DF3C02}"/>
-          </ac:picMkLst>
-        </pc:picChg>
-        <pc:cxnChg chg="add del">
-          <ac:chgData name="Irving Leander Reascos Valencia" userId="355ef903-6e56-42c5-b4d8-5b764e20389a" providerId="ADAL" clId="{FF2A4FE9-6061-4F89-9356-7C24429792B8}" dt="2021-10-19T19:13:21.768" v="483" actId="26606"/>
-          <ac:cxnSpMkLst>
-            <pc:docMk/>
-            <pc:sldMk cId="2618058349" sldId="257"/>
-            <ac:cxnSpMk id="11" creationId="{67182200-4859-4C8D-BCBB-55B245C28BA3}"/>
-          </ac:cxnSpMkLst>
-        </pc:cxnChg>
       </pc:sldChg>
-      <pc:sldChg chg="addSp modSp mod setBg setClrOvrMap">
-        <pc:chgData name="Irving Leander Reascos Valencia" userId="355ef903-6e56-42c5-b4d8-5b764e20389a" providerId="ADAL" clId="{FF2A4FE9-6061-4F89-9356-7C24429792B8}" dt="2021-10-19T19:59:50.173" v="770" actId="1076"/>
+      <pc:sldChg chg="addSp delSp modSp">
+        <pc:chgData name="Rodrigo da Silva Gomes Peres Coelho" userId="S::pg47622@uminho.pt::32a22569-e572-4c9f-bf40-e144b3d8d0a1" providerId="AD" clId="Web-{CAE9DF54-3E55-1FB7-D7BF-C095B0D0356E}" dt="2021-10-29T08:10:26.751" v="2"/>
         <pc:sldMkLst>
           <pc:docMk/>
-          <pc:sldMk cId="141842313" sldId="258"/>
+          <pc:sldMk cId="2634440952" sldId="267"/>
+        </pc:sldMkLst>
+        <pc:spChg chg="add del mod">
+          <ac:chgData name="Rodrigo da Silva Gomes Peres Coelho" userId="S::pg47622@uminho.pt::32a22569-e572-4c9f-bf40-e144b3d8d0a1" providerId="AD" clId="Web-{CAE9DF54-3E55-1FB7-D7BF-C095B0D0356E}" dt="2021-10-29T08:10:26.751" v="2"/>
+          <ac:spMkLst>
+            <pc:docMk/>
+            <pc:sldMk cId="2634440952" sldId="267"/>
+            <ac:spMk id="3" creationId="{595101D0-B985-48F6-AD44-704A379894C1}"/>
+          </ac:spMkLst>
+        </pc:spChg>
+      </pc:sldChg>
+      <pc:sldChg chg="addSp delSp modSp">
+        <pc:chgData name="Rodrigo da Silva Gomes Peres Coelho" userId="S::pg47622@uminho.pt::32a22569-e572-4c9f-bf40-e144b3d8d0a1" providerId="AD" clId="Web-{CAE9DF54-3E55-1FB7-D7BF-C095B0D0356E}" dt="2021-10-29T08:20:44.547" v="129" actId="1076"/>
+        <pc:sldMkLst>
+          <pc:docMk/>
+          <pc:sldMk cId="2830130355" sldId="268"/>
         </pc:sldMkLst>
         <pc:spChg chg="mod">
-          <ac:chgData name="Irving Leander Reascos Valencia" userId="355ef903-6e56-42c5-b4d8-5b764e20389a" providerId="ADAL" clId="{FF2A4FE9-6061-4F89-9356-7C24429792B8}" dt="2021-10-19T19:25:30.645" v="533" actId="26606"/>
-          <ac:spMkLst>
-            <pc:docMk/>
-            <pc:sldMk cId="141842313" sldId="258"/>
-            <ac:spMk id="2" creationId="{C9F13D6B-ADDC-4D9F-8F64-BFE5D3350D4E}"/>
-          </ac:spMkLst>
-        </pc:spChg>
-        <pc:spChg chg="mod">
-          <ac:chgData name="Irving Leander Reascos Valencia" userId="355ef903-6e56-42c5-b4d8-5b764e20389a" providerId="ADAL" clId="{FF2A4FE9-6061-4F89-9356-7C24429792B8}" dt="2021-10-19T19:25:30.645" v="533" actId="26606"/>
-          <ac:spMkLst>
-            <pc:docMk/>
-            <pc:sldMk cId="141842313" sldId="258"/>
-            <ac:spMk id="3" creationId="{EC75AD99-26BD-4FCD-9831-C1EBF240F0E8}"/>
-          </ac:spMkLst>
-        </pc:spChg>
-        <pc:spChg chg="add">
-          <ac:chgData name="Irving Leander Reascos Valencia" userId="355ef903-6e56-42c5-b4d8-5b764e20389a" providerId="ADAL" clId="{FF2A4FE9-6061-4F89-9356-7C24429792B8}" dt="2021-10-19T19:25:30.645" v="533" actId="26606"/>
-          <ac:spMkLst>
-            <pc:docMk/>
-            <pc:sldMk cId="141842313" sldId="258"/>
-            <ac:spMk id="8" creationId="{EA67B5B4-3A24-436E-B663-1B2EBFF8A0CD}"/>
-          </ac:spMkLst>
-        </pc:spChg>
-        <pc:spChg chg="add">
-          <ac:chgData name="Irving Leander Reascos Valencia" userId="355ef903-6e56-42c5-b4d8-5b764e20389a" providerId="ADAL" clId="{FF2A4FE9-6061-4F89-9356-7C24429792B8}" dt="2021-10-19T19:25:30.645" v="533" actId="26606"/>
-          <ac:spMkLst>
-            <pc:docMk/>
-            <pc:sldMk cId="141842313" sldId="258"/>
-            <ac:spMk id="10" creationId="{987FDF89-C993-41F4-A1B8-DBAFF16008A9}"/>
-          </ac:spMkLst>
-        </pc:spChg>
-        <pc:spChg chg="add">
-          <ac:chgData name="Irving Leander Reascos Valencia" userId="355ef903-6e56-42c5-b4d8-5b764e20389a" providerId="ADAL" clId="{FF2A4FE9-6061-4F89-9356-7C24429792B8}" dt="2021-10-19T19:25:30.645" v="533" actId="26606"/>
-          <ac:spMkLst>
-            <pc:docMk/>
-            <pc:sldMk cId="141842313" sldId="258"/>
-            <ac:spMk id="12" creationId="{64E585EA-75FD-4025-8270-F66A58A15CDA}"/>
+          <ac:chgData name="Rodrigo da Silva Gomes Peres Coelho" userId="S::pg47622@uminho.pt::32a22569-e572-4c9f-bf40-e144b3d8d0a1" providerId="AD" clId="Web-{CAE9DF54-3E55-1FB7-D7BF-C095B0D0356E}" dt="2021-10-29T08:19:09.515" v="118" actId="20577"/>
+          <ac:spMkLst>
+            <pc:docMk/>
+            <pc:sldMk cId="2830130355" sldId="268"/>
+            <ac:spMk id="27" creationId="{E8615DD7-0B72-4D6D-BE0F-0F20DAA5030E}"/>
           </ac:spMkLst>
         </pc:spChg>
         <pc:picChg chg="add mod">
-          <ac:chgData name="Irving Leander Reascos Valencia" userId="355ef903-6e56-42c5-b4d8-5b764e20389a" providerId="ADAL" clId="{FF2A4FE9-6061-4F89-9356-7C24429792B8}" dt="2021-10-19T19:48:14.399" v="750"/>
+          <ac:chgData name="Rodrigo da Silva Gomes Peres Coelho" userId="S::pg47622@uminho.pt::32a22569-e572-4c9f-bf40-e144b3d8d0a1" providerId="AD" clId="Web-{CAE9DF54-3E55-1FB7-D7BF-C095B0D0356E}" dt="2021-10-29T08:20:42.375" v="128" actId="1076"/>
           <ac:picMkLst>
             <pc:docMk/>
-            <pc:sldMk cId="141842313" sldId="258"/>
-            <ac:picMk id="7" creationId="{19B7E34A-47C0-4EEC-A11B-72B0353F9BB5}"/>
+            <pc:sldMk cId="2830130355" sldId="268"/>
+            <ac:picMk id="3" creationId="{13A608E0-9004-4876-BC13-1E71E7503EC1}"/>
           </ac:picMkLst>
         </pc:picChg>
         <pc:picChg chg="add mod">
-          <ac:chgData name="Irving Leander Reascos Valencia" userId="355ef903-6e56-42c5-b4d8-5b764e20389a" providerId="ADAL" clId="{FF2A4FE9-6061-4F89-9356-7C24429792B8}" dt="2021-10-19T19:58:15.029" v="761" actId="1076"/>
+          <ac:chgData name="Rodrigo da Silva Gomes Peres Coelho" userId="S::pg47622@uminho.pt::32a22569-e572-4c9f-bf40-e144b3d8d0a1" providerId="AD" clId="Web-{CAE9DF54-3E55-1FB7-D7BF-C095B0D0356E}" dt="2021-10-29T08:20:44.547" v="129" actId="1076"/>
           <ac:picMkLst>
             <pc:docMk/>
-            <pc:sldMk cId="141842313" sldId="258"/>
-            <ac:picMk id="6146" creationId="{3B8E4815-DB78-4C4E-95BC-C2A1518C9549}"/>
+            <pc:sldMk cId="2830130355" sldId="268"/>
+            <ac:picMk id="5" creationId="{C30E284D-911E-45D4-960F-98332413A927}"/>
           </ac:picMkLst>
         </pc:picChg>
-        <pc:picChg chg="add mod">
-          <ac:chgData name="Irving Leander Reascos Valencia" userId="355ef903-6e56-42c5-b4d8-5b764e20389a" providerId="ADAL" clId="{FF2A4FE9-6061-4F89-9356-7C24429792B8}" dt="2021-10-19T19:59:14.598" v="764" actId="1076"/>
+        <pc:picChg chg="del">
+          <ac:chgData name="Rodrigo da Silva Gomes Peres Coelho" userId="S::pg47622@uminho.pt::32a22569-e572-4c9f-bf40-e144b3d8d0a1" providerId="AD" clId="Web-{CAE9DF54-3E55-1FB7-D7BF-C095B0D0356E}" dt="2021-10-29T08:19:49.327" v="119"/>
           <ac:picMkLst>
             <pc:docMk/>
-            <pc:sldMk cId="141842313" sldId="258"/>
-            <ac:picMk id="6148" creationId="{0EA8F629-581A-45BB-B9B5-1512B20D0D4E}"/>
+            <pc:sldMk cId="2830130355" sldId="268"/>
+            <ac:picMk id="7" creationId="{D2032FE3-64BB-4FB7-9B24-0B5CA4CA4922}"/>
           </ac:picMkLst>
         </pc:picChg>
-        <pc:picChg chg="add mod">
-          <ac:chgData name="Irving Leander Reascos Valencia" userId="355ef903-6e56-42c5-b4d8-5b764e20389a" providerId="ADAL" clId="{FF2A4FE9-6061-4F89-9356-7C24429792B8}" dt="2021-10-19T19:59:50.173" v="770" actId="1076"/>
+        <pc:picChg chg="del">
+          <ac:chgData name="Rodrigo da Silva Gomes Peres Coelho" userId="S::pg47622@uminho.pt::32a22569-e572-4c9f-bf40-e144b3d8d0a1" providerId="AD" clId="Web-{CAE9DF54-3E55-1FB7-D7BF-C095B0D0356E}" dt="2021-10-29T08:19:54.827" v="120"/>
           <ac:picMkLst>
             <pc:docMk/>
-            <pc:sldMk cId="141842313" sldId="258"/>
-            <ac:picMk id="6150" creationId="{8BBCD727-86E1-48D9-945C-ADD2B493758A}"/>
+            <pc:sldMk cId="2830130355" sldId="268"/>
+            <ac:picMk id="11" creationId="{80194A23-064B-4B28-9D38-06BE97515342}"/>
           </ac:picMkLst>
         </pc:picChg>
       </pc:sldChg>
-      <pc:sldChg chg="addSp delSp modSp mod setBg setClrOvrMap">
-        <pc:chgData name="Irving Leander Reascos Valencia" userId="355ef903-6e56-42c5-b4d8-5b764e20389a" providerId="ADAL" clId="{FF2A4FE9-6061-4F89-9356-7C24429792B8}" dt="2021-10-19T19:48:21.539" v="751"/>
-        <pc:sldMkLst>
-          <pc:docMk/>
-          <pc:sldMk cId="3785552250" sldId="259"/>
-        </pc:sldMkLst>
-        <pc:spChg chg="mod">
-          <ac:chgData name="Irving Leander Reascos Valencia" userId="355ef903-6e56-42c5-b4d8-5b764e20389a" providerId="ADAL" clId="{FF2A4FE9-6061-4F89-9356-7C24429792B8}" dt="2021-10-19T19:46:45.791" v="732" actId="26606"/>
-          <ac:spMkLst>
-            <pc:docMk/>
-            <pc:sldMk cId="3785552250" sldId="259"/>
-            <ac:spMk id="2" creationId="{770AEAC1-D00D-4613-95F0-71CF1560AD62}"/>
-          </ac:spMkLst>
-        </pc:spChg>
-        <pc:spChg chg="mod">
-          <ac:chgData name="Irving Leander Reascos Valencia" userId="355ef903-6e56-42c5-b4d8-5b764e20389a" providerId="ADAL" clId="{FF2A4FE9-6061-4F89-9356-7C24429792B8}" dt="2021-10-19T19:47:01.622" v="738" actId="20577"/>
-          <ac:spMkLst>
-            <pc:docMk/>
-            <pc:sldMk cId="3785552250" sldId="259"/>
-            <ac:spMk id="3" creationId="{1B8160BC-DBAF-4CF3-815A-DFCC0C01BC4D}"/>
-          </ac:spMkLst>
-        </pc:spChg>
-        <pc:spChg chg="add del">
-          <ac:chgData name="Irving Leander Reascos Valencia" userId="355ef903-6e56-42c5-b4d8-5b764e20389a" providerId="ADAL" clId="{FF2A4FE9-6061-4F89-9356-7C24429792B8}" dt="2021-10-19T19:46:45.791" v="732" actId="26606"/>
-          <ac:spMkLst>
-            <pc:docMk/>
-            <pc:sldMk cId="3785552250" sldId="259"/>
-            <ac:spMk id="8" creationId="{EA67B5B4-3A24-436E-B663-1B2EBFF8A0CD}"/>
-          </ac:spMkLst>
-        </pc:spChg>
-        <pc:spChg chg="add del">
-          <ac:chgData name="Irving Leander Reascos Valencia" userId="355ef903-6e56-42c5-b4d8-5b764e20389a" providerId="ADAL" clId="{FF2A4FE9-6061-4F89-9356-7C24429792B8}" dt="2021-10-19T19:24:04.890" v="490" actId="26606"/>
-          <ac:spMkLst>
-            <pc:docMk/>
-            <pc:sldMk cId="3785552250" sldId="259"/>
-            <ac:spMk id="9" creationId="{96CF2A2B-0745-440C-9224-C5C6A0A4286F}"/>
-          </ac:spMkLst>
-        </pc:spChg>
-        <pc:spChg chg="add del">
-          <ac:chgData name="Irving Leander Reascos Valencia" userId="355ef903-6e56-42c5-b4d8-5b764e20389a" providerId="ADAL" clId="{FF2A4FE9-6061-4F89-9356-7C24429792B8}" dt="2021-10-19T19:46:45.791" v="732" actId="26606"/>
-          <ac:spMkLst>
-            <pc:docMk/>
-            <pc:sldMk cId="3785552250" sldId="259"/>
-            <ac:spMk id="10" creationId="{987FDF89-C993-41F4-A1B8-DBAFF16008A9}"/>
-          </ac:spMkLst>
-        </pc:spChg>
-        <pc:spChg chg="add del">
-          <ac:chgData name="Irving Leander Reascos Valencia" userId="355ef903-6e56-42c5-b4d8-5b764e20389a" providerId="ADAL" clId="{FF2A4FE9-6061-4F89-9356-7C24429792B8}" dt="2021-10-19T19:24:04.890" v="490" actId="26606"/>
-          <ac:spMkLst>
-            <pc:docMk/>
-            <pc:sldMk cId="3785552250" sldId="259"/>
-            <ac:spMk id="11" creationId="{75BE6D6B-84C9-4D2B-97EB-773B7369EF82}"/>
-          </ac:spMkLst>
-        </pc:spChg>
-        <pc:spChg chg="add del">
-          <ac:chgData name="Irving Leander Reascos Valencia" userId="355ef903-6e56-42c5-b4d8-5b764e20389a" providerId="ADAL" clId="{FF2A4FE9-6061-4F89-9356-7C24429792B8}" dt="2021-10-19T19:46:45.791" v="732" actId="26606"/>
-          <ac:spMkLst>
-            <pc:docMk/>
-            <pc:sldMk cId="3785552250" sldId="259"/>
-            <ac:spMk id="12" creationId="{64E585EA-75FD-4025-8270-F66A58A15CDA}"/>
-          </ac:spMkLst>
-        </pc:spChg>
-        <pc:spChg chg="add">
-          <ac:chgData name="Irving Leander Reascos Valencia" userId="355ef903-6e56-42c5-b4d8-5b764e20389a" providerId="ADAL" clId="{FF2A4FE9-6061-4F89-9356-7C24429792B8}" dt="2021-10-19T19:46:45.791" v="732" actId="26606"/>
-          <ac:spMkLst>
-            <pc:docMk/>
-            <pc:sldMk cId="3785552250" sldId="259"/>
-            <ac:spMk id="17" creationId="{EA67B5B4-3A24-436E-B663-1B2EBFF8A0CD}"/>
-          </ac:spMkLst>
-        </pc:spChg>
-        <pc:spChg chg="add">
-          <ac:chgData name="Irving Leander Reascos Valencia" userId="355ef903-6e56-42c5-b4d8-5b764e20389a" providerId="ADAL" clId="{FF2A4FE9-6061-4F89-9356-7C24429792B8}" dt="2021-10-19T19:46:45.791" v="732" actId="26606"/>
-          <ac:spMkLst>
-            <pc:docMk/>
-            <pc:sldMk cId="3785552250" sldId="259"/>
-            <ac:spMk id="19" creationId="{987FDF89-C993-41F4-A1B8-DBAFF16008A9}"/>
-          </ac:spMkLst>
-        </pc:spChg>
-        <pc:spChg chg="add">
-          <ac:chgData name="Irving Leander Reascos Valencia" userId="355ef903-6e56-42c5-b4d8-5b764e20389a" providerId="ADAL" clId="{FF2A4FE9-6061-4F89-9356-7C24429792B8}" dt="2021-10-19T19:46:45.791" v="732" actId="26606"/>
-          <ac:spMkLst>
-            <pc:docMk/>
-            <pc:sldMk cId="3785552250" sldId="259"/>
-            <ac:spMk id="21" creationId="{D1D7179B-FF7C-482F-B3D9-2BE9ED1139F9}"/>
-          </ac:spMkLst>
-        </pc:spChg>
-        <pc:picChg chg="add del">
-          <ac:chgData name="Irving Leander Reascos Valencia" userId="355ef903-6e56-42c5-b4d8-5b764e20389a" providerId="ADAL" clId="{FF2A4FE9-6061-4F89-9356-7C24429792B8}" dt="2021-10-19T19:24:04.890" v="490" actId="26606"/>
-          <ac:picMkLst>
-            <pc:docMk/>
-            <pc:sldMk cId="3785552250" sldId="259"/>
-            <ac:picMk id="5" creationId="{75763AB6-E666-4B57-9B1C-25BAD63A8C94}"/>
-          </ac:picMkLst>
-        </pc:picChg>
-        <pc:picChg chg="add mod">
-          <ac:chgData name="Irving Leander Reascos Valencia" userId="355ef903-6e56-42c5-b4d8-5b764e20389a" providerId="ADAL" clId="{FF2A4FE9-6061-4F89-9356-7C24429792B8}" dt="2021-10-19T19:48:21.539" v="751"/>
-          <ac:picMkLst>
-            <pc:docMk/>
-            <pc:sldMk cId="3785552250" sldId="259"/>
-            <ac:picMk id="13" creationId="{1D3CEF4A-EFEE-4A62-8C1A-299D0027E6D2}"/>
-          </ac:picMkLst>
-        </pc:picChg>
-      </pc:sldChg>
-      <pc:sldChg chg="addSp delSp modSp mod setBg addAnim delAnim setClrOvrMap">
-        <pc:chgData name="Irving Leander Reascos Valencia" userId="355ef903-6e56-42c5-b4d8-5b764e20389a" providerId="ADAL" clId="{FF2A4FE9-6061-4F89-9356-7C24429792B8}" dt="2021-10-19T19:48:25.932" v="752"/>
-        <pc:sldMkLst>
-          <pc:docMk/>
-          <pc:sldMk cId="4233285982" sldId="260"/>
-        </pc:sldMkLst>
-        <pc:spChg chg="mod">
-          <ac:chgData name="Irving Leander Reascos Valencia" userId="355ef903-6e56-42c5-b4d8-5b764e20389a" providerId="ADAL" clId="{FF2A4FE9-6061-4F89-9356-7C24429792B8}" dt="2021-10-19T19:26:47.321" v="538" actId="120"/>
-          <ac:spMkLst>
-            <pc:docMk/>
-            <pc:sldMk cId="4233285982" sldId="260"/>
-            <ac:spMk id="2" creationId="{98EB2216-8FC6-44B0-82C2-66A7172A529A}"/>
-          </ac:spMkLst>
-        </pc:spChg>
-        <pc:spChg chg="mod">
-          <ac:chgData name="Irving Leander Reascos Valencia" userId="355ef903-6e56-42c5-b4d8-5b764e20389a" providerId="ADAL" clId="{FF2A4FE9-6061-4F89-9356-7C24429792B8}" dt="2021-10-19T19:27:54.311" v="556" actId="27636"/>
-          <ac:spMkLst>
-            <pc:docMk/>
-            <pc:sldMk cId="4233285982" sldId="260"/>
-            <ac:spMk id="3" creationId="{2B0B0381-2015-4C05-B552-CD2565C5E8A6}"/>
-          </ac:spMkLst>
-        </pc:spChg>
-        <pc:spChg chg="add del mod">
-          <ac:chgData name="Irving Leander Reascos Valencia" userId="355ef903-6e56-42c5-b4d8-5b764e20389a" providerId="ADAL" clId="{FF2A4FE9-6061-4F89-9356-7C24429792B8}" dt="2021-10-19T19:27:46.518" v="550" actId="22"/>
-          <ac:spMkLst>
-            <pc:docMk/>
-            <pc:sldMk cId="4233285982" sldId="260"/>
-            <ac:spMk id="11" creationId="{A58C1D33-CA18-419E-B5E5-69B4DDF47FE8}"/>
-          </ac:spMkLst>
-        </pc:spChg>
-        <pc:spChg chg="add">
-          <ac:chgData name="Irving Leander Reascos Valencia" userId="355ef903-6e56-42c5-b4d8-5b764e20389a" providerId="ADAL" clId="{FF2A4FE9-6061-4F89-9356-7C24429792B8}" dt="2021-10-19T19:26:33.048" v="537" actId="26606"/>
-          <ac:spMkLst>
-            <pc:docMk/>
-            <pc:sldMk cId="4233285982" sldId="260"/>
-            <ac:spMk id="12" creationId="{A87EA4E9-DFD6-45D4-965D-8A79984EF440}"/>
-          </ac:spMkLst>
-        </pc:spChg>
-        <pc:picChg chg="mod">
-          <ac:chgData name="Irving Leander Reascos Valencia" userId="355ef903-6e56-42c5-b4d8-5b764e20389a" providerId="ADAL" clId="{FF2A4FE9-6061-4F89-9356-7C24429792B8}" dt="2021-10-19T19:26:33.048" v="537" actId="26606"/>
-          <ac:picMkLst>
-            <pc:docMk/>
-            <pc:sldMk cId="4233285982" sldId="260"/>
-            <ac:picMk id="4" creationId="{08423078-5043-4334-8185-EB958FD72868}"/>
-          </ac:picMkLst>
-        </pc:picChg>
-        <pc:picChg chg="mod">
-          <ac:chgData name="Irving Leander Reascos Valencia" userId="355ef903-6e56-42c5-b4d8-5b764e20389a" providerId="ADAL" clId="{FF2A4FE9-6061-4F89-9356-7C24429792B8}" dt="2021-10-19T19:26:33.048" v="537" actId="26606"/>
-          <ac:picMkLst>
-            <pc:docMk/>
-            <pc:sldMk cId="4233285982" sldId="260"/>
-            <ac:picMk id="5" creationId="{FD654689-E7BA-4402-91EB-A0D1CBC7240A}"/>
-          </ac:picMkLst>
-        </pc:picChg>
-        <pc:picChg chg="add mod">
-          <ac:chgData name="Irving Leander Reascos Valencia" userId="355ef903-6e56-42c5-b4d8-5b764e20389a" providerId="ADAL" clId="{FF2A4FE9-6061-4F89-9356-7C24429792B8}" dt="2021-10-19T19:48:25.932" v="752"/>
-          <ac:picMkLst>
-            <pc:docMk/>
-            <pc:sldMk cId="4233285982" sldId="260"/>
-            <ac:picMk id="13" creationId="{472ECC5D-5DCE-42CA-A1DE-5313E4B710A3}"/>
-          </ac:picMkLst>
-        </pc:picChg>
-        <pc:picChg chg="add del">
-          <ac:chgData name="Irving Leander Reascos Valencia" userId="355ef903-6e56-42c5-b4d8-5b764e20389a" providerId="ADAL" clId="{FF2A4FE9-6061-4F89-9356-7C24429792B8}" dt="2021-10-19T19:27:29.186" v="542"/>
-          <ac:picMkLst>
-            <pc:docMk/>
-            <pc:sldMk cId="4233285982" sldId="260"/>
-            <ac:picMk id="2050" creationId="{2C4A4DD4-FFA5-4C8A-A344-50225E4ECEC8}"/>
-          </ac:picMkLst>
-        </pc:picChg>
-        <pc:cxnChg chg="add del">
-          <ac:chgData name="Irving Leander Reascos Valencia" userId="355ef903-6e56-42c5-b4d8-5b764e20389a" providerId="ADAL" clId="{FF2A4FE9-6061-4F89-9356-7C24429792B8}" dt="2021-10-19T19:26:33.035" v="536" actId="26606"/>
-          <ac:cxnSpMkLst>
-            <pc:docMk/>
-            <pc:sldMk cId="4233285982" sldId="260"/>
-            <ac:cxnSpMk id="10" creationId="{B6375111-306C-49EA-9DD1-79A2ED78FA30}"/>
-          </ac:cxnSpMkLst>
-        </pc:cxnChg>
-      </pc:sldChg>
-      <pc:sldChg chg="del">
-        <pc:chgData name="Irving Leander Reascos Valencia" userId="355ef903-6e56-42c5-b4d8-5b764e20389a" providerId="ADAL" clId="{FF2A4FE9-6061-4F89-9356-7C24429792B8}" dt="2021-10-19T19:27:16.357" v="540" actId="47"/>
-        <pc:sldMkLst>
-          <pc:docMk/>
-          <pc:sldMk cId="4012795877" sldId="261"/>
-        </pc:sldMkLst>
-      </pc:sldChg>
-      <pc:sldChg chg="addSp modSp mod setBg setClrOvrMap">
-        <pc:chgData name="Irving Leander Reascos Valencia" userId="355ef903-6e56-42c5-b4d8-5b764e20389a" providerId="ADAL" clId="{FF2A4FE9-6061-4F89-9356-7C24429792B8}" dt="2021-10-19T19:48:28.315" v="753"/>
+    </pc:docChg>
+  </pc:docChgLst>
+  <pc:docChgLst>
+    <pc:chgData name="Rodrigo da Silva Gomes Peres Coelho" userId="S::pg47622@uminho.pt::32a22569-e572-4c9f-bf40-e144b3d8d0a1" providerId="AD" clId="Web-{224B2E9E-20CE-F155-DBC2-15E170ECD300}"/>
+    <pc:docChg chg="modSld">
+      <pc:chgData name="Rodrigo da Silva Gomes Peres Coelho" userId="S::pg47622@uminho.pt::32a22569-e572-4c9f-bf40-e144b3d8d0a1" providerId="AD" clId="Web-{224B2E9E-20CE-F155-DBC2-15E170ECD300}" dt="2021-11-04T12:45:49.359" v="34" actId="20577"/>
+      <pc:docMkLst>
+        <pc:docMk/>
+      </pc:docMkLst>
+      <pc:sldChg chg="modSp">
+        <pc:chgData name="Rodrigo da Silva Gomes Peres Coelho" userId="S::pg47622@uminho.pt::32a22569-e572-4c9f-bf40-e144b3d8d0a1" providerId="AD" clId="Web-{224B2E9E-20CE-F155-DBC2-15E170ECD300}" dt="2021-11-04T12:44:22.403" v="4" actId="20577"/>
         <pc:sldMkLst>
           <pc:docMk/>
           <pc:sldMk cId="871309248" sldId="262"/>
         </pc:sldMkLst>
         <pc:spChg chg="mod">
-          <ac:chgData name="Irving Leander Reascos Valencia" userId="355ef903-6e56-42c5-b4d8-5b764e20389a" providerId="ADAL" clId="{FF2A4FE9-6061-4F89-9356-7C24429792B8}" dt="2021-10-19T19:28:31.529" v="557" actId="26606"/>
-          <ac:spMkLst>
-            <pc:docMk/>
-            <pc:sldMk cId="871309248" sldId="262"/>
-            <ac:spMk id="2" creationId="{770AEAC1-D00D-4613-95F0-71CF1560AD62}"/>
-          </ac:spMkLst>
-        </pc:spChg>
-        <pc:spChg chg="mod">
-          <ac:chgData name="Irving Leander Reascos Valencia" userId="355ef903-6e56-42c5-b4d8-5b764e20389a" providerId="ADAL" clId="{FF2A4FE9-6061-4F89-9356-7C24429792B8}" dt="2021-10-19T19:28:31.529" v="557" actId="26606"/>
+          <ac:chgData name="Rodrigo da Silva Gomes Peres Coelho" userId="S::pg47622@uminho.pt::32a22569-e572-4c9f-bf40-e144b3d8d0a1" providerId="AD" clId="Web-{224B2E9E-20CE-F155-DBC2-15E170ECD300}" dt="2021-11-04T12:44:22.403" v="4" actId="20577"/>
           <ac:spMkLst>
             <pc:docMk/>
             <pc:sldMk cId="871309248" sldId="262"/>
             <ac:spMk id="3" creationId="{1B8160BC-DBAF-4CF3-815A-DFCC0C01BC4D}"/>
           </ac:spMkLst>
         </pc:spChg>
-        <pc:spChg chg="add">
-          <ac:chgData name="Irving Leander Reascos Valencia" userId="355ef903-6e56-42c5-b4d8-5b764e20389a" providerId="ADAL" clId="{FF2A4FE9-6061-4F89-9356-7C24429792B8}" dt="2021-10-19T19:28:31.529" v="557" actId="26606"/>
-          <ac:spMkLst>
-            <pc:docMk/>
-            <pc:sldMk cId="871309248" sldId="262"/>
-            <ac:spMk id="8" creationId="{EA67B5B4-3A24-436E-B663-1B2EBFF8A0CD}"/>
-          </ac:spMkLst>
-        </pc:spChg>
-        <pc:spChg chg="add">
-          <ac:chgData name="Irving Leander Reascos Valencia" userId="355ef903-6e56-42c5-b4d8-5b764e20389a" providerId="ADAL" clId="{FF2A4FE9-6061-4F89-9356-7C24429792B8}" dt="2021-10-19T19:28:31.529" v="557" actId="26606"/>
-          <ac:spMkLst>
-            <pc:docMk/>
-            <pc:sldMk cId="871309248" sldId="262"/>
-            <ac:spMk id="10" creationId="{987FDF89-C993-41F4-A1B8-DBAFF16008A9}"/>
-          </ac:spMkLst>
-        </pc:spChg>
-        <pc:spChg chg="add">
-          <ac:chgData name="Irving Leander Reascos Valencia" userId="355ef903-6e56-42c5-b4d8-5b764e20389a" providerId="ADAL" clId="{FF2A4FE9-6061-4F89-9356-7C24429792B8}" dt="2021-10-19T19:28:31.529" v="557" actId="26606"/>
-          <ac:spMkLst>
-            <pc:docMk/>
-            <pc:sldMk cId="871309248" sldId="262"/>
-            <ac:spMk id="12" creationId="{64E585EA-75FD-4025-8270-F66A58A15CDA}"/>
-          </ac:spMkLst>
-        </pc:spChg>
-        <pc:picChg chg="add mod">
-          <ac:chgData name="Irving Leander Reascos Valencia" userId="355ef903-6e56-42c5-b4d8-5b764e20389a" providerId="ADAL" clId="{FF2A4FE9-6061-4F89-9356-7C24429792B8}" dt="2021-10-19T19:48:28.315" v="753"/>
-          <ac:picMkLst>
-            <pc:docMk/>
-            <pc:sldMk cId="871309248" sldId="262"/>
-            <ac:picMk id="7" creationId="{51DCDEF1-18AC-4EC1-A327-5F242A2A3C84}"/>
-          </ac:picMkLst>
-        </pc:picChg>
       </pc:sldChg>
-      <pc:sldChg chg="addSp delSp modSp mod setBg setClrOvrMap">
-        <pc:chgData name="Irving Leander Reascos Valencia" userId="355ef903-6e56-42c5-b4d8-5b764e20389a" providerId="ADAL" clId="{FF2A4FE9-6061-4F89-9356-7C24429792B8}" dt="2021-10-19T19:48:29.853" v="754"/>
+      <pc:sldChg chg="modSp">
+        <pc:chgData name="Rodrigo da Silva Gomes Peres Coelho" userId="S::pg47622@uminho.pt::32a22569-e572-4c9f-bf40-e144b3d8d0a1" providerId="AD" clId="Web-{224B2E9E-20CE-F155-DBC2-15E170ECD300}" dt="2021-11-04T12:45:49.359" v="34" actId="20577"/>
         <pc:sldMkLst>
           <pc:docMk/>
-          <pc:sldMk cId="49299221" sldId="263"/>
+          <pc:sldMk cId="2830130355" sldId="268"/>
         </pc:sldMkLst>
         <pc:spChg chg="mod">
-          <ac:chgData name="Irving Leander Reascos Valencia" userId="355ef903-6e56-42c5-b4d8-5b764e20389a" providerId="ADAL" clId="{FF2A4FE9-6061-4F89-9356-7C24429792B8}" dt="2021-10-19T19:43:49.600" v="717" actId="26606"/>
-          <ac:spMkLst>
-            <pc:docMk/>
-            <pc:sldMk cId="49299221" sldId="263"/>
-            <ac:spMk id="2" creationId="{98EB2216-8FC6-44B0-82C2-66A7172A529A}"/>
-          </ac:spMkLst>
-        </pc:spChg>
-        <pc:spChg chg="mod">
-          <ac:chgData name="Irving Leander Reascos Valencia" userId="355ef903-6e56-42c5-b4d8-5b764e20389a" providerId="ADAL" clId="{FF2A4FE9-6061-4F89-9356-7C24429792B8}" dt="2021-10-19T19:44:03.958" v="731" actId="20577"/>
-          <ac:spMkLst>
-            <pc:docMk/>
-            <pc:sldMk cId="49299221" sldId="263"/>
-            <ac:spMk id="3" creationId="{2B0B0381-2015-4C05-B552-CD2565C5E8A6}"/>
-          </ac:spMkLst>
-        </pc:spChg>
-        <pc:spChg chg="add">
-          <ac:chgData name="Irving Leander Reascos Valencia" userId="355ef903-6e56-42c5-b4d8-5b764e20389a" providerId="ADAL" clId="{FF2A4FE9-6061-4F89-9356-7C24429792B8}" dt="2021-10-19T19:43:49.600" v="717" actId="26606"/>
-          <ac:spMkLst>
-            <pc:docMk/>
-            <pc:sldMk cId="49299221" sldId="263"/>
-            <ac:spMk id="10" creationId="{EE1FC7B4-E4A7-4452-B413-1A623E3A7230}"/>
-          </ac:spMkLst>
-        </pc:spChg>
-        <pc:spChg chg="add">
-          <ac:chgData name="Irving Leander Reascos Valencia" userId="355ef903-6e56-42c5-b4d8-5b764e20389a" providerId="ADAL" clId="{FF2A4FE9-6061-4F89-9356-7C24429792B8}" dt="2021-10-19T19:43:49.600" v="717" actId="26606"/>
-          <ac:spMkLst>
-            <pc:docMk/>
-            <pc:sldMk cId="49299221" sldId="263"/>
-            <ac:spMk id="12" creationId="{E0709AF0-24F0-4486-B189-BE6386BDB198}"/>
-          </ac:spMkLst>
-        </pc:spChg>
-        <pc:spChg chg="add">
-          <ac:chgData name="Irving Leander Reascos Valencia" userId="355ef903-6e56-42c5-b4d8-5b764e20389a" providerId="ADAL" clId="{FF2A4FE9-6061-4F89-9356-7C24429792B8}" dt="2021-10-19T19:43:49.600" v="717" actId="26606"/>
-          <ac:spMkLst>
-            <pc:docMk/>
-            <pc:sldMk cId="49299221" sldId="263"/>
-            <ac:spMk id="14" creationId="{FBE3B62F-5853-4A3C-B050-6186351A7176}"/>
-          </ac:spMkLst>
-        </pc:spChg>
-        <pc:picChg chg="add mod">
-          <ac:chgData name="Irving Leander Reascos Valencia" userId="355ef903-6e56-42c5-b4d8-5b764e20389a" providerId="ADAL" clId="{FF2A4FE9-6061-4F89-9356-7C24429792B8}" dt="2021-10-19T19:43:49.600" v="717" actId="26606"/>
-          <ac:picMkLst>
-            <pc:docMk/>
-            <pc:sldMk cId="49299221" sldId="263"/>
-            <ac:picMk id="5" creationId="{817A05BF-E72F-4461-88BD-57E35F5FCC8F}"/>
-          </ac:picMkLst>
-        </pc:picChg>
-        <pc:picChg chg="del mod">
-          <ac:chgData name="Irving Leander Reascos Valencia" userId="355ef903-6e56-42c5-b4d8-5b764e20389a" providerId="ADAL" clId="{FF2A4FE9-6061-4F89-9356-7C24429792B8}" dt="2021-10-19T19:32:18.367" v="709" actId="478"/>
-          <ac:picMkLst>
-            <pc:docMk/>
-            <pc:sldMk cId="49299221" sldId="263"/>
-            <ac:picMk id="6" creationId="{D1005B1C-5854-4BBE-8EC4-503731724299}"/>
-          </ac:picMkLst>
-        </pc:picChg>
-        <pc:picChg chg="del">
-          <ac:chgData name="Irving Leander Reascos Valencia" userId="355ef903-6e56-42c5-b4d8-5b764e20389a" providerId="ADAL" clId="{FF2A4FE9-6061-4F89-9356-7C24429792B8}" dt="2021-10-19T19:43:36.454" v="710" actId="478"/>
-          <ac:picMkLst>
-            <pc:docMk/>
-            <pc:sldMk cId="49299221" sldId="263"/>
-            <ac:picMk id="7" creationId="{ACEC54D9-C852-4E3A-BE1E-388ED60FF9AD}"/>
-          </ac:picMkLst>
-        </pc:picChg>
-        <pc:picChg chg="add mod">
-          <ac:chgData name="Irving Leander Reascos Valencia" userId="355ef903-6e56-42c5-b4d8-5b764e20389a" providerId="ADAL" clId="{FF2A4FE9-6061-4F89-9356-7C24429792B8}" dt="2021-10-19T19:48:29.853" v="754"/>
-          <ac:picMkLst>
-            <pc:docMk/>
-            <pc:sldMk cId="49299221" sldId="263"/>
-            <ac:picMk id="11" creationId="{393F21DA-126F-4DE1-A9A1-48D462C7C7F8}"/>
-          </ac:picMkLst>
-        </pc:picChg>
-      </pc:sldChg>
-      <pc:sldChg chg="addSp modSp">
-        <pc:chgData name="Irving Leander Reascos Valencia" userId="355ef903-6e56-42c5-b4d8-5b764e20389a" providerId="ADAL" clId="{FF2A4FE9-6061-4F89-9356-7C24429792B8}" dt="2021-10-19T19:48:33.031" v="755"/>
-        <pc:sldMkLst>
-          <pc:docMk/>
-          <pc:sldMk cId="3345648404" sldId="264"/>
-        </pc:sldMkLst>
-        <pc:picChg chg="add mod">
-          <ac:chgData name="Irving Leander Reascos Valencia" userId="355ef903-6e56-42c5-b4d8-5b764e20389a" providerId="ADAL" clId="{FF2A4FE9-6061-4F89-9356-7C24429792B8}" dt="2021-10-19T19:48:33.031" v="755"/>
-          <ac:picMkLst>
-            <pc:docMk/>
-            <pc:sldMk cId="3345648404" sldId="264"/>
-            <ac:picMk id="6" creationId="{9C118C18-DB7F-41BB-AB4F-FC58BDFE06AF}"/>
-          </ac:picMkLst>
-        </pc:picChg>
+          <ac:chgData name="Rodrigo da Silva Gomes Peres Coelho" userId="S::pg47622@uminho.pt::32a22569-e572-4c9f-bf40-e144b3d8d0a1" providerId="AD" clId="Web-{224B2E9E-20CE-F155-DBC2-15E170ECD300}" dt="2021-11-04T12:45:49.359" v="34" actId="20577"/>
+          <ac:spMkLst>
+            <pc:docMk/>
+            <pc:sldMk cId="2830130355" sldId="268"/>
+            <ac:spMk id="17" creationId="{ADA754F5-9E53-4676-91A5-559D1C084854}"/>
+          </ac:spMkLst>
+        </pc:spChg>
       </pc:sldChg>
     </pc:docChg>
   </pc:docChgLst>
@@ -1545,108 +620,6 @@
         </pc:picChg>
         <pc:picChg chg="mod">
           <ac:chgData name="Irving Leander Reascos Valencia" userId="S::pg47264@uminho.pt::8da0aa10-e628-4418-996a-6e2b438f5890" providerId="AD" clId="Web-{A750D241-F792-F43D-BD3F-ED7260A080B3}" dt="2021-10-19T17:28:22.379" v="402" actId="1076"/>
-          <ac:picMkLst>
-            <pc:docMk/>
-            <pc:sldMk cId="49299221" sldId="263"/>
-            <ac:picMk id="7" creationId="{ACEC54D9-C852-4E3A-BE1E-388ED60FF9AD}"/>
-          </ac:picMkLst>
-        </pc:picChg>
-      </pc:sldChg>
-    </pc:docChg>
-  </pc:docChgLst>
-  <pc:docChgLst>
-    <pc:chgData name="Rodrigo da Silva Gomes Peres Coelho" userId="S::pg47622@uminho.pt::32a22569-e572-4c9f-bf40-e144b3d8d0a1" providerId="AD" clId="Web-{A86F0C09-EE21-C629-F016-BFCB9744CC68}"/>
-    <pc:docChg chg="modSld">
-      <pc:chgData name="Rodrigo da Silva Gomes Peres Coelho" userId="S::pg47622@uminho.pt::32a22569-e572-4c9f-bf40-e144b3d8d0a1" providerId="AD" clId="Web-{A86F0C09-EE21-C629-F016-BFCB9744CC68}" dt="2021-10-19T15:55:29.370" v="1079" actId="20577"/>
-      <pc:docMkLst>
-        <pc:docMk/>
-      </pc:docMkLst>
-      <pc:sldChg chg="modSp">
-        <pc:chgData name="Rodrigo da Silva Gomes Peres Coelho" userId="S::pg47622@uminho.pt::32a22569-e572-4c9f-bf40-e144b3d8d0a1" providerId="AD" clId="Web-{A86F0C09-EE21-C629-F016-BFCB9744CC68}" dt="2021-10-19T15:09:46.046" v="0" actId="20577"/>
-        <pc:sldMkLst>
-          <pc:docMk/>
-          <pc:sldMk cId="3916293193" sldId="256"/>
-        </pc:sldMkLst>
-        <pc:spChg chg="mod">
-          <ac:chgData name="Rodrigo da Silva Gomes Peres Coelho" userId="S::pg47622@uminho.pt::32a22569-e572-4c9f-bf40-e144b3d8d0a1" providerId="AD" clId="Web-{A86F0C09-EE21-C629-F016-BFCB9744CC68}" dt="2021-10-19T15:09:46.046" v="0" actId="20577"/>
-          <ac:spMkLst>
-            <pc:docMk/>
-            <pc:sldMk cId="3916293193" sldId="256"/>
-            <ac:spMk id="2" creationId="{01E1C496-4AD5-42C1-AF59-6EF89DF50AA1}"/>
-          </ac:spMkLst>
-        </pc:spChg>
-      </pc:sldChg>
-      <pc:sldChg chg="modSp">
-        <pc:chgData name="Rodrigo da Silva Gomes Peres Coelho" userId="S::pg47622@uminho.pt::32a22569-e572-4c9f-bf40-e144b3d8d0a1" providerId="AD" clId="Web-{A86F0C09-EE21-C629-F016-BFCB9744CC68}" dt="2021-10-19T15:47:35.529" v="897" actId="20577"/>
-        <pc:sldMkLst>
-          <pc:docMk/>
-          <pc:sldMk cId="871309248" sldId="262"/>
-        </pc:sldMkLst>
-        <pc:spChg chg="mod">
-          <ac:chgData name="Rodrigo da Silva Gomes Peres Coelho" userId="S::pg47622@uminho.pt::32a22569-e572-4c9f-bf40-e144b3d8d0a1" providerId="AD" clId="Web-{A86F0C09-EE21-C629-F016-BFCB9744CC68}" dt="2021-10-19T15:12:05.550" v="11" actId="20577"/>
-          <ac:spMkLst>
-            <pc:docMk/>
-            <pc:sldMk cId="871309248" sldId="262"/>
-            <ac:spMk id="2" creationId="{770AEAC1-D00D-4613-95F0-71CF1560AD62}"/>
-          </ac:spMkLst>
-        </pc:spChg>
-        <pc:spChg chg="mod">
-          <ac:chgData name="Rodrigo da Silva Gomes Peres Coelho" userId="S::pg47622@uminho.pt::32a22569-e572-4c9f-bf40-e144b3d8d0a1" providerId="AD" clId="Web-{A86F0C09-EE21-C629-F016-BFCB9744CC68}" dt="2021-10-19T15:47:35.529" v="897" actId="20577"/>
-          <ac:spMkLst>
-            <pc:docMk/>
-            <pc:sldMk cId="871309248" sldId="262"/>
-            <ac:spMk id="3" creationId="{1B8160BC-DBAF-4CF3-815A-DFCC0C01BC4D}"/>
-          </ac:spMkLst>
-        </pc:spChg>
-      </pc:sldChg>
-      <pc:sldChg chg="addSp delSp modSp">
-        <pc:chgData name="Rodrigo da Silva Gomes Peres Coelho" userId="S::pg47622@uminho.pt::32a22569-e572-4c9f-bf40-e144b3d8d0a1" providerId="AD" clId="Web-{A86F0C09-EE21-C629-F016-BFCB9744CC68}" dt="2021-10-19T15:55:29.370" v="1079" actId="20577"/>
-        <pc:sldMkLst>
-          <pc:docMk/>
-          <pc:sldMk cId="49299221" sldId="263"/>
-        </pc:sldMkLst>
-        <pc:spChg chg="mod">
-          <ac:chgData name="Rodrigo da Silva Gomes Peres Coelho" userId="S::pg47622@uminho.pt::32a22569-e572-4c9f-bf40-e144b3d8d0a1" providerId="AD" clId="Web-{A86F0C09-EE21-C629-F016-BFCB9744CC68}" dt="2021-10-19T15:31:18.893" v="733" actId="20577"/>
-          <ac:spMkLst>
-            <pc:docMk/>
-            <pc:sldMk cId="49299221" sldId="263"/>
-            <ac:spMk id="2" creationId="{98EB2216-8FC6-44B0-82C2-66A7172A529A}"/>
-          </ac:spMkLst>
-        </pc:spChg>
-        <pc:spChg chg="mod">
-          <ac:chgData name="Rodrigo da Silva Gomes Peres Coelho" userId="S::pg47622@uminho.pt::32a22569-e572-4c9f-bf40-e144b3d8d0a1" providerId="AD" clId="Web-{A86F0C09-EE21-C629-F016-BFCB9744CC68}" dt="2021-10-19T15:55:29.370" v="1079" actId="20577"/>
-          <ac:spMkLst>
-            <pc:docMk/>
-            <pc:sldMk cId="49299221" sldId="263"/>
-            <ac:spMk id="3" creationId="{2B0B0381-2015-4C05-B552-CD2565C5E8A6}"/>
-          </ac:spMkLst>
-        </pc:spChg>
-        <pc:picChg chg="add del mod">
-          <ac:chgData name="Rodrigo da Silva Gomes Peres Coelho" userId="S::pg47622@uminho.pt::32a22569-e572-4c9f-bf40-e144b3d8d0a1" providerId="AD" clId="Web-{A86F0C09-EE21-C629-F016-BFCB9744CC68}" dt="2021-10-19T15:42:16.708" v="792"/>
-          <ac:picMkLst>
-            <pc:docMk/>
-            <pc:sldMk cId="49299221" sldId="263"/>
-            <ac:picMk id="4" creationId="{D141C5C5-92D6-4B69-93C9-40B8C3D55294}"/>
-          </ac:picMkLst>
-        </pc:picChg>
-        <pc:picChg chg="add del mod">
-          <ac:chgData name="Rodrigo da Silva Gomes Peres Coelho" userId="S::pg47622@uminho.pt::32a22569-e572-4c9f-bf40-e144b3d8d0a1" providerId="AD" clId="Web-{A86F0C09-EE21-C629-F016-BFCB9744CC68}" dt="2021-10-19T15:44:17.602" v="797"/>
-          <ac:picMkLst>
-            <pc:docMk/>
-            <pc:sldMk cId="49299221" sldId="263"/>
-            <ac:picMk id="5" creationId="{15617F0B-81AE-434E-8648-E233F1159317}"/>
-          </ac:picMkLst>
-        </pc:picChg>
-        <pc:picChg chg="add mod">
-          <ac:chgData name="Rodrigo da Silva Gomes Peres Coelho" userId="S::pg47622@uminho.pt::32a22569-e572-4c9f-bf40-e144b3d8d0a1" providerId="AD" clId="Web-{A86F0C09-EE21-C629-F016-BFCB9744CC68}" dt="2021-10-19T15:44:26.883" v="802" actId="1076"/>
-          <ac:picMkLst>
-            <pc:docMk/>
-            <pc:sldMk cId="49299221" sldId="263"/>
-            <ac:picMk id="6" creationId="{D1005B1C-5854-4BBE-8EC4-503731724299}"/>
-          </ac:picMkLst>
-        </pc:picChg>
-        <pc:picChg chg="add mod">
-          <ac:chgData name="Rodrigo da Silva Gomes Peres Coelho" userId="S::pg47622@uminho.pt::32a22569-e572-4c9f-bf40-e144b3d8d0a1" providerId="AD" clId="Web-{A86F0C09-EE21-C629-F016-BFCB9744CC68}" dt="2021-10-19T15:48:24.921" v="902" actId="1076"/>
           <ac:picMkLst>
             <pc:docMk/>
             <pc:sldMk cId="49299221" sldId="263"/>
@@ -1681,9 +654,111 @@
     </pc:docChg>
   </pc:docChgLst>
   <pc:docChgLst>
+    <pc:chgData name="Rodrigo da Silva Gomes Peres Coelho" userId="S::pg47622@uminho.pt::32a22569-e572-4c9f-bf40-e144b3d8d0a1" providerId="AD" clId="Web-{A86F0C09-EE21-C629-F016-BFCB9744CC68}"/>
+    <pc:docChg chg="modSld">
+      <pc:chgData name="Rodrigo da Silva Gomes Peres Coelho" userId="S::pg47622@uminho.pt::32a22569-e572-4c9f-bf40-e144b3d8d0a1" providerId="AD" clId="Web-{A86F0C09-EE21-C629-F016-BFCB9744CC68}" dt="2021-10-19T15:55:29.370" v="1079" actId="20577"/>
+      <pc:docMkLst>
+        <pc:docMk/>
+      </pc:docMkLst>
+      <pc:sldChg chg="modSp">
+        <pc:chgData name="Rodrigo da Silva Gomes Peres Coelho" userId="S::pg47622@uminho.pt::32a22569-e572-4c9f-bf40-e144b3d8d0a1" providerId="AD" clId="Web-{A86F0C09-EE21-C629-F016-BFCB9744CC68}" dt="2021-10-19T15:09:46.046" v="0" actId="20577"/>
+        <pc:sldMkLst>
+          <pc:docMk/>
+          <pc:sldMk cId="3916293193" sldId="256"/>
+        </pc:sldMkLst>
+        <pc:spChg chg="mod">
+          <ac:chgData name="Rodrigo da Silva Gomes Peres Coelho" userId="S::pg47622@uminho.pt::32a22569-e572-4c9f-bf40-e144b3d8d0a1" providerId="AD" clId="Web-{A86F0C09-EE21-C629-F016-BFCB9744CC68}" dt="2021-10-19T15:09:46.046" v="0" actId="20577"/>
+          <ac:spMkLst>
+            <pc:docMk/>
+            <pc:sldMk cId="3916293193" sldId="256"/>
+            <ac:spMk id="2" creationId="{01E1C496-4AD5-42C1-AF59-6EF89DF50AA1}"/>
+          </ac:spMkLst>
+        </pc:spChg>
+      </pc:sldChg>
+      <pc:sldChg chg="modSp">
+        <pc:chgData name="Rodrigo da Silva Gomes Peres Coelho" userId="S::pg47622@uminho.pt::32a22569-e572-4c9f-bf40-e144b3d8d0a1" providerId="AD" clId="Web-{A86F0C09-EE21-C629-F016-BFCB9744CC68}" dt="2021-10-19T15:47:35.529" v="897" actId="20577"/>
+        <pc:sldMkLst>
+          <pc:docMk/>
+          <pc:sldMk cId="871309248" sldId="262"/>
+        </pc:sldMkLst>
+        <pc:spChg chg="mod">
+          <ac:chgData name="Rodrigo da Silva Gomes Peres Coelho" userId="S::pg47622@uminho.pt::32a22569-e572-4c9f-bf40-e144b3d8d0a1" providerId="AD" clId="Web-{A86F0C09-EE21-C629-F016-BFCB9744CC68}" dt="2021-10-19T15:12:05.550" v="11" actId="20577"/>
+          <ac:spMkLst>
+            <pc:docMk/>
+            <pc:sldMk cId="871309248" sldId="262"/>
+            <ac:spMk id="2" creationId="{770AEAC1-D00D-4613-95F0-71CF1560AD62}"/>
+          </ac:spMkLst>
+        </pc:spChg>
+        <pc:spChg chg="mod">
+          <ac:chgData name="Rodrigo da Silva Gomes Peres Coelho" userId="S::pg47622@uminho.pt::32a22569-e572-4c9f-bf40-e144b3d8d0a1" providerId="AD" clId="Web-{A86F0C09-EE21-C629-F016-BFCB9744CC68}" dt="2021-10-19T15:47:35.529" v="897" actId="20577"/>
+          <ac:spMkLst>
+            <pc:docMk/>
+            <pc:sldMk cId="871309248" sldId="262"/>
+            <ac:spMk id="3" creationId="{1B8160BC-DBAF-4CF3-815A-DFCC0C01BC4D}"/>
+          </ac:spMkLst>
+        </pc:spChg>
+      </pc:sldChg>
+      <pc:sldChg chg="addSp delSp modSp">
+        <pc:chgData name="Rodrigo da Silva Gomes Peres Coelho" userId="S::pg47622@uminho.pt::32a22569-e572-4c9f-bf40-e144b3d8d0a1" providerId="AD" clId="Web-{A86F0C09-EE21-C629-F016-BFCB9744CC68}" dt="2021-10-19T15:55:29.370" v="1079" actId="20577"/>
+        <pc:sldMkLst>
+          <pc:docMk/>
+          <pc:sldMk cId="49299221" sldId="263"/>
+        </pc:sldMkLst>
+        <pc:spChg chg="mod">
+          <ac:chgData name="Rodrigo da Silva Gomes Peres Coelho" userId="S::pg47622@uminho.pt::32a22569-e572-4c9f-bf40-e144b3d8d0a1" providerId="AD" clId="Web-{A86F0C09-EE21-C629-F016-BFCB9744CC68}" dt="2021-10-19T15:31:18.893" v="733" actId="20577"/>
+          <ac:spMkLst>
+            <pc:docMk/>
+            <pc:sldMk cId="49299221" sldId="263"/>
+            <ac:spMk id="2" creationId="{98EB2216-8FC6-44B0-82C2-66A7172A529A}"/>
+          </ac:spMkLst>
+        </pc:spChg>
+        <pc:spChg chg="mod">
+          <ac:chgData name="Rodrigo da Silva Gomes Peres Coelho" userId="S::pg47622@uminho.pt::32a22569-e572-4c9f-bf40-e144b3d8d0a1" providerId="AD" clId="Web-{A86F0C09-EE21-C629-F016-BFCB9744CC68}" dt="2021-10-19T15:55:29.370" v="1079" actId="20577"/>
+          <ac:spMkLst>
+            <pc:docMk/>
+            <pc:sldMk cId="49299221" sldId="263"/>
+            <ac:spMk id="3" creationId="{2B0B0381-2015-4C05-B552-CD2565C5E8A6}"/>
+          </ac:spMkLst>
+        </pc:spChg>
+        <pc:picChg chg="add del mod">
+          <ac:chgData name="Rodrigo da Silva Gomes Peres Coelho" userId="S::pg47622@uminho.pt::32a22569-e572-4c9f-bf40-e144b3d8d0a1" providerId="AD" clId="Web-{A86F0C09-EE21-C629-F016-BFCB9744CC68}" dt="2021-10-19T15:42:16.708" v="792"/>
+          <ac:picMkLst>
+            <pc:docMk/>
+            <pc:sldMk cId="49299221" sldId="263"/>
+            <ac:picMk id="4" creationId="{D141C5C5-92D6-4B69-93C9-40B8C3D55294}"/>
+          </ac:picMkLst>
+        </pc:picChg>
+        <pc:picChg chg="add del mod">
+          <ac:chgData name="Rodrigo da Silva Gomes Peres Coelho" userId="S::pg47622@uminho.pt::32a22569-e572-4c9f-bf40-e144b3d8d0a1" providerId="AD" clId="Web-{A86F0C09-EE21-C629-F016-BFCB9744CC68}" dt="2021-10-19T15:44:17.602" v="797"/>
+          <ac:picMkLst>
+            <pc:docMk/>
+            <pc:sldMk cId="49299221" sldId="263"/>
+            <ac:picMk id="5" creationId="{15617F0B-81AE-434E-8648-E233F1159317}"/>
+          </ac:picMkLst>
+        </pc:picChg>
+        <pc:picChg chg="add mod">
+          <ac:chgData name="Rodrigo da Silva Gomes Peres Coelho" userId="S::pg47622@uminho.pt::32a22569-e572-4c9f-bf40-e144b3d8d0a1" providerId="AD" clId="Web-{A86F0C09-EE21-C629-F016-BFCB9744CC68}" dt="2021-10-19T15:44:26.883" v="802" actId="1076"/>
+          <ac:picMkLst>
+            <pc:docMk/>
+            <pc:sldMk cId="49299221" sldId="263"/>
+            <ac:picMk id="6" creationId="{D1005B1C-5854-4BBE-8EC4-503731724299}"/>
+          </ac:picMkLst>
+        </pc:picChg>
+        <pc:picChg chg="add mod">
+          <ac:chgData name="Rodrigo da Silva Gomes Peres Coelho" userId="S::pg47622@uminho.pt::32a22569-e572-4c9f-bf40-e144b3d8d0a1" providerId="AD" clId="Web-{A86F0C09-EE21-C629-F016-BFCB9744CC68}" dt="2021-10-19T15:48:24.921" v="902" actId="1076"/>
+          <ac:picMkLst>
+            <pc:docMk/>
+            <pc:sldMk cId="49299221" sldId="263"/>
+            <ac:picMk id="7" creationId="{ACEC54D9-C852-4E3A-BE1E-388ED60FF9AD}"/>
+          </ac:picMkLst>
+        </pc:picChg>
+      </pc:sldChg>
+    </pc:docChg>
+  </pc:docChgLst>
+  <pc:docChgLst>
     <pc:chgData name="Irving Leander Reascos Valencia" userId="8da0aa10-e628-4418-996a-6e2b438f5890" providerId="ADAL" clId="{FF2A4FE9-6061-4F89-9356-7C24429792B8}"/>
     <pc:docChg chg="undo redo custSel addSld modSld">
-      <pc:chgData name="Irving Leander Reascos Valencia" userId="8da0aa10-e628-4418-996a-6e2b438f5890" providerId="ADAL" clId="{FF2A4FE9-6061-4F89-9356-7C24429792B8}" dt="2021-10-29T09:39:36.089" v="632" actId="1076"/>
+      <pc:chgData name="Irving Leander Reascos Valencia" userId="8da0aa10-e628-4418-996a-6e2b438f5890" providerId="ADAL" clId="{FF2A4FE9-6061-4F89-9356-7C24429792B8}" dt="2021-11-12T09:23:30.261" v="680" actId="20577"/>
       <pc:docMkLst>
         <pc:docMk/>
       </pc:docMkLst>
@@ -1852,7 +927,7 @@
         </pc:spChg>
       </pc:sldChg>
       <pc:sldChg chg="modSp mod">
-        <pc:chgData name="Irving Leander Reascos Valencia" userId="8da0aa10-e628-4418-996a-6e2b438f5890" providerId="ADAL" clId="{FF2A4FE9-6061-4F89-9356-7C24429792B8}" dt="2021-10-26T14:32:34.949" v="104" actId="20577"/>
+        <pc:chgData name="Irving Leander Reascos Valencia" userId="8da0aa10-e628-4418-996a-6e2b438f5890" providerId="ADAL" clId="{FF2A4FE9-6061-4F89-9356-7C24429792B8}" dt="2021-11-12T09:23:30.261" v="680" actId="20577"/>
         <pc:sldMkLst>
           <pc:docMk/>
           <pc:sldMk cId="871309248" sldId="262"/>
@@ -1863,6 +938,14 @@
             <pc:docMk/>
             <pc:sldMk cId="871309248" sldId="262"/>
             <ac:spMk id="2" creationId="{770AEAC1-D00D-4613-95F0-71CF1560AD62}"/>
+          </ac:spMkLst>
+        </pc:spChg>
+        <pc:spChg chg="mod">
+          <ac:chgData name="Irving Leander Reascos Valencia" userId="8da0aa10-e628-4418-996a-6e2b438f5890" providerId="ADAL" clId="{FF2A4FE9-6061-4F89-9356-7C24429792B8}" dt="2021-11-12T09:23:30.261" v="680" actId="20577"/>
+          <ac:spMkLst>
+            <pc:docMk/>
+            <pc:sldMk cId="871309248" sldId="262"/>
+            <ac:spMk id="3" creationId="{1B8160BC-DBAF-4CF3-815A-DFCC0C01BC4D}"/>
           </ac:spMkLst>
         </pc:spChg>
       </pc:sldChg>
@@ -2535,221 +1618,1184 @@
     </pc:docChg>
   </pc:docChgLst>
   <pc:docChgLst>
-    <pc:chgData name="Rodrigo da Silva Gomes Peres Coelho" userId="S::pg47622@uminho.pt::32a22569-e572-4c9f-bf40-e144b3d8d0a1" providerId="AD" clId="Web-{758C3D71-4D74-AFFF-92D3-2B3C14AE1CB2}"/>
-    <pc:docChg chg="modSld">
-      <pc:chgData name="Rodrigo da Silva Gomes Peres Coelho" userId="S::pg47622@uminho.pt::32a22569-e572-4c9f-bf40-e144b3d8d0a1" providerId="AD" clId="Web-{758C3D71-4D74-AFFF-92D3-2B3C14AE1CB2}" dt="2021-10-19T18:39:25.911" v="27" actId="1076"/>
+    <pc:chgData name="Irving Leander Reascos Valencia" userId="355ef903-6e56-42c5-b4d8-5b764e20389a" providerId="ADAL" clId="{FF2A4FE9-6061-4F89-9356-7C24429792B8}"/>
+    <pc:docChg chg="undo redo custSel delSld modSld">
+      <pc:chgData name="Irving Leander Reascos Valencia" userId="355ef903-6e56-42c5-b4d8-5b764e20389a" providerId="ADAL" clId="{FF2A4FE9-6061-4F89-9356-7C24429792B8}" dt="2021-10-19T19:59:50.173" v="770" actId="1076"/>
       <pc:docMkLst>
         <pc:docMk/>
       </pc:docMkLst>
-      <pc:sldChg chg="addSp delSp modSp">
-        <pc:chgData name="Rodrigo da Silva Gomes Peres Coelho" userId="S::pg47622@uminho.pt::32a22569-e572-4c9f-bf40-e144b3d8d0a1" providerId="AD" clId="Web-{758C3D71-4D74-AFFF-92D3-2B3C14AE1CB2}" dt="2021-10-19T18:39:25.911" v="27" actId="1076"/>
+      <pc:sldChg chg="addSp delSp modSp mod modMedia setBg addAnim delAnim setClrOvrMap">
+        <pc:chgData name="Irving Leander Reascos Valencia" userId="355ef903-6e56-42c5-b4d8-5b764e20389a" providerId="ADAL" clId="{FF2A4FE9-6061-4F89-9356-7C24429792B8}" dt="2021-10-19T19:49:03.010" v="757" actId="20577"/>
         <pc:sldMkLst>
           <pc:docMk/>
-          <pc:sldMk cId="3345648404" sldId="264"/>
+          <pc:sldMk cId="3916293193" sldId="256"/>
         </pc:sldMkLst>
         <pc:spChg chg="mod">
-          <ac:chgData name="Rodrigo da Silva Gomes Peres Coelho" userId="S::pg47622@uminho.pt::32a22569-e572-4c9f-bf40-e144b3d8d0a1" providerId="AD" clId="Web-{758C3D71-4D74-AFFF-92D3-2B3C14AE1CB2}" dt="2021-10-19T18:37:39.033" v="18" actId="20577"/>
-          <ac:spMkLst>
-            <pc:docMk/>
-            <pc:sldMk cId="3345648404" sldId="264"/>
-            <ac:spMk id="2" creationId="{3521A686-2A8F-44AB-9FFA-739C74C1E6F6}"/>
-          </ac:spMkLst>
-        </pc:spChg>
-        <pc:spChg chg="del">
-          <ac:chgData name="Rodrigo da Silva Gomes Peres Coelho" userId="S::pg47622@uminho.pt::32a22569-e572-4c9f-bf40-e144b3d8d0a1" providerId="AD" clId="Web-{758C3D71-4D74-AFFF-92D3-2B3C14AE1CB2}" dt="2021-10-19T18:37:19.736" v="0"/>
-          <ac:spMkLst>
-            <pc:docMk/>
-            <pc:sldMk cId="3345648404" sldId="264"/>
-            <ac:spMk id="3" creationId="{58F61B69-225E-4BBB-AC2C-1D9D59DEA912}"/>
+          <ac:chgData name="Irving Leander Reascos Valencia" userId="355ef903-6e56-42c5-b4d8-5b764e20389a" providerId="ADAL" clId="{FF2A4FE9-6061-4F89-9356-7C24429792B8}" dt="2021-10-19T19:10:39.468" v="479" actId="26606"/>
+          <ac:spMkLst>
+            <pc:docMk/>
+            <pc:sldMk cId="3916293193" sldId="256"/>
+            <ac:spMk id="2" creationId="{01E1C496-4AD5-42C1-AF59-6EF89DF50AA1}"/>
           </ac:spMkLst>
         </pc:spChg>
         <pc:spChg chg="add del mod">
-          <ac:chgData name="Rodrigo da Silva Gomes Peres Coelho" userId="S::pg47622@uminho.pt::32a22569-e572-4c9f-bf40-e144b3d8d0a1" providerId="AD" clId="Web-{758C3D71-4D74-AFFF-92D3-2B3C14AE1CB2}" dt="2021-10-19T18:39:17.489" v="25"/>
-          <ac:spMkLst>
-            <pc:docMk/>
-            <pc:sldMk cId="3345648404" sldId="264"/>
-            <ac:spMk id="6" creationId="{A345E303-945A-4029-A0B7-5BAC23F3D52D}"/>
-          </ac:spMkLst>
-        </pc:spChg>
-        <pc:picChg chg="add del mod ord">
-          <ac:chgData name="Rodrigo da Silva Gomes Peres Coelho" userId="S::pg47622@uminho.pt::32a22569-e572-4c9f-bf40-e144b3d8d0a1" providerId="AD" clId="Web-{758C3D71-4D74-AFFF-92D3-2B3C14AE1CB2}" dt="2021-10-19T18:39:10.739" v="24"/>
+          <ac:chgData name="Irving Leander Reascos Valencia" userId="355ef903-6e56-42c5-b4d8-5b764e20389a" providerId="ADAL" clId="{FF2A4FE9-6061-4F89-9356-7C24429792B8}" dt="2021-10-19T19:10:39.468" v="479" actId="26606"/>
+          <ac:spMkLst>
+            <pc:docMk/>
+            <pc:sldMk cId="3916293193" sldId="256"/>
+            <ac:spMk id="3" creationId="{0365D8F3-60E4-4177-9BCF-31DFC5083F2F}"/>
+          </ac:spMkLst>
+        </pc:spChg>
+        <pc:spChg chg="add del mod">
+          <ac:chgData name="Irving Leander Reascos Valencia" userId="355ef903-6e56-42c5-b4d8-5b764e20389a" providerId="ADAL" clId="{FF2A4FE9-6061-4F89-9356-7C24429792B8}" dt="2021-10-19T19:02:26.915" v="411" actId="478"/>
+          <ac:spMkLst>
+            <pc:docMk/>
+            <pc:sldMk cId="3916293193" sldId="256"/>
+            <ac:spMk id="5" creationId="{BAB36F6D-3125-439A-AC73-7B24684FD98C}"/>
+          </ac:spMkLst>
+        </pc:spChg>
+        <pc:spChg chg="add del">
+          <ac:chgData name="Irving Leander Reascos Valencia" userId="355ef903-6e56-42c5-b4d8-5b764e20389a" providerId="ADAL" clId="{FF2A4FE9-6061-4F89-9356-7C24429792B8}" dt="2021-10-19T19:06:03.421" v="423" actId="26606"/>
+          <ac:spMkLst>
+            <pc:docMk/>
+            <pc:sldMk cId="3916293193" sldId="256"/>
+            <ac:spMk id="7" creationId="{FB5B0058-AF13-4859-B429-4EDDE2A26F7F}"/>
+          </ac:spMkLst>
+        </pc:spChg>
+        <pc:spChg chg="add del">
+          <ac:chgData name="Irving Leander Reascos Valencia" userId="355ef903-6e56-42c5-b4d8-5b764e20389a" providerId="ADAL" clId="{FF2A4FE9-6061-4F89-9356-7C24429792B8}" dt="2021-10-19T19:05:53.050" v="421" actId="26606"/>
+          <ac:spMkLst>
+            <pc:docMk/>
+            <pc:sldMk cId="3916293193" sldId="256"/>
+            <ac:spMk id="8" creationId="{FB5B0058-AF13-4859-B429-4EDDE2A26F7F}"/>
+          </ac:spMkLst>
+        </pc:spChg>
+        <pc:spChg chg="add del">
+          <ac:chgData name="Irving Leander Reascos Valencia" userId="355ef903-6e56-42c5-b4d8-5b764e20389a" providerId="ADAL" clId="{FF2A4FE9-6061-4F89-9356-7C24429792B8}" dt="2021-10-19T19:03:46.429" v="419" actId="26606"/>
+          <ac:spMkLst>
+            <pc:docMk/>
+            <pc:sldMk cId="3916293193" sldId="256"/>
+            <ac:spMk id="9" creationId="{C1DD1A8A-57D5-4A81-AD04-532B043C5611}"/>
+          </ac:spMkLst>
+        </pc:spChg>
+        <pc:spChg chg="add del">
+          <ac:chgData name="Irving Leander Reascos Valencia" userId="355ef903-6e56-42c5-b4d8-5b764e20389a" providerId="ADAL" clId="{FF2A4FE9-6061-4F89-9356-7C24429792B8}" dt="2021-10-19T19:03:46.429" v="419" actId="26606"/>
+          <ac:spMkLst>
+            <pc:docMk/>
+            <pc:sldMk cId="3916293193" sldId="256"/>
+            <ac:spMk id="11" creationId="{007891EC-4501-44ED-A8C8-B11B6DB767AB}"/>
+          </ac:spMkLst>
+        </pc:spChg>
+        <pc:spChg chg="add del">
+          <ac:chgData name="Irving Leander Reascos Valencia" userId="355ef903-6e56-42c5-b4d8-5b764e20389a" providerId="ADAL" clId="{FF2A4FE9-6061-4F89-9356-7C24429792B8}" dt="2021-10-19T19:06:03.421" v="423" actId="26606"/>
+          <ac:spMkLst>
+            <pc:docMk/>
+            <pc:sldMk cId="3916293193" sldId="256"/>
+            <ac:spMk id="15" creationId="{9358801C-1E89-48FF-B14F-D76A2EA14C8E}"/>
+          </ac:spMkLst>
+        </pc:spChg>
+        <pc:spChg chg="add del">
+          <ac:chgData name="Irving Leander Reascos Valencia" userId="355ef903-6e56-42c5-b4d8-5b764e20389a" providerId="ADAL" clId="{FF2A4FE9-6061-4F89-9356-7C24429792B8}" dt="2021-10-19T19:06:07.409" v="425" actId="26606"/>
+          <ac:spMkLst>
+            <pc:docMk/>
+            <pc:sldMk cId="3916293193" sldId="256"/>
+            <ac:spMk id="17" creationId="{787F4F1C-8D3D-4EC1-B72D-A0470A5A08B8}"/>
+          </ac:spMkLst>
+        </pc:spChg>
+        <pc:spChg chg="add del">
+          <ac:chgData name="Irving Leander Reascos Valencia" userId="355ef903-6e56-42c5-b4d8-5b764e20389a" providerId="ADAL" clId="{FF2A4FE9-6061-4F89-9356-7C24429792B8}" dt="2021-10-19T19:06:15.831" v="429" actId="26606"/>
+          <ac:spMkLst>
+            <pc:docMk/>
+            <pc:sldMk cId="3916293193" sldId="256"/>
+            <ac:spMk id="19" creationId="{6F828D28-8E09-41CC-8229-3070B5467A96}"/>
+          </ac:spMkLst>
+        </pc:spChg>
+        <pc:spChg chg="add del">
+          <ac:chgData name="Irving Leander Reascos Valencia" userId="355ef903-6e56-42c5-b4d8-5b764e20389a" providerId="ADAL" clId="{FF2A4FE9-6061-4F89-9356-7C24429792B8}" dt="2021-10-19T19:06:30.490" v="431" actId="26606"/>
+          <ac:spMkLst>
+            <pc:docMk/>
+            <pc:sldMk cId="3916293193" sldId="256"/>
+            <ac:spMk id="20" creationId="{EFA9B6C6-A247-48A8-9A1C-1E36FA9456B5}"/>
+          </ac:spMkLst>
+        </pc:spChg>
+        <pc:spChg chg="add del">
+          <ac:chgData name="Irving Leander Reascos Valencia" userId="355ef903-6e56-42c5-b4d8-5b764e20389a" providerId="ADAL" clId="{FF2A4FE9-6061-4F89-9356-7C24429792B8}" dt="2021-10-19T19:06:30.490" v="431" actId="26606"/>
+          <ac:spMkLst>
+            <pc:docMk/>
+            <pc:sldMk cId="3916293193" sldId="256"/>
+            <ac:spMk id="22" creationId="{C5CB530E-515E-412C-9DF1-5F8FFBD6F383}"/>
+          </ac:spMkLst>
+        </pc:spChg>
+        <pc:spChg chg="add del">
+          <ac:chgData name="Irving Leander Reascos Valencia" userId="355ef903-6e56-42c5-b4d8-5b764e20389a" providerId="ADAL" clId="{FF2A4FE9-6061-4F89-9356-7C24429792B8}" dt="2021-10-19T19:06:30.490" v="431" actId="26606"/>
+          <ac:spMkLst>
+            <pc:docMk/>
+            <pc:sldMk cId="3916293193" sldId="256"/>
+            <ac:spMk id="23" creationId="{712D4376-A578-4FF1-94FC-245E7A6A489F}"/>
+          </ac:spMkLst>
+        </pc:spChg>
+        <pc:spChg chg="add del">
+          <ac:chgData name="Irving Leander Reascos Valencia" userId="355ef903-6e56-42c5-b4d8-5b764e20389a" providerId="ADAL" clId="{FF2A4FE9-6061-4F89-9356-7C24429792B8}" dt="2021-10-19T19:06:15.831" v="429" actId="26606"/>
+          <ac:spMkLst>
+            <pc:docMk/>
+            <pc:sldMk cId="3916293193" sldId="256"/>
+            <ac:spMk id="24" creationId="{D5B012D8-7F27-4758-9AC6-C889B154BD73}"/>
+          </ac:spMkLst>
+        </pc:spChg>
+        <pc:spChg chg="add del">
+          <ac:chgData name="Irving Leander Reascos Valencia" userId="355ef903-6e56-42c5-b4d8-5b764e20389a" providerId="ADAL" clId="{FF2A4FE9-6061-4F89-9356-7C24429792B8}" dt="2021-10-19T19:06:15.831" v="429" actId="26606"/>
+          <ac:spMkLst>
+            <pc:docMk/>
+            <pc:sldMk cId="3916293193" sldId="256"/>
+            <ac:spMk id="25" creationId="{4063B759-00FC-46D1-9898-8E8625268FAF}"/>
+          </ac:spMkLst>
+        </pc:spChg>
+        <pc:spChg chg="add del">
+          <ac:chgData name="Irving Leander Reascos Valencia" userId="355ef903-6e56-42c5-b4d8-5b764e20389a" providerId="ADAL" clId="{FF2A4FE9-6061-4F89-9356-7C24429792B8}" dt="2021-10-19T19:06:30.490" v="431" actId="26606"/>
+          <ac:spMkLst>
+            <pc:docMk/>
+            <pc:sldMk cId="3916293193" sldId="256"/>
+            <ac:spMk id="26" creationId="{AEA7509D-F04F-40CB-A0B3-EEF16499CC9F}"/>
+          </ac:spMkLst>
+        </pc:spChg>
+        <pc:spChg chg="add del">
+          <ac:chgData name="Irving Leander Reascos Valencia" userId="355ef903-6e56-42c5-b4d8-5b764e20389a" providerId="ADAL" clId="{FF2A4FE9-6061-4F89-9356-7C24429792B8}" dt="2021-10-19T19:06:33.191" v="433" actId="26606"/>
+          <ac:spMkLst>
+            <pc:docMk/>
+            <pc:sldMk cId="3916293193" sldId="256"/>
+            <ac:spMk id="28" creationId="{C7D023E4-8DE1-436E-9847-ED6A4B4B04FD}"/>
+          </ac:spMkLst>
+        </pc:spChg>
+        <pc:spChg chg="add del">
+          <ac:chgData name="Irving Leander Reascos Valencia" userId="355ef903-6e56-42c5-b4d8-5b764e20389a" providerId="ADAL" clId="{FF2A4FE9-6061-4F89-9356-7C24429792B8}" dt="2021-10-19T19:10:39.468" v="479" actId="26606"/>
+          <ac:spMkLst>
+            <pc:docMk/>
+            <pc:sldMk cId="3916293193" sldId="256"/>
+            <ac:spMk id="31" creationId="{83CB2632-0822-4E49-A707-FA1B8A4D0173}"/>
+          </ac:spMkLst>
+        </pc:spChg>
+        <pc:spChg chg="add del">
+          <ac:chgData name="Irving Leander Reascos Valencia" userId="355ef903-6e56-42c5-b4d8-5b764e20389a" providerId="ADAL" clId="{FF2A4FE9-6061-4F89-9356-7C24429792B8}" dt="2021-10-19T19:06:33.708" v="437" actId="26606"/>
+          <ac:spMkLst>
+            <pc:docMk/>
+            <pc:sldMk cId="3916293193" sldId="256"/>
+            <ac:spMk id="41" creationId="{C27D7A02-907B-496F-BA7E-AA3780733CA7}"/>
+          </ac:spMkLst>
+        </pc:spChg>
+        <pc:spChg chg="add del">
+          <ac:chgData name="Irving Leander Reascos Valencia" userId="355ef903-6e56-42c5-b4d8-5b764e20389a" providerId="ADAL" clId="{FF2A4FE9-6061-4F89-9356-7C24429792B8}" dt="2021-10-19T19:06:33.708" v="437" actId="26606"/>
+          <ac:spMkLst>
+            <pc:docMk/>
+            <pc:sldMk cId="3916293193" sldId="256"/>
+            <ac:spMk id="42" creationId="{0FBA5268-0AE7-4CAD-9537-D0EB09E76406}"/>
+          </ac:spMkLst>
+        </pc:spChg>
+        <pc:spChg chg="add del">
+          <ac:chgData name="Irving Leander Reascos Valencia" userId="355ef903-6e56-42c5-b4d8-5b764e20389a" providerId="ADAL" clId="{FF2A4FE9-6061-4F89-9356-7C24429792B8}" dt="2021-10-19T19:06:33.708" v="437" actId="26606"/>
+          <ac:spMkLst>
+            <pc:docMk/>
+            <pc:sldMk cId="3916293193" sldId="256"/>
+            <ac:spMk id="43" creationId="{088D065B-39DA-4077-B9CF-E489CE4C0169}"/>
+          </ac:spMkLst>
+        </pc:spChg>
+        <pc:spChg chg="add del">
+          <ac:chgData name="Irving Leander Reascos Valencia" userId="355ef903-6e56-42c5-b4d8-5b764e20389a" providerId="ADAL" clId="{FF2A4FE9-6061-4F89-9356-7C24429792B8}" dt="2021-10-19T19:06:35.922" v="439" actId="26606"/>
+          <ac:spMkLst>
+            <pc:docMk/>
+            <pc:sldMk cId="3916293193" sldId="256"/>
+            <ac:spMk id="45" creationId="{D472C551-D440-40DF-9260-BDB9AC40960A}"/>
+          </ac:spMkLst>
+        </pc:spChg>
+        <pc:spChg chg="add del">
+          <ac:chgData name="Irving Leander Reascos Valencia" userId="355ef903-6e56-42c5-b4d8-5b764e20389a" providerId="ADAL" clId="{FF2A4FE9-6061-4F89-9356-7C24429792B8}" dt="2021-10-19T19:06:35.922" v="439" actId="26606"/>
+          <ac:spMkLst>
+            <pc:docMk/>
+            <pc:sldMk cId="3916293193" sldId="256"/>
+            <ac:spMk id="47" creationId="{508BEF50-7B1E-49A4-BC19-5F4F1D755E64}"/>
+          </ac:spMkLst>
+        </pc:spChg>
+        <pc:spChg chg="add del">
+          <ac:chgData name="Irving Leander Reascos Valencia" userId="355ef903-6e56-42c5-b4d8-5b764e20389a" providerId="ADAL" clId="{FF2A4FE9-6061-4F89-9356-7C24429792B8}" dt="2021-10-19T19:06:35.922" v="439" actId="26606"/>
+          <ac:spMkLst>
+            <pc:docMk/>
+            <pc:sldMk cId="3916293193" sldId="256"/>
+            <ac:spMk id="48" creationId="{3FBAD350-5664-4811-A208-657FB882D350}"/>
+          </ac:spMkLst>
+        </pc:spChg>
+        <pc:spChg chg="add del">
+          <ac:chgData name="Irving Leander Reascos Valencia" userId="355ef903-6e56-42c5-b4d8-5b764e20389a" providerId="ADAL" clId="{FF2A4FE9-6061-4F89-9356-7C24429792B8}" dt="2021-10-19T19:06:35.922" v="439" actId="26606"/>
+          <ac:spMkLst>
+            <pc:docMk/>
+            <pc:sldMk cId="3916293193" sldId="256"/>
+            <ac:spMk id="49" creationId="{C39ADB8F-D187-49D7-BDCF-C1B6DC727068}"/>
+          </ac:spMkLst>
+        </pc:spChg>
+        <pc:spChg chg="mod">
+          <ac:chgData name="Irving Leander Reascos Valencia" userId="355ef903-6e56-42c5-b4d8-5b764e20389a" providerId="ADAL" clId="{FF2A4FE9-6061-4F89-9356-7C24429792B8}" dt="2021-10-19T19:49:03.010" v="757" actId="20577"/>
+          <ac:spMkLst>
+            <pc:docMk/>
+            <pc:sldMk cId="3916293193" sldId="256"/>
+            <ac:spMk id="50" creationId="{1EDFA039-8671-4AF7-956A-DABA568D4BCB}"/>
+          </ac:spMkLst>
+        </pc:spChg>
+        <pc:spChg chg="add del">
+          <ac:chgData name="Irving Leander Reascos Valencia" userId="355ef903-6e56-42c5-b4d8-5b764e20389a" providerId="ADAL" clId="{FF2A4FE9-6061-4F89-9356-7C24429792B8}" dt="2021-10-19T19:06:41.478" v="441" actId="26606"/>
+          <ac:spMkLst>
+            <pc:docMk/>
+            <pc:sldMk cId="3916293193" sldId="256"/>
+            <ac:spMk id="51" creationId="{FB5B0058-AF13-4859-B429-4EDDE2A26F7F}"/>
+          </ac:spMkLst>
+        </pc:spChg>
+        <pc:spChg chg="add del">
+          <ac:chgData name="Irving Leander Reascos Valencia" userId="355ef903-6e56-42c5-b4d8-5b764e20389a" providerId="ADAL" clId="{FF2A4FE9-6061-4F89-9356-7C24429792B8}" dt="2021-10-19T19:06:44.597" v="445" actId="26606"/>
+          <ac:spMkLst>
+            <pc:docMk/>
+            <pc:sldMk cId="3916293193" sldId="256"/>
+            <ac:spMk id="55" creationId="{FB5B0058-AF13-4859-B429-4EDDE2A26F7F}"/>
+          </ac:spMkLst>
+        </pc:spChg>
+        <pc:spChg chg="add del">
+          <ac:chgData name="Irving Leander Reascos Valencia" userId="355ef903-6e56-42c5-b4d8-5b764e20389a" providerId="ADAL" clId="{FF2A4FE9-6061-4F89-9356-7C24429792B8}" dt="2021-10-19T19:06:44.597" v="445" actId="26606"/>
+          <ac:spMkLst>
+            <pc:docMk/>
+            <pc:sldMk cId="3916293193" sldId="256"/>
+            <ac:spMk id="56" creationId="{D84C2E9E-0B5D-4B5F-9A1F-70EBDCE39034}"/>
+          </ac:spMkLst>
+        </pc:spChg>
+        <pc:spChg chg="add del">
+          <ac:chgData name="Irving Leander Reascos Valencia" userId="355ef903-6e56-42c5-b4d8-5b764e20389a" providerId="ADAL" clId="{FF2A4FE9-6061-4F89-9356-7C24429792B8}" dt="2021-10-19T19:06:51.993" v="449" actId="26606"/>
+          <ac:spMkLst>
+            <pc:docMk/>
+            <pc:sldMk cId="3916293193" sldId="256"/>
+            <ac:spMk id="59" creationId="{5F18414D-1626-4996-AACB-23D3DE45B03B}"/>
+          </ac:spMkLst>
+        </pc:spChg>
+        <pc:spChg chg="add del">
+          <ac:chgData name="Irving Leander Reascos Valencia" userId="355ef903-6e56-42c5-b4d8-5b764e20389a" providerId="ADAL" clId="{FF2A4FE9-6061-4F89-9356-7C24429792B8}" dt="2021-10-19T19:06:51.993" v="449" actId="26606"/>
+          <ac:spMkLst>
+            <pc:docMk/>
+            <pc:sldMk cId="3916293193" sldId="256"/>
+            <ac:spMk id="60" creationId="{D84C2E9E-0B5D-4B5F-9A1F-70EBDCE39034}"/>
+          </ac:spMkLst>
+        </pc:spChg>
+        <pc:spChg chg="add del">
+          <ac:chgData name="Irving Leander Reascos Valencia" userId="355ef903-6e56-42c5-b4d8-5b764e20389a" providerId="ADAL" clId="{FF2A4FE9-6061-4F89-9356-7C24429792B8}" dt="2021-10-19T19:06:59.449" v="452" actId="26606"/>
+          <ac:spMkLst>
+            <pc:docMk/>
+            <pc:sldMk cId="3916293193" sldId="256"/>
+            <ac:spMk id="63" creationId="{FB5B0058-AF13-4859-B429-4EDDE2A26F7F}"/>
+          </ac:spMkLst>
+        </pc:spChg>
+        <pc:spChg chg="add del">
+          <ac:chgData name="Irving Leander Reascos Valencia" userId="355ef903-6e56-42c5-b4d8-5b764e20389a" providerId="ADAL" clId="{FF2A4FE9-6061-4F89-9356-7C24429792B8}" dt="2021-10-19T19:07:04.460" v="454" actId="26606"/>
+          <ac:spMkLst>
+            <pc:docMk/>
+            <pc:sldMk cId="3916293193" sldId="256"/>
+            <ac:spMk id="67" creationId="{C27D7A02-907B-496F-BA7E-AA3780733CA7}"/>
+          </ac:spMkLst>
+        </pc:spChg>
+        <pc:spChg chg="add del">
+          <ac:chgData name="Irving Leander Reascos Valencia" userId="355ef903-6e56-42c5-b4d8-5b764e20389a" providerId="ADAL" clId="{FF2A4FE9-6061-4F89-9356-7C24429792B8}" dt="2021-10-19T19:07:04.460" v="454" actId="26606"/>
+          <ac:spMkLst>
+            <pc:docMk/>
+            <pc:sldMk cId="3916293193" sldId="256"/>
+            <ac:spMk id="68" creationId="{088D065B-39DA-4077-B9CF-E489CE4C0169}"/>
+          </ac:spMkLst>
+        </pc:spChg>
+        <pc:spChg chg="add del">
+          <ac:chgData name="Irving Leander Reascos Valencia" userId="355ef903-6e56-42c5-b4d8-5b764e20389a" providerId="ADAL" clId="{FF2A4FE9-6061-4F89-9356-7C24429792B8}" dt="2021-10-19T19:07:17.243" v="456" actId="26606"/>
+          <ac:spMkLst>
+            <pc:docMk/>
+            <pc:sldMk cId="3916293193" sldId="256"/>
+            <ac:spMk id="70" creationId="{C7FAE6E8-1D9E-4905-AAFE-978D331822BA}"/>
+          </ac:spMkLst>
+        </pc:spChg>
+        <pc:spChg chg="add del">
+          <ac:chgData name="Irving Leander Reascos Valencia" userId="355ef903-6e56-42c5-b4d8-5b764e20389a" providerId="ADAL" clId="{FF2A4FE9-6061-4F89-9356-7C24429792B8}" dt="2021-10-19T19:07:18.197" v="458" actId="26606"/>
+          <ac:spMkLst>
+            <pc:docMk/>
+            <pc:sldMk cId="3916293193" sldId="256"/>
+            <ac:spMk id="75" creationId="{36DD9A1B-23F2-4443-B0D4-00FF72D272EF}"/>
+          </ac:spMkLst>
+        </pc:spChg>
+        <pc:spChg chg="add del">
+          <ac:chgData name="Irving Leander Reascos Valencia" userId="355ef903-6e56-42c5-b4d8-5b764e20389a" providerId="ADAL" clId="{FF2A4FE9-6061-4F89-9356-7C24429792B8}" dt="2021-10-19T19:07:18.197" v="458" actId="26606"/>
+          <ac:spMkLst>
+            <pc:docMk/>
+            <pc:sldMk cId="3916293193" sldId="256"/>
+            <ac:spMk id="76" creationId="{C5A69CBB-DA63-440A-B853-88D42A6FE404}"/>
+          </ac:spMkLst>
+        </pc:spChg>
+        <pc:spChg chg="add del">
+          <ac:chgData name="Irving Leander Reascos Valencia" userId="355ef903-6e56-42c5-b4d8-5b764e20389a" providerId="ADAL" clId="{FF2A4FE9-6061-4F89-9356-7C24429792B8}" dt="2021-10-19T19:07:19.887" v="460" actId="26606"/>
+          <ac:spMkLst>
+            <pc:docMk/>
+            <pc:sldMk cId="3916293193" sldId="256"/>
+            <ac:spMk id="81" creationId="{30B7813D-B76D-400E-BFDE-AA4BA0BFAD54}"/>
+          </ac:spMkLst>
+        </pc:spChg>
+        <pc:spChg chg="add del">
+          <ac:chgData name="Irving Leander Reascos Valencia" userId="355ef903-6e56-42c5-b4d8-5b764e20389a" providerId="ADAL" clId="{FF2A4FE9-6061-4F89-9356-7C24429792B8}" dt="2021-10-19T19:10:39.468" v="479" actId="26606"/>
+          <ac:spMkLst>
+            <pc:docMk/>
+            <pc:sldMk cId="3916293193" sldId="256"/>
+            <ac:spMk id="83" creationId="{A4FB2F3E-259B-4650-B258-F09745BAA841}"/>
+          </ac:spMkLst>
+        </pc:spChg>
+        <pc:spChg chg="add del">
+          <ac:chgData name="Irving Leander Reascos Valencia" userId="355ef903-6e56-42c5-b4d8-5b764e20389a" providerId="ADAL" clId="{FF2A4FE9-6061-4F89-9356-7C24429792B8}" dt="2021-10-19T19:10:07.875" v="471" actId="26606"/>
+          <ac:spMkLst>
+            <pc:docMk/>
+            <pc:sldMk cId="3916293193" sldId="256"/>
+            <ac:spMk id="105" creationId="{26BDCA6B-3C9C-4213-A0D9-30BD5F0B073E}"/>
+          </ac:spMkLst>
+        </pc:spChg>
+        <pc:spChg chg="add del">
+          <ac:chgData name="Irving Leander Reascos Valencia" userId="355ef903-6e56-42c5-b4d8-5b764e20389a" providerId="ADAL" clId="{FF2A4FE9-6061-4F89-9356-7C24429792B8}" dt="2021-10-19T19:10:07.875" v="471" actId="26606"/>
+          <ac:spMkLst>
+            <pc:docMk/>
+            <pc:sldMk cId="3916293193" sldId="256"/>
+            <ac:spMk id="106" creationId="{FDA12F62-867F-4684-B28B-E085D09DCC06}"/>
+          </ac:spMkLst>
+        </pc:spChg>
+        <pc:spChg chg="add del">
+          <ac:chgData name="Irving Leander Reascos Valencia" userId="355ef903-6e56-42c5-b4d8-5b764e20389a" providerId="ADAL" clId="{FF2A4FE9-6061-4F89-9356-7C24429792B8}" dt="2021-10-19T19:08:24.892" v="465" actId="26606"/>
+          <ac:spMkLst>
+            <pc:docMk/>
+            <pc:sldMk cId="3916293193" sldId="256"/>
+            <ac:spMk id="107" creationId="{DA3C47C2-33A2-44B2-BEAB-FEB679075C24}"/>
+          </ac:spMkLst>
+        </pc:spChg>
+        <pc:spChg chg="add del">
+          <ac:chgData name="Irving Leander Reascos Valencia" userId="355ef903-6e56-42c5-b4d8-5b764e20389a" providerId="ADAL" clId="{FF2A4FE9-6061-4F89-9356-7C24429792B8}" dt="2021-10-19T19:08:16.697" v="463" actId="26606"/>
+          <ac:spMkLst>
+            <pc:docMk/>
+            <pc:sldMk cId="3916293193" sldId="256"/>
+            <ac:spMk id="108" creationId="{3A930249-8242-4E2B-AF17-C01826488321}"/>
+          </ac:spMkLst>
+        </pc:spChg>
+        <pc:spChg chg="add del">
+          <ac:chgData name="Irving Leander Reascos Valencia" userId="355ef903-6e56-42c5-b4d8-5b764e20389a" providerId="ADAL" clId="{FF2A4FE9-6061-4F89-9356-7C24429792B8}" dt="2021-10-19T19:08:24.892" v="465" actId="26606"/>
+          <ac:spMkLst>
+            <pc:docMk/>
+            <pc:sldMk cId="3916293193" sldId="256"/>
+            <ac:spMk id="109" creationId="{AD182BA8-54AD-4D9F-8264-B0FA8BB47D7C}"/>
+          </ac:spMkLst>
+        </pc:spChg>
+        <pc:spChg chg="add del">
+          <ac:chgData name="Irving Leander Reascos Valencia" userId="355ef903-6e56-42c5-b4d8-5b764e20389a" providerId="ADAL" clId="{FF2A4FE9-6061-4F89-9356-7C24429792B8}" dt="2021-10-19T19:08:16.697" v="463" actId="26606"/>
+          <ac:spMkLst>
+            <pc:docMk/>
+            <pc:sldMk cId="3916293193" sldId="256"/>
+            <ac:spMk id="110" creationId="{A5BDD999-C5E1-4B3E-A710-768673819165}"/>
+          </ac:spMkLst>
+        </pc:spChg>
+        <pc:spChg chg="add del">
+          <ac:chgData name="Irving Leander Reascos Valencia" userId="355ef903-6e56-42c5-b4d8-5b764e20389a" providerId="ADAL" clId="{FF2A4FE9-6061-4F89-9356-7C24429792B8}" dt="2021-10-19T19:08:24.892" v="465" actId="26606"/>
+          <ac:spMkLst>
+            <pc:docMk/>
+            <pc:sldMk cId="3916293193" sldId="256"/>
+            <ac:spMk id="111" creationId="{4ED83379-0499-45E1-AB78-6AA230F96442}"/>
+          </ac:spMkLst>
+        </pc:spChg>
+        <pc:spChg chg="add del">
+          <ac:chgData name="Irving Leander Reascos Valencia" userId="355ef903-6e56-42c5-b4d8-5b764e20389a" providerId="ADAL" clId="{FF2A4FE9-6061-4F89-9356-7C24429792B8}" dt="2021-10-19T19:10:14.727" v="473" actId="26606"/>
+          <ac:spMkLst>
+            <pc:docMk/>
+            <pc:sldMk cId="3916293193" sldId="256"/>
+            <ac:spMk id="112" creationId="{2A8AA5BC-4F7A-4226-8F99-6D824B226A97}"/>
+          </ac:spMkLst>
+        </pc:spChg>
+        <pc:spChg chg="add del">
+          <ac:chgData name="Irving Leander Reascos Valencia" userId="355ef903-6e56-42c5-b4d8-5b764e20389a" providerId="ADAL" clId="{FF2A4FE9-6061-4F89-9356-7C24429792B8}" dt="2021-10-19T19:08:28.973" v="469" actId="26606"/>
+          <ac:spMkLst>
+            <pc:docMk/>
+            <pc:sldMk cId="3916293193" sldId="256"/>
+            <ac:spMk id="113" creationId="{A017E2F9-032A-4CAE-A2E4-7465A67B7A03}"/>
+          </ac:spMkLst>
+        </pc:spChg>
+        <pc:spChg chg="add del">
+          <ac:chgData name="Irving Leander Reascos Valencia" userId="355ef903-6e56-42c5-b4d8-5b764e20389a" providerId="ADAL" clId="{FF2A4FE9-6061-4F89-9356-7C24429792B8}" dt="2021-10-19T19:08:28.973" v="469" actId="26606"/>
+          <ac:spMkLst>
+            <pc:docMk/>
+            <pc:sldMk cId="3916293193" sldId="256"/>
+            <ac:spMk id="114" creationId="{036EB2E8-1BD0-492D-BF5A-CE0184DA769D}"/>
+          </ac:spMkLst>
+        </pc:spChg>
+        <pc:spChg chg="add del">
+          <ac:chgData name="Irving Leander Reascos Valencia" userId="355ef903-6e56-42c5-b4d8-5b764e20389a" providerId="ADAL" clId="{FF2A4FE9-6061-4F89-9356-7C24429792B8}" dt="2021-10-19T19:08:28.973" v="469" actId="26606"/>
+          <ac:spMkLst>
+            <pc:docMk/>
+            <pc:sldMk cId="3916293193" sldId="256"/>
+            <ac:spMk id="115" creationId="{5316ED32-D562-46FD-A6C1-B0FBF4EF62B6}"/>
+          </ac:spMkLst>
+        </pc:spChg>
+        <pc:spChg chg="add del">
+          <ac:chgData name="Irving Leander Reascos Valencia" userId="355ef903-6e56-42c5-b4d8-5b764e20389a" providerId="ADAL" clId="{FF2A4FE9-6061-4F89-9356-7C24429792B8}" dt="2021-10-19T19:10:14.727" v="473" actId="26606"/>
+          <ac:spMkLst>
+            <pc:docMk/>
+            <pc:sldMk cId="3916293193" sldId="256"/>
+            <ac:spMk id="116" creationId="{3E5445C6-DD42-4979-86FF-03730E8C6DB0}"/>
+          </ac:spMkLst>
+        </pc:spChg>
+        <pc:spChg chg="add del">
+          <ac:chgData name="Irving Leander Reascos Valencia" userId="355ef903-6e56-42c5-b4d8-5b764e20389a" providerId="ADAL" clId="{FF2A4FE9-6061-4F89-9356-7C24429792B8}" dt="2021-10-19T19:10:36.841" v="475" actId="26606"/>
+          <ac:spMkLst>
+            <pc:docMk/>
+            <pc:sldMk cId="3916293193" sldId="256"/>
+            <ac:spMk id="118" creationId="{787F4F1C-8D3D-4EC1-B72D-A0470A5A08B8}"/>
+          </ac:spMkLst>
+        </pc:spChg>
+        <pc:spChg chg="add del">
+          <ac:chgData name="Irving Leander Reascos Valencia" userId="355ef903-6e56-42c5-b4d8-5b764e20389a" providerId="ADAL" clId="{FF2A4FE9-6061-4F89-9356-7C24429792B8}" dt="2021-10-19T19:10:38.244" v="477" actId="26606"/>
+          <ac:spMkLst>
+            <pc:docMk/>
+            <pc:sldMk cId="3916293193" sldId="256"/>
+            <ac:spMk id="127" creationId="{FB5B0058-AF13-4859-B429-4EDDE2A26F7F}"/>
+          </ac:spMkLst>
+        </pc:spChg>
+        <pc:spChg chg="add del">
+          <ac:chgData name="Irving Leander Reascos Valencia" userId="355ef903-6e56-42c5-b4d8-5b764e20389a" providerId="ADAL" clId="{FF2A4FE9-6061-4F89-9356-7C24429792B8}" dt="2021-10-19T19:10:38.244" v="477" actId="26606"/>
+          <ac:spMkLst>
+            <pc:docMk/>
+            <pc:sldMk cId="3916293193" sldId="256"/>
+            <ac:spMk id="128" creationId="{81BD432D-FAB3-4B5D-BF27-4DA7C75B3238}"/>
+          </ac:spMkLst>
+        </pc:spChg>
+        <pc:grpChg chg="add del">
+          <ac:chgData name="Irving Leander Reascos Valencia" userId="355ef903-6e56-42c5-b4d8-5b764e20389a" providerId="ADAL" clId="{FF2A4FE9-6061-4F89-9356-7C24429792B8}" dt="2021-10-19T19:06:07.409" v="425" actId="26606"/>
+          <ac:grpSpMkLst>
+            <pc:docMk/>
+            <pc:sldMk cId="3916293193" sldId="256"/>
+            <ac:grpSpMk id="18" creationId="{D1E3DD61-64DB-46AD-B249-E273CD86B051}"/>
+          </ac:grpSpMkLst>
+        </pc:grpChg>
+        <pc:grpChg chg="add del">
+          <ac:chgData name="Irving Leander Reascos Valencia" userId="355ef903-6e56-42c5-b4d8-5b764e20389a" providerId="ADAL" clId="{FF2A4FE9-6061-4F89-9356-7C24429792B8}" dt="2021-10-19T19:06:33.191" v="433" actId="26606"/>
+          <ac:grpSpMkLst>
+            <pc:docMk/>
+            <pc:sldMk cId="3916293193" sldId="256"/>
+            <ac:grpSpMk id="29" creationId="{1FEC590B-3306-47E9-BD67-97F3F76169A4}"/>
+          </ac:grpSpMkLst>
+        </pc:grpChg>
+        <pc:grpChg chg="add del">
+          <ac:chgData name="Irving Leander Reascos Valencia" userId="355ef903-6e56-42c5-b4d8-5b764e20389a" providerId="ADAL" clId="{FF2A4FE9-6061-4F89-9356-7C24429792B8}" dt="2021-10-19T19:06:33.191" v="433" actId="26606"/>
+          <ac:grpSpMkLst>
+            <pc:docMk/>
+            <pc:sldMk cId="3916293193" sldId="256"/>
+            <ac:grpSpMk id="32" creationId="{A47AAF5E-1692-48C9-98FB-6432BF0BC4F7}"/>
+          </ac:grpSpMkLst>
+        </pc:grpChg>
+        <pc:grpChg chg="add del">
+          <ac:chgData name="Irving Leander Reascos Valencia" userId="355ef903-6e56-42c5-b4d8-5b764e20389a" providerId="ADAL" clId="{FF2A4FE9-6061-4F89-9356-7C24429792B8}" dt="2021-10-19T19:07:17.243" v="456" actId="26606"/>
+          <ac:grpSpMkLst>
+            <pc:docMk/>
+            <pc:sldMk cId="3916293193" sldId="256"/>
+            <ac:grpSpMk id="71" creationId="{5F9D1CBF-A219-4C01-85A0-9DF6151EE270}"/>
+          </ac:grpSpMkLst>
+        </pc:grpChg>
+        <pc:grpChg chg="add del">
+          <ac:chgData name="Irving Leander Reascos Valencia" userId="355ef903-6e56-42c5-b4d8-5b764e20389a" providerId="ADAL" clId="{FF2A4FE9-6061-4F89-9356-7C24429792B8}" dt="2021-10-19T19:07:18.197" v="458" actId="26606"/>
+          <ac:grpSpMkLst>
+            <pc:docMk/>
+            <pc:sldMk cId="3916293193" sldId="256"/>
+            <ac:grpSpMk id="77" creationId="{51579200-569C-441E-840B-B8541A0177A0}"/>
+          </ac:grpSpMkLst>
+        </pc:grpChg>
+        <pc:grpChg chg="add del">
+          <ac:chgData name="Irving Leander Reascos Valencia" userId="355ef903-6e56-42c5-b4d8-5b764e20389a" providerId="ADAL" clId="{FF2A4FE9-6061-4F89-9356-7C24429792B8}" dt="2021-10-19T19:10:39.468" v="479" actId="26606"/>
+          <ac:grpSpMkLst>
+            <pc:docMk/>
+            <pc:sldMk cId="3916293193" sldId="256"/>
+            <ac:grpSpMk id="84" creationId="{084C5BAC-71DF-48C0-AB51-699516D3BE58}"/>
+          </ac:grpSpMkLst>
+        </pc:grpChg>
+        <pc:grpChg chg="add del">
+          <ac:chgData name="Irving Leander Reascos Valencia" userId="355ef903-6e56-42c5-b4d8-5b764e20389a" providerId="ADAL" clId="{FF2A4FE9-6061-4F89-9356-7C24429792B8}" dt="2021-10-19T19:10:36.841" v="475" actId="26606"/>
+          <ac:grpSpMkLst>
+            <pc:docMk/>
+            <pc:sldMk cId="3916293193" sldId="256"/>
+            <ac:grpSpMk id="119" creationId="{D1E3DD61-64DB-46AD-B249-E273CD86B051}"/>
+          </ac:grpSpMkLst>
+        </pc:grpChg>
+        <pc:picChg chg="add del mod">
+          <ac:chgData name="Irving Leander Reascos Valencia" userId="355ef903-6e56-42c5-b4d8-5b764e20389a" providerId="ADAL" clId="{FF2A4FE9-6061-4F89-9356-7C24429792B8}" dt="2021-10-19T19:03:46.429" v="419" actId="26606"/>
           <ac:picMkLst>
             <pc:docMk/>
-            <pc:sldMk cId="3345648404" sldId="264"/>
-            <ac:picMk id="4" creationId="{3518310F-A2C7-43A4-97D8-47BAF4C6131B}"/>
+            <pc:sldMk cId="3916293193" sldId="256"/>
+            <ac:picMk id="6" creationId="{29566AA0-0466-4EB3-AF91-9C1B5652B793}"/>
           </ac:picMkLst>
         </pc:picChg>
-        <pc:picChg chg="add mod ord">
-          <ac:chgData name="Rodrigo da Silva Gomes Peres Coelho" userId="S::pg47622@uminho.pt::32a22569-e572-4c9f-bf40-e144b3d8d0a1" providerId="AD" clId="Web-{758C3D71-4D74-AFFF-92D3-2B3C14AE1CB2}" dt="2021-10-19T18:39:25.911" v="27" actId="1076"/>
+        <pc:picChg chg="add del mod">
+          <ac:chgData name="Irving Leander Reascos Valencia" userId="355ef903-6e56-42c5-b4d8-5b764e20389a" providerId="ADAL" clId="{FF2A4FE9-6061-4F89-9356-7C24429792B8}" dt="2021-10-19T19:06:15.831" v="429" actId="26606"/>
           <ac:picMkLst>
             <pc:docMk/>
-            <pc:sldMk cId="3345648404" sldId="264"/>
-            <ac:picMk id="7" creationId="{BABBFE0C-6DB8-4D5C-8B4A-46A566D9BD09}"/>
+            <pc:sldMk cId="3916293193" sldId="256"/>
+            <ac:picMk id="21" creationId="{8210B9F1-D91D-410C-B3A6-BEFC58FCD936}"/>
+          </ac:picMkLst>
+        </pc:picChg>
+        <pc:picChg chg="add mod">
+          <ac:chgData name="Irving Leander Reascos Valencia" userId="355ef903-6e56-42c5-b4d8-5b764e20389a" providerId="ADAL" clId="{FF2A4FE9-6061-4F89-9356-7C24429792B8}" dt="2021-10-19T19:48:11.868" v="749" actId="1076"/>
+          <ac:picMkLst>
+            <pc:docMk/>
+            <pc:sldMk cId="3916293193" sldId="256"/>
+            <ac:picMk id="44" creationId="{10F7A4C2-65D3-4FFC-AD90-FE4BA48A4A15}"/>
+          </ac:picMkLst>
+        </pc:picChg>
+        <pc:picChg chg="add del">
+          <ac:chgData name="Irving Leander Reascos Valencia" userId="355ef903-6e56-42c5-b4d8-5b764e20389a" providerId="ADAL" clId="{FF2A4FE9-6061-4F89-9356-7C24429792B8}" dt="2021-10-19T19:08:16.697" v="463" actId="26606"/>
+          <ac:picMkLst>
+            <pc:docMk/>
+            <pc:sldMk cId="3916293193" sldId="256"/>
+            <ac:picMk id="104" creationId="{FCFE29C8-3320-4C00-9FEF-9B2DD9DCC347}"/>
+          </ac:picMkLst>
+        </pc:picChg>
+        <pc:cxnChg chg="add del">
+          <ac:chgData name="Irving Leander Reascos Valencia" userId="355ef903-6e56-42c5-b4d8-5b764e20389a" providerId="ADAL" clId="{FF2A4FE9-6061-4F89-9356-7C24429792B8}" dt="2021-10-19T19:05:53.050" v="421" actId="26606"/>
+          <ac:cxnSpMkLst>
+            <pc:docMk/>
+            <pc:sldMk cId="3916293193" sldId="256"/>
+            <ac:cxnSpMk id="10" creationId="{EC4521DE-248E-440D-AAD6-FD9E7D34B3BF}"/>
+          </ac:cxnSpMkLst>
+        </pc:cxnChg>
+        <pc:cxnChg chg="add del">
+          <ac:chgData name="Irving Leander Reascos Valencia" userId="355ef903-6e56-42c5-b4d8-5b764e20389a" providerId="ADAL" clId="{FF2A4FE9-6061-4F89-9356-7C24429792B8}" dt="2021-10-19T19:05:53.050" v="421" actId="26606"/>
+          <ac:cxnSpMkLst>
+            <pc:docMk/>
+            <pc:sldMk cId="3916293193" sldId="256"/>
+            <ac:cxnSpMk id="12" creationId="{442C13FA-4C0F-42D0-9626-5BA6040D8C31}"/>
+          </ac:cxnSpMkLst>
+        </pc:cxnChg>
+        <pc:cxnChg chg="add del">
+          <ac:chgData name="Irving Leander Reascos Valencia" userId="355ef903-6e56-42c5-b4d8-5b764e20389a" providerId="ADAL" clId="{FF2A4FE9-6061-4F89-9356-7C24429792B8}" dt="2021-10-19T19:06:03.421" v="423" actId="26606"/>
+          <ac:cxnSpMkLst>
+            <pc:docMk/>
+            <pc:sldMk cId="3916293193" sldId="256"/>
+            <ac:cxnSpMk id="13" creationId="{FEA8332D-EA74-40A2-8709-00EDB23792E1}"/>
+          </ac:cxnSpMkLst>
+        </pc:cxnChg>
+        <pc:cxnChg chg="add del">
+          <ac:chgData name="Irving Leander Reascos Valencia" userId="355ef903-6e56-42c5-b4d8-5b764e20389a" providerId="ADAL" clId="{FF2A4FE9-6061-4F89-9356-7C24429792B8}" dt="2021-10-19T19:06:03.421" v="423" actId="26606"/>
+          <ac:cxnSpMkLst>
+            <pc:docMk/>
+            <pc:sldMk cId="3916293193" sldId="256"/>
+            <ac:cxnSpMk id="14" creationId="{AB88284F-ED00-40CA-B57D-89C49E8EC6E9}"/>
+          </ac:cxnSpMkLst>
+        </pc:cxnChg>
+        <pc:cxnChg chg="add del">
+          <ac:chgData name="Irving Leander Reascos Valencia" userId="355ef903-6e56-42c5-b4d8-5b764e20389a" providerId="ADAL" clId="{FF2A4FE9-6061-4F89-9356-7C24429792B8}" dt="2021-10-19T19:06:30.490" v="431" actId="26606"/>
+          <ac:cxnSpMkLst>
+            <pc:docMk/>
+            <pc:sldMk cId="3916293193" sldId="256"/>
+            <ac:cxnSpMk id="16" creationId="{56020367-4FD5-4596-8E10-C5F095CD8DBF}"/>
+          </ac:cxnSpMkLst>
+        </pc:cxnChg>
+        <pc:cxnChg chg="add del">
+          <ac:chgData name="Irving Leander Reascos Valencia" userId="355ef903-6e56-42c5-b4d8-5b764e20389a" providerId="ADAL" clId="{FF2A4FE9-6061-4F89-9356-7C24429792B8}" dt="2021-10-19T19:06:35.922" v="439" actId="26606"/>
+          <ac:cxnSpMkLst>
+            <pc:docMk/>
+            <pc:sldMk cId="3916293193" sldId="256"/>
+            <ac:cxnSpMk id="46" creationId="{56020367-4FD5-4596-8E10-C5F095CD8DBF}"/>
+          </ac:cxnSpMkLst>
+        </pc:cxnChg>
+        <pc:cxnChg chg="add del">
+          <ac:chgData name="Irving Leander Reascos Valencia" userId="355ef903-6e56-42c5-b4d8-5b764e20389a" providerId="ADAL" clId="{FF2A4FE9-6061-4F89-9356-7C24429792B8}" dt="2021-10-19T19:06:41.478" v="441" actId="26606"/>
+          <ac:cxnSpMkLst>
+            <pc:docMk/>
+            <pc:sldMk cId="3916293193" sldId="256"/>
+            <ac:cxnSpMk id="52" creationId="{EC4521DE-248E-440D-AAD6-FD9E7D34B3BF}"/>
+          </ac:cxnSpMkLst>
+        </pc:cxnChg>
+        <pc:cxnChg chg="add del">
+          <ac:chgData name="Irving Leander Reascos Valencia" userId="355ef903-6e56-42c5-b4d8-5b764e20389a" providerId="ADAL" clId="{FF2A4FE9-6061-4F89-9356-7C24429792B8}" dt="2021-10-19T19:06:41.478" v="441" actId="26606"/>
+          <ac:cxnSpMkLst>
+            <pc:docMk/>
+            <pc:sldMk cId="3916293193" sldId="256"/>
+            <ac:cxnSpMk id="53" creationId="{442C13FA-4C0F-42D0-9626-5BA6040D8C31}"/>
+          </ac:cxnSpMkLst>
+        </pc:cxnChg>
+        <pc:cxnChg chg="add del">
+          <ac:chgData name="Irving Leander Reascos Valencia" userId="355ef903-6e56-42c5-b4d8-5b764e20389a" providerId="ADAL" clId="{FF2A4FE9-6061-4F89-9356-7C24429792B8}" dt="2021-10-19T19:06:44.597" v="445" actId="26606"/>
+          <ac:cxnSpMkLst>
+            <pc:docMk/>
+            <pc:sldMk cId="3916293193" sldId="256"/>
+            <ac:cxnSpMk id="57" creationId="{2D07C3A8-02AE-4DC1-B13F-A6AA2ECA9FFD}"/>
+          </ac:cxnSpMkLst>
+        </pc:cxnChg>
+        <pc:cxnChg chg="add del">
+          <ac:chgData name="Irving Leander Reascos Valencia" userId="355ef903-6e56-42c5-b4d8-5b764e20389a" providerId="ADAL" clId="{FF2A4FE9-6061-4F89-9356-7C24429792B8}" dt="2021-10-19T19:06:51.993" v="449" actId="26606"/>
+          <ac:cxnSpMkLst>
+            <pc:docMk/>
+            <pc:sldMk cId="3916293193" sldId="256"/>
+            <ac:cxnSpMk id="61" creationId="{07A9243D-8FC3-4B36-874B-55906B03F484}"/>
+          </ac:cxnSpMkLst>
+        </pc:cxnChg>
+        <pc:cxnChg chg="add del">
+          <ac:chgData name="Irving Leander Reascos Valencia" userId="355ef903-6e56-42c5-b4d8-5b764e20389a" providerId="ADAL" clId="{FF2A4FE9-6061-4F89-9356-7C24429792B8}" dt="2021-10-19T19:06:59.449" v="452" actId="26606"/>
+          <ac:cxnSpMkLst>
+            <pc:docMk/>
+            <pc:sldMk cId="3916293193" sldId="256"/>
+            <ac:cxnSpMk id="64" creationId="{C4C8A451-B6C1-4CB1-95FC-2DBDEC61FF17}"/>
+          </ac:cxnSpMkLst>
+        </pc:cxnChg>
+        <pc:cxnChg chg="add del">
+          <ac:chgData name="Irving Leander Reascos Valencia" userId="355ef903-6e56-42c5-b4d8-5b764e20389a" providerId="ADAL" clId="{FF2A4FE9-6061-4F89-9356-7C24429792B8}" dt="2021-10-19T19:06:59.449" v="452" actId="26606"/>
+          <ac:cxnSpMkLst>
+            <pc:docMk/>
+            <pc:sldMk cId="3916293193" sldId="256"/>
+            <ac:cxnSpMk id="65" creationId="{E8439DD6-1CCF-48C6-AF10-B7018793022A}"/>
+          </ac:cxnSpMkLst>
+        </pc:cxnChg>
+        <pc:cxnChg chg="add del">
+          <ac:chgData name="Irving Leander Reascos Valencia" userId="355ef903-6e56-42c5-b4d8-5b764e20389a" providerId="ADAL" clId="{FF2A4FE9-6061-4F89-9356-7C24429792B8}" dt="2021-10-19T19:10:14.727" v="473" actId="26606"/>
+          <ac:cxnSpMkLst>
+            <pc:docMk/>
+            <pc:sldMk cId="3916293193" sldId="256"/>
+            <ac:cxnSpMk id="117" creationId="{45000665-DFC7-417E-8FD7-516A0F15C975}"/>
+          </ac:cxnSpMkLst>
+        </pc:cxnChg>
+        <pc:cxnChg chg="add del">
+          <ac:chgData name="Irving Leander Reascos Valencia" userId="355ef903-6e56-42c5-b4d8-5b764e20389a" providerId="ADAL" clId="{FF2A4FE9-6061-4F89-9356-7C24429792B8}" dt="2021-10-19T19:10:38.244" v="477" actId="26606"/>
+          <ac:cxnSpMkLst>
+            <pc:docMk/>
+            <pc:sldMk cId="3916293193" sldId="256"/>
+            <ac:cxnSpMk id="129" creationId="{E6D6B450-4278-45B8-88C7-C061710E3C7E}"/>
+          </ac:cxnSpMkLst>
+        </pc:cxnChg>
+        <pc:cxnChg chg="add del">
+          <ac:chgData name="Irving Leander Reascos Valencia" userId="355ef903-6e56-42c5-b4d8-5b764e20389a" providerId="ADAL" clId="{FF2A4FE9-6061-4F89-9356-7C24429792B8}" dt="2021-10-19T19:10:38.244" v="477" actId="26606"/>
+          <ac:cxnSpMkLst>
+            <pc:docMk/>
+            <pc:sldMk cId="3916293193" sldId="256"/>
+            <ac:cxnSpMk id="130" creationId="{74234A4C-A256-4139-A5F4-27078F0D6796}"/>
+          </ac:cxnSpMkLst>
+        </pc:cxnChg>
+      </pc:sldChg>
+      <pc:sldChg chg="addSp delSp modSp mod setBg setClrOvrMap">
+        <pc:chgData name="Irving Leander Reascos Valencia" userId="355ef903-6e56-42c5-b4d8-5b764e20389a" providerId="ADAL" clId="{FF2A4FE9-6061-4F89-9356-7C24429792B8}" dt="2021-10-19T19:48:07.140" v="748" actId="1076"/>
+        <pc:sldMkLst>
+          <pc:docMk/>
+          <pc:sldMk cId="2618058349" sldId="257"/>
+        </pc:sldMkLst>
+        <pc:spChg chg="mod">
+          <ac:chgData name="Irving Leander Reascos Valencia" userId="355ef903-6e56-42c5-b4d8-5b764e20389a" providerId="ADAL" clId="{FF2A4FE9-6061-4F89-9356-7C24429792B8}" dt="2021-10-19T19:13:25.522" v="484" actId="26606"/>
+          <ac:spMkLst>
+            <pc:docMk/>
+            <pc:sldMk cId="2618058349" sldId="257"/>
+            <ac:spMk id="2" creationId="{A90D1A64-2A9D-4122-9AF7-59CDF0D95CE7}"/>
+          </ac:spMkLst>
+        </pc:spChg>
+        <pc:spChg chg="mod">
+          <ac:chgData name="Irving Leander Reascos Valencia" userId="355ef903-6e56-42c5-b4d8-5b764e20389a" providerId="ADAL" clId="{FF2A4FE9-6061-4F89-9356-7C24429792B8}" dt="2021-10-19T19:13:25.522" v="484" actId="26606"/>
+          <ac:spMkLst>
+            <pc:docMk/>
+            <pc:sldMk cId="2618058349" sldId="257"/>
+            <ac:spMk id="3" creationId="{A1193E02-CBB4-4219-B249-B771F91CFEC0}"/>
+          </ac:spMkLst>
+        </pc:spChg>
+        <pc:spChg chg="add">
+          <ac:chgData name="Irving Leander Reascos Valencia" userId="355ef903-6e56-42c5-b4d8-5b764e20389a" providerId="ADAL" clId="{FF2A4FE9-6061-4F89-9356-7C24429792B8}" dt="2021-10-19T19:13:25.522" v="484" actId="26606"/>
+          <ac:spMkLst>
+            <pc:docMk/>
+            <pc:sldMk cId="2618058349" sldId="257"/>
+            <ac:spMk id="6" creationId="{EA67B5B4-3A24-436E-B663-1B2EBFF8A0CD}"/>
+          </ac:spMkLst>
+        </pc:spChg>
+        <pc:spChg chg="add">
+          <ac:chgData name="Irving Leander Reascos Valencia" userId="355ef903-6e56-42c5-b4d8-5b764e20389a" providerId="ADAL" clId="{FF2A4FE9-6061-4F89-9356-7C24429792B8}" dt="2021-10-19T19:13:25.522" v="484" actId="26606"/>
+          <ac:spMkLst>
+            <pc:docMk/>
+            <pc:sldMk cId="2618058349" sldId="257"/>
+            <ac:spMk id="7" creationId="{987FDF89-C993-41F4-A1B8-DBAFF16008A9}"/>
+          </ac:spMkLst>
+        </pc:spChg>
+        <pc:spChg chg="add del">
+          <ac:chgData name="Irving Leander Reascos Valencia" userId="355ef903-6e56-42c5-b4d8-5b764e20389a" providerId="ADAL" clId="{FF2A4FE9-6061-4F89-9356-7C24429792B8}" dt="2021-10-19T19:13:19.385" v="481" actId="26606"/>
+          <ac:spMkLst>
+            <pc:docMk/>
+            <pc:sldMk cId="2618058349" sldId="257"/>
+            <ac:spMk id="8" creationId="{EA67B5B4-3A24-436E-B663-1B2EBFF8A0CD}"/>
+          </ac:spMkLst>
+        </pc:spChg>
+        <pc:spChg chg="add del">
+          <ac:chgData name="Irving Leander Reascos Valencia" userId="355ef903-6e56-42c5-b4d8-5b764e20389a" providerId="ADAL" clId="{FF2A4FE9-6061-4F89-9356-7C24429792B8}" dt="2021-10-19T19:13:21.768" v="483" actId="26606"/>
+          <ac:spMkLst>
+            <pc:docMk/>
+            <pc:sldMk cId="2618058349" sldId="257"/>
+            <ac:spMk id="9" creationId="{C5E6CFF1-2F42-4E10-9A97-F116F46F53FE}"/>
+          </ac:spMkLst>
+        </pc:spChg>
+        <pc:spChg chg="add del">
+          <ac:chgData name="Irving Leander Reascos Valencia" userId="355ef903-6e56-42c5-b4d8-5b764e20389a" providerId="ADAL" clId="{FF2A4FE9-6061-4F89-9356-7C24429792B8}" dt="2021-10-19T19:13:19.385" v="481" actId="26606"/>
+          <ac:spMkLst>
+            <pc:docMk/>
+            <pc:sldMk cId="2618058349" sldId="257"/>
+            <ac:spMk id="10" creationId="{987FDF89-C993-41F4-A1B8-DBAFF16008A9}"/>
+          </ac:spMkLst>
+        </pc:spChg>
+        <pc:spChg chg="add del">
+          <ac:chgData name="Irving Leander Reascos Valencia" userId="355ef903-6e56-42c5-b4d8-5b764e20389a" providerId="ADAL" clId="{FF2A4FE9-6061-4F89-9356-7C24429792B8}" dt="2021-10-19T19:13:19.385" v="481" actId="26606"/>
+          <ac:spMkLst>
+            <pc:docMk/>
+            <pc:sldMk cId="2618058349" sldId="257"/>
+            <ac:spMk id="12" creationId="{64E585EA-75FD-4025-8270-F66A58A15CDA}"/>
+          </ac:spMkLst>
+        </pc:spChg>
+        <pc:spChg chg="add">
+          <ac:chgData name="Irving Leander Reascos Valencia" userId="355ef903-6e56-42c5-b4d8-5b764e20389a" providerId="ADAL" clId="{FF2A4FE9-6061-4F89-9356-7C24429792B8}" dt="2021-10-19T19:13:25.522" v="484" actId="26606"/>
+          <ac:spMkLst>
+            <pc:docMk/>
+            <pc:sldMk cId="2618058349" sldId="257"/>
+            <ac:spMk id="13" creationId="{64E585EA-75FD-4025-8270-F66A58A15CDA}"/>
+          </ac:spMkLst>
+        </pc:spChg>
+        <pc:picChg chg="add del">
+          <ac:chgData name="Irving Leander Reascos Valencia" userId="355ef903-6e56-42c5-b4d8-5b764e20389a" providerId="ADAL" clId="{FF2A4FE9-6061-4F89-9356-7C24429792B8}" dt="2021-10-19T19:13:21.768" v="483" actId="26606"/>
+          <ac:picMkLst>
+            <pc:docMk/>
+            <pc:sldMk cId="2618058349" sldId="257"/>
+            <ac:picMk id="5" creationId="{80017416-3FBE-4EC2-8958-C8AD6E246FDE}"/>
+          </ac:picMkLst>
+        </pc:picChg>
+        <pc:picChg chg="add mod">
+          <ac:chgData name="Irving Leander Reascos Valencia" userId="355ef903-6e56-42c5-b4d8-5b764e20389a" providerId="ADAL" clId="{FF2A4FE9-6061-4F89-9356-7C24429792B8}" dt="2021-10-19T19:48:07.140" v="748" actId="1076"/>
+          <ac:picMkLst>
+            <pc:docMk/>
+            <pc:sldMk cId="2618058349" sldId="257"/>
+            <ac:picMk id="14" creationId="{3C8B47FD-FAEA-47BE-9B6E-17DEDEA847DE}"/>
+          </ac:picMkLst>
+        </pc:picChg>
+        <pc:picChg chg="add del mod">
+          <ac:chgData name="Irving Leander Reascos Valencia" userId="355ef903-6e56-42c5-b4d8-5b764e20389a" providerId="ADAL" clId="{FF2A4FE9-6061-4F89-9356-7C24429792B8}" dt="2021-10-19T19:18:18.838" v="488" actId="478"/>
+          <ac:picMkLst>
+            <pc:docMk/>
+            <pc:sldMk cId="2618058349" sldId="257"/>
+            <ac:picMk id="1026" creationId="{06B2EEA1-6DFF-40BD-BB45-4D1190DF3C02}"/>
+          </ac:picMkLst>
+        </pc:picChg>
+        <pc:cxnChg chg="add del">
+          <ac:chgData name="Irving Leander Reascos Valencia" userId="355ef903-6e56-42c5-b4d8-5b764e20389a" providerId="ADAL" clId="{FF2A4FE9-6061-4F89-9356-7C24429792B8}" dt="2021-10-19T19:13:21.768" v="483" actId="26606"/>
+          <ac:cxnSpMkLst>
+            <pc:docMk/>
+            <pc:sldMk cId="2618058349" sldId="257"/>
+            <ac:cxnSpMk id="11" creationId="{67182200-4859-4C8D-BCBB-55B245C28BA3}"/>
+          </ac:cxnSpMkLst>
+        </pc:cxnChg>
+      </pc:sldChg>
+      <pc:sldChg chg="addSp modSp mod setBg setClrOvrMap">
+        <pc:chgData name="Irving Leander Reascos Valencia" userId="355ef903-6e56-42c5-b4d8-5b764e20389a" providerId="ADAL" clId="{FF2A4FE9-6061-4F89-9356-7C24429792B8}" dt="2021-10-19T19:59:50.173" v="770" actId="1076"/>
+        <pc:sldMkLst>
+          <pc:docMk/>
+          <pc:sldMk cId="141842313" sldId="258"/>
+        </pc:sldMkLst>
+        <pc:spChg chg="mod">
+          <ac:chgData name="Irving Leander Reascos Valencia" userId="355ef903-6e56-42c5-b4d8-5b764e20389a" providerId="ADAL" clId="{FF2A4FE9-6061-4F89-9356-7C24429792B8}" dt="2021-10-19T19:25:30.645" v="533" actId="26606"/>
+          <ac:spMkLst>
+            <pc:docMk/>
+            <pc:sldMk cId="141842313" sldId="258"/>
+            <ac:spMk id="2" creationId="{C9F13D6B-ADDC-4D9F-8F64-BFE5D3350D4E}"/>
+          </ac:spMkLst>
+        </pc:spChg>
+        <pc:spChg chg="mod">
+          <ac:chgData name="Irving Leander Reascos Valencia" userId="355ef903-6e56-42c5-b4d8-5b764e20389a" providerId="ADAL" clId="{FF2A4FE9-6061-4F89-9356-7C24429792B8}" dt="2021-10-19T19:25:30.645" v="533" actId="26606"/>
+          <ac:spMkLst>
+            <pc:docMk/>
+            <pc:sldMk cId="141842313" sldId="258"/>
+            <ac:spMk id="3" creationId="{EC75AD99-26BD-4FCD-9831-C1EBF240F0E8}"/>
+          </ac:spMkLst>
+        </pc:spChg>
+        <pc:spChg chg="add">
+          <ac:chgData name="Irving Leander Reascos Valencia" userId="355ef903-6e56-42c5-b4d8-5b764e20389a" providerId="ADAL" clId="{FF2A4FE9-6061-4F89-9356-7C24429792B8}" dt="2021-10-19T19:25:30.645" v="533" actId="26606"/>
+          <ac:spMkLst>
+            <pc:docMk/>
+            <pc:sldMk cId="141842313" sldId="258"/>
+            <ac:spMk id="8" creationId="{EA67B5B4-3A24-436E-B663-1B2EBFF8A0CD}"/>
+          </ac:spMkLst>
+        </pc:spChg>
+        <pc:spChg chg="add">
+          <ac:chgData name="Irving Leander Reascos Valencia" userId="355ef903-6e56-42c5-b4d8-5b764e20389a" providerId="ADAL" clId="{FF2A4FE9-6061-4F89-9356-7C24429792B8}" dt="2021-10-19T19:25:30.645" v="533" actId="26606"/>
+          <ac:spMkLst>
+            <pc:docMk/>
+            <pc:sldMk cId="141842313" sldId="258"/>
+            <ac:spMk id="10" creationId="{987FDF89-C993-41F4-A1B8-DBAFF16008A9}"/>
+          </ac:spMkLst>
+        </pc:spChg>
+        <pc:spChg chg="add">
+          <ac:chgData name="Irving Leander Reascos Valencia" userId="355ef903-6e56-42c5-b4d8-5b764e20389a" providerId="ADAL" clId="{FF2A4FE9-6061-4F89-9356-7C24429792B8}" dt="2021-10-19T19:25:30.645" v="533" actId="26606"/>
+          <ac:spMkLst>
+            <pc:docMk/>
+            <pc:sldMk cId="141842313" sldId="258"/>
+            <ac:spMk id="12" creationId="{64E585EA-75FD-4025-8270-F66A58A15CDA}"/>
+          </ac:spMkLst>
+        </pc:spChg>
+        <pc:picChg chg="add mod">
+          <ac:chgData name="Irving Leander Reascos Valencia" userId="355ef903-6e56-42c5-b4d8-5b764e20389a" providerId="ADAL" clId="{FF2A4FE9-6061-4F89-9356-7C24429792B8}" dt="2021-10-19T19:48:14.399" v="750"/>
+          <ac:picMkLst>
+            <pc:docMk/>
+            <pc:sldMk cId="141842313" sldId="258"/>
+            <ac:picMk id="7" creationId="{19B7E34A-47C0-4EEC-A11B-72B0353F9BB5}"/>
+          </ac:picMkLst>
+        </pc:picChg>
+        <pc:picChg chg="add mod">
+          <ac:chgData name="Irving Leander Reascos Valencia" userId="355ef903-6e56-42c5-b4d8-5b764e20389a" providerId="ADAL" clId="{FF2A4FE9-6061-4F89-9356-7C24429792B8}" dt="2021-10-19T19:58:15.029" v="761" actId="1076"/>
+          <ac:picMkLst>
+            <pc:docMk/>
+            <pc:sldMk cId="141842313" sldId="258"/>
+            <ac:picMk id="6146" creationId="{3B8E4815-DB78-4C4E-95BC-C2A1518C9549}"/>
+          </ac:picMkLst>
+        </pc:picChg>
+        <pc:picChg chg="add mod">
+          <ac:chgData name="Irving Leander Reascos Valencia" userId="355ef903-6e56-42c5-b4d8-5b764e20389a" providerId="ADAL" clId="{FF2A4FE9-6061-4F89-9356-7C24429792B8}" dt="2021-10-19T19:59:14.598" v="764" actId="1076"/>
+          <ac:picMkLst>
+            <pc:docMk/>
+            <pc:sldMk cId="141842313" sldId="258"/>
+            <ac:picMk id="6148" creationId="{0EA8F629-581A-45BB-B9B5-1512B20D0D4E}"/>
+          </ac:picMkLst>
+        </pc:picChg>
+        <pc:picChg chg="add mod">
+          <ac:chgData name="Irving Leander Reascos Valencia" userId="355ef903-6e56-42c5-b4d8-5b764e20389a" providerId="ADAL" clId="{FF2A4FE9-6061-4F89-9356-7C24429792B8}" dt="2021-10-19T19:59:50.173" v="770" actId="1076"/>
+          <ac:picMkLst>
+            <pc:docMk/>
+            <pc:sldMk cId="141842313" sldId="258"/>
+            <ac:picMk id="6150" creationId="{8BBCD727-86E1-48D9-945C-ADD2B493758A}"/>
           </ac:picMkLst>
         </pc:picChg>
       </pc:sldChg>
-    </pc:docChg>
-  </pc:docChgLst>
-  <pc:docChgLst>
-    <pc:chgData name="Rodrigo da Silva Gomes Peres Coelho" userId="S::pg47622@uminho.pt::32a22569-e572-4c9f-bf40-e144b3d8d0a1" providerId="AD" clId="Web-{CAE9DF54-3E55-1FB7-D7BF-C095B0D0356E}"/>
-    <pc:docChg chg="modSld">
-      <pc:chgData name="Rodrigo da Silva Gomes Peres Coelho" userId="S::pg47622@uminho.pt::32a22569-e572-4c9f-bf40-e144b3d8d0a1" providerId="AD" clId="Web-{CAE9DF54-3E55-1FB7-D7BF-C095B0D0356E}" dt="2021-10-29T09:46:39.773" v="174" actId="1076"/>
-      <pc:docMkLst>
-        <pc:docMk/>
-      </pc:docMkLst>
-      <pc:sldChg chg="modSp">
-        <pc:chgData name="Rodrigo da Silva Gomes Peres Coelho" userId="S::pg47622@uminho.pt::32a22569-e572-4c9f-bf40-e144b3d8d0a1" providerId="AD" clId="Web-{CAE9DF54-3E55-1FB7-D7BF-C095B0D0356E}" dt="2021-10-29T09:46:39.773" v="174" actId="1076"/>
+      <pc:sldChg chg="addSp delSp modSp mod setBg setClrOvrMap">
+        <pc:chgData name="Irving Leander Reascos Valencia" userId="355ef903-6e56-42c5-b4d8-5b764e20389a" providerId="ADAL" clId="{FF2A4FE9-6061-4F89-9356-7C24429792B8}" dt="2021-10-19T19:48:21.539" v="751"/>
+        <pc:sldMkLst>
+          <pc:docMk/>
+          <pc:sldMk cId="3785552250" sldId="259"/>
+        </pc:sldMkLst>
+        <pc:spChg chg="mod">
+          <ac:chgData name="Irving Leander Reascos Valencia" userId="355ef903-6e56-42c5-b4d8-5b764e20389a" providerId="ADAL" clId="{FF2A4FE9-6061-4F89-9356-7C24429792B8}" dt="2021-10-19T19:46:45.791" v="732" actId="26606"/>
+          <ac:spMkLst>
+            <pc:docMk/>
+            <pc:sldMk cId="3785552250" sldId="259"/>
+            <ac:spMk id="2" creationId="{770AEAC1-D00D-4613-95F0-71CF1560AD62}"/>
+          </ac:spMkLst>
+        </pc:spChg>
+        <pc:spChg chg="mod">
+          <ac:chgData name="Irving Leander Reascos Valencia" userId="355ef903-6e56-42c5-b4d8-5b764e20389a" providerId="ADAL" clId="{FF2A4FE9-6061-4F89-9356-7C24429792B8}" dt="2021-10-19T19:47:01.622" v="738" actId="20577"/>
+          <ac:spMkLst>
+            <pc:docMk/>
+            <pc:sldMk cId="3785552250" sldId="259"/>
+            <ac:spMk id="3" creationId="{1B8160BC-DBAF-4CF3-815A-DFCC0C01BC4D}"/>
+          </ac:spMkLst>
+        </pc:spChg>
+        <pc:spChg chg="add del">
+          <ac:chgData name="Irving Leander Reascos Valencia" userId="355ef903-6e56-42c5-b4d8-5b764e20389a" providerId="ADAL" clId="{FF2A4FE9-6061-4F89-9356-7C24429792B8}" dt="2021-10-19T19:46:45.791" v="732" actId="26606"/>
+          <ac:spMkLst>
+            <pc:docMk/>
+            <pc:sldMk cId="3785552250" sldId="259"/>
+            <ac:spMk id="8" creationId="{EA67B5B4-3A24-436E-B663-1B2EBFF8A0CD}"/>
+          </ac:spMkLst>
+        </pc:spChg>
+        <pc:spChg chg="add del">
+          <ac:chgData name="Irving Leander Reascos Valencia" userId="355ef903-6e56-42c5-b4d8-5b764e20389a" providerId="ADAL" clId="{FF2A4FE9-6061-4F89-9356-7C24429792B8}" dt="2021-10-19T19:24:04.890" v="490" actId="26606"/>
+          <ac:spMkLst>
+            <pc:docMk/>
+            <pc:sldMk cId="3785552250" sldId="259"/>
+            <ac:spMk id="9" creationId="{96CF2A2B-0745-440C-9224-C5C6A0A4286F}"/>
+          </ac:spMkLst>
+        </pc:spChg>
+        <pc:spChg chg="add del">
+          <ac:chgData name="Irving Leander Reascos Valencia" userId="355ef903-6e56-42c5-b4d8-5b764e20389a" providerId="ADAL" clId="{FF2A4FE9-6061-4F89-9356-7C24429792B8}" dt="2021-10-19T19:46:45.791" v="732" actId="26606"/>
+          <ac:spMkLst>
+            <pc:docMk/>
+            <pc:sldMk cId="3785552250" sldId="259"/>
+            <ac:spMk id="10" creationId="{987FDF89-C993-41F4-A1B8-DBAFF16008A9}"/>
+          </ac:spMkLst>
+        </pc:spChg>
+        <pc:spChg chg="add del">
+          <ac:chgData name="Irving Leander Reascos Valencia" userId="355ef903-6e56-42c5-b4d8-5b764e20389a" providerId="ADAL" clId="{FF2A4FE9-6061-4F89-9356-7C24429792B8}" dt="2021-10-19T19:24:04.890" v="490" actId="26606"/>
+          <ac:spMkLst>
+            <pc:docMk/>
+            <pc:sldMk cId="3785552250" sldId="259"/>
+            <ac:spMk id="11" creationId="{75BE6D6B-84C9-4D2B-97EB-773B7369EF82}"/>
+          </ac:spMkLst>
+        </pc:spChg>
+        <pc:spChg chg="add del">
+          <ac:chgData name="Irving Leander Reascos Valencia" userId="355ef903-6e56-42c5-b4d8-5b764e20389a" providerId="ADAL" clId="{FF2A4FE9-6061-4F89-9356-7C24429792B8}" dt="2021-10-19T19:46:45.791" v="732" actId="26606"/>
+          <ac:spMkLst>
+            <pc:docMk/>
+            <pc:sldMk cId="3785552250" sldId="259"/>
+            <ac:spMk id="12" creationId="{64E585EA-75FD-4025-8270-F66A58A15CDA}"/>
+          </ac:spMkLst>
+        </pc:spChg>
+        <pc:spChg chg="add">
+          <ac:chgData name="Irving Leander Reascos Valencia" userId="355ef903-6e56-42c5-b4d8-5b764e20389a" providerId="ADAL" clId="{FF2A4FE9-6061-4F89-9356-7C24429792B8}" dt="2021-10-19T19:46:45.791" v="732" actId="26606"/>
+          <ac:spMkLst>
+            <pc:docMk/>
+            <pc:sldMk cId="3785552250" sldId="259"/>
+            <ac:spMk id="17" creationId="{EA67B5B4-3A24-436E-B663-1B2EBFF8A0CD}"/>
+          </ac:spMkLst>
+        </pc:spChg>
+        <pc:spChg chg="add">
+          <ac:chgData name="Irving Leander Reascos Valencia" userId="355ef903-6e56-42c5-b4d8-5b764e20389a" providerId="ADAL" clId="{FF2A4FE9-6061-4F89-9356-7C24429792B8}" dt="2021-10-19T19:46:45.791" v="732" actId="26606"/>
+          <ac:spMkLst>
+            <pc:docMk/>
+            <pc:sldMk cId="3785552250" sldId="259"/>
+            <ac:spMk id="19" creationId="{987FDF89-C993-41F4-A1B8-DBAFF16008A9}"/>
+          </ac:spMkLst>
+        </pc:spChg>
+        <pc:spChg chg="add">
+          <ac:chgData name="Irving Leander Reascos Valencia" userId="355ef903-6e56-42c5-b4d8-5b764e20389a" providerId="ADAL" clId="{FF2A4FE9-6061-4F89-9356-7C24429792B8}" dt="2021-10-19T19:46:45.791" v="732" actId="26606"/>
+          <ac:spMkLst>
+            <pc:docMk/>
+            <pc:sldMk cId="3785552250" sldId="259"/>
+            <ac:spMk id="21" creationId="{D1D7179B-FF7C-482F-B3D9-2BE9ED1139F9}"/>
+          </ac:spMkLst>
+        </pc:spChg>
+        <pc:picChg chg="add del">
+          <ac:chgData name="Irving Leander Reascos Valencia" userId="355ef903-6e56-42c5-b4d8-5b764e20389a" providerId="ADAL" clId="{FF2A4FE9-6061-4F89-9356-7C24429792B8}" dt="2021-10-19T19:24:04.890" v="490" actId="26606"/>
+          <ac:picMkLst>
+            <pc:docMk/>
+            <pc:sldMk cId="3785552250" sldId="259"/>
+            <ac:picMk id="5" creationId="{75763AB6-E666-4B57-9B1C-25BAD63A8C94}"/>
+          </ac:picMkLst>
+        </pc:picChg>
+        <pc:picChg chg="add mod">
+          <ac:chgData name="Irving Leander Reascos Valencia" userId="355ef903-6e56-42c5-b4d8-5b764e20389a" providerId="ADAL" clId="{FF2A4FE9-6061-4F89-9356-7C24429792B8}" dt="2021-10-19T19:48:21.539" v="751"/>
+          <ac:picMkLst>
+            <pc:docMk/>
+            <pc:sldMk cId="3785552250" sldId="259"/>
+            <ac:picMk id="13" creationId="{1D3CEF4A-EFEE-4A62-8C1A-299D0027E6D2}"/>
+          </ac:picMkLst>
+        </pc:picChg>
+      </pc:sldChg>
+      <pc:sldChg chg="addSp delSp modSp mod setBg addAnim delAnim setClrOvrMap">
+        <pc:chgData name="Irving Leander Reascos Valencia" userId="355ef903-6e56-42c5-b4d8-5b764e20389a" providerId="ADAL" clId="{FF2A4FE9-6061-4F89-9356-7C24429792B8}" dt="2021-10-19T19:48:25.932" v="752"/>
+        <pc:sldMkLst>
+          <pc:docMk/>
+          <pc:sldMk cId="4233285982" sldId="260"/>
+        </pc:sldMkLst>
+        <pc:spChg chg="mod">
+          <ac:chgData name="Irving Leander Reascos Valencia" userId="355ef903-6e56-42c5-b4d8-5b764e20389a" providerId="ADAL" clId="{FF2A4FE9-6061-4F89-9356-7C24429792B8}" dt="2021-10-19T19:26:47.321" v="538" actId="120"/>
+          <ac:spMkLst>
+            <pc:docMk/>
+            <pc:sldMk cId="4233285982" sldId="260"/>
+            <ac:spMk id="2" creationId="{98EB2216-8FC6-44B0-82C2-66A7172A529A}"/>
+          </ac:spMkLst>
+        </pc:spChg>
+        <pc:spChg chg="mod">
+          <ac:chgData name="Irving Leander Reascos Valencia" userId="355ef903-6e56-42c5-b4d8-5b764e20389a" providerId="ADAL" clId="{FF2A4FE9-6061-4F89-9356-7C24429792B8}" dt="2021-10-19T19:27:54.311" v="556" actId="27636"/>
+          <ac:spMkLst>
+            <pc:docMk/>
+            <pc:sldMk cId="4233285982" sldId="260"/>
+            <ac:spMk id="3" creationId="{2B0B0381-2015-4C05-B552-CD2565C5E8A6}"/>
+          </ac:spMkLst>
+        </pc:spChg>
+        <pc:spChg chg="add del mod">
+          <ac:chgData name="Irving Leander Reascos Valencia" userId="355ef903-6e56-42c5-b4d8-5b764e20389a" providerId="ADAL" clId="{FF2A4FE9-6061-4F89-9356-7C24429792B8}" dt="2021-10-19T19:27:46.518" v="550" actId="22"/>
+          <ac:spMkLst>
+            <pc:docMk/>
+            <pc:sldMk cId="4233285982" sldId="260"/>
+            <ac:spMk id="11" creationId="{A58C1D33-CA18-419E-B5E5-69B4DDF47FE8}"/>
+          </ac:spMkLst>
+        </pc:spChg>
+        <pc:spChg chg="add">
+          <ac:chgData name="Irving Leander Reascos Valencia" userId="355ef903-6e56-42c5-b4d8-5b764e20389a" providerId="ADAL" clId="{FF2A4FE9-6061-4F89-9356-7C24429792B8}" dt="2021-10-19T19:26:33.048" v="537" actId="26606"/>
+          <ac:spMkLst>
+            <pc:docMk/>
+            <pc:sldMk cId="4233285982" sldId="260"/>
+            <ac:spMk id="12" creationId="{A87EA4E9-DFD6-45D4-965D-8A79984EF440}"/>
+          </ac:spMkLst>
+        </pc:spChg>
+        <pc:picChg chg="mod">
+          <ac:chgData name="Irving Leander Reascos Valencia" userId="355ef903-6e56-42c5-b4d8-5b764e20389a" providerId="ADAL" clId="{FF2A4FE9-6061-4F89-9356-7C24429792B8}" dt="2021-10-19T19:26:33.048" v="537" actId="26606"/>
+          <ac:picMkLst>
+            <pc:docMk/>
+            <pc:sldMk cId="4233285982" sldId="260"/>
+            <ac:picMk id="4" creationId="{08423078-5043-4334-8185-EB958FD72868}"/>
+          </ac:picMkLst>
+        </pc:picChg>
+        <pc:picChg chg="mod">
+          <ac:chgData name="Irving Leander Reascos Valencia" userId="355ef903-6e56-42c5-b4d8-5b764e20389a" providerId="ADAL" clId="{FF2A4FE9-6061-4F89-9356-7C24429792B8}" dt="2021-10-19T19:26:33.048" v="537" actId="26606"/>
+          <ac:picMkLst>
+            <pc:docMk/>
+            <pc:sldMk cId="4233285982" sldId="260"/>
+            <ac:picMk id="5" creationId="{FD654689-E7BA-4402-91EB-A0D1CBC7240A}"/>
+          </ac:picMkLst>
+        </pc:picChg>
+        <pc:picChg chg="add mod">
+          <ac:chgData name="Irving Leander Reascos Valencia" userId="355ef903-6e56-42c5-b4d8-5b764e20389a" providerId="ADAL" clId="{FF2A4FE9-6061-4F89-9356-7C24429792B8}" dt="2021-10-19T19:48:25.932" v="752"/>
+          <ac:picMkLst>
+            <pc:docMk/>
+            <pc:sldMk cId="4233285982" sldId="260"/>
+            <ac:picMk id="13" creationId="{472ECC5D-5DCE-42CA-A1DE-5313E4B710A3}"/>
+          </ac:picMkLst>
+        </pc:picChg>
+        <pc:picChg chg="add del">
+          <ac:chgData name="Irving Leander Reascos Valencia" userId="355ef903-6e56-42c5-b4d8-5b764e20389a" providerId="ADAL" clId="{FF2A4FE9-6061-4F89-9356-7C24429792B8}" dt="2021-10-19T19:27:29.186" v="542"/>
+          <ac:picMkLst>
+            <pc:docMk/>
+            <pc:sldMk cId="4233285982" sldId="260"/>
+            <ac:picMk id="2050" creationId="{2C4A4DD4-FFA5-4C8A-A344-50225E4ECEC8}"/>
+          </ac:picMkLst>
+        </pc:picChg>
+        <pc:cxnChg chg="add del">
+          <ac:chgData name="Irving Leander Reascos Valencia" userId="355ef903-6e56-42c5-b4d8-5b764e20389a" providerId="ADAL" clId="{FF2A4FE9-6061-4F89-9356-7C24429792B8}" dt="2021-10-19T19:26:33.035" v="536" actId="26606"/>
+          <ac:cxnSpMkLst>
+            <pc:docMk/>
+            <pc:sldMk cId="4233285982" sldId="260"/>
+            <ac:cxnSpMk id="10" creationId="{B6375111-306C-49EA-9DD1-79A2ED78FA30}"/>
+          </ac:cxnSpMkLst>
+        </pc:cxnChg>
+      </pc:sldChg>
+      <pc:sldChg chg="del">
+        <pc:chgData name="Irving Leander Reascos Valencia" userId="355ef903-6e56-42c5-b4d8-5b764e20389a" providerId="ADAL" clId="{FF2A4FE9-6061-4F89-9356-7C24429792B8}" dt="2021-10-19T19:27:16.357" v="540" actId="47"/>
+        <pc:sldMkLst>
+          <pc:docMk/>
+          <pc:sldMk cId="4012795877" sldId="261"/>
+        </pc:sldMkLst>
+      </pc:sldChg>
+      <pc:sldChg chg="addSp modSp mod setBg setClrOvrMap">
+        <pc:chgData name="Irving Leander Reascos Valencia" userId="355ef903-6e56-42c5-b4d8-5b764e20389a" providerId="ADAL" clId="{FF2A4FE9-6061-4F89-9356-7C24429792B8}" dt="2021-10-19T19:48:28.315" v="753"/>
+        <pc:sldMkLst>
+          <pc:docMk/>
+          <pc:sldMk cId="871309248" sldId="262"/>
+        </pc:sldMkLst>
+        <pc:spChg chg="mod">
+          <ac:chgData name="Irving Leander Reascos Valencia" userId="355ef903-6e56-42c5-b4d8-5b764e20389a" providerId="ADAL" clId="{FF2A4FE9-6061-4F89-9356-7C24429792B8}" dt="2021-10-19T19:28:31.529" v="557" actId="26606"/>
+          <ac:spMkLst>
+            <pc:docMk/>
+            <pc:sldMk cId="871309248" sldId="262"/>
+            <ac:spMk id="2" creationId="{770AEAC1-D00D-4613-95F0-71CF1560AD62}"/>
+          </ac:spMkLst>
+        </pc:spChg>
+        <pc:spChg chg="mod">
+          <ac:chgData name="Irving Leander Reascos Valencia" userId="355ef903-6e56-42c5-b4d8-5b764e20389a" providerId="ADAL" clId="{FF2A4FE9-6061-4F89-9356-7C24429792B8}" dt="2021-10-19T19:28:31.529" v="557" actId="26606"/>
+          <ac:spMkLst>
+            <pc:docMk/>
+            <pc:sldMk cId="871309248" sldId="262"/>
+            <ac:spMk id="3" creationId="{1B8160BC-DBAF-4CF3-815A-DFCC0C01BC4D}"/>
+          </ac:spMkLst>
+        </pc:spChg>
+        <pc:spChg chg="add">
+          <ac:chgData name="Irving Leander Reascos Valencia" userId="355ef903-6e56-42c5-b4d8-5b764e20389a" providerId="ADAL" clId="{FF2A4FE9-6061-4F89-9356-7C24429792B8}" dt="2021-10-19T19:28:31.529" v="557" actId="26606"/>
+          <ac:spMkLst>
+            <pc:docMk/>
+            <pc:sldMk cId="871309248" sldId="262"/>
+            <ac:spMk id="8" creationId="{EA67B5B4-3A24-436E-B663-1B2EBFF8A0CD}"/>
+          </ac:spMkLst>
+        </pc:spChg>
+        <pc:spChg chg="add">
+          <ac:chgData name="Irving Leander Reascos Valencia" userId="355ef903-6e56-42c5-b4d8-5b764e20389a" providerId="ADAL" clId="{FF2A4FE9-6061-4F89-9356-7C24429792B8}" dt="2021-10-19T19:28:31.529" v="557" actId="26606"/>
+          <ac:spMkLst>
+            <pc:docMk/>
+            <pc:sldMk cId="871309248" sldId="262"/>
+            <ac:spMk id="10" creationId="{987FDF89-C993-41F4-A1B8-DBAFF16008A9}"/>
+          </ac:spMkLst>
+        </pc:spChg>
+        <pc:spChg chg="add">
+          <ac:chgData name="Irving Leander Reascos Valencia" userId="355ef903-6e56-42c5-b4d8-5b764e20389a" providerId="ADAL" clId="{FF2A4FE9-6061-4F89-9356-7C24429792B8}" dt="2021-10-19T19:28:31.529" v="557" actId="26606"/>
+          <ac:spMkLst>
+            <pc:docMk/>
+            <pc:sldMk cId="871309248" sldId="262"/>
+            <ac:spMk id="12" creationId="{64E585EA-75FD-4025-8270-F66A58A15CDA}"/>
+          </ac:spMkLst>
+        </pc:spChg>
+        <pc:picChg chg="add mod">
+          <ac:chgData name="Irving Leander Reascos Valencia" userId="355ef903-6e56-42c5-b4d8-5b764e20389a" providerId="ADAL" clId="{FF2A4FE9-6061-4F89-9356-7C24429792B8}" dt="2021-10-19T19:48:28.315" v="753"/>
+          <ac:picMkLst>
+            <pc:docMk/>
+            <pc:sldMk cId="871309248" sldId="262"/>
+            <ac:picMk id="7" creationId="{51DCDEF1-18AC-4EC1-A327-5F242A2A3C84}"/>
+          </ac:picMkLst>
+        </pc:picChg>
+      </pc:sldChg>
+      <pc:sldChg chg="addSp delSp modSp mod setBg setClrOvrMap">
+        <pc:chgData name="Irving Leander Reascos Valencia" userId="355ef903-6e56-42c5-b4d8-5b764e20389a" providerId="ADAL" clId="{FF2A4FE9-6061-4F89-9356-7C24429792B8}" dt="2021-10-19T19:48:29.853" v="754"/>
         <pc:sldMkLst>
           <pc:docMk/>
           <pc:sldMk cId="49299221" sldId="263"/>
         </pc:sldMkLst>
         <pc:spChg chg="mod">
-          <ac:chgData name="Rodrigo da Silva Gomes Peres Coelho" userId="S::pg47622@uminho.pt::32a22569-e572-4c9f-bf40-e144b3d8d0a1" providerId="AD" clId="Web-{CAE9DF54-3E55-1FB7-D7BF-C095B0D0356E}" dt="2021-10-29T09:46:39.773" v="174" actId="1076"/>
+          <ac:chgData name="Irving Leander Reascos Valencia" userId="355ef903-6e56-42c5-b4d8-5b764e20389a" providerId="ADAL" clId="{FF2A4FE9-6061-4F89-9356-7C24429792B8}" dt="2021-10-19T19:43:49.600" v="717" actId="26606"/>
+          <ac:spMkLst>
+            <pc:docMk/>
+            <pc:sldMk cId="49299221" sldId="263"/>
+            <ac:spMk id="2" creationId="{98EB2216-8FC6-44B0-82C2-66A7172A529A}"/>
+          </ac:spMkLst>
+        </pc:spChg>
+        <pc:spChg chg="mod">
+          <ac:chgData name="Irving Leander Reascos Valencia" userId="355ef903-6e56-42c5-b4d8-5b764e20389a" providerId="ADAL" clId="{FF2A4FE9-6061-4F89-9356-7C24429792B8}" dt="2021-10-19T19:44:03.958" v="731" actId="20577"/>
           <ac:spMkLst>
             <pc:docMk/>
             <pc:sldMk cId="49299221" sldId="263"/>
             <ac:spMk id="3" creationId="{2B0B0381-2015-4C05-B552-CD2565C5E8A6}"/>
           </ac:spMkLst>
         </pc:spChg>
+        <pc:spChg chg="add">
+          <ac:chgData name="Irving Leander Reascos Valencia" userId="355ef903-6e56-42c5-b4d8-5b764e20389a" providerId="ADAL" clId="{FF2A4FE9-6061-4F89-9356-7C24429792B8}" dt="2021-10-19T19:43:49.600" v="717" actId="26606"/>
+          <ac:spMkLst>
+            <pc:docMk/>
+            <pc:sldMk cId="49299221" sldId="263"/>
+            <ac:spMk id="10" creationId="{EE1FC7B4-E4A7-4452-B413-1A623E3A7230}"/>
+          </ac:spMkLst>
+        </pc:spChg>
+        <pc:spChg chg="add">
+          <ac:chgData name="Irving Leander Reascos Valencia" userId="355ef903-6e56-42c5-b4d8-5b764e20389a" providerId="ADAL" clId="{FF2A4FE9-6061-4F89-9356-7C24429792B8}" dt="2021-10-19T19:43:49.600" v="717" actId="26606"/>
+          <ac:spMkLst>
+            <pc:docMk/>
+            <pc:sldMk cId="49299221" sldId="263"/>
+            <ac:spMk id="12" creationId="{E0709AF0-24F0-4486-B189-BE6386BDB198}"/>
+          </ac:spMkLst>
+        </pc:spChg>
+        <pc:spChg chg="add">
+          <ac:chgData name="Irving Leander Reascos Valencia" userId="355ef903-6e56-42c5-b4d8-5b764e20389a" providerId="ADAL" clId="{FF2A4FE9-6061-4F89-9356-7C24429792B8}" dt="2021-10-19T19:43:49.600" v="717" actId="26606"/>
+          <ac:spMkLst>
+            <pc:docMk/>
+            <pc:sldMk cId="49299221" sldId="263"/>
+            <ac:spMk id="14" creationId="{FBE3B62F-5853-4A3C-B050-6186351A7176}"/>
+          </ac:spMkLst>
+        </pc:spChg>
+        <pc:picChg chg="add mod">
+          <ac:chgData name="Irving Leander Reascos Valencia" userId="355ef903-6e56-42c5-b4d8-5b764e20389a" providerId="ADAL" clId="{FF2A4FE9-6061-4F89-9356-7C24429792B8}" dt="2021-10-19T19:43:49.600" v="717" actId="26606"/>
+          <ac:picMkLst>
+            <pc:docMk/>
+            <pc:sldMk cId="49299221" sldId="263"/>
+            <ac:picMk id="5" creationId="{817A05BF-E72F-4461-88BD-57E35F5FCC8F}"/>
+          </ac:picMkLst>
+        </pc:picChg>
+        <pc:picChg chg="del mod">
+          <ac:chgData name="Irving Leander Reascos Valencia" userId="355ef903-6e56-42c5-b4d8-5b764e20389a" providerId="ADAL" clId="{FF2A4FE9-6061-4F89-9356-7C24429792B8}" dt="2021-10-19T19:32:18.367" v="709" actId="478"/>
+          <ac:picMkLst>
+            <pc:docMk/>
+            <pc:sldMk cId="49299221" sldId="263"/>
+            <ac:picMk id="6" creationId="{D1005B1C-5854-4BBE-8EC4-503731724299}"/>
+          </ac:picMkLst>
+        </pc:picChg>
+        <pc:picChg chg="del">
+          <ac:chgData name="Irving Leander Reascos Valencia" userId="355ef903-6e56-42c5-b4d8-5b764e20389a" providerId="ADAL" clId="{FF2A4FE9-6061-4F89-9356-7C24429792B8}" dt="2021-10-19T19:43:36.454" v="710" actId="478"/>
+          <ac:picMkLst>
+            <pc:docMk/>
+            <pc:sldMk cId="49299221" sldId="263"/>
+            <ac:picMk id="7" creationId="{ACEC54D9-C852-4E3A-BE1E-388ED60FF9AD}"/>
+          </ac:picMkLst>
+        </pc:picChg>
+        <pc:picChg chg="add mod">
+          <ac:chgData name="Irving Leander Reascos Valencia" userId="355ef903-6e56-42c5-b4d8-5b764e20389a" providerId="ADAL" clId="{FF2A4FE9-6061-4F89-9356-7C24429792B8}" dt="2021-10-19T19:48:29.853" v="754"/>
+          <ac:picMkLst>
+            <pc:docMk/>
+            <pc:sldMk cId="49299221" sldId="263"/>
+            <ac:picMk id="11" creationId="{393F21DA-126F-4DE1-A9A1-48D462C7C7F8}"/>
+          </ac:picMkLst>
+        </pc:picChg>
       </pc:sldChg>
-      <pc:sldChg chg="addSp delSp modSp">
-        <pc:chgData name="Rodrigo da Silva Gomes Peres Coelho" userId="S::pg47622@uminho.pt::32a22569-e572-4c9f-bf40-e144b3d8d0a1" providerId="AD" clId="Web-{CAE9DF54-3E55-1FB7-D7BF-C095B0D0356E}" dt="2021-10-29T09:34:52.214" v="173" actId="20577"/>
+      <pc:sldChg chg="addSp modSp">
+        <pc:chgData name="Irving Leander Reascos Valencia" userId="355ef903-6e56-42c5-b4d8-5b764e20389a" providerId="ADAL" clId="{FF2A4FE9-6061-4F89-9356-7C24429792B8}" dt="2021-10-19T19:48:33.031" v="755"/>
         <pc:sldMkLst>
           <pc:docMk/>
           <pc:sldMk cId="3345648404" sldId="264"/>
         </pc:sldMkLst>
-        <pc:spChg chg="mod">
-          <ac:chgData name="Rodrigo da Silva Gomes Peres Coelho" userId="S::pg47622@uminho.pt::32a22569-e572-4c9f-bf40-e144b3d8d0a1" providerId="AD" clId="Web-{CAE9DF54-3E55-1FB7-D7BF-C095B0D0356E}" dt="2021-10-29T09:34:52.214" v="173" actId="20577"/>
-          <ac:spMkLst>
+        <pc:picChg chg="add mod">
+          <ac:chgData name="Irving Leander Reascos Valencia" userId="355ef903-6e56-42c5-b4d8-5b764e20389a" providerId="ADAL" clId="{FF2A4FE9-6061-4F89-9356-7C24429792B8}" dt="2021-10-19T19:48:33.031" v="755"/>
+          <ac:picMkLst>
             <pc:docMk/>
             <pc:sldMk cId="3345648404" sldId="264"/>
-            <ac:spMk id="3" creationId="{8D8E753A-5D4A-4E9D-8650-BAD1F8D1FC30}"/>
-          </ac:spMkLst>
-        </pc:spChg>
-        <pc:spChg chg="add del mod">
-          <ac:chgData name="Rodrigo da Silva Gomes Peres Coelho" userId="S::pg47622@uminho.pt::32a22569-e572-4c9f-bf40-e144b3d8d0a1" providerId="AD" clId="Web-{CAE9DF54-3E55-1FB7-D7BF-C095B0D0356E}" dt="2021-10-29T09:24:31.927" v="131"/>
-          <ac:spMkLst>
-            <pc:docMk/>
-            <pc:sldMk cId="3345648404" sldId="264"/>
-            <ac:spMk id="6" creationId="{F5218251-2F2A-4C4A-9158-3A4B676BDC9F}"/>
-          </ac:spMkLst>
-        </pc:spChg>
-        <pc:spChg chg="add del mod">
-          <ac:chgData name="Rodrigo da Silva Gomes Peres Coelho" userId="S::pg47622@uminho.pt::32a22569-e572-4c9f-bf40-e144b3d8d0a1" providerId="AD" clId="Web-{CAE9DF54-3E55-1FB7-D7BF-C095B0D0356E}" dt="2021-10-29T09:27:40.016" v="157"/>
-          <ac:spMkLst>
-            <pc:docMk/>
-            <pc:sldMk cId="3345648404" sldId="264"/>
-            <ac:spMk id="11" creationId="{55638AF7-E36A-4B84-8CC8-A1C25F7ECE0A}"/>
-          </ac:spMkLst>
-        </pc:spChg>
-        <pc:picChg chg="del">
-          <ac:chgData name="Rodrigo da Silva Gomes Peres Coelho" userId="S::pg47622@uminho.pt::32a22569-e572-4c9f-bf40-e144b3d8d0a1" providerId="AD" clId="Web-{CAE9DF54-3E55-1FB7-D7BF-C095B0D0356E}" dt="2021-10-29T09:24:16.957" v="130"/>
-          <ac:picMkLst>
-            <pc:docMk/>
-            <pc:sldMk cId="3345648404" sldId="264"/>
-            <ac:picMk id="7" creationId="{BABBFE0C-6DB8-4D5C-8B4A-46A566D9BD09}"/>
-          </ac:picMkLst>
-        </pc:picChg>
-        <pc:picChg chg="add del mod ord">
-          <ac:chgData name="Rodrigo da Silva Gomes Peres Coelho" userId="S::pg47622@uminho.pt::32a22569-e572-4c9f-bf40-e144b3d8d0a1" providerId="AD" clId="Web-{CAE9DF54-3E55-1FB7-D7BF-C095B0D0356E}" dt="2021-10-29T09:27:26.906" v="155"/>
-          <ac:picMkLst>
-            <pc:docMk/>
-            <pc:sldMk cId="3345648404" sldId="264"/>
-            <ac:picMk id="8" creationId="{0987677B-00D1-4CAB-A122-9377F164484C}"/>
-          </ac:picMkLst>
-        </pc:picChg>
-        <pc:picChg chg="add del mod">
-          <ac:chgData name="Rodrigo da Silva Gomes Peres Coelho" userId="S::pg47622@uminho.pt::32a22569-e572-4c9f-bf40-e144b3d8d0a1" providerId="AD" clId="Web-{CAE9DF54-3E55-1FB7-D7BF-C095B0D0356E}" dt="2021-10-29T09:27:36.047" v="156"/>
-          <ac:picMkLst>
-            <pc:docMk/>
-            <pc:sldMk cId="3345648404" sldId="264"/>
-            <ac:picMk id="9" creationId="{00843BDA-6DE5-4221-88FB-6E95DDE84F48}"/>
-          </ac:picMkLst>
-        </pc:picChg>
-        <pc:picChg chg="add del mod">
-          <ac:chgData name="Rodrigo da Silva Gomes Peres Coelho" userId="S::pg47622@uminho.pt::32a22569-e572-4c9f-bf40-e144b3d8d0a1" providerId="AD" clId="Web-{CAE9DF54-3E55-1FB7-D7BF-C095B0D0356E}" dt="2021-10-29T09:28:01.299" v="161"/>
-          <ac:picMkLst>
-            <pc:docMk/>
-            <pc:sldMk cId="3345648404" sldId="264"/>
-            <ac:picMk id="12" creationId="{397F19F4-1C62-43D3-9273-23C1B3A25338}"/>
-          </ac:picMkLst>
-        </pc:picChg>
-        <pc:picChg chg="add mod">
-          <ac:chgData name="Rodrigo da Silva Gomes Peres Coelho" userId="S::pg47622@uminho.pt::32a22569-e572-4c9f-bf40-e144b3d8d0a1" providerId="AD" clId="Web-{CAE9DF54-3E55-1FB7-D7BF-C095B0D0356E}" dt="2021-10-29T09:29:15.647" v="164" actId="1076"/>
-          <ac:picMkLst>
-            <pc:docMk/>
-            <pc:sldMk cId="3345648404" sldId="264"/>
-            <ac:picMk id="13" creationId="{4D0222E7-DC34-4623-90B3-FF6BA2EFB7ED}"/>
-          </ac:picMkLst>
-        </pc:picChg>
-        <pc:picChg chg="add mod">
-          <ac:chgData name="Rodrigo da Silva Gomes Peres Coelho" userId="S::pg47622@uminho.pt::32a22569-e572-4c9f-bf40-e144b3d8d0a1" providerId="AD" clId="Web-{CAE9DF54-3E55-1FB7-D7BF-C095B0D0356E}" dt="2021-10-29T09:29:46.821" v="171" actId="1076"/>
-          <ac:picMkLst>
-            <pc:docMk/>
-            <pc:sldMk cId="3345648404" sldId="264"/>
-            <ac:picMk id="14" creationId="{FC2B9E78-AA61-403B-ABE0-72EA4BA89517}"/>
-          </ac:picMkLst>
-        </pc:picChg>
-      </pc:sldChg>
-      <pc:sldChg chg="addSp delSp modSp">
-        <pc:chgData name="Rodrigo da Silva Gomes Peres Coelho" userId="S::pg47622@uminho.pt::32a22569-e572-4c9f-bf40-e144b3d8d0a1" providerId="AD" clId="Web-{CAE9DF54-3E55-1FB7-D7BF-C095B0D0356E}" dt="2021-10-29T08:10:26.751" v="2"/>
-        <pc:sldMkLst>
-          <pc:docMk/>
-          <pc:sldMk cId="2634440952" sldId="267"/>
-        </pc:sldMkLst>
-        <pc:spChg chg="add del mod">
-          <ac:chgData name="Rodrigo da Silva Gomes Peres Coelho" userId="S::pg47622@uminho.pt::32a22569-e572-4c9f-bf40-e144b3d8d0a1" providerId="AD" clId="Web-{CAE9DF54-3E55-1FB7-D7BF-C095B0D0356E}" dt="2021-10-29T08:10:26.751" v="2"/>
-          <ac:spMkLst>
-            <pc:docMk/>
-            <pc:sldMk cId="2634440952" sldId="267"/>
-            <ac:spMk id="3" creationId="{595101D0-B985-48F6-AD44-704A379894C1}"/>
-          </ac:spMkLst>
-        </pc:spChg>
-      </pc:sldChg>
-      <pc:sldChg chg="addSp delSp modSp">
-        <pc:chgData name="Rodrigo da Silva Gomes Peres Coelho" userId="S::pg47622@uminho.pt::32a22569-e572-4c9f-bf40-e144b3d8d0a1" providerId="AD" clId="Web-{CAE9DF54-3E55-1FB7-D7BF-C095B0D0356E}" dt="2021-10-29T08:20:44.547" v="129" actId="1076"/>
-        <pc:sldMkLst>
-          <pc:docMk/>
-          <pc:sldMk cId="2830130355" sldId="268"/>
-        </pc:sldMkLst>
-        <pc:spChg chg="mod">
-          <ac:chgData name="Rodrigo da Silva Gomes Peres Coelho" userId="S::pg47622@uminho.pt::32a22569-e572-4c9f-bf40-e144b3d8d0a1" providerId="AD" clId="Web-{CAE9DF54-3E55-1FB7-D7BF-C095B0D0356E}" dt="2021-10-29T08:19:09.515" v="118" actId="20577"/>
-          <ac:spMkLst>
-            <pc:docMk/>
-            <pc:sldMk cId="2830130355" sldId="268"/>
-            <ac:spMk id="27" creationId="{E8615DD7-0B72-4D6D-BE0F-0F20DAA5030E}"/>
-          </ac:spMkLst>
-        </pc:spChg>
-        <pc:picChg chg="add mod">
-          <ac:chgData name="Rodrigo da Silva Gomes Peres Coelho" userId="S::pg47622@uminho.pt::32a22569-e572-4c9f-bf40-e144b3d8d0a1" providerId="AD" clId="Web-{CAE9DF54-3E55-1FB7-D7BF-C095B0D0356E}" dt="2021-10-29T08:20:42.375" v="128" actId="1076"/>
-          <ac:picMkLst>
-            <pc:docMk/>
-            <pc:sldMk cId="2830130355" sldId="268"/>
-            <ac:picMk id="3" creationId="{13A608E0-9004-4876-BC13-1E71E7503EC1}"/>
-          </ac:picMkLst>
-        </pc:picChg>
-        <pc:picChg chg="add mod">
-          <ac:chgData name="Rodrigo da Silva Gomes Peres Coelho" userId="S::pg47622@uminho.pt::32a22569-e572-4c9f-bf40-e144b3d8d0a1" providerId="AD" clId="Web-{CAE9DF54-3E55-1FB7-D7BF-C095B0D0356E}" dt="2021-10-29T08:20:44.547" v="129" actId="1076"/>
-          <ac:picMkLst>
-            <pc:docMk/>
-            <pc:sldMk cId="2830130355" sldId="268"/>
-            <ac:picMk id="5" creationId="{C30E284D-911E-45D4-960F-98332413A927}"/>
-          </ac:picMkLst>
-        </pc:picChg>
-        <pc:picChg chg="del">
-          <ac:chgData name="Rodrigo da Silva Gomes Peres Coelho" userId="S::pg47622@uminho.pt::32a22569-e572-4c9f-bf40-e144b3d8d0a1" providerId="AD" clId="Web-{CAE9DF54-3E55-1FB7-D7BF-C095B0D0356E}" dt="2021-10-29T08:19:49.327" v="119"/>
-          <ac:picMkLst>
-            <pc:docMk/>
-            <pc:sldMk cId="2830130355" sldId="268"/>
-            <ac:picMk id="7" creationId="{D2032FE3-64BB-4FB7-9B24-0B5CA4CA4922}"/>
-          </ac:picMkLst>
-        </pc:picChg>
-        <pc:picChg chg="del">
-          <ac:chgData name="Rodrigo da Silva Gomes Peres Coelho" userId="S::pg47622@uminho.pt::32a22569-e572-4c9f-bf40-e144b3d8d0a1" providerId="AD" clId="Web-{CAE9DF54-3E55-1FB7-D7BF-C095B0D0356E}" dt="2021-10-29T08:19:54.827" v="120"/>
-          <ac:picMkLst>
-            <pc:docMk/>
-            <pc:sldMk cId="2830130355" sldId="268"/>
-            <ac:picMk id="11" creationId="{80194A23-064B-4B28-9D38-06BE97515342}"/>
+            <ac:picMk id="6" creationId="{9C118C18-DB7F-41BB-AB4F-FC58BDFE06AF}"/>
           </ac:picMkLst>
         </pc:picChg>
       </pc:sldChg>
@@ -2840,7 +2886,7 @@
           <a:p>
             <a:fld id="{00F7996C-CA1A-4747-A496-F4C2A4B75042}" type="datetimeFigureOut">
               <a:rPr lang="en-GB" smtClean="0"/>
-              <a:t>29/10/2021</a:t>
+              <a:t>12/11/2021</a:t>
             </a:fld>
             <a:endParaRPr lang="en-GB"/>
           </a:p>
@@ -3257,7 +3303,7 @@
           <a:p>
             <a:fld id="{C45A56D9-08D1-452F-A6DF-361D84FC0F92}" type="datetime1">
               <a:rPr lang="en-GB" smtClean="0"/>
-              <a:t>29/10/2021</a:t>
+              <a:t>12/11/2021</a:t>
             </a:fld>
             <a:endParaRPr lang="en-GB"/>
           </a:p>
@@ -3457,7 +3503,7 @@
           <a:p>
             <a:fld id="{E0D1E686-C3FE-4380-8792-FA5FD77F4C31}" type="datetime1">
               <a:rPr lang="en-GB" smtClean="0"/>
-              <a:t>29/10/2021</a:t>
+              <a:t>12/11/2021</a:t>
             </a:fld>
             <a:endParaRPr lang="en-GB"/>
           </a:p>
@@ -3667,7 +3713,7 @@
           <a:p>
             <a:fld id="{890EBB3C-18B6-43CC-BC89-176AD28CE610}" type="datetime1">
               <a:rPr lang="en-GB" smtClean="0"/>
-              <a:t>29/10/2021</a:t>
+              <a:t>12/11/2021</a:t>
             </a:fld>
             <a:endParaRPr lang="en-GB"/>
           </a:p>
@@ -3867,7 +3913,7 @@
           <a:p>
             <a:fld id="{E53B6FD9-6E16-4072-BAB7-2AE62D2218BA}" type="datetime1">
               <a:rPr lang="en-GB" smtClean="0"/>
-              <a:t>29/10/2021</a:t>
+              <a:t>12/11/2021</a:t>
             </a:fld>
             <a:endParaRPr lang="en-GB"/>
           </a:p>
@@ -4143,7 +4189,7 @@
           <a:p>
             <a:fld id="{F0F3789D-42C2-43E9-B083-7FF1F1FCF924}" type="datetime1">
               <a:rPr lang="en-GB" smtClean="0"/>
-              <a:t>29/10/2021</a:t>
+              <a:t>12/11/2021</a:t>
             </a:fld>
             <a:endParaRPr lang="en-GB"/>
           </a:p>
@@ -4411,7 +4457,7 @@
           <a:p>
             <a:fld id="{12193BB0-CCBE-42F4-BE0D-878B69EFDEA5}" type="datetime1">
               <a:rPr lang="en-GB" smtClean="0"/>
-              <a:t>29/10/2021</a:t>
+              <a:t>12/11/2021</a:t>
             </a:fld>
             <a:endParaRPr lang="en-GB"/>
           </a:p>
@@ -4826,7 +4872,7 @@
           <a:p>
             <a:fld id="{337DEF67-C145-4D11-81E4-1B152EF2DA6F}" type="datetime1">
               <a:rPr lang="en-GB" smtClean="0"/>
-              <a:t>29/10/2021</a:t>
+              <a:t>12/11/2021</a:t>
             </a:fld>
             <a:endParaRPr lang="en-GB"/>
           </a:p>
@@ -4968,7 +5014,7 @@
           <a:p>
             <a:fld id="{F0C96694-99E0-4D47-A4F0-5EF208194100}" type="datetime1">
               <a:rPr lang="en-GB" smtClean="0"/>
-              <a:t>29/10/2021</a:t>
+              <a:t>12/11/2021</a:t>
             </a:fld>
             <a:endParaRPr lang="en-GB"/>
           </a:p>
@@ -5081,7 +5127,7 @@
           <a:p>
             <a:fld id="{C3D2ED98-0BA9-407F-8990-3E3428B42B93}" type="datetime1">
               <a:rPr lang="en-GB" smtClean="0"/>
-              <a:t>29/10/2021</a:t>
+              <a:t>12/11/2021</a:t>
             </a:fld>
             <a:endParaRPr lang="en-GB"/>
           </a:p>
@@ -5394,7 +5440,7 @@
           <a:p>
             <a:fld id="{59DE370D-16C4-4803-B88A-623F1B13DE8F}" type="datetime1">
               <a:rPr lang="en-GB" smtClean="0"/>
-              <a:t>29/10/2021</a:t>
+              <a:t>12/11/2021</a:t>
             </a:fld>
             <a:endParaRPr lang="en-GB"/>
           </a:p>
@@ -5683,7 +5729,7 @@
           <a:p>
             <a:fld id="{9A1FCE9C-F437-43FE-BFC9-6306AF63976F}" type="datetime1">
               <a:rPr lang="en-GB" smtClean="0"/>
-              <a:t>29/10/2021</a:t>
+              <a:t>12/11/2021</a:t>
             </a:fld>
             <a:endParaRPr lang="en-GB"/>
           </a:p>
@@ -5926,7 +5972,7 @@
           <a:p>
             <a:fld id="{D533D4A7-DFFD-428D-9C5D-D4CEFB9C0B80}" type="datetime1">
               <a:rPr lang="en-GB" smtClean="0"/>
-              <a:t>29/10/2021</a:t>
+              <a:t>12/11/2021</a:t>
             </a:fld>
             <a:endParaRPr lang="en-GB"/>
           </a:p>
@@ -8046,8 +8092,8 @@
           </a:p>
         </p:txBody>
       </p:sp>
-      <mc:AlternateContent xmlns:mc="http://schemas.openxmlformats.org/markup-compatibility/2006">
-        <mc:Choice xmlns:a14="http://schemas.microsoft.com/office/drawing/2010/main" Requires="a14">
+      <mc:AlternateContent xmlns:mc="http://schemas.openxmlformats.org/markup-compatibility/2006" xmlns:a14="http://schemas.microsoft.com/office/drawing/2010/main">
+        <mc:Choice Requires="a14">
           <p:sp>
             <p:nvSpPr>
               <p:cNvPr id="3" name="CaixaDeTexto 2">
@@ -8448,7 +8494,7 @@
             </p:txBody>
           </p:sp>
         </mc:Choice>
-        <mc:Fallback>
+        <mc:Fallback xmlns="">
           <p:sp>
             <p:nvSpPr>
               <p:cNvPr id="3" name="CaixaDeTexto 2">
@@ -10651,8 +10697,8 @@
           </a:p>
         </p:txBody>
       </p:sp>
-      <mc:AlternateContent xmlns:mc="http://schemas.openxmlformats.org/markup-compatibility/2006">
-        <mc:Choice xmlns:a14="http://schemas.microsoft.com/office/drawing/2010/main" Requires="a14">
+      <mc:AlternateContent xmlns:mc="http://schemas.openxmlformats.org/markup-compatibility/2006" xmlns:a14="http://schemas.microsoft.com/office/drawing/2010/main">
+        <mc:Choice Requires="a14">
           <p:sp>
             <p:nvSpPr>
               <p:cNvPr id="3" name="Content Placeholder 2">
@@ -11144,7 +11190,7 @@
             </p:txBody>
           </p:sp>
         </mc:Choice>
-        <mc:Fallback>
+        <mc:Fallback xmlns="">
           <p:sp>
             <p:nvSpPr>
               <p:cNvPr id="3" name="Content Placeholder 2">
@@ -11783,8 +11829,8 @@
           </a:p>
         </p:txBody>
       </p:sp>
-      <mc:AlternateContent xmlns:mc="http://schemas.openxmlformats.org/markup-compatibility/2006">
-        <mc:Choice xmlns:a14="http://schemas.microsoft.com/office/drawing/2010/main" Requires="a14">
+      <mc:AlternateContent xmlns:mc="http://schemas.openxmlformats.org/markup-compatibility/2006" xmlns:a14="http://schemas.microsoft.com/office/drawing/2010/main">
+        <mc:Choice Requires="a14">
           <p:sp>
             <p:nvSpPr>
               <p:cNvPr id="3" name="Content Placeholder 2">
@@ -12416,7 +12462,7 @@
             </p:txBody>
           </p:sp>
         </mc:Choice>
-        <mc:Fallback>
+        <mc:Fallback xmlns="">
           <p:sp>
             <p:nvSpPr>
               <p:cNvPr id="3" name="Content Placeholder 2">
@@ -13380,8 +13426,8 @@
           </a:p>
         </p:txBody>
       </p:sp>
-      <mc:AlternateContent xmlns:mc="http://schemas.openxmlformats.org/markup-compatibility/2006">
-        <mc:Choice xmlns:a14="http://schemas.microsoft.com/office/drawing/2010/main" Requires="a14">
+      <mc:AlternateContent xmlns:mc="http://schemas.openxmlformats.org/markup-compatibility/2006" xmlns:a14="http://schemas.microsoft.com/office/drawing/2010/main">
+        <mc:Choice Requires="a14">
           <p:sp>
             <p:nvSpPr>
               <p:cNvPr id="3" name="Content Placeholder 2">
@@ -13971,7 +14017,7 @@
             </p:txBody>
           </p:sp>
         </mc:Choice>
-        <mc:Fallback>
+        <mc:Fallback xmlns="">
           <p:sp>
             <p:nvSpPr>
               <p:cNvPr id="3" name="Content Placeholder 2">
@@ -14496,7 +14542,7 @@
           <a:lstStyle/>
           <a:p>
             <a:r>
-              <a:rPr lang="en-GB" err="1">
+              <a:rPr lang="en-GB" dirty="0" err="1">
                 <a:solidFill>
                   <a:srgbClr val="FFFFFF"/>
                 </a:solidFill>
@@ -14505,7 +14551,7 @@
               <a:t>Distribuição</a:t>
             </a:r>
             <a:r>
-              <a:rPr lang="en-GB">
+              <a:rPr lang="en-GB" dirty="0">
                 <a:solidFill>
                   <a:srgbClr val="FFFFFF"/>
                 </a:solidFill>
@@ -14514,7 +14560,7 @@
               <a:t> Gamma </a:t>
             </a:r>
             <a:r>
-              <a:rPr lang="en-GB" baseline="30000">
+              <a:rPr lang="en-GB" baseline="30000" dirty="0">
                 <a:solidFill>
                   <a:srgbClr val="FFFFFF"/>
                 </a:solidFill>
@@ -14522,7 +14568,7 @@
               </a:rPr>
               <a:t>[2]</a:t>
             </a:r>
-            <a:endParaRPr lang="en-GB">
+            <a:endParaRPr lang="en-GB" dirty="0">
               <a:solidFill>
                 <a:srgbClr val="FFFFFF"/>
               </a:solidFill>
@@ -14530,940 +14576,984 @@
           </a:p>
         </p:txBody>
       </p:sp>
-      <p:sp>
-        <p:nvSpPr>
-          <p:cNvPr id="3" name="Content Placeholder 2">
-            <a:extLst>
-              <a:ext uri="{FF2B5EF4-FFF2-40B4-BE49-F238E27FC236}">
-                <a16:creationId xmlns:a16="http://schemas.microsoft.com/office/drawing/2014/main" id="{1B8160BC-DBAF-4CF3-815A-DFCC0C01BC4D}"/>
-              </a:ext>
-            </a:extLst>
-          </p:cNvPr>
-          <p:cNvSpPr>
-            <a:spLocks noGrp="1"/>
-          </p:cNvSpPr>
-          <p:nvPr>
-            <p:ph idx="1"/>
-          </p:nvPr>
-        </p:nvSpPr>
-        <p:spPr>
-          <a:xfrm>
-            <a:off x="838201" y="2022601"/>
-            <a:ext cx="10515598" cy="4154361"/>
-          </a:xfrm>
-        </p:spPr>
-        <p:txBody>
-          <a:bodyPr vert="horz" lIns="91440" tIns="45720" rIns="91440" bIns="45720" rtlCol="0" anchor="t">
-            <a:normAutofit/>
-          </a:bodyPr>
-          <a:lstStyle/>
-          <a:p>
-            <a:r>
-              <a:rPr lang="en-GB" sz="2000">
-                <a:solidFill>
-                  <a:srgbClr val="FFFFFF"/>
-                </a:solidFill>
-                <a:cs typeface="Calibri"/>
-              </a:rPr>
-              <a:t>A </a:t>
-            </a:r>
-            <a:r>
-              <a:rPr lang="en-GB" sz="2000" err="1">
-                <a:solidFill>
-                  <a:srgbClr val="FFFFFF"/>
-                </a:solidFill>
-                <a:cs typeface="Calibri"/>
-              </a:rPr>
-              <a:t>distribuição</a:t>
-            </a:r>
-            <a:r>
-              <a:rPr lang="en-GB" sz="2000">
-                <a:solidFill>
-                  <a:srgbClr val="FFFFFF"/>
-                </a:solidFill>
-                <a:cs typeface="Calibri"/>
-              </a:rPr>
-              <a:t> é </a:t>
-            </a:r>
-            <a:r>
-              <a:rPr lang="en-GB" sz="2000" err="1">
-                <a:solidFill>
-                  <a:srgbClr val="FFFFFF"/>
-                </a:solidFill>
-                <a:cs typeface="Calibri"/>
-              </a:rPr>
-              <a:t>contínua</a:t>
-            </a:r>
-            <a:r>
-              <a:rPr lang="en-GB" sz="2000">
-                <a:solidFill>
-                  <a:srgbClr val="FFFFFF"/>
-                </a:solidFill>
-                <a:cs typeface="Calibri"/>
-              </a:rPr>
-              <a:t> e serve para </a:t>
-            </a:r>
-            <a:r>
-              <a:rPr lang="en-GB" sz="2000" err="1">
-                <a:solidFill>
-                  <a:srgbClr val="FFFFFF"/>
-                </a:solidFill>
-                <a:cs typeface="Calibri"/>
-              </a:rPr>
-              <a:t>modelizar</a:t>
-            </a:r>
-            <a:r>
-              <a:rPr lang="en-GB" sz="2000">
-                <a:solidFill>
-                  <a:srgbClr val="FFFFFF"/>
-                </a:solidFill>
-                <a:cs typeface="Calibri"/>
-              </a:rPr>
-              <a:t> </a:t>
-            </a:r>
-            <a:r>
-              <a:rPr lang="en-GB" sz="2000" err="1">
-                <a:solidFill>
-                  <a:srgbClr val="FFFFFF"/>
-                </a:solidFill>
-                <a:cs typeface="Calibri"/>
-              </a:rPr>
-              <a:t>variáveis</a:t>
-            </a:r>
-            <a:r>
-              <a:rPr lang="en-GB" sz="2000">
-                <a:solidFill>
-                  <a:srgbClr val="FFFFFF"/>
-                </a:solidFill>
-                <a:cs typeface="Calibri"/>
-              </a:rPr>
-              <a:t> </a:t>
-            </a:r>
-            <a:r>
-              <a:rPr lang="en-GB" sz="2000" err="1">
-                <a:solidFill>
-                  <a:srgbClr val="FFFFFF"/>
-                </a:solidFill>
-                <a:cs typeface="Calibri"/>
-              </a:rPr>
-              <a:t>contínuas</a:t>
-            </a:r>
-            <a:r>
-              <a:rPr lang="en-GB" sz="2000">
-                <a:solidFill>
-                  <a:srgbClr val="FFFFFF"/>
-                </a:solidFill>
-                <a:cs typeface="Calibri"/>
-              </a:rPr>
-              <a:t> </a:t>
-            </a:r>
-            <a:r>
-              <a:rPr lang="en-GB" sz="2000" err="1">
-                <a:solidFill>
-                  <a:srgbClr val="FFFFFF"/>
-                </a:solidFill>
-                <a:cs typeface="Calibri"/>
-              </a:rPr>
-              <a:t>positivas</a:t>
-            </a:r>
-            <a:r>
-              <a:rPr lang="en-GB" sz="2000">
-                <a:solidFill>
-                  <a:srgbClr val="FFFFFF"/>
-                </a:solidFill>
-                <a:cs typeface="Calibri"/>
-              </a:rPr>
-              <a:t> que </a:t>
-            </a:r>
-            <a:r>
-              <a:rPr lang="en-GB" sz="2000" err="1">
-                <a:solidFill>
-                  <a:srgbClr val="FFFFFF"/>
-                </a:solidFill>
-                <a:cs typeface="Calibri"/>
-              </a:rPr>
-              <a:t>são</a:t>
-            </a:r>
-            <a:r>
-              <a:rPr lang="en-GB" sz="2000">
-                <a:solidFill>
-                  <a:srgbClr val="FFFFFF"/>
-                </a:solidFill>
-                <a:cs typeface="Calibri"/>
-              </a:rPr>
-              <a:t> </a:t>
-            </a:r>
-            <a:r>
-              <a:rPr lang="en-GB" sz="2000" err="1">
-                <a:solidFill>
-                  <a:srgbClr val="FFFFFF"/>
-                </a:solidFill>
-                <a:cs typeface="Calibri"/>
-              </a:rPr>
-              <a:t>assimétricas</a:t>
-            </a:r>
-            <a:r>
-              <a:rPr lang="en-GB" sz="2000">
-                <a:solidFill>
-                  <a:srgbClr val="FFFFFF"/>
-                </a:solidFill>
-                <a:cs typeface="Calibri"/>
-              </a:rPr>
-              <a:t>;</a:t>
-            </a:r>
-          </a:p>
-          <a:p>
-            <a:r>
-              <a:rPr lang="en-GB" sz="2000">
-                <a:solidFill>
-                  <a:srgbClr val="FFFFFF"/>
-                </a:solidFill>
-                <a:cs typeface="Calibri"/>
-              </a:rPr>
-              <a:t>É </a:t>
-            </a:r>
-            <a:r>
-              <a:rPr lang="en-GB" sz="2000" err="1">
-                <a:solidFill>
-                  <a:srgbClr val="FFFFFF"/>
-                </a:solidFill>
-                <a:cs typeface="Calibri"/>
-              </a:rPr>
-              <a:t>uma</a:t>
-            </a:r>
-            <a:r>
-              <a:rPr lang="en-GB" sz="2000">
-                <a:solidFill>
-                  <a:srgbClr val="FFFFFF"/>
-                </a:solidFill>
-                <a:cs typeface="Calibri"/>
-              </a:rPr>
-              <a:t> </a:t>
-            </a:r>
-            <a:r>
-              <a:rPr lang="en-GB" sz="2000" err="1">
-                <a:solidFill>
-                  <a:srgbClr val="FFFFFF"/>
-                </a:solidFill>
-                <a:cs typeface="Calibri"/>
-              </a:rPr>
-              <a:t>distribuição</a:t>
-            </a:r>
-            <a:r>
-              <a:rPr lang="en-GB" sz="2000">
-                <a:solidFill>
-                  <a:srgbClr val="FFFFFF"/>
-                </a:solidFill>
-                <a:cs typeface="Calibri"/>
-              </a:rPr>
-              <a:t> com 2 </a:t>
-            </a:r>
-            <a:r>
-              <a:rPr lang="en-GB" sz="2000" err="1">
-                <a:solidFill>
-                  <a:srgbClr val="FFFFFF"/>
-                </a:solidFill>
-                <a:cs typeface="Calibri"/>
-              </a:rPr>
-              <a:t>parâmetros</a:t>
-            </a:r>
-            <a:r>
-              <a:rPr lang="en-GB" sz="2000">
-                <a:solidFill>
-                  <a:srgbClr val="FFFFFF"/>
-                </a:solidFill>
-                <a:cs typeface="Calibri"/>
-              </a:rPr>
-              <a:t> reais </a:t>
-            </a:r>
-            <a:r>
-              <a:rPr lang="en-GB" sz="2000" err="1">
-                <a:solidFill>
-                  <a:srgbClr val="FFFFFF"/>
-                </a:solidFill>
-                <a:cs typeface="Calibri"/>
-              </a:rPr>
-              <a:t>positivos</a:t>
-            </a:r>
-            <a:r>
-              <a:rPr lang="en-GB" sz="2000">
-                <a:solidFill>
-                  <a:srgbClr val="FFFFFF"/>
-                </a:solidFill>
-                <a:cs typeface="Calibri"/>
-              </a:rPr>
-              <a:t>, </a:t>
-            </a:r>
-            <a:r>
-              <a:rPr lang="en-GB" sz="2000" err="1">
-                <a:solidFill>
-                  <a:srgbClr val="FFFFFF"/>
-                </a:solidFill>
-                <a:cs typeface="Calibri"/>
-              </a:rPr>
-              <a:t>porque</a:t>
-            </a:r>
-            <a:r>
-              <a:rPr lang="en-GB" sz="2000">
-                <a:solidFill>
-                  <a:srgbClr val="FFFFFF"/>
-                </a:solidFill>
-                <a:cs typeface="Calibri"/>
-              </a:rPr>
-              <a:t> um </a:t>
-            </a:r>
-            <a:r>
-              <a:rPr lang="en-GB" sz="2000" err="1">
-                <a:solidFill>
-                  <a:srgbClr val="FFFFFF"/>
-                </a:solidFill>
-                <a:cs typeface="Calibri"/>
-              </a:rPr>
-              <a:t>parâmetro</a:t>
-            </a:r>
-            <a:r>
-              <a:rPr lang="en-GB" sz="2000">
-                <a:solidFill>
-                  <a:srgbClr val="FFFFFF"/>
-                </a:solidFill>
-                <a:cs typeface="Calibri"/>
-              </a:rPr>
-              <a:t> (k) </a:t>
-            </a:r>
-            <a:r>
-              <a:rPr lang="en-GB" sz="2000" err="1">
-                <a:solidFill>
-                  <a:srgbClr val="FFFFFF"/>
-                </a:solidFill>
-                <a:cs typeface="Calibri"/>
-              </a:rPr>
-              <a:t>representa</a:t>
-            </a:r>
-            <a:r>
-              <a:rPr lang="en-GB" sz="2000">
-                <a:solidFill>
-                  <a:srgbClr val="FFFFFF"/>
-                </a:solidFill>
-                <a:cs typeface="Calibri"/>
-              </a:rPr>
-              <a:t> o </a:t>
-            </a:r>
-            <a:r>
-              <a:rPr lang="en-GB" sz="2000" err="1">
-                <a:solidFill>
-                  <a:srgbClr val="FFFFFF"/>
-                </a:solidFill>
-                <a:cs typeface="Calibri"/>
-              </a:rPr>
-              <a:t>número</a:t>
-            </a:r>
-            <a:r>
-              <a:rPr lang="en-GB" sz="2000">
-                <a:solidFill>
-                  <a:srgbClr val="FFFFFF"/>
-                </a:solidFill>
-                <a:cs typeface="Calibri"/>
-              </a:rPr>
-              <a:t> de </a:t>
-            </a:r>
-            <a:r>
-              <a:rPr lang="en-GB" sz="2000" err="1">
-                <a:solidFill>
-                  <a:srgbClr val="FFFFFF"/>
-                </a:solidFill>
-                <a:cs typeface="Calibri"/>
-              </a:rPr>
-              <a:t>eventos</a:t>
-            </a:r>
-            <a:r>
-              <a:rPr lang="en-GB" sz="2000">
-                <a:solidFill>
-                  <a:srgbClr val="FFFFFF"/>
-                </a:solidFill>
-                <a:cs typeface="Calibri"/>
-              </a:rPr>
-              <a:t> e o outro(Beta) </a:t>
-            </a:r>
-            <a:r>
-              <a:rPr lang="en-GB" sz="2000" err="1">
-                <a:solidFill>
-                  <a:srgbClr val="FFFFFF"/>
-                </a:solidFill>
-                <a:cs typeface="Calibri"/>
-              </a:rPr>
-              <a:t>representa</a:t>
-            </a:r>
-            <a:r>
-              <a:rPr lang="en-GB" sz="2000">
-                <a:solidFill>
-                  <a:srgbClr val="FFFFFF"/>
-                </a:solidFill>
-                <a:cs typeface="Calibri"/>
-              </a:rPr>
-              <a:t> a taxa de </a:t>
-            </a:r>
-            <a:r>
-              <a:rPr lang="en-GB" sz="2000" err="1">
-                <a:solidFill>
-                  <a:srgbClr val="FFFFFF"/>
-                </a:solidFill>
-                <a:cs typeface="Calibri"/>
-              </a:rPr>
-              <a:t>eventos</a:t>
-            </a:r>
-            <a:r>
-              <a:rPr lang="en-GB" sz="2000">
-                <a:solidFill>
-                  <a:srgbClr val="FFFFFF"/>
-                </a:solidFill>
-                <a:cs typeface="Calibri"/>
-              </a:rPr>
-              <a:t>;</a:t>
-            </a:r>
-          </a:p>
-          <a:p>
-            <a:r>
-              <a:rPr lang="en-GB" sz="2000" err="1">
-                <a:solidFill>
-                  <a:srgbClr val="FFFFFF"/>
-                </a:solidFill>
-                <a:cs typeface="Calibri"/>
-              </a:rPr>
-              <a:t>Os</a:t>
-            </a:r>
-            <a:r>
-              <a:rPr lang="en-GB" sz="2000">
-                <a:solidFill>
-                  <a:srgbClr val="FFFFFF"/>
-                </a:solidFill>
-                <a:cs typeface="Calibri"/>
-              </a:rPr>
-              <a:t> 2 </a:t>
-            </a:r>
-            <a:r>
-              <a:rPr lang="en-GB" sz="2000" err="1">
-                <a:solidFill>
-                  <a:srgbClr val="FFFFFF"/>
-                </a:solidFill>
-                <a:cs typeface="Calibri"/>
-              </a:rPr>
-              <a:t>tipos</a:t>
-            </a:r>
-            <a:r>
-              <a:rPr lang="en-GB" sz="2000">
-                <a:solidFill>
-                  <a:srgbClr val="FFFFFF"/>
-                </a:solidFill>
-                <a:cs typeface="Calibri"/>
-              </a:rPr>
-              <a:t> de </a:t>
-            </a:r>
-            <a:r>
-              <a:rPr lang="en-GB" sz="2000" err="1">
-                <a:solidFill>
-                  <a:srgbClr val="FFFFFF"/>
-                </a:solidFill>
-                <a:cs typeface="Calibri"/>
-              </a:rPr>
-              <a:t>parametrização</a:t>
-            </a:r>
-            <a:r>
-              <a:rPr lang="en-GB" sz="2000">
-                <a:solidFill>
-                  <a:srgbClr val="FFFFFF"/>
-                </a:solidFill>
-                <a:cs typeface="Calibri"/>
-              </a:rPr>
-              <a:t> </a:t>
-            </a:r>
-            <a:r>
-              <a:rPr lang="en-GB" sz="2000" err="1">
-                <a:solidFill>
-                  <a:srgbClr val="FFFFFF"/>
-                </a:solidFill>
-                <a:cs typeface="Calibri"/>
-              </a:rPr>
-              <a:t>mais</a:t>
-            </a:r>
-            <a:r>
-              <a:rPr lang="en-GB" sz="2000">
-                <a:solidFill>
-                  <a:srgbClr val="FFFFFF"/>
-                </a:solidFill>
-                <a:cs typeface="Calibri"/>
-              </a:rPr>
-              <a:t> </a:t>
-            </a:r>
-            <a:r>
-              <a:rPr lang="en-GB" sz="2000" err="1">
-                <a:solidFill>
-                  <a:srgbClr val="FFFFFF"/>
-                </a:solidFill>
-                <a:cs typeface="Calibri"/>
-              </a:rPr>
-              <a:t>usados</a:t>
-            </a:r>
-            <a:r>
-              <a:rPr lang="en-GB" sz="2000">
-                <a:solidFill>
-                  <a:srgbClr val="FFFFFF"/>
-                </a:solidFill>
-                <a:cs typeface="Calibri"/>
-              </a:rPr>
-              <a:t> </a:t>
-            </a:r>
-            <a:r>
-              <a:rPr lang="en-GB" sz="2000" err="1">
-                <a:solidFill>
-                  <a:srgbClr val="FFFFFF"/>
-                </a:solidFill>
-                <a:cs typeface="Calibri"/>
-              </a:rPr>
-              <a:t>são</a:t>
-            </a:r>
-            <a:r>
-              <a:rPr lang="en-GB" sz="2000">
-                <a:solidFill>
-                  <a:srgbClr val="FFFFFF"/>
-                </a:solidFill>
-                <a:cs typeface="Calibri"/>
-              </a:rPr>
-              <a:t>:</a:t>
-            </a:r>
-          </a:p>
-          <a:p>
-            <a:pPr lvl="1"/>
-            <a:r>
-              <a:rPr lang="en-GB" sz="2000">
-                <a:solidFill>
-                  <a:srgbClr val="FFFFFF"/>
-                </a:solidFill>
-                <a:cs typeface="Calibri"/>
-              </a:rPr>
-              <a:t>Com um </a:t>
-            </a:r>
-            <a:r>
-              <a:rPr lang="en-GB" sz="2000" err="1">
-                <a:solidFill>
-                  <a:srgbClr val="FFFFFF"/>
-                </a:solidFill>
-                <a:cs typeface="Calibri"/>
-              </a:rPr>
-              <a:t>parâmetro</a:t>
-            </a:r>
-            <a:r>
-              <a:rPr lang="en-GB" sz="2000">
-                <a:solidFill>
-                  <a:srgbClr val="FFFFFF"/>
-                </a:solidFill>
-                <a:cs typeface="Calibri"/>
-              </a:rPr>
-              <a:t> de forma k e um </a:t>
-            </a:r>
-            <a:r>
-              <a:rPr lang="en-GB" sz="2000" err="1">
-                <a:solidFill>
-                  <a:srgbClr val="FFFFFF"/>
-                </a:solidFill>
-                <a:cs typeface="Calibri"/>
-              </a:rPr>
-              <a:t>parâmetro</a:t>
-            </a:r>
-            <a:r>
-              <a:rPr lang="en-GB" sz="2000">
-                <a:solidFill>
-                  <a:srgbClr val="FFFFFF"/>
-                </a:solidFill>
-                <a:cs typeface="Calibri"/>
-              </a:rPr>
-              <a:t> de </a:t>
-            </a:r>
-            <a:r>
-              <a:rPr lang="en-GB" sz="2000" err="1">
-                <a:solidFill>
-                  <a:srgbClr val="FFFFFF"/>
-                </a:solidFill>
-                <a:cs typeface="Calibri"/>
-              </a:rPr>
-              <a:t>escala</a:t>
-            </a:r>
-            <a:r>
-              <a:rPr lang="en-GB" sz="2000">
-                <a:solidFill>
-                  <a:srgbClr val="FFFFFF"/>
-                </a:solidFill>
-                <a:cs typeface="Calibri"/>
-              </a:rPr>
-              <a:t> theta (</a:t>
-            </a:r>
-            <a:r>
-              <a:rPr lang="en-GB" sz="2000" err="1">
-                <a:solidFill>
-                  <a:srgbClr val="FFFFFF"/>
-                </a:solidFill>
-                <a:cs typeface="Calibri"/>
-              </a:rPr>
-              <a:t>Econometria</a:t>
-            </a:r>
-            <a:r>
-              <a:rPr lang="en-GB" sz="2000">
-                <a:solidFill>
-                  <a:srgbClr val="FFFFFF"/>
-                </a:solidFill>
-                <a:cs typeface="Calibri"/>
-              </a:rPr>
-              <a:t>);</a:t>
-            </a:r>
-          </a:p>
-          <a:p>
-            <a:pPr lvl="1"/>
-            <a:r>
-              <a:rPr lang="en-GB" sz="2000">
-                <a:solidFill>
-                  <a:srgbClr val="FFFFFF"/>
-                </a:solidFill>
-                <a:cs typeface="Calibri"/>
-              </a:rPr>
-              <a:t>Com um </a:t>
-            </a:r>
-            <a:r>
-              <a:rPr lang="en-GB" sz="2000" err="1">
-                <a:solidFill>
-                  <a:srgbClr val="FFFFFF"/>
-                </a:solidFill>
-                <a:cs typeface="Calibri"/>
-              </a:rPr>
-              <a:t>parâmetro</a:t>
-            </a:r>
-            <a:r>
-              <a:rPr lang="en-GB" sz="2000">
-                <a:solidFill>
-                  <a:srgbClr val="FFFFFF"/>
-                </a:solidFill>
-                <a:cs typeface="Calibri"/>
-              </a:rPr>
-              <a:t> de forma a=k e um </a:t>
-            </a:r>
-            <a:r>
-              <a:rPr lang="en-GB" sz="2000" err="1">
-                <a:solidFill>
-                  <a:srgbClr val="FFFFFF"/>
-                </a:solidFill>
-                <a:cs typeface="Calibri"/>
-              </a:rPr>
-              <a:t>parâmetro</a:t>
-            </a:r>
-            <a:r>
-              <a:rPr lang="en-GB" sz="2000">
-                <a:solidFill>
-                  <a:srgbClr val="FFFFFF"/>
-                </a:solidFill>
-                <a:cs typeface="Calibri"/>
-              </a:rPr>
-              <a:t> de </a:t>
-            </a:r>
-            <a:r>
-              <a:rPr lang="en-GB" sz="2000" err="1">
-                <a:solidFill>
-                  <a:srgbClr val="FFFFFF"/>
-                </a:solidFill>
-                <a:cs typeface="Calibri"/>
-              </a:rPr>
-              <a:t>escala</a:t>
-            </a:r>
-            <a:r>
-              <a:rPr lang="en-GB" sz="2000">
-                <a:solidFill>
-                  <a:srgbClr val="FFFFFF"/>
-                </a:solidFill>
-                <a:cs typeface="Calibri"/>
-              </a:rPr>
-              <a:t> </a:t>
-            </a:r>
-            <a:r>
-              <a:rPr lang="en-GB" sz="2000" err="1">
-                <a:solidFill>
-                  <a:srgbClr val="FFFFFF"/>
-                </a:solidFill>
-                <a:cs typeface="Calibri"/>
-              </a:rPr>
-              <a:t>inversa</a:t>
-            </a:r>
-            <a:r>
-              <a:rPr lang="en-GB" sz="2000">
-                <a:solidFill>
-                  <a:srgbClr val="FFFFFF"/>
-                </a:solidFill>
-                <a:cs typeface="Calibri"/>
-              </a:rPr>
-              <a:t> B = 1/theta (</a:t>
-            </a:r>
-            <a:r>
-              <a:rPr lang="en-GB" sz="2000" err="1">
-                <a:solidFill>
-                  <a:srgbClr val="FFFFFF"/>
-                </a:solidFill>
-                <a:cs typeface="Calibri"/>
-              </a:rPr>
-              <a:t>Inferência</a:t>
-            </a:r>
-            <a:r>
-              <a:rPr lang="en-GB" sz="2000">
-                <a:solidFill>
-                  <a:srgbClr val="FFFFFF"/>
-                </a:solidFill>
-                <a:cs typeface="Calibri"/>
-              </a:rPr>
-              <a:t> </a:t>
-            </a:r>
-            <a:r>
-              <a:rPr lang="en-GB" sz="2000" err="1">
-                <a:solidFill>
-                  <a:srgbClr val="FFFFFF"/>
-                </a:solidFill>
-                <a:cs typeface="Calibri"/>
-              </a:rPr>
-              <a:t>Bayesiana</a:t>
-            </a:r>
-            <a:r>
-              <a:rPr lang="en-GB" sz="2000">
-                <a:solidFill>
-                  <a:srgbClr val="FFFFFF"/>
-                </a:solidFill>
-                <a:cs typeface="Calibri"/>
-              </a:rPr>
-              <a:t>);</a:t>
-            </a:r>
-          </a:p>
-          <a:p>
-            <a:r>
-              <a:rPr lang="en-GB" sz="2000">
-                <a:solidFill>
-                  <a:srgbClr val="FFFFFF"/>
-                </a:solidFill>
-                <a:cs typeface="Calibri"/>
-              </a:rPr>
-              <a:t>É </a:t>
-            </a:r>
-            <a:r>
-              <a:rPr lang="en-GB" sz="2000" err="1">
-                <a:solidFill>
-                  <a:srgbClr val="FFFFFF"/>
-                </a:solidFill>
-                <a:cs typeface="Calibri"/>
-              </a:rPr>
-              <a:t>bastante</a:t>
-            </a:r>
-            <a:r>
-              <a:rPr lang="en-GB" sz="2000">
-                <a:solidFill>
-                  <a:srgbClr val="FFFFFF"/>
-                </a:solidFill>
-                <a:cs typeface="Calibri"/>
-              </a:rPr>
-              <a:t> </a:t>
-            </a:r>
-            <a:r>
-              <a:rPr lang="en-GB" sz="2000" err="1">
-                <a:solidFill>
-                  <a:srgbClr val="FFFFFF"/>
-                </a:solidFill>
-                <a:cs typeface="Calibri"/>
-              </a:rPr>
-              <a:t>usada</a:t>
-            </a:r>
-            <a:r>
-              <a:rPr lang="en-GB" sz="2000">
-                <a:solidFill>
-                  <a:srgbClr val="FFFFFF"/>
-                </a:solidFill>
-                <a:cs typeface="Calibri"/>
-              </a:rPr>
-              <a:t> para </a:t>
-            </a:r>
-            <a:r>
-              <a:rPr lang="en-GB" sz="2000" err="1">
-                <a:solidFill>
-                  <a:srgbClr val="FFFFFF"/>
-                </a:solidFill>
-                <a:cs typeface="Calibri"/>
-              </a:rPr>
-              <a:t>prever</a:t>
-            </a:r>
-            <a:r>
-              <a:rPr lang="en-GB" sz="2000">
-                <a:solidFill>
-                  <a:srgbClr val="FFFFFF"/>
-                </a:solidFill>
-                <a:cs typeface="Calibri"/>
-              </a:rPr>
-              <a:t> tempos de </a:t>
-            </a:r>
-            <a:r>
-              <a:rPr lang="en-GB" sz="2000" err="1">
-                <a:solidFill>
-                  <a:srgbClr val="FFFFFF"/>
-                </a:solidFill>
-                <a:cs typeface="Calibri"/>
-              </a:rPr>
-              <a:t>espera</a:t>
-            </a:r>
-            <a:r>
-              <a:rPr lang="en-GB" sz="2000">
-                <a:solidFill>
-                  <a:srgbClr val="FFFFFF"/>
-                </a:solidFill>
-                <a:cs typeface="Calibri"/>
-              </a:rPr>
-              <a:t> </a:t>
-            </a:r>
-            <a:r>
-              <a:rPr lang="en-GB" sz="2000" err="1">
-                <a:solidFill>
-                  <a:srgbClr val="FFFFFF"/>
-                </a:solidFill>
-                <a:cs typeface="Calibri"/>
-              </a:rPr>
-              <a:t>até</a:t>
-            </a:r>
-            <a:r>
-              <a:rPr lang="en-GB" sz="2000">
-                <a:solidFill>
-                  <a:srgbClr val="FFFFFF"/>
-                </a:solidFill>
-                <a:cs typeface="Calibri"/>
-              </a:rPr>
-              <a:t> que </a:t>
-            </a:r>
-            <a:r>
-              <a:rPr lang="en-GB" sz="2000" err="1">
-                <a:solidFill>
-                  <a:srgbClr val="FFFFFF"/>
-                </a:solidFill>
-                <a:cs typeface="Calibri"/>
-              </a:rPr>
-              <a:t>eventos</a:t>
-            </a:r>
-            <a:r>
-              <a:rPr lang="en-GB" sz="2000">
-                <a:solidFill>
-                  <a:srgbClr val="FFFFFF"/>
-                </a:solidFill>
-                <a:cs typeface="Calibri"/>
-              </a:rPr>
-              <a:t> </a:t>
-            </a:r>
-            <a:r>
-              <a:rPr lang="en-GB" sz="2000" err="1">
-                <a:solidFill>
-                  <a:srgbClr val="FFFFFF"/>
-                </a:solidFill>
-                <a:cs typeface="Calibri"/>
-              </a:rPr>
-              <a:t>futuros</a:t>
-            </a:r>
-            <a:r>
-              <a:rPr lang="en-GB" sz="2000">
-                <a:solidFill>
-                  <a:srgbClr val="FFFFFF"/>
-                </a:solidFill>
-                <a:cs typeface="Calibri"/>
-              </a:rPr>
-              <a:t> </a:t>
-            </a:r>
-            <a:r>
-              <a:rPr lang="en-GB" sz="2000" err="1">
-                <a:solidFill>
-                  <a:srgbClr val="FFFFFF"/>
-                </a:solidFill>
-                <a:cs typeface="Calibri"/>
-              </a:rPr>
-              <a:t>ocorram</a:t>
-            </a:r>
-            <a:r>
-              <a:rPr lang="en-GB" sz="2000">
-                <a:solidFill>
-                  <a:srgbClr val="FFFFFF"/>
-                </a:solidFill>
-                <a:cs typeface="Calibri"/>
-              </a:rPr>
-              <a:t> (</a:t>
-            </a:r>
-            <a:r>
-              <a:rPr lang="en-GB" sz="2000" err="1">
-                <a:solidFill>
-                  <a:srgbClr val="FFFFFF"/>
-                </a:solidFill>
-                <a:cs typeface="Calibri"/>
-              </a:rPr>
-              <a:t>prevê</a:t>
-            </a:r>
-            <a:r>
-              <a:rPr lang="en-GB" sz="2000">
-                <a:solidFill>
-                  <a:srgbClr val="FFFFFF"/>
-                </a:solidFill>
-                <a:cs typeface="Calibri"/>
-              </a:rPr>
-              <a:t> </a:t>
-            </a:r>
-            <a:r>
-              <a:rPr lang="en-GB" sz="2000" err="1">
-                <a:solidFill>
-                  <a:srgbClr val="FFFFFF"/>
-                </a:solidFill>
-                <a:cs typeface="Calibri"/>
-              </a:rPr>
-              <a:t>até</a:t>
-            </a:r>
-            <a:r>
-              <a:rPr lang="en-GB" sz="2000">
-                <a:solidFill>
-                  <a:srgbClr val="FFFFFF"/>
-                </a:solidFill>
-                <a:cs typeface="Calibri"/>
-              </a:rPr>
-              <a:t> </a:t>
-            </a:r>
-            <a:r>
-              <a:rPr lang="en-GB" sz="2000" err="1">
-                <a:solidFill>
-                  <a:srgbClr val="FFFFFF"/>
-                </a:solidFill>
-                <a:cs typeface="Calibri"/>
-              </a:rPr>
-              <a:t>ao</a:t>
-            </a:r>
-            <a:r>
-              <a:rPr lang="en-GB" sz="2000">
-                <a:solidFill>
-                  <a:srgbClr val="FFFFFF"/>
-                </a:solidFill>
-                <a:cs typeface="Calibri"/>
-              </a:rPr>
-              <a:t> </a:t>
-            </a:r>
-            <a:r>
-              <a:rPr lang="en-GB" sz="2000" err="1">
-                <a:solidFill>
-                  <a:srgbClr val="FFFFFF"/>
-                </a:solidFill>
-                <a:cs typeface="Calibri"/>
-              </a:rPr>
-              <a:t>evento</a:t>
-            </a:r>
-            <a:r>
-              <a:rPr lang="en-GB" sz="2000">
-                <a:solidFill>
-                  <a:srgbClr val="FFFFFF"/>
-                </a:solidFill>
-                <a:cs typeface="Calibri"/>
-              </a:rPr>
-              <a:t> k);</a:t>
-            </a:r>
-          </a:p>
-        </p:txBody>
-      </p:sp>
+      <mc:AlternateContent xmlns:mc="http://schemas.openxmlformats.org/markup-compatibility/2006">
+        <mc:Choice xmlns:a14="http://schemas.microsoft.com/office/drawing/2010/main" Requires="a14">
+          <p:sp>
+            <p:nvSpPr>
+              <p:cNvPr id="3" name="Content Placeholder 2">
+                <a:extLst>
+                  <a:ext uri="{FF2B5EF4-FFF2-40B4-BE49-F238E27FC236}">
+                    <a16:creationId xmlns:a16="http://schemas.microsoft.com/office/drawing/2014/main" id="{1B8160BC-DBAF-4CF3-815A-DFCC0C01BC4D}"/>
+                  </a:ext>
+                </a:extLst>
+              </p:cNvPr>
+              <p:cNvSpPr>
+                <a:spLocks noGrp="1"/>
+              </p:cNvSpPr>
+              <p:nvPr>
+                <p:ph idx="1"/>
+              </p:nvPr>
+            </p:nvSpPr>
+            <p:spPr>
+              <a:xfrm>
+                <a:off x="838201" y="2022601"/>
+                <a:ext cx="10515598" cy="4154361"/>
+              </a:xfrm>
+            </p:spPr>
+            <p:txBody>
+              <a:bodyPr vert="horz" lIns="91440" tIns="45720" rIns="91440" bIns="45720" rtlCol="0" anchor="t">
+                <a:normAutofit/>
+              </a:bodyPr>
+              <a:lstStyle/>
+              <a:p>
+                <a:r>
+                  <a:rPr lang="en-GB" sz="2000" dirty="0">
+                    <a:solidFill>
+                      <a:srgbClr val="FFFFFF"/>
+                    </a:solidFill>
+                    <a:cs typeface="Calibri"/>
+                  </a:rPr>
+                  <a:t>A </a:t>
+                </a:r>
+                <a:r>
+                  <a:rPr lang="en-GB" sz="2000" dirty="0" err="1">
+                    <a:solidFill>
+                      <a:srgbClr val="FFFFFF"/>
+                    </a:solidFill>
+                    <a:cs typeface="Calibri"/>
+                  </a:rPr>
+                  <a:t>distribuição</a:t>
+                </a:r>
+                <a:r>
+                  <a:rPr lang="en-GB" sz="2000" dirty="0">
+                    <a:solidFill>
+                      <a:srgbClr val="FFFFFF"/>
+                    </a:solidFill>
+                    <a:cs typeface="Calibri"/>
+                  </a:rPr>
+                  <a:t> é </a:t>
+                </a:r>
+                <a:r>
+                  <a:rPr lang="en-GB" sz="2000" dirty="0" err="1">
+                    <a:solidFill>
+                      <a:srgbClr val="FFFFFF"/>
+                    </a:solidFill>
+                    <a:cs typeface="Calibri"/>
+                  </a:rPr>
+                  <a:t>contínua</a:t>
+                </a:r>
+                <a:r>
+                  <a:rPr lang="en-GB" sz="2000" dirty="0">
+                    <a:solidFill>
+                      <a:srgbClr val="FFFFFF"/>
+                    </a:solidFill>
+                    <a:cs typeface="Calibri"/>
+                  </a:rPr>
+                  <a:t> e serve para </a:t>
+                </a:r>
+                <a:r>
+                  <a:rPr lang="en-GB" sz="2000" dirty="0" err="1">
+                    <a:solidFill>
+                      <a:srgbClr val="FFFFFF"/>
+                    </a:solidFill>
+                    <a:cs typeface="Calibri"/>
+                  </a:rPr>
+                  <a:t>modelizar</a:t>
+                </a:r>
+                <a:r>
+                  <a:rPr lang="en-GB" sz="2000" dirty="0">
+                    <a:solidFill>
+                      <a:srgbClr val="FFFFFF"/>
+                    </a:solidFill>
+                    <a:cs typeface="Calibri"/>
+                  </a:rPr>
+                  <a:t> </a:t>
+                </a:r>
+                <a:r>
+                  <a:rPr lang="en-GB" sz="2000" dirty="0" err="1">
+                    <a:solidFill>
+                      <a:srgbClr val="FFFFFF"/>
+                    </a:solidFill>
+                    <a:cs typeface="Calibri"/>
+                  </a:rPr>
+                  <a:t>variáveis</a:t>
+                </a:r>
+                <a:r>
+                  <a:rPr lang="en-GB" sz="2000" dirty="0">
+                    <a:solidFill>
+                      <a:srgbClr val="FFFFFF"/>
+                    </a:solidFill>
+                    <a:cs typeface="Calibri"/>
+                  </a:rPr>
+                  <a:t> </a:t>
+                </a:r>
+                <a:r>
+                  <a:rPr lang="en-GB" sz="2000" dirty="0" err="1">
+                    <a:solidFill>
+                      <a:srgbClr val="FFFFFF"/>
+                    </a:solidFill>
+                    <a:cs typeface="Calibri"/>
+                  </a:rPr>
+                  <a:t>contínuas</a:t>
+                </a:r>
+                <a:r>
+                  <a:rPr lang="en-GB" sz="2000" dirty="0">
+                    <a:solidFill>
+                      <a:srgbClr val="FFFFFF"/>
+                    </a:solidFill>
+                    <a:cs typeface="Calibri"/>
+                  </a:rPr>
+                  <a:t> </a:t>
+                </a:r>
+                <a:r>
+                  <a:rPr lang="en-GB" sz="2000" dirty="0" err="1">
+                    <a:solidFill>
+                      <a:srgbClr val="FFFFFF"/>
+                    </a:solidFill>
+                    <a:cs typeface="Calibri"/>
+                  </a:rPr>
+                  <a:t>positivas</a:t>
+                </a:r>
+                <a:r>
+                  <a:rPr lang="en-GB" sz="2000" dirty="0">
+                    <a:solidFill>
+                      <a:srgbClr val="FFFFFF"/>
+                    </a:solidFill>
+                    <a:cs typeface="Calibri"/>
+                  </a:rPr>
+                  <a:t> que </a:t>
+                </a:r>
+                <a:r>
+                  <a:rPr lang="en-GB" sz="2000" dirty="0" err="1">
+                    <a:solidFill>
+                      <a:srgbClr val="FFFFFF"/>
+                    </a:solidFill>
+                    <a:cs typeface="Calibri"/>
+                  </a:rPr>
+                  <a:t>são</a:t>
+                </a:r>
+                <a:r>
+                  <a:rPr lang="en-GB" sz="2000" dirty="0">
+                    <a:solidFill>
+                      <a:srgbClr val="FFFFFF"/>
+                    </a:solidFill>
+                    <a:cs typeface="Calibri"/>
+                  </a:rPr>
+                  <a:t> </a:t>
+                </a:r>
+                <a:r>
+                  <a:rPr lang="en-GB" sz="2000" dirty="0" err="1">
+                    <a:solidFill>
+                      <a:srgbClr val="FFFFFF"/>
+                    </a:solidFill>
+                    <a:cs typeface="Calibri"/>
+                  </a:rPr>
+                  <a:t>assimétricas</a:t>
+                </a:r>
+                <a:r>
+                  <a:rPr lang="en-GB" sz="2000" dirty="0">
+                    <a:solidFill>
+                      <a:srgbClr val="FFFFFF"/>
+                    </a:solidFill>
+                    <a:cs typeface="Calibri"/>
+                  </a:rPr>
+                  <a:t>;</a:t>
+                </a:r>
+              </a:p>
+              <a:p>
+                <a:r>
+                  <a:rPr lang="en-GB" sz="2000" dirty="0">
+                    <a:solidFill>
+                      <a:srgbClr val="FFFFFF"/>
+                    </a:solidFill>
+                    <a:cs typeface="Calibri"/>
+                  </a:rPr>
+                  <a:t>É </a:t>
+                </a:r>
+                <a:r>
+                  <a:rPr lang="en-GB" sz="2000" dirty="0" err="1">
+                    <a:solidFill>
+                      <a:srgbClr val="FFFFFF"/>
+                    </a:solidFill>
+                    <a:cs typeface="Calibri"/>
+                  </a:rPr>
+                  <a:t>uma</a:t>
+                </a:r>
+                <a:r>
+                  <a:rPr lang="en-GB" sz="2000" dirty="0">
+                    <a:solidFill>
+                      <a:srgbClr val="FFFFFF"/>
+                    </a:solidFill>
+                    <a:cs typeface="Calibri"/>
+                  </a:rPr>
+                  <a:t> </a:t>
+                </a:r>
+                <a:r>
+                  <a:rPr lang="en-GB" sz="2000" dirty="0" err="1">
+                    <a:solidFill>
+                      <a:srgbClr val="FFFFFF"/>
+                    </a:solidFill>
+                    <a:cs typeface="Calibri"/>
+                  </a:rPr>
+                  <a:t>distribuição</a:t>
+                </a:r>
+                <a:r>
+                  <a:rPr lang="en-GB" sz="2000" dirty="0">
+                    <a:solidFill>
+                      <a:srgbClr val="FFFFFF"/>
+                    </a:solidFill>
+                    <a:cs typeface="Calibri"/>
+                  </a:rPr>
+                  <a:t> com 2 </a:t>
+                </a:r>
+                <a:r>
+                  <a:rPr lang="en-GB" sz="2000" dirty="0" err="1">
+                    <a:solidFill>
+                      <a:srgbClr val="FFFFFF"/>
+                    </a:solidFill>
+                    <a:cs typeface="Calibri"/>
+                  </a:rPr>
+                  <a:t>parâmetros</a:t>
+                </a:r>
+                <a:r>
+                  <a:rPr lang="en-GB" sz="2000" dirty="0">
+                    <a:solidFill>
+                      <a:srgbClr val="FFFFFF"/>
+                    </a:solidFill>
+                    <a:cs typeface="Calibri"/>
+                  </a:rPr>
+                  <a:t> reais </a:t>
+                </a:r>
+                <a:r>
+                  <a:rPr lang="en-GB" sz="2000" dirty="0" err="1">
+                    <a:solidFill>
+                      <a:srgbClr val="FFFFFF"/>
+                    </a:solidFill>
+                    <a:cs typeface="Calibri"/>
+                  </a:rPr>
+                  <a:t>positivos</a:t>
+                </a:r>
+                <a:r>
+                  <a:rPr lang="en-GB" sz="2000" dirty="0">
+                    <a:solidFill>
+                      <a:srgbClr val="FFFFFF"/>
+                    </a:solidFill>
+                    <a:cs typeface="Calibri"/>
+                  </a:rPr>
+                  <a:t>;</a:t>
+                </a:r>
+              </a:p>
+              <a:p>
+                <a:r>
+                  <a:rPr lang="en-GB" sz="2000" dirty="0" err="1">
+                    <a:solidFill>
+                      <a:srgbClr val="FFFFFF"/>
+                    </a:solidFill>
+                    <a:cs typeface="Calibri"/>
+                  </a:rPr>
+                  <a:t>Os</a:t>
+                </a:r>
+                <a:r>
+                  <a:rPr lang="en-GB" sz="2000" dirty="0">
+                    <a:solidFill>
+                      <a:srgbClr val="FFFFFF"/>
+                    </a:solidFill>
+                    <a:cs typeface="Calibri"/>
+                  </a:rPr>
+                  <a:t> 2 </a:t>
+                </a:r>
+                <a:r>
+                  <a:rPr lang="en-GB" sz="2000" dirty="0" err="1">
+                    <a:solidFill>
+                      <a:srgbClr val="FFFFFF"/>
+                    </a:solidFill>
+                    <a:cs typeface="Calibri"/>
+                  </a:rPr>
+                  <a:t>tipos</a:t>
+                </a:r>
+                <a:r>
+                  <a:rPr lang="en-GB" sz="2000" dirty="0">
+                    <a:solidFill>
+                      <a:srgbClr val="FFFFFF"/>
+                    </a:solidFill>
+                    <a:cs typeface="Calibri"/>
+                  </a:rPr>
+                  <a:t> de </a:t>
+                </a:r>
+                <a:r>
+                  <a:rPr lang="en-GB" sz="2000" dirty="0" err="1">
+                    <a:solidFill>
+                      <a:srgbClr val="FFFFFF"/>
+                    </a:solidFill>
+                    <a:cs typeface="Calibri"/>
+                  </a:rPr>
+                  <a:t>parametrização</a:t>
+                </a:r>
+                <a:r>
+                  <a:rPr lang="en-GB" sz="2000" dirty="0">
+                    <a:solidFill>
+                      <a:srgbClr val="FFFFFF"/>
+                    </a:solidFill>
+                    <a:cs typeface="Calibri"/>
+                  </a:rPr>
+                  <a:t> </a:t>
+                </a:r>
+                <a:r>
+                  <a:rPr lang="en-GB" sz="2000" dirty="0" err="1">
+                    <a:solidFill>
+                      <a:srgbClr val="FFFFFF"/>
+                    </a:solidFill>
+                    <a:cs typeface="Calibri"/>
+                  </a:rPr>
+                  <a:t>mais</a:t>
+                </a:r>
+                <a:r>
+                  <a:rPr lang="en-GB" sz="2000" dirty="0">
+                    <a:solidFill>
+                      <a:srgbClr val="FFFFFF"/>
+                    </a:solidFill>
+                    <a:cs typeface="Calibri"/>
+                  </a:rPr>
+                  <a:t> </a:t>
+                </a:r>
+                <a:r>
+                  <a:rPr lang="en-GB" sz="2000" dirty="0" err="1">
+                    <a:solidFill>
+                      <a:srgbClr val="FFFFFF"/>
+                    </a:solidFill>
+                    <a:cs typeface="Calibri"/>
+                  </a:rPr>
+                  <a:t>usados</a:t>
+                </a:r>
+                <a:r>
+                  <a:rPr lang="en-GB" sz="2000" dirty="0">
+                    <a:solidFill>
+                      <a:srgbClr val="FFFFFF"/>
+                    </a:solidFill>
+                    <a:cs typeface="Calibri"/>
+                  </a:rPr>
+                  <a:t> </a:t>
+                </a:r>
+                <a:r>
+                  <a:rPr lang="en-GB" sz="2000" dirty="0" err="1">
+                    <a:solidFill>
+                      <a:srgbClr val="FFFFFF"/>
+                    </a:solidFill>
+                    <a:cs typeface="Calibri"/>
+                  </a:rPr>
+                  <a:t>são</a:t>
+                </a:r>
+                <a:r>
+                  <a:rPr lang="en-GB" sz="2000" dirty="0">
+                    <a:solidFill>
+                      <a:srgbClr val="FFFFFF"/>
+                    </a:solidFill>
+                    <a:cs typeface="Calibri"/>
+                  </a:rPr>
+                  <a:t>:</a:t>
+                </a:r>
+              </a:p>
+              <a:p>
+                <a:pPr lvl="1"/>
+                <a:r>
+                  <a:rPr lang="en-GB" sz="2000" dirty="0">
+                    <a:solidFill>
+                      <a:srgbClr val="FFFFFF"/>
+                    </a:solidFill>
+                    <a:cs typeface="Calibri"/>
+                  </a:rPr>
+                  <a:t>Com um </a:t>
+                </a:r>
+                <a:r>
+                  <a:rPr lang="en-GB" sz="2000" dirty="0" err="1">
+                    <a:solidFill>
+                      <a:srgbClr val="FFFFFF"/>
+                    </a:solidFill>
+                    <a:cs typeface="Calibri"/>
+                  </a:rPr>
+                  <a:t>parâmetro</a:t>
+                </a:r>
+                <a:r>
+                  <a:rPr lang="en-GB" sz="2000" dirty="0">
+                    <a:solidFill>
+                      <a:srgbClr val="FFFFFF"/>
+                    </a:solidFill>
+                    <a:cs typeface="Calibri"/>
+                  </a:rPr>
+                  <a:t> de forma </a:t>
+                </a:r>
+                <a14:m>
+                  <m:oMath xmlns:m="http://schemas.openxmlformats.org/officeDocument/2006/math">
+                    <m:r>
+                      <a:rPr lang="en-GB" sz="2000" b="0" i="1" smtClean="0">
+                        <a:solidFill>
+                          <a:srgbClr val="FFFFFF"/>
+                        </a:solidFill>
+                        <a:latin typeface="Cambria Math" panose="02040503050406030204" pitchFamily="18" charset="0"/>
+                        <a:cs typeface="Calibri"/>
+                      </a:rPr>
+                      <m:t>𝑘</m:t>
+                    </m:r>
+                  </m:oMath>
+                </a14:m>
+                <a:r>
+                  <a:rPr lang="en-GB" sz="2000" dirty="0">
+                    <a:solidFill>
+                      <a:srgbClr val="FFFFFF"/>
+                    </a:solidFill>
+                    <a:cs typeface="Calibri"/>
+                  </a:rPr>
+                  <a:t> e um </a:t>
+                </a:r>
+                <a:r>
+                  <a:rPr lang="en-GB" sz="2000" dirty="0" err="1">
+                    <a:solidFill>
+                      <a:srgbClr val="FFFFFF"/>
+                    </a:solidFill>
+                    <a:cs typeface="Calibri"/>
+                  </a:rPr>
+                  <a:t>parâmetro</a:t>
+                </a:r>
+                <a:r>
+                  <a:rPr lang="en-GB" sz="2000" dirty="0">
+                    <a:solidFill>
+                      <a:srgbClr val="FFFFFF"/>
+                    </a:solidFill>
+                    <a:cs typeface="Calibri"/>
+                  </a:rPr>
+                  <a:t> de </a:t>
+                </a:r>
+                <a:r>
+                  <a:rPr lang="en-GB" sz="2000" dirty="0" err="1">
+                    <a:solidFill>
+                      <a:srgbClr val="FFFFFF"/>
+                    </a:solidFill>
+                    <a:cs typeface="Calibri"/>
+                  </a:rPr>
+                  <a:t>escala</a:t>
+                </a:r>
+                <a:r>
+                  <a:rPr lang="en-GB" sz="2000" dirty="0">
+                    <a:solidFill>
+                      <a:srgbClr val="FFFFFF"/>
+                    </a:solidFill>
+                    <a:cs typeface="Calibri"/>
+                  </a:rPr>
+                  <a:t> theta (</a:t>
+                </a:r>
+                <a:r>
+                  <a:rPr lang="en-GB" sz="2000" dirty="0" err="1">
+                    <a:solidFill>
+                      <a:srgbClr val="FFFFFF"/>
+                    </a:solidFill>
+                    <a:cs typeface="Calibri"/>
+                  </a:rPr>
+                  <a:t>Econometria</a:t>
+                </a:r>
+                <a:r>
+                  <a:rPr lang="en-GB" sz="2000" dirty="0">
+                    <a:solidFill>
+                      <a:srgbClr val="FFFFFF"/>
+                    </a:solidFill>
+                    <a:cs typeface="Calibri"/>
+                  </a:rPr>
+                  <a:t>);</a:t>
+                </a:r>
+              </a:p>
+              <a:p>
+                <a:pPr lvl="1"/>
+                <a:r>
+                  <a:rPr lang="en-GB" sz="2000" dirty="0">
+                    <a:solidFill>
+                      <a:srgbClr val="FFFFFF"/>
+                    </a:solidFill>
+                    <a:cs typeface="Calibri"/>
+                  </a:rPr>
+                  <a:t>Com um </a:t>
+                </a:r>
+                <a:r>
+                  <a:rPr lang="en-GB" sz="2000" dirty="0" err="1">
+                    <a:solidFill>
+                      <a:srgbClr val="FFFFFF"/>
+                    </a:solidFill>
+                    <a:cs typeface="Calibri"/>
+                  </a:rPr>
+                  <a:t>parâmetro</a:t>
+                </a:r>
+                <a:r>
+                  <a:rPr lang="en-GB" sz="2000" dirty="0">
+                    <a:solidFill>
+                      <a:srgbClr val="FFFFFF"/>
+                    </a:solidFill>
+                    <a:cs typeface="Calibri"/>
+                  </a:rPr>
+                  <a:t> de forma </a:t>
+                </a:r>
+                <a14:m>
+                  <m:oMath xmlns:m="http://schemas.openxmlformats.org/officeDocument/2006/math">
+                    <m:r>
+                      <a:rPr lang="en-US" sz="2000" i="1" smtClean="0">
+                        <a:solidFill>
+                          <a:srgbClr val="FFFFFF"/>
+                        </a:solidFill>
+                        <a:latin typeface="Cambria Math" panose="02040503050406030204" pitchFamily="18" charset="0"/>
+                        <a:cs typeface="Calibri"/>
+                      </a:rPr>
+                      <m:t>𝛼</m:t>
+                    </m:r>
+                    <m:r>
+                      <a:rPr lang="en-US" sz="2000" b="0" i="0" smtClean="0">
+                        <a:solidFill>
+                          <a:srgbClr val="FFFFFF"/>
+                        </a:solidFill>
+                        <a:latin typeface="Cambria Math" panose="02040503050406030204" pitchFamily="18" charset="0"/>
+                        <a:cs typeface="Calibri"/>
+                      </a:rPr>
+                      <m:t>=</m:t>
+                    </m:r>
+                    <m:r>
+                      <a:rPr lang="en-GB" sz="2000" b="0" i="1" smtClean="0">
+                        <a:solidFill>
+                          <a:srgbClr val="FFFFFF"/>
+                        </a:solidFill>
+                        <a:latin typeface="Cambria Math" panose="02040503050406030204" pitchFamily="18" charset="0"/>
+                        <a:cs typeface="Calibri"/>
+                      </a:rPr>
+                      <m:t>𝑘</m:t>
+                    </m:r>
+                  </m:oMath>
+                </a14:m>
+                <a:r>
+                  <a:rPr lang="en-GB" sz="2000" dirty="0">
+                    <a:solidFill>
+                      <a:srgbClr val="FFFFFF"/>
+                    </a:solidFill>
+                    <a:cs typeface="Calibri"/>
+                  </a:rPr>
+                  <a:t> e um </a:t>
+                </a:r>
+                <a:r>
+                  <a:rPr lang="en-GB" sz="2000" dirty="0" err="1">
+                    <a:solidFill>
+                      <a:srgbClr val="FFFFFF"/>
+                    </a:solidFill>
+                    <a:cs typeface="Calibri"/>
+                  </a:rPr>
+                  <a:t>parâmetro</a:t>
+                </a:r>
+                <a:r>
+                  <a:rPr lang="en-GB" sz="2000" dirty="0">
+                    <a:solidFill>
+                      <a:srgbClr val="FFFFFF"/>
+                    </a:solidFill>
+                    <a:cs typeface="Calibri"/>
+                  </a:rPr>
+                  <a:t> de </a:t>
+                </a:r>
+                <a:r>
+                  <a:rPr lang="en-GB" sz="2000" dirty="0" err="1">
+                    <a:solidFill>
+                      <a:srgbClr val="FFFFFF"/>
+                    </a:solidFill>
+                    <a:cs typeface="Calibri"/>
+                  </a:rPr>
+                  <a:t>escala</a:t>
+                </a:r>
+                <a:r>
+                  <a:rPr lang="en-GB" sz="2000" dirty="0">
+                    <a:solidFill>
+                      <a:srgbClr val="FFFFFF"/>
+                    </a:solidFill>
+                    <a:cs typeface="Calibri"/>
+                  </a:rPr>
+                  <a:t> </a:t>
+                </a:r>
+                <a:r>
+                  <a:rPr lang="en-GB" sz="2000" dirty="0" err="1">
+                    <a:solidFill>
+                      <a:srgbClr val="FFFFFF"/>
+                    </a:solidFill>
+                    <a:cs typeface="Calibri"/>
+                  </a:rPr>
+                  <a:t>inversa</a:t>
+                </a:r>
+                <a:r>
+                  <a:rPr lang="en-GB" sz="2000" dirty="0">
+                    <a:solidFill>
+                      <a:srgbClr val="FFFFFF"/>
+                    </a:solidFill>
+                    <a:cs typeface="Calibri"/>
+                  </a:rPr>
+                  <a:t> </a:t>
+                </a:r>
+                <a14:m>
+                  <m:oMath xmlns:m="http://schemas.openxmlformats.org/officeDocument/2006/math">
+                    <m:r>
+                      <a:rPr lang="en-US" sz="2000" b="0" i="1" smtClean="0">
+                        <a:solidFill>
+                          <a:srgbClr val="FFFFFF"/>
+                        </a:solidFill>
+                        <a:latin typeface="Cambria Math" panose="02040503050406030204" pitchFamily="18" charset="0"/>
+                        <a:cs typeface="Calibri"/>
+                      </a:rPr>
+                      <m:t>𝛽</m:t>
+                    </m:r>
+                    <m:r>
+                      <a:rPr lang="en-US" sz="2000" b="0" i="1" smtClean="0">
+                        <a:solidFill>
+                          <a:srgbClr val="FFFFFF"/>
+                        </a:solidFill>
+                        <a:latin typeface="Cambria Math" panose="02040503050406030204" pitchFamily="18" charset="0"/>
+                        <a:cs typeface="Calibri"/>
+                      </a:rPr>
+                      <m:t>=1/</m:t>
+                    </m:r>
+                    <m:r>
+                      <a:rPr lang="en-US" sz="2000" b="0" i="1" smtClean="0">
+                        <a:solidFill>
+                          <a:srgbClr val="FFFFFF"/>
+                        </a:solidFill>
+                        <a:latin typeface="Cambria Math" panose="02040503050406030204" pitchFamily="18" charset="0"/>
+                        <a:cs typeface="Calibri"/>
+                      </a:rPr>
+                      <m:t>𝜃</m:t>
+                    </m:r>
+                  </m:oMath>
+                </a14:m>
+                <a:r>
+                  <a:rPr lang="en-GB" sz="2000" dirty="0">
+                    <a:solidFill>
+                      <a:srgbClr val="FFFFFF"/>
+                    </a:solidFill>
+                    <a:cs typeface="Calibri"/>
+                  </a:rPr>
+                  <a:t> (Inferência </a:t>
+                </a:r>
+                <a:r>
+                  <a:rPr lang="en-GB" sz="2000" dirty="0" err="1">
+                    <a:solidFill>
+                      <a:srgbClr val="FFFFFF"/>
+                    </a:solidFill>
+                    <a:cs typeface="Calibri"/>
+                  </a:rPr>
+                  <a:t>Bayesiana</a:t>
+                </a:r>
+                <a:r>
+                  <a:rPr lang="en-GB" sz="2000" dirty="0">
+                    <a:solidFill>
+                      <a:srgbClr val="FFFFFF"/>
+                    </a:solidFill>
+                    <a:cs typeface="Calibri"/>
+                  </a:rPr>
+                  <a:t>);</a:t>
+                </a:r>
+              </a:p>
+              <a:p>
+                <a:r>
+                  <a:rPr lang="en-GB" sz="2000" dirty="0">
+                    <a:solidFill>
+                      <a:srgbClr val="FFFFFF"/>
+                    </a:solidFill>
+                    <a:cs typeface="Calibri"/>
+                  </a:rPr>
+                  <a:t>É </a:t>
+                </a:r>
+                <a:r>
+                  <a:rPr lang="en-GB" sz="2000" dirty="0" err="1">
+                    <a:solidFill>
+                      <a:srgbClr val="FFFFFF"/>
+                    </a:solidFill>
+                    <a:cs typeface="Calibri"/>
+                  </a:rPr>
+                  <a:t>bastante</a:t>
+                </a:r>
+                <a:r>
+                  <a:rPr lang="en-GB" sz="2000" dirty="0">
+                    <a:solidFill>
+                      <a:srgbClr val="FFFFFF"/>
+                    </a:solidFill>
+                    <a:cs typeface="Calibri"/>
+                  </a:rPr>
+                  <a:t> </a:t>
+                </a:r>
+                <a:r>
+                  <a:rPr lang="en-GB" sz="2000" dirty="0" err="1">
+                    <a:solidFill>
+                      <a:srgbClr val="FFFFFF"/>
+                    </a:solidFill>
+                    <a:cs typeface="Calibri"/>
+                  </a:rPr>
+                  <a:t>usada</a:t>
+                </a:r>
+                <a:r>
+                  <a:rPr lang="en-GB" sz="2000" dirty="0">
+                    <a:solidFill>
+                      <a:srgbClr val="FFFFFF"/>
+                    </a:solidFill>
+                    <a:cs typeface="Calibri"/>
+                  </a:rPr>
+                  <a:t> para </a:t>
+                </a:r>
+                <a:r>
+                  <a:rPr lang="en-GB" sz="2000" dirty="0" err="1">
+                    <a:solidFill>
+                      <a:srgbClr val="FFFFFF"/>
+                    </a:solidFill>
+                    <a:cs typeface="Calibri"/>
+                  </a:rPr>
+                  <a:t>prever</a:t>
+                </a:r>
+                <a:r>
+                  <a:rPr lang="en-GB" sz="2000" dirty="0">
+                    <a:solidFill>
+                      <a:srgbClr val="FFFFFF"/>
+                    </a:solidFill>
+                    <a:cs typeface="Calibri"/>
+                  </a:rPr>
+                  <a:t> tempos de </a:t>
+                </a:r>
+                <a:r>
+                  <a:rPr lang="en-GB" sz="2000" dirty="0" err="1">
+                    <a:solidFill>
+                      <a:srgbClr val="FFFFFF"/>
+                    </a:solidFill>
+                    <a:cs typeface="Calibri"/>
+                  </a:rPr>
+                  <a:t>espera</a:t>
+                </a:r>
+                <a:r>
+                  <a:rPr lang="en-GB" sz="2000" dirty="0">
+                    <a:solidFill>
+                      <a:srgbClr val="FFFFFF"/>
+                    </a:solidFill>
+                    <a:cs typeface="Calibri"/>
+                  </a:rPr>
+                  <a:t> </a:t>
+                </a:r>
+                <a:r>
+                  <a:rPr lang="en-GB" sz="2000" dirty="0" err="1">
+                    <a:solidFill>
+                      <a:srgbClr val="FFFFFF"/>
+                    </a:solidFill>
+                    <a:cs typeface="Calibri"/>
+                  </a:rPr>
+                  <a:t>até</a:t>
+                </a:r>
+                <a:r>
+                  <a:rPr lang="en-GB" sz="2000" dirty="0">
+                    <a:solidFill>
+                      <a:srgbClr val="FFFFFF"/>
+                    </a:solidFill>
+                    <a:cs typeface="Calibri"/>
+                  </a:rPr>
+                  <a:t> que </a:t>
+                </a:r>
+                <a:r>
+                  <a:rPr lang="en-GB" sz="2000" dirty="0" err="1">
+                    <a:solidFill>
+                      <a:srgbClr val="FFFFFF"/>
+                    </a:solidFill>
+                    <a:cs typeface="Calibri"/>
+                  </a:rPr>
+                  <a:t>eventos</a:t>
+                </a:r>
+                <a:r>
+                  <a:rPr lang="en-GB" sz="2000" dirty="0">
+                    <a:solidFill>
+                      <a:srgbClr val="FFFFFF"/>
+                    </a:solidFill>
+                    <a:cs typeface="Calibri"/>
+                  </a:rPr>
+                  <a:t> </a:t>
+                </a:r>
+                <a:r>
+                  <a:rPr lang="en-GB" sz="2000" dirty="0" err="1">
+                    <a:solidFill>
+                      <a:srgbClr val="FFFFFF"/>
+                    </a:solidFill>
+                    <a:cs typeface="Calibri"/>
+                  </a:rPr>
+                  <a:t>futuros</a:t>
+                </a:r>
+                <a:r>
+                  <a:rPr lang="en-GB" sz="2000" dirty="0">
+                    <a:solidFill>
+                      <a:srgbClr val="FFFFFF"/>
+                    </a:solidFill>
+                    <a:cs typeface="Calibri"/>
+                  </a:rPr>
+                  <a:t> </a:t>
+                </a:r>
+                <a:r>
+                  <a:rPr lang="en-GB" sz="2000" dirty="0" err="1">
+                    <a:solidFill>
+                      <a:srgbClr val="FFFFFF"/>
+                    </a:solidFill>
+                    <a:cs typeface="Calibri"/>
+                  </a:rPr>
+                  <a:t>ocorram</a:t>
+                </a:r>
+                <a:r>
+                  <a:rPr lang="en-GB" sz="2000" dirty="0">
+                    <a:solidFill>
+                      <a:srgbClr val="FFFFFF"/>
+                    </a:solidFill>
+                    <a:cs typeface="Calibri"/>
+                  </a:rPr>
+                  <a:t> (</a:t>
+                </a:r>
+                <a:r>
+                  <a:rPr lang="en-GB" sz="2000" dirty="0" err="1">
+                    <a:solidFill>
+                      <a:srgbClr val="FFFFFF"/>
+                    </a:solidFill>
+                    <a:cs typeface="Calibri"/>
+                  </a:rPr>
+                  <a:t>prevê</a:t>
+                </a:r>
+                <a:r>
+                  <a:rPr lang="en-GB" sz="2000" dirty="0">
+                    <a:solidFill>
+                      <a:srgbClr val="FFFFFF"/>
+                    </a:solidFill>
+                    <a:cs typeface="Calibri"/>
+                  </a:rPr>
+                  <a:t> </a:t>
+                </a:r>
+                <a:r>
+                  <a:rPr lang="en-GB" sz="2000" dirty="0" err="1">
+                    <a:solidFill>
+                      <a:srgbClr val="FFFFFF"/>
+                    </a:solidFill>
+                    <a:cs typeface="Calibri"/>
+                  </a:rPr>
+                  <a:t>até</a:t>
+                </a:r>
+                <a:r>
+                  <a:rPr lang="en-GB" sz="2000" dirty="0">
+                    <a:solidFill>
+                      <a:srgbClr val="FFFFFF"/>
+                    </a:solidFill>
+                    <a:cs typeface="Calibri"/>
+                  </a:rPr>
+                  <a:t> </a:t>
+                </a:r>
+                <a:r>
+                  <a:rPr lang="en-GB" sz="2000" dirty="0" err="1">
+                    <a:solidFill>
+                      <a:srgbClr val="FFFFFF"/>
+                    </a:solidFill>
+                    <a:cs typeface="Calibri"/>
+                  </a:rPr>
+                  <a:t>ao</a:t>
+                </a:r>
+                <a:r>
+                  <a:rPr lang="en-GB" sz="2000" dirty="0">
+                    <a:solidFill>
+                      <a:srgbClr val="FFFFFF"/>
+                    </a:solidFill>
+                    <a:cs typeface="Calibri"/>
+                  </a:rPr>
+                  <a:t> </a:t>
+                </a:r>
+                <a:r>
+                  <a:rPr lang="en-GB" sz="2000" dirty="0" err="1">
+                    <a:solidFill>
+                      <a:srgbClr val="FFFFFF"/>
+                    </a:solidFill>
+                    <a:cs typeface="Calibri"/>
+                  </a:rPr>
+                  <a:t>evento</a:t>
+                </a:r>
+                <a:r>
+                  <a:rPr lang="en-GB" sz="2000" dirty="0">
+                    <a:solidFill>
+                      <a:srgbClr val="FFFFFF"/>
+                    </a:solidFill>
+                    <a:cs typeface="Calibri"/>
+                  </a:rPr>
+                  <a:t> </a:t>
+                </a:r>
+                <a:r>
+                  <a:rPr lang="en-GB" sz="2000" b="0" dirty="0">
+                    <a:solidFill>
+                      <a:srgbClr val="FFFFFF"/>
+                    </a:solidFill>
+                    <a:cs typeface="Calibri"/>
+                  </a:rPr>
+                  <a:t> </a:t>
+                </a:r>
+                <a14:m>
+                  <m:oMath xmlns:m="http://schemas.openxmlformats.org/officeDocument/2006/math">
+                    <m:r>
+                      <a:rPr lang="en-GB" sz="2000" b="0" i="1" smtClean="0">
+                        <a:solidFill>
+                          <a:srgbClr val="FFFFFF"/>
+                        </a:solidFill>
+                        <a:latin typeface="Cambria Math" panose="02040503050406030204" pitchFamily="18" charset="0"/>
+                        <a:cs typeface="Calibri"/>
+                      </a:rPr>
+                      <m:t>𝑘</m:t>
+                    </m:r>
+                  </m:oMath>
+                </a14:m>
+                <a:r>
+                  <a:rPr lang="en-GB" sz="2000" dirty="0">
+                    <a:solidFill>
+                      <a:srgbClr val="FFFFFF"/>
+                    </a:solidFill>
+                    <a:cs typeface="Calibri"/>
+                  </a:rPr>
+                  <a:t>);</a:t>
+                </a:r>
+              </a:p>
+            </p:txBody>
+          </p:sp>
+        </mc:Choice>
+        <mc:Fallback>
+          <p:sp>
+            <p:nvSpPr>
+              <p:cNvPr id="3" name="Content Placeholder 2">
+                <a:extLst>
+                  <a:ext uri="{FF2B5EF4-FFF2-40B4-BE49-F238E27FC236}">
+                    <a16:creationId xmlns:a16="http://schemas.microsoft.com/office/drawing/2014/main" id="{1B8160BC-DBAF-4CF3-815A-DFCC0C01BC4D}"/>
+                  </a:ext>
+                </a:extLst>
+              </p:cNvPr>
+              <p:cNvSpPr>
+                <a:spLocks noGrp="1" noRot="1" noChangeAspect="1" noMove="1" noResize="1" noEditPoints="1" noAdjustHandles="1" noChangeArrowheads="1" noChangeShapeType="1" noTextEdit="1"/>
+              </p:cNvSpPr>
+              <p:nvPr>
+                <p:ph idx="1"/>
+              </p:nvPr>
+            </p:nvSpPr>
+            <p:spPr>
+              <a:xfrm>
+                <a:off x="838201" y="2022601"/>
+                <a:ext cx="10515598" cy="4154361"/>
+              </a:xfrm>
+              <a:blipFill>
+                <a:blip r:embed="rId2"/>
+                <a:stretch>
+                  <a:fillRect l="-522" t="-1615"/>
+                </a:stretch>
+              </a:blipFill>
+            </p:spPr>
+            <p:txBody>
+              <a:bodyPr/>
+              <a:lstStyle/>
+              <a:p>
+                <a:r>
+                  <a:rPr lang="en-GB">
+                    <a:noFill/>
+                  </a:rPr>
+                  <a:t> </a:t>
+                </a:r>
+              </a:p>
+            </p:txBody>
+          </p:sp>
+        </mc:Fallback>
+      </mc:AlternateContent>
       <p:pic>
         <p:nvPicPr>
           <p:cNvPr id="7" name="Picture 6" descr="Icon&#10;&#10;Description automatically generated">
@@ -15479,7 +15569,7 @@
           <p:nvPr/>
         </p:nvPicPr>
         <p:blipFill>
-          <a:blip r:embed="rId2">
+          <a:blip r:embed="rId3">
             <a:extLst>
               <a:ext uri="{28A0092B-C50C-407E-A947-70E740481C1C}">
                 <a14:useLocalDpi xmlns:a14="http://schemas.microsoft.com/office/drawing/2010/main" val="0"/>
@@ -15912,8 +16002,8 @@
           </a:p>
         </p:txBody>
       </p:sp>
-      <mc:AlternateContent xmlns:mc="http://schemas.openxmlformats.org/markup-compatibility/2006">
-        <mc:Choice xmlns:a14="http://schemas.microsoft.com/office/drawing/2010/main" Requires="a14">
+      <mc:AlternateContent xmlns:mc="http://schemas.openxmlformats.org/markup-compatibility/2006" xmlns:a14="http://schemas.microsoft.com/office/drawing/2010/main">
+        <mc:Choice Requires="a14">
           <p:sp>
             <p:nvSpPr>
               <p:cNvPr id="3" name="Content Placeholder 2">
@@ -16437,7 +16527,7 @@
             </p:txBody>
           </p:sp>
         </mc:Choice>
-        <mc:Fallback>
+        <mc:Fallback xmlns="">
           <p:sp>
             <p:nvSpPr>
               <p:cNvPr id="3" name="Content Placeholder 2">
@@ -17027,7 +17117,7 @@
         <p:spPr>
           <a:xfrm>
             <a:off x="375614" y="2777999"/>
-            <a:ext cx="6199529" cy="1384995"/>
+            <a:ext cx="6199529" cy="1600438"/>
           </a:xfrm>
           <a:prstGeom prst="rect">
             <a:avLst/>
@@ -17041,7 +17131,7 @@
           <a:lstStyle/>
           <a:p>
             <a:r>
-              <a:rPr lang="en-GB" sz="1400" spc="300">
+              <a:rPr lang="en-GB" sz="1400" spc="300" dirty="0">
                 <a:solidFill>
                   <a:srgbClr val="7030A0"/>
                 </a:solidFill>
@@ -17050,13 +17140,13 @@
               <a:t>var</a:t>
             </a:r>
             <a:r>
-              <a:rPr lang="en-GB" sz="1400" spc="300">
+              <a:rPr lang="en-GB" sz="1400" spc="300" dirty="0">
                 <a:latin typeface="Bahnschrift Light SemiCondensed"/>
               </a:rPr>
               <a:t> </a:t>
             </a:r>
             <a:r>
-              <a:rPr lang="en-GB" sz="1400" spc="300">
+              <a:rPr lang="en-GB" sz="1400" spc="300" dirty="0">
                 <a:solidFill>
                   <a:srgbClr val="0070C0"/>
                 </a:solidFill>
@@ -17065,15 +17155,50 @@
               <a:t>Beta </a:t>
             </a:r>
             <a:r>
-              <a:rPr lang="en-GB" sz="1400" spc="300">
+              <a:rPr lang="en-GB" sz="1400" spc="300" dirty="0">
                 <a:latin typeface="Bahnschrift Light SemiCondensed"/>
               </a:rPr>
-              <a:t>= 1/10</a:t>
+              <a:t>= 10</a:t>
             </a:r>
           </a:p>
           <a:p>
             <a:r>
-              <a:rPr lang="en-GB" sz="1400" spc="300">
+              <a:rPr lang="en-GB" sz="1400" spc="300" dirty="0">
+                <a:solidFill>
+                  <a:srgbClr val="7030A0"/>
+                </a:solidFill>
+                <a:latin typeface="Bahnschrift Light SemiCondensed"/>
+                <a:ea typeface="+mn-lt"/>
+                <a:cs typeface="+mn-lt"/>
+              </a:rPr>
+              <a:t>var </a:t>
+            </a:r>
+            <a:r>
+              <a:rPr lang="en-GB" sz="1400" spc="300" dirty="0">
+                <a:solidFill>
+                  <a:srgbClr val="0070C0"/>
+                </a:solidFill>
+                <a:latin typeface="Bahnschrift Light SemiCondensed"/>
+                <a:ea typeface="+mn-lt"/>
+                <a:cs typeface="+mn-lt"/>
+              </a:rPr>
+              <a:t>theta </a:t>
+            </a:r>
+            <a:r>
+              <a:rPr lang="en-GB" sz="1400" spc="300" dirty="0">
+                <a:solidFill>
+                  <a:srgbClr val="FFFFFF"/>
+                </a:solidFill>
+                <a:latin typeface="Bahnschrift Light SemiCondensed"/>
+                <a:ea typeface="+mn-lt"/>
+                <a:cs typeface="+mn-lt"/>
+              </a:rPr>
+              <a:t>= 1/Beta</a:t>
+            </a:r>
+          </a:p>
+          <a:p>
+            <a:r>
+              <a:rPr lang="en-GB" sz="1400" spc="300" dirty="0">
                 <a:solidFill>
                   <a:srgbClr val="7030A0"/>
                 </a:solidFill>
@@ -17084,7 +17209,7 @@
               <a:t>var</a:t>
             </a:r>
             <a:r>
-              <a:rPr lang="en-GB" sz="1400" spc="300">
+              <a:rPr lang="en-GB" sz="1400" spc="300" dirty="0">
                 <a:latin typeface="Bahnschrift Light SemiCondensed"/>
                 <a:ea typeface="+mn-lt"/>
                 <a:cs typeface="+mn-lt"/>
@@ -17092,7 +17217,7 @@
               <a:t> </a:t>
             </a:r>
             <a:r>
-              <a:rPr lang="en-GB" sz="1400" spc="300">
+              <a:rPr lang="en-GB" sz="1400" spc="300" dirty="0">
                 <a:solidFill>
                   <a:srgbClr val="0070C0"/>
                 </a:solidFill>
@@ -17103,20 +17228,20 @@
               <a:t>alpha </a:t>
             </a:r>
             <a:r>
-              <a:rPr lang="en-GB" sz="1400" spc="300">
+              <a:rPr lang="en-GB" sz="1400" spc="300" dirty="0">
                 <a:latin typeface="Bahnschrift Light SemiCondensed"/>
                 <a:ea typeface="+mn-lt"/>
                 <a:cs typeface="+mn-lt"/>
               </a:rPr>
               <a:t>= 20</a:t>
             </a:r>
-            <a:endParaRPr lang="en-GB">
+            <a:endParaRPr lang="en-GB" dirty="0">
               <a:latin typeface="Bahnschrift Light SemiCondensed"/>
             </a:endParaRPr>
           </a:p>
           <a:p>
             <a:r>
-              <a:rPr lang="en-GB" sz="1400" spc="300">
+              <a:rPr lang="en-GB" sz="1400" spc="300" dirty="0">
                 <a:solidFill>
                   <a:srgbClr val="7030A0"/>
                 </a:solidFill>
@@ -17125,13 +17250,13 @@
               <a:t>var</a:t>
             </a:r>
             <a:r>
-              <a:rPr lang="en-GB" sz="1400" spc="300">
+              <a:rPr lang="en-GB" sz="1400" spc="300" dirty="0">
                 <a:latin typeface="Bahnschrift SemiLight"/>
               </a:rPr>
               <a:t> g</a:t>
             </a:r>
             <a:r>
-              <a:rPr lang="en-GB" sz="1400" spc="300">
+              <a:rPr lang="en-GB" sz="1400" spc="300" dirty="0">
                 <a:solidFill>
                   <a:srgbClr val="0070C0"/>
                 </a:solidFill>
@@ -17140,13 +17265,13 @@
               <a:t> </a:t>
             </a:r>
             <a:r>
-              <a:rPr lang="en-GB" sz="1400" spc="300">
+              <a:rPr lang="en-GB" sz="1400" spc="300" dirty="0">
                 <a:latin typeface="Bahnschrift SemiLight"/>
               </a:rPr>
               <a:t>= </a:t>
             </a:r>
             <a:r>
-              <a:rPr lang="en-GB" sz="1400" spc="300">
+              <a:rPr lang="en-GB" sz="1400" spc="300" dirty="0">
                 <a:solidFill>
                   <a:srgbClr val="7030A0"/>
                 </a:solidFill>
@@ -17155,13 +17280,13 @@
               <a:t>function</a:t>
             </a:r>
             <a:r>
-              <a:rPr lang="en-GB" sz="1400" spc="300">
+              <a:rPr lang="en-GB" sz="1400" spc="300" dirty="0">
                 <a:latin typeface="Bahnschrift SemiLight"/>
               </a:rPr>
               <a:t>(){</a:t>
             </a:r>
             <a:r>
-              <a:rPr lang="en-GB" sz="1400" spc="300">
+              <a:rPr lang="en-GB" sz="1400" spc="300" dirty="0">
                 <a:solidFill>
                   <a:srgbClr val="7030A0"/>
                 </a:solidFill>
@@ -17170,19 +17295,19 @@
               <a:t>return</a:t>
             </a:r>
             <a:r>
-              <a:rPr lang="en-GB" sz="1400" spc="300">
+              <a:rPr lang="en-GB" sz="1400" spc="300" dirty="0">
                 <a:latin typeface="Bahnschrift SemiLight"/>
               </a:rPr>
               <a:t> gamma({</a:t>
             </a:r>
             <a:r>
-              <a:rPr lang="en-GB" sz="1400" spc="300" err="1">
+              <a:rPr lang="en-GB" sz="1400" spc="300" dirty="0" err="1">
                 <a:latin typeface="Bahnschrift SemiLight"/>
               </a:rPr>
               <a:t>shape:</a:t>
             </a:r>
             <a:r>
-              <a:rPr lang="en-GB" sz="1400" spc="300" err="1">
+              <a:rPr lang="en-GB" sz="1400" spc="300" dirty="0" err="1">
                 <a:solidFill>
                   <a:srgbClr val="0070C0"/>
                 </a:solidFill>
@@ -17191,22 +17316,22 @@
               <a:t>alpha</a:t>
             </a:r>
             <a:r>
-              <a:rPr lang="en-GB" sz="1400" spc="300" err="1">
+              <a:rPr lang="en-GB" sz="1400" spc="300" dirty="0" err="1">
                 <a:latin typeface="Bahnschrift SemiLight"/>
               </a:rPr>
               <a:t>,scale:</a:t>
             </a:r>
             <a:r>
-              <a:rPr lang="en-GB" sz="1400" spc="300" err="1">
+              <a:rPr lang="en-GB" sz="1400" spc="300" dirty="0" err="1">
                 <a:solidFill>
                   <a:srgbClr val="0070C0"/>
                 </a:solidFill>
                 <a:latin typeface="Bahnschrift SemiLight"/>
               </a:rPr>
-              <a:t>beta</a:t>
+              <a:t>theta</a:t>
             </a:r>
             <a:r>
-              <a:rPr lang="en-GB" sz="1400" spc="300">
+              <a:rPr lang="en-GB" sz="1400" spc="300" dirty="0">
                 <a:latin typeface="Bahnschrift SemiLight"/>
               </a:rPr>
               <a:t>})}</a:t>
@@ -17214,19 +17339,19 @@
           </a:p>
           <a:p>
             <a:r>
-              <a:rPr lang="en-GB" sz="1400" spc="300">
+              <a:rPr lang="en-GB" sz="1400" spc="300" dirty="0">
                 <a:latin typeface="Bahnschrift SemiLight"/>
               </a:rPr>
               <a:t>viz(Gamma({</a:t>
             </a:r>
             <a:r>
-              <a:rPr lang="en-GB" sz="1400" spc="300" err="1">
+              <a:rPr lang="en-GB" sz="1400" spc="300" dirty="0" err="1">
                 <a:latin typeface="Bahnschrift SemiLight"/>
               </a:rPr>
               <a:t>shape:</a:t>
             </a:r>
             <a:r>
-              <a:rPr lang="en-GB" sz="1400" spc="300" err="1">
+              <a:rPr lang="en-GB" sz="1400" spc="300" dirty="0" err="1">
                 <a:solidFill>
                   <a:srgbClr val="0070C0"/>
                 </a:solidFill>
@@ -17235,22 +17360,22 @@
               <a:t>alpha</a:t>
             </a:r>
             <a:r>
-              <a:rPr lang="en-GB" sz="1400" spc="300" err="1">
+              <a:rPr lang="en-GB" sz="1400" spc="300" dirty="0" err="1">
                 <a:latin typeface="Bahnschrift SemiLight"/>
               </a:rPr>
               <a:t>,scale:</a:t>
             </a:r>
             <a:r>
-              <a:rPr lang="en-GB" sz="1400" spc="300" err="1">
+              <a:rPr lang="en-GB" sz="1400" spc="300" dirty="0" err="1">
                 <a:solidFill>
                   <a:srgbClr val="0070C0"/>
                 </a:solidFill>
                 <a:latin typeface="Bahnschrift SemiLight"/>
               </a:rPr>
-              <a:t>beta</a:t>
+              <a:t>theta</a:t>
             </a:r>
             <a:r>
-              <a:rPr lang="en-GB" sz="1400" spc="300">
+              <a:rPr lang="en-GB" sz="1400" spc="300" dirty="0">
                 <a:latin typeface="Bahnschrift SemiLight"/>
               </a:rPr>
               <a:t>}))</a:t>
@@ -17258,13 +17383,13 @@
           </a:p>
           <a:p>
             <a:r>
-              <a:rPr lang="en-GB" sz="1400" spc="300">
+              <a:rPr lang="en-GB" sz="1400" spc="300" dirty="0">
                 <a:latin typeface="Bahnschrift SemiLight"/>
               </a:rPr>
               <a:t>viz(Infer({method:</a:t>
             </a:r>
             <a:r>
-              <a:rPr lang="en-GB" sz="1400" spc="300">
+              <a:rPr lang="en-GB" sz="1400" spc="300" dirty="0">
                 <a:solidFill>
                   <a:srgbClr val="C00000"/>
                 </a:solidFill>
@@ -17273,13 +17398,13 @@
               <a:t>'rejection',</a:t>
             </a:r>
             <a:r>
-              <a:rPr lang="en-GB" sz="1400" spc="300">
+              <a:rPr lang="en-GB" sz="1400" spc="300" dirty="0">
                 <a:latin typeface="Bahnschrift SemiLight"/>
               </a:rPr>
               <a:t>samples:</a:t>
             </a:r>
             <a:r>
-              <a:rPr lang="en-GB" sz="1400" spc="300">
+              <a:rPr lang="en-GB" sz="1400" spc="300" dirty="0">
                 <a:solidFill>
                   <a:schemeClr val="accent6">
                     <a:lumMod val="50000"/>
@@ -17290,7 +17415,7 @@
               <a:t>100000</a:t>
             </a:r>
             <a:r>
-              <a:rPr lang="en-GB" sz="1400" spc="300">
+              <a:rPr lang="en-GB" sz="1400" spc="300" dirty="0">
                 <a:latin typeface="Bahnschrift SemiLight"/>
               </a:rPr>
               <a:t>},g))</a:t>
